--- a/semester2 PPT/Sustainable_Web_Presentation_Danish.pptx
+++ b/semester2 PPT/Sustainable_Web_Presentation_Danish.pptx
@@ -5,7 +5,7 @@
     <p:sldMasterId id="2147483648" r:id="rId1"/>
   </p:sldMasterIdLst>
   <p:notesMasterIdLst>
-    <p:notesMasterId r:id="rId27"/>
+    <p:notesMasterId r:id="rId30"/>
   </p:notesMasterIdLst>
   <p:sldIdLst>
     <p:sldId id="256" r:id="rId2"/>
@@ -16,23 +16,26 @@
     <p:sldId id="260" r:id="rId7"/>
     <p:sldId id="261" r:id="rId8"/>
     <p:sldId id="262" r:id="rId9"/>
-    <p:sldId id="263" r:id="rId10"/>
-    <p:sldId id="265" r:id="rId11"/>
-    <p:sldId id="266" r:id="rId12"/>
-    <p:sldId id="267" r:id="rId13"/>
-    <p:sldId id="268" r:id="rId14"/>
-    <p:sldId id="269" r:id="rId15"/>
-    <p:sldId id="270" r:id="rId16"/>
-    <p:sldId id="271" r:id="rId17"/>
-    <p:sldId id="272" r:id="rId18"/>
-    <p:sldId id="281" r:id="rId19"/>
-    <p:sldId id="282" r:id="rId20"/>
-    <p:sldId id="273" r:id="rId21"/>
+    <p:sldId id="283" r:id="rId10"/>
+    <p:sldId id="263" r:id="rId11"/>
+    <p:sldId id="265" r:id="rId12"/>
+    <p:sldId id="266" r:id="rId13"/>
+    <p:sldId id="267" r:id="rId14"/>
+    <p:sldId id="268" r:id="rId15"/>
+    <p:sldId id="269" r:id="rId16"/>
+    <p:sldId id="270" r:id="rId17"/>
+    <p:sldId id="271" r:id="rId18"/>
+    <p:sldId id="272" r:id="rId19"/>
+    <p:sldId id="281" r:id="rId20"/>
+    <p:sldId id="282" r:id="rId21"/>
     <p:sldId id="274" r:id="rId22"/>
-    <p:sldId id="278" r:id="rId23"/>
-    <p:sldId id="275" r:id="rId24"/>
-    <p:sldId id="277" r:id="rId25"/>
-    <p:sldId id="264" r:id="rId26"/>
+    <p:sldId id="284" r:id="rId23"/>
+    <p:sldId id="286" r:id="rId24"/>
+    <p:sldId id="278" r:id="rId25"/>
+    <p:sldId id="275" r:id="rId26"/>
+    <p:sldId id="273" r:id="rId27"/>
+    <p:sldId id="285" r:id="rId28"/>
+    <p:sldId id="264" r:id="rId29"/>
   </p:sldIdLst>
   <p:sldSz cx="12192000" cy="6858000"/>
   <p:notesSz cx="6858000" cy="9144000"/>
@@ -411,6 +414,92 @@
           <a:bodyPr/>
           <a:lstStyle/>
           <a:p>
+            <a:r>
+              <a:rPr lang="en-DK" dirty="0"/>
+              <a:t>e.g.. </a:t>
+            </a:r>
+          </a:p>
+        </p:txBody>
+      </p:sp>
+    </p:spTree>
+    <p:extLst>
+      <p:ext uri="{BB962C8B-B14F-4D97-AF65-F5344CB8AC3E}">
+        <p14:creationId xmlns:p14="http://schemas.microsoft.com/office/powerpoint/2010/main" val="2568256965"/>
+      </p:ext>
+    </p:extLst>
+  </p:cSld>
+  <p:clrMapOvr>
+    <a:masterClrMapping/>
+  </p:clrMapOvr>
+</p:notes>
+</file>
+
+<file path=ppt/notesSlides/notesSlide11.xml><?xml version="1.0" encoding="utf-8"?>
+<p:notes xmlns:a="http://schemas.openxmlformats.org/drawingml/2006/main" xmlns:r="http://schemas.openxmlformats.org/officeDocument/2006/relationships" xmlns:p="http://schemas.openxmlformats.org/presentationml/2006/main">
+  <p:cSld>
+    <p:spTree>
+      <p:nvGrpSpPr>
+        <p:cNvPr id="1" name=""/>
+        <p:cNvGrpSpPr/>
+        <p:nvPr/>
+      </p:nvGrpSpPr>
+      <p:grpSpPr>
+        <a:xfrm>
+          <a:off x="0" y="0"/>
+          <a:ext cx="0" cy="0"/>
+          <a:chOff x="0" y="0"/>
+          <a:chExt cx="0" cy="0"/>
+        </a:xfrm>
+      </p:grpSpPr>
+      <p:sp>
+        <p:nvSpPr>
+          <p:cNvPr id="2" name="Slide Image Placeholder 1"/>
+          <p:cNvSpPr>
+            <a:spLocks noGrp="1" noRot="1" noChangeAspect="1"/>
+          </p:cNvSpPr>
+          <p:nvPr>
+            <p:ph type="sldImg"/>
+          </p:nvPr>
+        </p:nvSpPr>
+        <p:spPr>
+          <a:xfrm>
+            <a:off x="685800" y="1143000"/>
+            <a:ext cx="5486400" cy="3086100"/>
+          </a:xfrm>
+          <a:prstGeom prst="rect">
+            <a:avLst/>
+          </a:prstGeom>
+          <a:noFill/>
+          <a:ln w="12700">
+            <a:solidFill>
+              <a:prstClr val="black"/>
+            </a:solidFill>
+          </a:ln>
+        </p:spPr>
+      </p:sp>
+      <p:sp>
+        <p:nvSpPr>
+          <p:cNvPr id="3" name="Notes Placeholder 2"/>
+          <p:cNvSpPr>
+            <a:spLocks noGrp="1"/>
+          </p:cNvSpPr>
+          <p:nvPr>
+            <p:ph type="body" idx="1"/>
+          </p:nvPr>
+        </p:nvSpPr>
+        <p:spPr>
+          <a:xfrm>
+            <a:off x="685800" y="4400550"/>
+            <a:ext cx="5486400" cy="3600450"/>
+          </a:xfrm>
+          <a:prstGeom prst="rect">
+            <a:avLst/>
+          </a:prstGeom>
+        </p:spPr>
+        <p:txBody>
+          <a:bodyPr/>
+          <a:lstStyle/>
+          <a:p>
             <a:pPr marL="0" marR="0" lvl="0" indent="0" algn="l" defTabSz="914400" rtl="0" eaLnBrk="1" fontAlgn="auto" latinLnBrk="0" hangingPunct="1">
               <a:lnSpc>
                 <a:spcPct val="100000"/>
@@ -1268,7 +1357,7 @@
           <a:p>
             <a:fld id="{5BCAD085-E8A6-8845-BD4E-CB4CCA059FC4}" type="datetimeFigureOut">
               <a:rPr lang="en-US" smtClean="0"/>
-              <a:t>1/17/25</a:t>
+              <a:t>2/3/25</a:t>
             </a:fld>
             <a:endParaRPr lang="en-US"/>
           </a:p>
@@ -1436,7 +1525,7 @@
           <a:p>
             <a:fld id="{5BCAD085-E8A6-8845-BD4E-CB4CCA059FC4}" type="datetimeFigureOut">
               <a:rPr lang="en-US" smtClean="0"/>
-              <a:t>1/17/25</a:t>
+              <a:t>2/3/25</a:t>
             </a:fld>
             <a:endParaRPr lang="en-US"/>
           </a:p>
@@ -1614,7 +1703,7 @@
           <a:p>
             <a:fld id="{5BCAD085-E8A6-8845-BD4E-CB4CCA059FC4}" type="datetimeFigureOut">
               <a:rPr lang="en-US" smtClean="0"/>
-              <a:t>1/17/25</a:t>
+              <a:t>2/3/25</a:t>
             </a:fld>
             <a:endParaRPr lang="en-US"/>
           </a:p>
@@ -1782,7 +1871,7 @@
           <a:p>
             <a:fld id="{5BCAD085-E8A6-8845-BD4E-CB4CCA059FC4}" type="datetimeFigureOut">
               <a:rPr lang="en-US" smtClean="0"/>
-              <a:t>1/17/25</a:t>
+              <a:t>2/3/25</a:t>
             </a:fld>
             <a:endParaRPr lang="en-US"/>
           </a:p>
@@ -2027,7 +2116,7 @@
           <a:p>
             <a:fld id="{5BCAD085-E8A6-8845-BD4E-CB4CCA059FC4}" type="datetimeFigureOut">
               <a:rPr lang="en-US" smtClean="0"/>
-              <a:t>1/17/25</a:t>
+              <a:t>2/3/25</a:t>
             </a:fld>
             <a:endParaRPr lang="en-US"/>
           </a:p>
@@ -2312,7 +2401,7 @@
           <a:p>
             <a:fld id="{5BCAD085-E8A6-8845-BD4E-CB4CCA059FC4}" type="datetimeFigureOut">
               <a:rPr lang="en-US" smtClean="0"/>
-              <a:t>1/17/25</a:t>
+              <a:t>2/3/25</a:t>
             </a:fld>
             <a:endParaRPr lang="en-US"/>
           </a:p>
@@ -2731,7 +2820,7 @@
           <a:p>
             <a:fld id="{5BCAD085-E8A6-8845-BD4E-CB4CCA059FC4}" type="datetimeFigureOut">
               <a:rPr lang="en-US" smtClean="0"/>
-              <a:t>1/17/25</a:t>
+              <a:t>2/3/25</a:t>
             </a:fld>
             <a:endParaRPr lang="en-US"/>
           </a:p>
@@ -2848,7 +2937,7 @@
           <a:p>
             <a:fld id="{5BCAD085-E8A6-8845-BD4E-CB4CCA059FC4}" type="datetimeFigureOut">
               <a:rPr lang="en-US" smtClean="0"/>
-              <a:t>1/17/25</a:t>
+              <a:t>2/3/25</a:t>
             </a:fld>
             <a:endParaRPr lang="en-US"/>
           </a:p>
@@ -2943,7 +3032,7 @@
           <a:p>
             <a:fld id="{5BCAD085-E8A6-8845-BD4E-CB4CCA059FC4}" type="datetimeFigureOut">
               <a:rPr lang="en-US" smtClean="0"/>
-              <a:t>1/17/25</a:t>
+              <a:t>2/3/25</a:t>
             </a:fld>
             <a:endParaRPr lang="en-US"/>
           </a:p>
@@ -3218,7 +3307,7 @@
           <a:p>
             <a:fld id="{5BCAD085-E8A6-8845-BD4E-CB4CCA059FC4}" type="datetimeFigureOut">
               <a:rPr lang="en-US" smtClean="0"/>
-              <a:t>1/17/25</a:t>
+              <a:t>2/3/25</a:t>
             </a:fld>
             <a:endParaRPr lang="en-US"/>
           </a:p>
@@ -3470,7 +3559,7 @@
           <a:p>
             <a:fld id="{5BCAD085-E8A6-8845-BD4E-CB4CCA059FC4}" type="datetimeFigureOut">
               <a:rPr lang="en-US" smtClean="0"/>
-              <a:t>1/17/25</a:t>
+              <a:t>2/3/25</a:t>
             </a:fld>
             <a:endParaRPr lang="en-US"/>
           </a:p>
@@ -3681,7 +3770,7 @@
           <a:p>
             <a:fld id="{5BCAD085-E8A6-8845-BD4E-CB4CCA059FC4}" type="datetimeFigureOut">
               <a:rPr lang="en-US" smtClean="0"/>
-              <a:t>1/17/25</a:t>
+              <a:t>2/3/25</a:t>
             </a:fld>
             <a:endParaRPr lang="en-US"/>
           </a:p>
@@ -4072,42 +4161,62 @@
           <a:lstStyle/>
           <a:p>
             <a:r>
-              <a:rPr lang="en-GB" dirty="0"/>
+              <a:rPr lang="en-GB" dirty="0">
+                <a:latin typeface="Raleway" pitchFamily="2" charset="77"/>
+              </a:rPr>
               <a:t>Sustainable Web Design</a:t>
             </a:r>
             <a:r>
-              <a:rPr lang="da-DK" dirty="0"/>
+              <a:rPr lang="da-DK" dirty="0">
+                <a:latin typeface="Raleway" pitchFamily="2" charset="77"/>
+              </a:rPr>
               <a:t> </a:t>
             </a:r>
             <a:br>
-              <a:rPr lang="da-DK" dirty="0"/>
+              <a:rPr lang="da-DK" dirty="0">
+                <a:latin typeface="Raleway" pitchFamily="2" charset="77"/>
+              </a:rPr>
             </a:br>
             <a:r>
-              <a:rPr dirty="0"/>
-              <a:t> </a:t>
-            </a:r>
-            <a:r>
-              <a:rPr dirty="0" err="1"/>
+              <a:rPr dirty="0">
+                <a:latin typeface="Raleway" pitchFamily="2" charset="77"/>
+              </a:rPr>
+              <a:t> </a:t>
+            </a:r>
+            <a:r>
+              <a:rPr dirty="0" err="1">
+                <a:latin typeface="Raleway" pitchFamily="2" charset="77"/>
+              </a:rPr>
               <a:t>Bygning</a:t>
             </a:r>
             <a:r>
-              <a:rPr dirty="0"/>
-              <a:t> </a:t>
-            </a:r>
-            <a:r>
-              <a:rPr dirty="0" err="1"/>
+              <a:rPr dirty="0">
+                <a:latin typeface="Raleway" pitchFamily="2" charset="77"/>
+              </a:rPr>
+              <a:t> </a:t>
+            </a:r>
+            <a:r>
+              <a:rPr dirty="0" err="1">
+                <a:latin typeface="Raleway" pitchFamily="2" charset="77"/>
+              </a:rPr>
               <a:t>af</a:t>
             </a:r>
             <a:r>
-              <a:rPr dirty="0"/>
+              <a:rPr dirty="0">
+                <a:latin typeface="Raleway" pitchFamily="2" charset="77"/>
+              </a:rPr>
               <a:t> et </a:t>
             </a:r>
             <a:r>
-              <a:rPr dirty="0" err="1"/>
+              <a:rPr dirty="0" err="1">
+                <a:latin typeface="Raleway" pitchFamily="2" charset="77"/>
+              </a:rPr>
               <a:t>grønnere</a:t>
             </a:r>
             <a:r>
-              <a:rPr dirty="0"/>
+              <a:rPr dirty="0">
+                <a:latin typeface="Raleway" pitchFamily="2" charset="77"/>
+              </a:rPr>
               <a:t> internet</a:t>
             </a:r>
           </a:p>
@@ -4130,26 +4239,43 @@
           </a:xfrm>
         </p:spPr>
         <p:txBody>
-          <a:bodyPr/>
+          <a:bodyPr>
+            <a:normAutofit/>
+          </a:bodyPr>
           <a:lstStyle/>
           <a:p>
             <a:r>
-              <a:rPr lang="da-DK" dirty="0" err="1"/>
+              <a:rPr lang="da-DK" sz="2200" dirty="0" err="1">
+                <a:latin typeface="Times New Roman" panose="02020603050405020304" pitchFamily="18" charset="0"/>
+                <a:cs typeface="Times New Roman" panose="02020603050405020304" pitchFamily="18" charset="0"/>
+              </a:rPr>
               <a:t>Xbi</a:t>
             </a:r>
             <a:r>
-              <a:rPr lang="da-DK" dirty="0"/>
+              <a:rPr lang="da-DK" sz="2200" dirty="0">
+                <a:latin typeface="Times New Roman" panose="02020603050405020304" pitchFamily="18" charset="0"/>
+                <a:cs typeface="Times New Roman" panose="02020603050405020304" pitchFamily="18" charset="0"/>
+              </a:rPr>
               <a:t> @</a:t>
             </a:r>
             <a:r>
-              <a:rPr lang="da-DK" dirty="0" err="1"/>
+              <a:rPr lang="da-DK" sz="2200" dirty="0" err="1">
+                <a:latin typeface="Times New Roman" panose="02020603050405020304" pitchFamily="18" charset="0"/>
+                <a:cs typeface="Times New Roman" panose="02020603050405020304" pitchFamily="18" charset="0"/>
+              </a:rPr>
               <a:t>eamv</a:t>
             </a:r>
             <a:r>
-              <a:rPr lang="da-DK" dirty="0"/>
-              <a:t> 2025 v.1.1</a:t>
-            </a:r>
-            <a:endParaRPr dirty="0"/>
+              <a:rPr lang="da-DK" sz="2200" dirty="0">
+                <a:latin typeface="Times New Roman" panose="02020603050405020304" pitchFamily="18" charset="0"/>
+                <a:cs typeface="Times New Roman" panose="02020603050405020304" pitchFamily="18" charset="0"/>
+              </a:rPr>
+              <a:t> 2025 v.1.2</a:t>
+            </a:r>
+            <a:endParaRPr sz="2200" dirty="0">
+              <a:latin typeface="Times New Roman" panose="02020603050405020304" pitchFamily="18" charset="0"/>
+              <a:cs typeface="Times New Roman" panose="02020603050405020304" pitchFamily="18" charset="0"/>
+            </a:endParaRPr>
           </a:p>
         </p:txBody>
       </p:sp>
@@ -4162,1846 +4288,6 @@
 </file>
 
 <file path=ppt/slides/slide10.xml><?xml version="1.0" encoding="utf-8"?>
-<p:sld xmlns:a="http://schemas.openxmlformats.org/drawingml/2006/main" xmlns:r="http://schemas.openxmlformats.org/officeDocument/2006/relationships" xmlns:p="http://schemas.openxmlformats.org/presentationml/2006/main">
-  <p:cSld>
-    <p:spTree>
-      <p:nvGrpSpPr>
-        <p:cNvPr id="1" name=""/>
-        <p:cNvGrpSpPr/>
-        <p:nvPr/>
-      </p:nvGrpSpPr>
-      <p:grpSpPr>
-        <a:xfrm>
-          <a:off x="0" y="0"/>
-          <a:ext cx="0" cy="0"/>
-          <a:chOff x="0" y="0"/>
-          <a:chExt cx="0" cy="0"/>
-        </a:xfrm>
-      </p:grpSpPr>
-      <p:sp>
-        <p:nvSpPr>
-          <p:cNvPr id="2" name="Title 1">
-            <a:extLst>
-              <a:ext uri="{FF2B5EF4-FFF2-40B4-BE49-F238E27FC236}">
-                <a16:creationId xmlns:a16="http://schemas.microsoft.com/office/drawing/2014/main" id="{4F538F6C-EA05-58BD-9560-60356EBB8D3D}"/>
-              </a:ext>
-            </a:extLst>
-          </p:cNvPr>
-          <p:cNvSpPr>
-            <a:spLocks noGrp="1"/>
-          </p:cNvSpPr>
-          <p:nvPr>
-            <p:ph type="title"/>
-          </p:nvPr>
-        </p:nvSpPr>
-        <p:spPr/>
-        <p:txBody>
-          <a:bodyPr/>
-          <a:lstStyle/>
-          <a:p>
-            <a:endParaRPr lang="en-DK"/>
-          </a:p>
-        </p:txBody>
-      </p:sp>
-      <p:sp>
-        <p:nvSpPr>
-          <p:cNvPr id="3" name="Content Placeholder 2">
-            <a:extLst>
-              <a:ext uri="{FF2B5EF4-FFF2-40B4-BE49-F238E27FC236}">
-                <a16:creationId xmlns:a16="http://schemas.microsoft.com/office/drawing/2014/main" id="{9A7F1E3A-D9C8-10B1-FAE4-D2D5CCBA86F2}"/>
-              </a:ext>
-            </a:extLst>
-          </p:cNvPr>
-          <p:cNvSpPr>
-            <a:spLocks noGrp="1"/>
-          </p:cNvSpPr>
-          <p:nvPr>
-            <p:ph idx="1"/>
-          </p:nvPr>
-        </p:nvSpPr>
-        <p:spPr/>
-        <p:txBody>
-          <a:bodyPr/>
-          <a:lstStyle/>
-          <a:p>
-            <a:pPr marL="0" indent="0">
-              <a:buNone/>
-            </a:pPr>
-            <a:r>
-              <a:rPr lang="en-GB" dirty="0"/>
-              <a:t> </a:t>
-            </a:r>
-            <a:endParaRPr lang="en-DK" dirty="0"/>
-          </a:p>
-        </p:txBody>
-      </p:sp>
-      <p:sp>
-        <p:nvSpPr>
-          <p:cNvPr id="5" name="TextBox 4">
-            <a:extLst>
-              <a:ext uri="{FF2B5EF4-FFF2-40B4-BE49-F238E27FC236}">
-                <a16:creationId xmlns:a16="http://schemas.microsoft.com/office/drawing/2014/main" id="{A24E4326-D9B2-4687-D471-C6FB3EB119E9}"/>
-              </a:ext>
-            </a:extLst>
-          </p:cNvPr>
-          <p:cNvSpPr txBox="1"/>
-          <p:nvPr/>
-        </p:nvSpPr>
-        <p:spPr>
-          <a:xfrm>
-            <a:off x="3050628" y="3244334"/>
-            <a:ext cx="6101254" cy="923330"/>
-          </a:xfrm>
-          <a:prstGeom prst="rect">
-            <a:avLst/>
-          </a:prstGeom>
-          <a:noFill/>
-        </p:spPr>
-        <p:txBody>
-          <a:bodyPr wrap="square">
-            <a:spAutoFit/>
-          </a:bodyPr>
-          <a:lstStyle/>
-          <a:p>
-            <a:r>
-              <a:rPr lang="en-GB" sz="5400" b="0" i="0" dirty="0" err="1">
-                <a:solidFill>
-                  <a:srgbClr val="292929"/>
-                </a:solidFill>
-                <a:effectLst/>
-                <a:latin typeface="Calibri" panose="020F0502020204030204" pitchFamily="34" charset="0"/>
-                <a:cs typeface="Calibri" panose="020F0502020204030204" pitchFamily="34" charset="0"/>
-              </a:rPr>
-              <a:t>Bedste</a:t>
-            </a:r>
-            <a:r>
-              <a:rPr lang="en-GB" sz="5400" b="0" i="0" dirty="0">
-                <a:solidFill>
-                  <a:srgbClr val="292929"/>
-                </a:solidFill>
-                <a:effectLst/>
-                <a:latin typeface="Calibri" panose="020F0502020204030204" pitchFamily="34" charset="0"/>
-                <a:cs typeface="Calibri" panose="020F0502020204030204" pitchFamily="34" charset="0"/>
-              </a:rPr>
-              <a:t> </a:t>
-            </a:r>
-            <a:r>
-              <a:rPr lang="en-GB" sz="5400" b="0" i="0" dirty="0" err="1">
-                <a:solidFill>
-                  <a:srgbClr val="292929"/>
-                </a:solidFill>
-                <a:effectLst/>
-                <a:latin typeface="Calibri" panose="020F0502020204030204" pitchFamily="34" charset="0"/>
-                <a:cs typeface="Calibri" panose="020F0502020204030204" pitchFamily="34" charset="0"/>
-              </a:rPr>
-              <a:t>praksis</a:t>
-            </a:r>
-            <a:endParaRPr lang="en-DK" sz="5400" dirty="0">
-              <a:latin typeface="Calibri" panose="020F0502020204030204" pitchFamily="34" charset="0"/>
-              <a:cs typeface="Calibri" panose="020F0502020204030204" pitchFamily="34" charset="0"/>
-            </a:endParaRPr>
-          </a:p>
-        </p:txBody>
-      </p:sp>
-    </p:spTree>
-    <p:extLst>
-      <p:ext uri="{BB962C8B-B14F-4D97-AF65-F5344CB8AC3E}">
-        <p14:creationId xmlns:p14="http://schemas.microsoft.com/office/powerpoint/2010/main" val="3728464535"/>
-      </p:ext>
-    </p:extLst>
-  </p:cSld>
-  <p:clrMapOvr>
-    <a:masterClrMapping/>
-  </p:clrMapOvr>
-</p:sld>
-</file>
-
-<file path=ppt/slides/slide11.xml><?xml version="1.0" encoding="utf-8"?>
-<p:sld xmlns:a="http://schemas.openxmlformats.org/drawingml/2006/main" xmlns:r="http://schemas.openxmlformats.org/officeDocument/2006/relationships" xmlns:p="http://schemas.openxmlformats.org/presentationml/2006/main">
-  <p:cSld>
-    <p:spTree>
-      <p:nvGrpSpPr>
-        <p:cNvPr id="1" name=""/>
-        <p:cNvGrpSpPr/>
-        <p:nvPr/>
-      </p:nvGrpSpPr>
-      <p:grpSpPr>
-        <a:xfrm>
-          <a:off x="0" y="0"/>
-          <a:ext cx="0" cy="0"/>
-          <a:chOff x="0" y="0"/>
-          <a:chExt cx="0" cy="0"/>
-        </a:xfrm>
-      </p:grpSpPr>
-      <p:sp>
-        <p:nvSpPr>
-          <p:cNvPr id="2" name="Title 1"/>
-          <p:cNvSpPr>
-            <a:spLocks noGrp="1"/>
-          </p:cNvSpPr>
-          <p:nvPr>
-            <p:ph type="title"/>
-          </p:nvPr>
-        </p:nvSpPr>
-        <p:spPr/>
-        <p:txBody>
-          <a:bodyPr/>
-          <a:lstStyle/>
-          <a:p>
-            <a:r>
-              <a:rPr dirty="0" err="1"/>
-              <a:t>Implementering</a:t>
-            </a:r>
-            <a:r>
-              <a:rPr dirty="0"/>
-              <a:t> </a:t>
-            </a:r>
-            <a:r>
-              <a:rPr dirty="0" err="1"/>
-              <a:t>af</a:t>
-            </a:r>
-            <a:r>
-              <a:rPr dirty="0"/>
-              <a:t> </a:t>
-            </a:r>
-            <a:r>
-              <a:rPr dirty="0" err="1"/>
-              <a:t>bæredygtige</a:t>
-            </a:r>
-            <a:r>
-              <a:rPr dirty="0"/>
-              <a:t> </a:t>
-            </a:r>
-            <a:r>
-              <a:rPr dirty="0" err="1"/>
-              <a:t>webpraksisser</a:t>
-            </a:r>
-            <a:endParaRPr dirty="0"/>
-          </a:p>
-        </p:txBody>
-      </p:sp>
-      <p:sp>
-        <p:nvSpPr>
-          <p:cNvPr id="3" name="Content Placeholder 2"/>
-          <p:cNvSpPr>
-            <a:spLocks noGrp="1"/>
-          </p:cNvSpPr>
-          <p:nvPr>
-            <p:ph idx="1"/>
-          </p:nvPr>
-        </p:nvSpPr>
-        <p:spPr/>
-        <p:txBody>
-          <a:bodyPr/>
-          <a:lstStyle/>
-          <a:p>
-            <a:r>
-              <a:rPr dirty="0"/>
-              <a:t>• </a:t>
-            </a:r>
-            <a:r>
-              <a:rPr dirty="0" err="1"/>
-              <a:t>Fokus</a:t>
-            </a:r>
-            <a:r>
-              <a:rPr dirty="0"/>
-              <a:t> </a:t>
-            </a:r>
-            <a:r>
-              <a:rPr dirty="0" err="1"/>
-              <a:t>på</a:t>
-            </a:r>
-            <a:r>
-              <a:rPr dirty="0"/>
-              <a:t> at </a:t>
-            </a:r>
-            <a:r>
-              <a:rPr dirty="0" err="1"/>
-              <a:t>reducere</a:t>
-            </a:r>
-            <a:r>
-              <a:rPr dirty="0"/>
-              <a:t> </a:t>
-            </a:r>
-            <a:r>
-              <a:rPr dirty="0" err="1"/>
-              <a:t>sidens</a:t>
-            </a:r>
-            <a:r>
-              <a:rPr dirty="0"/>
-              <a:t> </a:t>
-            </a:r>
-            <a:r>
-              <a:rPr dirty="0" err="1"/>
-              <a:t>vægt</a:t>
-            </a:r>
-            <a:r>
-              <a:rPr dirty="0"/>
-              <a:t> </a:t>
-            </a:r>
-            <a:r>
-              <a:rPr dirty="0" err="1"/>
-              <a:t>og</a:t>
-            </a:r>
-            <a:r>
-              <a:rPr dirty="0"/>
-              <a:t> </a:t>
-            </a:r>
-            <a:r>
-              <a:rPr dirty="0" err="1">
-                <a:solidFill>
-                  <a:srgbClr val="FF0000"/>
-                </a:solidFill>
-              </a:rPr>
-              <a:t>ressource</a:t>
-            </a:r>
-            <a:r>
-              <a:rPr lang="da-DK" dirty="0">
-                <a:solidFill>
-                  <a:srgbClr val="FF0000"/>
-                </a:solidFill>
-              </a:rPr>
-              <a:t> </a:t>
-            </a:r>
-            <a:r>
-              <a:rPr dirty="0" err="1"/>
-              <a:t>forbrug</a:t>
-            </a:r>
-            <a:r>
-              <a:rPr dirty="0"/>
-              <a:t>.</a:t>
-            </a:r>
-          </a:p>
-          <a:p>
-            <a:r>
-              <a:rPr dirty="0"/>
-              <a:t>• </a:t>
-            </a:r>
-            <a:r>
-              <a:rPr dirty="0" err="1"/>
-              <a:t>Optimer</a:t>
-            </a:r>
-            <a:r>
-              <a:rPr dirty="0"/>
-              <a:t> </a:t>
-            </a:r>
-            <a:r>
-              <a:rPr dirty="0" err="1"/>
-              <a:t>billeder</a:t>
-            </a:r>
-            <a:r>
-              <a:rPr dirty="0"/>
-              <a:t>, </a:t>
-            </a:r>
-            <a:r>
-              <a:rPr dirty="0" err="1"/>
-              <a:t>skrifttyper</a:t>
-            </a:r>
-            <a:r>
-              <a:rPr dirty="0"/>
-              <a:t> </a:t>
-            </a:r>
-            <a:r>
-              <a:rPr dirty="0" err="1"/>
-              <a:t>og</a:t>
-            </a:r>
-            <a:r>
-              <a:rPr dirty="0"/>
-              <a:t> </a:t>
-            </a:r>
-            <a:r>
-              <a:rPr dirty="0" err="1"/>
-              <a:t>videoer</a:t>
-            </a:r>
-            <a:r>
-              <a:rPr dirty="0"/>
-              <a:t>.</a:t>
-            </a:r>
-          </a:p>
-          <a:p>
-            <a:r>
-              <a:rPr dirty="0"/>
-              <a:t>• Brug </a:t>
-            </a:r>
-            <a:r>
-              <a:rPr dirty="0" err="1"/>
-              <a:t>mørkere</a:t>
-            </a:r>
-            <a:r>
-              <a:rPr dirty="0"/>
-              <a:t> </a:t>
-            </a:r>
-            <a:r>
-              <a:rPr dirty="0" err="1"/>
-              <a:t>farver</a:t>
-            </a:r>
-            <a:r>
-              <a:rPr dirty="0"/>
-              <a:t> </a:t>
-            </a:r>
-            <a:r>
-              <a:rPr dirty="0" err="1"/>
-              <a:t>og</a:t>
-            </a:r>
-            <a:r>
-              <a:rPr dirty="0"/>
-              <a:t> </a:t>
-            </a:r>
-            <a:r>
-              <a:rPr dirty="0" err="1"/>
-              <a:t>systemskrifttyper</a:t>
-            </a:r>
-            <a:r>
-              <a:rPr dirty="0"/>
-              <a:t>.</a:t>
-            </a:r>
-          </a:p>
-          <a:p>
-            <a:r>
-              <a:rPr dirty="0"/>
-              <a:t>• </a:t>
-            </a:r>
-            <a:r>
-              <a:rPr dirty="0" err="1"/>
-              <a:t>Skriv</a:t>
-            </a:r>
-            <a:r>
-              <a:rPr dirty="0"/>
-              <a:t> </a:t>
-            </a:r>
-            <a:r>
-              <a:rPr dirty="0" err="1"/>
-              <a:t>genanvendelig</a:t>
-            </a:r>
-            <a:r>
-              <a:rPr dirty="0"/>
-              <a:t> </a:t>
-            </a:r>
-            <a:r>
-              <a:rPr dirty="0" err="1"/>
-              <a:t>kode</a:t>
-            </a:r>
-            <a:r>
-              <a:rPr dirty="0"/>
-              <a:t>.</a:t>
-            </a:r>
-          </a:p>
-          <a:p>
-            <a:r>
-              <a:rPr dirty="0"/>
-              <a:t>• </a:t>
-            </a:r>
-            <a:r>
-              <a:rPr dirty="0" err="1"/>
-              <a:t>Komprimer</a:t>
-            </a:r>
-            <a:r>
-              <a:rPr dirty="0"/>
-              <a:t> </a:t>
-            </a:r>
-            <a:r>
-              <a:rPr dirty="0" err="1"/>
-              <a:t>mediefiler</a:t>
-            </a:r>
-            <a:r>
-              <a:rPr dirty="0"/>
-              <a:t>.</a:t>
-            </a:r>
-          </a:p>
-          <a:p>
-            <a:r>
-              <a:rPr dirty="0"/>
-              <a:t>• </a:t>
-            </a:r>
-            <a:r>
-              <a:rPr dirty="0" err="1"/>
-              <a:t>Prioriter</a:t>
-            </a:r>
-            <a:r>
-              <a:rPr dirty="0"/>
-              <a:t> </a:t>
-            </a:r>
-            <a:r>
-              <a:rPr dirty="0" err="1"/>
-              <a:t>effektiv</a:t>
-            </a:r>
-            <a:r>
-              <a:rPr dirty="0"/>
-              <a:t> </a:t>
-            </a:r>
-            <a:r>
-              <a:rPr dirty="0" err="1"/>
-              <a:t>kodning</a:t>
-            </a:r>
-            <a:r>
-              <a:rPr dirty="0"/>
-              <a:t>.</a:t>
-            </a:r>
-          </a:p>
-        </p:txBody>
-      </p:sp>
-    </p:spTree>
-  </p:cSld>
-  <p:clrMapOvr>
-    <a:masterClrMapping/>
-  </p:clrMapOvr>
-</p:sld>
-</file>
-
-<file path=ppt/slides/slide12.xml><?xml version="1.0" encoding="utf-8"?>
-<p:sld xmlns:a="http://schemas.openxmlformats.org/drawingml/2006/main" xmlns:r="http://schemas.openxmlformats.org/officeDocument/2006/relationships" xmlns:p="http://schemas.openxmlformats.org/presentationml/2006/main">
-  <p:cSld>
-    <p:spTree>
-      <p:nvGrpSpPr>
-        <p:cNvPr id="1" name=""/>
-        <p:cNvGrpSpPr/>
-        <p:nvPr/>
-      </p:nvGrpSpPr>
-      <p:grpSpPr>
-        <a:xfrm>
-          <a:off x="0" y="0"/>
-          <a:ext cx="0" cy="0"/>
-          <a:chOff x="0" y="0"/>
-          <a:chExt cx="0" cy="0"/>
-        </a:xfrm>
-      </p:grpSpPr>
-      <p:sp>
-        <p:nvSpPr>
-          <p:cNvPr id="2" name="Title 1"/>
-          <p:cNvSpPr>
-            <a:spLocks noGrp="1"/>
-          </p:cNvSpPr>
-          <p:nvPr>
-            <p:ph type="title"/>
-          </p:nvPr>
-        </p:nvSpPr>
-        <p:spPr/>
-        <p:txBody>
-          <a:bodyPr/>
-          <a:lstStyle/>
-          <a:p>
-            <a:r>
-              <a:t>Optimering af billeder for bæredygtighed</a:t>
-            </a:r>
-          </a:p>
-        </p:txBody>
-      </p:sp>
-      <p:sp>
-        <p:nvSpPr>
-          <p:cNvPr id="3" name="Content Placeholder 2"/>
-          <p:cNvSpPr>
-            <a:spLocks noGrp="1"/>
-          </p:cNvSpPr>
-          <p:nvPr>
-            <p:ph idx="1"/>
-          </p:nvPr>
-        </p:nvSpPr>
-        <p:spPr/>
-        <p:txBody>
-          <a:bodyPr/>
-          <a:lstStyle/>
-          <a:p>
-            <a:r>
-              <a:t>• Billeder er en stor kilde til CO2-udledninger på websites.</a:t>
-            </a:r>
-          </a:p>
-          <a:p>
-            <a:r>
-              <a:t>• Brug effektive formater som AVIF eller WEBP.</a:t>
-            </a:r>
-          </a:p>
-          <a:p>
-            <a:r>
-              <a:t>• Komprimer billeder uden at miste for meget kvalitet.</a:t>
-            </a:r>
-          </a:p>
-          <a:p>
-            <a:r>
-              <a:t>• Overvej at bruge vektorbilleder til grafik.</a:t>
-            </a:r>
-          </a:p>
-          <a:p>
-            <a:r>
-              <a:t>• Undgå at bruge større, mindre effektive formater som JPEG og PNG.</a:t>
-            </a:r>
-          </a:p>
-        </p:txBody>
-      </p:sp>
-    </p:spTree>
-  </p:cSld>
-  <p:clrMapOvr>
-    <a:masterClrMapping/>
-  </p:clrMapOvr>
-</p:sld>
-</file>
-
-<file path=ppt/slides/slide13.xml><?xml version="1.0" encoding="utf-8"?>
-<p:sld xmlns:a="http://schemas.openxmlformats.org/drawingml/2006/main" xmlns:r="http://schemas.openxmlformats.org/officeDocument/2006/relationships" xmlns:p="http://schemas.openxmlformats.org/presentationml/2006/main">
-  <p:cSld>
-    <p:spTree>
-      <p:nvGrpSpPr>
-        <p:cNvPr id="1" name=""/>
-        <p:cNvGrpSpPr/>
-        <p:nvPr/>
-      </p:nvGrpSpPr>
-      <p:grpSpPr>
-        <a:xfrm>
-          <a:off x="0" y="0"/>
-          <a:ext cx="0" cy="0"/>
-          <a:chOff x="0" y="0"/>
-          <a:chExt cx="0" cy="0"/>
-        </a:xfrm>
-      </p:grpSpPr>
-      <p:sp>
-        <p:nvSpPr>
-          <p:cNvPr id="2" name="Title 1"/>
-          <p:cNvSpPr>
-            <a:spLocks noGrp="1"/>
-          </p:cNvSpPr>
-          <p:nvPr>
-            <p:ph type="title"/>
-          </p:nvPr>
-        </p:nvSpPr>
-        <p:spPr/>
-        <p:txBody>
-          <a:bodyPr/>
-          <a:lstStyle/>
-          <a:p>
-            <a:r>
-              <a:t>Optimering af video for bæredygtighed</a:t>
-            </a:r>
-          </a:p>
-        </p:txBody>
-      </p:sp>
-      <p:sp>
-        <p:nvSpPr>
-          <p:cNvPr id="3" name="Content Placeholder 2"/>
-          <p:cNvSpPr>
-            <a:spLocks noGrp="1"/>
-          </p:cNvSpPr>
-          <p:nvPr>
-            <p:ph idx="1"/>
-          </p:nvPr>
-        </p:nvSpPr>
-        <p:spPr/>
-        <p:txBody>
-          <a:bodyPr/>
-          <a:lstStyle/>
-          <a:p>
-            <a:r>
-              <a:t>• Videofilstørrelse bestemmes mere af codec end filtypenavn.</a:t>
-            </a:r>
-          </a:p>
-          <a:p>
-            <a:r>
-              <a:t>• Brug effektive videocodecs som AV1 for bedre komprimering.</a:t>
-            </a:r>
-          </a:p>
-          <a:p>
-            <a:r>
-              <a:t>• Transkodér videofiler for at reducere størrelsen.</a:t>
-            </a:r>
-          </a:p>
-          <a:p>
-            <a:r>
-              <a:t>• Brug MP4 som et grundlæggende format for kompatibilitet.</a:t>
-            </a:r>
-          </a:p>
-        </p:txBody>
-      </p:sp>
-    </p:spTree>
-  </p:cSld>
-  <p:clrMapOvr>
-    <a:masterClrMapping/>
-  </p:clrMapOvr>
-</p:sld>
-</file>
-
-<file path=ppt/slides/slide14.xml><?xml version="1.0" encoding="utf-8"?>
-<p:sld xmlns:a="http://schemas.openxmlformats.org/drawingml/2006/main" xmlns:r="http://schemas.openxmlformats.org/officeDocument/2006/relationships" xmlns:p="http://schemas.openxmlformats.org/presentationml/2006/main">
-  <p:cSld>
-    <p:spTree>
-      <p:nvGrpSpPr>
-        <p:cNvPr id="1" name=""/>
-        <p:cNvGrpSpPr/>
-        <p:nvPr/>
-      </p:nvGrpSpPr>
-      <p:grpSpPr>
-        <a:xfrm>
-          <a:off x="0" y="0"/>
-          <a:ext cx="0" cy="0"/>
-          <a:chOff x="0" y="0"/>
-          <a:chExt cx="0" cy="0"/>
-        </a:xfrm>
-      </p:grpSpPr>
-      <p:sp>
-        <p:nvSpPr>
-          <p:cNvPr id="2" name="Title 1"/>
-          <p:cNvSpPr>
-            <a:spLocks noGrp="1"/>
-          </p:cNvSpPr>
-          <p:nvPr>
-            <p:ph type="title"/>
-          </p:nvPr>
-        </p:nvSpPr>
-        <p:spPr/>
-        <p:txBody>
-          <a:bodyPr/>
-          <a:lstStyle/>
-          <a:p>
-            <a:r>
-              <a:t>Optimering af skrifttyper for bæredygtighed</a:t>
-            </a:r>
-          </a:p>
-        </p:txBody>
-      </p:sp>
-      <p:sp>
-        <p:nvSpPr>
-          <p:cNvPr id="3" name="Content Placeholder 2"/>
-          <p:cNvSpPr>
-            <a:spLocks noGrp="1"/>
-          </p:cNvSpPr>
-          <p:nvPr>
-            <p:ph idx="1"/>
-          </p:nvPr>
-        </p:nvSpPr>
-        <p:spPr/>
-        <p:txBody>
-          <a:bodyPr/>
-          <a:lstStyle/>
-          <a:p>
-            <a:r>
-              <a:t>• Eksterne skrifttyper kan øge sidens vægt og energiforbrug.</a:t>
-            </a:r>
-          </a:p>
-          <a:p>
-            <a:r>
-              <a:t>• Brug systemskrifttyper, hvor det er muligt.</a:t>
-            </a:r>
-          </a:p>
-          <a:p>
-            <a:r>
-              <a:t>• Delmængde skrifttyper for at reducere filstørrelsen.</a:t>
-            </a:r>
-          </a:p>
-        </p:txBody>
-      </p:sp>
-    </p:spTree>
-  </p:cSld>
-  <p:clrMapOvr>
-    <a:masterClrMapping/>
-  </p:clrMapOvr>
-</p:sld>
-</file>
-
-<file path=ppt/slides/slide15.xml><?xml version="1.0" encoding="utf-8"?>
-<p:sld xmlns:a="http://schemas.openxmlformats.org/drawingml/2006/main" xmlns:r="http://schemas.openxmlformats.org/officeDocument/2006/relationships" xmlns:p="http://schemas.openxmlformats.org/presentationml/2006/main">
-  <p:cSld>
-    <p:spTree>
-      <p:nvGrpSpPr>
-        <p:cNvPr id="1" name=""/>
-        <p:cNvGrpSpPr/>
-        <p:nvPr/>
-      </p:nvGrpSpPr>
-      <p:grpSpPr>
-        <a:xfrm>
-          <a:off x="0" y="0"/>
-          <a:ext cx="0" cy="0"/>
-          <a:chOff x="0" y="0"/>
-          <a:chExt cx="0" cy="0"/>
-        </a:xfrm>
-      </p:grpSpPr>
-      <p:sp>
-        <p:nvSpPr>
-          <p:cNvPr id="2" name="Title 1"/>
-          <p:cNvSpPr>
-            <a:spLocks noGrp="1"/>
-          </p:cNvSpPr>
-          <p:nvPr>
-            <p:ph type="title"/>
-          </p:nvPr>
-        </p:nvSpPr>
-        <p:spPr/>
-        <p:txBody>
-          <a:bodyPr/>
-          <a:lstStyle/>
-          <a:p>
-            <a:r>
-              <a:t>Fordelene ved mørk tilstand</a:t>
-            </a:r>
-          </a:p>
-        </p:txBody>
-      </p:sp>
-      <p:sp>
-        <p:nvSpPr>
-          <p:cNvPr id="3" name="Content Placeholder 2"/>
-          <p:cNvSpPr>
-            <a:spLocks noGrp="1"/>
-          </p:cNvSpPr>
-          <p:nvPr>
-            <p:ph idx="1"/>
-          </p:nvPr>
-        </p:nvSpPr>
-        <p:spPr/>
-        <p:txBody>
-          <a:bodyPr/>
-          <a:lstStyle/>
-          <a:p>
-            <a:r>
-              <a:rPr dirty="0"/>
-              <a:t>• </a:t>
-            </a:r>
-            <a:r>
-              <a:rPr dirty="0" err="1"/>
-              <a:t>Mørk</a:t>
-            </a:r>
-            <a:r>
-              <a:rPr dirty="0"/>
-              <a:t> </a:t>
-            </a:r>
-            <a:r>
-              <a:rPr dirty="0" err="1"/>
-              <a:t>tilstand</a:t>
-            </a:r>
-            <a:r>
-              <a:rPr dirty="0"/>
-              <a:t> </a:t>
-            </a:r>
-            <a:r>
-              <a:rPr dirty="0" err="1"/>
-              <a:t>reducerer</a:t>
-            </a:r>
-            <a:r>
-              <a:rPr dirty="0"/>
-              <a:t> </a:t>
-            </a:r>
-            <a:r>
-              <a:rPr dirty="0" err="1"/>
-              <a:t>energiforbruget</a:t>
-            </a:r>
-            <a:r>
-              <a:rPr dirty="0"/>
-              <a:t> </a:t>
-            </a:r>
-            <a:endParaRPr lang="da-DK" dirty="0"/>
-          </a:p>
-          <a:p>
-            <a:r>
-              <a:rPr dirty="0"/>
-              <a:t> Sort er den </a:t>
-            </a:r>
-            <a:r>
-              <a:rPr dirty="0" err="1"/>
-              <a:t>mest</a:t>
-            </a:r>
-            <a:r>
-              <a:rPr dirty="0"/>
-              <a:t> </a:t>
-            </a:r>
-            <a:r>
-              <a:rPr dirty="0" err="1"/>
-              <a:t>energieffektive</a:t>
-            </a:r>
-            <a:r>
-              <a:rPr dirty="0"/>
-              <a:t> </a:t>
-            </a:r>
-            <a:r>
-              <a:rPr dirty="0" err="1"/>
-              <a:t>farve</a:t>
-            </a:r>
-            <a:r>
-              <a:rPr dirty="0"/>
-              <a:t> </a:t>
-            </a:r>
-            <a:r>
-              <a:rPr dirty="0" err="1"/>
-              <a:t>på</a:t>
-            </a:r>
-            <a:r>
-              <a:rPr dirty="0"/>
-              <a:t> </a:t>
-            </a:r>
-            <a:r>
-              <a:rPr lang="da-DK" dirty="0"/>
-              <a:t>digital </a:t>
-            </a:r>
-            <a:r>
-              <a:rPr dirty="0" err="1"/>
-              <a:t>skærme</a:t>
-            </a:r>
-            <a:r>
-              <a:rPr dirty="0"/>
-              <a:t>.</a:t>
-            </a:r>
-          </a:p>
-          <a:p>
-            <a:r>
-              <a:rPr dirty="0"/>
-              <a:t>• </a:t>
-            </a:r>
-            <a:r>
-              <a:rPr dirty="0" err="1"/>
-              <a:t>Mørk</a:t>
-            </a:r>
-            <a:r>
-              <a:rPr dirty="0"/>
-              <a:t> </a:t>
-            </a:r>
-            <a:r>
-              <a:rPr dirty="0" err="1"/>
-              <a:t>tilstand</a:t>
-            </a:r>
-            <a:r>
-              <a:rPr dirty="0"/>
-              <a:t> </a:t>
-            </a:r>
-            <a:r>
-              <a:rPr dirty="0" err="1"/>
-              <a:t>kan</a:t>
-            </a:r>
-            <a:r>
-              <a:rPr dirty="0"/>
-              <a:t> </a:t>
-            </a:r>
-            <a:r>
-              <a:rPr dirty="0" err="1"/>
-              <a:t>nemt</a:t>
-            </a:r>
-            <a:r>
-              <a:rPr dirty="0"/>
-              <a:t> </a:t>
-            </a:r>
-            <a:r>
-              <a:rPr dirty="0" err="1"/>
-              <a:t>implementeres</a:t>
-            </a:r>
-            <a:r>
-              <a:rPr dirty="0"/>
-              <a:t> med </a:t>
-            </a:r>
-            <a:r>
-              <a:rPr dirty="0" err="1"/>
-              <a:t>få</a:t>
-            </a:r>
-            <a:r>
-              <a:rPr dirty="0"/>
-              <a:t> </a:t>
-            </a:r>
-            <a:r>
-              <a:rPr dirty="0" err="1"/>
-              <a:t>linjer</a:t>
-            </a:r>
-            <a:r>
-              <a:rPr dirty="0"/>
-              <a:t> </a:t>
-            </a:r>
-            <a:r>
-              <a:rPr dirty="0" err="1"/>
-              <a:t>kode</a:t>
-            </a:r>
-            <a:r>
-              <a:rPr lang="da-DK" dirty="0"/>
-              <a:t>(</a:t>
-            </a:r>
-            <a:r>
-              <a:rPr lang="da-DK" dirty="0" err="1"/>
-              <a:t>javascript</a:t>
-            </a:r>
-            <a:r>
-              <a:rPr lang="da-DK" dirty="0"/>
-              <a:t>)</a:t>
-            </a:r>
-            <a:r>
-              <a:rPr dirty="0"/>
-              <a:t>.</a:t>
-            </a:r>
-          </a:p>
-        </p:txBody>
-      </p:sp>
-    </p:spTree>
-  </p:cSld>
-  <p:clrMapOvr>
-    <a:masterClrMapping/>
-  </p:clrMapOvr>
-</p:sld>
-</file>
-
-<file path=ppt/slides/slide16.xml><?xml version="1.0" encoding="utf-8"?>
-<p:sld xmlns:a="http://schemas.openxmlformats.org/drawingml/2006/main" xmlns:r="http://schemas.openxmlformats.org/officeDocument/2006/relationships" xmlns:p="http://schemas.openxmlformats.org/presentationml/2006/main">
-  <p:cSld>
-    <p:spTree>
-      <p:nvGrpSpPr>
-        <p:cNvPr id="1" name=""/>
-        <p:cNvGrpSpPr/>
-        <p:nvPr/>
-      </p:nvGrpSpPr>
-      <p:grpSpPr>
-        <a:xfrm>
-          <a:off x="0" y="0"/>
-          <a:ext cx="0" cy="0"/>
-          <a:chOff x="0" y="0"/>
-          <a:chExt cx="0" cy="0"/>
-        </a:xfrm>
-      </p:grpSpPr>
-      <p:sp>
-        <p:nvSpPr>
-          <p:cNvPr id="2" name="Title 1"/>
-          <p:cNvSpPr>
-            <a:spLocks noGrp="1"/>
-          </p:cNvSpPr>
-          <p:nvPr>
-            <p:ph type="title"/>
-          </p:nvPr>
-        </p:nvSpPr>
-        <p:spPr/>
-        <p:txBody>
-          <a:bodyPr/>
-          <a:lstStyle/>
-          <a:p>
-            <a:r>
-              <a:t>Effektive kodningspraksisser</a:t>
-            </a:r>
-          </a:p>
-        </p:txBody>
-      </p:sp>
-      <p:sp>
-        <p:nvSpPr>
-          <p:cNvPr id="3" name="Content Placeholder 2"/>
-          <p:cNvSpPr>
-            <a:spLocks noGrp="1"/>
-          </p:cNvSpPr>
-          <p:nvPr>
-            <p:ph idx="1"/>
-          </p:nvPr>
-        </p:nvSpPr>
-        <p:spPr/>
-        <p:txBody>
-          <a:bodyPr/>
-          <a:lstStyle/>
-          <a:p>
-            <a:r>
-              <a:rPr dirty="0"/>
-              <a:t>• </a:t>
-            </a:r>
-            <a:r>
-              <a:rPr dirty="0" err="1"/>
-              <a:t>Skriv</a:t>
-            </a:r>
-            <a:r>
-              <a:rPr dirty="0"/>
-              <a:t> </a:t>
-            </a:r>
-            <a:r>
-              <a:rPr dirty="0" err="1"/>
-              <a:t>genanvendelig</a:t>
-            </a:r>
-            <a:r>
-              <a:rPr dirty="0"/>
-              <a:t> </a:t>
-            </a:r>
-            <a:r>
-              <a:rPr dirty="0" err="1"/>
-              <a:t>og</a:t>
-            </a:r>
-            <a:r>
-              <a:rPr dirty="0"/>
-              <a:t> </a:t>
-            </a:r>
-            <a:r>
-              <a:rPr dirty="0" err="1">
-                <a:solidFill>
-                  <a:srgbClr val="FF0000"/>
-                </a:solidFill>
-              </a:rPr>
-              <a:t>modulær</a:t>
-            </a:r>
-            <a:r>
-              <a:rPr dirty="0">
-                <a:solidFill>
-                  <a:srgbClr val="FF0000"/>
-                </a:solidFill>
-              </a:rPr>
-              <a:t> </a:t>
-            </a:r>
-            <a:r>
-              <a:rPr dirty="0" err="1">
-                <a:solidFill>
-                  <a:srgbClr val="FF0000"/>
-                </a:solidFill>
-              </a:rPr>
-              <a:t>kode</a:t>
-            </a:r>
-            <a:r>
-              <a:rPr dirty="0"/>
-              <a:t>.</a:t>
-            </a:r>
-          </a:p>
-          <a:p>
-            <a:r>
-              <a:rPr dirty="0"/>
-              <a:t>• </a:t>
-            </a:r>
-            <a:r>
-              <a:rPr dirty="0" err="1"/>
-              <a:t>Genanvendelig</a:t>
-            </a:r>
-            <a:r>
-              <a:rPr dirty="0"/>
-              <a:t> </a:t>
-            </a:r>
-            <a:r>
-              <a:rPr dirty="0" err="1"/>
-              <a:t>kode</a:t>
-            </a:r>
-            <a:r>
-              <a:rPr dirty="0"/>
-              <a:t> </a:t>
-            </a:r>
-            <a:r>
-              <a:rPr dirty="0" err="1"/>
-              <a:t>reducerer</a:t>
-            </a:r>
-            <a:r>
-              <a:rPr dirty="0"/>
-              <a:t> </a:t>
-            </a:r>
-            <a:r>
-              <a:rPr dirty="0" err="1"/>
-              <a:t>redundans</a:t>
-            </a:r>
-            <a:r>
-              <a:rPr dirty="0"/>
-              <a:t> </a:t>
-            </a:r>
-            <a:r>
-              <a:rPr dirty="0" err="1"/>
-              <a:t>og</a:t>
-            </a:r>
-            <a:r>
-              <a:rPr dirty="0"/>
-              <a:t> </a:t>
-            </a:r>
-            <a:r>
-              <a:rPr dirty="0" err="1"/>
-              <a:t>forbedrer</a:t>
-            </a:r>
-            <a:r>
-              <a:rPr dirty="0"/>
-              <a:t> </a:t>
-            </a:r>
-            <a:r>
-              <a:rPr dirty="0" err="1"/>
-              <a:t>effektiviteten</a:t>
-            </a:r>
-            <a:r>
-              <a:rPr dirty="0"/>
-              <a:t>.</a:t>
-            </a:r>
-          </a:p>
-          <a:p>
-            <a:r>
-              <a:rPr dirty="0"/>
-              <a:t>• </a:t>
-            </a:r>
-            <a:r>
-              <a:rPr dirty="0" err="1"/>
-              <a:t>Modulær</a:t>
-            </a:r>
-            <a:r>
-              <a:rPr dirty="0"/>
-              <a:t> </a:t>
-            </a:r>
-            <a:r>
-              <a:rPr dirty="0" err="1"/>
-              <a:t>kode</a:t>
-            </a:r>
-            <a:r>
-              <a:rPr dirty="0"/>
-              <a:t> </a:t>
-            </a:r>
-            <a:r>
-              <a:rPr dirty="0" err="1"/>
-              <a:t>gør</a:t>
-            </a:r>
-            <a:r>
-              <a:rPr dirty="0"/>
-              <a:t> det </a:t>
-            </a:r>
-            <a:r>
-              <a:rPr dirty="0" err="1"/>
-              <a:t>lettere</a:t>
-            </a:r>
-            <a:r>
-              <a:rPr dirty="0"/>
-              <a:t> at </a:t>
-            </a:r>
-            <a:r>
-              <a:rPr dirty="0" err="1"/>
-              <a:t>vedligeholde</a:t>
-            </a:r>
-            <a:r>
-              <a:rPr dirty="0"/>
-              <a:t> </a:t>
-            </a:r>
-            <a:r>
-              <a:rPr dirty="0" err="1"/>
-              <a:t>og</a:t>
-            </a:r>
-            <a:r>
-              <a:rPr dirty="0"/>
-              <a:t> </a:t>
-            </a:r>
-            <a:r>
-              <a:rPr dirty="0" err="1"/>
-              <a:t>opdatere</a:t>
-            </a:r>
-            <a:r>
-              <a:rPr dirty="0"/>
-              <a:t> websites.</a:t>
-            </a:r>
-          </a:p>
-        </p:txBody>
-      </p:sp>
-    </p:spTree>
-  </p:cSld>
-  <p:clrMapOvr>
-    <a:masterClrMapping/>
-  </p:clrMapOvr>
-</p:sld>
-</file>
-
-<file path=ppt/slides/slide17.xml><?xml version="1.0" encoding="utf-8"?>
-<p:sld xmlns:a="http://schemas.openxmlformats.org/drawingml/2006/main" xmlns:r="http://schemas.openxmlformats.org/officeDocument/2006/relationships" xmlns:p="http://schemas.openxmlformats.org/presentationml/2006/main">
-  <p:cSld>
-    <p:spTree>
-      <p:nvGrpSpPr>
-        <p:cNvPr id="1" name=""/>
-        <p:cNvGrpSpPr/>
-        <p:nvPr/>
-      </p:nvGrpSpPr>
-      <p:grpSpPr>
-        <a:xfrm>
-          <a:off x="0" y="0"/>
-          <a:ext cx="0" cy="0"/>
-          <a:chOff x="0" y="0"/>
-          <a:chExt cx="0" cy="0"/>
-        </a:xfrm>
-      </p:grpSpPr>
-      <p:sp>
-        <p:nvSpPr>
-          <p:cNvPr id="2" name="Title 1"/>
-          <p:cNvSpPr>
-            <a:spLocks noGrp="1"/>
-          </p:cNvSpPr>
-          <p:nvPr>
-            <p:ph type="title"/>
-          </p:nvPr>
-        </p:nvSpPr>
-        <p:spPr/>
-        <p:txBody>
-          <a:bodyPr>
-            <a:normAutofit fontScale="90000"/>
-          </a:bodyPr>
-          <a:lstStyle/>
-          <a:p>
-            <a:r>
-              <a:rPr dirty="0" err="1"/>
-              <a:t>Sammenhængen</a:t>
-            </a:r>
-            <a:r>
-              <a:rPr dirty="0"/>
-              <a:t> </a:t>
-            </a:r>
-            <a:r>
-              <a:rPr dirty="0" err="1"/>
-              <a:t>mellem</a:t>
-            </a:r>
-            <a:r>
-              <a:rPr dirty="0"/>
-              <a:t> </a:t>
-            </a:r>
-            <a:r>
-              <a:rPr dirty="0" err="1"/>
-              <a:t>ydeevne</a:t>
-            </a:r>
-            <a:r>
-              <a:rPr dirty="0"/>
-              <a:t> </a:t>
-            </a:r>
-            <a:r>
-              <a:rPr lang="da-DK" dirty="0"/>
-              <a:t>(</a:t>
-            </a:r>
-            <a:r>
-              <a:rPr lang="da-DK" dirty="0" err="1"/>
-              <a:t>performace</a:t>
-            </a:r>
-            <a:r>
-              <a:rPr lang="da-DK" dirty="0"/>
-              <a:t>) </a:t>
-            </a:r>
-            <a:r>
-              <a:rPr dirty="0" err="1"/>
-              <a:t>og</a:t>
-            </a:r>
-            <a:r>
-              <a:rPr dirty="0"/>
-              <a:t> </a:t>
-            </a:r>
-            <a:r>
-              <a:rPr dirty="0" err="1"/>
-              <a:t>bæredygtighed</a:t>
-            </a:r>
-            <a:endParaRPr dirty="0"/>
-          </a:p>
-        </p:txBody>
-      </p:sp>
-      <p:sp>
-        <p:nvSpPr>
-          <p:cNvPr id="3" name="Content Placeholder 2"/>
-          <p:cNvSpPr>
-            <a:spLocks noGrp="1"/>
-          </p:cNvSpPr>
-          <p:nvPr>
-            <p:ph idx="1"/>
-          </p:nvPr>
-        </p:nvSpPr>
-        <p:spPr/>
-        <p:txBody>
-          <a:bodyPr/>
-          <a:lstStyle/>
-          <a:p>
-            <a:r>
-              <a:rPr dirty="0"/>
-              <a:t>• Website-</a:t>
-            </a:r>
-            <a:r>
-              <a:rPr dirty="0" err="1"/>
-              <a:t>ydeevne</a:t>
-            </a:r>
-            <a:r>
-              <a:rPr dirty="0"/>
-              <a:t> er </a:t>
-            </a:r>
-            <a:r>
-              <a:rPr dirty="0" err="1"/>
-              <a:t>afgørende</a:t>
-            </a:r>
-            <a:r>
-              <a:rPr dirty="0"/>
-              <a:t> for </a:t>
-            </a:r>
-            <a:r>
-              <a:rPr dirty="0" err="1"/>
-              <a:t>bæredygtighed</a:t>
-            </a:r>
-            <a:r>
-              <a:rPr dirty="0"/>
-              <a:t>.</a:t>
-            </a:r>
-          </a:p>
-          <a:p>
-            <a:r>
-              <a:rPr dirty="0"/>
-              <a:t>• </a:t>
-            </a:r>
-            <a:r>
-              <a:rPr dirty="0" err="1"/>
-              <a:t>Optimer</a:t>
-            </a:r>
-            <a:r>
-              <a:rPr dirty="0"/>
-              <a:t> </a:t>
-            </a:r>
-            <a:r>
-              <a:rPr lang="da-DK" dirty="0"/>
-              <a:t> </a:t>
-            </a:r>
-            <a:r>
-              <a:rPr lang="da-DK" dirty="0" err="1"/>
-              <a:t>loading</a:t>
-            </a:r>
-            <a:r>
-              <a:rPr lang="da-DK" dirty="0"/>
-              <a:t> speed</a:t>
-            </a:r>
-            <a:r>
-              <a:rPr dirty="0"/>
-              <a:t> for websites.</a:t>
-            </a:r>
-          </a:p>
-          <a:p>
-            <a:pPr marL="0" indent="0">
-              <a:buNone/>
-            </a:pPr>
-            <a:endParaRPr dirty="0"/>
-          </a:p>
-          <a:p>
-            <a:r>
-              <a:rPr dirty="0"/>
-              <a:t>• </a:t>
-            </a:r>
-            <a:r>
-              <a:rPr dirty="0" err="1"/>
-              <a:t>Hurtigt</a:t>
-            </a:r>
-            <a:r>
-              <a:rPr dirty="0"/>
-              <a:t> </a:t>
-            </a:r>
-            <a:r>
-              <a:rPr dirty="0" err="1"/>
-              <a:t>indlæste</a:t>
-            </a:r>
-            <a:r>
-              <a:rPr dirty="0"/>
-              <a:t> sider </a:t>
-            </a:r>
-            <a:r>
-              <a:rPr dirty="0" err="1"/>
-              <a:t>bruger</a:t>
-            </a:r>
-            <a:r>
-              <a:rPr dirty="0"/>
-              <a:t> </a:t>
-            </a:r>
-            <a:r>
-              <a:rPr dirty="0" err="1"/>
-              <a:t>mindre</a:t>
-            </a:r>
-            <a:r>
-              <a:rPr dirty="0"/>
-              <a:t> </a:t>
-            </a:r>
-            <a:r>
-              <a:rPr dirty="0" err="1"/>
-              <a:t>energi</a:t>
-            </a:r>
-            <a:r>
-              <a:rPr dirty="0"/>
-              <a:t>.</a:t>
-            </a:r>
-          </a:p>
-        </p:txBody>
-      </p:sp>
-    </p:spTree>
-  </p:cSld>
-  <p:clrMapOvr>
-    <a:masterClrMapping/>
-  </p:clrMapOvr>
-</p:sld>
-</file>
-
-<file path=ppt/slides/slide18.xml><?xml version="1.0" encoding="utf-8"?>
-<p:sld xmlns:a="http://schemas.openxmlformats.org/drawingml/2006/main" xmlns:r="http://schemas.openxmlformats.org/officeDocument/2006/relationships" xmlns:p="http://schemas.openxmlformats.org/presentationml/2006/main">
-  <p:cSld>
-    <p:spTree>
-      <p:nvGrpSpPr>
-        <p:cNvPr id="1" name=""/>
-        <p:cNvGrpSpPr/>
-        <p:nvPr/>
-      </p:nvGrpSpPr>
-      <p:grpSpPr>
-        <a:xfrm>
-          <a:off x="0" y="0"/>
-          <a:ext cx="0" cy="0"/>
-          <a:chOff x="0" y="0"/>
-          <a:chExt cx="0" cy="0"/>
-        </a:xfrm>
-      </p:grpSpPr>
-      <p:sp>
-        <p:nvSpPr>
-          <p:cNvPr id="2" name="Title 1"/>
-          <p:cNvSpPr>
-            <a:spLocks noGrp="1"/>
-          </p:cNvSpPr>
-          <p:nvPr>
-            <p:ph type="title"/>
-          </p:nvPr>
-        </p:nvSpPr>
-        <p:spPr/>
-        <p:txBody>
-          <a:bodyPr/>
-          <a:lstStyle/>
-          <a:p>
-            <a:r>
-              <a:rPr dirty="0" err="1"/>
-              <a:t>Minificering</a:t>
-            </a:r>
-            <a:r>
-              <a:rPr dirty="0"/>
-              <a:t> </a:t>
-            </a:r>
-            <a:r>
-              <a:rPr dirty="0" err="1"/>
-              <a:t>af</a:t>
-            </a:r>
-            <a:r>
-              <a:rPr dirty="0"/>
-              <a:t> </a:t>
-            </a:r>
-            <a:r>
-              <a:rPr dirty="0" err="1"/>
-              <a:t>kode</a:t>
-            </a:r>
-            <a:endParaRPr dirty="0"/>
-          </a:p>
-        </p:txBody>
-      </p:sp>
-      <p:sp>
-        <p:nvSpPr>
-          <p:cNvPr id="3" name="Content Placeholder 2"/>
-          <p:cNvSpPr>
-            <a:spLocks noGrp="1"/>
-          </p:cNvSpPr>
-          <p:nvPr>
-            <p:ph idx="1"/>
-          </p:nvPr>
-        </p:nvSpPr>
-        <p:spPr/>
-        <p:txBody>
-          <a:bodyPr/>
-          <a:lstStyle/>
-          <a:p>
-            <a:r>
-              <a:rPr dirty="0"/>
-              <a:t>• </a:t>
-            </a:r>
-            <a:r>
-              <a:rPr dirty="0" err="1"/>
-              <a:t>Minificering</a:t>
-            </a:r>
-            <a:r>
-              <a:rPr dirty="0"/>
-              <a:t> </a:t>
-            </a:r>
-            <a:r>
-              <a:rPr dirty="0" err="1"/>
-              <a:t>af</a:t>
-            </a:r>
-            <a:r>
-              <a:rPr dirty="0"/>
-              <a:t> CSS </a:t>
-            </a:r>
-            <a:r>
-              <a:rPr dirty="0" err="1"/>
-              <a:t>reducerer</a:t>
-            </a:r>
-            <a:r>
-              <a:rPr dirty="0"/>
-              <a:t> </a:t>
-            </a:r>
-            <a:r>
-              <a:rPr dirty="0" err="1"/>
-              <a:t>filstørrelsen</a:t>
-            </a:r>
-            <a:r>
-              <a:rPr dirty="0"/>
-              <a:t> </a:t>
-            </a:r>
-            <a:r>
-              <a:rPr dirty="0" err="1"/>
-              <a:t>og</a:t>
-            </a:r>
-            <a:r>
-              <a:rPr dirty="0"/>
-              <a:t> </a:t>
-            </a:r>
-            <a:r>
-              <a:rPr dirty="0" err="1"/>
-              <a:t>forbedrer</a:t>
-            </a:r>
-            <a:r>
-              <a:rPr dirty="0"/>
-              <a:t> </a:t>
-            </a:r>
-            <a:r>
-              <a:rPr dirty="0" err="1"/>
-              <a:t>ydeevnen</a:t>
-            </a:r>
-            <a:r>
-              <a:rPr dirty="0"/>
-              <a:t>.</a:t>
-            </a:r>
-          </a:p>
-          <a:p>
-            <a:r>
-              <a:rPr dirty="0"/>
-              <a:t>• </a:t>
-            </a:r>
-            <a:r>
-              <a:rPr dirty="0" err="1"/>
-              <a:t>Fjern</a:t>
-            </a:r>
-            <a:r>
-              <a:rPr dirty="0"/>
-              <a:t> </a:t>
-            </a:r>
-            <a:r>
-              <a:rPr dirty="0" err="1"/>
-              <a:t>unødvendige</a:t>
-            </a:r>
-            <a:r>
-              <a:rPr dirty="0"/>
-              <a:t> </a:t>
-            </a:r>
-            <a:r>
-              <a:rPr dirty="0" err="1"/>
-              <a:t>mellemrum</a:t>
-            </a:r>
-            <a:r>
-              <a:rPr dirty="0"/>
-              <a:t>, </a:t>
-            </a:r>
-            <a:r>
-              <a:rPr dirty="0" err="1"/>
-              <a:t>kommentarer</a:t>
-            </a:r>
-            <a:r>
-              <a:rPr dirty="0"/>
-              <a:t> </a:t>
-            </a:r>
-            <a:r>
-              <a:rPr dirty="0" err="1"/>
-              <a:t>og</a:t>
-            </a:r>
-            <a:r>
-              <a:rPr dirty="0"/>
-              <a:t> </a:t>
-            </a:r>
-            <a:r>
-              <a:rPr dirty="0" err="1"/>
-              <a:t>linjeskift</a:t>
-            </a:r>
-            <a:r>
-              <a:rPr dirty="0"/>
-              <a:t>.</a:t>
-            </a:r>
-          </a:p>
-          <a:p>
-            <a:r>
-              <a:rPr dirty="0"/>
-              <a:t>• Brug </a:t>
-            </a:r>
-            <a:r>
-              <a:rPr dirty="0" err="1"/>
-              <a:t>værktøjer</a:t>
-            </a:r>
-            <a:r>
-              <a:rPr dirty="0"/>
-              <a:t> </a:t>
-            </a:r>
-            <a:r>
-              <a:rPr dirty="0" err="1"/>
-              <a:t>som</a:t>
-            </a:r>
-            <a:r>
-              <a:rPr dirty="0"/>
-              <a:t> </a:t>
-            </a:r>
-            <a:r>
-              <a:rPr dirty="0" err="1"/>
-              <a:t>CSSNano</a:t>
-            </a:r>
-            <a:r>
-              <a:rPr dirty="0"/>
-              <a:t> </a:t>
-            </a:r>
-            <a:r>
-              <a:rPr dirty="0" err="1"/>
-              <a:t>eller</a:t>
-            </a:r>
-            <a:r>
-              <a:rPr dirty="0"/>
-              <a:t> </a:t>
-            </a:r>
-            <a:r>
-              <a:rPr dirty="0" err="1"/>
-              <a:t>CleanCSS</a:t>
-            </a:r>
-            <a:r>
-              <a:rPr dirty="0"/>
-              <a:t> </a:t>
-            </a:r>
-            <a:r>
-              <a:rPr dirty="0" err="1"/>
-              <a:t>til</a:t>
-            </a:r>
-            <a:r>
-              <a:rPr dirty="0"/>
-              <a:t> at </a:t>
-            </a:r>
-            <a:r>
-              <a:rPr dirty="0" err="1"/>
-              <a:t>automatisere</a:t>
-            </a:r>
-            <a:r>
-              <a:rPr dirty="0"/>
-              <a:t> </a:t>
-            </a:r>
-            <a:r>
-              <a:rPr dirty="0" err="1"/>
-              <a:t>processen</a:t>
-            </a:r>
-            <a:r>
-              <a:rPr dirty="0"/>
-              <a:t>.</a:t>
-            </a:r>
-          </a:p>
-          <a:p>
-            <a:r>
-              <a:rPr dirty="0"/>
-              <a:t>• </a:t>
-            </a:r>
-            <a:r>
-              <a:rPr dirty="0" err="1"/>
-              <a:t>Minificeret</a:t>
-            </a:r>
-            <a:r>
-              <a:rPr dirty="0"/>
-              <a:t> CSS </a:t>
-            </a:r>
-            <a:r>
-              <a:rPr dirty="0" err="1"/>
-              <a:t>indlæses</a:t>
-            </a:r>
-            <a:r>
-              <a:rPr dirty="0"/>
-              <a:t> </a:t>
-            </a:r>
-            <a:r>
-              <a:rPr dirty="0" err="1"/>
-              <a:t>hurtigere</a:t>
-            </a:r>
-            <a:r>
-              <a:rPr dirty="0"/>
-              <a:t> </a:t>
-            </a:r>
-            <a:r>
-              <a:rPr dirty="0" err="1"/>
-              <a:t>og</a:t>
-            </a:r>
-            <a:r>
-              <a:rPr dirty="0"/>
-              <a:t> </a:t>
-            </a:r>
-            <a:r>
-              <a:rPr dirty="0" err="1"/>
-              <a:t>reducerer</a:t>
-            </a:r>
-            <a:r>
-              <a:rPr dirty="0"/>
-              <a:t> </a:t>
-            </a:r>
-            <a:r>
-              <a:rPr dirty="0" err="1"/>
-              <a:t>sidens</a:t>
-            </a:r>
-            <a:r>
-              <a:rPr dirty="0"/>
-              <a:t> </a:t>
-            </a:r>
-            <a:r>
-              <a:rPr dirty="0" err="1"/>
-              <a:t>vægt</a:t>
-            </a:r>
-            <a:r>
-              <a:rPr dirty="0"/>
-              <a:t>.</a:t>
-            </a:r>
-          </a:p>
-        </p:txBody>
-      </p:sp>
-    </p:spTree>
-  </p:cSld>
-  <p:clrMapOvr>
-    <a:masterClrMapping/>
-  </p:clrMapOvr>
-</p:sld>
-</file>
-
-<file path=ppt/slides/slide19.xml><?xml version="1.0" encoding="utf-8"?>
-<p:sld xmlns:a="http://schemas.openxmlformats.org/drawingml/2006/main" xmlns:r="http://schemas.openxmlformats.org/officeDocument/2006/relationships" xmlns:p="http://schemas.openxmlformats.org/presentationml/2006/main">
-  <p:cSld>
-    <p:spTree>
-      <p:nvGrpSpPr>
-        <p:cNvPr id="1" name=""/>
-        <p:cNvGrpSpPr/>
-        <p:nvPr/>
-      </p:nvGrpSpPr>
-      <p:grpSpPr>
-        <a:xfrm>
-          <a:off x="0" y="0"/>
-          <a:ext cx="0" cy="0"/>
-          <a:chOff x="0" y="0"/>
-          <a:chExt cx="0" cy="0"/>
-        </a:xfrm>
-      </p:grpSpPr>
-      <p:sp>
-        <p:nvSpPr>
-          <p:cNvPr id="2" name="Title 1">
-            <a:extLst>
-              <a:ext uri="{FF2B5EF4-FFF2-40B4-BE49-F238E27FC236}">
-                <a16:creationId xmlns:a16="http://schemas.microsoft.com/office/drawing/2014/main" id="{B569FAE0-6EC7-B95C-8923-6CF271142F38}"/>
-              </a:ext>
-            </a:extLst>
-          </p:cNvPr>
-          <p:cNvSpPr>
-            <a:spLocks noGrp="1"/>
-          </p:cNvSpPr>
-          <p:nvPr>
-            <p:ph type="title"/>
-          </p:nvPr>
-        </p:nvSpPr>
-        <p:spPr/>
-        <p:txBody>
-          <a:bodyPr/>
-          <a:lstStyle/>
-          <a:p>
-            <a:endParaRPr lang="en-DK"/>
-          </a:p>
-        </p:txBody>
-      </p:sp>
-      <p:sp>
-        <p:nvSpPr>
-          <p:cNvPr id="3" name="Content Placeholder 2">
-            <a:extLst>
-              <a:ext uri="{FF2B5EF4-FFF2-40B4-BE49-F238E27FC236}">
-                <a16:creationId xmlns:a16="http://schemas.microsoft.com/office/drawing/2014/main" id="{BFD9B433-D917-C674-4F85-9E8D6FAB926E}"/>
-              </a:ext>
-            </a:extLst>
-          </p:cNvPr>
-          <p:cNvSpPr>
-            <a:spLocks noGrp="1"/>
-          </p:cNvSpPr>
-          <p:nvPr>
-            <p:ph idx="1"/>
-          </p:nvPr>
-        </p:nvSpPr>
-        <p:spPr/>
-        <p:txBody>
-          <a:bodyPr/>
-          <a:lstStyle/>
-          <a:p>
-            <a:endParaRPr lang="en-DK"/>
-          </a:p>
-        </p:txBody>
-      </p:sp>
-    </p:spTree>
-    <p:extLst>
-      <p:ext uri="{BB962C8B-B14F-4D97-AF65-F5344CB8AC3E}">
-        <p14:creationId xmlns:p14="http://schemas.microsoft.com/office/powerpoint/2010/main" val="2756370485"/>
-      </p:ext>
-    </p:extLst>
-  </p:cSld>
-  <p:clrMapOvr>
-    <a:masterClrMapping/>
-  </p:clrMapOvr>
-</p:sld>
-</file>
-
-<file path=ppt/slides/slide2.xml><?xml version="1.0" encoding="utf-8"?>
 <p:sld xmlns:a="http://schemas.openxmlformats.org/drawingml/2006/main" xmlns:r="http://schemas.openxmlformats.org/officeDocument/2006/relationships" xmlns:p="http://schemas.openxmlformats.org/presentationml/2006/main">
   <p:cSld>
     <p:bg>
@@ -6028,7 +4314,7 @@
       </p:grpSpPr>
       <p:sp useBgFill="1">
         <p:nvSpPr>
-          <p:cNvPr id="17" name="Slide Background">
+          <p:cNvPr id="1035" name="Slide Background">
             <a:extLst>
               <a:ext uri="{FF2B5EF4-FFF2-40B4-BE49-F238E27FC236}">
                 <a16:creationId xmlns:a16="http://schemas.microsoft.com/office/drawing/2014/main" id="{C0763A76-9F1C-4FC5-82B7-DD475DA461B2}"/>
@@ -6182,7 +4468,7 @@
       </p:sp>
       <p:sp useBgFill="1">
         <p:nvSpPr>
-          <p:cNvPr id="19" name="Rectangle 18">
+          <p:cNvPr id="1036" name="Rectangle 1035">
             <a:extLst>
               <a:ext uri="{FF2B5EF4-FFF2-40B4-BE49-F238E27FC236}">
                 <a16:creationId xmlns:a16="http://schemas.microsoft.com/office/drawing/2014/main" id="{E81BF4F6-F2CF-4984-9D14-D6966D92F99F}"/>
@@ -6270,9 +4556,2749 @@
           <a:lstStyle/>
           <a:p>
             <a:r>
-              <a:rPr lang="en-GB" sz="4000"/>
-              <a:t>Internettets miljøpåvirkning</a:t>
-            </a:r>
+              <a:rPr lang="en-GB" sz="4000" dirty="0">
+                <a:latin typeface="Raleway" pitchFamily="2" charset="77"/>
+              </a:rPr>
+              <a:t>Web Developers  </a:t>
+            </a:r>
+          </a:p>
+        </p:txBody>
+      </p:sp>
+      <p:sp>
+        <p:nvSpPr>
+          <p:cNvPr id="3" name="Content Placeholder 2"/>
+          <p:cNvSpPr>
+            <a:spLocks noGrp="1"/>
+          </p:cNvSpPr>
+          <p:nvPr>
+            <p:ph idx="1"/>
+          </p:nvPr>
+        </p:nvSpPr>
+        <p:spPr>
+          <a:xfrm>
+            <a:off x="761802" y="2743200"/>
+            <a:ext cx="4646905" cy="3613149"/>
+          </a:xfrm>
+        </p:spPr>
+        <p:txBody>
+          <a:bodyPr anchor="ctr">
+            <a:normAutofit/>
+          </a:bodyPr>
+          <a:lstStyle/>
+          <a:p>
+            <a:endParaRPr lang="en-GB" sz="2000" dirty="0"/>
+          </a:p>
+          <a:p>
+            <a:r>
+              <a:rPr lang="en-GB" sz="2000" dirty="0"/>
+              <a:t> Web developers have a critical role in creating sustainable digital solutions.</a:t>
+            </a:r>
+          </a:p>
+          <a:p>
+            <a:r>
+              <a:rPr lang="en-GB" sz="2000" dirty="0"/>
+              <a:t>They are responsible for the design and maintenance of websites and applications.</a:t>
+            </a:r>
+          </a:p>
+          <a:p>
+            <a:r>
+              <a:rPr lang="en-GB" sz="2000" dirty="0"/>
+              <a:t> Their choices directly affect the internet's carbon footprint.</a:t>
+            </a:r>
+          </a:p>
+          <a:p>
+            <a:endParaRPr lang="en-GB" sz="2000" dirty="0"/>
+          </a:p>
+        </p:txBody>
+      </p:sp>
+      <p:pic>
+        <p:nvPicPr>
+          <p:cNvPr id="1026" name="Picture 2" descr="Full Stack Developer Wallpapers - Wallpaper Cave">
+            <a:extLst>
+              <a:ext uri="{FF2B5EF4-FFF2-40B4-BE49-F238E27FC236}">
+                <a16:creationId xmlns:a16="http://schemas.microsoft.com/office/drawing/2014/main" id="{7FC68463-7E81-F6A4-FDCB-F6BA37F3A505}"/>
+              </a:ext>
+            </a:extLst>
+          </p:cNvPr>
+          <p:cNvPicPr>
+            <a:picLocks noChangeAspect="1" noChangeArrowheads="1"/>
+          </p:cNvPicPr>
+          <p:nvPr/>
+        </p:nvPicPr>
+        <p:blipFill>
+          <a:blip r:embed="rId3">
+            <a:extLst>
+              <a:ext uri="{28A0092B-C50C-407E-A947-70E740481C1C}">
+                <a14:useLocalDpi xmlns:a14="http://schemas.microsoft.com/office/drawing/2010/main" val="0"/>
+              </a:ext>
+            </a:extLst>
+          </a:blip>
+          <a:srcRect l="22980" r="21403"/>
+          <a:stretch/>
+        </p:blipFill>
+        <p:spPr bwMode="auto">
+          <a:xfrm>
+            <a:off x="6096000" y="1"/>
+            <a:ext cx="6102825" cy="6858000"/>
+          </a:xfrm>
+          <a:prstGeom prst="rect">
+            <a:avLst/>
+          </a:prstGeom>
+          <a:noFill/>
+          <a:extLst>
+            <a:ext uri="{909E8E84-426E-40DD-AFC4-6F175D3DCCD1}">
+              <a14:hiddenFill xmlns:a14="http://schemas.microsoft.com/office/drawing/2010/main">
+                <a:solidFill>
+                  <a:srgbClr val="FFFFFF"/>
+                </a:solidFill>
+              </a14:hiddenFill>
+            </a:ext>
+          </a:extLst>
+        </p:spPr>
+      </p:pic>
+    </p:spTree>
+  </p:cSld>
+  <p:clrMapOvr>
+    <a:masterClrMapping/>
+  </p:clrMapOvr>
+</p:sld>
+</file>
+
+<file path=ppt/slides/slide11.xml><?xml version="1.0" encoding="utf-8"?>
+<p:sld xmlns:a="http://schemas.openxmlformats.org/drawingml/2006/main" xmlns:r="http://schemas.openxmlformats.org/officeDocument/2006/relationships" xmlns:p="http://schemas.openxmlformats.org/presentationml/2006/main">
+  <p:cSld>
+    <p:spTree>
+      <p:nvGrpSpPr>
+        <p:cNvPr id="1" name=""/>
+        <p:cNvGrpSpPr/>
+        <p:nvPr/>
+      </p:nvGrpSpPr>
+      <p:grpSpPr>
+        <a:xfrm>
+          <a:off x="0" y="0"/>
+          <a:ext cx="0" cy="0"/>
+          <a:chOff x="0" y="0"/>
+          <a:chExt cx="0" cy="0"/>
+        </a:xfrm>
+      </p:grpSpPr>
+      <p:sp>
+        <p:nvSpPr>
+          <p:cNvPr id="5" name="TextBox 4">
+            <a:extLst>
+              <a:ext uri="{FF2B5EF4-FFF2-40B4-BE49-F238E27FC236}">
+                <a16:creationId xmlns:a16="http://schemas.microsoft.com/office/drawing/2014/main" id="{A24E4326-D9B2-4687-D471-C6FB3EB119E9}"/>
+              </a:ext>
+            </a:extLst>
+          </p:cNvPr>
+          <p:cNvSpPr txBox="1"/>
+          <p:nvPr/>
+        </p:nvSpPr>
+        <p:spPr>
+          <a:xfrm>
+            <a:off x="3050628" y="3244334"/>
+            <a:ext cx="6101254" cy="923330"/>
+          </a:xfrm>
+          <a:prstGeom prst="rect">
+            <a:avLst/>
+          </a:prstGeom>
+          <a:noFill/>
+        </p:spPr>
+        <p:txBody>
+          <a:bodyPr wrap="square">
+            <a:spAutoFit/>
+          </a:bodyPr>
+          <a:lstStyle/>
+          <a:p>
+            <a:r>
+              <a:rPr lang="en-GB" sz="5400" b="0" i="0" dirty="0" err="1">
+                <a:solidFill>
+                  <a:srgbClr val="292929"/>
+                </a:solidFill>
+                <a:effectLst/>
+                <a:latin typeface="Raleway" pitchFamily="2" charset="77"/>
+                <a:cs typeface="Calibri" panose="020F0502020204030204" pitchFamily="34" charset="0"/>
+              </a:rPr>
+              <a:t>Bedste</a:t>
+            </a:r>
+            <a:r>
+              <a:rPr lang="en-GB" sz="5400" b="0" i="0" dirty="0">
+                <a:solidFill>
+                  <a:srgbClr val="292929"/>
+                </a:solidFill>
+                <a:effectLst/>
+                <a:latin typeface="Raleway" pitchFamily="2" charset="77"/>
+                <a:cs typeface="Calibri" panose="020F0502020204030204" pitchFamily="34" charset="0"/>
+              </a:rPr>
+              <a:t> </a:t>
+            </a:r>
+            <a:r>
+              <a:rPr lang="en-GB" sz="5400" b="0" i="0" dirty="0" err="1">
+                <a:solidFill>
+                  <a:srgbClr val="292929"/>
+                </a:solidFill>
+                <a:effectLst/>
+                <a:latin typeface="Raleway" pitchFamily="2" charset="77"/>
+                <a:cs typeface="Calibri" panose="020F0502020204030204" pitchFamily="34" charset="0"/>
+              </a:rPr>
+              <a:t>praksis</a:t>
+            </a:r>
+            <a:endParaRPr lang="en-DK" sz="5400" dirty="0">
+              <a:latin typeface="Raleway" pitchFamily="2" charset="77"/>
+              <a:cs typeface="Calibri" panose="020F0502020204030204" pitchFamily="34" charset="0"/>
+            </a:endParaRPr>
+          </a:p>
+        </p:txBody>
+      </p:sp>
+    </p:spTree>
+    <p:extLst>
+      <p:ext uri="{BB962C8B-B14F-4D97-AF65-F5344CB8AC3E}">
+        <p14:creationId xmlns:p14="http://schemas.microsoft.com/office/powerpoint/2010/main" val="3728464535"/>
+      </p:ext>
+    </p:extLst>
+  </p:cSld>
+  <p:clrMapOvr>
+    <a:masterClrMapping/>
+  </p:clrMapOvr>
+</p:sld>
+</file>
+
+<file path=ppt/slides/slide12.xml><?xml version="1.0" encoding="utf-8"?>
+<p:sld xmlns:a="http://schemas.openxmlformats.org/drawingml/2006/main" xmlns:r="http://schemas.openxmlformats.org/officeDocument/2006/relationships" xmlns:p="http://schemas.openxmlformats.org/presentationml/2006/main">
+  <p:cSld>
+    <p:spTree>
+      <p:nvGrpSpPr>
+        <p:cNvPr id="1" name=""/>
+        <p:cNvGrpSpPr/>
+        <p:nvPr/>
+      </p:nvGrpSpPr>
+      <p:grpSpPr>
+        <a:xfrm>
+          <a:off x="0" y="0"/>
+          <a:ext cx="0" cy="0"/>
+          <a:chOff x="0" y="0"/>
+          <a:chExt cx="0" cy="0"/>
+        </a:xfrm>
+      </p:grpSpPr>
+      <p:sp>
+        <p:nvSpPr>
+          <p:cNvPr id="2" name="Title 1"/>
+          <p:cNvSpPr>
+            <a:spLocks noGrp="1"/>
+          </p:cNvSpPr>
+          <p:nvPr>
+            <p:ph type="title"/>
+          </p:nvPr>
+        </p:nvSpPr>
+        <p:spPr/>
+        <p:txBody>
+          <a:bodyPr>
+            <a:normAutofit fontScale="90000"/>
+          </a:bodyPr>
+          <a:lstStyle/>
+          <a:p>
+            <a:r>
+              <a:rPr dirty="0" err="1">
+                <a:latin typeface="Raleway" pitchFamily="2" charset="77"/>
+              </a:rPr>
+              <a:t>Implementering</a:t>
+            </a:r>
+            <a:r>
+              <a:rPr dirty="0">
+                <a:latin typeface="Raleway" pitchFamily="2" charset="77"/>
+              </a:rPr>
+              <a:t> </a:t>
+            </a:r>
+            <a:r>
+              <a:rPr dirty="0" err="1">
+                <a:latin typeface="Raleway" pitchFamily="2" charset="77"/>
+              </a:rPr>
+              <a:t>af</a:t>
+            </a:r>
+            <a:r>
+              <a:rPr dirty="0">
+                <a:latin typeface="Raleway" pitchFamily="2" charset="77"/>
+              </a:rPr>
+              <a:t> </a:t>
+            </a:r>
+            <a:r>
+              <a:rPr dirty="0" err="1">
+                <a:latin typeface="Raleway" pitchFamily="2" charset="77"/>
+              </a:rPr>
+              <a:t>bæredygtige</a:t>
+            </a:r>
+            <a:r>
+              <a:rPr dirty="0">
+                <a:latin typeface="Raleway" pitchFamily="2" charset="77"/>
+              </a:rPr>
+              <a:t> web</a:t>
+            </a:r>
+            <a:r>
+              <a:rPr lang="da-DK" dirty="0">
+                <a:latin typeface="Raleway" pitchFamily="2" charset="77"/>
+              </a:rPr>
+              <a:t> </a:t>
+            </a:r>
+            <a:r>
+              <a:rPr dirty="0" err="1">
+                <a:latin typeface="Raleway" pitchFamily="2" charset="77"/>
+              </a:rPr>
+              <a:t>praksis</a:t>
+            </a:r>
+            <a:r>
+              <a:rPr lang="da-DK" dirty="0">
+                <a:latin typeface="Raleway" pitchFamily="2" charset="77"/>
+              </a:rPr>
+              <a:t> </a:t>
+            </a:r>
+            <a:endParaRPr dirty="0">
+              <a:latin typeface="Raleway" pitchFamily="2" charset="77"/>
+            </a:endParaRPr>
+          </a:p>
+        </p:txBody>
+      </p:sp>
+      <p:sp>
+        <p:nvSpPr>
+          <p:cNvPr id="3" name="Content Placeholder 2"/>
+          <p:cNvSpPr>
+            <a:spLocks noGrp="1"/>
+          </p:cNvSpPr>
+          <p:nvPr>
+            <p:ph idx="1"/>
+          </p:nvPr>
+        </p:nvSpPr>
+        <p:spPr/>
+        <p:txBody>
+          <a:bodyPr/>
+          <a:lstStyle/>
+          <a:p>
+            <a:r>
+              <a:rPr dirty="0" err="1"/>
+              <a:t>Fokus</a:t>
+            </a:r>
+            <a:r>
+              <a:rPr dirty="0"/>
+              <a:t> </a:t>
+            </a:r>
+            <a:r>
+              <a:rPr dirty="0" err="1"/>
+              <a:t>på</a:t>
+            </a:r>
+            <a:r>
+              <a:rPr dirty="0"/>
+              <a:t> at </a:t>
+            </a:r>
+            <a:r>
+              <a:rPr dirty="0" err="1"/>
+              <a:t>reducere</a:t>
+            </a:r>
+            <a:r>
+              <a:rPr dirty="0"/>
+              <a:t> </a:t>
+            </a:r>
+            <a:r>
+              <a:rPr dirty="0" err="1"/>
+              <a:t>sidens</a:t>
+            </a:r>
+            <a:r>
+              <a:rPr dirty="0"/>
+              <a:t> </a:t>
+            </a:r>
+            <a:r>
+              <a:rPr dirty="0" err="1"/>
+              <a:t>vægt</a:t>
+            </a:r>
+            <a:r>
+              <a:rPr dirty="0"/>
+              <a:t> </a:t>
+            </a:r>
+            <a:r>
+              <a:rPr dirty="0" err="1"/>
+              <a:t>og</a:t>
+            </a:r>
+            <a:r>
+              <a:rPr dirty="0"/>
+              <a:t> </a:t>
+            </a:r>
+            <a:r>
+              <a:rPr dirty="0" err="1">
+                <a:solidFill>
+                  <a:srgbClr val="FF0000"/>
+                </a:solidFill>
+              </a:rPr>
+              <a:t>ressource</a:t>
+            </a:r>
+            <a:r>
+              <a:rPr lang="da-DK" dirty="0">
+                <a:solidFill>
+                  <a:srgbClr val="FF0000"/>
+                </a:solidFill>
+              </a:rPr>
+              <a:t> </a:t>
+            </a:r>
+            <a:r>
+              <a:rPr dirty="0" err="1"/>
+              <a:t>forbrug</a:t>
+            </a:r>
+            <a:r>
+              <a:rPr dirty="0"/>
+              <a:t>.</a:t>
+            </a:r>
+          </a:p>
+          <a:p>
+            <a:r>
+              <a:rPr dirty="0" err="1"/>
+              <a:t>Optimer</a:t>
+            </a:r>
+            <a:r>
+              <a:rPr dirty="0"/>
+              <a:t> </a:t>
+            </a:r>
+            <a:r>
+              <a:rPr dirty="0" err="1"/>
+              <a:t>billeder</a:t>
+            </a:r>
+            <a:r>
+              <a:rPr dirty="0"/>
+              <a:t>, </a:t>
+            </a:r>
+            <a:r>
+              <a:rPr dirty="0" err="1"/>
+              <a:t>skrifttyper</a:t>
+            </a:r>
+            <a:r>
+              <a:rPr dirty="0"/>
+              <a:t> </a:t>
+            </a:r>
+            <a:r>
+              <a:rPr dirty="0" err="1"/>
+              <a:t>og</a:t>
+            </a:r>
+            <a:r>
+              <a:rPr dirty="0"/>
+              <a:t> </a:t>
+            </a:r>
+            <a:r>
+              <a:rPr dirty="0" err="1"/>
+              <a:t>videoer</a:t>
+            </a:r>
+            <a:r>
+              <a:rPr dirty="0"/>
+              <a:t>.</a:t>
+            </a:r>
+          </a:p>
+          <a:p>
+            <a:r>
+              <a:rPr dirty="0"/>
+              <a:t>Brug </a:t>
+            </a:r>
+            <a:r>
+              <a:rPr dirty="0" err="1"/>
+              <a:t>mørkere</a:t>
+            </a:r>
+            <a:r>
+              <a:rPr dirty="0"/>
+              <a:t> </a:t>
+            </a:r>
+            <a:r>
+              <a:rPr dirty="0" err="1"/>
+              <a:t>farver</a:t>
+            </a:r>
+            <a:r>
+              <a:rPr dirty="0"/>
+              <a:t> </a:t>
+            </a:r>
+            <a:r>
+              <a:rPr dirty="0" err="1"/>
+              <a:t>og</a:t>
+            </a:r>
+            <a:r>
+              <a:rPr dirty="0"/>
+              <a:t> </a:t>
+            </a:r>
+            <a:r>
+              <a:rPr dirty="0" err="1"/>
+              <a:t>systemskrifttyper</a:t>
+            </a:r>
+            <a:r>
+              <a:rPr dirty="0"/>
+              <a:t>.</a:t>
+            </a:r>
+          </a:p>
+          <a:p>
+            <a:r>
+              <a:rPr dirty="0" err="1"/>
+              <a:t>Skriv</a:t>
+            </a:r>
+            <a:r>
+              <a:rPr dirty="0"/>
+              <a:t> </a:t>
+            </a:r>
+            <a:r>
+              <a:rPr dirty="0" err="1"/>
+              <a:t>genanvendelig</a:t>
+            </a:r>
+            <a:r>
+              <a:rPr dirty="0"/>
+              <a:t> </a:t>
+            </a:r>
+            <a:r>
+              <a:rPr dirty="0" err="1"/>
+              <a:t>kode</a:t>
+            </a:r>
+            <a:r>
+              <a:rPr dirty="0"/>
+              <a:t>.</a:t>
+            </a:r>
+          </a:p>
+          <a:p>
+            <a:r>
+              <a:rPr dirty="0" err="1"/>
+              <a:t>Komprimer</a:t>
+            </a:r>
+            <a:r>
+              <a:rPr dirty="0"/>
+              <a:t> </a:t>
+            </a:r>
+            <a:r>
+              <a:rPr dirty="0" err="1"/>
+              <a:t>mediefiler</a:t>
+            </a:r>
+            <a:r>
+              <a:rPr dirty="0"/>
+              <a:t>.</a:t>
+            </a:r>
+          </a:p>
+          <a:p>
+            <a:r>
+              <a:rPr dirty="0" err="1"/>
+              <a:t>Prioriter</a:t>
+            </a:r>
+            <a:r>
+              <a:rPr dirty="0"/>
+              <a:t> </a:t>
+            </a:r>
+            <a:r>
+              <a:rPr dirty="0" err="1"/>
+              <a:t>effektiv</a:t>
+            </a:r>
+            <a:r>
+              <a:rPr dirty="0"/>
+              <a:t> </a:t>
+            </a:r>
+            <a:r>
+              <a:rPr dirty="0" err="1"/>
+              <a:t>kodning</a:t>
+            </a:r>
+            <a:r>
+              <a:rPr dirty="0"/>
+              <a:t>.</a:t>
+            </a:r>
+          </a:p>
+        </p:txBody>
+      </p:sp>
+    </p:spTree>
+  </p:cSld>
+  <p:clrMapOvr>
+    <a:masterClrMapping/>
+  </p:clrMapOvr>
+</p:sld>
+</file>
+
+<file path=ppt/slides/slide13.xml><?xml version="1.0" encoding="utf-8"?>
+<p:sld xmlns:a="http://schemas.openxmlformats.org/drawingml/2006/main" xmlns:r="http://schemas.openxmlformats.org/officeDocument/2006/relationships" xmlns:p="http://schemas.openxmlformats.org/presentationml/2006/main">
+  <p:cSld>
+    <p:spTree>
+      <p:nvGrpSpPr>
+        <p:cNvPr id="1" name=""/>
+        <p:cNvGrpSpPr/>
+        <p:nvPr/>
+      </p:nvGrpSpPr>
+      <p:grpSpPr>
+        <a:xfrm>
+          <a:off x="0" y="0"/>
+          <a:ext cx="0" cy="0"/>
+          <a:chOff x="0" y="0"/>
+          <a:chExt cx="0" cy="0"/>
+        </a:xfrm>
+      </p:grpSpPr>
+      <p:sp>
+        <p:nvSpPr>
+          <p:cNvPr id="2" name="Title 1"/>
+          <p:cNvSpPr>
+            <a:spLocks noGrp="1"/>
+          </p:cNvSpPr>
+          <p:nvPr>
+            <p:ph type="title"/>
+          </p:nvPr>
+        </p:nvSpPr>
+        <p:spPr/>
+        <p:txBody>
+          <a:bodyPr/>
+          <a:lstStyle/>
+          <a:p>
+            <a:r>
+              <a:rPr dirty="0" err="1">
+                <a:latin typeface="Raleway" pitchFamily="2" charset="77"/>
+              </a:rPr>
+              <a:t>Optimering</a:t>
+            </a:r>
+            <a:r>
+              <a:rPr dirty="0">
+                <a:latin typeface="Raleway" pitchFamily="2" charset="77"/>
+              </a:rPr>
+              <a:t> </a:t>
+            </a:r>
+            <a:r>
+              <a:rPr dirty="0" err="1">
+                <a:latin typeface="Raleway" pitchFamily="2" charset="77"/>
+              </a:rPr>
+              <a:t>af</a:t>
+            </a:r>
+            <a:r>
+              <a:rPr dirty="0">
+                <a:latin typeface="Raleway" pitchFamily="2" charset="77"/>
+              </a:rPr>
+              <a:t> </a:t>
+            </a:r>
+            <a:r>
+              <a:rPr dirty="0" err="1">
+                <a:latin typeface="Raleway" pitchFamily="2" charset="77"/>
+              </a:rPr>
+              <a:t>billeder</a:t>
+            </a:r>
+            <a:r>
+              <a:rPr dirty="0">
+                <a:latin typeface="Raleway" pitchFamily="2" charset="77"/>
+              </a:rPr>
+              <a:t> for </a:t>
+            </a:r>
+            <a:r>
+              <a:rPr dirty="0" err="1">
+                <a:latin typeface="Raleway" pitchFamily="2" charset="77"/>
+              </a:rPr>
+              <a:t>bæredygtighed</a:t>
+            </a:r>
+            <a:endParaRPr dirty="0">
+              <a:latin typeface="Raleway" pitchFamily="2" charset="77"/>
+            </a:endParaRPr>
+          </a:p>
+        </p:txBody>
+      </p:sp>
+      <p:sp>
+        <p:nvSpPr>
+          <p:cNvPr id="3" name="Content Placeholder 2"/>
+          <p:cNvSpPr>
+            <a:spLocks noGrp="1"/>
+          </p:cNvSpPr>
+          <p:nvPr>
+            <p:ph idx="1"/>
+          </p:nvPr>
+        </p:nvSpPr>
+        <p:spPr/>
+        <p:txBody>
+          <a:bodyPr/>
+          <a:lstStyle/>
+          <a:p>
+            <a:r>
+              <a:rPr lang="da-DK" dirty="0"/>
+              <a:t> </a:t>
+            </a:r>
+            <a:r>
+              <a:rPr dirty="0"/>
+              <a:t> </a:t>
+            </a:r>
+            <a:r>
+              <a:rPr dirty="0" err="1"/>
+              <a:t>Billeder</a:t>
+            </a:r>
+            <a:r>
+              <a:rPr dirty="0"/>
+              <a:t> er </a:t>
+            </a:r>
+            <a:r>
+              <a:rPr dirty="0" err="1"/>
+              <a:t>en</a:t>
+            </a:r>
+            <a:r>
+              <a:rPr dirty="0"/>
+              <a:t> </a:t>
+            </a:r>
+            <a:r>
+              <a:rPr dirty="0" err="1"/>
+              <a:t>stor</a:t>
+            </a:r>
+            <a:r>
+              <a:rPr dirty="0"/>
+              <a:t> </a:t>
+            </a:r>
+            <a:r>
+              <a:rPr dirty="0" err="1"/>
+              <a:t>kilde</a:t>
+            </a:r>
+            <a:r>
+              <a:rPr dirty="0"/>
+              <a:t> </a:t>
+            </a:r>
+            <a:r>
+              <a:rPr dirty="0" err="1"/>
+              <a:t>til</a:t>
+            </a:r>
+            <a:r>
+              <a:rPr dirty="0"/>
+              <a:t> CO2-udledninger </a:t>
+            </a:r>
+            <a:r>
+              <a:rPr dirty="0" err="1"/>
+              <a:t>på</a:t>
+            </a:r>
+            <a:r>
+              <a:rPr dirty="0"/>
+              <a:t> websites.</a:t>
+            </a:r>
+          </a:p>
+          <a:p>
+            <a:r>
+              <a:rPr lang="da-DK" dirty="0"/>
+              <a:t>  </a:t>
+            </a:r>
+            <a:r>
+              <a:rPr dirty="0"/>
+              <a:t>Brug </a:t>
+            </a:r>
+            <a:r>
+              <a:rPr dirty="0" err="1"/>
+              <a:t>effektive</a:t>
+            </a:r>
+            <a:r>
+              <a:rPr dirty="0"/>
+              <a:t> </a:t>
+            </a:r>
+            <a:r>
+              <a:rPr dirty="0" err="1"/>
+              <a:t>formater</a:t>
+            </a:r>
+            <a:r>
+              <a:rPr dirty="0"/>
+              <a:t> </a:t>
+            </a:r>
+            <a:r>
+              <a:rPr dirty="0" err="1"/>
+              <a:t>som</a:t>
+            </a:r>
+            <a:r>
+              <a:rPr dirty="0"/>
+              <a:t> AVIF </a:t>
+            </a:r>
+            <a:r>
+              <a:rPr dirty="0" err="1"/>
+              <a:t>eller</a:t>
+            </a:r>
+            <a:r>
+              <a:rPr dirty="0"/>
+              <a:t> WEBP.</a:t>
+            </a:r>
+          </a:p>
+          <a:p>
+            <a:r>
+              <a:rPr lang="da-DK" dirty="0"/>
+              <a:t>  </a:t>
+            </a:r>
+            <a:r>
+              <a:rPr dirty="0" err="1"/>
+              <a:t>Komprimer</a:t>
+            </a:r>
+            <a:r>
+              <a:rPr dirty="0"/>
+              <a:t> </a:t>
+            </a:r>
+            <a:r>
+              <a:rPr dirty="0" err="1"/>
+              <a:t>billeder</a:t>
+            </a:r>
+            <a:r>
+              <a:rPr dirty="0"/>
+              <a:t> </a:t>
+            </a:r>
+            <a:r>
+              <a:rPr dirty="0" err="1"/>
+              <a:t>uden</a:t>
+            </a:r>
+            <a:r>
+              <a:rPr dirty="0"/>
+              <a:t> at </a:t>
+            </a:r>
+            <a:r>
+              <a:rPr dirty="0" err="1"/>
+              <a:t>miste</a:t>
+            </a:r>
+            <a:r>
+              <a:rPr dirty="0"/>
+              <a:t> for </a:t>
+            </a:r>
+            <a:r>
+              <a:rPr dirty="0" err="1"/>
+              <a:t>meget</a:t>
+            </a:r>
+            <a:r>
+              <a:rPr dirty="0"/>
+              <a:t> </a:t>
+            </a:r>
+            <a:r>
+              <a:rPr dirty="0" err="1"/>
+              <a:t>kvalitet</a:t>
+            </a:r>
+            <a:r>
+              <a:rPr dirty="0"/>
+              <a:t>.</a:t>
+            </a:r>
+          </a:p>
+          <a:p>
+            <a:r>
+              <a:rPr lang="da-DK" dirty="0"/>
+              <a:t>  </a:t>
+            </a:r>
+            <a:r>
+              <a:rPr dirty="0" err="1"/>
+              <a:t>Overvej</a:t>
+            </a:r>
+            <a:r>
+              <a:rPr dirty="0"/>
+              <a:t> at </a:t>
+            </a:r>
+            <a:r>
+              <a:rPr dirty="0" err="1"/>
+              <a:t>bruge</a:t>
+            </a:r>
+            <a:r>
+              <a:rPr dirty="0"/>
+              <a:t> </a:t>
+            </a:r>
+            <a:r>
+              <a:rPr dirty="0" err="1"/>
+              <a:t>vektorbilleder</a:t>
+            </a:r>
+            <a:r>
+              <a:rPr dirty="0"/>
+              <a:t> </a:t>
+            </a:r>
+            <a:r>
+              <a:rPr dirty="0" err="1"/>
+              <a:t>til</a:t>
+            </a:r>
+            <a:r>
+              <a:rPr dirty="0"/>
+              <a:t> </a:t>
+            </a:r>
+            <a:r>
+              <a:rPr dirty="0" err="1"/>
+              <a:t>grafik</a:t>
+            </a:r>
+            <a:r>
+              <a:rPr dirty="0"/>
+              <a:t>.</a:t>
+            </a:r>
+          </a:p>
+          <a:p>
+            <a:r>
+              <a:rPr lang="da-DK" dirty="0"/>
+              <a:t>   </a:t>
+            </a:r>
+            <a:r>
+              <a:rPr dirty="0" err="1"/>
+              <a:t>Undgå</a:t>
+            </a:r>
+            <a:r>
+              <a:rPr dirty="0"/>
+              <a:t> at </a:t>
+            </a:r>
+            <a:r>
+              <a:rPr dirty="0" err="1"/>
+              <a:t>bruge</a:t>
+            </a:r>
+            <a:r>
+              <a:rPr dirty="0"/>
+              <a:t> </a:t>
+            </a:r>
+            <a:r>
+              <a:rPr dirty="0" err="1"/>
+              <a:t>større</a:t>
+            </a:r>
+            <a:r>
+              <a:rPr dirty="0"/>
+              <a:t>, </a:t>
+            </a:r>
+            <a:r>
+              <a:rPr dirty="0" err="1"/>
+              <a:t>mindre</a:t>
+            </a:r>
+            <a:r>
+              <a:rPr dirty="0"/>
+              <a:t> </a:t>
+            </a:r>
+            <a:r>
+              <a:rPr dirty="0" err="1"/>
+              <a:t>effektive</a:t>
+            </a:r>
+            <a:r>
+              <a:rPr dirty="0"/>
+              <a:t> </a:t>
+            </a:r>
+            <a:r>
+              <a:rPr dirty="0" err="1"/>
+              <a:t>formater</a:t>
+            </a:r>
+            <a:r>
+              <a:rPr dirty="0"/>
+              <a:t> </a:t>
+            </a:r>
+            <a:r>
+              <a:rPr dirty="0" err="1"/>
+              <a:t>som</a:t>
+            </a:r>
+            <a:r>
+              <a:rPr dirty="0"/>
+              <a:t> JPEG </a:t>
+            </a:r>
+            <a:r>
+              <a:rPr dirty="0" err="1"/>
+              <a:t>og</a:t>
+            </a:r>
+            <a:r>
+              <a:rPr dirty="0"/>
+              <a:t> PNG.</a:t>
+            </a:r>
+          </a:p>
+        </p:txBody>
+      </p:sp>
+    </p:spTree>
+  </p:cSld>
+  <p:clrMapOvr>
+    <a:masterClrMapping/>
+  </p:clrMapOvr>
+</p:sld>
+</file>
+
+<file path=ppt/slides/slide14.xml><?xml version="1.0" encoding="utf-8"?>
+<p:sld xmlns:a="http://schemas.openxmlformats.org/drawingml/2006/main" xmlns:r="http://schemas.openxmlformats.org/officeDocument/2006/relationships" xmlns:p="http://schemas.openxmlformats.org/presentationml/2006/main">
+  <p:cSld>
+    <p:spTree>
+      <p:nvGrpSpPr>
+        <p:cNvPr id="1" name=""/>
+        <p:cNvGrpSpPr/>
+        <p:nvPr/>
+      </p:nvGrpSpPr>
+      <p:grpSpPr>
+        <a:xfrm>
+          <a:off x="0" y="0"/>
+          <a:ext cx="0" cy="0"/>
+          <a:chOff x="0" y="0"/>
+          <a:chExt cx="0" cy="0"/>
+        </a:xfrm>
+      </p:grpSpPr>
+      <p:sp>
+        <p:nvSpPr>
+          <p:cNvPr id="2" name="Title 1"/>
+          <p:cNvSpPr>
+            <a:spLocks noGrp="1"/>
+          </p:cNvSpPr>
+          <p:nvPr>
+            <p:ph type="title"/>
+          </p:nvPr>
+        </p:nvSpPr>
+        <p:spPr/>
+        <p:txBody>
+          <a:bodyPr/>
+          <a:lstStyle/>
+          <a:p>
+            <a:r>
+              <a:rPr dirty="0" err="1">
+                <a:latin typeface="Raleway" pitchFamily="2" charset="77"/>
+              </a:rPr>
+              <a:t>Optimering</a:t>
+            </a:r>
+            <a:r>
+              <a:rPr dirty="0">
+                <a:latin typeface="Raleway" pitchFamily="2" charset="77"/>
+              </a:rPr>
+              <a:t> </a:t>
+            </a:r>
+            <a:r>
+              <a:rPr dirty="0" err="1">
+                <a:latin typeface="Raleway" pitchFamily="2" charset="77"/>
+              </a:rPr>
+              <a:t>af</a:t>
+            </a:r>
+            <a:r>
+              <a:rPr dirty="0">
+                <a:latin typeface="Raleway" pitchFamily="2" charset="77"/>
+              </a:rPr>
+              <a:t> video for </a:t>
+            </a:r>
+            <a:r>
+              <a:rPr dirty="0" err="1">
+                <a:latin typeface="Raleway" pitchFamily="2" charset="77"/>
+              </a:rPr>
+              <a:t>bæredygtighed</a:t>
+            </a:r>
+            <a:endParaRPr dirty="0">
+              <a:latin typeface="Raleway" pitchFamily="2" charset="77"/>
+            </a:endParaRPr>
+          </a:p>
+        </p:txBody>
+      </p:sp>
+      <p:sp>
+        <p:nvSpPr>
+          <p:cNvPr id="3" name="Content Placeholder 2"/>
+          <p:cNvSpPr>
+            <a:spLocks noGrp="1"/>
+          </p:cNvSpPr>
+          <p:nvPr>
+            <p:ph idx="1"/>
+          </p:nvPr>
+        </p:nvSpPr>
+        <p:spPr/>
+        <p:txBody>
+          <a:bodyPr/>
+          <a:lstStyle/>
+          <a:p>
+            <a:r>
+              <a:rPr dirty="0" err="1"/>
+              <a:t>Videofilstørrelse</a:t>
+            </a:r>
+            <a:r>
+              <a:rPr dirty="0"/>
+              <a:t> </a:t>
+            </a:r>
+            <a:r>
+              <a:rPr dirty="0" err="1"/>
+              <a:t>bestemmes</a:t>
+            </a:r>
+            <a:r>
+              <a:rPr dirty="0"/>
+              <a:t> mere </a:t>
+            </a:r>
+            <a:r>
+              <a:rPr dirty="0" err="1"/>
+              <a:t>af</a:t>
+            </a:r>
+            <a:r>
+              <a:rPr dirty="0"/>
+              <a:t> codec end </a:t>
+            </a:r>
+            <a:r>
+              <a:rPr dirty="0" err="1"/>
+              <a:t>filtypenavn</a:t>
+            </a:r>
+            <a:r>
+              <a:rPr dirty="0"/>
+              <a:t>.</a:t>
+            </a:r>
+          </a:p>
+          <a:p>
+            <a:r>
+              <a:rPr dirty="0"/>
+              <a:t>Brug </a:t>
+            </a:r>
+            <a:r>
+              <a:rPr dirty="0" err="1"/>
+              <a:t>effektive</a:t>
+            </a:r>
+            <a:r>
+              <a:rPr dirty="0"/>
+              <a:t> </a:t>
+            </a:r>
+            <a:r>
+              <a:rPr dirty="0" err="1"/>
+              <a:t>videocodecs</a:t>
+            </a:r>
+            <a:r>
+              <a:rPr dirty="0"/>
+              <a:t> </a:t>
+            </a:r>
+            <a:r>
+              <a:rPr dirty="0" err="1"/>
+              <a:t>som</a:t>
+            </a:r>
+            <a:r>
+              <a:rPr dirty="0"/>
+              <a:t> AV1 for </a:t>
+            </a:r>
+            <a:r>
+              <a:rPr dirty="0" err="1"/>
+              <a:t>bedre</a:t>
+            </a:r>
+            <a:r>
+              <a:rPr dirty="0"/>
+              <a:t> </a:t>
+            </a:r>
+            <a:r>
+              <a:rPr dirty="0" err="1"/>
+              <a:t>komprimering</a:t>
+            </a:r>
+            <a:r>
+              <a:rPr dirty="0"/>
+              <a:t>.</a:t>
+            </a:r>
+          </a:p>
+          <a:p>
+            <a:pPr marL="0" indent="0">
+              <a:buNone/>
+            </a:pPr>
+            <a:endParaRPr dirty="0"/>
+          </a:p>
+          <a:p>
+            <a:r>
+              <a:rPr dirty="0"/>
+              <a:t>Brug MP4</a:t>
+            </a:r>
+            <a:r>
+              <a:rPr lang="da-DK" dirty="0"/>
+              <a:t> </a:t>
+            </a:r>
+            <a:r>
+              <a:rPr dirty="0"/>
+              <a:t> </a:t>
+            </a:r>
+            <a:r>
+              <a:rPr dirty="0" err="1"/>
+              <a:t>som</a:t>
+            </a:r>
+            <a:r>
+              <a:rPr dirty="0"/>
+              <a:t> et </a:t>
+            </a:r>
+            <a:r>
+              <a:rPr dirty="0" err="1"/>
+              <a:t>grundlæggende</a:t>
+            </a:r>
+            <a:r>
+              <a:rPr dirty="0"/>
+              <a:t> format for </a:t>
+            </a:r>
+            <a:r>
+              <a:rPr dirty="0" err="1"/>
+              <a:t>kompatibilitet</a:t>
+            </a:r>
+            <a:r>
+              <a:rPr dirty="0"/>
+              <a:t>.</a:t>
+            </a:r>
+            <a:endParaRPr lang="da-DK" dirty="0"/>
+          </a:p>
+          <a:p>
+            <a:pPr marL="0" indent="0">
+              <a:buNone/>
+            </a:pPr>
+            <a:r>
+              <a:rPr lang="en-DK" dirty="0"/>
+              <a:t>(</a:t>
+            </a:r>
+            <a:r>
+              <a:rPr lang="en-GB" b="1" dirty="0"/>
+              <a:t>Video Codecs Inside MP4:</a:t>
+            </a:r>
+            <a:r>
+              <a:rPr lang="en-GB" dirty="0"/>
+              <a:t> MP4 files can contain different video codecs, such as H.264, HEVC (H.265))</a:t>
+            </a:r>
+          </a:p>
+          <a:p>
+            <a:pPr marL="0" indent="0">
+              <a:buNone/>
+            </a:pPr>
+            <a:endParaRPr dirty="0"/>
+          </a:p>
+        </p:txBody>
+      </p:sp>
+    </p:spTree>
+  </p:cSld>
+  <p:clrMapOvr>
+    <a:masterClrMapping/>
+  </p:clrMapOvr>
+</p:sld>
+</file>
+
+<file path=ppt/slides/slide15.xml><?xml version="1.0" encoding="utf-8"?>
+<p:sld xmlns:a="http://schemas.openxmlformats.org/drawingml/2006/main" xmlns:r="http://schemas.openxmlformats.org/officeDocument/2006/relationships" xmlns:p="http://schemas.openxmlformats.org/presentationml/2006/main">
+  <p:cSld>
+    <p:spTree>
+      <p:nvGrpSpPr>
+        <p:cNvPr id="1" name=""/>
+        <p:cNvGrpSpPr/>
+        <p:nvPr/>
+      </p:nvGrpSpPr>
+      <p:grpSpPr>
+        <a:xfrm>
+          <a:off x="0" y="0"/>
+          <a:ext cx="0" cy="0"/>
+          <a:chOff x="0" y="0"/>
+          <a:chExt cx="0" cy="0"/>
+        </a:xfrm>
+      </p:grpSpPr>
+      <p:sp>
+        <p:nvSpPr>
+          <p:cNvPr id="2" name="Title 1"/>
+          <p:cNvSpPr>
+            <a:spLocks noGrp="1"/>
+          </p:cNvSpPr>
+          <p:nvPr>
+            <p:ph type="title"/>
+          </p:nvPr>
+        </p:nvSpPr>
+        <p:spPr/>
+        <p:txBody>
+          <a:bodyPr>
+            <a:normAutofit fontScale="90000"/>
+          </a:bodyPr>
+          <a:lstStyle/>
+          <a:p>
+            <a:r>
+              <a:rPr dirty="0" err="1">
+                <a:latin typeface="Raleway" pitchFamily="2" charset="77"/>
+              </a:rPr>
+              <a:t>Optimering</a:t>
+            </a:r>
+            <a:r>
+              <a:rPr dirty="0">
+                <a:latin typeface="Raleway" pitchFamily="2" charset="77"/>
+              </a:rPr>
+              <a:t> </a:t>
+            </a:r>
+            <a:r>
+              <a:rPr dirty="0" err="1">
+                <a:latin typeface="Raleway" pitchFamily="2" charset="77"/>
+              </a:rPr>
+              <a:t>af</a:t>
+            </a:r>
+            <a:r>
+              <a:rPr dirty="0">
+                <a:latin typeface="Raleway" pitchFamily="2" charset="77"/>
+              </a:rPr>
+              <a:t> </a:t>
+            </a:r>
+            <a:r>
+              <a:rPr dirty="0" err="1">
+                <a:latin typeface="Raleway" pitchFamily="2" charset="77"/>
+              </a:rPr>
+              <a:t>skrifttyper</a:t>
+            </a:r>
+            <a:r>
+              <a:rPr dirty="0">
+                <a:latin typeface="Raleway" pitchFamily="2" charset="77"/>
+              </a:rPr>
+              <a:t> for </a:t>
+            </a:r>
+            <a:r>
+              <a:rPr dirty="0" err="1">
+                <a:latin typeface="Raleway" pitchFamily="2" charset="77"/>
+              </a:rPr>
+              <a:t>bæredygtighed</a:t>
+            </a:r>
+            <a:endParaRPr dirty="0">
+              <a:latin typeface="Raleway" pitchFamily="2" charset="77"/>
+            </a:endParaRPr>
+          </a:p>
+        </p:txBody>
+      </p:sp>
+      <p:sp>
+        <p:nvSpPr>
+          <p:cNvPr id="3" name="Content Placeholder 2"/>
+          <p:cNvSpPr>
+            <a:spLocks noGrp="1"/>
+          </p:cNvSpPr>
+          <p:nvPr>
+            <p:ph idx="1"/>
+          </p:nvPr>
+        </p:nvSpPr>
+        <p:spPr/>
+        <p:txBody>
+          <a:bodyPr/>
+          <a:lstStyle/>
+          <a:p>
+            <a:r>
+              <a:rPr dirty="0"/>
+              <a:t> </a:t>
+            </a:r>
+            <a:r>
+              <a:rPr dirty="0" err="1"/>
+              <a:t>Eksterne</a:t>
+            </a:r>
+            <a:r>
+              <a:rPr dirty="0"/>
+              <a:t> </a:t>
+            </a:r>
+            <a:r>
+              <a:rPr dirty="0" err="1"/>
+              <a:t>skrifttyper</a:t>
+            </a:r>
+            <a:r>
+              <a:rPr dirty="0"/>
+              <a:t> </a:t>
+            </a:r>
+            <a:r>
+              <a:rPr dirty="0" err="1"/>
+              <a:t>kan</a:t>
+            </a:r>
+            <a:r>
+              <a:rPr dirty="0"/>
+              <a:t> </a:t>
+            </a:r>
+            <a:r>
+              <a:rPr dirty="0" err="1"/>
+              <a:t>øge</a:t>
+            </a:r>
+            <a:r>
+              <a:rPr dirty="0"/>
+              <a:t> </a:t>
+            </a:r>
+            <a:r>
+              <a:rPr dirty="0" err="1"/>
+              <a:t>sidens</a:t>
+            </a:r>
+            <a:r>
+              <a:rPr dirty="0"/>
+              <a:t> </a:t>
+            </a:r>
+            <a:r>
+              <a:rPr dirty="0" err="1"/>
+              <a:t>vægt</a:t>
+            </a:r>
+            <a:r>
+              <a:rPr dirty="0"/>
+              <a:t> </a:t>
+            </a:r>
+            <a:r>
+              <a:rPr dirty="0" err="1"/>
+              <a:t>og</a:t>
+            </a:r>
+            <a:r>
+              <a:rPr dirty="0"/>
+              <a:t> </a:t>
+            </a:r>
+            <a:r>
+              <a:rPr dirty="0" err="1"/>
+              <a:t>energiforbrug</a:t>
+            </a:r>
+            <a:r>
+              <a:rPr dirty="0"/>
+              <a:t>.</a:t>
+            </a:r>
+          </a:p>
+          <a:p>
+            <a:r>
+              <a:rPr dirty="0"/>
+              <a:t> Brug </a:t>
+            </a:r>
+            <a:r>
+              <a:rPr dirty="0" err="1"/>
+              <a:t>systemskrifttyper</a:t>
+            </a:r>
+            <a:r>
+              <a:rPr dirty="0"/>
+              <a:t>, </a:t>
+            </a:r>
+            <a:r>
+              <a:rPr dirty="0" err="1"/>
+              <a:t>hvor</a:t>
+            </a:r>
+            <a:r>
+              <a:rPr dirty="0"/>
+              <a:t> det er </a:t>
+            </a:r>
+            <a:r>
+              <a:rPr dirty="0" err="1"/>
+              <a:t>muligt</a:t>
+            </a:r>
+            <a:r>
+              <a:rPr dirty="0"/>
+              <a:t>.</a:t>
+            </a:r>
+          </a:p>
+          <a:p>
+            <a:r>
+              <a:rPr lang="da-DK" dirty="0"/>
+              <a:t> </a:t>
+            </a:r>
+            <a:r>
+              <a:rPr dirty="0" err="1"/>
+              <a:t>Delmængde</a:t>
+            </a:r>
+            <a:r>
+              <a:rPr dirty="0"/>
+              <a:t> </a:t>
+            </a:r>
+            <a:r>
+              <a:rPr dirty="0" err="1"/>
+              <a:t>skrifttyper</a:t>
+            </a:r>
+            <a:r>
+              <a:rPr dirty="0"/>
+              <a:t> for at </a:t>
+            </a:r>
+            <a:r>
+              <a:rPr dirty="0" err="1"/>
+              <a:t>reducere</a:t>
+            </a:r>
+            <a:r>
+              <a:rPr dirty="0"/>
+              <a:t> </a:t>
+            </a:r>
+            <a:r>
+              <a:rPr dirty="0" err="1"/>
+              <a:t>filstørrelsen</a:t>
+            </a:r>
+            <a:r>
+              <a:rPr dirty="0"/>
+              <a:t>.</a:t>
+            </a:r>
+          </a:p>
+        </p:txBody>
+      </p:sp>
+    </p:spTree>
+  </p:cSld>
+  <p:clrMapOvr>
+    <a:masterClrMapping/>
+  </p:clrMapOvr>
+</p:sld>
+</file>
+
+<file path=ppt/slides/slide16.xml><?xml version="1.0" encoding="utf-8"?>
+<p:sld xmlns:a="http://schemas.openxmlformats.org/drawingml/2006/main" xmlns:r="http://schemas.openxmlformats.org/officeDocument/2006/relationships" xmlns:p="http://schemas.openxmlformats.org/presentationml/2006/main">
+  <p:cSld>
+    <p:spTree>
+      <p:nvGrpSpPr>
+        <p:cNvPr id="1" name=""/>
+        <p:cNvGrpSpPr/>
+        <p:nvPr/>
+      </p:nvGrpSpPr>
+      <p:grpSpPr>
+        <a:xfrm>
+          <a:off x="0" y="0"/>
+          <a:ext cx="0" cy="0"/>
+          <a:chOff x="0" y="0"/>
+          <a:chExt cx="0" cy="0"/>
+        </a:xfrm>
+      </p:grpSpPr>
+      <p:sp>
+        <p:nvSpPr>
+          <p:cNvPr id="2" name="Title 1"/>
+          <p:cNvSpPr>
+            <a:spLocks noGrp="1"/>
+          </p:cNvSpPr>
+          <p:nvPr>
+            <p:ph type="title"/>
+          </p:nvPr>
+        </p:nvSpPr>
+        <p:spPr/>
+        <p:txBody>
+          <a:bodyPr/>
+          <a:lstStyle/>
+          <a:p>
+            <a:r>
+              <a:rPr dirty="0" err="1">
+                <a:latin typeface="Raleway" pitchFamily="2" charset="77"/>
+              </a:rPr>
+              <a:t>Fordelene</a:t>
+            </a:r>
+            <a:r>
+              <a:rPr dirty="0">
+                <a:latin typeface="Raleway" pitchFamily="2" charset="77"/>
+              </a:rPr>
+              <a:t> </a:t>
+            </a:r>
+            <a:r>
+              <a:rPr dirty="0" err="1">
+                <a:latin typeface="Raleway" pitchFamily="2" charset="77"/>
+              </a:rPr>
+              <a:t>ved</a:t>
+            </a:r>
+            <a:r>
+              <a:rPr dirty="0">
+                <a:latin typeface="Raleway" pitchFamily="2" charset="77"/>
+              </a:rPr>
+              <a:t> </a:t>
+            </a:r>
+            <a:r>
+              <a:rPr dirty="0" err="1">
+                <a:latin typeface="Raleway" pitchFamily="2" charset="77"/>
+              </a:rPr>
+              <a:t>mørk</a:t>
+            </a:r>
+            <a:r>
+              <a:rPr dirty="0">
+                <a:latin typeface="Raleway" pitchFamily="2" charset="77"/>
+              </a:rPr>
+              <a:t> </a:t>
+            </a:r>
+            <a:r>
+              <a:rPr dirty="0" err="1">
+                <a:latin typeface="Raleway" pitchFamily="2" charset="77"/>
+              </a:rPr>
+              <a:t>tilstand</a:t>
+            </a:r>
+            <a:endParaRPr dirty="0">
+              <a:latin typeface="Raleway" pitchFamily="2" charset="77"/>
+            </a:endParaRPr>
+          </a:p>
+        </p:txBody>
+      </p:sp>
+      <p:sp>
+        <p:nvSpPr>
+          <p:cNvPr id="3" name="Content Placeholder 2"/>
+          <p:cNvSpPr>
+            <a:spLocks noGrp="1"/>
+          </p:cNvSpPr>
+          <p:nvPr>
+            <p:ph idx="1"/>
+          </p:nvPr>
+        </p:nvSpPr>
+        <p:spPr/>
+        <p:txBody>
+          <a:bodyPr/>
+          <a:lstStyle/>
+          <a:p>
+            <a:r>
+              <a:rPr dirty="0" err="1"/>
+              <a:t>Mørk</a:t>
+            </a:r>
+            <a:r>
+              <a:rPr dirty="0"/>
+              <a:t> </a:t>
+            </a:r>
+            <a:r>
+              <a:rPr dirty="0" err="1"/>
+              <a:t>tilstand</a:t>
+            </a:r>
+            <a:r>
+              <a:rPr dirty="0"/>
+              <a:t> </a:t>
+            </a:r>
+            <a:r>
+              <a:rPr dirty="0" err="1"/>
+              <a:t>reducerer</a:t>
+            </a:r>
+            <a:r>
+              <a:rPr dirty="0"/>
+              <a:t> </a:t>
+            </a:r>
+            <a:r>
+              <a:rPr dirty="0" err="1"/>
+              <a:t>energiforbruget</a:t>
+            </a:r>
+            <a:r>
+              <a:rPr dirty="0"/>
+              <a:t> </a:t>
+            </a:r>
+            <a:endParaRPr lang="da-DK" dirty="0"/>
+          </a:p>
+          <a:p>
+            <a:r>
+              <a:rPr dirty="0"/>
+              <a:t>Sort er den </a:t>
+            </a:r>
+            <a:r>
+              <a:rPr dirty="0" err="1"/>
+              <a:t>mest</a:t>
+            </a:r>
+            <a:r>
+              <a:rPr dirty="0"/>
+              <a:t> </a:t>
+            </a:r>
+            <a:r>
+              <a:rPr dirty="0" err="1"/>
+              <a:t>energieffektive</a:t>
+            </a:r>
+            <a:r>
+              <a:rPr dirty="0"/>
+              <a:t> </a:t>
+            </a:r>
+            <a:r>
+              <a:rPr dirty="0" err="1"/>
+              <a:t>farve</a:t>
+            </a:r>
+            <a:r>
+              <a:rPr dirty="0"/>
+              <a:t> </a:t>
+            </a:r>
+            <a:r>
+              <a:rPr dirty="0" err="1"/>
+              <a:t>på</a:t>
+            </a:r>
+            <a:r>
+              <a:rPr dirty="0"/>
+              <a:t> </a:t>
+            </a:r>
+            <a:r>
+              <a:rPr lang="da-DK" dirty="0"/>
+              <a:t>digital </a:t>
+            </a:r>
+            <a:r>
+              <a:rPr dirty="0" err="1"/>
+              <a:t>skærme</a:t>
+            </a:r>
+            <a:r>
+              <a:rPr dirty="0"/>
+              <a:t>.</a:t>
+            </a:r>
+          </a:p>
+          <a:p>
+            <a:r>
+              <a:rPr dirty="0" err="1"/>
+              <a:t>Mørk</a:t>
+            </a:r>
+            <a:r>
+              <a:rPr dirty="0"/>
+              <a:t> </a:t>
+            </a:r>
+            <a:r>
+              <a:rPr dirty="0" err="1"/>
+              <a:t>tilstand</a:t>
+            </a:r>
+            <a:r>
+              <a:rPr dirty="0"/>
+              <a:t> </a:t>
+            </a:r>
+            <a:r>
+              <a:rPr dirty="0" err="1"/>
+              <a:t>kan</a:t>
+            </a:r>
+            <a:r>
+              <a:rPr dirty="0"/>
+              <a:t> </a:t>
+            </a:r>
+            <a:r>
+              <a:rPr dirty="0" err="1"/>
+              <a:t>nemt</a:t>
+            </a:r>
+            <a:r>
+              <a:rPr dirty="0"/>
+              <a:t> </a:t>
+            </a:r>
+            <a:r>
+              <a:rPr dirty="0" err="1"/>
+              <a:t>implementeres</a:t>
+            </a:r>
+            <a:r>
+              <a:rPr dirty="0"/>
+              <a:t> med </a:t>
+            </a:r>
+            <a:r>
+              <a:rPr dirty="0" err="1"/>
+              <a:t>få</a:t>
+            </a:r>
+            <a:r>
+              <a:rPr dirty="0"/>
+              <a:t> </a:t>
+            </a:r>
+            <a:r>
+              <a:rPr dirty="0" err="1"/>
+              <a:t>linjer</a:t>
+            </a:r>
+            <a:r>
+              <a:rPr dirty="0"/>
+              <a:t> </a:t>
+            </a:r>
+            <a:r>
+              <a:rPr dirty="0" err="1"/>
+              <a:t>kode</a:t>
+            </a:r>
+            <a:r>
+              <a:rPr lang="da-DK" dirty="0"/>
+              <a:t>(</a:t>
+            </a:r>
+            <a:r>
+              <a:rPr lang="da-DK" dirty="0" err="1"/>
+              <a:t>javascript</a:t>
+            </a:r>
+            <a:r>
+              <a:rPr lang="da-DK" dirty="0"/>
+              <a:t> eller CSS)</a:t>
+            </a:r>
+            <a:r>
+              <a:rPr dirty="0"/>
+              <a:t>.</a:t>
+            </a:r>
+          </a:p>
+        </p:txBody>
+      </p:sp>
+    </p:spTree>
+  </p:cSld>
+  <p:clrMapOvr>
+    <a:masterClrMapping/>
+  </p:clrMapOvr>
+</p:sld>
+</file>
+
+<file path=ppt/slides/slide17.xml><?xml version="1.0" encoding="utf-8"?>
+<p:sld xmlns:a="http://schemas.openxmlformats.org/drawingml/2006/main" xmlns:r="http://schemas.openxmlformats.org/officeDocument/2006/relationships" xmlns:p="http://schemas.openxmlformats.org/presentationml/2006/main">
+  <p:cSld>
+    <p:spTree>
+      <p:nvGrpSpPr>
+        <p:cNvPr id="1" name=""/>
+        <p:cNvGrpSpPr/>
+        <p:nvPr/>
+      </p:nvGrpSpPr>
+      <p:grpSpPr>
+        <a:xfrm>
+          <a:off x="0" y="0"/>
+          <a:ext cx="0" cy="0"/>
+          <a:chOff x="0" y="0"/>
+          <a:chExt cx="0" cy="0"/>
+        </a:xfrm>
+      </p:grpSpPr>
+      <p:sp>
+        <p:nvSpPr>
+          <p:cNvPr id="2" name="Title 1"/>
+          <p:cNvSpPr>
+            <a:spLocks noGrp="1"/>
+          </p:cNvSpPr>
+          <p:nvPr>
+            <p:ph type="title"/>
+          </p:nvPr>
+        </p:nvSpPr>
+        <p:spPr/>
+        <p:txBody>
+          <a:bodyPr/>
+          <a:lstStyle/>
+          <a:p>
+            <a:r>
+              <a:rPr dirty="0" err="1">
+                <a:latin typeface="Raleway" pitchFamily="2" charset="77"/>
+              </a:rPr>
+              <a:t>Effektive</a:t>
+            </a:r>
+            <a:r>
+              <a:rPr dirty="0">
+                <a:latin typeface="Raleway" pitchFamily="2" charset="77"/>
+              </a:rPr>
+              <a:t> </a:t>
+            </a:r>
+            <a:r>
+              <a:rPr dirty="0" err="1">
+                <a:latin typeface="Raleway" pitchFamily="2" charset="77"/>
+              </a:rPr>
+              <a:t>kodningspraksisser</a:t>
+            </a:r>
+            <a:endParaRPr dirty="0">
+              <a:latin typeface="Raleway" pitchFamily="2" charset="77"/>
+            </a:endParaRPr>
+          </a:p>
+        </p:txBody>
+      </p:sp>
+      <p:sp>
+        <p:nvSpPr>
+          <p:cNvPr id="3" name="Content Placeholder 2"/>
+          <p:cNvSpPr>
+            <a:spLocks noGrp="1"/>
+          </p:cNvSpPr>
+          <p:nvPr>
+            <p:ph idx="1"/>
+          </p:nvPr>
+        </p:nvSpPr>
+        <p:spPr/>
+        <p:txBody>
+          <a:bodyPr/>
+          <a:lstStyle/>
+          <a:p>
+            <a:r>
+              <a:rPr dirty="0"/>
+              <a:t> </a:t>
+            </a:r>
+            <a:r>
+              <a:rPr dirty="0" err="1"/>
+              <a:t>Skriv</a:t>
+            </a:r>
+            <a:r>
+              <a:rPr dirty="0"/>
+              <a:t> </a:t>
+            </a:r>
+            <a:r>
+              <a:rPr dirty="0" err="1"/>
+              <a:t>genanvendelig</a:t>
+            </a:r>
+            <a:r>
+              <a:rPr dirty="0"/>
+              <a:t> </a:t>
+            </a:r>
+            <a:r>
+              <a:rPr dirty="0" err="1"/>
+              <a:t>og</a:t>
+            </a:r>
+            <a:r>
+              <a:rPr dirty="0"/>
+              <a:t> </a:t>
+            </a:r>
+            <a:r>
+              <a:rPr dirty="0" err="1">
+                <a:solidFill>
+                  <a:srgbClr val="FF0000"/>
+                </a:solidFill>
+              </a:rPr>
+              <a:t>modulær</a:t>
+            </a:r>
+            <a:r>
+              <a:rPr dirty="0">
+                <a:solidFill>
+                  <a:srgbClr val="FF0000"/>
+                </a:solidFill>
+              </a:rPr>
+              <a:t> </a:t>
+            </a:r>
+            <a:r>
+              <a:rPr dirty="0" err="1">
+                <a:solidFill>
+                  <a:srgbClr val="FF0000"/>
+                </a:solidFill>
+              </a:rPr>
+              <a:t>kode</a:t>
+            </a:r>
+            <a:r>
+              <a:rPr dirty="0"/>
+              <a:t>.</a:t>
+            </a:r>
+          </a:p>
+          <a:p>
+            <a:r>
+              <a:rPr dirty="0" err="1"/>
+              <a:t>Genanvendelig</a:t>
+            </a:r>
+            <a:r>
+              <a:rPr dirty="0"/>
+              <a:t> </a:t>
+            </a:r>
+            <a:r>
+              <a:rPr dirty="0" err="1"/>
+              <a:t>kode</a:t>
+            </a:r>
+            <a:r>
+              <a:rPr dirty="0"/>
+              <a:t> </a:t>
+            </a:r>
+            <a:r>
+              <a:rPr dirty="0" err="1"/>
+              <a:t>reducerer</a:t>
+            </a:r>
+            <a:r>
+              <a:rPr dirty="0"/>
+              <a:t> </a:t>
+            </a:r>
+            <a:r>
+              <a:rPr dirty="0" err="1"/>
+              <a:t>redundans</a:t>
+            </a:r>
+            <a:r>
+              <a:rPr dirty="0"/>
+              <a:t> </a:t>
+            </a:r>
+            <a:r>
+              <a:rPr dirty="0" err="1"/>
+              <a:t>og</a:t>
+            </a:r>
+            <a:r>
+              <a:rPr dirty="0"/>
+              <a:t> </a:t>
+            </a:r>
+            <a:r>
+              <a:rPr dirty="0" err="1"/>
+              <a:t>forbedrer</a:t>
+            </a:r>
+            <a:r>
+              <a:rPr dirty="0"/>
+              <a:t> </a:t>
+            </a:r>
+            <a:r>
+              <a:rPr dirty="0" err="1"/>
+              <a:t>effektiviteten</a:t>
+            </a:r>
+            <a:r>
+              <a:rPr dirty="0"/>
+              <a:t>.</a:t>
+            </a:r>
+          </a:p>
+          <a:p>
+            <a:r>
+              <a:rPr dirty="0" err="1"/>
+              <a:t>Modulær</a:t>
+            </a:r>
+            <a:r>
+              <a:rPr dirty="0"/>
+              <a:t> </a:t>
+            </a:r>
+            <a:r>
+              <a:rPr dirty="0" err="1"/>
+              <a:t>kode</a:t>
+            </a:r>
+            <a:r>
+              <a:rPr dirty="0"/>
+              <a:t> </a:t>
+            </a:r>
+            <a:r>
+              <a:rPr dirty="0" err="1"/>
+              <a:t>gør</a:t>
+            </a:r>
+            <a:r>
+              <a:rPr dirty="0"/>
+              <a:t> det </a:t>
+            </a:r>
+            <a:r>
+              <a:rPr dirty="0" err="1"/>
+              <a:t>lettere</a:t>
+            </a:r>
+            <a:r>
+              <a:rPr dirty="0"/>
+              <a:t> at </a:t>
+            </a:r>
+            <a:r>
+              <a:rPr dirty="0" err="1"/>
+              <a:t>vedligeholde</a:t>
+            </a:r>
+            <a:r>
+              <a:rPr dirty="0"/>
+              <a:t> </a:t>
+            </a:r>
+            <a:r>
+              <a:rPr dirty="0" err="1"/>
+              <a:t>og</a:t>
+            </a:r>
+            <a:r>
+              <a:rPr dirty="0"/>
+              <a:t> </a:t>
+            </a:r>
+            <a:r>
+              <a:rPr dirty="0" err="1"/>
+              <a:t>opdatere</a:t>
+            </a:r>
+            <a:r>
+              <a:rPr dirty="0"/>
+              <a:t> websites.</a:t>
+            </a:r>
+          </a:p>
+        </p:txBody>
+      </p:sp>
+    </p:spTree>
+  </p:cSld>
+  <p:clrMapOvr>
+    <a:masterClrMapping/>
+  </p:clrMapOvr>
+</p:sld>
+</file>
+
+<file path=ppt/slides/slide18.xml><?xml version="1.0" encoding="utf-8"?>
+<p:sld xmlns:a="http://schemas.openxmlformats.org/drawingml/2006/main" xmlns:r="http://schemas.openxmlformats.org/officeDocument/2006/relationships" xmlns:p="http://schemas.openxmlformats.org/presentationml/2006/main">
+  <p:cSld>
+    <p:spTree>
+      <p:nvGrpSpPr>
+        <p:cNvPr id="1" name=""/>
+        <p:cNvGrpSpPr/>
+        <p:nvPr/>
+      </p:nvGrpSpPr>
+      <p:grpSpPr>
+        <a:xfrm>
+          <a:off x="0" y="0"/>
+          <a:ext cx="0" cy="0"/>
+          <a:chOff x="0" y="0"/>
+          <a:chExt cx="0" cy="0"/>
+        </a:xfrm>
+      </p:grpSpPr>
+      <p:sp>
+        <p:nvSpPr>
+          <p:cNvPr id="2" name="Title 1"/>
+          <p:cNvSpPr>
+            <a:spLocks noGrp="1"/>
+          </p:cNvSpPr>
+          <p:nvPr>
+            <p:ph type="title"/>
+          </p:nvPr>
+        </p:nvSpPr>
+        <p:spPr/>
+        <p:txBody>
+          <a:bodyPr>
+            <a:normAutofit fontScale="90000"/>
+          </a:bodyPr>
+          <a:lstStyle/>
+          <a:p>
+            <a:r>
+              <a:rPr dirty="0" err="1">
+                <a:latin typeface="Raleway" pitchFamily="2" charset="77"/>
+              </a:rPr>
+              <a:t>Sammenhængen</a:t>
+            </a:r>
+            <a:r>
+              <a:rPr dirty="0">
+                <a:latin typeface="Raleway" pitchFamily="2" charset="77"/>
+              </a:rPr>
+              <a:t> </a:t>
+            </a:r>
+            <a:r>
+              <a:rPr dirty="0" err="1">
+                <a:latin typeface="Raleway" pitchFamily="2" charset="77"/>
+              </a:rPr>
+              <a:t>mellem</a:t>
+            </a:r>
+            <a:r>
+              <a:rPr dirty="0">
+                <a:latin typeface="Raleway" pitchFamily="2" charset="77"/>
+              </a:rPr>
+              <a:t> </a:t>
+            </a:r>
+            <a:r>
+              <a:rPr dirty="0" err="1">
+                <a:latin typeface="Raleway" pitchFamily="2" charset="77"/>
+              </a:rPr>
+              <a:t>ydeevne</a:t>
+            </a:r>
+            <a:r>
+              <a:rPr dirty="0">
+                <a:latin typeface="Raleway" pitchFamily="2" charset="77"/>
+              </a:rPr>
+              <a:t> </a:t>
+            </a:r>
+            <a:r>
+              <a:rPr lang="da-DK" dirty="0">
+                <a:latin typeface="Raleway" pitchFamily="2" charset="77"/>
+              </a:rPr>
+              <a:t>(</a:t>
+            </a:r>
+            <a:r>
+              <a:rPr lang="da-DK" dirty="0" err="1">
+                <a:latin typeface="Raleway" pitchFamily="2" charset="77"/>
+              </a:rPr>
+              <a:t>performace</a:t>
+            </a:r>
+            <a:r>
+              <a:rPr lang="da-DK" dirty="0">
+                <a:latin typeface="Raleway" pitchFamily="2" charset="77"/>
+              </a:rPr>
+              <a:t>) </a:t>
+            </a:r>
+            <a:r>
+              <a:rPr dirty="0" err="1">
+                <a:latin typeface="Raleway" pitchFamily="2" charset="77"/>
+              </a:rPr>
+              <a:t>og</a:t>
+            </a:r>
+            <a:r>
+              <a:rPr dirty="0">
+                <a:latin typeface="Raleway" pitchFamily="2" charset="77"/>
+              </a:rPr>
+              <a:t> </a:t>
+            </a:r>
+            <a:r>
+              <a:rPr dirty="0" err="1">
+                <a:latin typeface="Raleway" pitchFamily="2" charset="77"/>
+              </a:rPr>
+              <a:t>bæredygtighed</a:t>
+            </a:r>
+            <a:endParaRPr dirty="0">
+              <a:latin typeface="Raleway" pitchFamily="2" charset="77"/>
+            </a:endParaRPr>
+          </a:p>
+        </p:txBody>
+      </p:sp>
+      <p:sp>
+        <p:nvSpPr>
+          <p:cNvPr id="3" name="Content Placeholder 2"/>
+          <p:cNvSpPr>
+            <a:spLocks noGrp="1"/>
+          </p:cNvSpPr>
+          <p:nvPr>
+            <p:ph idx="1"/>
+          </p:nvPr>
+        </p:nvSpPr>
+        <p:spPr/>
+        <p:txBody>
+          <a:bodyPr/>
+          <a:lstStyle/>
+          <a:p>
+            <a:r>
+              <a:rPr dirty="0"/>
+              <a:t> Website-</a:t>
+            </a:r>
+            <a:r>
+              <a:rPr dirty="0" err="1"/>
+              <a:t>ydeevne</a:t>
+            </a:r>
+            <a:r>
+              <a:rPr dirty="0"/>
+              <a:t> er </a:t>
+            </a:r>
+            <a:r>
+              <a:rPr dirty="0" err="1"/>
+              <a:t>afgørende</a:t>
+            </a:r>
+            <a:r>
+              <a:rPr dirty="0"/>
+              <a:t> for </a:t>
+            </a:r>
+            <a:r>
+              <a:rPr dirty="0" err="1"/>
+              <a:t>bæredygtighed</a:t>
+            </a:r>
+            <a:r>
+              <a:rPr dirty="0"/>
+              <a:t>.</a:t>
+            </a:r>
+          </a:p>
+          <a:p>
+            <a:r>
+              <a:rPr dirty="0"/>
+              <a:t> </a:t>
+            </a:r>
+            <a:r>
+              <a:rPr dirty="0" err="1"/>
+              <a:t>Optimer</a:t>
+            </a:r>
+            <a:r>
+              <a:rPr dirty="0"/>
+              <a:t> </a:t>
+            </a:r>
+            <a:r>
+              <a:rPr lang="da-DK" dirty="0"/>
+              <a:t> </a:t>
+            </a:r>
+            <a:r>
+              <a:rPr lang="da-DK" dirty="0" err="1"/>
+              <a:t>loading</a:t>
+            </a:r>
+            <a:r>
+              <a:rPr lang="da-DK" dirty="0"/>
+              <a:t> speed</a:t>
+            </a:r>
+            <a:r>
+              <a:rPr dirty="0"/>
+              <a:t> for websites.</a:t>
+            </a:r>
+          </a:p>
+          <a:p>
+            <a:pPr marL="0" indent="0">
+              <a:buNone/>
+            </a:pPr>
+            <a:endParaRPr dirty="0"/>
+          </a:p>
+          <a:p>
+            <a:r>
+              <a:rPr dirty="0" err="1"/>
+              <a:t>Hurtigt</a:t>
+            </a:r>
+            <a:r>
+              <a:rPr dirty="0"/>
+              <a:t> </a:t>
+            </a:r>
+            <a:r>
+              <a:rPr dirty="0" err="1"/>
+              <a:t>indlæste</a:t>
+            </a:r>
+            <a:r>
+              <a:rPr dirty="0"/>
+              <a:t> sider </a:t>
+            </a:r>
+            <a:r>
+              <a:rPr dirty="0" err="1"/>
+              <a:t>bruger</a:t>
+            </a:r>
+            <a:r>
+              <a:rPr dirty="0"/>
+              <a:t> </a:t>
+            </a:r>
+            <a:r>
+              <a:rPr dirty="0" err="1"/>
+              <a:t>mindre</a:t>
+            </a:r>
+            <a:r>
+              <a:rPr dirty="0"/>
+              <a:t> </a:t>
+            </a:r>
+            <a:r>
+              <a:rPr dirty="0" err="1"/>
+              <a:t>energi</a:t>
+            </a:r>
+            <a:r>
+              <a:rPr dirty="0"/>
+              <a:t>.</a:t>
+            </a:r>
+          </a:p>
+        </p:txBody>
+      </p:sp>
+    </p:spTree>
+  </p:cSld>
+  <p:clrMapOvr>
+    <a:masterClrMapping/>
+  </p:clrMapOvr>
+</p:sld>
+</file>
+
+<file path=ppt/slides/slide19.xml><?xml version="1.0" encoding="utf-8"?>
+<p:sld xmlns:a="http://schemas.openxmlformats.org/drawingml/2006/main" xmlns:r="http://schemas.openxmlformats.org/officeDocument/2006/relationships" xmlns:p="http://schemas.openxmlformats.org/presentationml/2006/main">
+  <p:cSld>
+    <p:spTree>
+      <p:nvGrpSpPr>
+        <p:cNvPr id="1" name=""/>
+        <p:cNvGrpSpPr/>
+        <p:nvPr/>
+      </p:nvGrpSpPr>
+      <p:grpSpPr>
+        <a:xfrm>
+          <a:off x="0" y="0"/>
+          <a:ext cx="0" cy="0"/>
+          <a:chOff x="0" y="0"/>
+          <a:chExt cx="0" cy="0"/>
+        </a:xfrm>
+      </p:grpSpPr>
+      <p:sp>
+        <p:nvSpPr>
+          <p:cNvPr id="2" name="Title 1"/>
+          <p:cNvSpPr>
+            <a:spLocks noGrp="1"/>
+          </p:cNvSpPr>
+          <p:nvPr>
+            <p:ph type="title"/>
+          </p:nvPr>
+        </p:nvSpPr>
+        <p:spPr/>
+        <p:txBody>
+          <a:bodyPr/>
+          <a:lstStyle/>
+          <a:p>
+            <a:r>
+              <a:rPr dirty="0" err="1">
+                <a:latin typeface="Raleway" pitchFamily="2" charset="77"/>
+              </a:rPr>
+              <a:t>Minificering</a:t>
+            </a:r>
+            <a:r>
+              <a:rPr dirty="0">
+                <a:latin typeface="Raleway" pitchFamily="2" charset="77"/>
+              </a:rPr>
+              <a:t> </a:t>
+            </a:r>
+            <a:r>
+              <a:rPr dirty="0" err="1">
+                <a:latin typeface="Raleway" pitchFamily="2" charset="77"/>
+              </a:rPr>
+              <a:t>af</a:t>
+            </a:r>
+            <a:r>
+              <a:rPr dirty="0">
+                <a:latin typeface="Raleway" pitchFamily="2" charset="77"/>
+              </a:rPr>
+              <a:t> </a:t>
+            </a:r>
+            <a:r>
+              <a:rPr dirty="0" err="1">
+                <a:latin typeface="Raleway" pitchFamily="2" charset="77"/>
+              </a:rPr>
+              <a:t>kode</a:t>
+            </a:r>
+            <a:r>
+              <a:rPr lang="da-DK" dirty="0">
+                <a:latin typeface="Raleway" pitchFamily="2" charset="77"/>
+              </a:rPr>
+              <a:t> til produktion</a:t>
+            </a:r>
+            <a:endParaRPr dirty="0">
+              <a:latin typeface="Raleway" pitchFamily="2" charset="77"/>
+            </a:endParaRPr>
+          </a:p>
+        </p:txBody>
+      </p:sp>
+      <p:sp>
+        <p:nvSpPr>
+          <p:cNvPr id="3" name="Content Placeholder 2"/>
+          <p:cNvSpPr>
+            <a:spLocks noGrp="1"/>
+          </p:cNvSpPr>
+          <p:nvPr>
+            <p:ph idx="1"/>
+          </p:nvPr>
+        </p:nvSpPr>
+        <p:spPr/>
+        <p:txBody>
+          <a:bodyPr/>
+          <a:lstStyle/>
+          <a:p>
+            <a:r>
+              <a:rPr dirty="0"/>
+              <a:t> </a:t>
+            </a:r>
+            <a:r>
+              <a:rPr dirty="0" err="1"/>
+              <a:t>Minificering</a:t>
+            </a:r>
+            <a:r>
+              <a:rPr dirty="0"/>
+              <a:t> </a:t>
+            </a:r>
+            <a:r>
+              <a:rPr dirty="0" err="1"/>
+              <a:t>af</a:t>
+            </a:r>
+            <a:r>
+              <a:rPr dirty="0"/>
+              <a:t> CSS </a:t>
+            </a:r>
+            <a:r>
+              <a:rPr dirty="0" err="1"/>
+              <a:t>reducerer</a:t>
+            </a:r>
+            <a:r>
+              <a:rPr dirty="0"/>
+              <a:t> </a:t>
+            </a:r>
+            <a:r>
+              <a:rPr dirty="0" err="1"/>
+              <a:t>filstørrelsen</a:t>
+            </a:r>
+            <a:r>
+              <a:rPr dirty="0"/>
+              <a:t> </a:t>
+            </a:r>
+            <a:r>
+              <a:rPr dirty="0" err="1"/>
+              <a:t>og</a:t>
+            </a:r>
+            <a:r>
+              <a:rPr dirty="0"/>
+              <a:t> </a:t>
+            </a:r>
+            <a:r>
+              <a:rPr dirty="0" err="1"/>
+              <a:t>forbedrer</a:t>
+            </a:r>
+            <a:r>
+              <a:rPr dirty="0"/>
+              <a:t> </a:t>
+            </a:r>
+            <a:r>
+              <a:rPr dirty="0" err="1"/>
+              <a:t>ydeevnen</a:t>
+            </a:r>
+            <a:r>
+              <a:rPr dirty="0"/>
+              <a:t>.</a:t>
+            </a:r>
+          </a:p>
+          <a:p>
+            <a:r>
+              <a:rPr dirty="0"/>
+              <a:t> </a:t>
+            </a:r>
+            <a:r>
+              <a:rPr dirty="0" err="1"/>
+              <a:t>Fjern</a:t>
+            </a:r>
+            <a:r>
+              <a:rPr dirty="0"/>
+              <a:t> </a:t>
+            </a:r>
+            <a:r>
+              <a:rPr dirty="0" err="1"/>
+              <a:t>unødvendige</a:t>
+            </a:r>
+            <a:r>
+              <a:rPr dirty="0"/>
+              <a:t> </a:t>
+            </a:r>
+            <a:r>
+              <a:rPr dirty="0" err="1"/>
+              <a:t>mellemrum</a:t>
+            </a:r>
+            <a:r>
+              <a:rPr dirty="0"/>
+              <a:t>, </a:t>
+            </a:r>
+            <a:r>
+              <a:rPr dirty="0" err="1"/>
+              <a:t>kommentarer</a:t>
+            </a:r>
+            <a:r>
+              <a:rPr dirty="0"/>
+              <a:t> </a:t>
+            </a:r>
+            <a:r>
+              <a:rPr dirty="0" err="1"/>
+              <a:t>og</a:t>
+            </a:r>
+            <a:r>
+              <a:rPr dirty="0"/>
+              <a:t> </a:t>
+            </a:r>
+            <a:r>
+              <a:rPr dirty="0" err="1"/>
+              <a:t>linjeskift</a:t>
+            </a:r>
+            <a:r>
+              <a:rPr dirty="0"/>
+              <a:t>.</a:t>
+            </a:r>
+          </a:p>
+          <a:p>
+            <a:r>
+              <a:rPr lang="da-DK" dirty="0"/>
+              <a:t> </a:t>
+            </a:r>
+            <a:endParaRPr dirty="0"/>
+          </a:p>
+          <a:p>
+            <a:r>
+              <a:rPr dirty="0"/>
+              <a:t> </a:t>
+            </a:r>
+            <a:r>
+              <a:rPr dirty="0" err="1"/>
+              <a:t>Minificeret</a:t>
+            </a:r>
+            <a:r>
+              <a:rPr dirty="0"/>
+              <a:t> CSS </a:t>
+            </a:r>
+            <a:r>
+              <a:rPr dirty="0" err="1"/>
+              <a:t>indlæses</a:t>
+            </a:r>
+            <a:r>
+              <a:rPr dirty="0"/>
+              <a:t> </a:t>
+            </a:r>
+            <a:r>
+              <a:rPr dirty="0" err="1"/>
+              <a:t>hurtigere</a:t>
+            </a:r>
+            <a:r>
+              <a:rPr dirty="0"/>
+              <a:t> </a:t>
+            </a:r>
+            <a:r>
+              <a:rPr dirty="0" err="1"/>
+              <a:t>og</a:t>
+            </a:r>
+            <a:r>
+              <a:rPr dirty="0"/>
+              <a:t> </a:t>
+            </a:r>
+            <a:r>
+              <a:rPr dirty="0" err="1"/>
+              <a:t>reducerer</a:t>
+            </a:r>
+            <a:r>
+              <a:rPr dirty="0"/>
+              <a:t> </a:t>
+            </a:r>
+            <a:r>
+              <a:rPr dirty="0" err="1"/>
+              <a:t>sidens</a:t>
+            </a:r>
+            <a:r>
+              <a:rPr dirty="0"/>
+              <a:t> </a:t>
+            </a:r>
+            <a:r>
+              <a:rPr dirty="0" err="1"/>
+              <a:t>vægt</a:t>
+            </a:r>
+            <a:r>
+              <a:rPr dirty="0"/>
+              <a:t>.</a:t>
+            </a:r>
+          </a:p>
+        </p:txBody>
+      </p:sp>
+    </p:spTree>
+  </p:cSld>
+  <p:clrMapOvr>
+    <a:masterClrMapping/>
+  </p:clrMapOvr>
+</p:sld>
+</file>
+
+<file path=ppt/slides/slide2.xml><?xml version="1.0" encoding="utf-8"?>
+<p:sld xmlns:a="http://schemas.openxmlformats.org/drawingml/2006/main" xmlns:r="http://schemas.openxmlformats.org/officeDocument/2006/relationships" xmlns:p="http://schemas.openxmlformats.org/presentationml/2006/main">
+  <p:cSld>
+    <p:bg>
+      <p:bgPr>
+        <a:solidFill>
+          <a:schemeClr val="bg1"/>
+        </a:solidFill>
+        <a:effectLst/>
+      </p:bgPr>
+    </p:bg>
+    <p:spTree>
+      <p:nvGrpSpPr>
+        <p:cNvPr id="1" name=""/>
+        <p:cNvGrpSpPr/>
+        <p:nvPr/>
+      </p:nvGrpSpPr>
+      <p:grpSpPr>
+        <a:xfrm>
+          <a:off x="0" y="0"/>
+          <a:ext cx="0" cy="0"/>
+          <a:chOff x="0" y="0"/>
+          <a:chExt cx="0" cy="0"/>
+        </a:xfrm>
+      </p:grpSpPr>
+      <p:sp useBgFill="1">
+        <p:nvSpPr>
+          <p:cNvPr id="17" name="Slide Background">
+            <a:extLst>
+              <a:ext uri="{FF2B5EF4-FFF2-40B4-BE49-F238E27FC236}">
+                <a16:creationId xmlns:a16="http://schemas.microsoft.com/office/drawing/2014/main" id="{C0763A76-9F1C-4FC5-82B7-DD475DA461B2}"/>
+              </a:ext>
+              <a:ext uri="{C183D7F6-B498-43B3-948B-1728B52AA6E4}">
+                <adec:decorative xmlns:adec="http://schemas.microsoft.com/office/drawing/2017/decorative" val="1"/>
+              </a:ext>
+            </a:extLst>
+          </p:cNvPr>
+          <p:cNvSpPr>
+            <a:spLocks noGrp="1" noRot="1" noChangeAspect="1" noMove="1" noResize="1" noEditPoints="1" noAdjustHandles="1" noChangeArrowheads="1" noChangeShapeType="1" noTextEdit="1"/>
+          </p:cNvSpPr>
+          <p:nvPr>
+            <p:extLst>
+              <p:ext uri="{386F3935-93C4-4BCD-93E2-E3B085C9AB24}">
+                <p16:designElem xmlns:p16="http://schemas.microsoft.com/office/powerpoint/2015/main" val="1"/>
+              </p:ext>
+            </p:extLst>
+          </p:nvPr>
+        </p:nvSpPr>
+        <p:spPr bwMode="white">
+          <a:xfrm>
+            <a:off x="-1" y="0"/>
+            <a:ext cx="12191999" cy="6858000"/>
+          </a:xfrm>
+          <a:prstGeom prst="rect">
+            <a:avLst/>
+          </a:prstGeom>
+          <a:ln>
+            <a:noFill/>
+          </a:ln>
+        </p:spPr>
+        <p:style>
+          <a:lnRef idx="2">
+            <a:schemeClr val="accent1">
+              <a:shade val="50000"/>
+            </a:schemeClr>
+          </a:lnRef>
+          <a:fillRef idx="1">
+            <a:schemeClr val="accent1"/>
+          </a:fillRef>
+          <a:effectRef idx="0">
+            <a:schemeClr val="accent1"/>
+          </a:effectRef>
+          <a:fontRef idx="minor">
+            <a:schemeClr val="lt1"/>
+          </a:fontRef>
+        </p:style>
+        <p:txBody>
+          <a:bodyPr rtlCol="0" anchor="ctr"/>
+          <a:lstStyle>
+            <a:defPPr>
+              <a:defRPr lang="en-US"/>
+            </a:defPPr>
+            <a:lvl1pPr marL="0" algn="l" defTabSz="914400" rtl="0" eaLnBrk="1" latinLnBrk="0" hangingPunct="1">
+              <a:defRPr sz="1800" kern="1200">
+                <a:solidFill>
+                  <a:schemeClr val="lt1"/>
+                </a:solidFill>
+                <a:latin typeface="+mn-lt"/>
+                <a:ea typeface="+mn-ea"/>
+                <a:cs typeface="+mn-cs"/>
+              </a:defRPr>
+            </a:lvl1pPr>
+            <a:lvl2pPr marL="457200" algn="l" defTabSz="914400" rtl="0" eaLnBrk="1" latinLnBrk="0" hangingPunct="1">
+              <a:defRPr sz="1800" kern="1200">
+                <a:solidFill>
+                  <a:schemeClr val="lt1"/>
+                </a:solidFill>
+                <a:latin typeface="+mn-lt"/>
+                <a:ea typeface="+mn-ea"/>
+                <a:cs typeface="+mn-cs"/>
+              </a:defRPr>
+            </a:lvl2pPr>
+            <a:lvl3pPr marL="914400" algn="l" defTabSz="914400" rtl="0" eaLnBrk="1" latinLnBrk="0" hangingPunct="1">
+              <a:defRPr sz="1800" kern="1200">
+                <a:solidFill>
+                  <a:schemeClr val="lt1"/>
+                </a:solidFill>
+                <a:latin typeface="+mn-lt"/>
+                <a:ea typeface="+mn-ea"/>
+                <a:cs typeface="+mn-cs"/>
+              </a:defRPr>
+            </a:lvl3pPr>
+            <a:lvl4pPr marL="1371600" algn="l" defTabSz="914400" rtl="0" eaLnBrk="1" latinLnBrk="0" hangingPunct="1">
+              <a:defRPr sz="1800" kern="1200">
+                <a:solidFill>
+                  <a:schemeClr val="lt1"/>
+                </a:solidFill>
+                <a:latin typeface="+mn-lt"/>
+                <a:ea typeface="+mn-ea"/>
+                <a:cs typeface="+mn-cs"/>
+              </a:defRPr>
+            </a:lvl4pPr>
+            <a:lvl5pPr marL="1828800" algn="l" defTabSz="914400" rtl="0" eaLnBrk="1" latinLnBrk="0" hangingPunct="1">
+              <a:defRPr sz="1800" kern="1200">
+                <a:solidFill>
+                  <a:schemeClr val="lt1"/>
+                </a:solidFill>
+                <a:latin typeface="+mn-lt"/>
+                <a:ea typeface="+mn-ea"/>
+                <a:cs typeface="+mn-cs"/>
+              </a:defRPr>
+            </a:lvl5pPr>
+            <a:lvl6pPr marL="2286000" algn="l" defTabSz="914400" rtl="0" eaLnBrk="1" latinLnBrk="0" hangingPunct="1">
+              <a:defRPr sz="1800" kern="1200">
+                <a:solidFill>
+                  <a:schemeClr val="lt1"/>
+                </a:solidFill>
+                <a:latin typeface="+mn-lt"/>
+                <a:ea typeface="+mn-ea"/>
+                <a:cs typeface="+mn-cs"/>
+              </a:defRPr>
+            </a:lvl6pPr>
+            <a:lvl7pPr marL="2743200" algn="l" defTabSz="914400" rtl="0" eaLnBrk="1" latinLnBrk="0" hangingPunct="1">
+              <a:defRPr sz="1800" kern="1200">
+                <a:solidFill>
+                  <a:schemeClr val="lt1"/>
+                </a:solidFill>
+                <a:latin typeface="+mn-lt"/>
+                <a:ea typeface="+mn-ea"/>
+                <a:cs typeface="+mn-cs"/>
+              </a:defRPr>
+            </a:lvl7pPr>
+            <a:lvl8pPr marL="3200400" algn="l" defTabSz="914400" rtl="0" eaLnBrk="1" latinLnBrk="0" hangingPunct="1">
+              <a:defRPr sz="1800" kern="1200">
+                <a:solidFill>
+                  <a:schemeClr val="lt1"/>
+                </a:solidFill>
+                <a:latin typeface="+mn-lt"/>
+                <a:ea typeface="+mn-ea"/>
+                <a:cs typeface="+mn-cs"/>
+              </a:defRPr>
+            </a:lvl8pPr>
+            <a:lvl9pPr marL="3657600" algn="l" defTabSz="914400" rtl="0" eaLnBrk="1" latinLnBrk="0" hangingPunct="1">
+              <a:defRPr sz="1800" kern="1200">
+                <a:solidFill>
+                  <a:schemeClr val="lt1"/>
+                </a:solidFill>
+                <a:latin typeface="+mn-lt"/>
+                <a:ea typeface="+mn-ea"/>
+                <a:cs typeface="+mn-cs"/>
+              </a:defRPr>
+            </a:lvl9pPr>
+          </a:lstStyle>
+          <a:p>
+            <a:pPr algn="ctr"/>
+            <a:endParaRPr lang="en-US"/>
+          </a:p>
+        </p:txBody>
+      </p:sp>
+      <p:sp useBgFill="1">
+        <p:nvSpPr>
+          <p:cNvPr id="19" name="Rectangle 18">
+            <a:extLst>
+              <a:ext uri="{FF2B5EF4-FFF2-40B4-BE49-F238E27FC236}">
+                <a16:creationId xmlns:a16="http://schemas.microsoft.com/office/drawing/2014/main" id="{E81BF4F6-F2CF-4984-9D14-D6966D92F99F}"/>
+              </a:ext>
+              <a:ext uri="{C183D7F6-B498-43B3-948B-1728B52AA6E4}">
+                <adec:decorative xmlns:adec="http://schemas.microsoft.com/office/drawing/2017/decorative" val="1"/>
+              </a:ext>
+            </a:extLst>
+          </p:cNvPr>
+          <p:cNvSpPr>
+            <a:spLocks noGrp="1" noRot="1" noChangeAspect="1" noMove="1" noResize="1" noEditPoints="1" noAdjustHandles="1" noChangeArrowheads="1" noChangeShapeType="1" noTextEdit="1"/>
+          </p:cNvSpPr>
+          <p:nvPr>
+            <p:extLst>
+              <p:ext uri="{386F3935-93C4-4BCD-93E2-E3B085C9AB24}">
+                <p16:designElem xmlns:p16="http://schemas.microsoft.com/office/powerpoint/2015/main" val="1"/>
+              </p:ext>
+            </p:extLst>
+          </p:nvPr>
+        </p:nvSpPr>
+        <p:spPr>
+          <a:xfrm>
+            <a:off x="1" y="0"/>
+            <a:ext cx="8522446" cy="2285999"/>
+          </a:xfrm>
+          <a:prstGeom prst="rect">
+            <a:avLst/>
+          </a:prstGeom>
+          <a:ln>
+            <a:noFill/>
+          </a:ln>
+          <a:effectLst>
+            <a:outerShdw blurRad="596900" dist="304800" dir="7140000" sx="90000" sy="90000" algn="t" rotWithShape="0">
+              <a:srgbClr val="000000">
+                <a:alpha val="15000"/>
+              </a:srgbClr>
+            </a:outerShdw>
+          </a:effectLst>
+        </p:spPr>
+        <p:style>
+          <a:lnRef idx="2">
+            <a:schemeClr val="accent1">
+              <a:shade val="50000"/>
+            </a:schemeClr>
+          </a:lnRef>
+          <a:fillRef idx="1">
+            <a:schemeClr val="accent1"/>
+          </a:fillRef>
+          <a:effectRef idx="0">
+            <a:schemeClr val="accent1"/>
+          </a:effectRef>
+          <a:fontRef idx="minor">
+            <a:schemeClr val="lt1"/>
+          </a:fontRef>
+        </p:style>
+        <p:txBody>
+          <a:bodyPr rtlCol="0" anchor="ctr"/>
+          <a:lstStyle/>
+          <a:p>
+            <a:pPr algn="ctr"/>
+            <a:endParaRPr lang="en-US"/>
+          </a:p>
+        </p:txBody>
+      </p:sp>
+      <p:sp>
+        <p:nvSpPr>
+          <p:cNvPr id="2" name="Title 1"/>
+          <p:cNvSpPr>
+            <a:spLocks noGrp="1"/>
+          </p:cNvSpPr>
+          <p:nvPr>
+            <p:ph type="title"/>
+          </p:nvPr>
+        </p:nvSpPr>
+        <p:spPr>
+          <a:xfrm>
+            <a:off x="761803" y="350196"/>
+            <a:ext cx="4646904" cy="1624520"/>
+          </a:xfrm>
+        </p:spPr>
+        <p:txBody>
+          <a:bodyPr anchor="ctr">
+            <a:normAutofit/>
+          </a:bodyPr>
+          <a:lstStyle/>
+          <a:p>
+            <a:r>
+              <a:rPr lang="en-GB" sz="4000" dirty="0" err="1">
+                <a:latin typeface="Raleway" pitchFamily="2" charset="77"/>
+              </a:rPr>
+              <a:t>Internettets</a:t>
+            </a:r>
+            <a:r>
+              <a:rPr lang="en-GB" sz="4000" dirty="0">
+                <a:latin typeface="Raleway" pitchFamily="2" charset="77"/>
+              </a:rPr>
+              <a:t> </a:t>
+            </a:r>
+            <a:r>
+              <a:rPr lang="en-GB" sz="4000" dirty="0" err="1">
+                <a:latin typeface="Raleway" pitchFamily="2" charset="77"/>
+              </a:rPr>
+              <a:t>miljøpåvirkning</a:t>
+            </a:r>
+            <a:endParaRPr lang="en-GB" sz="4000" dirty="0">
+              <a:latin typeface="Raleway" pitchFamily="2" charset="77"/>
+            </a:endParaRPr>
           </a:p>
         </p:txBody>
       </p:sp>
@@ -6294,7 +7320,7 @@
         </p:spPr>
         <p:txBody>
           <a:bodyPr anchor="ctr">
-            <a:normAutofit fontScale="92500" lnSpcReduction="10000"/>
+            <a:normAutofit fontScale="92500"/>
           </a:bodyPr>
           <a:lstStyle/>
           <a:p>
@@ -6332,12 +7358,9 @@
             <a:pPr marL="0" indent="0">
               <a:buNone/>
             </a:pPr>
-            <a:endParaRPr lang="en-GB" sz="2000" dirty="0"/>
-          </a:p>
-          <a:p>
             <a:r>
               <a:rPr lang="en-GB" sz="2000" dirty="0"/>
-              <a:t>Internet usage and web traffic have increased dramatically.</a:t>
+              <a:t> </a:t>
             </a:r>
           </a:p>
           <a:p>
@@ -6401,7 +7424,13 @@
       </p:grpSpPr>
       <p:sp>
         <p:nvSpPr>
-          <p:cNvPr id="2" name="Title 1"/>
+          <p:cNvPr id="2" name="Title 1">
+            <a:extLst>
+              <a:ext uri="{FF2B5EF4-FFF2-40B4-BE49-F238E27FC236}">
+                <a16:creationId xmlns:a16="http://schemas.microsoft.com/office/drawing/2014/main" id="{B569FAE0-6EC7-B95C-8923-6CF271142F38}"/>
+              </a:ext>
+            </a:extLst>
+          </p:cNvPr>
           <p:cNvSpPr>
             <a:spLocks noGrp="1"/>
           </p:cNvSpPr>
@@ -6409,164 +7438,59 @@
             <p:ph type="title"/>
           </p:nvPr>
         </p:nvSpPr>
-        <p:spPr/>
+        <p:spPr>
+          <a:xfrm>
+            <a:off x="609600" y="2286000"/>
+            <a:ext cx="10972800" cy="1143000"/>
+          </a:xfrm>
+        </p:spPr>
         <p:txBody>
           <a:bodyPr>
-            <a:normAutofit fontScale="90000"/>
+            <a:noAutofit/>
           </a:bodyPr>
           <a:lstStyle/>
           <a:p>
             <a:r>
-              <a:t>Værktøjer til måling og forbedring af bæredygtighed</a:t>
-            </a:r>
-          </a:p>
-        </p:txBody>
-      </p:sp>
-      <p:sp>
-        <p:nvSpPr>
-          <p:cNvPr id="3" name="Content Placeholder 2"/>
-          <p:cNvSpPr>
-            <a:spLocks noGrp="1"/>
-          </p:cNvSpPr>
-          <p:nvPr>
-            <p:ph idx="1"/>
-          </p:nvPr>
-        </p:nvSpPr>
-        <p:spPr/>
-        <p:txBody>
-          <a:bodyPr/>
-          <a:lstStyle/>
-          <a:p>
-            <a:r>
-              <a:rPr dirty="0"/>
-              <a:t>• </a:t>
-            </a:r>
-            <a:r>
-              <a:rPr dirty="0" err="1"/>
-              <a:t>Værktøjer</a:t>
-            </a:r>
-            <a:r>
-              <a:rPr dirty="0"/>
-              <a:t> er </a:t>
-            </a:r>
-            <a:r>
-              <a:rPr dirty="0" err="1"/>
-              <a:t>tilgængelige</a:t>
-            </a:r>
-            <a:r>
-              <a:rPr dirty="0"/>
-              <a:t> </a:t>
-            </a:r>
-            <a:r>
-              <a:rPr dirty="0" err="1"/>
-              <a:t>til</a:t>
-            </a:r>
-            <a:r>
-              <a:rPr dirty="0"/>
-              <a:t> at </a:t>
-            </a:r>
-            <a:r>
-              <a:rPr dirty="0" err="1"/>
-              <a:t>måle</a:t>
-            </a:r>
-            <a:r>
-              <a:rPr dirty="0"/>
-              <a:t> </a:t>
-            </a:r>
-            <a:r>
-              <a:rPr dirty="0" err="1"/>
-              <a:t>og</a:t>
-            </a:r>
-            <a:r>
-              <a:rPr dirty="0"/>
-              <a:t> </a:t>
-            </a:r>
-            <a:r>
-              <a:rPr dirty="0" err="1"/>
-              <a:t>forbedre</a:t>
-            </a:r>
-            <a:r>
-              <a:rPr dirty="0"/>
-              <a:t> </a:t>
-            </a:r>
-            <a:r>
-              <a:rPr dirty="0" err="1"/>
-              <a:t>en</a:t>
-            </a:r>
-            <a:r>
-              <a:rPr dirty="0"/>
-              <a:t> </a:t>
-            </a:r>
-            <a:r>
-              <a:rPr dirty="0" err="1"/>
-              <a:t>hjemmesides</a:t>
-            </a:r>
-            <a:r>
-              <a:rPr dirty="0"/>
-              <a:t> </a:t>
-            </a:r>
-            <a:r>
-              <a:rPr dirty="0" err="1"/>
-              <a:t>bæredygtighed</a:t>
-            </a:r>
-            <a:r>
-              <a:rPr dirty="0"/>
-              <a:t>.</a:t>
-            </a:r>
-          </a:p>
-          <a:p>
-            <a:r>
-              <a:rPr dirty="0"/>
-              <a:t>• Website Carbon Calculator </a:t>
-            </a:r>
-            <a:r>
-              <a:rPr dirty="0" err="1"/>
-              <a:t>estimerer</a:t>
-            </a:r>
-            <a:r>
-              <a:rPr dirty="0"/>
-              <a:t> </a:t>
-            </a:r>
-            <a:r>
-              <a:rPr dirty="0" err="1"/>
-              <a:t>en</a:t>
-            </a:r>
-            <a:r>
-              <a:rPr dirty="0"/>
-              <a:t> </a:t>
-            </a:r>
-            <a:r>
-              <a:rPr dirty="0" err="1"/>
-              <a:t>hjemmesides</a:t>
-            </a:r>
-            <a:r>
-              <a:rPr dirty="0"/>
-              <a:t> </a:t>
-            </a:r>
-            <a:r>
-              <a:rPr dirty="0" err="1"/>
-              <a:t>udledninger</a:t>
-            </a:r>
-            <a:r>
-              <a:rPr dirty="0"/>
-              <a:t>.</a:t>
-            </a:r>
-          </a:p>
-          <a:p>
-            <a:r>
+              <a:rPr lang="en-GB" b="1" dirty="0" err="1">
+                <a:latin typeface="Raleway" pitchFamily="2" charset="77"/>
+              </a:rPr>
+              <a:t>bedste</a:t>
+            </a:r>
+            <a:r>
+              <a:rPr lang="en-GB" b="1" dirty="0">
+                <a:latin typeface="Raleway" pitchFamily="2" charset="77"/>
+              </a:rPr>
+              <a:t> </a:t>
+            </a:r>
+            <a:r>
+              <a:rPr lang="en-GB" b="1" dirty="0" err="1">
+                <a:latin typeface="Raleway" pitchFamily="2" charset="77"/>
+              </a:rPr>
+              <a:t>praksis</a:t>
+            </a:r>
+            <a:br>
               <a:rPr lang="en-GB" dirty="0">
-                <a:hlinkClick r:id="rId2"/>
-              </a:rPr>
-              <a:t>https://www.websitecarbon.com/</a:t>
-            </a:r>
-            <a:endParaRPr lang="en-GB" dirty="0"/>
-          </a:p>
-          <a:p>
-            <a:endParaRPr dirty="0"/>
+                <a:latin typeface="Raleway" pitchFamily="2" charset="77"/>
+              </a:rPr>
+            </a:br>
+            <a:r>
+              <a:rPr lang="en-GB" dirty="0">
+                <a:latin typeface="Raleway" pitchFamily="2" charset="77"/>
+              </a:rPr>
+              <a:t>source</a:t>
+            </a:r>
+            <a:endParaRPr lang="en-DK" dirty="0">
+              <a:latin typeface="Raleway" pitchFamily="2" charset="77"/>
+            </a:endParaRPr>
           </a:p>
         </p:txBody>
       </p:sp>
     </p:spTree>
+    <p:extLst>
+      <p:ext uri="{BB962C8B-B14F-4D97-AF65-F5344CB8AC3E}">
+        <p14:creationId xmlns:p14="http://schemas.microsoft.com/office/powerpoint/2010/main" val="2756370485"/>
+      </p:ext>
+    </p:extLst>
   </p:cSld>
   <p:clrMapOvr>
     <a:masterClrMapping/>
@@ -6607,19 +7531,21 @@
           <a:lstStyle/>
           <a:p>
             <a:r>
-              <a:rPr dirty="0" err="1"/>
-              <a:t>Retningslinjer</a:t>
-            </a:r>
-            <a:r>
-              <a:rPr dirty="0"/>
-              <a:t> for web-</a:t>
-            </a:r>
-            <a:r>
-              <a:rPr dirty="0" err="1"/>
-              <a:t>bæredygtighed</a:t>
-            </a:r>
-            <a:r>
-              <a:rPr dirty="0"/>
+              <a:rPr lang="da-DK" dirty="0">
+                <a:latin typeface="Raleway" pitchFamily="2" charset="77"/>
+              </a:rPr>
+              <a:t>W</a:t>
+            </a:r>
+            <a:r>
+              <a:rPr dirty="0" err="1">
+                <a:latin typeface="Raleway" pitchFamily="2" charset="77"/>
+              </a:rPr>
+              <a:t>eb-bæredygtighed</a:t>
+            </a:r>
+            <a:r>
+              <a:rPr dirty="0">
+                <a:latin typeface="Raleway" pitchFamily="2" charset="77"/>
+              </a:rPr>
               <a:t> (WSG)</a:t>
             </a:r>
           </a:p>
@@ -6641,23 +7567,127 @@
           <a:lstStyle/>
           <a:p>
             <a:r>
-              <a:t>• Et omfattende sæt retningslinjer for bæredygtig webudvikling.</a:t>
-            </a:r>
-          </a:p>
-          <a:p>
-            <a:r>
-              <a:t>• WSG giver 93 retningslinjer og 232 succes kriterier.</a:t>
-            </a:r>
-          </a:p>
-          <a:p>
-            <a:r>
-              <a:t>• Inspireret af Web Content Accessibility Guidelines (WCAG).</a:t>
-            </a:r>
-          </a:p>
-          <a:p>
-            <a:r>
-              <a:t>• Dækker UX, webudvikling, hosting, forretning og målinger.</a:t>
-            </a:r>
+              <a:rPr lang="en-GB" dirty="0"/>
+              <a:t> </a:t>
+            </a:r>
+            <a:r>
+              <a:rPr lang="en-GB" b="1" dirty="0"/>
+              <a:t>WSG</a:t>
+            </a:r>
+            <a:r>
+              <a:rPr lang="en-GB" dirty="0"/>
+              <a:t>: En W3C </a:t>
+            </a:r>
+            <a:r>
+              <a:rPr lang="en-GB" dirty="0" err="1"/>
+              <a:t>gruppe</a:t>
+            </a:r>
+            <a:r>
+              <a:rPr lang="en-GB" dirty="0"/>
+              <a:t> med </a:t>
+            </a:r>
+            <a:r>
+              <a:rPr lang="en-GB" dirty="0" err="1"/>
+              <a:t>fokus</a:t>
+            </a:r>
+            <a:r>
+              <a:rPr lang="en-GB" dirty="0"/>
+              <a:t> </a:t>
+            </a:r>
+            <a:r>
+              <a:rPr lang="en-GB" dirty="0" err="1"/>
+              <a:t>på</a:t>
+            </a:r>
+            <a:r>
+              <a:rPr lang="en-GB" dirty="0"/>
+              <a:t> </a:t>
+            </a:r>
+            <a:r>
+              <a:rPr lang="en-GB" b="1" dirty="0" err="1"/>
+              <a:t>fællesskabsengagement</a:t>
+            </a:r>
+            <a:r>
+              <a:rPr lang="en-GB" dirty="0"/>
+              <a:t> </a:t>
+            </a:r>
+            <a:r>
+              <a:rPr lang="en-GB" dirty="0" err="1"/>
+              <a:t>og</a:t>
+            </a:r>
+            <a:r>
+              <a:rPr lang="en-GB" dirty="0"/>
+              <a:t> </a:t>
+            </a:r>
+            <a:r>
+              <a:rPr lang="en-GB" b="1" dirty="0" err="1"/>
+              <a:t>deling</a:t>
+            </a:r>
+            <a:r>
+              <a:rPr lang="en-GB" b="1" dirty="0"/>
+              <a:t> </a:t>
+            </a:r>
+            <a:r>
+              <a:rPr lang="en-GB" b="1" dirty="0" err="1"/>
+              <a:t>af</a:t>
+            </a:r>
+            <a:r>
+              <a:rPr lang="en-GB" b="1" dirty="0"/>
+              <a:t> information</a:t>
+            </a:r>
+            <a:r>
+              <a:rPr lang="en-GB" dirty="0"/>
+              <a:t>.</a:t>
+            </a:r>
+          </a:p>
+          <a:p>
+            <a:pPr marL="0" indent="0">
+              <a:buNone/>
+            </a:pPr>
+            <a:r>
+              <a:rPr lang="en-GB" dirty="0"/>
+              <a:t> </a:t>
+            </a:r>
+            <a:r>
+              <a:rPr lang="en-GB" dirty="0">
+                <a:hlinkClick r:id="rId2"/>
+              </a:rPr>
+              <a:t>https://w3c.github.io/sustyweb/glance.html</a:t>
+            </a:r>
+            <a:endParaRPr lang="en-GB" dirty="0"/>
+          </a:p>
+          <a:p>
+            <a:pPr marL="0" indent="0">
+              <a:buNone/>
+            </a:pPr>
+            <a:r>
+              <a:rPr lang="en-GB" dirty="0"/>
+              <a:t> </a:t>
+            </a:r>
+            <a:r>
+              <a:rPr lang="en-GB" dirty="0">
+                <a:hlinkClick r:id="rId3"/>
+              </a:rPr>
+              <a:t>https://www.w3.org/blog/2023/introducing-web-sustainability-guidelines/</a:t>
+            </a:r>
+            <a:endParaRPr lang="en-GB" dirty="0"/>
+          </a:p>
+          <a:p>
+            <a:pPr marL="0" indent="0">
+              <a:buNone/>
+            </a:pPr>
+            <a:endParaRPr lang="en-GB" dirty="0"/>
+          </a:p>
+          <a:p>
+            <a:pPr marL="0" indent="0">
+              <a:buNone/>
+            </a:pPr>
+            <a:endParaRPr lang="en-GB" dirty="0"/>
+          </a:p>
+          <a:p>
+            <a:endParaRPr lang="en-GB" dirty="0"/>
+          </a:p>
+          <a:p>
+            <a:endParaRPr dirty="0"/>
           </a:p>
         </p:txBody>
       </p:sp>
@@ -6691,7 +7721,7 @@
           <p:cNvPr id="2" name="Title 1">
             <a:extLst>
               <a:ext uri="{FF2B5EF4-FFF2-40B4-BE49-F238E27FC236}">
-                <a16:creationId xmlns:a16="http://schemas.microsoft.com/office/drawing/2014/main" id="{993A53BC-ACBE-AA8C-4735-011F5D40F7CF}"/>
+                <a16:creationId xmlns:a16="http://schemas.microsoft.com/office/drawing/2014/main" id="{4E7DA266-7CC6-D0EA-8EAA-FAD9946F8451}"/>
               </a:ext>
             </a:extLst>
           </p:cNvPr>
@@ -6704,81 +7734,15 @@
         </p:nvSpPr>
         <p:spPr/>
         <p:txBody>
-          <a:bodyPr>
-            <a:normAutofit fontScale="90000"/>
-          </a:bodyPr>
+          <a:bodyPr/>
           <a:lstStyle/>
           <a:p>
             <a:r>
-              <a:rPr lang="en-GB" b="1" i="0" dirty="0" err="1">
-                <a:effectLst/>
-                <a:latin typeface="-apple-system"/>
-              </a:rPr>
-              <a:t>Øvelse</a:t>
-            </a:r>
-            <a:r>
-              <a:rPr lang="en-GB" b="1" i="0" dirty="0">
-                <a:effectLst/>
-                <a:latin typeface="-apple-system"/>
-              </a:rPr>
-              <a:t>: </a:t>
-            </a:r>
-            <a:r>
-              <a:rPr lang="en-GB" b="1" i="0" dirty="0" err="1">
-                <a:effectLst/>
-                <a:latin typeface="-apple-system"/>
-              </a:rPr>
-              <a:t>Udforskning</a:t>
-            </a:r>
-            <a:r>
-              <a:rPr lang="en-GB" b="1" i="0" dirty="0">
-                <a:effectLst/>
-                <a:latin typeface="-apple-system"/>
-              </a:rPr>
-              <a:t> </a:t>
-            </a:r>
-            <a:r>
-              <a:rPr lang="en-GB" b="1" i="0" dirty="0" err="1">
-                <a:effectLst/>
-                <a:latin typeface="-apple-system"/>
-              </a:rPr>
-              <a:t>af</a:t>
-            </a:r>
-            <a:r>
-              <a:rPr lang="en-GB" b="1" i="0" dirty="0">
-                <a:effectLst/>
-                <a:latin typeface="-apple-system"/>
-              </a:rPr>
-              <a:t> </a:t>
-            </a:r>
-            <a:r>
-              <a:rPr lang="en-GB" b="1" i="0" dirty="0" err="1">
-                <a:effectLst/>
-                <a:latin typeface="-apple-system"/>
-              </a:rPr>
-              <a:t>bæredygtigt</a:t>
-            </a:r>
-            <a:r>
-              <a:rPr lang="en-GB" b="1" i="0" dirty="0">
-                <a:effectLst/>
-                <a:latin typeface="-apple-system"/>
-              </a:rPr>
-              <a:t> </a:t>
-            </a:r>
-            <a:r>
-              <a:rPr lang="en-GB" b="1" i="0" dirty="0" err="1">
-                <a:effectLst/>
-                <a:latin typeface="-apple-system"/>
-              </a:rPr>
-              <a:t>webdesign</a:t>
-            </a:r>
-            <a:br>
-              <a:rPr lang="en-GB" b="1" i="0" dirty="0">
-                <a:effectLst/>
-                <a:latin typeface="-apple-system"/>
-              </a:rPr>
-            </a:br>
-            <a:endParaRPr lang="en-DK" dirty="0"/>
+              <a:rPr lang="en-DK" dirty="0">
+                <a:latin typeface="Raleway" pitchFamily="2" charset="77"/>
+              </a:rPr>
+              <a:t>WSG</a:t>
+            </a:r>
           </a:p>
         </p:txBody>
       </p:sp>
@@ -6787,7 +7751,7 @@
           <p:cNvPr id="3" name="Content Placeholder 2">
             <a:extLst>
               <a:ext uri="{FF2B5EF4-FFF2-40B4-BE49-F238E27FC236}">
-                <a16:creationId xmlns:a16="http://schemas.microsoft.com/office/drawing/2014/main" id="{9010F581-A40E-93AA-8449-786CA2F0C9D0}"/>
+                <a16:creationId xmlns:a16="http://schemas.microsoft.com/office/drawing/2014/main" id="{05BF8D4A-903F-6BA9-FBBC-2F17F3EEE1B8}"/>
               </a:ext>
             </a:extLst>
           </p:cNvPr>
@@ -6800,475 +7764,87 @@
         </p:nvSpPr>
         <p:spPr/>
         <p:txBody>
-          <a:bodyPr/>
+          <a:bodyPr>
+            <a:normAutofit fontScale="92500" lnSpcReduction="20000"/>
+          </a:bodyPr>
           <a:lstStyle/>
           <a:p>
+            <a:pPr marL="0" indent="0" algn="l">
+              <a:buNone/>
+            </a:pPr>
+            <a:r>
+              <a:rPr lang="en-GB" b="0" i="0" dirty="0">
+                <a:solidFill>
+                  <a:srgbClr val="363737"/>
+                </a:solidFill>
+                <a:effectLst/>
+                <a:latin typeface="Spectral"/>
+              </a:rPr>
+              <a:t>4 big pieces:</a:t>
+            </a:r>
+          </a:p>
+          <a:p>
             <a:pPr algn="l">
-              <a:spcBef>
-                <a:spcPts val="600"/>
-              </a:spcBef>
-              <a:buFont typeface="+mj-lt"/>
-              <a:buAutoNum type="arabicPeriod"/>
+              <a:buFont typeface="Arial" panose="020B0604020202020204" pitchFamily="34" charset="0"/>
+              <a:buChar char="•"/>
             </a:pPr>
-            <a:endParaRPr lang="en-GB" sz="2800" b="1" i="0" dirty="0">
-              <a:effectLst/>
-              <a:latin typeface="Calibri" panose="020F0502020204030204" pitchFamily="34" charset="0"/>
-              <a:cs typeface="Calibri" panose="020F0502020204030204" pitchFamily="34" charset="0"/>
-            </a:endParaRPr>
+            <a:r>
+              <a:rPr lang="en-GB" b="0" i="0" dirty="0">
+                <a:solidFill>
+                  <a:srgbClr val="363737"/>
+                </a:solidFill>
+                <a:effectLst/>
+                <a:latin typeface="Spectral"/>
+              </a:rPr>
+              <a:t>User Experience Design: “research and ideation, journey design, content and assets, and quality assurance.”</a:t>
+            </a:r>
           </a:p>
           <a:p>
             <a:pPr algn="l">
-              <a:spcBef>
-                <a:spcPts val="600"/>
-              </a:spcBef>
-              <a:buFont typeface="+mj-lt"/>
-              <a:buAutoNum type="arabicPeriod"/>
+              <a:buFont typeface="Arial" panose="020B0604020202020204" pitchFamily="34" charset="0"/>
+              <a:buChar char="•"/>
             </a:pPr>
             <a:r>
-              <a:rPr lang="en-GB" sz="2800" b="1" dirty="0" err="1">
-                <a:latin typeface="Calibri" panose="020F0502020204030204" pitchFamily="34" charset="0"/>
-                <a:cs typeface="Calibri" panose="020F0502020204030204" pitchFamily="34" charset="0"/>
-              </a:rPr>
-              <a:t>Arbejde</a:t>
-            </a:r>
-            <a:r>
-              <a:rPr lang="en-GB" sz="2800" b="1" dirty="0">
-                <a:latin typeface="Calibri" panose="020F0502020204030204" pitchFamily="34" charset="0"/>
-                <a:cs typeface="Calibri" panose="020F0502020204030204" pitchFamily="34" charset="0"/>
-              </a:rPr>
-              <a:t> I </a:t>
-            </a:r>
-            <a:r>
-              <a:rPr lang="en-GB" sz="2800" b="1" dirty="0" err="1">
-                <a:latin typeface="Calibri" panose="020F0502020204030204" pitchFamily="34" charset="0"/>
-                <a:cs typeface="Calibri" panose="020F0502020204030204" pitchFamily="34" charset="0"/>
-              </a:rPr>
-              <a:t>Grupper</a:t>
-            </a:r>
-            <a:r>
-              <a:rPr lang="en-GB" sz="2800" b="1" dirty="0">
-                <a:latin typeface="Calibri" panose="020F0502020204030204" pitchFamily="34" charset="0"/>
-                <a:cs typeface="Calibri" panose="020F0502020204030204" pitchFamily="34" charset="0"/>
-              </a:rPr>
-              <a:t>, </a:t>
-            </a:r>
-            <a:r>
-              <a:rPr lang="en-GB" sz="2800" b="1" dirty="0" err="1">
-                <a:latin typeface="Calibri" panose="020F0502020204030204" pitchFamily="34" charset="0"/>
-                <a:cs typeface="Calibri" panose="020F0502020204030204" pitchFamily="34" charset="0"/>
-              </a:rPr>
-              <a:t>B</a:t>
-            </a:r>
-            <a:r>
-              <a:rPr lang="en-GB" sz="2800" b="1" i="0" dirty="0" err="1">
+              <a:rPr lang="en-GB" b="0" i="0" dirty="0">
+                <a:solidFill>
+                  <a:srgbClr val="363737"/>
+                </a:solidFill>
                 <a:effectLst/>
-                <a:latin typeface="Calibri" panose="020F0502020204030204" pitchFamily="34" charset="0"/>
-                <a:cs typeface="Calibri" panose="020F0502020204030204" pitchFamily="34" charset="0"/>
-              </a:rPr>
-              <a:t>esøg</a:t>
-            </a:r>
-            <a:r>
-              <a:rPr lang="en-GB" sz="2800" b="0" i="0" dirty="0">
+                <a:latin typeface="Spectral"/>
+              </a:rPr>
+              <a:t>Web Development: “development approach, code minimization, code coherence, and code security.”</a:t>
+            </a:r>
+          </a:p>
+          <a:p>
+            <a:pPr algn="l">
+              <a:buFont typeface="Arial" panose="020B0604020202020204" pitchFamily="34" charset="0"/>
+              <a:buChar char="•"/>
+            </a:pPr>
+            <a:r>
+              <a:rPr lang="en-GB" b="0" i="0" dirty="0">
+                <a:solidFill>
+                  <a:srgbClr val="363737"/>
+                </a:solidFill>
                 <a:effectLst/>
-                <a:latin typeface="Calibri" panose="020F0502020204030204" pitchFamily="34" charset="0"/>
-                <a:cs typeface="Calibri" panose="020F0502020204030204" pitchFamily="34" charset="0"/>
-              </a:rPr>
-              <a:t> </a:t>
-            </a:r>
-            <a:r>
-              <a:rPr lang="en-GB" sz="2800" b="0" i="0" u="none" strike="noStrike" dirty="0">
+                <a:latin typeface="Spectral"/>
+              </a:rPr>
+              <a:t>Hosting / infrastructure: “environment commissioning, minimizing environment and data, and minimizing human disruption.”</a:t>
+            </a:r>
+          </a:p>
+          <a:p>
+            <a:pPr algn="l">
+              <a:buFont typeface="Arial" panose="020B0604020202020204" pitchFamily="34" charset="0"/>
+              <a:buChar char="•"/>
+            </a:pPr>
+            <a:r>
+              <a:rPr lang="en-GB" b="0" i="0" dirty="0">
+                <a:solidFill>
+                  <a:srgbClr val="363737"/>
+                </a:solidFill>
                 <a:effectLst/>
-                <a:latin typeface="Calibri" panose="020F0502020204030204" pitchFamily="34" charset="0"/>
-                <a:cs typeface="Calibri" panose="020F0502020204030204" pitchFamily="34" charset="0"/>
-                <a:hlinkClick r:id="rId2">
-                  <a:extLst>
-                    <a:ext uri="{A12FA001-AC4F-418D-AE19-62706E023703}">
-                      <ahyp:hlinkClr xmlns:ahyp="http://schemas.microsoft.com/office/drawing/2018/hyperlinkcolor" val="tx"/>
-                    </a:ext>
-                  </a:extLst>
-                </a:hlinkClick>
-              </a:rPr>
-              <a:t>Web Sustainability Guidelines (WSG) 1.0</a:t>
-            </a:r>
-            <a:r>
-              <a:rPr lang="en-GB" sz="2800" b="0" i="0" dirty="0">
-                <a:effectLst/>
-                <a:latin typeface="Calibri" panose="020F0502020204030204" pitchFamily="34" charset="0"/>
-                <a:cs typeface="Calibri" panose="020F0502020204030204" pitchFamily="34" charset="0"/>
-              </a:rPr>
-              <a:t>.</a:t>
-            </a:r>
-          </a:p>
-          <a:p>
-            <a:pPr algn="l">
-              <a:spcBef>
-                <a:spcPts val="600"/>
-              </a:spcBef>
-              <a:buFont typeface="+mj-lt"/>
-              <a:buAutoNum type="arabicPeriod"/>
-            </a:pPr>
-            <a:r>
-              <a:rPr lang="en-GB" sz="2800" b="1" i="0" dirty="0">
-                <a:effectLst/>
-                <a:latin typeface="Calibri" panose="020F0502020204030204" pitchFamily="34" charset="0"/>
-                <a:cs typeface="Calibri" panose="020F0502020204030204" pitchFamily="34" charset="0"/>
-              </a:rPr>
-              <a:t>Find 2 UX-</a:t>
-            </a:r>
-            <a:r>
-              <a:rPr lang="en-GB" sz="2800" b="1" i="0" dirty="0" err="1">
-                <a:effectLst/>
-                <a:latin typeface="Calibri" panose="020F0502020204030204" pitchFamily="34" charset="0"/>
-                <a:cs typeface="Calibri" panose="020F0502020204030204" pitchFamily="34" charset="0"/>
-              </a:rPr>
-              <a:t>eksempler</a:t>
-            </a:r>
-            <a:r>
-              <a:rPr lang="en-GB" sz="2800" b="1" i="0" dirty="0">
-                <a:effectLst/>
-                <a:latin typeface="Calibri" panose="020F0502020204030204" pitchFamily="34" charset="0"/>
-                <a:cs typeface="Calibri" panose="020F0502020204030204" pitchFamily="34" charset="0"/>
-              </a:rPr>
-              <a:t>:</a:t>
-            </a:r>
-            <a:r>
-              <a:rPr lang="en-GB" sz="2800" b="0" i="0" dirty="0">
-                <a:effectLst/>
-                <a:latin typeface="Calibri" panose="020F0502020204030204" pitchFamily="34" charset="0"/>
-                <a:cs typeface="Calibri" panose="020F0502020204030204" pitchFamily="34" charset="0"/>
-              </a:rPr>
-              <a:t> </a:t>
-            </a:r>
-            <a:r>
-              <a:rPr lang="en-GB" sz="2800" b="0" i="0" dirty="0" err="1">
-                <a:effectLst/>
-                <a:latin typeface="Calibri" panose="020F0502020204030204" pitchFamily="34" charset="0"/>
-                <a:cs typeface="Calibri" panose="020F0502020204030204" pitchFamily="34" charset="0"/>
-              </a:rPr>
-              <a:t>Tilgængelighed</a:t>
-            </a:r>
-            <a:r>
-              <a:rPr lang="en-GB" sz="2800" b="0" i="0" dirty="0">
-                <a:effectLst/>
-                <a:latin typeface="Calibri" panose="020F0502020204030204" pitchFamily="34" charset="0"/>
-                <a:cs typeface="Calibri" panose="020F0502020204030204" pitchFamily="34" charset="0"/>
-              </a:rPr>
-              <a:t>, </a:t>
-            </a:r>
-            <a:r>
-              <a:rPr lang="en-GB" sz="2800" b="0" i="0" dirty="0" err="1">
-                <a:effectLst/>
-                <a:latin typeface="Calibri" panose="020F0502020204030204" pitchFamily="34" charset="0"/>
-                <a:cs typeface="Calibri" panose="020F0502020204030204" pitchFamily="34" charset="0"/>
-              </a:rPr>
-              <a:t>ydeevne</a:t>
-            </a:r>
-            <a:r>
-              <a:rPr lang="en-GB" sz="2800" b="0" i="0" dirty="0">
-                <a:effectLst/>
-                <a:latin typeface="Calibri" panose="020F0502020204030204" pitchFamily="34" charset="0"/>
-                <a:cs typeface="Calibri" panose="020F0502020204030204" pitchFamily="34" charset="0"/>
-              </a:rPr>
-              <a:t>, </a:t>
-            </a:r>
-            <a:r>
-              <a:rPr lang="en-GB" sz="2800" b="0" i="0" dirty="0" err="1">
-                <a:effectLst/>
-                <a:latin typeface="Calibri" panose="020F0502020204030204" pitchFamily="34" charset="0"/>
-                <a:cs typeface="Calibri" panose="020F0502020204030204" pitchFamily="34" charset="0"/>
-              </a:rPr>
-              <a:t>brugervenlighed</a:t>
-            </a:r>
-            <a:r>
-              <a:rPr lang="en-GB" sz="2800" b="0" i="0" dirty="0">
-                <a:effectLst/>
-                <a:latin typeface="Calibri" panose="020F0502020204030204" pitchFamily="34" charset="0"/>
-                <a:cs typeface="Calibri" panose="020F0502020204030204" pitchFamily="34" charset="0"/>
-              </a:rPr>
-              <a:t>.</a:t>
-            </a:r>
-          </a:p>
-          <a:p>
-            <a:pPr algn="l">
-              <a:spcBef>
-                <a:spcPts val="600"/>
-              </a:spcBef>
-              <a:buFont typeface="+mj-lt"/>
-              <a:buAutoNum type="arabicPeriod"/>
-            </a:pPr>
-            <a:r>
-              <a:rPr lang="en-GB" sz="2800" b="1" i="0" dirty="0">
-                <a:effectLst/>
-                <a:latin typeface="Calibri" panose="020F0502020204030204" pitchFamily="34" charset="0"/>
-                <a:cs typeface="Calibri" panose="020F0502020204030204" pitchFamily="34" charset="0"/>
-              </a:rPr>
-              <a:t>Find 2 </a:t>
-            </a:r>
-            <a:r>
-              <a:rPr lang="en-GB" sz="2800" b="1" i="0" dirty="0" err="1">
-                <a:effectLst/>
-                <a:latin typeface="Calibri" panose="020F0502020204030204" pitchFamily="34" charset="0"/>
-                <a:cs typeface="Calibri" panose="020F0502020204030204" pitchFamily="34" charset="0"/>
-              </a:rPr>
-              <a:t>udviklereksempler</a:t>
-            </a:r>
-            <a:r>
-              <a:rPr lang="en-GB" sz="2800" b="1" i="0" dirty="0">
-                <a:effectLst/>
-                <a:latin typeface="Calibri" panose="020F0502020204030204" pitchFamily="34" charset="0"/>
-                <a:cs typeface="Calibri" panose="020F0502020204030204" pitchFamily="34" charset="0"/>
-              </a:rPr>
-              <a:t>:</a:t>
-            </a:r>
-            <a:r>
-              <a:rPr lang="en-GB" sz="2800" b="0" i="0" dirty="0">
-                <a:effectLst/>
-                <a:latin typeface="Calibri" panose="020F0502020204030204" pitchFamily="34" charset="0"/>
-                <a:cs typeface="Calibri" panose="020F0502020204030204" pitchFamily="34" charset="0"/>
-              </a:rPr>
-              <a:t> </a:t>
-            </a:r>
-            <a:r>
-              <a:rPr lang="en-GB" sz="2800" b="0" i="0" dirty="0" err="1">
-                <a:effectLst/>
-                <a:latin typeface="Calibri" panose="020F0502020204030204" pitchFamily="34" charset="0"/>
-                <a:cs typeface="Calibri" panose="020F0502020204030204" pitchFamily="34" charset="0"/>
-              </a:rPr>
-              <a:t>Effektiv</a:t>
-            </a:r>
-            <a:r>
-              <a:rPr lang="en-GB" sz="2800" b="0" i="0" dirty="0">
-                <a:effectLst/>
-                <a:latin typeface="Calibri" panose="020F0502020204030204" pitchFamily="34" charset="0"/>
-                <a:cs typeface="Calibri" panose="020F0502020204030204" pitchFamily="34" charset="0"/>
-              </a:rPr>
-              <a:t> </a:t>
-            </a:r>
-            <a:r>
-              <a:rPr lang="en-GB" sz="2800" b="0" i="0" dirty="0" err="1">
-                <a:effectLst/>
-                <a:latin typeface="Calibri" panose="020F0502020204030204" pitchFamily="34" charset="0"/>
-                <a:cs typeface="Calibri" panose="020F0502020204030204" pitchFamily="34" charset="0"/>
-              </a:rPr>
-              <a:t>kodning</a:t>
-            </a:r>
-            <a:r>
-              <a:rPr lang="en-GB" sz="2800" b="0" i="0" dirty="0">
-                <a:effectLst/>
-                <a:latin typeface="Calibri" panose="020F0502020204030204" pitchFamily="34" charset="0"/>
-                <a:cs typeface="Calibri" panose="020F0502020204030204" pitchFamily="34" charset="0"/>
-              </a:rPr>
-              <a:t>, </a:t>
-            </a:r>
-            <a:r>
-              <a:rPr lang="en-GB" sz="2800" b="0" i="0" dirty="0" err="1">
-                <a:effectLst/>
-                <a:latin typeface="Calibri" panose="020F0502020204030204" pitchFamily="34" charset="0"/>
-                <a:cs typeface="Calibri" panose="020F0502020204030204" pitchFamily="34" charset="0"/>
-              </a:rPr>
-              <a:t>ressourcehåndtering</a:t>
-            </a:r>
-            <a:r>
-              <a:rPr lang="en-GB" sz="2800" b="0" i="0" dirty="0">
-                <a:effectLst/>
-                <a:latin typeface="Calibri" panose="020F0502020204030204" pitchFamily="34" charset="0"/>
-                <a:cs typeface="Calibri" panose="020F0502020204030204" pitchFamily="34" charset="0"/>
-              </a:rPr>
-              <a:t>, </a:t>
-            </a:r>
-            <a:r>
-              <a:rPr lang="en-GB" sz="2800" b="0" i="0" dirty="0" err="1">
-                <a:effectLst/>
-                <a:latin typeface="Calibri" panose="020F0502020204030204" pitchFamily="34" charset="0"/>
-                <a:cs typeface="Calibri" panose="020F0502020204030204" pitchFamily="34" charset="0"/>
-              </a:rPr>
-              <a:t>energiforbrug</a:t>
-            </a:r>
-            <a:r>
-              <a:rPr lang="en-GB" sz="2800" b="0" i="0" dirty="0">
-                <a:effectLst/>
-                <a:latin typeface="Calibri" panose="020F0502020204030204" pitchFamily="34" charset="0"/>
-                <a:cs typeface="Calibri" panose="020F0502020204030204" pitchFamily="34" charset="0"/>
-              </a:rPr>
-              <a:t>.</a:t>
-            </a:r>
-          </a:p>
-          <a:p>
-            <a:pPr algn="l">
-              <a:spcBef>
-                <a:spcPts val="600"/>
-              </a:spcBef>
-              <a:buFont typeface="+mj-lt"/>
-              <a:buAutoNum type="arabicPeriod"/>
-            </a:pPr>
-            <a:r>
-              <a:rPr lang="en-GB" sz="2800" b="1" i="0" dirty="0" err="1">
-                <a:effectLst/>
-                <a:latin typeface="Calibri" panose="020F0502020204030204" pitchFamily="34" charset="0"/>
-                <a:cs typeface="Calibri" panose="020F0502020204030204" pitchFamily="34" charset="0"/>
-              </a:rPr>
-              <a:t>Dokumentér</a:t>
-            </a:r>
-            <a:r>
-              <a:rPr lang="en-GB" sz="2800" b="1" i="0" dirty="0">
-                <a:effectLst/>
-                <a:latin typeface="Calibri" panose="020F0502020204030204" pitchFamily="34" charset="0"/>
-                <a:cs typeface="Calibri" panose="020F0502020204030204" pitchFamily="34" charset="0"/>
-              </a:rPr>
-              <a:t> fund:</a:t>
-            </a:r>
-            <a:r>
-              <a:rPr lang="en-GB" sz="2800" b="0" i="0" dirty="0">
-                <a:effectLst/>
-                <a:latin typeface="Calibri" panose="020F0502020204030204" pitchFamily="34" charset="0"/>
-                <a:cs typeface="Calibri" panose="020F0502020204030204" pitchFamily="34" charset="0"/>
-              </a:rPr>
-              <a:t> </a:t>
-            </a:r>
-            <a:r>
-              <a:rPr lang="en-GB" sz="2800" b="0" i="0" dirty="0" err="1">
-                <a:effectLst/>
-                <a:latin typeface="Calibri" panose="020F0502020204030204" pitchFamily="34" charset="0"/>
-                <a:cs typeface="Calibri" panose="020F0502020204030204" pitchFamily="34" charset="0"/>
-              </a:rPr>
-              <a:t>Opsummer</a:t>
-            </a:r>
-            <a:r>
-              <a:rPr lang="en-GB" sz="2800" b="0" i="0" dirty="0">
-                <a:effectLst/>
-                <a:latin typeface="Calibri" panose="020F0502020204030204" pitchFamily="34" charset="0"/>
-                <a:cs typeface="Calibri" panose="020F0502020204030204" pitchFamily="34" charset="0"/>
-              </a:rPr>
-              <a:t> med </a:t>
-            </a:r>
-            <a:r>
-              <a:rPr lang="en-GB" sz="2800" b="0" i="0" dirty="0" err="1">
-                <a:effectLst/>
-                <a:latin typeface="Calibri" panose="020F0502020204030204" pitchFamily="34" charset="0"/>
-                <a:cs typeface="Calibri" panose="020F0502020204030204" pitchFamily="34" charset="0"/>
-              </a:rPr>
-              <a:t>skærmbilleder</a:t>
-            </a:r>
-            <a:r>
-              <a:rPr lang="en-GB" sz="2800" b="0" i="0" dirty="0">
-                <a:effectLst/>
-                <a:latin typeface="Calibri" panose="020F0502020204030204" pitchFamily="34" charset="0"/>
-                <a:cs typeface="Calibri" panose="020F0502020204030204" pitchFamily="34" charset="0"/>
-              </a:rPr>
-              <a:t>/links.</a:t>
-            </a:r>
-          </a:p>
-          <a:p>
-            <a:pPr algn="l">
-              <a:spcBef>
-                <a:spcPts val="600"/>
-              </a:spcBef>
-              <a:buFont typeface="+mj-lt"/>
-              <a:buAutoNum type="arabicPeriod"/>
-            </a:pPr>
-            <a:r>
-              <a:rPr lang="en-GB" sz="2800" b="1" i="0" dirty="0" err="1">
-                <a:effectLst/>
-                <a:latin typeface="Calibri" panose="020F0502020204030204" pitchFamily="34" charset="0"/>
-                <a:cs typeface="Calibri" panose="020F0502020204030204" pitchFamily="34" charset="0"/>
-              </a:rPr>
-              <a:t>Diskussion</a:t>
-            </a:r>
-            <a:r>
-              <a:rPr lang="en-GB" sz="2800" b="1" i="0" dirty="0">
-                <a:effectLst/>
-                <a:latin typeface="Calibri" panose="020F0502020204030204" pitchFamily="34" charset="0"/>
-                <a:cs typeface="Calibri" panose="020F0502020204030204" pitchFamily="34" charset="0"/>
-              </a:rPr>
-              <a:t>:</a:t>
-            </a:r>
-            <a:r>
-              <a:rPr lang="en-GB" sz="2800" b="0" i="0" dirty="0">
-                <a:effectLst/>
-                <a:latin typeface="Calibri" panose="020F0502020204030204" pitchFamily="34" charset="0"/>
-                <a:cs typeface="Calibri" panose="020F0502020204030204" pitchFamily="34" charset="0"/>
-              </a:rPr>
-              <a:t> </a:t>
-            </a:r>
-            <a:r>
-              <a:rPr lang="en-GB" sz="2800" b="0" i="0" dirty="0" err="1">
-                <a:effectLst/>
-                <a:latin typeface="Calibri" panose="020F0502020204030204" pitchFamily="34" charset="0"/>
-                <a:cs typeface="Calibri" panose="020F0502020204030204" pitchFamily="34" charset="0"/>
-              </a:rPr>
-              <a:t>Forbered</a:t>
-            </a:r>
-            <a:r>
-              <a:rPr lang="en-GB" sz="2800" b="0" i="0" dirty="0">
-                <a:effectLst/>
-                <a:latin typeface="Calibri" panose="020F0502020204030204" pitchFamily="34" charset="0"/>
-                <a:cs typeface="Calibri" panose="020F0502020204030204" pitchFamily="34" charset="0"/>
-              </a:rPr>
-              <a:t> </a:t>
-            </a:r>
-            <a:r>
-              <a:rPr lang="en-GB" sz="2800" b="0" i="0" dirty="0" err="1">
-                <a:effectLst/>
-                <a:latin typeface="Calibri" panose="020F0502020204030204" pitchFamily="34" charset="0"/>
-                <a:cs typeface="Calibri" panose="020F0502020204030204" pitchFamily="34" charset="0"/>
-              </a:rPr>
-              <a:t>til</a:t>
-            </a:r>
-            <a:r>
-              <a:rPr lang="en-GB" sz="2800" b="0" i="0" dirty="0">
-                <a:effectLst/>
-                <a:latin typeface="Calibri" panose="020F0502020204030204" pitchFamily="34" charset="0"/>
-                <a:cs typeface="Calibri" panose="020F0502020204030204" pitchFamily="34" charset="0"/>
-              </a:rPr>
-              <a:t> </a:t>
-            </a:r>
-            <a:r>
-              <a:rPr lang="en-GB" sz="2800" b="0" i="0" dirty="0" err="1">
-                <a:effectLst/>
-                <a:latin typeface="Calibri" panose="020F0502020204030204" pitchFamily="34" charset="0"/>
-                <a:cs typeface="Calibri" panose="020F0502020204030204" pitchFamily="34" charset="0"/>
-              </a:rPr>
-              <a:t>diskussion</a:t>
-            </a:r>
-            <a:r>
-              <a:rPr lang="en-GB" sz="2800" b="0" i="0" dirty="0">
-                <a:effectLst/>
-                <a:latin typeface="Calibri" panose="020F0502020204030204" pitchFamily="34" charset="0"/>
-                <a:cs typeface="Calibri" panose="020F0502020204030204" pitchFamily="34" charset="0"/>
-              </a:rPr>
-              <a:t> </a:t>
-            </a:r>
-            <a:r>
-              <a:rPr lang="en-GB" sz="2800" b="0" i="0" dirty="0" err="1">
-                <a:effectLst/>
-                <a:latin typeface="Calibri" panose="020F0502020204030204" pitchFamily="34" charset="0"/>
-                <a:cs typeface="Calibri" panose="020F0502020204030204" pitchFamily="34" charset="0"/>
-              </a:rPr>
-              <a:t>i</a:t>
-            </a:r>
-            <a:r>
-              <a:rPr lang="en-GB" sz="2800" b="0" i="0" dirty="0">
-                <a:effectLst/>
-                <a:latin typeface="Calibri" panose="020F0502020204030204" pitchFamily="34" charset="0"/>
-                <a:cs typeface="Calibri" panose="020F0502020204030204" pitchFamily="34" charset="0"/>
-              </a:rPr>
-              <a:t> </a:t>
-            </a:r>
-            <a:r>
-              <a:rPr lang="en-GB" sz="2800" b="0" i="0" dirty="0" err="1">
-                <a:effectLst/>
-                <a:latin typeface="Calibri" panose="020F0502020204030204" pitchFamily="34" charset="0"/>
-                <a:cs typeface="Calibri" panose="020F0502020204030204" pitchFamily="34" charset="0"/>
-              </a:rPr>
-              <a:t>klassen</a:t>
-            </a:r>
-            <a:r>
-              <a:rPr lang="en-GB" sz="2800" b="0" i="0" dirty="0">
-                <a:effectLst/>
-                <a:latin typeface="Calibri" panose="020F0502020204030204" pitchFamily="34" charset="0"/>
-                <a:cs typeface="Calibri" panose="020F0502020204030204" pitchFamily="34" charset="0"/>
-              </a:rPr>
-              <a:t>.</a:t>
+                <a:latin typeface="Spectral"/>
+              </a:rPr>
+              <a:t>Business strategy / Product management: “reporting, disclosure, strategy, and policies from both an organizational and website / product level.”</a:t>
             </a:r>
           </a:p>
           <a:p>
@@ -7279,7 +7855,7 @@
     </p:spTree>
     <p:extLst>
       <p:ext uri="{BB962C8B-B14F-4D97-AF65-F5344CB8AC3E}">
-        <p14:creationId xmlns:p14="http://schemas.microsoft.com/office/powerpoint/2010/main" val="3818749649"/>
+        <p14:creationId xmlns:p14="http://schemas.microsoft.com/office/powerpoint/2010/main" val="1050528676"/>
       </p:ext>
     </p:extLst>
   </p:cSld>
@@ -7308,7 +7884,13 @@
       </p:grpSpPr>
       <p:sp>
         <p:nvSpPr>
-          <p:cNvPr id="2" name="Title 1"/>
+          <p:cNvPr id="2" name="Title 1">
+            <a:extLst>
+              <a:ext uri="{FF2B5EF4-FFF2-40B4-BE49-F238E27FC236}">
+                <a16:creationId xmlns:a16="http://schemas.microsoft.com/office/drawing/2014/main" id="{FCE14B95-C52A-5FA5-6A22-784C9427B708}"/>
+              </a:ext>
+            </a:extLst>
+          </p:cNvPr>
           <p:cNvSpPr>
             <a:spLocks noGrp="1"/>
           </p:cNvSpPr>
@@ -7322,14 +7904,23 @@
           <a:lstStyle/>
           <a:p>
             <a:r>
-              <a:t>Fordele ved bæredygtigt webdesign</a:t>
-            </a:r>
-          </a:p>
-        </p:txBody>
-      </p:sp>
-      <p:sp>
-        <p:nvSpPr>
-          <p:cNvPr id="3" name="Content Placeholder 2"/>
+              <a:rPr lang="en-DK" dirty="0">
+                <a:latin typeface="Raleway" pitchFamily="2" charset="77"/>
+              </a:rPr>
+              <a:t>WSG og WCAG</a:t>
+            </a:r>
+          </a:p>
+        </p:txBody>
+      </p:sp>
+      <p:sp>
+        <p:nvSpPr>
+          <p:cNvPr id="3" name="Content Placeholder 2">
+            <a:extLst>
+              <a:ext uri="{FF2B5EF4-FFF2-40B4-BE49-F238E27FC236}">
+                <a16:creationId xmlns:a16="http://schemas.microsoft.com/office/drawing/2014/main" id="{7524658F-C131-5D66-031F-99B0963613F2}"/>
+              </a:ext>
+            </a:extLst>
+          </p:cNvPr>
           <p:cNvSpPr>
             <a:spLocks noGrp="1"/>
           </p:cNvSpPr>
@@ -7342,176 +7933,215 @@
           <a:bodyPr/>
           <a:lstStyle/>
           <a:p>
-            <a:r>
-              <a:rPr dirty="0" err="1"/>
-              <a:t>Bæredygtige</a:t>
-            </a:r>
-            <a:r>
-              <a:rPr dirty="0"/>
-              <a:t> </a:t>
-            </a:r>
-            <a:r>
-              <a:rPr dirty="0" err="1"/>
-              <a:t>praksisser</a:t>
-            </a:r>
-            <a:r>
-              <a:rPr dirty="0"/>
-              <a:t> </a:t>
-            </a:r>
-            <a:r>
-              <a:rPr dirty="0" err="1"/>
-              <a:t>resulterer</a:t>
-            </a:r>
-            <a:r>
-              <a:rPr dirty="0"/>
-              <a:t> </a:t>
-            </a:r>
-            <a:r>
-              <a:rPr dirty="0" err="1"/>
-              <a:t>i</a:t>
-            </a:r>
-            <a:r>
-              <a:rPr dirty="0"/>
-              <a:t> </a:t>
-            </a:r>
-            <a:r>
-              <a:rPr dirty="0" err="1"/>
-              <a:t>flere</a:t>
-            </a:r>
-            <a:r>
-              <a:rPr dirty="0"/>
-              <a:t> </a:t>
-            </a:r>
-            <a:r>
-              <a:rPr dirty="0" err="1"/>
-              <a:t>fordele</a:t>
-            </a:r>
-            <a:r>
-              <a:rPr dirty="0"/>
+            <a:pPr marL="0" indent="0">
+              <a:buNone/>
+            </a:pPr>
+            <a:r>
+              <a:rPr lang="en-GB" dirty="0"/>
+              <a:t> </a:t>
+            </a:r>
+            <a:r>
+              <a:rPr lang="en-GB" b="1" dirty="0"/>
+              <a:t>WCAG</a:t>
+            </a:r>
+            <a:r>
+              <a:rPr lang="en-GB" dirty="0"/>
+              <a:t>: Et formelt </a:t>
+            </a:r>
+            <a:r>
+              <a:rPr lang="en-GB" dirty="0" err="1"/>
+              <a:t>sæt</a:t>
+            </a:r>
+            <a:r>
+              <a:rPr lang="en-GB" dirty="0"/>
+              <a:t> </a:t>
+            </a:r>
+            <a:r>
+              <a:rPr lang="en-GB" dirty="0" err="1"/>
+              <a:t>af</a:t>
+            </a:r>
+            <a:r>
+              <a:rPr lang="en-GB" dirty="0"/>
+              <a:t> </a:t>
+            </a:r>
+            <a:r>
+              <a:rPr lang="en-GB" b="1" dirty="0" err="1"/>
+              <a:t>tekniske</a:t>
+            </a:r>
+            <a:r>
+              <a:rPr lang="en-GB" b="1" dirty="0"/>
+              <a:t> </a:t>
+            </a:r>
+            <a:r>
+              <a:rPr lang="en-GB" b="1" dirty="0" err="1"/>
+              <a:t>standarder</a:t>
+            </a:r>
+            <a:r>
+              <a:rPr lang="en-GB" dirty="0"/>
+              <a:t>, </a:t>
+            </a:r>
+            <a:r>
+              <a:rPr lang="en-GB" dirty="0" err="1"/>
+              <a:t>som</a:t>
+            </a:r>
+            <a:r>
+              <a:rPr lang="en-GB" dirty="0"/>
+              <a:t> </a:t>
+            </a:r>
+            <a:r>
+              <a:rPr lang="en-GB" dirty="0" err="1"/>
+              <a:t>webudviklere</a:t>
+            </a:r>
+            <a:r>
+              <a:rPr lang="en-GB" dirty="0"/>
+              <a:t> </a:t>
+            </a:r>
+            <a:r>
+              <a:rPr lang="en-GB" dirty="0" err="1"/>
+              <a:t>og</a:t>
+            </a:r>
+            <a:r>
+              <a:rPr lang="en-GB" dirty="0"/>
+              <a:t> </a:t>
+            </a:r>
+            <a:r>
+              <a:rPr lang="en-GB" dirty="0" err="1"/>
+              <a:t>designere</a:t>
+            </a:r>
+            <a:r>
+              <a:rPr lang="en-GB" dirty="0"/>
+              <a:t> </a:t>
+            </a:r>
+            <a:r>
+              <a:rPr lang="en-GB" b="1" dirty="0" err="1"/>
+              <a:t>skal</a:t>
+            </a:r>
+            <a:r>
+              <a:rPr lang="en-GB" dirty="0"/>
+              <a:t> </a:t>
+            </a:r>
+            <a:r>
+              <a:rPr lang="en-GB" dirty="0" err="1"/>
+              <a:t>følge</a:t>
+            </a:r>
+            <a:r>
+              <a:rPr lang="en-GB" dirty="0"/>
+              <a:t> for at </a:t>
+            </a:r>
+            <a:r>
+              <a:rPr lang="en-GB" dirty="0" err="1"/>
+              <a:t>skabe</a:t>
+            </a:r>
+            <a:r>
+              <a:rPr lang="en-GB" dirty="0"/>
+              <a:t> </a:t>
+            </a:r>
+            <a:r>
+              <a:rPr lang="en-GB" b="1" dirty="0" err="1"/>
+              <a:t>tilgængelige</a:t>
+            </a:r>
+            <a:r>
+              <a:rPr lang="en-GB" b="1" dirty="0"/>
+              <a:t> </a:t>
+            </a:r>
+            <a:r>
+              <a:rPr lang="en-GB" b="1" dirty="0" err="1"/>
+              <a:t>hjemmesider</a:t>
+            </a:r>
+            <a:r>
+              <a:rPr lang="en-GB" dirty="0"/>
               <a:t>.</a:t>
             </a:r>
           </a:p>
           <a:p>
-            <a:r>
-              <a:rPr dirty="0" err="1"/>
-              <a:t>Reducerer</a:t>
-            </a:r>
-            <a:r>
-              <a:rPr dirty="0"/>
-              <a:t> CO2-udledninger.</a:t>
-            </a:r>
-          </a:p>
-          <a:p>
-            <a:r>
-              <a:rPr dirty="0"/>
-              <a:t> Spar </a:t>
-            </a:r>
-            <a:r>
-              <a:rPr dirty="0" err="1"/>
-              <a:t>energi</a:t>
-            </a:r>
-            <a:r>
-              <a:rPr dirty="0"/>
-              <a:t> </a:t>
-            </a:r>
-            <a:r>
-              <a:rPr dirty="0" err="1"/>
-              <a:t>og</a:t>
-            </a:r>
-            <a:r>
-              <a:rPr dirty="0"/>
-              <a:t> </a:t>
-            </a:r>
-            <a:r>
-              <a:rPr dirty="0" err="1"/>
-              <a:t>ressourcer</a:t>
-            </a:r>
-            <a:r>
-              <a:rPr dirty="0"/>
+            <a:pPr marL="0" indent="0">
+              <a:buNone/>
+            </a:pPr>
+            <a:endParaRPr lang="en-DK" dirty="0"/>
+          </a:p>
+          <a:p>
+            <a:pPr marL="0" indent="0">
+              <a:buNone/>
+            </a:pPr>
+            <a:r>
+              <a:rPr lang="en-GB" b="1" dirty="0"/>
+              <a:t>WSG</a:t>
+            </a:r>
+            <a:r>
+              <a:rPr lang="en-GB" dirty="0"/>
+              <a:t>: </a:t>
+            </a:r>
+            <a:r>
+              <a:rPr lang="en-GB" dirty="0" err="1"/>
+              <a:t>Fremmer</a:t>
+            </a:r>
+            <a:r>
+              <a:rPr lang="en-GB" dirty="0"/>
+              <a:t> </a:t>
+            </a:r>
+            <a:r>
+              <a:rPr lang="en-GB" b="1" dirty="0" err="1"/>
+              <a:t>bedste</a:t>
+            </a:r>
+            <a:r>
+              <a:rPr lang="en-GB" b="1" dirty="0"/>
+              <a:t> </a:t>
+            </a:r>
+            <a:r>
+              <a:rPr lang="en-GB" b="1" dirty="0" err="1"/>
+              <a:t>praksis</a:t>
+            </a:r>
+            <a:r>
+              <a:rPr lang="en-GB" dirty="0"/>
+              <a:t>, men </a:t>
+            </a:r>
+            <a:r>
+              <a:rPr lang="en-GB" dirty="0" err="1"/>
+              <a:t>har</a:t>
+            </a:r>
+            <a:r>
+              <a:rPr lang="en-GB" dirty="0"/>
+              <a:t> </a:t>
+            </a:r>
+            <a:r>
+              <a:rPr lang="en-GB" dirty="0" err="1"/>
+              <a:t>ikke</a:t>
+            </a:r>
+            <a:r>
+              <a:rPr lang="en-GB" dirty="0"/>
+              <a:t> </a:t>
+            </a:r>
+            <a:r>
+              <a:rPr lang="en-GB" b="1" dirty="0" err="1"/>
+              <a:t>håndhævelige</a:t>
+            </a:r>
+            <a:r>
+              <a:rPr lang="en-GB" b="1" dirty="0"/>
+              <a:t> </a:t>
+            </a:r>
+            <a:r>
+              <a:rPr lang="en-GB" b="1" dirty="0" err="1"/>
+              <a:t>retningslinjer</a:t>
+            </a:r>
+            <a:r>
+              <a:rPr lang="en-GB" dirty="0"/>
               <a:t>.</a:t>
             </a:r>
           </a:p>
           <a:p>
-            <a:r>
-              <a:rPr dirty="0"/>
-              <a:t> </a:t>
-            </a:r>
-            <a:r>
-              <a:rPr dirty="0" err="1"/>
-              <a:t>Forbedrer</a:t>
-            </a:r>
-            <a:r>
-              <a:rPr dirty="0"/>
-              <a:t> </a:t>
-            </a:r>
-            <a:r>
-              <a:rPr dirty="0" err="1"/>
-              <a:t>hjemmesidens</a:t>
-            </a:r>
-            <a:r>
-              <a:rPr dirty="0"/>
-              <a:t> </a:t>
-            </a:r>
-            <a:r>
-              <a:rPr dirty="0" err="1"/>
-              <a:t>ydeevne</a:t>
-            </a:r>
-            <a:r>
-              <a:rPr dirty="0"/>
-              <a:t>.</a:t>
-            </a:r>
-          </a:p>
-          <a:p>
-            <a:r>
-              <a:rPr dirty="0" err="1"/>
-              <a:t>Forbedrer</a:t>
-            </a:r>
-            <a:r>
-              <a:rPr dirty="0"/>
-              <a:t> </a:t>
-            </a:r>
-            <a:r>
-              <a:rPr dirty="0" err="1"/>
-              <a:t>brugeroplevelsen</a:t>
-            </a:r>
-            <a:r>
-              <a:rPr dirty="0"/>
-              <a:t>.</a:t>
-            </a:r>
-          </a:p>
-          <a:p>
-            <a:r>
-              <a:rPr dirty="0"/>
-              <a:t> </a:t>
-            </a:r>
-            <a:r>
-              <a:rPr dirty="0" err="1"/>
-              <a:t>Øger</a:t>
-            </a:r>
-            <a:r>
-              <a:rPr dirty="0"/>
-              <a:t> </a:t>
-            </a:r>
-            <a:r>
-              <a:rPr dirty="0" err="1"/>
-              <a:t>forbrugernes</a:t>
-            </a:r>
-            <a:r>
-              <a:rPr dirty="0"/>
-              <a:t> </a:t>
-            </a:r>
-            <a:r>
-              <a:rPr dirty="0" err="1"/>
-              <a:t>tillid</a:t>
-            </a:r>
-            <a:r>
-              <a:rPr dirty="0"/>
-              <a:t>.</a:t>
-            </a:r>
+            <a:pPr marL="0" indent="0">
+              <a:buNone/>
+            </a:pPr>
+            <a:endParaRPr lang="en-DK" dirty="0"/>
           </a:p>
         </p:txBody>
       </p:sp>
     </p:spTree>
+    <p:extLst>
+      <p:ext uri="{BB962C8B-B14F-4D97-AF65-F5344CB8AC3E}">
+        <p14:creationId xmlns:p14="http://schemas.microsoft.com/office/powerpoint/2010/main" val="1047881982"/>
+      </p:ext>
+    </p:extLst>
   </p:cSld>
   <p:clrMapOvr>
     <a:masterClrMapping/>
@@ -7538,12 +8168,121 @@
       </p:grpSpPr>
       <p:sp>
         <p:nvSpPr>
-          <p:cNvPr id="2" name="Title 1"/>
+          <p:cNvPr id="2" name="Title 1">
+            <a:extLst>
+              <a:ext uri="{FF2B5EF4-FFF2-40B4-BE49-F238E27FC236}">
+                <a16:creationId xmlns:a16="http://schemas.microsoft.com/office/drawing/2014/main" id="{993A53BC-ACBE-AA8C-4735-011F5D40F7CF}"/>
+              </a:ext>
+            </a:extLst>
+          </p:cNvPr>
           <p:cNvSpPr>
             <a:spLocks noGrp="1"/>
           </p:cNvSpPr>
           <p:nvPr>
             <p:ph type="title"/>
+          </p:nvPr>
+        </p:nvSpPr>
+        <p:spPr>
+          <a:xfrm>
+            <a:off x="609600" y="731836"/>
+            <a:ext cx="10972800" cy="1143000"/>
+          </a:xfrm>
+        </p:spPr>
+        <p:txBody>
+          <a:bodyPr>
+            <a:normAutofit fontScale="90000"/>
+          </a:bodyPr>
+          <a:lstStyle/>
+          <a:p>
+            <a:r>
+              <a:rPr lang="en-GB" i="0" dirty="0" err="1">
+                <a:effectLst/>
+                <a:latin typeface="Raleway" pitchFamily="2" charset="77"/>
+              </a:rPr>
+              <a:t>Øvelse</a:t>
+            </a:r>
+            <a:r>
+              <a:rPr lang="en-GB" i="0" dirty="0">
+                <a:effectLst/>
+                <a:latin typeface="Raleway" pitchFamily="2" charset="77"/>
+              </a:rPr>
+              <a:t>: </a:t>
+            </a:r>
+            <a:r>
+              <a:rPr lang="en-GB" i="0" dirty="0" err="1">
+                <a:effectLst/>
+                <a:latin typeface="Raleway" pitchFamily="2" charset="77"/>
+              </a:rPr>
+              <a:t>Udforskning</a:t>
+            </a:r>
+            <a:r>
+              <a:rPr lang="en-GB" i="0" dirty="0">
+                <a:effectLst/>
+                <a:latin typeface="Raleway" pitchFamily="2" charset="77"/>
+              </a:rPr>
+              <a:t> </a:t>
+            </a:r>
+            <a:r>
+              <a:rPr lang="en-GB" i="0" dirty="0" err="1">
+                <a:effectLst/>
+                <a:latin typeface="Raleway" pitchFamily="2" charset="77"/>
+              </a:rPr>
+              <a:t>af</a:t>
+            </a:r>
+            <a:r>
+              <a:rPr lang="en-GB" i="0" dirty="0">
+                <a:effectLst/>
+                <a:latin typeface="Raleway" pitchFamily="2" charset="77"/>
+              </a:rPr>
+              <a:t> </a:t>
+            </a:r>
+            <a:r>
+              <a:rPr lang="en-GB" i="0" dirty="0" err="1">
+                <a:effectLst/>
+                <a:latin typeface="Raleway" pitchFamily="2" charset="77"/>
+              </a:rPr>
+              <a:t>bæredygtigt</a:t>
+            </a:r>
+            <a:r>
+              <a:rPr lang="en-GB" i="0" dirty="0">
+                <a:effectLst/>
+                <a:latin typeface="Raleway" pitchFamily="2" charset="77"/>
+              </a:rPr>
+              <a:t> </a:t>
+            </a:r>
+            <a:r>
+              <a:rPr lang="en-GB" i="0" dirty="0" err="1">
+                <a:effectLst/>
+                <a:latin typeface="Raleway" pitchFamily="2" charset="77"/>
+              </a:rPr>
+              <a:t>webdesign</a:t>
+            </a:r>
+            <a:br>
+              <a:rPr lang="en-GB" i="0" dirty="0">
+                <a:effectLst/>
+                <a:latin typeface="Raleway" pitchFamily="2" charset="77"/>
+              </a:rPr>
+            </a:br>
+            <a:endParaRPr lang="en-DK" dirty="0">
+              <a:latin typeface="Raleway" pitchFamily="2" charset="77"/>
+            </a:endParaRPr>
+          </a:p>
+        </p:txBody>
+      </p:sp>
+      <p:sp>
+        <p:nvSpPr>
+          <p:cNvPr id="3" name="Content Placeholder 2">
+            <a:extLst>
+              <a:ext uri="{FF2B5EF4-FFF2-40B4-BE49-F238E27FC236}">
+                <a16:creationId xmlns:a16="http://schemas.microsoft.com/office/drawing/2014/main" id="{9010F581-A40E-93AA-8449-786CA2F0C9D0}"/>
+              </a:ext>
+            </a:extLst>
+          </p:cNvPr>
+          <p:cNvSpPr>
+            <a:spLocks noGrp="1"/>
+          </p:cNvSpPr>
+          <p:nvPr>
+            <p:ph idx="1"/>
           </p:nvPr>
         </p:nvSpPr>
         <p:spPr/>
@@ -7551,207 +8290,520 @@
           <a:bodyPr/>
           <a:lstStyle/>
           <a:p>
-            <a:r>
-              <a:t>En bæredygtig fremtid</a:t>
-            </a:r>
-          </a:p>
-        </p:txBody>
-      </p:sp>
-      <p:sp>
-        <p:nvSpPr>
-          <p:cNvPr id="3" name="Content Placeholder 2"/>
-          <p:cNvSpPr>
-            <a:spLocks noGrp="1"/>
-          </p:cNvSpPr>
-          <p:nvPr>
-            <p:ph idx="1"/>
-          </p:nvPr>
-        </p:nvSpPr>
-        <p:spPr/>
-        <p:txBody>
-          <a:bodyPr/>
-          <a:lstStyle/>
-          <a:p>
-            <a:r>
-              <a:rPr dirty="0"/>
-              <a:t> </a:t>
-            </a:r>
-            <a:r>
-              <a:rPr dirty="0" err="1"/>
-              <a:t>Bæredygtigt</a:t>
-            </a:r>
-            <a:r>
-              <a:rPr dirty="0"/>
-              <a:t> </a:t>
-            </a:r>
-            <a:r>
-              <a:rPr dirty="0" err="1"/>
-              <a:t>webdesign</a:t>
-            </a:r>
-            <a:r>
-              <a:rPr dirty="0"/>
-              <a:t> er </a:t>
-            </a:r>
-            <a:r>
-              <a:rPr dirty="0" err="1"/>
-              <a:t>essentielt</a:t>
-            </a:r>
-            <a:r>
-              <a:rPr dirty="0"/>
-              <a:t> for </a:t>
-            </a:r>
-            <a:r>
-              <a:rPr dirty="0" err="1"/>
-              <a:t>en</a:t>
-            </a:r>
-            <a:r>
-              <a:rPr dirty="0"/>
-              <a:t> </a:t>
-            </a:r>
-            <a:r>
-              <a:rPr dirty="0" err="1"/>
-              <a:t>grønnere</a:t>
-            </a:r>
-            <a:r>
-              <a:rPr dirty="0"/>
-              <a:t> digital </a:t>
-            </a:r>
-            <a:r>
-              <a:rPr dirty="0" err="1"/>
-              <a:t>fremtid</a:t>
-            </a:r>
-            <a:r>
-              <a:rPr dirty="0"/>
+            <a:pPr algn="l">
+              <a:spcBef>
+                <a:spcPts val="600"/>
+              </a:spcBef>
+              <a:buFont typeface="+mj-lt"/>
+              <a:buAutoNum type="arabicPeriod"/>
+            </a:pPr>
+            <a:endParaRPr lang="en-GB" sz="2800" b="1" i="0" dirty="0">
+              <a:effectLst/>
+              <a:latin typeface="Calibri" panose="020F0502020204030204" pitchFamily="34" charset="0"/>
+              <a:cs typeface="Calibri" panose="020F0502020204030204" pitchFamily="34" charset="0"/>
+            </a:endParaRPr>
+          </a:p>
+          <a:p>
+            <a:pPr algn="l">
+              <a:spcBef>
+                <a:spcPts val="600"/>
+              </a:spcBef>
+              <a:buFont typeface="+mj-lt"/>
+              <a:buAutoNum type="arabicPeriod"/>
+            </a:pPr>
+            <a:r>
+              <a:rPr lang="en-GB" sz="2800" b="1" dirty="0" err="1">
+                <a:latin typeface="Calibri" panose="020F0502020204030204" pitchFamily="34" charset="0"/>
+                <a:cs typeface="Calibri" panose="020F0502020204030204" pitchFamily="34" charset="0"/>
+              </a:rPr>
+              <a:t>Arbejde</a:t>
+            </a:r>
+            <a:r>
+              <a:rPr lang="en-GB" sz="2800" b="1" dirty="0">
+                <a:latin typeface="Calibri" panose="020F0502020204030204" pitchFamily="34" charset="0"/>
+                <a:cs typeface="Calibri" panose="020F0502020204030204" pitchFamily="34" charset="0"/>
+              </a:rPr>
+              <a:t> I </a:t>
+            </a:r>
+            <a:r>
+              <a:rPr lang="en-GB" sz="2800" b="1" dirty="0" err="1">
+                <a:latin typeface="Calibri" panose="020F0502020204030204" pitchFamily="34" charset="0"/>
+                <a:cs typeface="Calibri" panose="020F0502020204030204" pitchFamily="34" charset="0"/>
+              </a:rPr>
+              <a:t>Grupper</a:t>
+            </a:r>
+            <a:r>
+              <a:rPr lang="en-GB" sz="2800" b="1" dirty="0">
+                <a:latin typeface="Calibri" panose="020F0502020204030204" pitchFamily="34" charset="0"/>
+                <a:cs typeface="Calibri" panose="020F0502020204030204" pitchFamily="34" charset="0"/>
+              </a:rPr>
+              <a:t>, </a:t>
+            </a:r>
+            <a:r>
+              <a:rPr lang="en-GB" sz="2800" b="1" dirty="0" err="1">
+                <a:latin typeface="Calibri" panose="020F0502020204030204" pitchFamily="34" charset="0"/>
+                <a:cs typeface="Calibri" panose="020F0502020204030204" pitchFamily="34" charset="0"/>
+              </a:rPr>
+              <a:t>B</a:t>
+            </a:r>
+            <a:r>
+              <a:rPr lang="en-GB" sz="2800" b="1" i="0" dirty="0" err="1">
+                <a:effectLst/>
+                <a:latin typeface="Calibri" panose="020F0502020204030204" pitchFamily="34" charset="0"/>
+                <a:cs typeface="Calibri" panose="020F0502020204030204" pitchFamily="34" charset="0"/>
+              </a:rPr>
+              <a:t>esøg</a:t>
+            </a:r>
+            <a:r>
+              <a:rPr lang="en-GB" sz="2800" b="0" i="0" dirty="0">
+                <a:effectLst/>
+                <a:latin typeface="Calibri" panose="020F0502020204030204" pitchFamily="34" charset="0"/>
+                <a:cs typeface="Calibri" panose="020F0502020204030204" pitchFamily="34" charset="0"/>
+              </a:rPr>
+              <a:t> </a:t>
+            </a:r>
+            <a:r>
+              <a:rPr lang="en-GB" sz="2800" b="0" i="0" u="none" strike="noStrike" dirty="0">
+                <a:effectLst/>
+                <a:latin typeface="Calibri" panose="020F0502020204030204" pitchFamily="34" charset="0"/>
+                <a:cs typeface="Calibri" panose="020F0502020204030204" pitchFamily="34" charset="0"/>
+                <a:hlinkClick r:id="rId2">
+                  <a:extLst>
+                    <a:ext uri="{A12FA001-AC4F-418D-AE19-62706E023703}">
+                      <ahyp:hlinkClr xmlns:ahyp="http://schemas.microsoft.com/office/drawing/2018/hyperlinkcolor" val="tx"/>
+                    </a:ext>
+                  </a:extLst>
+                </a:hlinkClick>
+              </a:rPr>
+              <a:t>Web Sustainability Guidelines (WSG) 1.0</a:t>
+            </a:r>
+            <a:r>
+              <a:rPr lang="en-GB" sz="2800" b="0" i="0" dirty="0">
+                <a:effectLst/>
+                <a:latin typeface="Calibri" panose="020F0502020204030204" pitchFamily="34" charset="0"/>
+                <a:cs typeface="Calibri" panose="020F0502020204030204" pitchFamily="34" charset="0"/>
+              </a:rPr>
               <a:t>.</a:t>
             </a:r>
           </a:p>
           <a:p>
-            <a:r>
-              <a:rPr dirty="0"/>
-              <a:t> At </a:t>
-            </a:r>
-            <a:r>
-              <a:rPr dirty="0" err="1"/>
-              <a:t>skabe</a:t>
-            </a:r>
-            <a:r>
-              <a:rPr dirty="0"/>
-              <a:t> et </a:t>
-            </a:r>
-            <a:r>
-              <a:rPr dirty="0" err="1"/>
-              <a:t>bæredygtigt</a:t>
-            </a:r>
-            <a:r>
-              <a:rPr dirty="0"/>
-              <a:t> internet er et </a:t>
-            </a:r>
-            <a:r>
-              <a:rPr dirty="0" err="1"/>
-              <a:t>fælles</a:t>
-            </a:r>
-            <a:r>
-              <a:rPr dirty="0"/>
-              <a:t> </a:t>
-            </a:r>
-            <a:r>
-              <a:rPr dirty="0" err="1"/>
-              <a:t>ansvar</a:t>
-            </a:r>
-            <a:r>
-              <a:rPr dirty="0"/>
+            <a:pPr algn="l">
+              <a:spcBef>
+                <a:spcPts val="600"/>
+              </a:spcBef>
+              <a:buFont typeface="+mj-lt"/>
+              <a:buAutoNum type="arabicPeriod"/>
+            </a:pPr>
+            <a:r>
+              <a:rPr lang="en-GB" sz="2800" b="1" i="0" dirty="0">
+                <a:effectLst/>
+                <a:latin typeface="Calibri" panose="020F0502020204030204" pitchFamily="34" charset="0"/>
+                <a:cs typeface="Calibri" panose="020F0502020204030204" pitchFamily="34" charset="0"/>
+              </a:rPr>
+              <a:t>Find 2 UX-</a:t>
+            </a:r>
+            <a:r>
+              <a:rPr lang="en-GB" sz="2800" b="1" i="0" dirty="0" err="1">
+                <a:effectLst/>
+                <a:latin typeface="Calibri" panose="020F0502020204030204" pitchFamily="34" charset="0"/>
+                <a:cs typeface="Calibri" panose="020F0502020204030204" pitchFamily="34" charset="0"/>
+              </a:rPr>
+              <a:t>eksempler</a:t>
+            </a:r>
+            <a:r>
+              <a:rPr lang="en-GB" sz="2800" b="1" i="0" dirty="0">
+                <a:effectLst/>
+                <a:latin typeface="Calibri" panose="020F0502020204030204" pitchFamily="34" charset="0"/>
+                <a:cs typeface="Calibri" panose="020F0502020204030204" pitchFamily="34" charset="0"/>
+              </a:rPr>
+              <a:t>:</a:t>
+            </a:r>
+            <a:r>
+              <a:rPr lang="en-GB" sz="2800" b="0" i="0" dirty="0">
+                <a:effectLst/>
+                <a:latin typeface="Calibri" panose="020F0502020204030204" pitchFamily="34" charset="0"/>
+                <a:cs typeface="Calibri" panose="020F0502020204030204" pitchFamily="34" charset="0"/>
+              </a:rPr>
+              <a:t> </a:t>
+            </a:r>
+            <a:r>
+              <a:rPr lang="en-GB" sz="2800" b="0" i="0" dirty="0" err="1">
+                <a:effectLst/>
+                <a:latin typeface="Calibri" panose="020F0502020204030204" pitchFamily="34" charset="0"/>
+                <a:cs typeface="Calibri" panose="020F0502020204030204" pitchFamily="34" charset="0"/>
+              </a:rPr>
+              <a:t>Tilgængelighed</a:t>
+            </a:r>
+            <a:r>
+              <a:rPr lang="en-GB" sz="2800" b="0" i="0" dirty="0">
+                <a:effectLst/>
+                <a:latin typeface="Calibri" panose="020F0502020204030204" pitchFamily="34" charset="0"/>
+                <a:cs typeface="Calibri" panose="020F0502020204030204" pitchFamily="34" charset="0"/>
+              </a:rPr>
+              <a:t>, </a:t>
+            </a:r>
+            <a:r>
+              <a:rPr lang="en-GB" sz="2800" b="0" i="0" dirty="0" err="1">
+                <a:effectLst/>
+                <a:latin typeface="Calibri" panose="020F0502020204030204" pitchFamily="34" charset="0"/>
+                <a:cs typeface="Calibri" panose="020F0502020204030204" pitchFamily="34" charset="0"/>
+              </a:rPr>
+              <a:t>ydeevne</a:t>
+            </a:r>
+            <a:r>
+              <a:rPr lang="en-GB" sz="2800" b="0" i="0" dirty="0">
+                <a:effectLst/>
+                <a:latin typeface="Calibri" panose="020F0502020204030204" pitchFamily="34" charset="0"/>
+                <a:cs typeface="Calibri" panose="020F0502020204030204" pitchFamily="34" charset="0"/>
+              </a:rPr>
+              <a:t>, </a:t>
+            </a:r>
+            <a:r>
+              <a:rPr lang="en-GB" sz="2800" b="0" i="0" dirty="0" err="1">
+                <a:effectLst/>
+                <a:latin typeface="Calibri" panose="020F0502020204030204" pitchFamily="34" charset="0"/>
+                <a:cs typeface="Calibri" panose="020F0502020204030204" pitchFamily="34" charset="0"/>
+              </a:rPr>
+              <a:t>brugervenlighed</a:t>
+            </a:r>
+            <a:r>
+              <a:rPr lang="en-GB" sz="2800" b="0" i="0" dirty="0">
+                <a:effectLst/>
+                <a:latin typeface="Calibri" panose="020F0502020204030204" pitchFamily="34" charset="0"/>
+                <a:cs typeface="Calibri" panose="020F0502020204030204" pitchFamily="34" charset="0"/>
+              </a:rPr>
               <a:t>.</a:t>
             </a:r>
           </a:p>
           <a:p>
-            <a:r>
-              <a:rPr dirty="0"/>
-              <a:t> Ved at </a:t>
-            </a:r>
-            <a:r>
-              <a:rPr dirty="0" err="1"/>
-              <a:t>vedtage</a:t>
-            </a:r>
-            <a:r>
-              <a:rPr dirty="0"/>
-              <a:t> </a:t>
-            </a:r>
-            <a:r>
-              <a:rPr dirty="0" err="1"/>
-              <a:t>bæredygtige</a:t>
-            </a:r>
-            <a:r>
-              <a:rPr dirty="0"/>
-              <a:t> </a:t>
-            </a:r>
-            <a:r>
-              <a:rPr dirty="0" err="1"/>
-              <a:t>praksisser</a:t>
-            </a:r>
-            <a:r>
-              <a:rPr dirty="0"/>
-              <a:t> </a:t>
-            </a:r>
-            <a:r>
-              <a:rPr dirty="0" err="1"/>
-              <a:t>kan</a:t>
-            </a:r>
-            <a:r>
-              <a:rPr dirty="0"/>
-              <a:t> vi </a:t>
-            </a:r>
-            <a:r>
-              <a:rPr dirty="0" err="1"/>
-              <a:t>bygge</a:t>
-            </a:r>
-            <a:r>
-              <a:rPr dirty="0"/>
-              <a:t> et web, der </a:t>
-            </a:r>
-            <a:r>
-              <a:rPr dirty="0" err="1"/>
-              <a:t>gavner</a:t>
-            </a:r>
-            <a:r>
-              <a:rPr dirty="0"/>
-              <a:t> </a:t>
-            </a:r>
-            <a:r>
-              <a:rPr dirty="0" err="1"/>
-              <a:t>både</a:t>
-            </a:r>
-            <a:r>
-              <a:rPr dirty="0"/>
-              <a:t> </a:t>
-            </a:r>
-            <a:r>
-              <a:rPr dirty="0" err="1"/>
-              <a:t>mennesker</a:t>
-            </a:r>
-            <a:r>
-              <a:rPr dirty="0"/>
-              <a:t> </a:t>
-            </a:r>
-            <a:r>
-              <a:rPr dirty="0" err="1"/>
+            <a:pPr algn="l">
+              <a:spcBef>
+                <a:spcPts val="600"/>
+              </a:spcBef>
+              <a:buFont typeface="+mj-lt"/>
+              <a:buAutoNum type="arabicPeriod"/>
+            </a:pPr>
+            <a:r>
+              <a:rPr lang="en-GB" sz="2800" b="1" i="0" dirty="0">
+                <a:effectLst/>
+                <a:latin typeface="Calibri" panose="020F0502020204030204" pitchFamily="34" charset="0"/>
+                <a:cs typeface="Calibri" panose="020F0502020204030204" pitchFamily="34" charset="0"/>
+              </a:rPr>
+              <a:t>Find 2 </a:t>
+            </a:r>
+            <a:r>
+              <a:rPr lang="en-GB" sz="2800" b="1" i="0" dirty="0" err="1">
+                <a:effectLst/>
+                <a:latin typeface="Calibri" panose="020F0502020204030204" pitchFamily="34" charset="0"/>
+                <a:cs typeface="Calibri" panose="020F0502020204030204" pitchFamily="34" charset="0"/>
+              </a:rPr>
+              <a:t>udviklereksempler</a:t>
+            </a:r>
+            <a:r>
+              <a:rPr lang="en-GB" sz="2800" b="1" i="0" dirty="0">
+                <a:effectLst/>
+                <a:latin typeface="Calibri" panose="020F0502020204030204" pitchFamily="34" charset="0"/>
+                <a:cs typeface="Calibri" panose="020F0502020204030204" pitchFamily="34" charset="0"/>
+              </a:rPr>
+              <a:t>:</a:t>
+            </a:r>
+            <a:r>
+              <a:rPr lang="en-GB" sz="2800" b="0" i="0" dirty="0">
+                <a:effectLst/>
+                <a:latin typeface="Calibri" panose="020F0502020204030204" pitchFamily="34" charset="0"/>
+                <a:cs typeface="Calibri" panose="020F0502020204030204" pitchFamily="34" charset="0"/>
+              </a:rPr>
+              <a:t> </a:t>
+            </a:r>
+            <a:r>
+              <a:rPr lang="en-GB" sz="2800" b="0" i="0" dirty="0" err="1">
+                <a:effectLst/>
+                <a:latin typeface="Calibri" panose="020F0502020204030204" pitchFamily="34" charset="0"/>
+                <a:cs typeface="Calibri" panose="020F0502020204030204" pitchFamily="34" charset="0"/>
+              </a:rPr>
+              <a:t>Effektiv</a:t>
+            </a:r>
+            <a:r>
+              <a:rPr lang="en-GB" sz="2800" b="0" i="0" dirty="0">
+                <a:effectLst/>
+                <a:latin typeface="Calibri" panose="020F0502020204030204" pitchFamily="34" charset="0"/>
+                <a:cs typeface="Calibri" panose="020F0502020204030204" pitchFamily="34" charset="0"/>
+              </a:rPr>
+              <a:t> </a:t>
+            </a:r>
+            <a:r>
+              <a:rPr lang="en-GB" sz="2800" b="0" i="0" dirty="0" err="1">
+                <a:effectLst/>
+                <a:latin typeface="Calibri" panose="020F0502020204030204" pitchFamily="34" charset="0"/>
+                <a:cs typeface="Calibri" panose="020F0502020204030204" pitchFamily="34" charset="0"/>
+              </a:rPr>
+              <a:t>kodning</a:t>
+            </a:r>
+            <a:r>
+              <a:rPr lang="en-GB" sz="2800" b="0" i="0" dirty="0">
+                <a:effectLst/>
+                <a:latin typeface="Calibri" panose="020F0502020204030204" pitchFamily="34" charset="0"/>
+                <a:cs typeface="Calibri" panose="020F0502020204030204" pitchFamily="34" charset="0"/>
+              </a:rPr>
+              <a:t>, </a:t>
+            </a:r>
+            <a:r>
+              <a:rPr lang="en-GB" sz="2800" b="0" i="0" dirty="0" err="1">
+                <a:effectLst/>
+                <a:latin typeface="Calibri" panose="020F0502020204030204" pitchFamily="34" charset="0"/>
+                <a:cs typeface="Calibri" panose="020F0502020204030204" pitchFamily="34" charset="0"/>
+              </a:rPr>
+              <a:t>ressourcehåndtering</a:t>
+            </a:r>
+            <a:r>
+              <a:rPr lang="en-GB" sz="2800" b="0" i="0" dirty="0">
+                <a:effectLst/>
+                <a:latin typeface="Calibri" panose="020F0502020204030204" pitchFamily="34" charset="0"/>
+                <a:cs typeface="Calibri" panose="020F0502020204030204" pitchFamily="34" charset="0"/>
+              </a:rPr>
+              <a:t>, </a:t>
+            </a:r>
+            <a:r>
+              <a:rPr lang="en-GB" sz="2800" b="0" i="0" dirty="0" err="1">
+                <a:effectLst/>
+                <a:latin typeface="Calibri" panose="020F0502020204030204" pitchFamily="34" charset="0"/>
+                <a:cs typeface="Calibri" panose="020F0502020204030204" pitchFamily="34" charset="0"/>
+              </a:rPr>
+              <a:t>energiforbrug</a:t>
+            </a:r>
+            <a:r>
+              <a:rPr lang="en-GB" sz="2800" b="0" i="0" dirty="0">
+                <a:effectLst/>
+                <a:latin typeface="Calibri" panose="020F0502020204030204" pitchFamily="34" charset="0"/>
+                <a:cs typeface="Calibri" panose="020F0502020204030204" pitchFamily="34" charset="0"/>
+              </a:rPr>
+              <a:t>.</a:t>
+            </a:r>
+          </a:p>
+          <a:p>
+            <a:pPr algn="l">
+              <a:spcBef>
+                <a:spcPts val="600"/>
+              </a:spcBef>
+              <a:buFont typeface="+mj-lt"/>
+              <a:buAutoNum type="arabicPeriod"/>
+            </a:pPr>
+            <a:r>
+              <a:rPr lang="en-GB" sz="2800" dirty="0">
+                <a:latin typeface="Calibri" panose="020F0502020204030204" pitchFamily="34" charset="0"/>
+                <a:cs typeface="Calibri" panose="020F0502020204030204" pitchFamily="34" charset="0"/>
+              </a:rPr>
+              <a:t>Find 2 Business </a:t>
+            </a:r>
+            <a:r>
+              <a:rPr lang="en-GB" sz="2800" dirty="0" err="1">
+                <a:latin typeface="Calibri" panose="020F0502020204030204" pitchFamily="34" charset="0"/>
+                <a:cs typeface="Calibri" panose="020F0502020204030204" pitchFamily="34" charset="0"/>
+              </a:rPr>
               <a:t>og</a:t>
             </a:r>
             <a:r>
-              <a:rPr dirty="0"/>
-              <a:t> </a:t>
-            </a:r>
-            <a:r>
-              <a:rPr dirty="0" err="1"/>
-              <a:t>planeten</a:t>
-            </a:r>
-            <a:r>
-              <a:rPr dirty="0"/>
+              <a:rPr lang="en-GB" sz="2800" dirty="0">
+                <a:latin typeface="Calibri" panose="020F0502020204030204" pitchFamily="34" charset="0"/>
+                <a:cs typeface="Calibri" panose="020F0502020204030204" pitchFamily="34" charset="0"/>
+              </a:rPr>
+              <a:t> Hosting</a:t>
+            </a:r>
+            <a:endParaRPr lang="en-GB" sz="2800" b="0" i="0" dirty="0">
+              <a:effectLst/>
+              <a:latin typeface="Calibri" panose="020F0502020204030204" pitchFamily="34" charset="0"/>
+              <a:cs typeface="Calibri" panose="020F0502020204030204" pitchFamily="34" charset="0"/>
+            </a:endParaRPr>
+          </a:p>
+          <a:p>
+            <a:pPr algn="l">
+              <a:spcBef>
+                <a:spcPts val="600"/>
+              </a:spcBef>
+              <a:buFont typeface="+mj-lt"/>
+              <a:buAutoNum type="arabicPeriod"/>
+            </a:pPr>
+            <a:r>
+              <a:rPr lang="en-GB" sz="2800" b="1" i="0" dirty="0" err="1">
+                <a:effectLst/>
+                <a:latin typeface="Calibri" panose="020F0502020204030204" pitchFamily="34" charset="0"/>
+                <a:cs typeface="Calibri" panose="020F0502020204030204" pitchFamily="34" charset="0"/>
+              </a:rPr>
+              <a:t>Dokumentér</a:t>
+            </a:r>
+            <a:r>
+              <a:rPr lang="en-GB" sz="2800" b="1" i="0" dirty="0">
+                <a:effectLst/>
+                <a:latin typeface="Calibri" panose="020F0502020204030204" pitchFamily="34" charset="0"/>
+                <a:cs typeface="Calibri" panose="020F0502020204030204" pitchFamily="34" charset="0"/>
+              </a:rPr>
+              <a:t> fund:</a:t>
+            </a:r>
+            <a:r>
+              <a:rPr lang="en-GB" sz="2800" b="0" i="0" dirty="0">
+                <a:effectLst/>
+                <a:latin typeface="Calibri" panose="020F0502020204030204" pitchFamily="34" charset="0"/>
+                <a:cs typeface="Calibri" panose="020F0502020204030204" pitchFamily="34" charset="0"/>
+              </a:rPr>
+              <a:t> </a:t>
+            </a:r>
+            <a:r>
+              <a:rPr lang="en-GB" sz="2800" b="0" i="0" dirty="0" err="1">
+                <a:effectLst/>
+                <a:latin typeface="Calibri" panose="020F0502020204030204" pitchFamily="34" charset="0"/>
+                <a:cs typeface="Calibri" panose="020F0502020204030204" pitchFamily="34" charset="0"/>
+              </a:rPr>
+              <a:t>Opsummer</a:t>
+            </a:r>
+            <a:r>
+              <a:rPr lang="en-GB" sz="2800" b="0" i="0" dirty="0">
+                <a:effectLst/>
+                <a:latin typeface="Calibri" panose="020F0502020204030204" pitchFamily="34" charset="0"/>
+                <a:cs typeface="Calibri" panose="020F0502020204030204" pitchFamily="34" charset="0"/>
+              </a:rPr>
+              <a:t> med </a:t>
+            </a:r>
+            <a:r>
+              <a:rPr lang="en-GB" sz="2800" b="0" i="0" dirty="0" err="1">
+                <a:effectLst/>
+                <a:latin typeface="Calibri" panose="020F0502020204030204" pitchFamily="34" charset="0"/>
+                <a:cs typeface="Calibri" panose="020F0502020204030204" pitchFamily="34" charset="0"/>
+              </a:rPr>
+              <a:t>skærmbilleder</a:t>
+            </a:r>
+            <a:r>
+              <a:rPr lang="en-GB" sz="2800" b="0" i="0" dirty="0">
+                <a:effectLst/>
+                <a:latin typeface="Calibri" panose="020F0502020204030204" pitchFamily="34" charset="0"/>
+                <a:cs typeface="Calibri" panose="020F0502020204030204" pitchFamily="34" charset="0"/>
+              </a:rPr>
+              <a:t>/links.</a:t>
+            </a:r>
+          </a:p>
+          <a:p>
+            <a:pPr algn="l">
+              <a:spcBef>
+                <a:spcPts val="600"/>
+              </a:spcBef>
+              <a:buFont typeface="+mj-lt"/>
+              <a:buAutoNum type="arabicPeriod"/>
+            </a:pPr>
+            <a:r>
+              <a:rPr lang="en-GB" sz="2800" b="1" i="0" dirty="0" err="1">
+                <a:effectLst/>
+                <a:latin typeface="Calibri" panose="020F0502020204030204" pitchFamily="34" charset="0"/>
+                <a:cs typeface="Calibri" panose="020F0502020204030204" pitchFamily="34" charset="0"/>
+              </a:rPr>
+              <a:t>Diskussion</a:t>
+            </a:r>
+            <a:r>
+              <a:rPr lang="en-GB" sz="2800" b="1" i="0" dirty="0">
+                <a:effectLst/>
+                <a:latin typeface="Calibri" panose="020F0502020204030204" pitchFamily="34" charset="0"/>
+                <a:cs typeface="Calibri" panose="020F0502020204030204" pitchFamily="34" charset="0"/>
+              </a:rPr>
+              <a:t>:</a:t>
+            </a:r>
+            <a:r>
+              <a:rPr lang="en-GB" sz="2800" b="0" i="0" dirty="0">
+                <a:effectLst/>
+                <a:latin typeface="Calibri" panose="020F0502020204030204" pitchFamily="34" charset="0"/>
+                <a:cs typeface="Calibri" panose="020F0502020204030204" pitchFamily="34" charset="0"/>
+              </a:rPr>
+              <a:t> </a:t>
+            </a:r>
+            <a:r>
+              <a:rPr lang="en-GB" sz="2800" b="0" i="0" dirty="0" err="1">
+                <a:effectLst/>
+                <a:latin typeface="Calibri" panose="020F0502020204030204" pitchFamily="34" charset="0"/>
+                <a:cs typeface="Calibri" panose="020F0502020204030204" pitchFamily="34" charset="0"/>
+              </a:rPr>
+              <a:t>Forbered</a:t>
+            </a:r>
+            <a:r>
+              <a:rPr lang="en-GB" sz="2800" b="0" i="0" dirty="0">
+                <a:effectLst/>
+                <a:latin typeface="Calibri" panose="020F0502020204030204" pitchFamily="34" charset="0"/>
+                <a:cs typeface="Calibri" panose="020F0502020204030204" pitchFamily="34" charset="0"/>
+              </a:rPr>
+              <a:t> </a:t>
+            </a:r>
+            <a:r>
+              <a:rPr lang="en-GB" sz="2800" b="0" i="0" dirty="0" err="1">
+                <a:effectLst/>
+                <a:latin typeface="Calibri" panose="020F0502020204030204" pitchFamily="34" charset="0"/>
+                <a:cs typeface="Calibri" panose="020F0502020204030204" pitchFamily="34" charset="0"/>
+              </a:rPr>
+              <a:t>til</a:t>
+            </a:r>
+            <a:r>
+              <a:rPr lang="en-GB" sz="2800" b="0" i="0" dirty="0">
+                <a:effectLst/>
+                <a:latin typeface="Calibri" panose="020F0502020204030204" pitchFamily="34" charset="0"/>
+                <a:cs typeface="Calibri" panose="020F0502020204030204" pitchFamily="34" charset="0"/>
+              </a:rPr>
+              <a:t> </a:t>
+            </a:r>
+            <a:r>
+              <a:rPr lang="en-GB" sz="2800" b="0" i="0" dirty="0" err="1">
+                <a:effectLst/>
+                <a:latin typeface="Calibri" panose="020F0502020204030204" pitchFamily="34" charset="0"/>
+                <a:cs typeface="Calibri" panose="020F0502020204030204" pitchFamily="34" charset="0"/>
+              </a:rPr>
+              <a:t>diskussion</a:t>
+            </a:r>
+            <a:r>
+              <a:rPr lang="en-GB" sz="2800" b="0" i="0" dirty="0">
+                <a:effectLst/>
+                <a:latin typeface="Calibri" panose="020F0502020204030204" pitchFamily="34" charset="0"/>
+                <a:cs typeface="Calibri" panose="020F0502020204030204" pitchFamily="34" charset="0"/>
+              </a:rPr>
+              <a:t> </a:t>
+            </a:r>
+            <a:r>
+              <a:rPr lang="en-GB" sz="2800" b="0" i="0" dirty="0" err="1">
+                <a:effectLst/>
+                <a:latin typeface="Calibri" panose="020F0502020204030204" pitchFamily="34" charset="0"/>
+                <a:cs typeface="Calibri" panose="020F0502020204030204" pitchFamily="34" charset="0"/>
+              </a:rPr>
+              <a:t>i</a:t>
+            </a:r>
+            <a:r>
+              <a:rPr lang="en-GB" sz="2800" b="0" i="0" dirty="0">
+                <a:effectLst/>
+                <a:latin typeface="Calibri" panose="020F0502020204030204" pitchFamily="34" charset="0"/>
+                <a:cs typeface="Calibri" panose="020F0502020204030204" pitchFamily="34" charset="0"/>
+              </a:rPr>
+              <a:t> </a:t>
+            </a:r>
+            <a:r>
+              <a:rPr lang="en-GB" sz="2800" b="0" i="0" dirty="0" err="1">
+                <a:effectLst/>
+                <a:latin typeface="Calibri" panose="020F0502020204030204" pitchFamily="34" charset="0"/>
+                <a:cs typeface="Calibri" panose="020F0502020204030204" pitchFamily="34" charset="0"/>
+              </a:rPr>
+              <a:t>klassen</a:t>
+            </a:r>
+            <a:r>
+              <a:rPr lang="en-GB" sz="2800" b="0" i="0" dirty="0">
+                <a:effectLst/>
+                <a:latin typeface="Calibri" panose="020F0502020204030204" pitchFamily="34" charset="0"/>
+                <a:cs typeface="Calibri" panose="020F0502020204030204" pitchFamily="34" charset="0"/>
+              </a:rPr>
               <a:t>.</a:t>
             </a:r>
           </a:p>
+          <a:p>
+            <a:endParaRPr lang="en-DK" dirty="0"/>
+          </a:p>
         </p:txBody>
       </p:sp>
     </p:spTree>
+    <p:extLst>
+      <p:ext uri="{BB962C8B-B14F-4D97-AF65-F5344CB8AC3E}">
+        <p14:creationId xmlns:p14="http://schemas.microsoft.com/office/powerpoint/2010/main" val="3818749649"/>
+      </p:ext>
+    </p:extLst>
   </p:cSld>
   <p:clrMapOvr>
     <a:masterClrMapping/>
@@ -7778,6 +8830,1055 @@
       </p:grpSpPr>
       <p:sp>
         <p:nvSpPr>
+          <p:cNvPr id="2" name="Title 1"/>
+          <p:cNvSpPr>
+            <a:spLocks noGrp="1"/>
+          </p:cNvSpPr>
+          <p:nvPr>
+            <p:ph type="title"/>
+          </p:nvPr>
+        </p:nvSpPr>
+        <p:spPr/>
+        <p:txBody>
+          <a:bodyPr/>
+          <a:lstStyle/>
+          <a:p>
+            <a:r>
+              <a:rPr dirty="0" err="1">
+                <a:latin typeface="Raleway" pitchFamily="2" charset="77"/>
+              </a:rPr>
+              <a:t>Fordele</a:t>
+            </a:r>
+            <a:r>
+              <a:rPr dirty="0">
+                <a:latin typeface="Raleway" pitchFamily="2" charset="77"/>
+              </a:rPr>
+              <a:t> </a:t>
+            </a:r>
+            <a:r>
+              <a:rPr dirty="0" err="1">
+                <a:latin typeface="Raleway" pitchFamily="2" charset="77"/>
+              </a:rPr>
+              <a:t>ved</a:t>
+            </a:r>
+            <a:r>
+              <a:rPr dirty="0">
+                <a:latin typeface="Raleway" pitchFamily="2" charset="77"/>
+              </a:rPr>
+              <a:t> </a:t>
+            </a:r>
+            <a:r>
+              <a:rPr dirty="0" err="1">
+                <a:latin typeface="Raleway" pitchFamily="2" charset="77"/>
+              </a:rPr>
+              <a:t>bæredygtigt</a:t>
+            </a:r>
+            <a:r>
+              <a:rPr dirty="0">
+                <a:latin typeface="Raleway" pitchFamily="2" charset="77"/>
+              </a:rPr>
+              <a:t> </a:t>
+            </a:r>
+            <a:r>
+              <a:rPr dirty="0" err="1">
+                <a:latin typeface="Raleway" pitchFamily="2" charset="77"/>
+              </a:rPr>
+              <a:t>webdesign</a:t>
+            </a:r>
+            <a:endParaRPr dirty="0">
+              <a:latin typeface="Raleway" pitchFamily="2" charset="77"/>
+            </a:endParaRPr>
+          </a:p>
+        </p:txBody>
+      </p:sp>
+      <p:sp>
+        <p:nvSpPr>
+          <p:cNvPr id="3" name="Content Placeholder 2"/>
+          <p:cNvSpPr>
+            <a:spLocks noGrp="1"/>
+          </p:cNvSpPr>
+          <p:nvPr>
+            <p:ph idx="1"/>
+          </p:nvPr>
+        </p:nvSpPr>
+        <p:spPr/>
+        <p:txBody>
+          <a:bodyPr/>
+          <a:lstStyle/>
+          <a:p>
+            <a:r>
+              <a:rPr dirty="0" err="1"/>
+              <a:t>Bæredygtige</a:t>
+            </a:r>
+            <a:r>
+              <a:rPr dirty="0"/>
+              <a:t> </a:t>
+            </a:r>
+            <a:r>
+              <a:rPr dirty="0" err="1"/>
+              <a:t>praksisser</a:t>
+            </a:r>
+            <a:r>
+              <a:rPr dirty="0"/>
+              <a:t> </a:t>
+            </a:r>
+            <a:r>
+              <a:rPr dirty="0" err="1"/>
+              <a:t>resulterer</a:t>
+            </a:r>
+            <a:r>
+              <a:rPr dirty="0"/>
+              <a:t> </a:t>
+            </a:r>
+            <a:r>
+              <a:rPr dirty="0" err="1"/>
+              <a:t>i</a:t>
+            </a:r>
+            <a:r>
+              <a:rPr dirty="0"/>
+              <a:t> </a:t>
+            </a:r>
+            <a:r>
+              <a:rPr dirty="0" err="1"/>
+              <a:t>flere</a:t>
+            </a:r>
+            <a:r>
+              <a:rPr dirty="0"/>
+              <a:t> </a:t>
+            </a:r>
+            <a:r>
+              <a:rPr dirty="0" err="1"/>
+              <a:t>fordele</a:t>
+            </a:r>
+            <a:r>
+              <a:rPr dirty="0"/>
+              <a:t>.</a:t>
+            </a:r>
+          </a:p>
+          <a:p>
+            <a:r>
+              <a:rPr dirty="0" err="1"/>
+              <a:t>Reducerer</a:t>
+            </a:r>
+            <a:r>
+              <a:rPr dirty="0"/>
+              <a:t> CO2-udledninger.</a:t>
+            </a:r>
+          </a:p>
+          <a:p>
+            <a:r>
+              <a:rPr dirty="0"/>
+              <a:t> Spar </a:t>
+            </a:r>
+            <a:r>
+              <a:rPr dirty="0" err="1"/>
+              <a:t>energi</a:t>
+            </a:r>
+            <a:r>
+              <a:rPr dirty="0"/>
+              <a:t> </a:t>
+            </a:r>
+            <a:r>
+              <a:rPr dirty="0" err="1"/>
+              <a:t>og</a:t>
+            </a:r>
+            <a:r>
+              <a:rPr dirty="0"/>
+              <a:t> </a:t>
+            </a:r>
+            <a:r>
+              <a:rPr dirty="0" err="1"/>
+              <a:t>ressourcer</a:t>
+            </a:r>
+            <a:r>
+              <a:rPr dirty="0"/>
+              <a:t>.</a:t>
+            </a:r>
+          </a:p>
+          <a:p>
+            <a:r>
+              <a:rPr dirty="0"/>
+              <a:t> </a:t>
+            </a:r>
+            <a:r>
+              <a:rPr dirty="0" err="1"/>
+              <a:t>Forbedrer</a:t>
+            </a:r>
+            <a:r>
+              <a:rPr dirty="0"/>
+              <a:t> </a:t>
+            </a:r>
+            <a:r>
+              <a:rPr dirty="0" err="1"/>
+              <a:t>hjemmesidens</a:t>
+            </a:r>
+            <a:r>
+              <a:rPr dirty="0"/>
+              <a:t> </a:t>
+            </a:r>
+            <a:r>
+              <a:rPr dirty="0" err="1"/>
+              <a:t>ydeevne</a:t>
+            </a:r>
+            <a:r>
+              <a:rPr dirty="0"/>
+              <a:t>.</a:t>
+            </a:r>
+          </a:p>
+          <a:p>
+            <a:r>
+              <a:rPr dirty="0" err="1"/>
+              <a:t>Forbedrer</a:t>
+            </a:r>
+            <a:r>
+              <a:rPr dirty="0"/>
+              <a:t> </a:t>
+            </a:r>
+            <a:r>
+              <a:rPr dirty="0" err="1"/>
+              <a:t>brugeroplevelsen</a:t>
+            </a:r>
+            <a:r>
+              <a:rPr dirty="0"/>
+              <a:t>.</a:t>
+            </a:r>
+          </a:p>
+          <a:p>
+            <a:r>
+              <a:rPr dirty="0"/>
+              <a:t> </a:t>
+            </a:r>
+            <a:r>
+              <a:rPr dirty="0" err="1"/>
+              <a:t>Øger</a:t>
+            </a:r>
+            <a:r>
+              <a:rPr dirty="0"/>
+              <a:t> </a:t>
+            </a:r>
+            <a:r>
+              <a:rPr dirty="0" err="1"/>
+              <a:t>forbrugernes</a:t>
+            </a:r>
+            <a:r>
+              <a:rPr dirty="0"/>
+              <a:t> </a:t>
+            </a:r>
+            <a:r>
+              <a:rPr dirty="0" err="1"/>
+              <a:t>tillid</a:t>
+            </a:r>
+            <a:r>
+              <a:rPr dirty="0"/>
+              <a:t>.</a:t>
+            </a:r>
+          </a:p>
+        </p:txBody>
+      </p:sp>
+    </p:spTree>
+  </p:cSld>
+  <p:clrMapOvr>
+    <a:masterClrMapping/>
+  </p:clrMapOvr>
+</p:sld>
+</file>
+
+<file path=ppt/slides/slide26.xml><?xml version="1.0" encoding="utf-8"?>
+<p:sld xmlns:a="http://schemas.openxmlformats.org/drawingml/2006/main" xmlns:r="http://schemas.openxmlformats.org/officeDocument/2006/relationships" xmlns:p="http://schemas.openxmlformats.org/presentationml/2006/main">
+  <p:cSld>
+    <p:spTree>
+      <p:nvGrpSpPr>
+        <p:cNvPr id="1" name=""/>
+        <p:cNvGrpSpPr/>
+        <p:nvPr/>
+      </p:nvGrpSpPr>
+      <p:grpSpPr>
+        <a:xfrm>
+          <a:off x="0" y="0"/>
+          <a:ext cx="0" cy="0"/>
+          <a:chOff x="0" y="0"/>
+          <a:chExt cx="0" cy="0"/>
+        </a:xfrm>
+      </p:grpSpPr>
+      <p:sp>
+        <p:nvSpPr>
+          <p:cNvPr id="2" name="Title 1"/>
+          <p:cNvSpPr>
+            <a:spLocks noGrp="1"/>
+          </p:cNvSpPr>
+          <p:nvPr>
+            <p:ph type="title"/>
+          </p:nvPr>
+        </p:nvSpPr>
+        <p:spPr/>
+        <p:txBody>
+          <a:bodyPr>
+            <a:normAutofit fontScale="90000"/>
+          </a:bodyPr>
+          <a:lstStyle/>
+          <a:p>
+            <a:r>
+              <a:rPr dirty="0" err="1">
+                <a:latin typeface="Raleway" pitchFamily="2" charset="77"/>
+              </a:rPr>
+              <a:t>Værktøjer</a:t>
+            </a:r>
+            <a:r>
+              <a:rPr dirty="0">
+                <a:latin typeface="Raleway" pitchFamily="2" charset="77"/>
+              </a:rPr>
+              <a:t> </a:t>
+            </a:r>
+            <a:r>
+              <a:rPr dirty="0" err="1">
+                <a:latin typeface="Raleway" pitchFamily="2" charset="77"/>
+              </a:rPr>
+              <a:t>til</a:t>
+            </a:r>
+            <a:r>
+              <a:rPr dirty="0">
+                <a:latin typeface="Raleway" pitchFamily="2" charset="77"/>
+              </a:rPr>
+              <a:t> </a:t>
+            </a:r>
+            <a:r>
+              <a:rPr dirty="0" err="1">
+                <a:latin typeface="Raleway" pitchFamily="2" charset="77"/>
+              </a:rPr>
+              <a:t>måling</a:t>
+            </a:r>
+            <a:r>
+              <a:rPr dirty="0">
+                <a:latin typeface="Raleway" pitchFamily="2" charset="77"/>
+              </a:rPr>
+              <a:t> </a:t>
+            </a:r>
+            <a:r>
+              <a:rPr dirty="0" err="1">
+                <a:latin typeface="Raleway" pitchFamily="2" charset="77"/>
+              </a:rPr>
+              <a:t>og</a:t>
+            </a:r>
+            <a:r>
+              <a:rPr dirty="0">
+                <a:latin typeface="Raleway" pitchFamily="2" charset="77"/>
+              </a:rPr>
+              <a:t> </a:t>
+            </a:r>
+            <a:r>
+              <a:rPr dirty="0" err="1">
+                <a:latin typeface="Raleway" pitchFamily="2" charset="77"/>
+              </a:rPr>
+              <a:t>forbedring</a:t>
+            </a:r>
+            <a:r>
+              <a:rPr dirty="0">
+                <a:latin typeface="Raleway" pitchFamily="2" charset="77"/>
+              </a:rPr>
+              <a:t> </a:t>
+            </a:r>
+            <a:r>
+              <a:rPr dirty="0" err="1">
+                <a:latin typeface="Raleway" pitchFamily="2" charset="77"/>
+              </a:rPr>
+              <a:t>af</a:t>
+            </a:r>
+            <a:r>
+              <a:rPr dirty="0">
+                <a:latin typeface="Raleway" pitchFamily="2" charset="77"/>
+              </a:rPr>
+              <a:t> </a:t>
+            </a:r>
+            <a:r>
+              <a:rPr dirty="0" err="1">
+                <a:latin typeface="Raleway" pitchFamily="2" charset="77"/>
+              </a:rPr>
+              <a:t>bæredygtighed</a:t>
+            </a:r>
+            <a:endParaRPr dirty="0">
+              <a:latin typeface="Raleway" pitchFamily="2" charset="77"/>
+            </a:endParaRPr>
+          </a:p>
+        </p:txBody>
+      </p:sp>
+      <p:sp>
+        <p:nvSpPr>
+          <p:cNvPr id="3" name="Content Placeholder 2"/>
+          <p:cNvSpPr>
+            <a:spLocks noGrp="1"/>
+          </p:cNvSpPr>
+          <p:nvPr>
+            <p:ph idx="1"/>
+          </p:nvPr>
+        </p:nvSpPr>
+        <p:spPr/>
+        <p:txBody>
+          <a:bodyPr/>
+          <a:lstStyle/>
+          <a:p>
+            <a:r>
+              <a:rPr dirty="0"/>
+              <a:t>• </a:t>
+            </a:r>
+            <a:r>
+              <a:rPr dirty="0" err="1"/>
+              <a:t>Værktøjer</a:t>
+            </a:r>
+            <a:r>
+              <a:rPr dirty="0"/>
+              <a:t> er </a:t>
+            </a:r>
+            <a:r>
+              <a:rPr dirty="0" err="1"/>
+              <a:t>tilgængelige</a:t>
+            </a:r>
+            <a:r>
+              <a:rPr dirty="0"/>
+              <a:t> </a:t>
+            </a:r>
+            <a:r>
+              <a:rPr dirty="0" err="1"/>
+              <a:t>til</a:t>
+            </a:r>
+            <a:r>
+              <a:rPr dirty="0"/>
+              <a:t> at </a:t>
+            </a:r>
+            <a:r>
+              <a:rPr dirty="0" err="1"/>
+              <a:t>måle</a:t>
+            </a:r>
+            <a:r>
+              <a:rPr dirty="0"/>
+              <a:t> </a:t>
+            </a:r>
+            <a:r>
+              <a:rPr dirty="0" err="1"/>
+              <a:t>og</a:t>
+            </a:r>
+            <a:r>
+              <a:rPr dirty="0"/>
+              <a:t> </a:t>
+            </a:r>
+            <a:r>
+              <a:rPr dirty="0" err="1"/>
+              <a:t>forbedre</a:t>
+            </a:r>
+            <a:r>
+              <a:rPr dirty="0"/>
+              <a:t> </a:t>
+            </a:r>
+            <a:r>
+              <a:rPr dirty="0" err="1"/>
+              <a:t>en</a:t>
+            </a:r>
+            <a:r>
+              <a:rPr dirty="0"/>
+              <a:t> </a:t>
+            </a:r>
+            <a:r>
+              <a:rPr dirty="0" err="1"/>
+              <a:t>hjemmesides</a:t>
+            </a:r>
+            <a:r>
+              <a:rPr dirty="0"/>
+              <a:t> </a:t>
+            </a:r>
+            <a:r>
+              <a:rPr dirty="0" err="1"/>
+              <a:t>bæredygtighed</a:t>
+            </a:r>
+            <a:r>
+              <a:rPr dirty="0"/>
+              <a:t>.</a:t>
+            </a:r>
+          </a:p>
+          <a:p>
+            <a:r>
+              <a:rPr dirty="0"/>
+              <a:t>• Website Carbon Calculator </a:t>
+            </a:r>
+            <a:r>
+              <a:rPr dirty="0" err="1"/>
+              <a:t>estimerer</a:t>
+            </a:r>
+            <a:r>
+              <a:rPr dirty="0"/>
+              <a:t> </a:t>
+            </a:r>
+            <a:r>
+              <a:rPr dirty="0" err="1"/>
+              <a:t>en</a:t>
+            </a:r>
+            <a:r>
+              <a:rPr dirty="0"/>
+              <a:t> </a:t>
+            </a:r>
+            <a:r>
+              <a:rPr dirty="0" err="1"/>
+              <a:t>hjemmesides</a:t>
+            </a:r>
+            <a:r>
+              <a:rPr dirty="0"/>
+              <a:t> </a:t>
+            </a:r>
+            <a:r>
+              <a:rPr dirty="0" err="1"/>
+              <a:t>udledninger</a:t>
+            </a:r>
+            <a:r>
+              <a:rPr dirty="0"/>
+              <a:t>.</a:t>
+            </a:r>
+          </a:p>
+          <a:p>
+            <a:r>
+              <a:rPr lang="en-GB" dirty="0">
+                <a:hlinkClick r:id="rId2"/>
+              </a:rPr>
+              <a:t>https://www.websitecarbon.com/</a:t>
+            </a:r>
+            <a:endParaRPr lang="en-GB" dirty="0"/>
+          </a:p>
+          <a:p>
+            <a:endParaRPr dirty="0"/>
+          </a:p>
+        </p:txBody>
+      </p:sp>
+    </p:spTree>
+    <p:extLst>
+      <p:ext uri="{BB962C8B-B14F-4D97-AF65-F5344CB8AC3E}">
+        <p14:creationId xmlns:p14="http://schemas.microsoft.com/office/powerpoint/2010/main" val="2437386640"/>
+      </p:ext>
+    </p:extLst>
+  </p:cSld>
+  <p:clrMapOvr>
+    <a:masterClrMapping/>
+  </p:clrMapOvr>
+</p:sld>
+</file>
+
+<file path=ppt/slides/slide27.xml><?xml version="1.0" encoding="utf-8"?>
+<p:sld xmlns:a="http://schemas.openxmlformats.org/drawingml/2006/main" xmlns:r="http://schemas.openxmlformats.org/officeDocument/2006/relationships" xmlns:p="http://schemas.openxmlformats.org/presentationml/2006/main">
+  <p:cSld>
+    <p:bg>
+      <p:bgPr>
+        <a:solidFill>
+          <a:schemeClr val="bg1"/>
+        </a:solidFill>
+        <a:effectLst/>
+      </p:bgPr>
+    </p:bg>
+    <p:spTree>
+      <p:nvGrpSpPr>
+        <p:cNvPr id="1" name=""/>
+        <p:cNvGrpSpPr/>
+        <p:nvPr/>
+      </p:nvGrpSpPr>
+      <p:grpSpPr>
+        <a:xfrm>
+          <a:off x="0" y="0"/>
+          <a:ext cx="0" cy="0"/>
+          <a:chOff x="0" y="0"/>
+          <a:chExt cx="0" cy="0"/>
+        </a:xfrm>
+      </p:grpSpPr>
+      <p:sp useBgFill="1">
+        <p:nvSpPr>
+          <p:cNvPr id="1033" name="Rectangle 1032">
+            <a:extLst>
+              <a:ext uri="{FF2B5EF4-FFF2-40B4-BE49-F238E27FC236}">
+                <a16:creationId xmlns:a16="http://schemas.microsoft.com/office/drawing/2014/main" id="{2B97F24A-32CE-4C1C-A50D-3016B394DCFB}"/>
+              </a:ext>
+              <a:ext uri="{C183D7F6-B498-43B3-948B-1728B52AA6E4}">
+                <adec:decorative xmlns:adec="http://schemas.microsoft.com/office/drawing/2017/decorative" val="1"/>
+              </a:ext>
+            </a:extLst>
+          </p:cNvPr>
+          <p:cNvSpPr>
+            <a:spLocks noGrp="1" noRot="1" noChangeAspect="1" noMove="1" noResize="1" noEditPoints="1" noAdjustHandles="1" noChangeArrowheads="1" noChangeShapeType="1" noTextEdit="1"/>
+          </p:cNvSpPr>
+          <p:nvPr>
+            <p:extLst>
+              <p:ext uri="{386F3935-93C4-4BCD-93E2-E3B085C9AB24}">
+                <p16:designElem xmlns:p16="http://schemas.microsoft.com/office/powerpoint/2015/main" val="1"/>
+              </p:ext>
+            </p:extLst>
+          </p:nvPr>
+        </p:nvSpPr>
+        <p:spPr>
+          <a:xfrm>
+            <a:off x="0" y="0"/>
+            <a:ext cx="12192000" cy="6858000"/>
+          </a:xfrm>
+          <a:prstGeom prst="rect">
+            <a:avLst/>
+          </a:prstGeom>
+          <a:ln>
+            <a:noFill/>
+          </a:ln>
+        </p:spPr>
+        <p:style>
+          <a:lnRef idx="2">
+            <a:schemeClr val="accent1">
+              <a:shade val="50000"/>
+            </a:schemeClr>
+          </a:lnRef>
+          <a:fillRef idx="1">
+            <a:schemeClr val="accent1"/>
+          </a:fillRef>
+          <a:effectRef idx="0">
+            <a:schemeClr val="accent1"/>
+          </a:effectRef>
+          <a:fontRef idx="minor">
+            <a:schemeClr val="lt1"/>
+          </a:fontRef>
+        </p:style>
+        <p:txBody>
+          <a:bodyPr rtlCol="0" anchor="ctr"/>
+          <a:lstStyle/>
+          <a:p>
+            <a:pPr algn="ctr"/>
+            <a:endParaRPr lang="en-US"/>
+          </a:p>
+        </p:txBody>
+      </p:sp>
+      <p:sp>
+        <p:nvSpPr>
+          <p:cNvPr id="2" name="Title 1">
+            <a:extLst>
+              <a:ext uri="{FF2B5EF4-FFF2-40B4-BE49-F238E27FC236}">
+                <a16:creationId xmlns:a16="http://schemas.microsoft.com/office/drawing/2014/main" id="{407EED75-FDA9-7621-864C-E14ACB96C427}"/>
+              </a:ext>
+            </a:extLst>
+          </p:cNvPr>
+          <p:cNvSpPr>
+            <a:spLocks noGrp="1"/>
+          </p:cNvSpPr>
+          <p:nvPr>
+            <p:ph type="title"/>
+          </p:nvPr>
+        </p:nvSpPr>
+        <p:spPr>
+          <a:xfrm>
+            <a:off x="556325" y="1568434"/>
+            <a:ext cx="3429000" cy="1719072"/>
+          </a:xfrm>
+        </p:spPr>
+        <p:txBody>
+          <a:bodyPr anchor="b">
+            <a:normAutofit fontScale="90000"/>
+          </a:bodyPr>
+          <a:lstStyle/>
+          <a:p>
+            <a:r>
+              <a:rPr lang="en-GB" sz="5400" i="0" dirty="0">
+                <a:effectLst/>
+                <a:latin typeface="Raleway" pitchFamily="2" charset="77"/>
+              </a:rPr>
+              <a:t>Not just about CO2</a:t>
+            </a:r>
+            <a:br>
+              <a:rPr lang="en-GB" sz="5400" i="0" dirty="0">
+                <a:effectLst/>
+                <a:latin typeface="Raleway" pitchFamily="2" charset="77"/>
+              </a:rPr>
+            </a:br>
+            <a:endParaRPr lang="en-DK" sz="5400" dirty="0">
+              <a:latin typeface="Raleway" pitchFamily="2" charset="77"/>
+            </a:endParaRPr>
+          </a:p>
+        </p:txBody>
+      </p:sp>
+      <p:sp>
+        <p:nvSpPr>
+          <p:cNvPr id="1035" name="sketch line">
+            <a:extLst>
+              <a:ext uri="{FF2B5EF4-FFF2-40B4-BE49-F238E27FC236}">
+                <a16:creationId xmlns:a16="http://schemas.microsoft.com/office/drawing/2014/main" id="{CD8B4F24-440B-49E9-B85D-733523DC064B}"/>
+              </a:ext>
+              <a:ext uri="{C183D7F6-B498-43B3-948B-1728B52AA6E4}">
+                <adec:decorative xmlns:adec="http://schemas.microsoft.com/office/drawing/2017/decorative" val="1"/>
+              </a:ext>
+            </a:extLst>
+          </p:cNvPr>
+          <p:cNvSpPr>
+            <a:spLocks noGrp="1" noRot="1" noChangeAspect="1" noMove="1" noResize="1" noEditPoints="1" noAdjustHandles="1" noChangeArrowheads="1" noChangeShapeType="1" noTextEdit="1"/>
+          </p:cNvSpPr>
+          <p:nvPr>
+            <p:extLst>
+              <p:ext uri="{386F3935-93C4-4BCD-93E2-E3B085C9AB24}">
+                <p16:designElem xmlns:p16="http://schemas.microsoft.com/office/powerpoint/2015/main" val="1"/>
+              </p:ext>
+            </p:extLst>
+          </p:nvPr>
+        </p:nvSpPr>
+        <p:spPr>
+          <a:xfrm>
+            <a:off x="643278" y="2573756"/>
+            <a:ext cx="3255095" cy="18288"/>
+          </a:xfrm>
+          <a:custGeom>
+            <a:avLst/>
+            <a:gdLst>
+              <a:gd name="connsiteX0" fmla="*/ 0 w 3255095"/>
+              <a:gd name="connsiteY0" fmla="*/ 0 h 18288"/>
+              <a:gd name="connsiteX1" fmla="*/ 618468 w 3255095"/>
+              <a:gd name="connsiteY1" fmla="*/ 0 h 18288"/>
+              <a:gd name="connsiteX2" fmla="*/ 1269487 w 3255095"/>
+              <a:gd name="connsiteY2" fmla="*/ 0 h 18288"/>
+              <a:gd name="connsiteX3" fmla="*/ 1953057 w 3255095"/>
+              <a:gd name="connsiteY3" fmla="*/ 0 h 18288"/>
+              <a:gd name="connsiteX4" fmla="*/ 2636627 w 3255095"/>
+              <a:gd name="connsiteY4" fmla="*/ 0 h 18288"/>
+              <a:gd name="connsiteX5" fmla="*/ 3255095 w 3255095"/>
+              <a:gd name="connsiteY5" fmla="*/ 0 h 18288"/>
+              <a:gd name="connsiteX6" fmla="*/ 3255095 w 3255095"/>
+              <a:gd name="connsiteY6" fmla="*/ 18288 h 18288"/>
+              <a:gd name="connsiteX7" fmla="*/ 2538974 w 3255095"/>
+              <a:gd name="connsiteY7" fmla="*/ 18288 h 18288"/>
+              <a:gd name="connsiteX8" fmla="*/ 1822853 w 3255095"/>
+              <a:gd name="connsiteY8" fmla="*/ 18288 h 18288"/>
+              <a:gd name="connsiteX9" fmla="*/ 1171834 w 3255095"/>
+              <a:gd name="connsiteY9" fmla="*/ 18288 h 18288"/>
+              <a:gd name="connsiteX10" fmla="*/ 0 w 3255095"/>
+              <a:gd name="connsiteY10" fmla="*/ 18288 h 18288"/>
+              <a:gd name="connsiteX11" fmla="*/ 0 w 3255095"/>
+              <a:gd name="connsiteY11" fmla="*/ 0 h 18288"/>
+            </a:gdLst>
+            <a:ahLst/>
+            <a:cxnLst>
+              <a:cxn ang="0">
+                <a:pos x="connsiteX0" y="connsiteY0"/>
+              </a:cxn>
+              <a:cxn ang="0">
+                <a:pos x="connsiteX1" y="connsiteY1"/>
+              </a:cxn>
+              <a:cxn ang="0">
+                <a:pos x="connsiteX2" y="connsiteY2"/>
+              </a:cxn>
+              <a:cxn ang="0">
+                <a:pos x="connsiteX3" y="connsiteY3"/>
+              </a:cxn>
+              <a:cxn ang="0">
+                <a:pos x="connsiteX4" y="connsiteY4"/>
+              </a:cxn>
+              <a:cxn ang="0">
+                <a:pos x="connsiteX5" y="connsiteY5"/>
+              </a:cxn>
+              <a:cxn ang="0">
+                <a:pos x="connsiteX6" y="connsiteY6"/>
+              </a:cxn>
+              <a:cxn ang="0">
+                <a:pos x="connsiteX7" y="connsiteY7"/>
+              </a:cxn>
+              <a:cxn ang="0">
+                <a:pos x="connsiteX8" y="connsiteY8"/>
+              </a:cxn>
+              <a:cxn ang="0">
+                <a:pos x="connsiteX9" y="connsiteY9"/>
+              </a:cxn>
+              <a:cxn ang="0">
+                <a:pos x="connsiteX10" y="connsiteY10"/>
+              </a:cxn>
+              <a:cxn ang="0">
+                <a:pos x="connsiteX11" y="connsiteY11"/>
+              </a:cxn>
+            </a:cxnLst>
+            <a:rect l="l" t="t" r="r" b="b"/>
+            <a:pathLst>
+              <a:path w="3255095" h="18288" fill="none" extrusionOk="0">
+                <a:moveTo>
+                  <a:pt x="0" y="0"/>
+                </a:moveTo>
+                <a:cubicBezTo>
+                  <a:pt x="240201" y="-22123"/>
+                  <a:pt x="462021" y="-19623"/>
+                  <a:pt x="618468" y="0"/>
+                </a:cubicBezTo>
+                <a:cubicBezTo>
+                  <a:pt x="774915" y="19623"/>
+                  <a:pt x="974734" y="2035"/>
+                  <a:pt x="1269487" y="0"/>
+                </a:cubicBezTo>
+                <a:cubicBezTo>
+                  <a:pt x="1564240" y="-2035"/>
+                  <a:pt x="1733579" y="10639"/>
+                  <a:pt x="1953057" y="0"/>
+                </a:cubicBezTo>
+                <a:cubicBezTo>
+                  <a:pt x="2172535" y="-10639"/>
+                  <a:pt x="2453962" y="14018"/>
+                  <a:pt x="2636627" y="0"/>
+                </a:cubicBezTo>
+                <a:cubicBezTo>
+                  <a:pt x="2819292" y="-14018"/>
+                  <a:pt x="3121375" y="5399"/>
+                  <a:pt x="3255095" y="0"/>
+                </a:cubicBezTo>
+                <a:cubicBezTo>
+                  <a:pt x="3254386" y="8157"/>
+                  <a:pt x="3254682" y="12125"/>
+                  <a:pt x="3255095" y="18288"/>
+                </a:cubicBezTo>
+                <a:cubicBezTo>
+                  <a:pt x="3088545" y="23203"/>
+                  <a:pt x="2687475" y="7419"/>
+                  <a:pt x="2538974" y="18288"/>
+                </a:cubicBezTo>
+                <a:cubicBezTo>
+                  <a:pt x="2390473" y="29157"/>
+                  <a:pt x="2137381" y="-8959"/>
+                  <a:pt x="1822853" y="18288"/>
+                </a:cubicBezTo>
+                <a:cubicBezTo>
+                  <a:pt x="1508325" y="45535"/>
+                  <a:pt x="1466437" y="20385"/>
+                  <a:pt x="1171834" y="18288"/>
+                </a:cubicBezTo>
+                <a:cubicBezTo>
+                  <a:pt x="877231" y="16191"/>
+                  <a:pt x="561097" y="37643"/>
+                  <a:pt x="0" y="18288"/>
+                </a:cubicBezTo>
+                <a:cubicBezTo>
+                  <a:pt x="-46" y="12483"/>
+                  <a:pt x="-203" y="6491"/>
+                  <a:pt x="0" y="0"/>
+                </a:cubicBezTo>
+                <a:close/>
+              </a:path>
+              <a:path w="3255095" h="18288" stroke="0" extrusionOk="0">
+                <a:moveTo>
+                  <a:pt x="0" y="0"/>
+                </a:moveTo>
+                <a:cubicBezTo>
+                  <a:pt x="291965" y="19429"/>
+                  <a:pt x="363155" y="8568"/>
+                  <a:pt x="618468" y="0"/>
+                </a:cubicBezTo>
+                <a:cubicBezTo>
+                  <a:pt x="873781" y="-8568"/>
+                  <a:pt x="904459" y="-19505"/>
+                  <a:pt x="1171834" y="0"/>
+                </a:cubicBezTo>
+                <a:cubicBezTo>
+                  <a:pt x="1439209" y="19505"/>
+                  <a:pt x="1744369" y="9790"/>
+                  <a:pt x="1887955" y="0"/>
+                </a:cubicBezTo>
+                <a:cubicBezTo>
+                  <a:pt x="2031541" y="-9790"/>
+                  <a:pt x="2346378" y="21240"/>
+                  <a:pt x="2506423" y="0"/>
+                </a:cubicBezTo>
+                <a:cubicBezTo>
+                  <a:pt x="2666468" y="-21240"/>
+                  <a:pt x="2990257" y="30414"/>
+                  <a:pt x="3255095" y="0"/>
+                </a:cubicBezTo>
+                <a:cubicBezTo>
+                  <a:pt x="3254831" y="4493"/>
+                  <a:pt x="3255479" y="9472"/>
+                  <a:pt x="3255095" y="18288"/>
+                </a:cubicBezTo>
+                <a:cubicBezTo>
+                  <a:pt x="3120743" y="16690"/>
+                  <a:pt x="2759628" y="42462"/>
+                  <a:pt x="2604076" y="18288"/>
+                </a:cubicBezTo>
+                <a:cubicBezTo>
+                  <a:pt x="2448524" y="-5886"/>
+                  <a:pt x="2184336" y="19599"/>
+                  <a:pt x="1887955" y="18288"/>
+                </a:cubicBezTo>
+                <a:cubicBezTo>
+                  <a:pt x="1591574" y="16977"/>
+                  <a:pt x="1548845" y="6870"/>
+                  <a:pt x="1334589" y="18288"/>
+                </a:cubicBezTo>
+                <a:cubicBezTo>
+                  <a:pt x="1120333" y="29706"/>
+                  <a:pt x="996014" y="9662"/>
+                  <a:pt x="683570" y="18288"/>
+                </a:cubicBezTo>
+                <a:cubicBezTo>
+                  <a:pt x="371126" y="26914"/>
+                  <a:pt x="198687" y="16167"/>
+                  <a:pt x="0" y="18288"/>
+                </a:cubicBezTo>
+                <a:cubicBezTo>
+                  <a:pt x="843" y="9577"/>
+                  <a:pt x="371" y="6900"/>
+                  <a:pt x="0" y="0"/>
+                </a:cubicBezTo>
+                <a:close/>
+              </a:path>
+            </a:pathLst>
+          </a:custGeom>
+          <a:solidFill>
+            <a:schemeClr val="accent2"/>
+          </a:solidFill>
+          <a:ln w="38100" cap="rnd">
+            <a:solidFill>
+              <a:schemeClr val="accent2"/>
+            </a:solidFill>
+            <a:round/>
+            <a:extLst>
+              <a:ext uri="{C807C97D-BFC1-408E-A445-0C87EB9F89A2}">
+                <ask:lineSketchStyleProps xmlns:ask="http://schemas.microsoft.com/office/drawing/2018/sketchyshapes" sd="1219033472">
+                  <a:prstGeom prst="rect">
+                    <a:avLst/>
+                  </a:prstGeom>
+                  <ask:type>
+                    <ask:lineSketchFreehand/>
+                  </ask:type>
+                </ask:lineSketchStyleProps>
+              </a:ext>
+            </a:extLst>
+          </a:ln>
+        </p:spPr>
+        <p:style>
+          <a:lnRef idx="2">
+            <a:schemeClr val="accent1">
+              <a:shade val="50000"/>
+            </a:schemeClr>
+          </a:lnRef>
+          <a:fillRef idx="1">
+            <a:schemeClr val="accent1"/>
+          </a:fillRef>
+          <a:effectRef idx="0">
+            <a:schemeClr val="accent1"/>
+          </a:effectRef>
+          <a:fontRef idx="minor">
+            <a:schemeClr val="lt1"/>
+          </a:fontRef>
+        </p:style>
+        <p:txBody>
+          <a:bodyPr rtlCol="0" anchor="ctr"/>
+          <a:lstStyle/>
+          <a:p>
+            <a:pPr algn="ctr"/>
+            <a:endParaRPr lang="en-US"/>
+          </a:p>
+        </p:txBody>
+      </p:sp>
+      <p:sp>
+        <p:nvSpPr>
+          <p:cNvPr id="3" name="Content Placeholder 2">
+            <a:extLst>
+              <a:ext uri="{FF2B5EF4-FFF2-40B4-BE49-F238E27FC236}">
+                <a16:creationId xmlns:a16="http://schemas.microsoft.com/office/drawing/2014/main" id="{B4B4D228-B684-D150-AE36-4539878C27FE}"/>
+              </a:ext>
+            </a:extLst>
+          </p:cNvPr>
+          <p:cNvSpPr>
+            <a:spLocks noGrp="1"/>
+          </p:cNvSpPr>
+          <p:nvPr>
+            <p:ph idx="1"/>
+          </p:nvPr>
+        </p:nvSpPr>
+        <p:spPr>
+          <a:xfrm>
+            <a:off x="630936" y="2807208"/>
+            <a:ext cx="3429000" cy="3410712"/>
+          </a:xfrm>
+        </p:spPr>
+        <p:txBody>
+          <a:bodyPr anchor="t">
+            <a:normAutofit/>
+          </a:bodyPr>
+          <a:lstStyle/>
+          <a:p>
+            <a:pPr marL="0" indent="0">
+              <a:buNone/>
+            </a:pPr>
+            <a:br>
+              <a:rPr lang="en-GB" sz="2200" dirty="0"/>
+            </a:br>
+            <a:endParaRPr lang="en-DK" sz="2200" dirty="0"/>
+          </a:p>
+        </p:txBody>
+      </p:sp>
+      <p:pic>
+        <p:nvPicPr>
+          <p:cNvPr id="1028" name="Picture 4" descr="About Us - Afogreen Build">
+            <a:extLst>
+              <a:ext uri="{FF2B5EF4-FFF2-40B4-BE49-F238E27FC236}">
+                <a16:creationId xmlns:a16="http://schemas.microsoft.com/office/drawing/2014/main" id="{8EABFA46-5BF5-1A2F-6338-D2567A2C9DCD}"/>
+              </a:ext>
+            </a:extLst>
+          </p:cNvPr>
+          <p:cNvPicPr>
+            <a:picLocks noChangeAspect="1" noChangeArrowheads="1"/>
+          </p:cNvPicPr>
+          <p:nvPr/>
+        </p:nvPicPr>
+        <p:blipFill>
+          <a:blip r:embed="rId2">
+            <a:extLst>
+              <a:ext uri="{28A0092B-C50C-407E-A947-70E740481C1C}">
+                <a14:useLocalDpi xmlns:a14="http://schemas.microsoft.com/office/drawing/2010/main" val="0"/>
+              </a:ext>
+            </a:extLst>
+          </a:blip>
+          <a:stretch>
+            <a:fillRect/>
+          </a:stretch>
+        </p:blipFill>
+        <p:spPr bwMode="auto">
+          <a:xfrm>
+            <a:off x="5317236" y="640080"/>
+            <a:ext cx="5577840" cy="5577840"/>
+          </a:xfrm>
+          <a:prstGeom prst="rect">
+            <a:avLst/>
+          </a:prstGeom>
+          <a:noFill/>
+          <a:extLst>
+            <a:ext uri="{909E8E84-426E-40DD-AFC4-6F175D3DCCD1}">
+              <a14:hiddenFill xmlns:a14="http://schemas.microsoft.com/office/drawing/2010/main">
+                <a:solidFill>
+                  <a:srgbClr val="FFFFFF"/>
+                </a:solidFill>
+              </a14:hiddenFill>
+            </a:ext>
+          </a:extLst>
+        </p:spPr>
+      </p:pic>
+    </p:spTree>
+    <p:extLst>
+      <p:ext uri="{BB962C8B-B14F-4D97-AF65-F5344CB8AC3E}">
+        <p14:creationId xmlns:p14="http://schemas.microsoft.com/office/powerpoint/2010/main" val="4289276904"/>
+      </p:ext>
+    </p:extLst>
+  </p:cSld>
+  <p:clrMapOvr>
+    <a:masterClrMapping/>
+  </p:clrMapOvr>
+</p:sld>
+</file>
+
+<file path=ppt/slides/slide28.xml><?xml version="1.0" encoding="utf-8"?>
+<p:sld xmlns:a="http://schemas.openxmlformats.org/drawingml/2006/main" xmlns:r="http://schemas.openxmlformats.org/officeDocument/2006/relationships" xmlns:p="http://schemas.openxmlformats.org/presentationml/2006/main">
+  <p:cSld>
+    <p:spTree>
+      <p:nvGrpSpPr>
+        <p:cNvPr id="1" name=""/>
+        <p:cNvGrpSpPr/>
+        <p:nvPr/>
+      </p:nvGrpSpPr>
+      <p:grpSpPr>
+        <a:xfrm>
+          <a:off x="0" y="0"/>
+          <a:ext cx="0" cy="0"/>
+          <a:chOff x="0" y="0"/>
+          <a:chExt cx="0" cy="0"/>
+        </a:xfrm>
+      </p:grpSpPr>
+      <p:sp>
+        <p:nvSpPr>
           <p:cNvPr id="2" name="Title 1">
             <a:extLst>
               <a:ext uri="{FF2B5EF4-FFF2-40B4-BE49-F238E27FC236}">
@@ -7798,7 +9899,9 @@
           <a:lstStyle/>
           <a:p>
             <a:r>
-              <a:rPr lang="en-DK" dirty="0"/>
+              <a:rPr lang="en-DK" dirty="0">
+                <a:latin typeface="Raleway" pitchFamily="2" charset="77"/>
+              </a:rPr>
               <a:t>kilder</a:t>
             </a:r>
           </a:p>
@@ -7823,7 +9926,7 @@
         <p:spPr/>
         <p:txBody>
           <a:bodyPr>
-            <a:normAutofit fontScale="92500" lnSpcReduction="20000"/>
+            <a:normAutofit fontScale="85000" lnSpcReduction="10000"/>
           </a:bodyPr>
           <a:lstStyle/>
           <a:p>
@@ -7916,7 +10019,7 @@
               <a:rPr lang="en-GB" dirty="0">
                 <a:effectLst/>
               </a:rPr>
-              <a:t>WAI Policy. (n.d.). Web accessibility laws &amp; policies. Retrieved from https://www.w3.org/WAI/policies/25</a:t>
+              <a:t>WAI Policy. (n.d.). Web accessibility laws &amp; policies. Retrieved from</a:t>
             </a:r>
           </a:p>
           <a:p>
@@ -7924,23 +10027,56 @@
               <a:buNone/>
             </a:pPr>
             <a:r>
-              <a:rPr lang="en-GB" dirty="0">
-                <a:effectLst/>
-              </a:rPr>
-              <a:t>Wholegrain Digital. (n.d.). </a:t>
-            </a:r>
-            <a:r>
-              <a:rPr lang="en-GB" i="1" dirty="0">
-                <a:effectLst/>
-              </a:rPr>
-              <a:t>London’s WordPress Agency | Wholegrain Digital</a:t>
-            </a:r>
-            <a:r>
-              <a:rPr lang="en-GB" dirty="0">
-                <a:effectLst/>
-              </a:rPr>
-              <a:t>.</a:t>
-            </a:r>
+              <a:rPr lang="en-GB" dirty="0"/>
+              <a:t>Green Software Foundation. . Green Software Foundation. Retrieved February 3, 2025, from http://</a:t>
+            </a:r>
+            <a:r>
+              <a:rPr lang="en-GB" dirty="0" err="1"/>
+              <a:t>greensoftware.foundation</a:t>
+            </a:r>
+            <a:r>
+              <a:rPr lang="en-GB" dirty="0"/>
+              <a:t>/</a:t>
+            </a:r>
+          </a:p>
+          <a:p>
+            <a:pPr marL="0" indent="0">
+              <a:buNone/>
+            </a:pPr>
+            <a:r>
+              <a:rPr lang="en-GB" dirty="0"/>
+              <a:t>The Green Web Foundation. The Green Web Foundation. Retrieved February 3, 2025, from https://</a:t>
+            </a:r>
+            <a:r>
+              <a:rPr lang="en-GB" dirty="0" err="1"/>
+              <a:t>www.thegreenwebfoundation.org</a:t>
+            </a:r>
+            <a:r>
+              <a:rPr lang="en-GB" dirty="0"/>
+              <a:t>/</a:t>
+            </a:r>
+          </a:p>
+          <a:p>
+            <a:pPr marL="0" indent="0">
+              <a:buNone/>
+            </a:pPr>
+            <a:endParaRPr lang="en-GB" dirty="0">
+              <a:effectLst/>
+            </a:endParaRPr>
+          </a:p>
+          <a:p>
+            <a:pPr marL="0" indent="0">
+              <a:buNone/>
+            </a:pPr>
+            <a:endParaRPr lang="en-GB" dirty="0"/>
+          </a:p>
+          <a:p>
+            <a:pPr marL="0" indent="0">
+              <a:buNone/>
+            </a:pPr>
+            <a:endParaRPr lang="en-GB" dirty="0">
+              <a:effectLst/>
+            </a:endParaRPr>
           </a:p>
           <a:p>
             <a:endParaRPr lang="en-DK" dirty="0"/>
@@ -8008,8 +10144,46 @@
           <a:lstStyle/>
           <a:p>
             <a:r>
-              <a:rPr lang="en-GB" sz="3200"/>
-              <a:t>Den voksende appetit på data</a:t>
+              <a:rPr lang="en-GB" sz="3200" dirty="0">
+                <a:latin typeface="Raleway" pitchFamily="2" charset="77"/>
+              </a:rPr>
+              <a:t>Den </a:t>
+            </a:r>
+            <a:r>
+              <a:rPr lang="en-GB" sz="3200" dirty="0" err="1">
+                <a:latin typeface="Raleway" pitchFamily="2" charset="77"/>
+              </a:rPr>
+              <a:t>voksende</a:t>
+            </a:r>
+            <a:r>
+              <a:rPr lang="en-GB" sz="3200" dirty="0">
+                <a:latin typeface="Raleway" pitchFamily="2" charset="77"/>
+              </a:rPr>
+              <a:t> </a:t>
+            </a:r>
+            <a:r>
+              <a:rPr lang="en-GB" sz="3200" dirty="0" err="1">
+                <a:latin typeface="Raleway" pitchFamily="2" charset="77"/>
+              </a:rPr>
+              <a:t>appetit</a:t>
+            </a:r>
+            <a:r>
+              <a:rPr lang="en-GB" sz="3200" dirty="0">
+                <a:latin typeface="Raleway" pitchFamily="2" charset="77"/>
+              </a:rPr>
+              <a:t> </a:t>
+            </a:r>
+            <a:r>
+              <a:rPr lang="en-GB" sz="3200" dirty="0" err="1">
+                <a:latin typeface="Raleway" pitchFamily="2" charset="77"/>
+              </a:rPr>
+              <a:t>på</a:t>
+            </a:r>
+            <a:r>
+              <a:rPr lang="en-GB" sz="3200" dirty="0">
+                <a:latin typeface="Raleway" pitchFamily="2" charset="77"/>
+              </a:rPr>
+              <a:t> data</a:t>
             </a:r>
           </a:p>
         </p:txBody>
@@ -8047,15 +10221,13 @@
             </a:r>
           </a:p>
           <a:p>
-            <a:pPr>
+            <a:pPr marL="0" indent="0">
               <a:lnSpc>
                 <a:spcPct val="90000"/>
               </a:lnSpc>
+              <a:buNone/>
             </a:pPr>
-            <a:r>
-              <a:rPr lang="en-GB" sz="2000" dirty="0"/>
-              <a:t> </a:t>
-            </a:r>
+            <a:endParaRPr lang="en-GB" sz="2000" dirty="0"/>
           </a:p>
           <a:p>
             <a:pPr>
@@ -8342,8 +10514,26 @@
           <a:lstStyle/>
           <a:p>
             <a:r>
-              <a:t>Skjulte miljøomkostninger</a:t>
-            </a:r>
+              <a:rPr dirty="0" err="1">
+                <a:latin typeface="Raleway" pitchFamily="2" charset="77"/>
+              </a:rPr>
+              <a:t>Skjulte</a:t>
+            </a:r>
+            <a:r>
+              <a:rPr dirty="0">
+                <a:latin typeface="Raleway" pitchFamily="2" charset="77"/>
+              </a:rPr>
+              <a:t> </a:t>
+            </a:r>
+            <a:r>
+              <a:rPr dirty="0" err="1">
+                <a:latin typeface="Raleway" pitchFamily="2" charset="77"/>
+              </a:rPr>
+              <a:t>miljøomkostninger</a:t>
+            </a:r>
+            <a:endParaRPr dirty="0">
+              <a:latin typeface="Raleway" pitchFamily="2" charset="77"/>
+            </a:endParaRPr>
           </a:p>
         </p:txBody>
       </p:sp>
@@ -8361,15 +10551,6 @@
         <p:txBody>
           <a:bodyPr/>
           <a:lstStyle/>
-          <a:p>
-            <a:endParaRPr dirty="0"/>
-          </a:p>
-          <a:p>
-            <a:r>
-              <a:rPr dirty="0"/>
-              <a:t>The environmental impact of the internet goes beyond just carbon emissions.</a:t>
-            </a:r>
-          </a:p>
           <a:p>
             <a:r>
               <a:rPr dirty="0"/>
@@ -8520,8 +10701,44 @@
           <a:lstStyle/>
           <a:p>
             <a:r>
-              <a:t>Definition af bæredygtigt webdesign</a:t>
-            </a:r>
+              <a:rPr dirty="0">
+                <a:latin typeface="Raleway" pitchFamily="2" charset="77"/>
+              </a:rPr>
+              <a:t>Definition </a:t>
+            </a:r>
+            <a:r>
+              <a:rPr dirty="0" err="1">
+                <a:latin typeface="Raleway" pitchFamily="2" charset="77"/>
+              </a:rPr>
+              <a:t>af</a:t>
+            </a:r>
+            <a:r>
+              <a:rPr dirty="0">
+                <a:latin typeface="Raleway" pitchFamily="2" charset="77"/>
+              </a:rPr>
+              <a:t> </a:t>
+            </a:r>
+            <a:r>
+              <a:rPr dirty="0" err="1">
+                <a:latin typeface="Raleway" pitchFamily="2" charset="77"/>
+              </a:rPr>
+              <a:t>bæredygtigt</a:t>
+            </a:r>
+            <a:r>
+              <a:rPr dirty="0">
+                <a:latin typeface="Raleway" pitchFamily="2" charset="77"/>
+              </a:rPr>
+              <a:t> </a:t>
+            </a:r>
+            <a:r>
+              <a:rPr dirty="0" err="1">
+                <a:latin typeface="Raleway" pitchFamily="2" charset="77"/>
+              </a:rPr>
+              <a:t>webdesign</a:t>
+            </a:r>
+            <a:endParaRPr dirty="0">
+              <a:latin typeface="Raleway" pitchFamily="2" charset="77"/>
+            </a:endParaRPr>
           </a:p>
         </p:txBody>
       </p:sp>
@@ -8673,10 +10890,10 @@
             </a:r>
           </a:p>
           <a:p>
-            <a:r>
-              <a:rPr dirty="0"/>
-              <a:t>It is a public declaration to create a sustainable internet.</a:t>
-            </a:r>
+            <a:pPr marL="0" indent="0">
+              <a:buNone/>
+            </a:pPr>
+            <a:endParaRPr dirty="0"/>
           </a:p>
           <a:p>
             <a:r>
@@ -8765,7 +10982,28 @@
           <a:lstStyle/>
           <a:p>
             <a:r>
-              <a:t>Where to Focus for Sustainability</a:t>
+              <a:rPr lang="en-GB" dirty="0" err="1">
+                <a:latin typeface="Raleway" pitchFamily="2" charset="77"/>
+              </a:rPr>
+              <a:t>Bæredygtig</a:t>
+            </a:r>
+            <a:r>
+              <a:rPr lang="en-GB" dirty="0">
+                <a:latin typeface="Raleway" pitchFamily="2" charset="77"/>
+              </a:rPr>
+              <a:t> </a:t>
+            </a:r>
+            <a:r>
+              <a:rPr lang="en-GB" dirty="0" err="1">
+                <a:latin typeface="Raleway" pitchFamily="2" charset="77"/>
+              </a:rPr>
+              <a:t>Webdesignpraksis</a:t>
+            </a:r>
+            <a:r>
+              <a:rPr lang="en-GB" dirty="0">
+                <a:latin typeface="Raleway" pitchFamily="2" charset="77"/>
+              </a:rPr>
+              <a:t> I</a:t>
             </a:r>
           </a:p>
         </p:txBody>
@@ -8785,37 +11023,285 @@
           <a:bodyPr/>
           <a:lstStyle/>
           <a:p>
+            <a:pPr marL="0" indent="0">
+              <a:buNone/>
+            </a:pPr>
+            <a:r>
+              <a:rPr lang="da-DK" dirty="0"/>
+              <a:t> </a:t>
+            </a:r>
+            <a:r>
+              <a:rPr lang="en-GB" b="1" dirty="0" err="1"/>
+              <a:t>Optimering</a:t>
+            </a:r>
+            <a:r>
+              <a:rPr lang="en-GB" b="1" dirty="0"/>
+              <a:t> </a:t>
+            </a:r>
+            <a:r>
+              <a:rPr lang="en-GB" b="1" dirty="0" err="1"/>
+              <a:t>af</a:t>
+            </a:r>
+            <a:r>
+              <a:rPr lang="en-GB" b="1" dirty="0"/>
+              <a:t> </a:t>
+            </a:r>
+            <a:r>
+              <a:rPr lang="en-GB" b="1" dirty="0" err="1"/>
+              <a:t>Billedformater</a:t>
+            </a:r>
+            <a:r>
+              <a:rPr lang="en-GB" b="1" dirty="0"/>
+              <a:t> for </a:t>
+            </a:r>
+            <a:r>
+              <a:rPr lang="en-GB" b="1" dirty="0" err="1"/>
+              <a:t>Hurtigere</a:t>
+            </a:r>
+            <a:r>
+              <a:rPr lang="en-GB" b="1" dirty="0"/>
+              <a:t> </a:t>
+            </a:r>
+            <a:r>
+              <a:rPr lang="en-GB" b="1" dirty="0" err="1"/>
+              <a:t>Indlæsning</a:t>
+            </a:r>
+            <a:endParaRPr lang="en-GB" dirty="0"/>
+          </a:p>
+          <a:p>
+            <a:r>
+              <a:rPr lang="en-GB" dirty="0"/>
+              <a:t>• </a:t>
+            </a:r>
+            <a:r>
+              <a:rPr lang="en-GB" dirty="0" err="1"/>
+              <a:t>Reducerede</a:t>
+            </a:r>
+            <a:r>
+              <a:rPr lang="en-GB" dirty="0"/>
+              <a:t> </a:t>
+            </a:r>
+            <a:r>
+              <a:rPr lang="en-GB" dirty="0" err="1"/>
+              <a:t>indlæsningstider</a:t>
+            </a:r>
+            <a:r>
+              <a:rPr lang="en-GB" dirty="0"/>
+              <a:t> </a:t>
+            </a:r>
+            <a:r>
+              <a:rPr lang="en-GB" dirty="0" err="1"/>
+              <a:t>ved</a:t>
+            </a:r>
+            <a:r>
+              <a:rPr lang="en-GB" dirty="0"/>
+              <a:t> at </a:t>
+            </a:r>
+            <a:r>
+              <a:rPr lang="en-GB" dirty="0" err="1"/>
+              <a:t>konvertere</a:t>
+            </a:r>
+            <a:r>
+              <a:rPr lang="en-GB" dirty="0"/>
+              <a:t> store </a:t>
+            </a:r>
+            <a:r>
+              <a:rPr lang="en-GB" dirty="0" err="1"/>
+              <a:t>billedfiler</a:t>
+            </a:r>
+            <a:r>
+              <a:rPr lang="en-GB" dirty="0"/>
+              <a:t> </a:t>
+            </a:r>
+            <a:r>
+              <a:rPr lang="en-GB" dirty="0" err="1"/>
+              <a:t>til</a:t>
+            </a:r>
+            <a:r>
+              <a:rPr lang="en-GB" dirty="0"/>
+              <a:t> mere </a:t>
+            </a:r>
+            <a:r>
+              <a:rPr lang="en-GB" dirty="0" err="1"/>
+              <a:t>effektive</a:t>
+            </a:r>
+            <a:r>
+              <a:rPr lang="en-GB" dirty="0"/>
+              <a:t> </a:t>
+            </a:r>
+            <a:r>
+              <a:rPr lang="en-GB" dirty="0" err="1"/>
+              <a:t>formater</a:t>
+            </a:r>
+            <a:r>
+              <a:rPr lang="en-GB" dirty="0"/>
+              <a:t> (</a:t>
+            </a:r>
+            <a:r>
+              <a:rPr lang="en-GB" dirty="0" err="1"/>
+              <a:t>f.eks</a:t>
+            </a:r>
+            <a:r>
+              <a:rPr lang="en-GB" dirty="0"/>
+              <a:t>. </a:t>
+            </a:r>
+            <a:r>
+              <a:rPr lang="en-GB" dirty="0" err="1"/>
+              <a:t>WebP</a:t>
+            </a:r>
+            <a:r>
+              <a:rPr lang="en-GB" dirty="0"/>
+              <a:t>).</a:t>
+            </a:r>
+          </a:p>
+          <a:p>
+            <a:r>
+              <a:rPr lang="en-GB" dirty="0"/>
+              <a:t>• </a:t>
+            </a:r>
+            <a:r>
+              <a:rPr lang="en-GB" dirty="0" err="1"/>
+              <a:t>Implementerede</a:t>
+            </a:r>
+            <a:r>
+              <a:rPr lang="en-GB" dirty="0"/>
+              <a:t> responsive </a:t>
+            </a:r>
+            <a:r>
+              <a:rPr lang="en-GB" dirty="0" err="1"/>
+              <a:t>billeder</a:t>
+            </a:r>
+            <a:r>
+              <a:rPr lang="en-GB" dirty="0"/>
+              <a:t> for at </a:t>
+            </a:r>
+            <a:r>
+              <a:rPr lang="en-GB" dirty="0" err="1"/>
+              <a:t>vise</a:t>
+            </a:r>
+            <a:r>
+              <a:rPr lang="en-GB" dirty="0"/>
+              <a:t> </a:t>
+            </a:r>
+            <a:r>
+              <a:rPr lang="en-GB" dirty="0" err="1"/>
+              <a:t>passende</a:t>
+            </a:r>
+            <a:r>
+              <a:rPr lang="en-GB" dirty="0"/>
+              <a:t> </a:t>
+            </a:r>
+            <a:r>
+              <a:rPr lang="en-GB" dirty="0" err="1"/>
+              <a:t>størrelser</a:t>
+            </a:r>
+            <a:r>
+              <a:rPr lang="en-GB" dirty="0"/>
+              <a:t> </a:t>
+            </a:r>
+            <a:r>
+              <a:rPr lang="en-GB" dirty="0" err="1"/>
+              <a:t>afhængigt</a:t>
+            </a:r>
+            <a:r>
+              <a:rPr lang="en-GB" dirty="0"/>
+              <a:t> </a:t>
+            </a:r>
+            <a:r>
+              <a:rPr lang="en-GB" dirty="0" err="1"/>
+              <a:t>af</a:t>
+            </a:r>
+            <a:r>
+              <a:rPr lang="en-GB" dirty="0"/>
+              <a:t> </a:t>
+            </a:r>
+            <a:r>
+              <a:rPr lang="en-GB" dirty="0" err="1"/>
+              <a:t>skærmopløsning</a:t>
+            </a:r>
+            <a:r>
+              <a:rPr lang="en-GB" dirty="0"/>
+              <a:t>.</a:t>
+            </a:r>
+          </a:p>
+          <a:p>
+            <a:r>
+              <a:rPr lang="en-GB" dirty="0"/>
+              <a:t>• </a:t>
+            </a:r>
+            <a:r>
+              <a:rPr lang="en-GB" dirty="0" err="1"/>
+              <a:t>Resultat</a:t>
+            </a:r>
+            <a:r>
+              <a:rPr lang="en-GB" dirty="0"/>
+              <a:t>: </a:t>
+            </a:r>
+            <a:r>
+              <a:rPr lang="en-GB" dirty="0" err="1"/>
+              <a:t>Mindre</a:t>
+            </a:r>
+            <a:r>
+              <a:rPr lang="en-GB" dirty="0"/>
+              <a:t> </a:t>
+            </a:r>
+            <a:r>
+              <a:rPr lang="en-GB" dirty="0" err="1"/>
+              <a:t>energi</a:t>
+            </a:r>
+            <a:r>
+              <a:rPr lang="en-GB" dirty="0"/>
+              <a:t> </a:t>
+            </a:r>
+            <a:r>
+              <a:rPr lang="en-GB" dirty="0" err="1"/>
+              <a:t>forbundet</a:t>
+            </a:r>
+            <a:r>
+              <a:rPr lang="en-GB" dirty="0"/>
+              <a:t> med </a:t>
+            </a:r>
+            <a:r>
+              <a:rPr lang="en-GB" dirty="0" err="1"/>
+              <a:t>servere</a:t>
+            </a:r>
+            <a:r>
+              <a:rPr lang="en-GB" dirty="0"/>
+              <a:t> </a:t>
+            </a:r>
+            <a:r>
+              <a:rPr lang="en-GB" dirty="0" err="1"/>
+              <a:t>og</a:t>
+            </a:r>
+            <a:r>
+              <a:rPr lang="en-GB" dirty="0"/>
+              <a:t> </a:t>
+            </a:r>
+            <a:r>
+              <a:rPr lang="en-GB" dirty="0" err="1"/>
+              <a:t>hurtigere</a:t>
+            </a:r>
+            <a:r>
+              <a:rPr lang="en-GB" dirty="0"/>
+              <a:t> </a:t>
+            </a:r>
+            <a:r>
+              <a:rPr lang="en-GB" dirty="0" err="1"/>
+              <a:t>brugeroplevelse</a:t>
+            </a:r>
+            <a:r>
+              <a:rPr lang="en-GB" dirty="0"/>
+              <a:t>.</a:t>
+            </a:r>
+          </a:p>
+          <a:p>
             <a:endParaRPr dirty="0"/>
           </a:p>
           <a:p>
-            <a:r>
-              <a:rPr dirty="0"/>
-              <a:t> Several areas of web design can incorporate sustainable practices:</a:t>
-            </a:r>
-          </a:p>
-          <a:p>
-            <a:r>
-              <a:rPr dirty="0"/>
-              <a:t>    - UX Design</a:t>
-            </a:r>
-          </a:p>
-          <a:p>
-            <a:r>
-              <a:rPr dirty="0"/>
-              <a:t>    - Web Development</a:t>
-            </a:r>
-          </a:p>
-          <a:p>
-            <a:r>
-              <a:rPr dirty="0"/>
-              <a:t>    - Hosting &amp; Infrastructure</a:t>
-            </a:r>
-          </a:p>
-          <a:p>
-            <a:r>
-              <a:rPr dirty="0"/>
-              <a:t>    - Business &amp; Product Strategy</a:t>
-            </a:r>
+            <a:pPr marL="0" indent="0">
+              <a:buNone/>
+            </a:pPr>
+            <a:endParaRPr dirty="0"/>
           </a:p>
           <a:p>
             <a:endParaRPr dirty="0"/>
@@ -8833,14 +11319,6 @@
 <file path=ppt/slides/slide9.xml><?xml version="1.0" encoding="utf-8"?>
 <p:sld xmlns:a="http://schemas.openxmlformats.org/drawingml/2006/main" xmlns:r="http://schemas.openxmlformats.org/officeDocument/2006/relationships" xmlns:p="http://schemas.openxmlformats.org/presentationml/2006/main">
   <p:cSld>
-    <p:bg>
-      <p:bgPr>
-        <a:solidFill>
-          <a:schemeClr val="bg1"/>
-        </a:solidFill>
-        <a:effectLst/>
-      </p:bgPr>
-    </p:bg>
     <p:spTree>
       <p:nvGrpSpPr>
         <p:cNvPr id="1" name=""/>
@@ -8855,349 +11333,308 @@
           <a:chExt cx="0" cy="0"/>
         </a:xfrm>
       </p:grpSpPr>
-      <p:sp useBgFill="1">
-        <p:nvSpPr>
-          <p:cNvPr id="1035" name="Slide Background">
+      <p:sp>
+        <p:nvSpPr>
+          <p:cNvPr id="2" name="Title 1">
             <a:extLst>
               <a:ext uri="{FF2B5EF4-FFF2-40B4-BE49-F238E27FC236}">
-                <a16:creationId xmlns:a16="http://schemas.microsoft.com/office/drawing/2014/main" id="{C0763A76-9F1C-4FC5-82B7-DD475DA461B2}"/>
-              </a:ext>
-              <a:ext uri="{C183D7F6-B498-43B3-948B-1728B52AA6E4}">
-                <adec:decorative xmlns:adec="http://schemas.microsoft.com/office/drawing/2017/decorative" val="1"/>
+                <a16:creationId xmlns:a16="http://schemas.microsoft.com/office/drawing/2014/main" id="{F489F907-19BC-4E04-82B6-956B611BCEC9}"/>
               </a:ext>
             </a:extLst>
           </p:cNvPr>
           <p:cNvSpPr>
-            <a:spLocks noGrp="1" noRot="1" noChangeAspect="1" noMove="1" noResize="1" noEditPoints="1" noAdjustHandles="1" noChangeArrowheads="1" noChangeShapeType="1" noTextEdit="1"/>
-          </p:cNvSpPr>
-          <p:nvPr>
-            <p:extLst>
-              <p:ext uri="{386F3935-93C4-4BCD-93E2-E3B085C9AB24}">
-                <p16:designElem xmlns:p16="http://schemas.microsoft.com/office/powerpoint/2015/main" val="1"/>
-              </p:ext>
-            </p:extLst>
-          </p:nvPr>
-        </p:nvSpPr>
-        <p:spPr bwMode="white">
-          <a:xfrm>
-            <a:off x="-1" y="0"/>
-            <a:ext cx="12191999" cy="6858000"/>
-          </a:xfrm>
-          <a:prstGeom prst="rect">
-            <a:avLst/>
-          </a:prstGeom>
-          <a:ln>
-            <a:noFill/>
-          </a:ln>
-        </p:spPr>
-        <p:style>
-          <a:lnRef idx="2">
-            <a:schemeClr val="accent1">
-              <a:shade val="50000"/>
-            </a:schemeClr>
-          </a:lnRef>
-          <a:fillRef idx="1">
-            <a:schemeClr val="accent1"/>
-          </a:fillRef>
-          <a:effectRef idx="0">
-            <a:schemeClr val="accent1"/>
-          </a:effectRef>
-          <a:fontRef idx="minor">
-            <a:schemeClr val="lt1"/>
-          </a:fontRef>
-        </p:style>
-        <p:txBody>
-          <a:bodyPr rtlCol="0" anchor="ctr"/>
-          <a:lstStyle>
-            <a:defPPr>
-              <a:defRPr lang="en-US"/>
-            </a:defPPr>
-            <a:lvl1pPr marL="0" algn="l" defTabSz="914400" rtl="0" eaLnBrk="1" latinLnBrk="0" hangingPunct="1">
-              <a:defRPr sz="1800" kern="1200">
-                <a:solidFill>
-                  <a:schemeClr val="lt1"/>
-                </a:solidFill>
-                <a:latin typeface="+mn-lt"/>
-                <a:ea typeface="+mn-ea"/>
-                <a:cs typeface="+mn-cs"/>
-              </a:defRPr>
-            </a:lvl1pPr>
-            <a:lvl2pPr marL="457200" algn="l" defTabSz="914400" rtl="0" eaLnBrk="1" latinLnBrk="0" hangingPunct="1">
-              <a:defRPr sz="1800" kern="1200">
-                <a:solidFill>
-                  <a:schemeClr val="lt1"/>
-                </a:solidFill>
-                <a:latin typeface="+mn-lt"/>
-                <a:ea typeface="+mn-ea"/>
-                <a:cs typeface="+mn-cs"/>
-              </a:defRPr>
-            </a:lvl2pPr>
-            <a:lvl3pPr marL="914400" algn="l" defTabSz="914400" rtl="0" eaLnBrk="1" latinLnBrk="0" hangingPunct="1">
-              <a:defRPr sz="1800" kern="1200">
-                <a:solidFill>
-                  <a:schemeClr val="lt1"/>
-                </a:solidFill>
-                <a:latin typeface="+mn-lt"/>
-                <a:ea typeface="+mn-ea"/>
-                <a:cs typeface="+mn-cs"/>
-              </a:defRPr>
-            </a:lvl3pPr>
-            <a:lvl4pPr marL="1371600" algn="l" defTabSz="914400" rtl="0" eaLnBrk="1" latinLnBrk="0" hangingPunct="1">
-              <a:defRPr sz="1800" kern="1200">
-                <a:solidFill>
-                  <a:schemeClr val="lt1"/>
-                </a:solidFill>
-                <a:latin typeface="+mn-lt"/>
-                <a:ea typeface="+mn-ea"/>
-                <a:cs typeface="+mn-cs"/>
-              </a:defRPr>
-            </a:lvl4pPr>
-            <a:lvl5pPr marL="1828800" algn="l" defTabSz="914400" rtl="0" eaLnBrk="1" latinLnBrk="0" hangingPunct="1">
-              <a:defRPr sz="1800" kern="1200">
-                <a:solidFill>
-                  <a:schemeClr val="lt1"/>
-                </a:solidFill>
-                <a:latin typeface="+mn-lt"/>
-                <a:ea typeface="+mn-ea"/>
-                <a:cs typeface="+mn-cs"/>
-              </a:defRPr>
-            </a:lvl5pPr>
-            <a:lvl6pPr marL="2286000" algn="l" defTabSz="914400" rtl="0" eaLnBrk="1" latinLnBrk="0" hangingPunct="1">
-              <a:defRPr sz="1800" kern="1200">
-                <a:solidFill>
-                  <a:schemeClr val="lt1"/>
-                </a:solidFill>
-                <a:latin typeface="+mn-lt"/>
-                <a:ea typeface="+mn-ea"/>
-                <a:cs typeface="+mn-cs"/>
-              </a:defRPr>
-            </a:lvl6pPr>
-            <a:lvl7pPr marL="2743200" algn="l" defTabSz="914400" rtl="0" eaLnBrk="1" latinLnBrk="0" hangingPunct="1">
-              <a:defRPr sz="1800" kern="1200">
-                <a:solidFill>
-                  <a:schemeClr val="lt1"/>
-                </a:solidFill>
-                <a:latin typeface="+mn-lt"/>
-                <a:ea typeface="+mn-ea"/>
-                <a:cs typeface="+mn-cs"/>
-              </a:defRPr>
-            </a:lvl7pPr>
-            <a:lvl8pPr marL="3200400" algn="l" defTabSz="914400" rtl="0" eaLnBrk="1" latinLnBrk="0" hangingPunct="1">
-              <a:defRPr sz="1800" kern="1200">
-                <a:solidFill>
-                  <a:schemeClr val="lt1"/>
-                </a:solidFill>
-                <a:latin typeface="+mn-lt"/>
-                <a:ea typeface="+mn-ea"/>
-                <a:cs typeface="+mn-cs"/>
-              </a:defRPr>
-            </a:lvl8pPr>
-            <a:lvl9pPr marL="3657600" algn="l" defTabSz="914400" rtl="0" eaLnBrk="1" latinLnBrk="0" hangingPunct="1">
-              <a:defRPr sz="1800" kern="1200">
-                <a:solidFill>
-                  <a:schemeClr val="lt1"/>
-                </a:solidFill>
-                <a:latin typeface="+mn-lt"/>
-                <a:ea typeface="+mn-ea"/>
-                <a:cs typeface="+mn-cs"/>
-              </a:defRPr>
-            </a:lvl9pPr>
-          </a:lstStyle>
-          <a:p>
-            <a:pPr algn="ctr"/>
-            <a:endParaRPr lang="en-US"/>
-          </a:p>
-        </p:txBody>
-      </p:sp>
-      <p:sp useBgFill="1">
-        <p:nvSpPr>
-          <p:cNvPr id="1036" name="Rectangle 1035">
+            <a:spLocks noGrp="1"/>
+          </p:cNvSpPr>
+          <p:nvPr>
+            <p:ph type="title"/>
+          </p:nvPr>
+        </p:nvSpPr>
+        <p:spPr/>
+        <p:txBody>
+          <a:bodyPr/>
+          <a:lstStyle/>
+          <a:p>
+            <a:r>
+              <a:rPr lang="en-GB" dirty="0" err="1">
+                <a:latin typeface="Raleway" pitchFamily="2" charset="77"/>
+              </a:rPr>
+              <a:t>Bæredygtig</a:t>
+            </a:r>
+            <a:r>
+              <a:rPr lang="en-GB" dirty="0">
+                <a:latin typeface="Raleway" pitchFamily="2" charset="77"/>
+              </a:rPr>
+              <a:t> </a:t>
+            </a:r>
+            <a:r>
+              <a:rPr lang="en-GB" dirty="0" err="1">
+                <a:latin typeface="Raleway" pitchFamily="2" charset="77"/>
+              </a:rPr>
+              <a:t>Webdesignpraksis</a:t>
+            </a:r>
+            <a:r>
+              <a:rPr lang="en-GB" dirty="0">
+                <a:latin typeface="Raleway" pitchFamily="2" charset="77"/>
+              </a:rPr>
+              <a:t> II</a:t>
+            </a:r>
+            <a:endParaRPr lang="en-DK" dirty="0">
+              <a:latin typeface="Raleway" pitchFamily="2" charset="77"/>
+            </a:endParaRPr>
+          </a:p>
+        </p:txBody>
+      </p:sp>
+      <p:sp>
+        <p:nvSpPr>
+          <p:cNvPr id="3" name="Content Placeholder 2">
             <a:extLst>
               <a:ext uri="{FF2B5EF4-FFF2-40B4-BE49-F238E27FC236}">
-                <a16:creationId xmlns:a16="http://schemas.microsoft.com/office/drawing/2014/main" id="{E81BF4F6-F2CF-4984-9D14-D6966D92F99F}"/>
-              </a:ext>
-              <a:ext uri="{C183D7F6-B498-43B3-948B-1728B52AA6E4}">
-                <adec:decorative xmlns:adec="http://schemas.microsoft.com/office/drawing/2017/decorative" val="1"/>
+                <a16:creationId xmlns:a16="http://schemas.microsoft.com/office/drawing/2014/main" id="{02786E1B-4651-44AC-0627-F1AA19D9206C}"/>
               </a:ext>
             </a:extLst>
           </p:cNvPr>
           <p:cNvSpPr>
-            <a:spLocks noGrp="1" noRot="1" noChangeAspect="1" noMove="1" noResize="1" noEditPoints="1" noAdjustHandles="1" noChangeArrowheads="1" noChangeShapeType="1" noTextEdit="1"/>
-          </p:cNvSpPr>
-          <p:nvPr>
-            <p:extLst>
-              <p:ext uri="{386F3935-93C4-4BCD-93E2-E3B085C9AB24}">
-                <p16:designElem xmlns:p16="http://schemas.microsoft.com/office/powerpoint/2015/main" val="1"/>
-              </p:ext>
-            </p:extLst>
-          </p:nvPr>
-        </p:nvSpPr>
-        <p:spPr>
-          <a:xfrm>
-            <a:off x="1" y="0"/>
-            <a:ext cx="8522446" cy="2285999"/>
-          </a:xfrm>
-          <a:prstGeom prst="rect">
-            <a:avLst/>
-          </a:prstGeom>
-          <a:ln>
-            <a:noFill/>
-          </a:ln>
-          <a:effectLst>
-            <a:outerShdw blurRad="596900" dist="304800" dir="7140000" sx="90000" sy="90000" algn="t" rotWithShape="0">
-              <a:srgbClr val="000000">
-                <a:alpha val="15000"/>
-              </a:srgbClr>
-            </a:outerShdw>
-          </a:effectLst>
-        </p:spPr>
-        <p:style>
-          <a:lnRef idx="2">
-            <a:schemeClr val="accent1">
-              <a:shade val="50000"/>
-            </a:schemeClr>
-          </a:lnRef>
-          <a:fillRef idx="1">
-            <a:schemeClr val="accent1"/>
-          </a:fillRef>
-          <a:effectRef idx="0">
-            <a:schemeClr val="accent1"/>
-          </a:effectRef>
-          <a:fontRef idx="minor">
-            <a:schemeClr val="lt1"/>
-          </a:fontRef>
-        </p:style>
-        <p:txBody>
-          <a:bodyPr rtlCol="0" anchor="ctr"/>
+            <a:spLocks noGrp="1"/>
+          </p:cNvSpPr>
+          <p:nvPr>
+            <p:ph idx="1"/>
+          </p:nvPr>
+        </p:nvSpPr>
+        <p:spPr/>
+        <p:txBody>
+          <a:bodyPr/>
           <a:lstStyle/>
           <a:p>
-            <a:pPr algn="ctr"/>
-            <a:endParaRPr lang="en-US"/>
-          </a:p>
-        </p:txBody>
-      </p:sp>
-      <p:sp>
-        <p:nvSpPr>
-          <p:cNvPr id="2" name="Title 1"/>
-          <p:cNvSpPr>
-            <a:spLocks noGrp="1"/>
-          </p:cNvSpPr>
-          <p:nvPr>
-            <p:ph type="title"/>
-          </p:nvPr>
-        </p:nvSpPr>
-        <p:spPr>
-          <a:xfrm>
-            <a:off x="761803" y="350196"/>
-            <a:ext cx="4646904" cy="1624520"/>
-          </a:xfrm>
-        </p:spPr>
-        <p:txBody>
-          <a:bodyPr anchor="ctr">
-            <a:normAutofit/>
-          </a:bodyPr>
-          <a:lstStyle/>
-          <a:p>
-            <a:r>
-              <a:rPr lang="en-GB" sz="4000"/>
-              <a:t>Web Developers as Agents of Change</a:t>
-            </a:r>
-          </a:p>
-        </p:txBody>
-      </p:sp>
-      <p:sp>
-        <p:nvSpPr>
-          <p:cNvPr id="3" name="Content Placeholder 2"/>
-          <p:cNvSpPr>
-            <a:spLocks noGrp="1"/>
-          </p:cNvSpPr>
-          <p:nvPr>
-            <p:ph idx="1"/>
-          </p:nvPr>
-        </p:nvSpPr>
-        <p:spPr>
-          <a:xfrm>
-            <a:off x="761802" y="2743200"/>
-            <a:ext cx="4646905" cy="3613149"/>
-          </a:xfrm>
-        </p:spPr>
-        <p:txBody>
-          <a:bodyPr anchor="ctr">
-            <a:normAutofit/>
-          </a:bodyPr>
-          <a:lstStyle/>
-          <a:p>
-            <a:endParaRPr lang="en-GB" sz="2000" dirty="0"/>
-          </a:p>
-          <a:p>
-            <a:r>
-              <a:rPr lang="en-GB" sz="2000" dirty="0"/>
-              <a:t> Web developers have a critical role in creating sustainable digital solutions.</a:t>
-            </a:r>
-          </a:p>
-          <a:p>
-            <a:r>
-              <a:rPr lang="en-GB" sz="2000" dirty="0"/>
-              <a:t>They are responsible for the design and maintenance of websites and applications.</a:t>
-            </a:r>
-          </a:p>
-          <a:p>
-            <a:r>
-              <a:rPr lang="en-GB" sz="2000" dirty="0"/>
-              <a:t> Their choices directly affect the internet's carbon footprint.</a:t>
-            </a:r>
-          </a:p>
-          <a:p>
-            <a:endParaRPr lang="en-GB" sz="2000" dirty="0"/>
-          </a:p>
-        </p:txBody>
-      </p:sp>
-      <p:pic>
-        <p:nvPicPr>
-          <p:cNvPr id="1026" name="Picture 2" descr="Full Stack Developer Wallpapers - Wallpaper Cave">
-            <a:extLst>
-              <a:ext uri="{FF2B5EF4-FFF2-40B4-BE49-F238E27FC236}">
-                <a16:creationId xmlns:a16="http://schemas.microsoft.com/office/drawing/2014/main" id="{7FC68463-7E81-F6A4-FDCB-F6BA37F3A505}"/>
-              </a:ext>
-            </a:extLst>
-          </p:cNvPr>
-          <p:cNvPicPr>
-            <a:picLocks noChangeAspect="1" noChangeArrowheads="1"/>
-          </p:cNvPicPr>
-          <p:nvPr/>
-        </p:nvPicPr>
-        <p:blipFill>
-          <a:blip r:embed="rId3">
-            <a:extLst>
-              <a:ext uri="{28A0092B-C50C-407E-A947-70E740481C1C}">
-                <a14:useLocalDpi xmlns:a14="http://schemas.microsoft.com/office/drawing/2010/main" val="0"/>
-              </a:ext>
-            </a:extLst>
-          </a:blip>
-          <a:srcRect l="22980" r="21403"/>
-          <a:stretch/>
-        </p:blipFill>
-        <p:spPr bwMode="auto">
-          <a:xfrm>
-            <a:off x="6096000" y="1"/>
-            <a:ext cx="6102825" cy="6858000"/>
-          </a:xfrm>
-          <a:prstGeom prst="rect">
-            <a:avLst/>
-          </a:prstGeom>
-          <a:noFill/>
-          <a:extLst>
-            <a:ext uri="{909E8E84-426E-40DD-AFC4-6F175D3DCCD1}">
-              <a14:hiddenFill xmlns:a14="http://schemas.microsoft.com/office/drawing/2010/main">
-                <a:solidFill>
-                  <a:srgbClr val="FFFFFF"/>
-                </a:solidFill>
-              </a14:hiddenFill>
-            </a:ext>
-          </a:extLst>
-        </p:spPr>
-      </p:pic>
+            <a:pPr marL="0" indent="0">
+              <a:buNone/>
+            </a:pPr>
+            <a:r>
+              <a:rPr lang="en-GB" b="1" dirty="0" err="1"/>
+              <a:t>Designkomponenter</a:t>
+            </a:r>
+            <a:r>
+              <a:rPr lang="en-GB" b="1" dirty="0"/>
+              <a:t> </a:t>
+            </a:r>
+            <a:r>
+              <a:rPr lang="en-GB" b="1" dirty="0" err="1"/>
+              <a:t>til</a:t>
+            </a:r>
+            <a:r>
+              <a:rPr lang="en-GB" b="1" dirty="0"/>
+              <a:t> </a:t>
+            </a:r>
+            <a:r>
+              <a:rPr lang="en-GB" b="1" dirty="0" err="1"/>
+              <a:t>Genbrug</a:t>
+            </a:r>
+            <a:endParaRPr lang="en-GB" dirty="0"/>
+          </a:p>
+          <a:p>
+            <a:r>
+              <a:rPr lang="en-GB" dirty="0"/>
+              <a:t>• </a:t>
+            </a:r>
+            <a:r>
+              <a:rPr lang="en-GB" dirty="0" err="1"/>
+              <a:t>Oprettet</a:t>
+            </a:r>
+            <a:r>
+              <a:rPr lang="en-GB" dirty="0"/>
+              <a:t> </a:t>
+            </a:r>
+            <a:r>
+              <a:rPr lang="en-GB" dirty="0" err="1"/>
+              <a:t>standardkomponenter</a:t>
+            </a:r>
+            <a:r>
+              <a:rPr lang="en-GB" dirty="0"/>
+              <a:t> </a:t>
+            </a:r>
+            <a:r>
+              <a:rPr lang="en-GB" dirty="0" err="1"/>
+              <a:t>som</a:t>
+            </a:r>
+            <a:r>
+              <a:rPr lang="en-GB" dirty="0"/>
+              <a:t> </a:t>
+            </a:r>
+            <a:r>
+              <a:rPr lang="en-GB" dirty="0" err="1"/>
+              <a:t>knapper</a:t>
+            </a:r>
+            <a:r>
+              <a:rPr lang="en-GB" dirty="0"/>
+              <a:t> </a:t>
+            </a:r>
+            <a:r>
+              <a:rPr lang="en-GB" dirty="0" err="1"/>
+              <a:t>og</a:t>
+            </a:r>
+            <a:r>
+              <a:rPr lang="en-GB" dirty="0"/>
+              <a:t> </a:t>
+            </a:r>
+            <a:r>
+              <a:rPr lang="en-GB" dirty="0" err="1"/>
+              <a:t>navigationsmenuer</a:t>
+            </a:r>
+            <a:r>
+              <a:rPr lang="en-GB" dirty="0"/>
+              <a:t>.</a:t>
+            </a:r>
+          </a:p>
+          <a:p>
+            <a:r>
+              <a:rPr lang="en-GB" dirty="0"/>
+              <a:t>• </a:t>
+            </a:r>
+            <a:r>
+              <a:rPr lang="en-GB" dirty="0" err="1"/>
+              <a:t>Genbrugsdesign</a:t>
+            </a:r>
+            <a:r>
+              <a:rPr lang="en-GB" dirty="0"/>
+              <a:t> </a:t>
+            </a:r>
+            <a:r>
+              <a:rPr lang="en-GB" dirty="0" err="1"/>
+              <a:t>på</a:t>
+            </a:r>
+            <a:r>
+              <a:rPr lang="en-GB" dirty="0"/>
+              <a:t> </a:t>
+            </a:r>
+            <a:r>
+              <a:rPr lang="en-GB" dirty="0" err="1"/>
+              <a:t>tværs</a:t>
+            </a:r>
+            <a:r>
+              <a:rPr lang="en-GB" dirty="0"/>
+              <a:t> </a:t>
+            </a:r>
+            <a:r>
+              <a:rPr lang="en-GB" dirty="0" err="1"/>
+              <a:t>af</a:t>
+            </a:r>
+            <a:r>
+              <a:rPr lang="en-GB" dirty="0"/>
+              <a:t> alle sider for at </a:t>
+            </a:r>
+            <a:r>
+              <a:rPr lang="en-GB" dirty="0" err="1"/>
+              <a:t>minimere</a:t>
+            </a:r>
+            <a:r>
+              <a:rPr lang="en-GB" dirty="0"/>
+              <a:t> </a:t>
+            </a:r>
+            <a:r>
+              <a:rPr lang="en-GB" dirty="0" err="1"/>
+              <a:t>kode</a:t>
+            </a:r>
+            <a:r>
+              <a:rPr lang="en-GB" dirty="0"/>
+              <a:t> </a:t>
+            </a:r>
+            <a:r>
+              <a:rPr lang="en-GB" dirty="0" err="1"/>
+              <a:t>og</a:t>
+            </a:r>
+            <a:r>
+              <a:rPr lang="en-GB" dirty="0"/>
+              <a:t> </a:t>
+            </a:r>
+            <a:r>
+              <a:rPr lang="en-GB" dirty="0" err="1"/>
+              <a:t>optimere</a:t>
+            </a:r>
+            <a:r>
+              <a:rPr lang="en-GB" dirty="0"/>
+              <a:t> </a:t>
+            </a:r>
+            <a:r>
+              <a:rPr lang="en-GB" dirty="0" err="1"/>
+              <a:t>ressourceforbrug</a:t>
+            </a:r>
+            <a:r>
+              <a:rPr lang="en-GB" dirty="0"/>
+              <a:t>.</a:t>
+            </a:r>
+          </a:p>
+          <a:p>
+            <a:r>
+              <a:rPr lang="en-GB" dirty="0"/>
+              <a:t>• </a:t>
+            </a:r>
+            <a:r>
+              <a:rPr lang="en-GB" dirty="0" err="1"/>
+              <a:t>Resultat</a:t>
+            </a:r>
+            <a:r>
+              <a:rPr lang="en-GB" dirty="0"/>
+              <a:t>: </a:t>
+            </a:r>
+            <a:r>
+              <a:rPr lang="en-GB" dirty="0" err="1"/>
+              <a:t>Effektivisering</a:t>
+            </a:r>
+            <a:r>
+              <a:rPr lang="en-GB" dirty="0"/>
+              <a:t> </a:t>
+            </a:r>
+            <a:r>
+              <a:rPr lang="en-GB" dirty="0" err="1"/>
+              <a:t>af</a:t>
+            </a:r>
+            <a:r>
+              <a:rPr lang="en-GB" dirty="0"/>
+              <a:t> </a:t>
+            </a:r>
+            <a:r>
+              <a:rPr lang="en-GB" dirty="0" err="1"/>
+              <a:t>udviklingsprocessen</a:t>
+            </a:r>
+            <a:r>
+              <a:rPr lang="en-GB" dirty="0"/>
+              <a:t> </a:t>
+            </a:r>
+            <a:r>
+              <a:rPr lang="en-GB" dirty="0" err="1"/>
+              <a:t>og</a:t>
+            </a:r>
+            <a:r>
+              <a:rPr lang="en-GB" dirty="0"/>
+              <a:t> </a:t>
+            </a:r>
+            <a:r>
+              <a:rPr lang="en-GB" dirty="0" err="1"/>
+              <a:t>lavere</a:t>
+            </a:r>
+            <a:r>
+              <a:rPr lang="en-GB" dirty="0"/>
+              <a:t> </a:t>
+            </a:r>
+            <a:r>
+              <a:rPr lang="en-GB" dirty="0" err="1"/>
+              <a:t>vedligeholdelsesomkostninger</a:t>
+            </a:r>
+            <a:r>
+              <a:rPr lang="en-GB" dirty="0"/>
+              <a:t>.</a:t>
+            </a:r>
+          </a:p>
+          <a:p>
+            <a:endParaRPr lang="en-DK" dirty="0"/>
+          </a:p>
+        </p:txBody>
+      </p:sp>
     </p:spTree>
+    <p:extLst>
+      <p:ext uri="{BB962C8B-B14F-4D97-AF65-F5344CB8AC3E}">
+        <p14:creationId xmlns:p14="http://schemas.microsoft.com/office/powerpoint/2010/main" val="1267330334"/>
+      </p:ext>
+    </p:extLst>
   </p:cSld>
   <p:clrMapOvr>
     <a:masterClrMapping/>

--- a/semester2 PPT/Sustainable_Web_Presentation_Danish.pptx
+++ b/semester2 PPT/Sustainable_Web_Presentation_Danish.pptx
@@ -5,37 +5,38 @@
     <p:sldMasterId id="2147483648" r:id="rId1"/>
   </p:sldMasterIdLst>
   <p:notesMasterIdLst>
-    <p:notesMasterId r:id="rId30"/>
+    <p:notesMasterId r:id="rId31"/>
   </p:notesMasterIdLst>
   <p:sldIdLst>
     <p:sldId id="256" r:id="rId2"/>
-    <p:sldId id="257" r:id="rId3"/>
-    <p:sldId id="258" r:id="rId4"/>
-    <p:sldId id="259" r:id="rId5"/>
-    <p:sldId id="279" r:id="rId6"/>
-    <p:sldId id="260" r:id="rId7"/>
-    <p:sldId id="261" r:id="rId8"/>
-    <p:sldId id="262" r:id="rId9"/>
-    <p:sldId id="283" r:id="rId10"/>
-    <p:sldId id="263" r:id="rId11"/>
-    <p:sldId id="265" r:id="rId12"/>
-    <p:sldId id="266" r:id="rId13"/>
-    <p:sldId id="267" r:id="rId14"/>
-    <p:sldId id="268" r:id="rId15"/>
-    <p:sldId id="269" r:id="rId16"/>
-    <p:sldId id="270" r:id="rId17"/>
-    <p:sldId id="271" r:id="rId18"/>
-    <p:sldId id="272" r:id="rId19"/>
-    <p:sldId id="281" r:id="rId20"/>
-    <p:sldId id="282" r:id="rId21"/>
-    <p:sldId id="274" r:id="rId22"/>
-    <p:sldId id="284" r:id="rId23"/>
-    <p:sldId id="286" r:id="rId24"/>
-    <p:sldId id="278" r:id="rId25"/>
-    <p:sldId id="275" r:id="rId26"/>
-    <p:sldId id="273" r:id="rId27"/>
-    <p:sldId id="285" r:id="rId28"/>
-    <p:sldId id="264" r:id="rId29"/>
+    <p:sldId id="287" r:id="rId3"/>
+    <p:sldId id="257" r:id="rId4"/>
+    <p:sldId id="258" r:id="rId5"/>
+    <p:sldId id="259" r:id="rId6"/>
+    <p:sldId id="279" r:id="rId7"/>
+    <p:sldId id="260" r:id="rId8"/>
+    <p:sldId id="261" r:id="rId9"/>
+    <p:sldId id="262" r:id="rId10"/>
+    <p:sldId id="283" r:id="rId11"/>
+    <p:sldId id="263" r:id="rId12"/>
+    <p:sldId id="265" r:id="rId13"/>
+    <p:sldId id="266" r:id="rId14"/>
+    <p:sldId id="267" r:id="rId15"/>
+    <p:sldId id="268" r:id="rId16"/>
+    <p:sldId id="269" r:id="rId17"/>
+    <p:sldId id="270" r:id="rId18"/>
+    <p:sldId id="271" r:id="rId19"/>
+    <p:sldId id="272" r:id="rId20"/>
+    <p:sldId id="281" r:id="rId21"/>
+    <p:sldId id="282" r:id="rId22"/>
+    <p:sldId id="274" r:id="rId23"/>
+    <p:sldId id="284" r:id="rId24"/>
+    <p:sldId id="286" r:id="rId25"/>
+    <p:sldId id="278" r:id="rId26"/>
+    <p:sldId id="275" r:id="rId27"/>
+    <p:sldId id="273" r:id="rId28"/>
+    <p:sldId id="285" r:id="rId29"/>
+    <p:sldId id="264" r:id="rId30"/>
   </p:sldIdLst>
   <p:sldSz cx="12192000" cy="6858000"/>
   <p:notesSz cx="6858000" cy="9144000"/>
@@ -4290,6 +4291,332 @@
 <file path=ppt/slides/slide10.xml><?xml version="1.0" encoding="utf-8"?>
 <p:sld xmlns:a="http://schemas.openxmlformats.org/drawingml/2006/main" xmlns:r="http://schemas.openxmlformats.org/officeDocument/2006/relationships" xmlns:p="http://schemas.openxmlformats.org/presentationml/2006/main">
   <p:cSld>
+    <p:spTree>
+      <p:nvGrpSpPr>
+        <p:cNvPr id="1" name=""/>
+        <p:cNvGrpSpPr/>
+        <p:nvPr/>
+      </p:nvGrpSpPr>
+      <p:grpSpPr>
+        <a:xfrm>
+          <a:off x="0" y="0"/>
+          <a:ext cx="0" cy="0"/>
+          <a:chOff x="0" y="0"/>
+          <a:chExt cx="0" cy="0"/>
+        </a:xfrm>
+      </p:grpSpPr>
+      <p:sp>
+        <p:nvSpPr>
+          <p:cNvPr id="2" name="Title 1">
+            <a:extLst>
+              <a:ext uri="{FF2B5EF4-FFF2-40B4-BE49-F238E27FC236}">
+                <a16:creationId xmlns:a16="http://schemas.microsoft.com/office/drawing/2014/main" id="{F489F907-19BC-4E04-82B6-956B611BCEC9}"/>
+              </a:ext>
+            </a:extLst>
+          </p:cNvPr>
+          <p:cNvSpPr>
+            <a:spLocks noGrp="1"/>
+          </p:cNvSpPr>
+          <p:nvPr>
+            <p:ph type="title"/>
+          </p:nvPr>
+        </p:nvSpPr>
+        <p:spPr/>
+        <p:txBody>
+          <a:bodyPr/>
+          <a:lstStyle/>
+          <a:p>
+            <a:r>
+              <a:rPr lang="en-GB" dirty="0" err="1">
+                <a:latin typeface="Raleway" pitchFamily="2" charset="77"/>
+              </a:rPr>
+              <a:t>Bæredygtig</a:t>
+            </a:r>
+            <a:r>
+              <a:rPr lang="en-GB" dirty="0">
+                <a:latin typeface="Raleway" pitchFamily="2" charset="77"/>
+              </a:rPr>
+              <a:t> </a:t>
+            </a:r>
+            <a:r>
+              <a:rPr lang="en-GB" dirty="0" err="1">
+                <a:latin typeface="Raleway" pitchFamily="2" charset="77"/>
+              </a:rPr>
+              <a:t>Webdesignpraksis</a:t>
+            </a:r>
+            <a:r>
+              <a:rPr lang="en-GB" dirty="0">
+                <a:latin typeface="Raleway" pitchFamily="2" charset="77"/>
+              </a:rPr>
+              <a:t> II</a:t>
+            </a:r>
+            <a:endParaRPr lang="en-DK" dirty="0">
+              <a:latin typeface="Raleway" pitchFamily="2" charset="77"/>
+            </a:endParaRPr>
+          </a:p>
+        </p:txBody>
+      </p:sp>
+      <p:sp>
+        <p:nvSpPr>
+          <p:cNvPr id="3" name="Content Placeholder 2">
+            <a:extLst>
+              <a:ext uri="{FF2B5EF4-FFF2-40B4-BE49-F238E27FC236}">
+                <a16:creationId xmlns:a16="http://schemas.microsoft.com/office/drawing/2014/main" id="{02786E1B-4651-44AC-0627-F1AA19D9206C}"/>
+              </a:ext>
+            </a:extLst>
+          </p:cNvPr>
+          <p:cNvSpPr>
+            <a:spLocks noGrp="1"/>
+          </p:cNvSpPr>
+          <p:nvPr>
+            <p:ph idx="1"/>
+          </p:nvPr>
+        </p:nvSpPr>
+        <p:spPr/>
+        <p:txBody>
+          <a:bodyPr/>
+          <a:lstStyle/>
+          <a:p>
+            <a:pPr marL="0" indent="0">
+              <a:buNone/>
+            </a:pPr>
+            <a:r>
+              <a:rPr lang="en-GB" b="1" dirty="0" err="1"/>
+              <a:t>Designkomponenter</a:t>
+            </a:r>
+            <a:r>
+              <a:rPr lang="en-GB" b="1" dirty="0"/>
+              <a:t> </a:t>
+            </a:r>
+            <a:r>
+              <a:rPr lang="en-GB" b="1" dirty="0" err="1"/>
+              <a:t>til</a:t>
+            </a:r>
+            <a:r>
+              <a:rPr lang="en-GB" b="1" dirty="0"/>
+              <a:t> </a:t>
+            </a:r>
+            <a:r>
+              <a:rPr lang="en-GB" b="1" dirty="0" err="1"/>
+              <a:t>Genbrug</a:t>
+            </a:r>
+            <a:endParaRPr lang="en-GB" dirty="0"/>
+          </a:p>
+          <a:p>
+            <a:r>
+              <a:rPr lang="en-GB" dirty="0"/>
+              <a:t>• </a:t>
+            </a:r>
+            <a:r>
+              <a:rPr lang="en-GB" dirty="0" err="1"/>
+              <a:t>Oprettet</a:t>
+            </a:r>
+            <a:r>
+              <a:rPr lang="en-GB" dirty="0"/>
+              <a:t> </a:t>
+            </a:r>
+            <a:r>
+              <a:rPr lang="en-GB" dirty="0" err="1"/>
+              <a:t>standardkomponenter</a:t>
+            </a:r>
+            <a:r>
+              <a:rPr lang="en-GB" dirty="0"/>
+              <a:t> </a:t>
+            </a:r>
+            <a:r>
+              <a:rPr lang="en-GB" dirty="0" err="1"/>
+              <a:t>som</a:t>
+            </a:r>
+            <a:r>
+              <a:rPr lang="en-GB" dirty="0"/>
+              <a:t> </a:t>
+            </a:r>
+            <a:r>
+              <a:rPr lang="en-GB" dirty="0" err="1"/>
+              <a:t>knapper</a:t>
+            </a:r>
+            <a:r>
+              <a:rPr lang="en-GB" dirty="0"/>
+              <a:t> </a:t>
+            </a:r>
+            <a:r>
+              <a:rPr lang="en-GB" dirty="0" err="1"/>
+              <a:t>og</a:t>
+            </a:r>
+            <a:r>
+              <a:rPr lang="en-GB" dirty="0"/>
+              <a:t> </a:t>
+            </a:r>
+            <a:r>
+              <a:rPr lang="en-GB" dirty="0" err="1"/>
+              <a:t>navigationsmenuer</a:t>
+            </a:r>
+            <a:r>
+              <a:rPr lang="en-GB" dirty="0"/>
+              <a:t>.</a:t>
+            </a:r>
+          </a:p>
+          <a:p>
+            <a:r>
+              <a:rPr lang="en-GB" dirty="0"/>
+              <a:t>• </a:t>
+            </a:r>
+            <a:r>
+              <a:rPr lang="en-GB" dirty="0" err="1"/>
+              <a:t>Genbrugsdesign</a:t>
+            </a:r>
+            <a:r>
+              <a:rPr lang="en-GB" dirty="0"/>
+              <a:t> </a:t>
+            </a:r>
+            <a:r>
+              <a:rPr lang="en-GB" dirty="0" err="1"/>
+              <a:t>på</a:t>
+            </a:r>
+            <a:r>
+              <a:rPr lang="en-GB" dirty="0"/>
+              <a:t> </a:t>
+            </a:r>
+            <a:r>
+              <a:rPr lang="en-GB" dirty="0" err="1"/>
+              <a:t>tværs</a:t>
+            </a:r>
+            <a:r>
+              <a:rPr lang="en-GB" dirty="0"/>
+              <a:t> </a:t>
+            </a:r>
+            <a:r>
+              <a:rPr lang="en-GB" dirty="0" err="1"/>
+              <a:t>af</a:t>
+            </a:r>
+            <a:r>
+              <a:rPr lang="en-GB" dirty="0"/>
+              <a:t> alle sider for at </a:t>
+            </a:r>
+            <a:r>
+              <a:rPr lang="en-GB" dirty="0" err="1"/>
+              <a:t>minimere</a:t>
+            </a:r>
+            <a:r>
+              <a:rPr lang="en-GB" dirty="0"/>
+              <a:t> </a:t>
+            </a:r>
+            <a:r>
+              <a:rPr lang="en-GB" dirty="0" err="1"/>
+              <a:t>kode</a:t>
+            </a:r>
+            <a:r>
+              <a:rPr lang="en-GB" dirty="0"/>
+              <a:t> </a:t>
+            </a:r>
+            <a:r>
+              <a:rPr lang="en-GB" dirty="0" err="1"/>
+              <a:t>og</a:t>
+            </a:r>
+            <a:r>
+              <a:rPr lang="en-GB" dirty="0"/>
+              <a:t> </a:t>
+            </a:r>
+            <a:r>
+              <a:rPr lang="en-GB" dirty="0" err="1"/>
+              <a:t>optimere</a:t>
+            </a:r>
+            <a:r>
+              <a:rPr lang="en-GB" dirty="0"/>
+              <a:t> </a:t>
+            </a:r>
+            <a:r>
+              <a:rPr lang="en-GB" dirty="0" err="1"/>
+              <a:t>ressourceforbrug</a:t>
+            </a:r>
+            <a:r>
+              <a:rPr lang="en-GB" dirty="0"/>
+              <a:t>.</a:t>
+            </a:r>
+          </a:p>
+          <a:p>
+            <a:r>
+              <a:rPr lang="en-GB" dirty="0"/>
+              <a:t>• </a:t>
+            </a:r>
+            <a:r>
+              <a:rPr lang="en-GB" dirty="0" err="1"/>
+              <a:t>Resultat</a:t>
+            </a:r>
+            <a:r>
+              <a:rPr lang="en-GB" dirty="0"/>
+              <a:t>: </a:t>
+            </a:r>
+            <a:r>
+              <a:rPr lang="en-GB" dirty="0" err="1"/>
+              <a:t>Effektivisering</a:t>
+            </a:r>
+            <a:r>
+              <a:rPr lang="en-GB" dirty="0"/>
+              <a:t> </a:t>
+            </a:r>
+            <a:r>
+              <a:rPr lang="en-GB" dirty="0" err="1"/>
+              <a:t>af</a:t>
+            </a:r>
+            <a:r>
+              <a:rPr lang="en-GB" dirty="0"/>
+              <a:t> </a:t>
+            </a:r>
+            <a:r>
+              <a:rPr lang="en-GB" dirty="0" err="1"/>
+              <a:t>udviklingsprocessen</a:t>
+            </a:r>
+            <a:r>
+              <a:rPr lang="en-GB" dirty="0"/>
+              <a:t> </a:t>
+            </a:r>
+            <a:r>
+              <a:rPr lang="en-GB" dirty="0" err="1"/>
+              <a:t>og</a:t>
+            </a:r>
+            <a:r>
+              <a:rPr lang="en-GB" dirty="0"/>
+              <a:t> </a:t>
+            </a:r>
+            <a:r>
+              <a:rPr lang="en-GB" dirty="0" err="1"/>
+              <a:t>lavere</a:t>
+            </a:r>
+            <a:r>
+              <a:rPr lang="en-GB" dirty="0"/>
+              <a:t> </a:t>
+            </a:r>
+            <a:r>
+              <a:rPr lang="en-GB" dirty="0" err="1"/>
+              <a:t>vedligeholdelsesomkostninger</a:t>
+            </a:r>
+            <a:r>
+              <a:rPr lang="en-GB" dirty="0"/>
+              <a:t>.</a:t>
+            </a:r>
+          </a:p>
+          <a:p>
+            <a:endParaRPr lang="en-DK" dirty="0"/>
+          </a:p>
+        </p:txBody>
+      </p:sp>
+    </p:spTree>
+    <p:extLst>
+      <p:ext uri="{BB962C8B-B14F-4D97-AF65-F5344CB8AC3E}">
+        <p14:creationId xmlns:p14="http://schemas.microsoft.com/office/powerpoint/2010/main" val="1267330334"/>
+      </p:ext>
+    </p:extLst>
+  </p:cSld>
+  <p:clrMapOvr>
+    <a:masterClrMapping/>
+  </p:clrMapOvr>
+</p:sld>
+</file>
+
+<file path=ppt/slides/slide11.xml><?xml version="1.0" encoding="utf-8"?>
+<p:sld xmlns:a="http://schemas.openxmlformats.org/drawingml/2006/main" xmlns:r="http://schemas.openxmlformats.org/officeDocument/2006/relationships" xmlns:p="http://schemas.openxmlformats.org/presentationml/2006/main">
+  <p:cSld>
     <p:bg>
       <p:bgPr>
         <a:solidFill>
@@ -4664,104 +4991,6 @@
 </p:sld>
 </file>
 
-<file path=ppt/slides/slide11.xml><?xml version="1.0" encoding="utf-8"?>
-<p:sld xmlns:a="http://schemas.openxmlformats.org/drawingml/2006/main" xmlns:r="http://schemas.openxmlformats.org/officeDocument/2006/relationships" xmlns:p="http://schemas.openxmlformats.org/presentationml/2006/main">
-  <p:cSld>
-    <p:spTree>
-      <p:nvGrpSpPr>
-        <p:cNvPr id="1" name=""/>
-        <p:cNvGrpSpPr/>
-        <p:nvPr/>
-      </p:nvGrpSpPr>
-      <p:grpSpPr>
-        <a:xfrm>
-          <a:off x="0" y="0"/>
-          <a:ext cx="0" cy="0"/>
-          <a:chOff x="0" y="0"/>
-          <a:chExt cx="0" cy="0"/>
-        </a:xfrm>
-      </p:grpSpPr>
-      <p:sp>
-        <p:nvSpPr>
-          <p:cNvPr id="5" name="TextBox 4">
-            <a:extLst>
-              <a:ext uri="{FF2B5EF4-FFF2-40B4-BE49-F238E27FC236}">
-                <a16:creationId xmlns:a16="http://schemas.microsoft.com/office/drawing/2014/main" id="{A24E4326-D9B2-4687-D471-C6FB3EB119E9}"/>
-              </a:ext>
-            </a:extLst>
-          </p:cNvPr>
-          <p:cNvSpPr txBox="1"/>
-          <p:nvPr/>
-        </p:nvSpPr>
-        <p:spPr>
-          <a:xfrm>
-            <a:off x="3050628" y="3244334"/>
-            <a:ext cx="6101254" cy="923330"/>
-          </a:xfrm>
-          <a:prstGeom prst="rect">
-            <a:avLst/>
-          </a:prstGeom>
-          <a:noFill/>
-        </p:spPr>
-        <p:txBody>
-          <a:bodyPr wrap="square">
-            <a:spAutoFit/>
-          </a:bodyPr>
-          <a:lstStyle/>
-          <a:p>
-            <a:r>
-              <a:rPr lang="en-GB" sz="5400" b="0" i="0" dirty="0" err="1">
-                <a:solidFill>
-                  <a:srgbClr val="292929"/>
-                </a:solidFill>
-                <a:effectLst/>
-                <a:latin typeface="Raleway" pitchFamily="2" charset="77"/>
-                <a:cs typeface="Calibri" panose="020F0502020204030204" pitchFamily="34" charset="0"/>
-              </a:rPr>
-              <a:t>Bedste</a:t>
-            </a:r>
-            <a:r>
-              <a:rPr lang="en-GB" sz="5400" b="0" i="0" dirty="0">
-                <a:solidFill>
-                  <a:srgbClr val="292929"/>
-                </a:solidFill>
-                <a:effectLst/>
-                <a:latin typeface="Raleway" pitchFamily="2" charset="77"/>
-                <a:cs typeface="Calibri" panose="020F0502020204030204" pitchFamily="34" charset="0"/>
-              </a:rPr>
-              <a:t> </a:t>
-            </a:r>
-            <a:r>
-              <a:rPr lang="en-GB" sz="5400" b="0" i="0" dirty="0" err="1">
-                <a:solidFill>
-                  <a:srgbClr val="292929"/>
-                </a:solidFill>
-                <a:effectLst/>
-                <a:latin typeface="Raleway" pitchFamily="2" charset="77"/>
-                <a:cs typeface="Calibri" panose="020F0502020204030204" pitchFamily="34" charset="0"/>
-              </a:rPr>
-              <a:t>praksis</a:t>
-            </a:r>
-            <a:endParaRPr lang="en-DK" sz="5400" dirty="0">
-              <a:latin typeface="Raleway" pitchFamily="2" charset="77"/>
-              <a:cs typeface="Calibri" panose="020F0502020204030204" pitchFamily="34" charset="0"/>
-            </a:endParaRPr>
-          </a:p>
-        </p:txBody>
-      </p:sp>
-    </p:spTree>
-    <p:extLst>
-      <p:ext uri="{BB962C8B-B14F-4D97-AF65-F5344CB8AC3E}">
-        <p14:creationId xmlns:p14="http://schemas.microsoft.com/office/powerpoint/2010/main" val="3728464535"/>
-      </p:ext>
-    </p:extLst>
-  </p:cSld>
-  <p:clrMapOvr>
-    <a:masterClrMapping/>
-  </p:clrMapOvr>
-</p:sld>
-</file>
-
 <file path=ppt/slides/slide12.xml><?xml version="1.0" encoding="utf-8"?>
 <p:sld xmlns:a="http://schemas.openxmlformats.org/drawingml/2006/main" xmlns:r="http://schemas.openxmlformats.org/officeDocument/2006/relationships" xmlns:p="http://schemas.openxmlformats.org/presentationml/2006/main">
   <p:cSld>
@@ -4781,322 +5010,78 @@
       </p:grpSpPr>
       <p:sp>
         <p:nvSpPr>
-          <p:cNvPr id="2" name="Title 1"/>
-          <p:cNvSpPr>
-            <a:spLocks noGrp="1"/>
-          </p:cNvSpPr>
-          <p:nvPr>
-            <p:ph type="title"/>
-          </p:nvPr>
-        </p:nvSpPr>
-        <p:spPr/>
-        <p:txBody>
-          <a:bodyPr>
-            <a:normAutofit fontScale="90000"/>
+          <p:cNvPr id="5" name="TextBox 4">
+            <a:extLst>
+              <a:ext uri="{FF2B5EF4-FFF2-40B4-BE49-F238E27FC236}">
+                <a16:creationId xmlns:a16="http://schemas.microsoft.com/office/drawing/2014/main" id="{A24E4326-D9B2-4687-D471-C6FB3EB119E9}"/>
+              </a:ext>
+            </a:extLst>
+          </p:cNvPr>
+          <p:cNvSpPr txBox="1"/>
+          <p:nvPr/>
+        </p:nvSpPr>
+        <p:spPr>
+          <a:xfrm>
+            <a:off x="3050628" y="3244334"/>
+            <a:ext cx="6101254" cy="923330"/>
+          </a:xfrm>
+          <a:prstGeom prst="rect">
+            <a:avLst/>
+          </a:prstGeom>
+          <a:noFill/>
+        </p:spPr>
+        <p:txBody>
+          <a:bodyPr wrap="square">
+            <a:spAutoFit/>
           </a:bodyPr>
           <a:lstStyle/>
           <a:p>
             <a:r>
-              <a:rPr dirty="0" err="1">
-                <a:latin typeface="Raleway" pitchFamily="2" charset="77"/>
-              </a:rPr>
-              <a:t>Implementering</a:t>
-            </a:r>
-            <a:r>
-              <a:rPr dirty="0">
-                <a:latin typeface="Raleway" pitchFamily="2" charset="77"/>
-              </a:rPr>
-              <a:t> </a:t>
-            </a:r>
-            <a:r>
-              <a:rPr dirty="0" err="1">
-                <a:latin typeface="Raleway" pitchFamily="2" charset="77"/>
-              </a:rPr>
-              <a:t>af</a:t>
-            </a:r>
-            <a:r>
-              <a:rPr dirty="0">
-                <a:latin typeface="Raleway" pitchFamily="2" charset="77"/>
-              </a:rPr>
-              <a:t> </a:t>
-            </a:r>
-            <a:r>
-              <a:rPr dirty="0" err="1">
-                <a:latin typeface="Raleway" pitchFamily="2" charset="77"/>
-              </a:rPr>
-              <a:t>bæredygtige</a:t>
-            </a:r>
-            <a:r>
-              <a:rPr dirty="0">
-                <a:latin typeface="Raleway" pitchFamily="2" charset="77"/>
-              </a:rPr>
-              <a:t> web</a:t>
-            </a:r>
-            <a:r>
-              <a:rPr lang="da-DK" dirty="0">
-                <a:latin typeface="Raleway" pitchFamily="2" charset="77"/>
-              </a:rPr>
-              <a:t> </a:t>
-            </a:r>
-            <a:r>
-              <a:rPr dirty="0" err="1">
-                <a:latin typeface="Raleway" pitchFamily="2" charset="77"/>
+              <a:rPr lang="en-GB" sz="5400" b="0" i="0" dirty="0" err="1">
+                <a:solidFill>
+                  <a:srgbClr val="292929"/>
+                </a:solidFill>
+                <a:effectLst/>
+                <a:latin typeface="Raleway" pitchFamily="2" charset="77"/>
+                <a:cs typeface="Calibri" panose="020F0502020204030204" pitchFamily="34" charset="0"/>
+              </a:rPr>
+              <a:t>Bedste</a:t>
+            </a:r>
+            <a:r>
+              <a:rPr lang="en-GB" sz="5400" b="0" i="0" dirty="0">
+                <a:solidFill>
+                  <a:srgbClr val="292929"/>
+                </a:solidFill>
+                <a:effectLst/>
+                <a:latin typeface="Raleway" pitchFamily="2" charset="77"/>
+                <a:cs typeface="Calibri" panose="020F0502020204030204" pitchFamily="34" charset="0"/>
+              </a:rPr>
+              <a:t> </a:t>
+            </a:r>
+            <a:r>
+              <a:rPr lang="en-GB" sz="5400" b="0" i="0" dirty="0" err="1">
+                <a:solidFill>
+                  <a:srgbClr val="292929"/>
+                </a:solidFill>
+                <a:effectLst/>
+                <a:latin typeface="Raleway" pitchFamily="2" charset="77"/>
+                <a:cs typeface="Calibri" panose="020F0502020204030204" pitchFamily="34" charset="0"/>
               </a:rPr>
               <a:t>praksis</a:t>
             </a:r>
-            <a:r>
-              <a:rPr lang="da-DK" dirty="0">
-                <a:latin typeface="Raleway" pitchFamily="2" charset="77"/>
-              </a:rPr>
-              <a:t> </a:t>
-            </a:r>
-            <a:endParaRPr dirty="0">
+            <a:endParaRPr lang="en-DK" sz="5400" dirty="0">
               <a:latin typeface="Raleway" pitchFamily="2" charset="77"/>
+              <a:cs typeface="Calibri" panose="020F0502020204030204" pitchFamily="34" charset="0"/>
             </a:endParaRPr>
           </a:p>
         </p:txBody>
       </p:sp>
-      <p:sp>
-        <p:nvSpPr>
-          <p:cNvPr id="3" name="Content Placeholder 2"/>
-          <p:cNvSpPr>
-            <a:spLocks noGrp="1"/>
-          </p:cNvSpPr>
-          <p:nvPr>
-            <p:ph idx="1"/>
-          </p:nvPr>
-        </p:nvSpPr>
-        <p:spPr/>
-        <p:txBody>
-          <a:bodyPr/>
-          <a:lstStyle/>
-          <a:p>
-            <a:r>
-              <a:rPr dirty="0" err="1"/>
-              <a:t>Fokus</a:t>
-            </a:r>
-            <a:r>
-              <a:rPr dirty="0"/>
-              <a:t> </a:t>
-            </a:r>
-            <a:r>
-              <a:rPr dirty="0" err="1"/>
-              <a:t>på</a:t>
-            </a:r>
-            <a:r>
-              <a:rPr dirty="0"/>
-              <a:t> at </a:t>
-            </a:r>
-            <a:r>
-              <a:rPr dirty="0" err="1"/>
-              <a:t>reducere</a:t>
-            </a:r>
-            <a:r>
-              <a:rPr dirty="0"/>
-              <a:t> </a:t>
-            </a:r>
-            <a:r>
-              <a:rPr dirty="0" err="1"/>
-              <a:t>sidens</a:t>
-            </a:r>
-            <a:r>
-              <a:rPr dirty="0"/>
-              <a:t> </a:t>
-            </a:r>
-            <a:r>
-              <a:rPr dirty="0" err="1"/>
-              <a:t>vægt</a:t>
-            </a:r>
-            <a:r>
-              <a:rPr dirty="0"/>
-              <a:t> </a:t>
-            </a:r>
-            <a:r>
-              <a:rPr dirty="0" err="1"/>
-              <a:t>og</a:t>
-            </a:r>
-            <a:r>
-              <a:rPr dirty="0"/>
-              <a:t> </a:t>
-            </a:r>
-            <a:r>
-              <a:rPr dirty="0" err="1">
-                <a:solidFill>
-                  <a:srgbClr val="FF0000"/>
-                </a:solidFill>
-              </a:rPr>
-              <a:t>ressource</a:t>
-            </a:r>
-            <a:r>
-              <a:rPr lang="da-DK" dirty="0">
-                <a:solidFill>
-                  <a:srgbClr val="FF0000"/>
-                </a:solidFill>
-              </a:rPr>
-              <a:t> </a:t>
-            </a:r>
-            <a:r>
-              <a:rPr dirty="0" err="1"/>
-              <a:t>forbrug</a:t>
-            </a:r>
-            <a:r>
-              <a:rPr dirty="0"/>
-              <a:t>.</a:t>
-            </a:r>
-          </a:p>
-          <a:p>
-            <a:r>
-              <a:rPr dirty="0" err="1"/>
-              <a:t>Optimer</a:t>
-            </a:r>
-            <a:r>
-              <a:rPr dirty="0"/>
-              <a:t> </a:t>
-            </a:r>
-            <a:r>
-              <a:rPr dirty="0" err="1"/>
-              <a:t>billeder</a:t>
-            </a:r>
-            <a:r>
-              <a:rPr dirty="0"/>
-              <a:t>, </a:t>
-            </a:r>
-            <a:r>
-              <a:rPr dirty="0" err="1"/>
-              <a:t>skrifttyper</a:t>
-            </a:r>
-            <a:r>
-              <a:rPr dirty="0"/>
-              <a:t> </a:t>
-            </a:r>
-            <a:r>
-              <a:rPr dirty="0" err="1"/>
-              <a:t>og</a:t>
-            </a:r>
-            <a:r>
-              <a:rPr dirty="0"/>
-              <a:t> </a:t>
-            </a:r>
-            <a:r>
-              <a:rPr dirty="0" err="1"/>
-              <a:t>videoer</a:t>
-            </a:r>
-            <a:r>
-              <a:rPr dirty="0"/>
-              <a:t>.</a:t>
-            </a:r>
-          </a:p>
-          <a:p>
-            <a:r>
-              <a:rPr dirty="0"/>
-              <a:t>Brug </a:t>
-            </a:r>
-            <a:r>
-              <a:rPr dirty="0" err="1"/>
-              <a:t>mørkere</a:t>
-            </a:r>
-            <a:r>
-              <a:rPr dirty="0"/>
-              <a:t> </a:t>
-            </a:r>
-            <a:r>
-              <a:rPr dirty="0" err="1"/>
-              <a:t>farver</a:t>
-            </a:r>
-            <a:r>
-              <a:rPr dirty="0"/>
-              <a:t> </a:t>
-            </a:r>
-            <a:r>
-              <a:rPr dirty="0" err="1"/>
-              <a:t>og</a:t>
-            </a:r>
-            <a:r>
-              <a:rPr dirty="0"/>
-              <a:t> </a:t>
-            </a:r>
-            <a:r>
-              <a:rPr dirty="0" err="1"/>
-              <a:t>systemskrifttyper</a:t>
-            </a:r>
-            <a:r>
-              <a:rPr dirty="0"/>
-              <a:t>.</a:t>
-            </a:r>
-          </a:p>
-          <a:p>
-            <a:r>
-              <a:rPr dirty="0" err="1"/>
-              <a:t>Skriv</a:t>
-            </a:r>
-            <a:r>
-              <a:rPr dirty="0"/>
-              <a:t> </a:t>
-            </a:r>
-            <a:r>
-              <a:rPr dirty="0" err="1"/>
-              <a:t>genanvendelig</a:t>
-            </a:r>
-            <a:r>
-              <a:rPr dirty="0"/>
-              <a:t> </a:t>
-            </a:r>
-            <a:r>
-              <a:rPr dirty="0" err="1"/>
-              <a:t>kode</a:t>
-            </a:r>
-            <a:r>
-              <a:rPr dirty="0"/>
-              <a:t>.</a:t>
-            </a:r>
-          </a:p>
-          <a:p>
-            <a:r>
-              <a:rPr dirty="0" err="1"/>
-              <a:t>Komprimer</a:t>
-            </a:r>
-            <a:r>
-              <a:rPr dirty="0"/>
-              <a:t> </a:t>
-            </a:r>
-            <a:r>
-              <a:rPr dirty="0" err="1"/>
-              <a:t>mediefiler</a:t>
-            </a:r>
-            <a:r>
-              <a:rPr dirty="0"/>
-              <a:t>.</a:t>
-            </a:r>
-          </a:p>
-          <a:p>
-            <a:r>
-              <a:rPr dirty="0" err="1"/>
-              <a:t>Prioriter</a:t>
-            </a:r>
-            <a:r>
-              <a:rPr dirty="0"/>
-              <a:t> </a:t>
-            </a:r>
-            <a:r>
-              <a:rPr dirty="0" err="1"/>
-              <a:t>effektiv</a:t>
-            </a:r>
-            <a:r>
-              <a:rPr dirty="0"/>
-              <a:t> </a:t>
-            </a:r>
-            <a:r>
-              <a:rPr dirty="0" err="1"/>
-              <a:t>kodning</a:t>
-            </a:r>
-            <a:r>
-              <a:rPr dirty="0"/>
-              <a:t>.</a:t>
-            </a:r>
-          </a:p>
-        </p:txBody>
-      </p:sp>
     </p:spTree>
+    <p:extLst>
+      <p:ext uri="{BB962C8B-B14F-4D97-AF65-F5344CB8AC3E}">
+        <p14:creationId xmlns:p14="http://schemas.microsoft.com/office/powerpoint/2010/main" val="3728464535"/>
+      </p:ext>
+    </p:extLst>
   </p:cSld>
   <p:clrMapOvr>
     <a:masterClrMapping/>
@@ -5133,14 +5118,16 @@
         </p:nvSpPr>
         <p:spPr/>
         <p:txBody>
-          <a:bodyPr/>
+          <a:bodyPr>
+            <a:normAutofit fontScale="90000"/>
+          </a:bodyPr>
           <a:lstStyle/>
           <a:p>
             <a:r>
               <a:rPr dirty="0" err="1">
                 <a:latin typeface="Raleway" pitchFamily="2" charset="77"/>
               </a:rPr>
-              <a:t>Optimering</a:t>
+              <a:t>Implementering</a:t>
             </a:r>
             <a:r>
               <a:rPr dirty="0">
@@ -5164,19 +5151,31 @@
               <a:rPr dirty="0" err="1">
                 <a:latin typeface="Raleway" pitchFamily="2" charset="77"/>
               </a:rPr>
-              <a:t>billeder</a:t>
+              <a:t>bæredygtige</a:t>
             </a:r>
             <a:r>
               <a:rPr dirty="0">
                 <a:latin typeface="Raleway" pitchFamily="2" charset="77"/>
               </a:rPr>
-              <a:t> for </a:t>
+              <a:t> web</a:t>
+            </a:r>
+            <a:r>
+              <a:rPr lang="da-DK" dirty="0">
+                <a:latin typeface="Raleway" pitchFamily="2" charset="77"/>
+              </a:rPr>
+              <a:t> </a:t>
             </a:r>
             <a:r>
               <a:rPr dirty="0" err="1">
                 <a:latin typeface="Raleway" pitchFamily="2" charset="77"/>
               </a:rPr>
-              <a:t>bæredygtighed</a:t>
+              <a:t>praksis</a:t>
+            </a:r>
+            <a:r>
+              <a:rPr lang="da-DK" dirty="0">
+                <a:latin typeface="Raleway" pitchFamily="2" charset="77"/>
+              </a:rPr>
+              <a:t> </a:t>
             </a:r>
             <a:endParaRPr dirty="0">
               <a:latin typeface="Raleway" pitchFamily="2" charset="77"/>
@@ -5200,52 +5199,12 @@
           <a:lstStyle/>
           <a:p>
             <a:r>
-              <a:rPr lang="da-DK" dirty="0"/>
-              <a:t> </a:t>
-            </a:r>
-            <a:r>
-              <a:rPr dirty="0"/>
-              <a:t> </a:t>
-            </a:r>
-            <a:r>
-              <a:rPr dirty="0" err="1"/>
-              <a:t>Billeder</a:t>
-            </a:r>
-            <a:r>
-              <a:rPr dirty="0"/>
-              <a:t> er </a:t>
-            </a:r>
-            <a:r>
-              <a:rPr dirty="0" err="1"/>
-              <a:t>en</a:t>
-            </a:r>
-            <a:r>
-              <a:rPr dirty="0"/>
-              <a:t> </a:t>
-            </a:r>
-            <a:r>
-              <a:rPr dirty="0" err="1"/>
-              <a:t>stor</a:t>
-            </a:r>
-            <a:r>
-              <a:rPr dirty="0"/>
-              <a:t> </a:t>
-            </a:r>
-            <a:r>
-              <a:rPr dirty="0" err="1"/>
-              <a:t>kilde</a:t>
-            </a:r>
-            <a:r>
-              <a:rPr dirty="0"/>
-              <a:t> </a:t>
-            </a:r>
-            <a:r>
-              <a:rPr dirty="0" err="1"/>
-              <a:t>til</a:t>
-            </a:r>
-            <a:r>
-              <a:rPr dirty="0"/>
-              <a:t> CO2-udledninger </a:t>
+              <a:rPr dirty="0" err="1"/>
+              <a:t>Fokus</a:t>
+            </a:r>
+            <a:r>
+              <a:rPr dirty="0"/>
+              <a:t> </a:t>
             </a:r>
             <a:r>
               <a:rPr dirty="0" err="1"/>
@@ -5253,56 +5212,172 @@
             </a:r>
             <a:r>
               <a:rPr dirty="0"/>
-              <a:t> websites.</a:t>
-            </a:r>
-          </a:p>
-          <a:p>
-            <a:r>
-              <a:rPr lang="da-DK" dirty="0"/>
-              <a:t>  </a:t>
-            </a:r>
+              <a:t> at </a:t>
+            </a:r>
+            <a:r>
+              <a:rPr dirty="0" err="1"/>
+              <a:t>reducere</a:t>
+            </a:r>
+            <a:r>
+              <a:rPr dirty="0"/>
+              <a:t> </a:t>
+            </a:r>
+            <a:r>
+              <a:rPr dirty="0" err="1"/>
+              <a:t>sidens</a:t>
+            </a:r>
+            <a:r>
+              <a:rPr dirty="0"/>
+              <a:t> </a:t>
+            </a:r>
+            <a:r>
+              <a:rPr dirty="0" err="1"/>
+              <a:t>vægt</a:t>
+            </a:r>
+            <a:r>
+              <a:rPr dirty="0"/>
+              <a:t> </a:t>
+            </a:r>
+            <a:r>
+              <a:rPr dirty="0" err="1"/>
+              <a:t>og</a:t>
+            </a:r>
+            <a:r>
+              <a:rPr dirty="0"/>
+              <a:t> </a:t>
+            </a:r>
+            <a:r>
+              <a:rPr dirty="0" err="1">
+                <a:solidFill>
+                  <a:srgbClr val="FF0000"/>
+                </a:solidFill>
+              </a:rPr>
+              <a:t>ressource</a:t>
+            </a:r>
+            <a:r>
+              <a:rPr lang="da-DK" dirty="0">
+                <a:solidFill>
+                  <a:srgbClr val="FF0000"/>
+                </a:solidFill>
+              </a:rPr>
+              <a:t> </a:t>
+            </a:r>
+            <a:r>
+              <a:rPr dirty="0" err="1"/>
+              <a:t>forbrug</a:t>
+            </a:r>
+            <a:r>
+              <a:rPr dirty="0"/>
+              <a:t>.</a:t>
+            </a:r>
+          </a:p>
+          <a:p>
+            <a:r>
+              <a:rPr dirty="0" err="1"/>
+              <a:t>Optimer</a:t>
+            </a:r>
+            <a:r>
+              <a:rPr dirty="0"/>
+              <a:t> </a:t>
+            </a:r>
+            <a:r>
+              <a:rPr dirty="0" err="1"/>
+              <a:t>billeder</a:t>
+            </a:r>
+            <a:r>
+              <a:rPr dirty="0"/>
+              <a:t>, </a:t>
+            </a:r>
+            <a:r>
+              <a:rPr dirty="0" err="1"/>
+              <a:t>skrifttyper</a:t>
+            </a:r>
+            <a:r>
+              <a:rPr dirty="0"/>
+              <a:t> </a:t>
+            </a:r>
+            <a:r>
+              <a:rPr dirty="0" err="1"/>
+              <a:t>og</a:t>
+            </a:r>
+            <a:r>
+              <a:rPr dirty="0"/>
+              <a:t> </a:t>
+            </a:r>
+            <a:r>
+              <a:rPr dirty="0" err="1"/>
+              <a:t>videoer</a:t>
+            </a:r>
+            <a:r>
+              <a:rPr dirty="0"/>
+              <a:t>.</a:t>
+            </a:r>
+          </a:p>
+          <a:p>
             <a:r>
               <a:rPr dirty="0"/>
               <a:t>Brug </a:t>
             </a:r>
             <a:r>
               <a:rPr dirty="0" err="1"/>
-              <a:t>effektive</a:t>
-            </a:r>
-            <a:r>
-              <a:rPr dirty="0"/>
-              <a:t> </a:t>
-            </a:r>
-            <a:r>
-              <a:rPr dirty="0" err="1"/>
-              <a:t>formater</a:t>
-            </a:r>
-            <a:r>
-              <a:rPr dirty="0"/>
-              <a:t> </a:t>
-            </a:r>
-            <a:r>
-              <a:rPr dirty="0" err="1"/>
-              <a:t>som</a:t>
-            </a:r>
-            <a:r>
-              <a:rPr dirty="0"/>
-              <a:t> AVIF </a:t>
-            </a:r>
-            <a:r>
-              <a:rPr dirty="0" err="1"/>
-              <a:t>eller</a:t>
-            </a:r>
-            <a:r>
-              <a:rPr dirty="0"/>
-              <a:t> WEBP.</a:t>
-            </a:r>
-          </a:p>
-          <a:p>
-            <a:r>
-              <a:rPr lang="da-DK" dirty="0"/>
-              <a:t>  </a:t>
-            </a:r>
+              <a:t>mørkere</a:t>
+            </a:r>
+            <a:r>
+              <a:rPr dirty="0"/>
+              <a:t> </a:t>
+            </a:r>
+            <a:r>
+              <a:rPr dirty="0" err="1"/>
+              <a:t>farver</a:t>
+            </a:r>
+            <a:r>
+              <a:rPr dirty="0"/>
+              <a:t> </a:t>
+            </a:r>
+            <a:r>
+              <a:rPr dirty="0" err="1"/>
+              <a:t>og</a:t>
+            </a:r>
+            <a:r>
+              <a:rPr dirty="0"/>
+              <a:t> </a:t>
+            </a:r>
+            <a:r>
+              <a:rPr dirty="0" err="1"/>
+              <a:t>systemskrifttyper</a:t>
+            </a:r>
+            <a:r>
+              <a:rPr dirty="0"/>
+              <a:t>.</a:t>
+            </a:r>
+          </a:p>
+          <a:p>
+            <a:r>
+              <a:rPr dirty="0" err="1"/>
+              <a:t>Skriv</a:t>
+            </a:r>
+            <a:r>
+              <a:rPr dirty="0"/>
+              <a:t> </a:t>
+            </a:r>
+            <a:r>
+              <a:rPr dirty="0" err="1"/>
+              <a:t>genanvendelig</a:t>
+            </a:r>
+            <a:r>
+              <a:rPr dirty="0"/>
+              <a:t> </a:t>
+            </a:r>
+            <a:r>
+              <a:rPr dirty="0" err="1"/>
+              <a:t>kode</a:t>
+            </a:r>
+            <a:r>
+              <a:rPr dirty="0"/>
+              <a:t>.</a:t>
+            </a:r>
+          </a:p>
+          <a:p>
             <a:r>
               <a:rPr dirty="0" err="1"/>
               <a:t>Komprimer</a:t>
@@ -5313,39 +5388,7 @@
             </a:r>
             <a:r>
               <a:rPr dirty="0" err="1"/>
-              <a:t>billeder</a:t>
-            </a:r>
-            <a:r>
-              <a:rPr dirty="0"/>
-              <a:t> </a:t>
-            </a:r>
-            <a:r>
-              <a:rPr dirty="0" err="1"/>
-              <a:t>uden</a:t>
-            </a:r>
-            <a:r>
-              <a:rPr dirty="0"/>
-              <a:t> at </a:t>
-            </a:r>
-            <a:r>
-              <a:rPr dirty="0" err="1"/>
-              <a:t>miste</a:t>
-            </a:r>
-            <a:r>
-              <a:rPr dirty="0"/>
-              <a:t> for </a:t>
-            </a:r>
-            <a:r>
-              <a:rPr dirty="0" err="1"/>
-              <a:t>meget</a:t>
-            </a:r>
-            <a:r>
-              <a:rPr dirty="0"/>
-              <a:t> </a:t>
-            </a:r>
-            <a:r>
-              <a:rPr dirty="0" err="1"/>
-              <a:t>kvalitet</a:t>
+              <a:t>mediefiler</a:t>
             </a:r>
             <a:r>
               <a:rPr dirty="0"/>
@@ -5354,118 +5397,28 @@
           </a:p>
           <a:p>
             <a:r>
-              <a:rPr lang="da-DK" dirty="0"/>
-              <a:t>  </a:t>
-            </a:r>
-            <a:r>
-              <a:rPr dirty="0" err="1"/>
-              <a:t>Overvej</a:t>
-            </a:r>
-            <a:r>
-              <a:rPr dirty="0"/>
-              <a:t> at </a:t>
-            </a:r>
-            <a:r>
-              <a:rPr dirty="0" err="1"/>
-              <a:t>bruge</a:t>
-            </a:r>
-            <a:r>
-              <a:rPr dirty="0"/>
-              <a:t> </a:t>
-            </a:r>
-            <a:r>
-              <a:rPr dirty="0" err="1"/>
-              <a:t>vektorbilleder</a:t>
-            </a:r>
-            <a:r>
-              <a:rPr dirty="0"/>
-              <a:t> </a:t>
-            </a:r>
-            <a:r>
-              <a:rPr dirty="0" err="1"/>
-              <a:t>til</a:t>
-            </a:r>
-            <a:r>
-              <a:rPr dirty="0"/>
-              <a:t> </a:t>
-            </a:r>
-            <a:r>
-              <a:rPr dirty="0" err="1"/>
-              <a:t>grafik</a:t>
+              <a:rPr dirty="0" err="1"/>
+              <a:t>Prioriter</a:t>
+            </a:r>
+            <a:r>
+              <a:rPr dirty="0"/>
+              <a:t> </a:t>
+            </a:r>
+            <a:r>
+              <a:rPr dirty="0" err="1"/>
+              <a:t>effektiv</a:t>
+            </a:r>
+            <a:r>
+              <a:rPr dirty="0"/>
+              <a:t> </a:t>
+            </a:r>
+            <a:r>
+              <a:rPr dirty="0" err="1"/>
+              <a:t>kodning</a:t>
             </a:r>
             <a:r>
               <a:rPr dirty="0"/>
               <a:t>.</a:t>
-            </a:r>
-          </a:p>
-          <a:p>
-            <a:r>
-              <a:rPr lang="da-DK" dirty="0"/>
-              <a:t>   </a:t>
-            </a:r>
-            <a:r>
-              <a:rPr dirty="0" err="1"/>
-              <a:t>Undgå</a:t>
-            </a:r>
-            <a:r>
-              <a:rPr dirty="0"/>
-              <a:t> at </a:t>
-            </a:r>
-            <a:r>
-              <a:rPr dirty="0" err="1"/>
-              <a:t>bruge</a:t>
-            </a:r>
-            <a:r>
-              <a:rPr dirty="0"/>
-              <a:t> </a:t>
-            </a:r>
-            <a:r>
-              <a:rPr dirty="0" err="1"/>
-              <a:t>større</a:t>
-            </a:r>
-            <a:r>
-              <a:rPr dirty="0"/>
-              <a:t>, </a:t>
-            </a:r>
-            <a:r>
-              <a:rPr dirty="0" err="1"/>
-              <a:t>mindre</a:t>
-            </a:r>
-            <a:r>
-              <a:rPr dirty="0"/>
-              <a:t> </a:t>
-            </a:r>
-            <a:r>
-              <a:rPr dirty="0" err="1"/>
-              <a:t>effektive</a:t>
-            </a:r>
-            <a:r>
-              <a:rPr dirty="0"/>
-              <a:t> </a:t>
-            </a:r>
-            <a:r>
-              <a:rPr dirty="0" err="1"/>
-              <a:t>formater</a:t>
-            </a:r>
-            <a:r>
-              <a:rPr dirty="0"/>
-              <a:t> </a:t>
-            </a:r>
-            <a:r>
-              <a:rPr dirty="0" err="1"/>
-              <a:t>som</a:t>
-            </a:r>
-            <a:r>
-              <a:rPr dirty="0"/>
-              <a:t> JPEG </a:t>
-            </a:r>
-            <a:r>
-              <a:rPr dirty="0" err="1"/>
-              <a:t>og</a:t>
-            </a:r>
-            <a:r>
-              <a:rPr dirty="0"/>
-              <a:t> PNG.</a:t>
             </a:r>
           </a:p>
         </p:txBody>
@@ -5532,7 +5485,19 @@
               <a:rPr dirty="0">
                 <a:latin typeface="Raleway" pitchFamily="2" charset="77"/>
               </a:rPr>
-              <a:t> video for </a:t>
+              <a:t> </a:t>
+            </a:r>
+            <a:r>
+              <a:rPr dirty="0" err="1">
+                <a:latin typeface="Raleway" pitchFamily="2" charset="77"/>
+              </a:rPr>
+              <a:t>billeder</a:t>
+            </a:r>
+            <a:r>
+              <a:rPr dirty="0">
+                <a:latin typeface="Raleway" pitchFamily="2" charset="77"/>
+              </a:rPr>
+              <a:t> for </a:t>
             </a:r>
             <a:r>
               <a:rPr dirty="0" err="1">
@@ -5562,32 +5527,152 @@
           <a:lstStyle/>
           <a:p>
             <a:r>
-              <a:rPr dirty="0" err="1"/>
-              <a:t>Videofilstørrelse</a:t>
-            </a:r>
-            <a:r>
-              <a:rPr dirty="0"/>
-              <a:t> </a:t>
-            </a:r>
-            <a:r>
-              <a:rPr dirty="0" err="1"/>
-              <a:t>bestemmes</a:t>
-            </a:r>
-            <a:r>
-              <a:rPr dirty="0"/>
-              <a:t> mere </a:t>
-            </a:r>
-            <a:r>
-              <a:rPr dirty="0" err="1"/>
-              <a:t>af</a:t>
-            </a:r>
-            <a:r>
-              <a:rPr dirty="0"/>
-              <a:t> codec end </a:t>
-            </a:r>
-            <a:r>
-              <a:rPr dirty="0" err="1"/>
-              <a:t>filtypenavn</a:t>
+              <a:rPr lang="da-DK" dirty="0"/>
+              <a:t> </a:t>
+            </a:r>
+            <a:r>
+              <a:rPr dirty="0"/>
+              <a:t> </a:t>
+            </a:r>
+            <a:r>
+              <a:rPr dirty="0" err="1"/>
+              <a:t>Billeder</a:t>
+            </a:r>
+            <a:r>
+              <a:rPr dirty="0"/>
+              <a:t> er </a:t>
+            </a:r>
+            <a:r>
+              <a:rPr dirty="0" err="1"/>
+              <a:t>en</a:t>
+            </a:r>
+            <a:r>
+              <a:rPr dirty="0"/>
+              <a:t> </a:t>
+            </a:r>
+            <a:r>
+              <a:rPr dirty="0" err="1"/>
+              <a:t>stor</a:t>
+            </a:r>
+            <a:r>
+              <a:rPr dirty="0"/>
+              <a:t> </a:t>
+            </a:r>
+            <a:r>
+              <a:rPr dirty="0" err="1"/>
+              <a:t>kilde</a:t>
+            </a:r>
+            <a:r>
+              <a:rPr dirty="0"/>
+              <a:t> </a:t>
+            </a:r>
+            <a:r>
+              <a:rPr dirty="0" err="1"/>
+              <a:t>til</a:t>
+            </a:r>
+            <a:r>
+              <a:rPr dirty="0"/>
+              <a:t> CO2-udledninger </a:t>
+            </a:r>
+            <a:r>
+              <a:rPr dirty="0" err="1"/>
+              <a:t>på</a:t>
+            </a:r>
+            <a:r>
+              <a:rPr dirty="0"/>
+              <a:t> websites.</a:t>
+            </a:r>
+          </a:p>
+          <a:p>
+            <a:r>
+              <a:rPr lang="da-DK" dirty="0"/>
+              <a:t>  </a:t>
+            </a:r>
+            <a:r>
+              <a:rPr dirty="0"/>
+              <a:t>Brug </a:t>
+            </a:r>
+            <a:r>
+              <a:rPr dirty="0" err="1"/>
+              <a:t>effektive</a:t>
+            </a:r>
+            <a:r>
+              <a:rPr dirty="0"/>
+              <a:t> </a:t>
+            </a:r>
+            <a:r>
+              <a:rPr dirty="0" err="1"/>
+              <a:t>formater</a:t>
+            </a:r>
+            <a:r>
+              <a:rPr dirty="0"/>
+              <a:t> </a:t>
+            </a:r>
+            <a:r>
+              <a:rPr dirty="0" err="1"/>
+              <a:t>som</a:t>
+            </a:r>
+            <a:r>
+              <a:rPr dirty="0"/>
+              <a:t> AVIF </a:t>
+            </a:r>
+            <a:r>
+              <a:rPr dirty="0" err="1"/>
+              <a:t>eller</a:t>
+            </a:r>
+            <a:r>
+              <a:rPr dirty="0"/>
+              <a:t> WEBP.</a:t>
+            </a:r>
+          </a:p>
+          <a:p>
+            <a:r>
+              <a:rPr lang="da-DK" dirty="0"/>
+              <a:t>  </a:t>
+            </a:r>
+            <a:r>
+              <a:rPr dirty="0" err="1"/>
+              <a:t>Komprimer</a:t>
+            </a:r>
+            <a:r>
+              <a:rPr dirty="0"/>
+              <a:t> </a:t>
+            </a:r>
+            <a:r>
+              <a:rPr dirty="0" err="1"/>
+              <a:t>billeder</a:t>
+            </a:r>
+            <a:r>
+              <a:rPr dirty="0"/>
+              <a:t> </a:t>
+            </a:r>
+            <a:r>
+              <a:rPr dirty="0" err="1"/>
+              <a:t>uden</a:t>
+            </a:r>
+            <a:r>
+              <a:rPr dirty="0"/>
+              <a:t> at </a:t>
+            </a:r>
+            <a:r>
+              <a:rPr dirty="0" err="1"/>
+              <a:t>miste</a:t>
+            </a:r>
+            <a:r>
+              <a:rPr dirty="0"/>
+              <a:t> for </a:t>
+            </a:r>
+            <a:r>
+              <a:rPr dirty="0" err="1"/>
+              <a:t>meget</a:t>
+            </a:r>
+            <a:r>
+              <a:rPr dirty="0"/>
+              <a:t> </a:t>
+            </a:r>
+            <a:r>
+              <a:rPr dirty="0" err="1"/>
+              <a:t>kvalitet</a:t>
             </a:r>
             <a:r>
               <a:rPr dirty="0"/>
@@ -5596,8 +5681,86 @@
           </a:p>
           <a:p>
             <a:r>
-              <a:rPr dirty="0"/>
-              <a:t>Brug </a:t>
+              <a:rPr lang="da-DK" dirty="0"/>
+              <a:t>  </a:t>
+            </a:r>
+            <a:r>
+              <a:rPr dirty="0" err="1"/>
+              <a:t>Overvej</a:t>
+            </a:r>
+            <a:r>
+              <a:rPr dirty="0"/>
+              <a:t> at </a:t>
+            </a:r>
+            <a:r>
+              <a:rPr dirty="0" err="1"/>
+              <a:t>bruge</a:t>
+            </a:r>
+            <a:r>
+              <a:rPr dirty="0"/>
+              <a:t> </a:t>
+            </a:r>
+            <a:r>
+              <a:rPr dirty="0" err="1"/>
+              <a:t>vektorbilleder</a:t>
+            </a:r>
+            <a:r>
+              <a:rPr dirty="0"/>
+              <a:t> </a:t>
+            </a:r>
+            <a:r>
+              <a:rPr dirty="0" err="1"/>
+              <a:t>til</a:t>
+            </a:r>
+            <a:r>
+              <a:rPr dirty="0"/>
+              <a:t> </a:t>
+            </a:r>
+            <a:r>
+              <a:rPr dirty="0" err="1"/>
+              <a:t>grafik</a:t>
+            </a:r>
+            <a:r>
+              <a:rPr dirty="0"/>
+              <a:t>.</a:t>
+            </a:r>
+          </a:p>
+          <a:p>
+            <a:r>
+              <a:rPr lang="da-DK" dirty="0"/>
+              <a:t>   </a:t>
+            </a:r>
+            <a:r>
+              <a:rPr dirty="0" err="1"/>
+              <a:t>Undgå</a:t>
+            </a:r>
+            <a:r>
+              <a:rPr dirty="0"/>
+              <a:t> at </a:t>
+            </a:r>
+            <a:r>
+              <a:rPr dirty="0" err="1"/>
+              <a:t>bruge</a:t>
+            </a:r>
+            <a:r>
+              <a:rPr dirty="0"/>
+              <a:t> </a:t>
+            </a:r>
+            <a:r>
+              <a:rPr dirty="0" err="1"/>
+              <a:t>større</a:t>
+            </a:r>
+            <a:r>
+              <a:rPr dirty="0"/>
+              <a:t>, </a:t>
+            </a:r>
+            <a:r>
+              <a:rPr dirty="0" err="1"/>
+              <a:t>mindre</a:t>
+            </a:r>
+            <a:r>
+              <a:rPr dirty="0"/>
+              <a:t> </a:t>
             </a:r>
             <a:r>
               <a:rPr dirty="0" err="1"/>
@@ -5609,7 +5772,7 @@
             </a:r>
             <a:r>
               <a:rPr dirty="0" err="1"/>
-              <a:t>videocodecs</a:t>
+              <a:t>formater</a:t>
             </a:r>
             <a:r>
               <a:rPr dirty="0"/>
@@ -5621,92 +5784,16 @@
             </a:r>
             <a:r>
               <a:rPr dirty="0"/>
-              <a:t> AV1 for </a:t>
-            </a:r>
-            <a:r>
-              <a:rPr dirty="0" err="1"/>
-              <a:t>bedre</a:t>
-            </a:r>
-            <a:r>
-              <a:rPr dirty="0"/>
-              <a:t> </a:t>
-            </a:r>
-            <a:r>
-              <a:rPr dirty="0" err="1"/>
-              <a:t>komprimering</a:t>
-            </a:r>
-            <a:r>
-              <a:rPr dirty="0"/>
-              <a:t>.</a:t>
-            </a:r>
-          </a:p>
-          <a:p>
-            <a:pPr marL="0" indent="0">
-              <a:buNone/>
-            </a:pPr>
-            <a:endParaRPr dirty="0"/>
-          </a:p>
-          <a:p>
-            <a:r>
-              <a:rPr dirty="0"/>
-              <a:t>Brug MP4</a:t>
-            </a:r>
-            <a:r>
-              <a:rPr lang="da-DK" dirty="0"/>
-              <a:t> </a:t>
-            </a:r>
-            <a:r>
-              <a:rPr dirty="0"/>
-              <a:t> </a:t>
-            </a:r>
-            <a:r>
-              <a:rPr dirty="0" err="1"/>
-              <a:t>som</a:t>
-            </a:r>
-            <a:r>
-              <a:rPr dirty="0"/>
-              <a:t> et </a:t>
-            </a:r>
-            <a:r>
-              <a:rPr dirty="0" err="1"/>
-              <a:t>grundlæggende</a:t>
-            </a:r>
-            <a:r>
-              <a:rPr dirty="0"/>
-              <a:t> format for </a:t>
-            </a:r>
-            <a:r>
-              <a:rPr dirty="0" err="1"/>
-              <a:t>kompatibilitet</a:t>
-            </a:r>
-            <a:r>
-              <a:rPr dirty="0"/>
-              <a:t>.</a:t>
-            </a:r>
-            <a:endParaRPr lang="da-DK" dirty="0"/>
-          </a:p>
-          <a:p>
-            <a:pPr marL="0" indent="0">
-              <a:buNone/>
-            </a:pPr>
-            <a:r>
-              <a:rPr lang="en-DK" dirty="0"/>
-              <a:t>(</a:t>
-            </a:r>
-            <a:r>
-              <a:rPr lang="en-GB" b="1" dirty="0"/>
-              <a:t>Video Codecs Inside MP4:</a:t>
-            </a:r>
-            <a:r>
-              <a:rPr lang="en-GB" dirty="0"/>
-              <a:t> MP4 files can contain different video codecs, such as H.264, HEVC (H.265))</a:t>
-            </a:r>
-          </a:p>
-          <a:p>
-            <a:pPr marL="0" indent="0">
-              <a:buNone/>
-            </a:pPr>
-            <a:endParaRPr dirty="0"/>
+              <a:t> JPEG </a:t>
+            </a:r>
+            <a:r>
+              <a:rPr dirty="0" err="1"/>
+              <a:t>og</a:t>
+            </a:r>
+            <a:r>
+              <a:rPr dirty="0"/>
+              <a:t> PNG.</a:t>
+            </a:r>
           </a:p>
         </p:txBody>
       </p:sp>
@@ -5747,9 +5834,7 @@
         </p:nvSpPr>
         <p:spPr/>
         <p:txBody>
-          <a:bodyPr>
-            <a:normAutofit fontScale="90000"/>
-          </a:bodyPr>
+          <a:bodyPr/>
           <a:lstStyle/>
           <a:p>
             <a:r>
@@ -5774,19 +5859,7 @@
               <a:rPr dirty="0">
                 <a:latin typeface="Raleway" pitchFamily="2" charset="77"/>
               </a:rPr>
-              <a:t> </a:t>
-            </a:r>
-            <a:r>
-              <a:rPr dirty="0" err="1">
-                <a:latin typeface="Raleway" pitchFamily="2" charset="77"/>
-              </a:rPr>
-              <a:t>skrifttyper</a:t>
-            </a:r>
-            <a:r>
-              <a:rPr dirty="0">
-                <a:latin typeface="Raleway" pitchFamily="2" charset="77"/>
-              </a:rPr>
-              <a:t> for </a:t>
+              <a:t> video for </a:t>
             </a:r>
             <a:r>
               <a:rPr dirty="0" err="1">
@@ -5816,68 +5889,32 @@
           <a:lstStyle/>
           <a:p>
             <a:r>
-              <a:rPr dirty="0"/>
-              <a:t> </a:t>
-            </a:r>
-            <a:r>
-              <a:rPr dirty="0" err="1"/>
-              <a:t>Eksterne</a:t>
-            </a:r>
-            <a:r>
-              <a:rPr dirty="0"/>
-              <a:t> </a:t>
-            </a:r>
-            <a:r>
-              <a:rPr dirty="0" err="1"/>
-              <a:t>skrifttyper</a:t>
-            </a:r>
-            <a:r>
-              <a:rPr dirty="0"/>
-              <a:t> </a:t>
-            </a:r>
-            <a:r>
-              <a:rPr dirty="0" err="1"/>
-              <a:t>kan</a:t>
-            </a:r>
-            <a:r>
-              <a:rPr dirty="0"/>
-              <a:t> </a:t>
-            </a:r>
-            <a:r>
-              <a:rPr dirty="0" err="1"/>
-              <a:t>øge</a:t>
-            </a:r>
-            <a:r>
-              <a:rPr dirty="0"/>
-              <a:t> </a:t>
-            </a:r>
-            <a:r>
-              <a:rPr dirty="0" err="1"/>
-              <a:t>sidens</a:t>
-            </a:r>
-            <a:r>
-              <a:rPr dirty="0"/>
-              <a:t> </a:t>
-            </a:r>
-            <a:r>
-              <a:rPr dirty="0" err="1"/>
-              <a:t>vægt</a:t>
-            </a:r>
-            <a:r>
-              <a:rPr dirty="0"/>
-              <a:t> </a:t>
-            </a:r>
-            <a:r>
-              <a:rPr dirty="0" err="1"/>
-              <a:t>og</a:t>
-            </a:r>
-            <a:r>
-              <a:rPr dirty="0"/>
-              <a:t> </a:t>
-            </a:r>
-            <a:r>
-              <a:rPr dirty="0" err="1"/>
-              <a:t>energiforbrug</a:t>
+              <a:rPr dirty="0" err="1"/>
+              <a:t>Videofilstørrelse</a:t>
+            </a:r>
+            <a:r>
+              <a:rPr dirty="0"/>
+              <a:t> </a:t>
+            </a:r>
+            <a:r>
+              <a:rPr dirty="0" err="1"/>
+              <a:t>bestemmes</a:t>
+            </a:r>
+            <a:r>
+              <a:rPr dirty="0"/>
+              <a:t> mere </a:t>
+            </a:r>
+            <a:r>
+              <a:rPr dirty="0" err="1"/>
+              <a:t>af</a:t>
+            </a:r>
+            <a:r>
+              <a:rPr dirty="0"/>
+              <a:t> codec end </a:t>
+            </a:r>
+            <a:r>
+              <a:rPr dirty="0" err="1"/>
+              <a:t>filtypenavn</a:t>
             </a:r>
             <a:r>
               <a:rPr dirty="0"/>
@@ -5887,27 +5924,43 @@
           <a:p>
             <a:r>
               <a:rPr dirty="0"/>
-              <a:t> Brug </a:t>
-            </a:r>
-            <a:r>
-              <a:rPr dirty="0" err="1"/>
-              <a:t>systemskrifttyper</a:t>
-            </a:r>
-            <a:r>
-              <a:rPr dirty="0"/>
-              <a:t>, </a:t>
-            </a:r>
-            <a:r>
-              <a:rPr dirty="0" err="1"/>
-              <a:t>hvor</a:t>
-            </a:r>
-            <a:r>
-              <a:rPr dirty="0"/>
-              <a:t> det er </a:t>
-            </a:r>
-            <a:r>
-              <a:rPr dirty="0" err="1"/>
-              <a:t>muligt</a:t>
+              <a:t>Brug </a:t>
+            </a:r>
+            <a:r>
+              <a:rPr dirty="0" err="1"/>
+              <a:t>effektive</a:t>
+            </a:r>
+            <a:r>
+              <a:rPr dirty="0"/>
+              <a:t> </a:t>
+            </a:r>
+            <a:r>
+              <a:rPr dirty="0" err="1"/>
+              <a:t>videocodecs</a:t>
+            </a:r>
+            <a:r>
+              <a:rPr dirty="0"/>
+              <a:t> </a:t>
+            </a:r>
+            <a:r>
+              <a:rPr dirty="0" err="1"/>
+              <a:t>som</a:t>
+            </a:r>
+            <a:r>
+              <a:rPr dirty="0"/>
+              <a:t> AV1 for </a:t>
+            </a:r>
+            <a:r>
+              <a:rPr dirty="0" err="1"/>
+              <a:t>bedre</a:t>
+            </a:r>
+            <a:r>
+              <a:rPr dirty="0"/>
+              <a:t> </a:t>
+            </a:r>
+            <a:r>
+              <a:rPr dirty="0" err="1"/>
+              <a:t>komprimering</a:t>
             </a:r>
             <a:r>
               <a:rPr dirty="0"/>
@@ -5915,42 +5968,72 @@
             </a:r>
           </a:p>
           <a:p>
+            <a:pPr marL="0" indent="0">
+              <a:buNone/>
+            </a:pPr>
+            <a:endParaRPr dirty="0"/>
+          </a:p>
+          <a:p>
+            <a:r>
+              <a:rPr dirty="0"/>
+              <a:t>Brug MP4</a:t>
+            </a:r>
             <a:r>
               <a:rPr lang="da-DK" dirty="0"/>
               <a:t> </a:t>
             </a:r>
             <a:r>
-              <a:rPr dirty="0" err="1"/>
-              <a:t>Delmængde</a:t>
-            </a:r>
-            <a:r>
-              <a:rPr dirty="0"/>
-              <a:t> </a:t>
-            </a:r>
-            <a:r>
-              <a:rPr dirty="0" err="1"/>
-              <a:t>skrifttyper</a:t>
-            </a:r>
-            <a:r>
-              <a:rPr dirty="0"/>
-              <a:t> for at </a:t>
-            </a:r>
-            <a:r>
-              <a:rPr dirty="0" err="1"/>
-              <a:t>reducere</a:t>
-            </a:r>
-            <a:r>
-              <a:rPr dirty="0"/>
-              <a:t> </a:t>
-            </a:r>
-            <a:r>
-              <a:rPr dirty="0" err="1"/>
-              <a:t>filstørrelsen</a:t>
+              <a:rPr dirty="0"/>
+              <a:t> </a:t>
+            </a:r>
+            <a:r>
+              <a:rPr dirty="0" err="1"/>
+              <a:t>som</a:t>
+            </a:r>
+            <a:r>
+              <a:rPr dirty="0"/>
+              <a:t> et </a:t>
+            </a:r>
+            <a:r>
+              <a:rPr dirty="0" err="1"/>
+              <a:t>grundlæggende</a:t>
+            </a:r>
+            <a:r>
+              <a:rPr dirty="0"/>
+              <a:t> format for </a:t>
+            </a:r>
+            <a:r>
+              <a:rPr dirty="0" err="1"/>
+              <a:t>kompatibilitet</a:t>
             </a:r>
             <a:r>
               <a:rPr dirty="0"/>
               <a:t>.</a:t>
             </a:r>
+            <a:endParaRPr lang="da-DK" dirty="0"/>
+          </a:p>
+          <a:p>
+            <a:pPr marL="0" indent="0">
+              <a:buNone/>
+            </a:pPr>
+            <a:r>
+              <a:rPr lang="en-DK" dirty="0"/>
+              <a:t>(</a:t>
+            </a:r>
+            <a:r>
+              <a:rPr lang="en-GB" b="1" dirty="0"/>
+              <a:t>Video Codecs Inside MP4:</a:t>
+            </a:r>
+            <a:r>
+              <a:rPr lang="en-GB" dirty="0"/>
+              <a:t> MP4 files can contain different video codecs, such as H.264, HEVC (H.265))</a:t>
+            </a:r>
+          </a:p>
+          <a:p>
+            <a:pPr marL="0" indent="0">
+              <a:buNone/>
+            </a:pPr>
+            <a:endParaRPr dirty="0"/>
           </a:p>
         </p:txBody>
       </p:sp>
@@ -5991,14 +6074,16 @@
         </p:nvSpPr>
         <p:spPr/>
         <p:txBody>
-          <a:bodyPr/>
+          <a:bodyPr>
+            <a:normAutofit fontScale="90000"/>
+          </a:bodyPr>
           <a:lstStyle/>
           <a:p>
             <a:r>
               <a:rPr dirty="0" err="1">
                 <a:latin typeface="Raleway" pitchFamily="2" charset="77"/>
               </a:rPr>
-              <a:t>Fordelene</a:t>
+              <a:t>Optimering</a:t>
             </a:r>
             <a:r>
               <a:rPr dirty="0">
@@ -6010,7 +6095,7 @@
               <a:rPr dirty="0" err="1">
                 <a:latin typeface="Raleway" pitchFamily="2" charset="77"/>
               </a:rPr>
-              <a:t>ved</a:t>
+              <a:t>af</a:t>
             </a:r>
             <a:r>
               <a:rPr dirty="0">
@@ -6022,19 +6107,19 @@
               <a:rPr dirty="0" err="1">
                 <a:latin typeface="Raleway" pitchFamily="2" charset="77"/>
               </a:rPr>
-              <a:t>mørk</a:t>
+              <a:t>skrifttyper</a:t>
             </a:r>
             <a:r>
               <a:rPr dirty="0">
                 <a:latin typeface="Raleway" pitchFamily="2" charset="77"/>
               </a:rPr>
-              <a:t> </a:t>
+              <a:t> for </a:t>
             </a:r>
             <a:r>
               <a:rPr dirty="0" err="1">
                 <a:latin typeface="Raleway" pitchFamily="2" charset="77"/>
               </a:rPr>
-              <a:t>tilstand</a:t>
+              <a:t>bæredygtighed</a:t>
             </a:r>
             <a:endParaRPr dirty="0">
               <a:latin typeface="Raleway" pitchFamily="2" charset="77"/>
@@ -6058,161 +6143,136 @@
           <a:lstStyle/>
           <a:p>
             <a:r>
-              <a:rPr dirty="0" err="1"/>
-              <a:t>Mørk</a:t>
-            </a:r>
-            <a:r>
-              <a:rPr dirty="0"/>
-              <a:t> </a:t>
-            </a:r>
-            <a:r>
-              <a:rPr dirty="0" err="1"/>
-              <a:t>tilstand</a:t>
-            </a:r>
-            <a:r>
-              <a:rPr dirty="0"/>
-              <a:t> </a:t>
-            </a:r>
-            <a:r>
-              <a:rPr dirty="0" err="1"/>
-              <a:t>reducerer</a:t>
-            </a:r>
-            <a:r>
-              <a:rPr dirty="0"/>
-              <a:t> </a:t>
-            </a:r>
-            <a:r>
-              <a:rPr dirty="0" err="1"/>
-              <a:t>energiforbruget</a:t>
-            </a:r>
-            <a:r>
-              <a:rPr dirty="0"/>
-              <a:t> </a:t>
-            </a:r>
-            <a:endParaRPr lang="da-DK" dirty="0"/>
-          </a:p>
-          <a:p>
-            <a:r>
-              <a:rPr dirty="0"/>
-              <a:t>Sort er den </a:t>
-            </a:r>
-            <a:r>
-              <a:rPr dirty="0" err="1"/>
-              <a:t>mest</a:t>
-            </a:r>
-            <a:r>
-              <a:rPr dirty="0"/>
-              <a:t> </a:t>
-            </a:r>
-            <a:r>
-              <a:rPr dirty="0" err="1"/>
-              <a:t>energieffektive</a:t>
-            </a:r>
-            <a:r>
-              <a:rPr dirty="0"/>
-              <a:t> </a:t>
-            </a:r>
-            <a:r>
-              <a:rPr dirty="0" err="1"/>
-              <a:t>farve</a:t>
-            </a:r>
-            <a:r>
-              <a:rPr dirty="0"/>
-              <a:t> </a:t>
-            </a:r>
-            <a:r>
-              <a:rPr dirty="0" err="1"/>
-              <a:t>på</a:t>
-            </a:r>
-            <a:r>
-              <a:rPr dirty="0"/>
-              <a:t> </a:t>
-            </a:r>
+              <a:rPr dirty="0"/>
+              <a:t> </a:t>
+            </a:r>
+            <a:r>
+              <a:rPr dirty="0" err="1"/>
+              <a:t>Eksterne</a:t>
+            </a:r>
+            <a:r>
+              <a:rPr dirty="0"/>
+              <a:t> </a:t>
+            </a:r>
+            <a:r>
+              <a:rPr dirty="0" err="1"/>
+              <a:t>skrifttyper</a:t>
+            </a:r>
+            <a:r>
+              <a:rPr dirty="0"/>
+              <a:t> </a:t>
+            </a:r>
+            <a:r>
+              <a:rPr dirty="0" err="1"/>
+              <a:t>kan</a:t>
+            </a:r>
+            <a:r>
+              <a:rPr dirty="0"/>
+              <a:t> </a:t>
+            </a:r>
+            <a:r>
+              <a:rPr dirty="0" err="1"/>
+              <a:t>øge</a:t>
+            </a:r>
+            <a:r>
+              <a:rPr dirty="0"/>
+              <a:t> </a:t>
+            </a:r>
+            <a:r>
+              <a:rPr dirty="0" err="1"/>
+              <a:t>sidens</a:t>
+            </a:r>
+            <a:r>
+              <a:rPr dirty="0"/>
+              <a:t> </a:t>
+            </a:r>
+            <a:r>
+              <a:rPr dirty="0" err="1"/>
+              <a:t>vægt</a:t>
+            </a:r>
+            <a:r>
+              <a:rPr dirty="0"/>
+              <a:t> </a:t>
+            </a:r>
+            <a:r>
+              <a:rPr dirty="0" err="1"/>
+              <a:t>og</a:t>
+            </a:r>
+            <a:r>
+              <a:rPr dirty="0"/>
+              <a:t> </a:t>
+            </a:r>
+            <a:r>
+              <a:rPr dirty="0" err="1"/>
+              <a:t>energiforbrug</a:t>
+            </a:r>
+            <a:r>
+              <a:rPr dirty="0"/>
+              <a:t>.</a:t>
+            </a:r>
+          </a:p>
+          <a:p>
+            <a:r>
+              <a:rPr dirty="0"/>
+              <a:t> Brug </a:t>
+            </a:r>
+            <a:r>
+              <a:rPr dirty="0" err="1"/>
+              <a:t>systemskrifttyper</a:t>
+            </a:r>
+            <a:r>
+              <a:rPr dirty="0"/>
+              <a:t>, </a:t>
+            </a:r>
+            <a:r>
+              <a:rPr dirty="0" err="1"/>
+              <a:t>hvor</a:t>
+            </a:r>
+            <a:r>
+              <a:rPr dirty="0"/>
+              <a:t> det er </a:t>
+            </a:r>
+            <a:r>
+              <a:rPr dirty="0" err="1"/>
+              <a:t>muligt</a:t>
+            </a:r>
+            <a:r>
+              <a:rPr dirty="0"/>
+              <a:t>.</a:t>
+            </a:r>
+          </a:p>
+          <a:p>
             <a:r>
               <a:rPr lang="da-DK" dirty="0"/>
-              <a:t>digital </a:t>
-            </a:r>
-            <a:r>
-              <a:rPr dirty="0" err="1"/>
-              <a:t>skærme</a:t>
-            </a:r>
-            <a:r>
-              <a:rPr dirty="0"/>
-              <a:t>.</a:t>
-            </a:r>
-          </a:p>
-          <a:p>
-            <a:r>
-              <a:rPr dirty="0" err="1"/>
-              <a:t>Mørk</a:t>
-            </a:r>
-            <a:r>
-              <a:rPr dirty="0"/>
-              <a:t> </a:t>
-            </a:r>
-            <a:r>
-              <a:rPr dirty="0" err="1"/>
-              <a:t>tilstand</a:t>
-            </a:r>
-            <a:r>
-              <a:rPr dirty="0"/>
-              <a:t> </a:t>
-            </a:r>
-            <a:r>
-              <a:rPr dirty="0" err="1"/>
-              <a:t>kan</a:t>
-            </a:r>
-            <a:r>
-              <a:rPr dirty="0"/>
-              <a:t> </a:t>
-            </a:r>
-            <a:r>
-              <a:rPr dirty="0" err="1"/>
-              <a:t>nemt</a:t>
-            </a:r>
-            <a:r>
-              <a:rPr dirty="0"/>
-              <a:t> </a:t>
-            </a:r>
-            <a:r>
-              <a:rPr dirty="0" err="1"/>
-              <a:t>implementeres</a:t>
-            </a:r>
-            <a:r>
-              <a:rPr dirty="0"/>
-              <a:t> med </a:t>
-            </a:r>
-            <a:r>
-              <a:rPr dirty="0" err="1"/>
-              <a:t>få</a:t>
-            </a:r>
-            <a:r>
-              <a:rPr dirty="0"/>
-              <a:t> </a:t>
-            </a:r>
-            <a:r>
-              <a:rPr dirty="0" err="1"/>
-              <a:t>linjer</a:t>
-            </a:r>
-            <a:r>
-              <a:rPr dirty="0"/>
-              <a:t> </a:t>
-            </a:r>
-            <a:r>
-              <a:rPr dirty="0" err="1"/>
-              <a:t>kode</a:t>
-            </a:r>
-            <a:r>
-              <a:rPr lang="da-DK" dirty="0"/>
-              <a:t>(</a:t>
-            </a:r>
-            <a:r>
-              <a:rPr lang="da-DK" dirty="0" err="1"/>
-              <a:t>javascript</a:t>
-            </a:r>
-            <a:r>
-              <a:rPr lang="da-DK" dirty="0"/>
-              <a:t> eller CSS)</a:t>
+              <a:t> </a:t>
+            </a:r>
+            <a:r>
+              <a:rPr dirty="0" err="1"/>
+              <a:t>Delmængde</a:t>
+            </a:r>
+            <a:r>
+              <a:rPr dirty="0"/>
+              <a:t> </a:t>
+            </a:r>
+            <a:r>
+              <a:rPr dirty="0" err="1"/>
+              <a:t>skrifttyper</a:t>
+            </a:r>
+            <a:r>
+              <a:rPr dirty="0"/>
+              <a:t> for at </a:t>
+            </a:r>
+            <a:r>
+              <a:rPr dirty="0" err="1"/>
+              <a:t>reducere</a:t>
+            </a:r>
+            <a:r>
+              <a:rPr dirty="0"/>
+              <a:t> </a:t>
+            </a:r>
+            <a:r>
+              <a:rPr dirty="0" err="1"/>
+              <a:t>filstørrelsen</a:t>
             </a:r>
             <a:r>
               <a:rPr dirty="0"/>
@@ -6265,7 +6325,7 @@
               <a:rPr dirty="0" err="1">
                 <a:latin typeface="Raleway" pitchFamily="2" charset="77"/>
               </a:rPr>
-              <a:t>Effektive</a:t>
+              <a:t>Fordelene</a:t>
             </a:r>
             <a:r>
               <a:rPr dirty="0">
@@ -6277,7 +6337,31 @@
               <a:rPr dirty="0" err="1">
                 <a:latin typeface="Raleway" pitchFamily="2" charset="77"/>
               </a:rPr>
-              <a:t>kodningspraksisser</a:t>
+              <a:t>ved</a:t>
+            </a:r>
+            <a:r>
+              <a:rPr dirty="0">
+                <a:latin typeface="Raleway" pitchFamily="2" charset="77"/>
+              </a:rPr>
+              <a:t> </a:t>
+            </a:r>
+            <a:r>
+              <a:rPr dirty="0" err="1">
+                <a:latin typeface="Raleway" pitchFamily="2" charset="77"/>
+              </a:rPr>
+              <a:t>mørk</a:t>
+            </a:r>
+            <a:r>
+              <a:rPr dirty="0">
+                <a:latin typeface="Raleway" pitchFamily="2" charset="77"/>
+              </a:rPr>
+              <a:t> </a:t>
+            </a:r>
+            <a:r>
+              <a:rPr dirty="0" err="1">
+                <a:latin typeface="Raleway" pitchFamily="2" charset="77"/>
+              </a:rPr>
+              <a:t>tilstand</a:t>
             </a:r>
             <a:endParaRPr dirty="0">
               <a:latin typeface="Raleway" pitchFamily="2" charset="77"/>
@@ -6301,176 +6385,165 @@
           <a:lstStyle/>
           <a:p>
             <a:r>
-              <a:rPr dirty="0"/>
-              <a:t> </a:t>
-            </a:r>
-            <a:r>
-              <a:rPr dirty="0" err="1"/>
-              <a:t>Skriv</a:t>
-            </a:r>
-            <a:r>
-              <a:rPr dirty="0"/>
-              <a:t> </a:t>
-            </a:r>
-            <a:r>
-              <a:rPr dirty="0" err="1"/>
-              <a:t>genanvendelig</a:t>
-            </a:r>
-            <a:r>
-              <a:rPr dirty="0"/>
-              <a:t> </a:t>
-            </a:r>
-            <a:r>
-              <a:rPr dirty="0" err="1"/>
-              <a:t>og</a:t>
-            </a:r>
-            <a:r>
-              <a:rPr dirty="0"/>
-              <a:t> </a:t>
-            </a:r>
-            <a:r>
-              <a:rPr dirty="0" err="1">
-                <a:solidFill>
-                  <a:srgbClr val="FF0000"/>
-                </a:solidFill>
-              </a:rPr>
-              <a:t>modulær</a:t>
-            </a:r>
-            <a:r>
-              <a:rPr dirty="0">
-                <a:solidFill>
-                  <a:srgbClr val="FF0000"/>
-                </a:solidFill>
-              </a:rPr>
-              <a:t> </a:t>
-            </a:r>
-            <a:r>
-              <a:rPr dirty="0" err="1">
-                <a:solidFill>
-                  <a:srgbClr val="FF0000"/>
-                </a:solidFill>
-              </a:rPr>
+              <a:rPr dirty="0" err="1"/>
+              <a:t>Mørk</a:t>
+            </a:r>
+            <a:r>
+              <a:rPr dirty="0"/>
+              <a:t> </a:t>
+            </a:r>
+            <a:r>
+              <a:rPr dirty="0" err="1"/>
+              <a:t>tilstand</a:t>
+            </a:r>
+            <a:r>
+              <a:rPr dirty="0"/>
+              <a:t> </a:t>
+            </a:r>
+            <a:r>
+              <a:rPr dirty="0" err="1"/>
+              <a:t>reducerer</a:t>
+            </a:r>
+            <a:r>
+              <a:rPr dirty="0"/>
+              <a:t> </a:t>
+            </a:r>
+            <a:r>
+              <a:rPr dirty="0" err="1"/>
+              <a:t>energiforbruget</a:t>
+            </a:r>
+            <a:r>
+              <a:rPr dirty="0"/>
+              <a:t> </a:t>
+            </a:r>
+            <a:endParaRPr lang="da-DK" dirty="0"/>
+          </a:p>
+          <a:p>
+            <a:r>
+              <a:rPr dirty="0"/>
+              <a:t>Sort er den </a:t>
+            </a:r>
+            <a:r>
+              <a:rPr dirty="0" err="1"/>
+              <a:t>mest</a:t>
+            </a:r>
+            <a:r>
+              <a:rPr dirty="0"/>
+              <a:t> </a:t>
+            </a:r>
+            <a:r>
+              <a:rPr dirty="0" err="1"/>
+              <a:t>energieffektive</a:t>
+            </a:r>
+            <a:r>
+              <a:rPr dirty="0"/>
+              <a:t> </a:t>
+            </a:r>
+            <a:r>
+              <a:rPr dirty="0" err="1"/>
+              <a:t>farve</a:t>
+            </a:r>
+            <a:r>
+              <a:rPr dirty="0"/>
+              <a:t> </a:t>
+            </a:r>
+            <a:r>
+              <a:rPr dirty="0" err="1"/>
+              <a:t>på</a:t>
+            </a:r>
+            <a:r>
+              <a:rPr dirty="0"/>
+              <a:t> </a:t>
+            </a:r>
+            <a:r>
+              <a:rPr lang="da-DK" dirty="0"/>
+              <a:t>digital </a:t>
+            </a:r>
+            <a:r>
+              <a:rPr dirty="0" err="1"/>
+              <a:t>skærme</a:t>
+            </a:r>
+            <a:r>
+              <a:rPr dirty="0"/>
+              <a:t>.</a:t>
+            </a:r>
+          </a:p>
+          <a:p>
+            <a:r>
+              <a:rPr dirty="0" err="1"/>
+              <a:t>Mørk</a:t>
+            </a:r>
+            <a:r>
+              <a:rPr dirty="0"/>
+              <a:t> </a:t>
+            </a:r>
+            <a:r>
+              <a:rPr dirty="0" err="1"/>
+              <a:t>tilstand</a:t>
+            </a:r>
+            <a:r>
+              <a:rPr dirty="0"/>
+              <a:t> </a:t>
+            </a:r>
+            <a:r>
+              <a:rPr dirty="0" err="1"/>
+              <a:t>kan</a:t>
+            </a:r>
+            <a:r>
+              <a:rPr dirty="0"/>
+              <a:t> </a:t>
+            </a:r>
+            <a:r>
+              <a:rPr dirty="0" err="1"/>
+              <a:t>nemt</a:t>
+            </a:r>
+            <a:r>
+              <a:rPr dirty="0"/>
+              <a:t> </a:t>
+            </a:r>
+            <a:r>
+              <a:rPr dirty="0" err="1"/>
+              <a:t>implementeres</a:t>
+            </a:r>
+            <a:r>
+              <a:rPr dirty="0"/>
+              <a:t> med </a:t>
+            </a:r>
+            <a:r>
+              <a:rPr dirty="0" err="1"/>
+              <a:t>få</a:t>
+            </a:r>
+            <a:r>
+              <a:rPr dirty="0"/>
+              <a:t> </a:t>
+            </a:r>
+            <a:r>
+              <a:rPr dirty="0" err="1"/>
+              <a:t>linjer</a:t>
+            </a:r>
+            <a:r>
+              <a:rPr dirty="0"/>
+              <a:t> </a:t>
+            </a:r>
+            <a:r>
+              <a:rPr dirty="0" err="1"/>
               <a:t>kode</a:t>
             </a:r>
             <a:r>
+              <a:rPr lang="da-DK" dirty="0"/>
+              <a:t>(</a:t>
+            </a:r>
+            <a:r>
+              <a:rPr lang="da-DK" dirty="0" err="1"/>
+              <a:t>javascript</a:t>
+            </a:r>
+            <a:r>
+              <a:rPr lang="da-DK" dirty="0"/>
+              <a:t> eller CSS)</a:t>
+            </a:r>
+            <a:r>
               <a:rPr dirty="0"/>
               <a:t>.</a:t>
-            </a:r>
-          </a:p>
-          <a:p>
-            <a:r>
-              <a:rPr dirty="0" err="1"/>
-              <a:t>Genanvendelig</a:t>
-            </a:r>
-            <a:r>
-              <a:rPr dirty="0"/>
-              <a:t> </a:t>
-            </a:r>
-            <a:r>
-              <a:rPr dirty="0" err="1"/>
-              <a:t>kode</a:t>
-            </a:r>
-            <a:r>
-              <a:rPr dirty="0"/>
-              <a:t> </a:t>
-            </a:r>
-            <a:r>
-              <a:rPr dirty="0" err="1"/>
-              <a:t>reducerer</a:t>
-            </a:r>
-            <a:r>
-              <a:rPr dirty="0"/>
-              <a:t> </a:t>
-            </a:r>
-            <a:r>
-              <a:rPr dirty="0" err="1"/>
-              <a:t>redundans</a:t>
-            </a:r>
-            <a:r>
-              <a:rPr dirty="0"/>
-              <a:t> </a:t>
-            </a:r>
-            <a:r>
-              <a:rPr dirty="0" err="1"/>
-              <a:t>og</a:t>
-            </a:r>
-            <a:r>
-              <a:rPr dirty="0"/>
-              <a:t> </a:t>
-            </a:r>
-            <a:r>
-              <a:rPr dirty="0" err="1"/>
-              <a:t>forbedrer</a:t>
-            </a:r>
-            <a:r>
-              <a:rPr dirty="0"/>
-              <a:t> </a:t>
-            </a:r>
-            <a:r>
-              <a:rPr dirty="0" err="1"/>
-              <a:t>effektiviteten</a:t>
-            </a:r>
-            <a:r>
-              <a:rPr dirty="0"/>
-              <a:t>.</a:t>
-            </a:r>
-          </a:p>
-          <a:p>
-            <a:r>
-              <a:rPr dirty="0" err="1"/>
-              <a:t>Modulær</a:t>
-            </a:r>
-            <a:r>
-              <a:rPr dirty="0"/>
-              <a:t> </a:t>
-            </a:r>
-            <a:r>
-              <a:rPr dirty="0" err="1"/>
-              <a:t>kode</a:t>
-            </a:r>
-            <a:r>
-              <a:rPr dirty="0"/>
-              <a:t> </a:t>
-            </a:r>
-            <a:r>
-              <a:rPr dirty="0" err="1"/>
-              <a:t>gør</a:t>
-            </a:r>
-            <a:r>
-              <a:rPr dirty="0"/>
-              <a:t> det </a:t>
-            </a:r>
-            <a:r>
-              <a:rPr dirty="0" err="1"/>
-              <a:t>lettere</a:t>
-            </a:r>
-            <a:r>
-              <a:rPr dirty="0"/>
-              <a:t> at </a:t>
-            </a:r>
-            <a:r>
-              <a:rPr dirty="0" err="1"/>
-              <a:t>vedligeholde</a:t>
-            </a:r>
-            <a:r>
-              <a:rPr dirty="0"/>
-              <a:t> </a:t>
-            </a:r>
-            <a:r>
-              <a:rPr dirty="0" err="1"/>
-              <a:t>og</a:t>
-            </a:r>
-            <a:r>
-              <a:rPr dirty="0"/>
-              <a:t> </a:t>
-            </a:r>
-            <a:r>
-              <a:rPr dirty="0" err="1"/>
-              <a:t>opdatere</a:t>
-            </a:r>
-            <a:r>
-              <a:rPr dirty="0"/>
-              <a:t> websites.</a:t>
             </a:r>
           </a:p>
         </p:txBody>
@@ -6512,16 +6585,14 @@
         </p:nvSpPr>
         <p:spPr/>
         <p:txBody>
-          <a:bodyPr>
-            <a:normAutofit fontScale="90000"/>
-          </a:bodyPr>
+          <a:bodyPr/>
           <a:lstStyle/>
           <a:p>
             <a:r>
               <a:rPr dirty="0" err="1">
                 <a:latin typeface="Raleway" pitchFamily="2" charset="77"/>
               </a:rPr>
-              <a:t>Sammenhængen</a:t>
+              <a:t>Effektive</a:t>
             </a:r>
             <a:r>
               <a:rPr dirty="0">
@@ -6533,61 +6604,7 @@
               <a:rPr dirty="0" err="1">
                 <a:latin typeface="Raleway" pitchFamily="2" charset="77"/>
               </a:rPr>
-              <a:t>mellem</a:t>
-            </a:r>
-            <a:r>
-              <a:rPr dirty="0">
-                <a:latin typeface="Raleway" pitchFamily="2" charset="77"/>
-              </a:rPr>
-              <a:t> </a:t>
-            </a:r>
-            <a:r>
-              <a:rPr dirty="0" err="1">
-                <a:latin typeface="Raleway" pitchFamily="2" charset="77"/>
-              </a:rPr>
-              <a:t>ydeevne</a:t>
-            </a:r>
-            <a:r>
-              <a:rPr dirty="0">
-                <a:latin typeface="Raleway" pitchFamily="2" charset="77"/>
-              </a:rPr>
-              <a:t> </a:t>
-            </a:r>
-            <a:r>
-              <a:rPr lang="da-DK" dirty="0">
-                <a:latin typeface="Raleway" pitchFamily="2" charset="77"/>
-              </a:rPr>
-              <a:t>(</a:t>
-            </a:r>
-            <a:r>
-              <a:rPr lang="da-DK" dirty="0" err="1">
-                <a:latin typeface="Raleway" pitchFamily="2" charset="77"/>
-              </a:rPr>
-              <a:t>performace</a:t>
-            </a:r>
-            <a:r>
-              <a:rPr lang="da-DK" dirty="0">
-                <a:latin typeface="Raleway" pitchFamily="2" charset="77"/>
-              </a:rPr>
-              <a:t>) </a:t>
-            </a:r>
-            <a:r>
-              <a:rPr dirty="0" err="1">
-                <a:latin typeface="Raleway" pitchFamily="2" charset="77"/>
-              </a:rPr>
-              <a:t>og</a:t>
-            </a:r>
-            <a:r>
-              <a:rPr dirty="0">
-                <a:latin typeface="Raleway" pitchFamily="2" charset="77"/>
-              </a:rPr>
-              <a:t> </a:t>
-            </a:r>
-            <a:r>
-              <a:rPr dirty="0" err="1">
-                <a:latin typeface="Raleway" pitchFamily="2" charset="77"/>
-              </a:rPr>
-              <a:t>bæredygtighed</a:t>
+              <a:t>kodningspraksisser</a:t>
             </a:r>
             <a:endParaRPr dirty="0">
               <a:latin typeface="Raleway" pitchFamily="2" charset="77"/>
@@ -6612,27 +6629,55 @@
           <a:p>
             <a:r>
               <a:rPr dirty="0"/>
-              <a:t> Website-</a:t>
-            </a:r>
-            <a:r>
-              <a:rPr dirty="0" err="1"/>
-              <a:t>ydeevne</a:t>
-            </a:r>
-            <a:r>
-              <a:rPr dirty="0"/>
-              <a:t> er </a:t>
-            </a:r>
-            <a:r>
-              <a:rPr dirty="0" err="1"/>
-              <a:t>afgørende</a:t>
-            </a:r>
-            <a:r>
-              <a:rPr dirty="0"/>
-              <a:t> for </a:t>
-            </a:r>
-            <a:r>
-              <a:rPr dirty="0" err="1"/>
-              <a:t>bæredygtighed</a:t>
+              <a:t> </a:t>
+            </a:r>
+            <a:r>
+              <a:rPr dirty="0" err="1"/>
+              <a:t>Skriv</a:t>
+            </a:r>
+            <a:r>
+              <a:rPr dirty="0"/>
+              <a:t> </a:t>
+            </a:r>
+            <a:r>
+              <a:rPr dirty="0" err="1"/>
+              <a:t>genanvendelig</a:t>
+            </a:r>
+            <a:r>
+              <a:rPr dirty="0"/>
+              <a:t> </a:t>
+            </a:r>
+            <a:r>
+              <a:rPr dirty="0" err="1"/>
+              <a:t>og</a:t>
+            </a:r>
+            <a:r>
+              <a:rPr dirty="0"/>
+              <a:t> </a:t>
+            </a:r>
+            <a:r>
+              <a:rPr dirty="0" err="1">
+                <a:solidFill>
+                  <a:srgbClr val="FF0000"/>
+                </a:solidFill>
+              </a:rPr>
+              <a:t>modulær</a:t>
+            </a:r>
+            <a:r>
+              <a:rPr dirty="0">
+                <a:solidFill>
+                  <a:srgbClr val="FF0000"/>
+                </a:solidFill>
+              </a:rPr>
+              <a:t> </a:t>
+            </a:r>
+            <a:r>
+              <a:rPr dirty="0" err="1">
+                <a:solidFill>
+                  <a:srgbClr val="FF0000"/>
+                </a:solidFill>
+              </a:rPr>
+              <a:t>kode</a:t>
             </a:r>
             <a:r>
               <a:rPr dirty="0"/>
@@ -6641,80 +6686,118 @@
           </a:p>
           <a:p>
             <a:r>
-              <a:rPr dirty="0"/>
-              <a:t> </a:t>
-            </a:r>
-            <a:r>
-              <a:rPr dirty="0" err="1"/>
-              <a:t>Optimer</a:t>
-            </a:r>
-            <a:r>
-              <a:rPr dirty="0"/>
-              <a:t> </a:t>
-            </a:r>
-            <a:r>
-              <a:rPr lang="da-DK" dirty="0"/>
-              <a:t> </a:t>
-            </a:r>
-            <a:r>
-              <a:rPr lang="da-DK" dirty="0" err="1"/>
-              <a:t>loading</a:t>
-            </a:r>
-            <a:r>
-              <a:rPr lang="da-DK" dirty="0"/>
-              <a:t> speed</a:t>
-            </a:r>
-            <a:r>
-              <a:rPr dirty="0"/>
-              <a:t> for websites.</a:t>
-            </a:r>
-          </a:p>
-          <a:p>
-            <a:pPr marL="0" indent="0">
-              <a:buNone/>
-            </a:pPr>
-            <a:endParaRPr dirty="0"/>
-          </a:p>
-          <a:p>
-            <a:r>
-              <a:rPr dirty="0" err="1"/>
-              <a:t>Hurtigt</a:t>
-            </a:r>
-            <a:r>
-              <a:rPr dirty="0"/>
-              <a:t> </a:t>
-            </a:r>
-            <a:r>
-              <a:rPr dirty="0" err="1"/>
-              <a:t>indlæste</a:t>
-            </a:r>
-            <a:r>
-              <a:rPr dirty="0"/>
-              <a:t> sider </a:t>
-            </a:r>
-            <a:r>
-              <a:rPr dirty="0" err="1"/>
-              <a:t>bruger</a:t>
-            </a:r>
-            <a:r>
-              <a:rPr dirty="0"/>
-              <a:t> </a:t>
-            </a:r>
-            <a:r>
-              <a:rPr dirty="0" err="1"/>
-              <a:t>mindre</a:t>
-            </a:r>
-            <a:r>
-              <a:rPr dirty="0"/>
-              <a:t> </a:t>
-            </a:r>
-            <a:r>
-              <a:rPr dirty="0" err="1"/>
-              <a:t>energi</a:t>
+              <a:rPr dirty="0" err="1"/>
+              <a:t>Genanvendelig</a:t>
+            </a:r>
+            <a:r>
+              <a:rPr dirty="0"/>
+              <a:t> </a:t>
+            </a:r>
+            <a:r>
+              <a:rPr dirty="0" err="1"/>
+              <a:t>kode</a:t>
+            </a:r>
+            <a:r>
+              <a:rPr dirty="0"/>
+              <a:t> </a:t>
+            </a:r>
+            <a:r>
+              <a:rPr dirty="0" err="1"/>
+              <a:t>reducerer</a:t>
+            </a:r>
+            <a:r>
+              <a:rPr dirty="0"/>
+              <a:t> </a:t>
+            </a:r>
+            <a:r>
+              <a:rPr dirty="0" err="1"/>
+              <a:t>redundans</a:t>
+            </a:r>
+            <a:r>
+              <a:rPr dirty="0"/>
+              <a:t> </a:t>
+            </a:r>
+            <a:r>
+              <a:rPr dirty="0" err="1"/>
+              <a:t>og</a:t>
+            </a:r>
+            <a:r>
+              <a:rPr dirty="0"/>
+              <a:t> </a:t>
+            </a:r>
+            <a:r>
+              <a:rPr dirty="0" err="1"/>
+              <a:t>forbedrer</a:t>
+            </a:r>
+            <a:r>
+              <a:rPr dirty="0"/>
+              <a:t> </a:t>
+            </a:r>
+            <a:r>
+              <a:rPr dirty="0" err="1"/>
+              <a:t>effektiviteten</a:t>
             </a:r>
             <a:r>
               <a:rPr dirty="0"/>
               <a:t>.</a:t>
+            </a:r>
+          </a:p>
+          <a:p>
+            <a:r>
+              <a:rPr dirty="0" err="1"/>
+              <a:t>Modulær</a:t>
+            </a:r>
+            <a:r>
+              <a:rPr dirty="0"/>
+              <a:t> </a:t>
+            </a:r>
+            <a:r>
+              <a:rPr dirty="0" err="1"/>
+              <a:t>kode</a:t>
+            </a:r>
+            <a:r>
+              <a:rPr dirty="0"/>
+              <a:t> </a:t>
+            </a:r>
+            <a:r>
+              <a:rPr dirty="0" err="1"/>
+              <a:t>gør</a:t>
+            </a:r>
+            <a:r>
+              <a:rPr dirty="0"/>
+              <a:t> det </a:t>
+            </a:r>
+            <a:r>
+              <a:rPr dirty="0" err="1"/>
+              <a:t>lettere</a:t>
+            </a:r>
+            <a:r>
+              <a:rPr dirty="0"/>
+              <a:t> at </a:t>
+            </a:r>
+            <a:r>
+              <a:rPr dirty="0" err="1"/>
+              <a:t>vedligeholde</a:t>
+            </a:r>
+            <a:r>
+              <a:rPr dirty="0"/>
+              <a:t> </a:t>
+            </a:r>
+            <a:r>
+              <a:rPr dirty="0" err="1"/>
+              <a:t>og</a:t>
+            </a:r>
+            <a:r>
+              <a:rPr dirty="0"/>
+              <a:t> </a:t>
+            </a:r>
+            <a:r>
+              <a:rPr dirty="0" err="1"/>
+              <a:t>opdatere</a:t>
+            </a:r>
+            <a:r>
+              <a:rPr dirty="0"/>
+              <a:t> websites.</a:t>
             </a:r>
           </a:p>
         </p:txBody>
@@ -6756,14 +6839,16 @@
         </p:nvSpPr>
         <p:spPr/>
         <p:txBody>
-          <a:bodyPr/>
+          <a:bodyPr>
+            <a:normAutofit fontScale="90000"/>
+          </a:bodyPr>
           <a:lstStyle/>
           <a:p>
             <a:r>
               <a:rPr dirty="0" err="1">
                 <a:latin typeface="Raleway" pitchFamily="2" charset="77"/>
               </a:rPr>
-              <a:t>Minificering</a:t>
+              <a:t>Sammenhængen</a:t>
             </a:r>
             <a:r>
               <a:rPr dirty="0">
@@ -6775,7 +6860,7 @@
               <a:rPr dirty="0" err="1">
                 <a:latin typeface="Raleway" pitchFamily="2" charset="77"/>
               </a:rPr>
-              <a:t>af</a:t>
+              <a:t>mellem</a:t>
             </a:r>
             <a:r>
               <a:rPr dirty="0">
@@ -6787,13 +6872,49 @@
               <a:rPr dirty="0" err="1">
                 <a:latin typeface="Raleway" pitchFamily="2" charset="77"/>
               </a:rPr>
-              <a:t>kode</a:t>
+              <a:t>ydeevne</a:t>
+            </a:r>
+            <a:r>
+              <a:rPr dirty="0">
+                <a:latin typeface="Raleway" pitchFamily="2" charset="77"/>
+              </a:rPr>
+              <a:t> </a:t>
             </a:r>
             <a:r>
               <a:rPr lang="da-DK" dirty="0">
                 <a:latin typeface="Raleway" pitchFamily="2" charset="77"/>
               </a:rPr>
-              <a:t> til produktion</a:t>
+              <a:t>(</a:t>
+            </a:r>
+            <a:r>
+              <a:rPr lang="da-DK" dirty="0" err="1">
+                <a:latin typeface="Raleway" pitchFamily="2" charset="77"/>
+              </a:rPr>
+              <a:t>performace</a:t>
+            </a:r>
+            <a:r>
+              <a:rPr lang="da-DK" dirty="0">
+                <a:latin typeface="Raleway" pitchFamily="2" charset="77"/>
+              </a:rPr>
+              <a:t>) </a:t>
+            </a:r>
+            <a:r>
+              <a:rPr dirty="0" err="1">
+                <a:latin typeface="Raleway" pitchFamily="2" charset="77"/>
+              </a:rPr>
+              <a:t>og</a:t>
+            </a:r>
+            <a:r>
+              <a:rPr dirty="0">
+                <a:latin typeface="Raleway" pitchFamily="2" charset="77"/>
+              </a:rPr>
+              <a:t> </a:t>
+            </a:r>
+            <a:r>
+              <a:rPr dirty="0" err="1">
+                <a:latin typeface="Raleway" pitchFamily="2" charset="77"/>
+              </a:rPr>
+              <a:t>bæredygtighed</a:t>
             </a:r>
             <a:endParaRPr dirty="0">
               <a:latin typeface="Raleway" pitchFamily="2" charset="77"/>
@@ -6818,59 +6939,27 @@
           <a:p>
             <a:r>
               <a:rPr dirty="0"/>
-              <a:t> </a:t>
-            </a:r>
-            <a:r>
-              <a:rPr dirty="0" err="1"/>
-              <a:t>Minificering</a:t>
-            </a:r>
-            <a:r>
-              <a:rPr dirty="0"/>
-              <a:t> </a:t>
-            </a:r>
-            <a:r>
-              <a:rPr dirty="0" err="1"/>
-              <a:t>af</a:t>
-            </a:r>
-            <a:r>
-              <a:rPr dirty="0"/>
-              <a:t> CSS </a:t>
-            </a:r>
-            <a:r>
-              <a:rPr dirty="0" err="1"/>
-              <a:t>reducerer</a:t>
-            </a:r>
-            <a:r>
-              <a:rPr dirty="0"/>
-              <a:t> </a:t>
-            </a:r>
-            <a:r>
-              <a:rPr dirty="0" err="1"/>
-              <a:t>filstørrelsen</a:t>
-            </a:r>
-            <a:r>
-              <a:rPr dirty="0"/>
-              <a:t> </a:t>
-            </a:r>
-            <a:r>
-              <a:rPr dirty="0" err="1"/>
-              <a:t>og</a:t>
-            </a:r>
-            <a:r>
-              <a:rPr dirty="0"/>
-              <a:t> </a:t>
-            </a:r>
-            <a:r>
-              <a:rPr dirty="0" err="1"/>
-              <a:t>forbedrer</a:t>
-            </a:r>
-            <a:r>
-              <a:rPr dirty="0"/>
-              <a:t> </a:t>
-            </a:r>
-            <a:r>
-              <a:rPr dirty="0" err="1"/>
-              <a:t>ydeevnen</a:t>
+              <a:t> Website-</a:t>
+            </a:r>
+            <a:r>
+              <a:rPr dirty="0" err="1"/>
+              <a:t>ydeevne</a:t>
+            </a:r>
+            <a:r>
+              <a:rPr dirty="0"/>
+              <a:t> er </a:t>
+            </a:r>
+            <a:r>
+              <a:rPr dirty="0" err="1"/>
+              <a:t>afgørende</a:t>
+            </a:r>
+            <a:r>
+              <a:rPr dirty="0"/>
+              <a:t> for </a:t>
+            </a:r>
+            <a:r>
+              <a:rPr dirty="0" err="1"/>
+              <a:t>bæredygtighed</a:t>
             </a:r>
             <a:r>
               <a:rPr dirty="0"/>
@@ -6884,116 +6973,71 @@
             </a:r>
             <a:r>
               <a:rPr dirty="0" err="1"/>
-              <a:t>Fjern</a:t>
-            </a:r>
-            <a:r>
-              <a:rPr dirty="0"/>
-              <a:t> </a:t>
-            </a:r>
-            <a:r>
-              <a:rPr dirty="0" err="1"/>
-              <a:t>unødvendige</a:t>
-            </a:r>
-            <a:r>
-              <a:rPr dirty="0"/>
-              <a:t> </a:t>
-            </a:r>
-            <a:r>
-              <a:rPr dirty="0" err="1"/>
-              <a:t>mellemrum</a:t>
-            </a:r>
-            <a:r>
-              <a:rPr dirty="0"/>
-              <a:t>, </a:t>
-            </a:r>
-            <a:r>
-              <a:rPr dirty="0" err="1"/>
-              <a:t>kommentarer</a:t>
-            </a:r>
-            <a:r>
-              <a:rPr dirty="0"/>
-              <a:t> </a:t>
-            </a:r>
-            <a:r>
-              <a:rPr dirty="0" err="1"/>
-              <a:t>og</a:t>
-            </a:r>
-            <a:r>
-              <a:rPr dirty="0"/>
-              <a:t> </a:t>
-            </a:r>
-            <a:r>
-              <a:rPr dirty="0" err="1"/>
-              <a:t>linjeskift</a:t>
-            </a:r>
-            <a:r>
-              <a:rPr dirty="0"/>
-              <a:t>.</a:t>
-            </a:r>
-          </a:p>
-          <a:p>
+              <a:t>Optimer</a:t>
+            </a:r>
+            <a:r>
+              <a:rPr dirty="0"/>
+              <a:t> </a:t>
+            </a:r>
             <a:r>
               <a:rPr lang="da-DK" dirty="0"/>
               <a:t> </a:t>
             </a:r>
+            <a:r>
+              <a:rPr lang="da-DK" dirty="0" err="1"/>
+              <a:t>loading</a:t>
+            </a:r>
+            <a:r>
+              <a:rPr lang="da-DK" dirty="0"/>
+              <a:t> speed</a:t>
+            </a:r>
+            <a:r>
+              <a:rPr dirty="0"/>
+              <a:t> for websites.</a:t>
+            </a:r>
+          </a:p>
+          <a:p>
+            <a:pPr marL="0" indent="0">
+              <a:buNone/>
+            </a:pPr>
             <a:endParaRPr dirty="0"/>
           </a:p>
           <a:p>
             <a:r>
-              <a:rPr dirty="0"/>
-              <a:t> </a:t>
-            </a:r>
-            <a:r>
-              <a:rPr dirty="0" err="1"/>
-              <a:t>Minificeret</a:t>
-            </a:r>
-            <a:r>
-              <a:rPr dirty="0"/>
-              <a:t> CSS </a:t>
-            </a:r>
-            <a:r>
-              <a:rPr dirty="0" err="1"/>
-              <a:t>indlæses</a:t>
-            </a:r>
-            <a:r>
-              <a:rPr dirty="0"/>
-              <a:t> </a:t>
-            </a:r>
-            <a:r>
-              <a:rPr dirty="0" err="1"/>
-              <a:t>hurtigere</a:t>
-            </a:r>
-            <a:r>
-              <a:rPr dirty="0"/>
-              <a:t> </a:t>
-            </a:r>
-            <a:r>
-              <a:rPr dirty="0" err="1"/>
-              <a:t>og</a:t>
-            </a:r>
-            <a:r>
-              <a:rPr dirty="0"/>
-              <a:t> </a:t>
-            </a:r>
-            <a:r>
-              <a:rPr dirty="0" err="1"/>
-              <a:t>reducerer</a:t>
-            </a:r>
-            <a:r>
-              <a:rPr dirty="0"/>
-              <a:t> </a:t>
-            </a:r>
-            <a:r>
-              <a:rPr dirty="0" err="1"/>
-              <a:t>sidens</a:t>
-            </a:r>
-            <a:r>
-              <a:rPr dirty="0"/>
-              <a:t> </a:t>
-            </a:r>
-            <a:r>
-              <a:rPr dirty="0" err="1"/>
-              <a:t>vægt</a:t>
+              <a:rPr dirty="0" err="1"/>
+              <a:t>Hurtigt</a:t>
+            </a:r>
+            <a:r>
+              <a:rPr dirty="0"/>
+              <a:t> </a:t>
+            </a:r>
+            <a:r>
+              <a:rPr dirty="0" err="1"/>
+              <a:t>indlæste</a:t>
+            </a:r>
+            <a:r>
+              <a:rPr dirty="0"/>
+              <a:t> sider </a:t>
+            </a:r>
+            <a:r>
+              <a:rPr dirty="0" err="1"/>
+              <a:t>bruger</a:t>
+            </a:r>
+            <a:r>
+              <a:rPr dirty="0"/>
+              <a:t> </a:t>
+            </a:r>
+            <a:r>
+              <a:rPr dirty="0" err="1"/>
+              <a:t>mindre</a:t>
+            </a:r>
+            <a:r>
+              <a:rPr dirty="0"/>
+              <a:t> </a:t>
+            </a:r>
+            <a:r>
+              <a:rPr dirty="0" err="1"/>
+              <a:t>energi</a:t>
             </a:r>
             <a:r>
               <a:rPr dirty="0"/>
@@ -7013,14 +7057,6 @@
 <file path=ppt/slides/slide2.xml><?xml version="1.0" encoding="utf-8"?>
 <p:sld xmlns:a="http://schemas.openxmlformats.org/drawingml/2006/main" xmlns:r="http://schemas.openxmlformats.org/officeDocument/2006/relationships" xmlns:p="http://schemas.openxmlformats.org/presentationml/2006/main">
   <p:cSld>
-    <p:bg>
-      <p:bgPr>
-        <a:solidFill>
-          <a:schemeClr val="bg1"/>
-        </a:solidFill>
-        <a:effectLst/>
-      </p:bgPr>
-    </p:bg>
     <p:spTree>
       <p:nvGrpSpPr>
         <p:cNvPr id="1" name=""/>
@@ -7035,369 +7071,238 @@
           <a:chExt cx="0" cy="0"/>
         </a:xfrm>
       </p:grpSpPr>
-      <p:sp useBgFill="1">
-        <p:nvSpPr>
-          <p:cNvPr id="17" name="Slide Background">
+      <p:sp>
+        <p:nvSpPr>
+          <p:cNvPr id="2" name="Title 1">
             <a:extLst>
               <a:ext uri="{FF2B5EF4-FFF2-40B4-BE49-F238E27FC236}">
-                <a16:creationId xmlns:a16="http://schemas.microsoft.com/office/drawing/2014/main" id="{C0763A76-9F1C-4FC5-82B7-DD475DA461B2}"/>
-              </a:ext>
-              <a:ext uri="{C183D7F6-B498-43B3-948B-1728B52AA6E4}">
-                <adec:decorative xmlns:adec="http://schemas.microsoft.com/office/drawing/2017/decorative" val="1"/>
+                <a16:creationId xmlns:a16="http://schemas.microsoft.com/office/drawing/2014/main" id="{18D6B1F8-0DFE-4B4F-1ADC-19F24AF6361A}"/>
               </a:ext>
             </a:extLst>
           </p:cNvPr>
           <p:cNvSpPr>
-            <a:spLocks noGrp="1" noRot="1" noChangeAspect="1" noMove="1" noResize="1" noEditPoints="1" noAdjustHandles="1" noChangeArrowheads="1" noChangeShapeType="1" noTextEdit="1"/>
-          </p:cNvSpPr>
-          <p:nvPr>
-            <p:extLst>
-              <p:ext uri="{386F3935-93C4-4BCD-93E2-E3B085C9AB24}">
-                <p16:designElem xmlns:p16="http://schemas.microsoft.com/office/powerpoint/2015/main" val="1"/>
-              </p:ext>
-            </p:extLst>
-          </p:nvPr>
-        </p:nvSpPr>
-        <p:spPr bwMode="white">
-          <a:xfrm>
-            <a:off x="-1" y="0"/>
-            <a:ext cx="12191999" cy="6858000"/>
-          </a:xfrm>
-          <a:prstGeom prst="rect">
-            <a:avLst/>
-          </a:prstGeom>
-          <a:ln>
-            <a:noFill/>
-          </a:ln>
-        </p:spPr>
-        <p:style>
-          <a:lnRef idx="2">
-            <a:schemeClr val="accent1">
-              <a:shade val="50000"/>
-            </a:schemeClr>
-          </a:lnRef>
-          <a:fillRef idx="1">
-            <a:schemeClr val="accent1"/>
-          </a:fillRef>
-          <a:effectRef idx="0">
-            <a:schemeClr val="accent1"/>
-          </a:effectRef>
-          <a:fontRef idx="minor">
-            <a:schemeClr val="lt1"/>
-          </a:fontRef>
-        </p:style>
-        <p:txBody>
-          <a:bodyPr rtlCol="0" anchor="ctr"/>
-          <a:lstStyle>
-            <a:defPPr>
-              <a:defRPr lang="en-US"/>
-            </a:defPPr>
-            <a:lvl1pPr marL="0" algn="l" defTabSz="914400" rtl="0" eaLnBrk="1" latinLnBrk="0" hangingPunct="1">
-              <a:defRPr sz="1800" kern="1200">
-                <a:solidFill>
-                  <a:schemeClr val="lt1"/>
-                </a:solidFill>
-                <a:latin typeface="+mn-lt"/>
-                <a:ea typeface="+mn-ea"/>
-                <a:cs typeface="+mn-cs"/>
-              </a:defRPr>
-            </a:lvl1pPr>
-            <a:lvl2pPr marL="457200" algn="l" defTabSz="914400" rtl="0" eaLnBrk="1" latinLnBrk="0" hangingPunct="1">
-              <a:defRPr sz="1800" kern="1200">
-                <a:solidFill>
-                  <a:schemeClr val="lt1"/>
-                </a:solidFill>
-                <a:latin typeface="+mn-lt"/>
-                <a:ea typeface="+mn-ea"/>
-                <a:cs typeface="+mn-cs"/>
-              </a:defRPr>
-            </a:lvl2pPr>
-            <a:lvl3pPr marL="914400" algn="l" defTabSz="914400" rtl="0" eaLnBrk="1" latinLnBrk="0" hangingPunct="1">
-              <a:defRPr sz="1800" kern="1200">
-                <a:solidFill>
-                  <a:schemeClr val="lt1"/>
-                </a:solidFill>
-                <a:latin typeface="+mn-lt"/>
-                <a:ea typeface="+mn-ea"/>
-                <a:cs typeface="+mn-cs"/>
-              </a:defRPr>
-            </a:lvl3pPr>
-            <a:lvl4pPr marL="1371600" algn="l" defTabSz="914400" rtl="0" eaLnBrk="1" latinLnBrk="0" hangingPunct="1">
-              <a:defRPr sz="1800" kern="1200">
-                <a:solidFill>
-                  <a:schemeClr val="lt1"/>
-                </a:solidFill>
-                <a:latin typeface="+mn-lt"/>
-                <a:ea typeface="+mn-ea"/>
-                <a:cs typeface="+mn-cs"/>
-              </a:defRPr>
-            </a:lvl4pPr>
-            <a:lvl5pPr marL="1828800" algn="l" defTabSz="914400" rtl="0" eaLnBrk="1" latinLnBrk="0" hangingPunct="1">
-              <a:defRPr sz="1800" kern="1200">
-                <a:solidFill>
-                  <a:schemeClr val="lt1"/>
-                </a:solidFill>
-                <a:latin typeface="+mn-lt"/>
-                <a:ea typeface="+mn-ea"/>
-                <a:cs typeface="+mn-cs"/>
-              </a:defRPr>
-            </a:lvl5pPr>
-            <a:lvl6pPr marL="2286000" algn="l" defTabSz="914400" rtl="0" eaLnBrk="1" latinLnBrk="0" hangingPunct="1">
-              <a:defRPr sz="1800" kern="1200">
-                <a:solidFill>
-                  <a:schemeClr val="lt1"/>
-                </a:solidFill>
-                <a:latin typeface="+mn-lt"/>
-                <a:ea typeface="+mn-ea"/>
-                <a:cs typeface="+mn-cs"/>
-              </a:defRPr>
-            </a:lvl6pPr>
-            <a:lvl7pPr marL="2743200" algn="l" defTabSz="914400" rtl="0" eaLnBrk="1" latinLnBrk="0" hangingPunct="1">
-              <a:defRPr sz="1800" kern="1200">
-                <a:solidFill>
-                  <a:schemeClr val="lt1"/>
-                </a:solidFill>
-                <a:latin typeface="+mn-lt"/>
-                <a:ea typeface="+mn-ea"/>
-                <a:cs typeface="+mn-cs"/>
-              </a:defRPr>
-            </a:lvl7pPr>
-            <a:lvl8pPr marL="3200400" algn="l" defTabSz="914400" rtl="0" eaLnBrk="1" latinLnBrk="0" hangingPunct="1">
-              <a:defRPr sz="1800" kern="1200">
-                <a:solidFill>
-                  <a:schemeClr val="lt1"/>
-                </a:solidFill>
-                <a:latin typeface="+mn-lt"/>
-                <a:ea typeface="+mn-ea"/>
-                <a:cs typeface="+mn-cs"/>
-              </a:defRPr>
-            </a:lvl8pPr>
-            <a:lvl9pPr marL="3657600" algn="l" defTabSz="914400" rtl="0" eaLnBrk="1" latinLnBrk="0" hangingPunct="1">
-              <a:defRPr sz="1800" kern="1200">
-                <a:solidFill>
-                  <a:schemeClr val="lt1"/>
-                </a:solidFill>
-                <a:latin typeface="+mn-lt"/>
-                <a:ea typeface="+mn-ea"/>
-                <a:cs typeface="+mn-cs"/>
-              </a:defRPr>
-            </a:lvl9pPr>
-          </a:lstStyle>
-          <a:p>
-            <a:pPr algn="ctr"/>
-            <a:endParaRPr lang="en-US"/>
-          </a:p>
-        </p:txBody>
-      </p:sp>
-      <p:sp useBgFill="1">
-        <p:nvSpPr>
-          <p:cNvPr id="19" name="Rectangle 18">
+            <a:spLocks noGrp="1"/>
+          </p:cNvSpPr>
+          <p:nvPr>
+            <p:ph type="title"/>
+          </p:nvPr>
+        </p:nvSpPr>
+        <p:spPr/>
+        <p:txBody>
+          <a:bodyPr/>
+          <a:lstStyle/>
+          <a:p>
+            <a:r>
+              <a:rPr lang="en-GB" dirty="0">
+                <a:latin typeface="Raleway" pitchFamily="2" charset="77"/>
+              </a:rPr>
+              <a:t>O</a:t>
+            </a:r>
+            <a:r>
+              <a:rPr lang="en-DK" dirty="0">
+                <a:latin typeface="Raleway" pitchFamily="2" charset="77"/>
+              </a:rPr>
+              <a:t>plæg hering kommune</a:t>
+            </a:r>
+          </a:p>
+        </p:txBody>
+      </p:sp>
+      <p:sp>
+        <p:nvSpPr>
+          <p:cNvPr id="3" name="Content Placeholder 2">
             <a:extLst>
               <a:ext uri="{FF2B5EF4-FFF2-40B4-BE49-F238E27FC236}">
-                <a16:creationId xmlns:a16="http://schemas.microsoft.com/office/drawing/2014/main" id="{E81BF4F6-F2CF-4984-9D14-D6966D92F99F}"/>
-              </a:ext>
-              <a:ext uri="{C183D7F6-B498-43B3-948B-1728B52AA6E4}">
-                <adec:decorative xmlns:adec="http://schemas.microsoft.com/office/drawing/2017/decorative" val="1"/>
+                <a16:creationId xmlns:a16="http://schemas.microsoft.com/office/drawing/2014/main" id="{69FE1913-4F20-BD87-1310-3AE7C210671A}"/>
               </a:ext>
             </a:extLst>
           </p:cNvPr>
           <p:cNvSpPr>
-            <a:spLocks noGrp="1" noRot="1" noChangeAspect="1" noMove="1" noResize="1" noEditPoints="1" noAdjustHandles="1" noChangeArrowheads="1" noChangeShapeType="1" noTextEdit="1"/>
-          </p:cNvSpPr>
-          <p:nvPr>
-            <p:extLst>
-              <p:ext uri="{386F3935-93C4-4BCD-93E2-E3B085C9AB24}">
-                <p16:designElem xmlns:p16="http://schemas.microsoft.com/office/powerpoint/2015/main" val="1"/>
-              </p:ext>
-            </p:extLst>
-          </p:nvPr>
-        </p:nvSpPr>
-        <p:spPr>
-          <a:xfrm>
-            <a:off x="1" y="0"/>
-            <a:ext cx="8522446" cy="2285999"/>
-          </a:xfrm>
-          <a:prstGeom prst="rect">
-            <a:avLst/>
-          </a:prstGeom>
-          <a:ln>
-            <a:noFill/>
-          </a:ln>
-          <a:effectLst>
-            <a:outerShdw blurRad="596900" dist="304800" dir="7140000" sx="90000" sy="90000" algn="t" rotWithShape="0">
-              <a:srgbClr val="000000">
-                <a:alpha val="15000"/>
-              </a:srgbClr>
-            </a:outerShdw>
-          </a:effectLst>
-        </p:spPr>
-        <p:style>
-          <a:lnRef idx="2">
-            <a:schemeClr val="accent1">
-              <a:shade val="50000"/>
-            </a:schemeClr>
-          </a:lnRef>
-          <a:fillRef idx="1">
-            <a:schemeClr val="accent1"/>
-          </a:fillRef>
-          <a:effectRef idx="0">
-            <a:schemeClr val="accent1"/>
-          </a:effectRef>
-          <a:fontRef idx="minor">
-            <a:schemeClr val="lt1"/>
-          </a:fontRef>
-        </p:style>
-        <p:txBody>
-          <a:bodyPr rtlCol="0" anchor="ctr"/>
+            <a:spLocks noGrp="1"/>
+          </p:cNvSpPr>
+          <p:nvPr>
+            <p:ph idx="1"/>
+          </p:nvPr>
+        </p:nvSpPr>
+        <p:spPr/>
+        <p:txBody>
+          <a:bodyPr/>
           <a:lstStyle/>
           <a:p>
-            <a:pPr algn="ctr"/>
-            <a:endParaRPr lang="en-US"/>
-          </a:p>
-        </p:txBody>
-      </p:sp>
-      <p:sp>
-        <p:nvSpPr>
-          <p:cNvPr id="2" name="Title 1"/>
-          <p:cNvSpPr>
-            <a:spLocks noGrp="1"/>
-          </p:cNvSpPr>
-          <p:nvPr>
-            <p:ph type="title"/>
-          </p:nvPr>
-        </p:nvSpPr>
-        <p:spPr>
-          <a:xfrm>
-            <a:off x="761803" y="350196"/>
-            <a:ext cx="4646904" cy="1624520"/>
-          </a:xfrm>
-        </p:spPr>
-        <p:txBody>
-          <a:bodyPr anchor="ctr">
-            <a:normAutofit/>
-          </a:bodyPr>
-          <a:lstStyle/>
-          <a:p>
-            <a:r>
-              <a:rPr lang="en-GB" sz="4000" dirty="0" err="1">
-                <a:latin typeface="Raleway" pitchFamily="2" charset="77"/>
-              </a:rPr>
-              <a:t>Internettets</a:t>
-            </a:r>
-            <a:r>
-              <a:rPr lang="en-GB" sz="4000" dirty="0">
-                <a:latin typeface="Raleway" pitchFamily="2" charset="77"/>
-              </a:rPr>
-              <a:t> </a:t>
-            </a:r>
-            <a:r>
-              <a:rPr lang="en-GB" sz="4000" dirty="0" err="1">
-                <a:latin typeface="Raleway" pitchFamily="2" charset="77"/>
-              </a:rPr>
-              <a:t>miljøpåvirkning</a:t>
-            </a:r>
-            <a:endParaRPr lang="en-GB" sz="4000" dirty="0">
-              <a:latin typeface="Raleway" pitchFamily="2" charset="77"/>
-            </a:endParaRPr>
-          </a:p>
-        </p:txBody>
-      </p:sp>
-      <p:sp>
-        <p:nvSpPr>
-          <p:cNvPr id="3" name="Content Placeholder 2"/>
-          <p:cNvSpPr>
-            <a:spLocks noGrp="1"/>
-          </p:cNvSpPr>
-          <p:nvPr>
-            <p:ph idx="1"/>
-          </p:nvPr>
-        </p:nvSpPr>
-        <p:spPr>
-          <a:xfrm>
-            <a:off x="761802" y="2743200"/>
-            <a:ext cx="4424795" cy="3613149"/>
-          </a:xfrm>
-        </p:spPr>
-        <p:txBody>
-          <a:bodyPr anchor="ctr">
-            <a:normAutofit fontScale="92500"/>
-          </a:bodyPr>
-          <a:lstStyle/>
-          <a:p>
-            <a:endParaRPr lang="en-GB" sz="2000" dirty="0"/>
-          </a:p>
-          <a:p>
-            <a:pPr marL="0" indent="0">
-              <a:buNone/>
-            </a:pPr>
-            <a:r>
-              <a:rPr lang="en-GB" sz="2000" dirty="0"/>
-              <a:t>The internet significantly contributes to global carbon emissions.</a:t>
-            </a:r>
-          </a:p>
-          <a:p>
-            <a:r>
-              <a:rPr lang="en-GB" sz="2000" dirty="0"/>
-              <a:t>- The internet produces approximately 3.7% of global carbon emissions.</a:t>
-            </a:r>
-          </a:p>
-          <a:p>
-            <a:pPr algn="l" fontAlgn="base">
-              <a:lnSpc>
-                <a:spcPts val="4500"/>
-              </a:lnSpc>
-            </a:pPr>
-            <a:r>
-              <a:rPr lang="en-GB" sz="2100" dirty="0"/>
-              <a:t>If the internet was a  -country, it would rank - sixth for electricity usage</a:t>
-            </a:r>
-          </a:p>
-          <a:p>
-            <a:pPr marL="0" indent="0">
-              <a:buNone/>
-            </a:pPr>
-            <a:r>
-              <a:rPr lang="en-GB" sz="2000" dirty="0"/>
-              <a:t> </a:t>
-            </a:r>
-          </a:p>
-          <a:p>
-            <a:endParaRPr lang="en-GB" sz="2000" dirty="0"/>
-          </a:p>
-        </p:txBody>
-      </p:sp>
-      <p:pic>
-        <p:nvPicPr>
-          <p:cNvPr id="13" name="Picture 12" descr="Aerial view of a city skyline">
-            <a:extLst>
-              <a:ext uri="{FF2B5EF4-FFF2-40B4-BE49-F238E27FC236}">
-                <a16:creationId xmlns:a16="http://schemas.microsoft.com/office/drawing/2014/main" id="{9C858704-070A-03BE-3A8D-9D91D26FD201}"/>
-              </a:ext>
-            </a:extLst>
-          </p:cNvPr>
-          <p:cNvPicPr>
-            <a:picLocks noChangeAspect="1"/>
-          </p:cNvPicPr>
-          <p:nvPr/>
-        </p:nvPicPr>
-        <p:blipFill>
-          <a:blip r:embed="rId3"/>
-          <a:srcRect l="19692" r="20907" b="-2"/>
-          <a:stretch/>
-        </p:blipFill>
-        <p:spPr>
-          <a:xfrm>
-            <a:off x="6096000" y="1"/>
-            <a:ext cx="6102825" cy="6858000"/>
-          </a:xfrm>
-          <a:prstGeom prst="rect">
-            <a:avLst/>
-          </a:prstGeom>
-        </p:spPr>
-      </p:pic>
+            <a:r>
+              <a:rPr lang="en-GB" dirty="0" err="1"/>
+              <a:t>Hver</a:t>
+            </a:r>
+            <a:r>
+              <a:rPr lang="en-GB" dirty="0"/>
+              <a:t> </a:t>
+            </a:r>
+            <a:r>
+              <a:rPr lang="en-GB" dirty="0" err="1"/>
+              <a:t>gruppe</a:t>
+            </a:r>
+            <a:r>
+              <a:rPr lang="en-GB" dirty="0"/>
+              <a:t> </a:t>
+            </a:r>
+            <a:r>
+              <a:rPr lang="en-GB" dirty="0" err="1"/>
+              <a:t>fremlægger</a:t>
+            </a:r>
+            <a:r>
+              <a:rPr lang="en-GB" dirty="0"/>
+              <a:t> </a:t>
+            </a:r>
+            <a:r>
+              <a:rPr lang="en-GB" dirty="0" err="1"/>
+              <a:t>deres</a:t>
+            </a:r>
+            <a:r>
+              <a:rPr lang="en-GB" dirty="0"/>
+              <a:t> </a:t>
+            </a:r>
+            <a:r>
+              <a:rPr lang="en-GB" dirty="0" err="1"/>
+              <a:t>vigtigste</a:t>
+            </a:r>
+            <a:r>
+              <a:rPr lang="en-GB" dirty="0"/>
+              <a:t> </a:t>
+            </a:r>
+            <a:r>
+              <a:rPr lang="en-GB" dirty="0" err="1"/>
+              <a:t>konklusioner</a:t>
+            </a:r>
+            <a:r>
+              <a:rPr lang="en-GB" dirty="0"/>
+              <a:t> </a:t>
+            </a:r>
+            <a:r>
+              <a:rPr lang="en-GB" dirty="0" err="1"/>
+              <a:t>fra</a:t>
+            </a:r>
+            <a:r>
+              <a:rPr lang="en-GB" dirty="0"/>
+              <a:t> </a:t>
+            </a:r>
+            <a:r>
+              <a:rPr lang="en-GB" dirty="0" err="1"/>
+              <a:t>oplæg</a:t>
+            </a:r>
+            <a:r>
+              <a:rPr lang="en-GB" dirty="0"/>
+              <a:t> </a:t>
+            </a:r>
+            <a:r>
+              <a:rPr lang="en-GB" dirty="0" err="1"/>
+              <a:t>herning</a:t>
+            </a:r>
+            <a:r>
+              <a:rPr lang="en-GB" dirty="0"/>
+              <a:t> </a:t>
+            </a:r>
+            <a:r>
+              <a:rPr lang="en-GB" dirty="0" err="1"/>
+              <a:t>kommune</a:t>
+            </a:r>
+            <a:endParaRPr lang="en-GB" dirty="0"/>
+          </a:p>
+          <a:p>
+            <a:r>
+              <a:rPr lang="en-GB" dirty="0"/>
+              <a:t> </a:t>
+            </a:r>
+            <a:r>
+              <a:rPr lang="en-GB" dirty="0" err="1"/>
+              <a:t>Refleksion</a:t>
+            </a:r>
+            <a:r>
+              <a:rPr lang="en-GB" dirty="0"/>
+              <a:t>: </a:t>
+            </a:r>
+            <a:r>
+              <a:rPr lang="en-GB" dirty="0" err="1"/>
+              <a:t>Hvordan</a:t>
+            </a:r>
+            <a:r>
+              <a:rPr lang="en-GB" dirty="0"/>
+              <a:t> </a:t>
+            </a:r>
+            <a:r>
+              <a:rPr lang="en-GB" dirty="0" err="1"/>
+              <a:t>kan</a:t>
+            </a:r>
+            <a:r>
+              <a:rPr lang="en-GB" dirty="0"/>
+              <a:t> </a:t>
+            </a:r>
+            <a:r>
+              <a:rPr lang="en-GB" dirty="0" err="1"/>
+              <a:t>bæredygtighed</a:t>
+            </a:r>
+            <a:r>
+              <a:rPr lang="en-GB" dirty="0"/>
+              <a:t> </a:t>
+            </a:r>
+            <a:r>
+              <a:rPr lang="en-GB" dirty="0" err="1"/>
+              <a:t>integreres</a:t>
+            </a:r>
+            <a:r>
+              <a:rPr lang="en-GB" dirty="0"/>
+              <a:t> </a:t>
+            </a:r>
+            <a:r>
+              <a:rPr lang="en-GB" dirty="0" err="1"/>
+              <a:t>i</a:t>
+            </a:r>
+            <a:r>
+              <a:rPr lang="en-GB" dirty="0"/>
+              <a:t> </a:t>
+            </a:r>
+            <a:r>
+              <a:rPr lang="en-GB" dirty="0" err="1"/>
+              <a:t>undervisningen</a:t>
+            </a:r>
+            <a:r>
+              <a:rPr lang="en-GB" dirty="0"/>
+              <a:t> </a:t>
+            </a:r>
+            <a:r>
+              <a:rPr lang="en-GB" dirty="0" err="1"/>
+              <a:t>og</a:t>
+            </a:r>
+            <a:r>
+              <a:rPr lang="en-GB" dirty="0"/>
+              <a:t> </a:t>
+            </a:r>
+            <a:r>
+              <a:rPr lang="en-GB" dirty="0" err="1"/>
+              <a:t>fremtidige</a:t>
+            </a:r>
+            <a:r>
+              <a:rPr lang="en-GB" dirty="0"/>
+              <a:t> </a:t>
+            </a:r>
+            <a:r>
+              <a:rPr lang="en-GB" dirty="0" err="1"/>
+              <a:t>projekter</a:t>
+            </a:r>
+            <a:r>
+              <a:rPr lang="en-GB" dirty="0"/>
+              <a:t>?</a:t>
+            </a:r>
+          </a:p>
+          <a:p>
+            <a:endParaRPr lang="en-DK" dirty="0"/>
+          </a:p>
+        </p:txBody>
+      </p:sp>
     </p:spTree>
+    <p:extLst>
+      <p:ext uri="{BB962C8B-B14F-4D97-AF65-F5344CB8AC3E}">
+        <p14:creationId xmlns:p14="http://schemas.microsoft.com/office/powerpoint/2010/main" val="2164592690"/>
+      </p:ext>
+    </p:extLst>
   </p:cSld>
   <p:clrMapOvr>
     <a:masterClrMapping/>
@@ -7424,13 +7329,7 @@
       </p:grpSpPr>
       <p:sp>
         <p:nvSpPr>
-          <p:cNvPr id="2" name="Title 1">
-            <a:extLst>
-              <a:ext uri="{FF2B5EF4-FFF2-40B4-BE49-F238E27FC236}">
-                <a16:creationId xmlns:a16="http://schemas.microsoft.com/office/drawing/2014/main" id="{B569FAE0-6EC7-B95C-8923-6CF271142F38}"/>
-              </a:ext>
-            </a:extLst>
-          </p:cNvPr>
+          <p:cNvPr id="2" name="Title 1"/>
           <p:cNvSpPr>
             <a:spLocks noGrp="1"/>
           </p:cNvSpPr>
@@ -7438,59 +7337,255 @@
             <p:ph type="title"/>
           </p:nvPr>
         </p:nvSpPr>
-        <p:spPr>
-          <a:xfrm>
-            <a:off x="609600" y="2286000"/>
-            <a:ext cx="10972800" cy="1143000"/>
-          </a:xfrm>
-        </p:spPr>
-        <p:txBody>
-          <a:bodyPr>
-            <a:noAutofit/>
-          </a:bodyPr>
+        <p:spPr/>
+        <p:txBody>
+          <a:bodyPr/>
           <a:lstStyle/>
           <a:p>
             <a:r>
-              <a:rPr lang="en-GB" b="1" dirty="0" err="1">
-                <a:latin typeface="Raleway" pitchFamily="2" charset="77"/>
-              </a:rPr>
-              <a:t>bedste</a:t>
-            </a:r>
-            <a:r>
-              <a:rPr lang="en-GB" b="1" dirty="0">
-                <a:latin typeface="Raleway" pitchFamily="2" charset="77"/>
-              </a:rPr>
-              <a:t> </a:t>
-            </a:r>
-            <a:r>
-              <a:rPr lang="en-GB" b="1" dirty="0" err="1">
-                <a:latin typeface="Raleway" pitchFamily="2" charset="77"/>
-              </a:rPr>
-              <a:t>praksis</a:t>
-            </a:r>
-            <a:br>
-              <a:rPr lang="en-GB" dirty="0">
-                <a:latin typeface="Raleway" pitchFamily="2" charset="77"/>
-              </a:rPr>
-            </a:br>
-            <a:r>
-              <a:rPr lang="en-GB" dirty="0">
-                <a:latin typeface="Raleway" pitchFamily="2" charset="77"/>
-              </a:rPr>
-              <a:t>source</a:t>
-            </a:r>
-            <a:endParaRPr lang="en-DK" dirty="0">
+              <a:rPr dirty="0" err="1">
+                <a:latin typeface="Raleway" pitchFamily="2" charset="77"/>
+              </a:rPr>
+              <a:t>Minificering</a:t>
+            </a:r>
+            <a:r>
+              <a:rPr dirty="0">
+                <a:latin typeface="Raleway" pitchFamily="2" charset="77"/>
+              </a:rPr>
+              <a:t> </a:t>
+            </a:r>
+            <a:r>
+              <a:rPr dirty="0" err="1">
+                <a:latin typeface="Raleway" pitchFamily="2" charset="77"/>
+              </a:rPr>
+              <a:t>af</a:t>
+            </a:r>
+            <a:r>
+              <a:rPr dirty="0">
+                <a:latin typeface="Raleway" pitchFamily="2" charset="77"/>
+              </a:rPr>
+              <a:t> </a:t>
+            </a:r>
+            <a:r>
+              <a:rPr dirty="0" err="1">
+                <a:latin typeface="Raleway" pitchFamily="2" charset="77"/>
+              </a:rPr>
+              <a:t>kode</a:t>
+            </a:r>
+            <a:r>
+              <a:rPr lang="da-DK" dirty="0">
+                <a:latin typeface="Raleway" pitchFamily="2" charset="77"/>
+              </a:rPr>
+              <a:t> til produktion</a:t>
+            </a:r>
+            <a:endParaRPr dirty="0">
               <a:latin typeface="Raleway" pitchFamily="2" charset="77"/>
             </a:endParaRPr>
           </a:p>
         </p:txBody>
       </p:sp>
+      <p:sp>
+        <p:nvSpPr>
+          <p:cNvPr id="3" name="Content Placeholder 2"/>
+          <p:cNvSpPr>
+            <a:spLocks noGrp="1"/>
+          </p:cNvSpPr>
+          <p:nvPr>
+            <p:ph idx="1"/>
+          </p:nvPr>
+        </p:nvSpPr>
+        <p:spPr/>
+        <p:txBody>
+          <a:bodyPr/>
+          <a:lstStyle/>
+          <a:p>
+            <a:r>
+              <a:rPr dirty="0"/>
+              <a:t> </a:t>
+            </a:r>
+            <a:r>
+              <a:rPr dirty="0" err="1"/>
+              <a:t>Minificering</a:t>
+            </a:r>
+            <a:r>
+              <a:rPr dirty="0"/>
+              <a:t> </a:t>
+            </a:r>
+            <a:r>
+              <a:rPr dirty="0" err="1"/>
+              <a:t>af</a:t>
+            </a:r>
+            <a:r>
+              <a:rPr dirty="0"/>
+              <a:t> CSS </a:t>
+            </a:r>
+            <a:r>
+              <a:rPr dirty="0" err="1"/>
+              <a:t>reducerer</a:t>
+            </a:r>
+            <a:r>
+              <a:rPr dirty="0"/>
+              <a:t> </a:t>
+            </a:r>
+            <a:r>
+              <a:rPr dirty="0" err="1"/>
+              <a:t>filstørrelsen</a:t>
+            </a:r>
+            <a:r>
+              <a:rPr dirty="0"/>
+              <a:t> </a:t>
+            </a:r>
+            <a:r>
+              <a:rPr dirty="0" err="1"/>
+              <a:t>og</a:t>
+            </a:r>
+            <a:r>
+              <a:rPr dirty="0"/>
+              <a:t> </a:t>
+            </a:r>
+            <a:r>
+              <a:rPr dirty="0" err="1"/>
+              <a:t>forbedrer</a:t>
+            </a:r>
+            <a:r>
+              <a:rPr dirty="0"/>
+              <a:t> </a:t>
+            </a:r>
+            <a:r>
+              <a:rPr dirty="0" err="1"/>
+              <a:t>ydeevnen</a:t>
+            </a:r>
+            <a:r>
+              <a:rPr dirty="0"/>
+              <a:t>.</a:t>
+            </a:r>
+          </a:p>
+          <a:p>
+            <a:r>
+              <a:rPr dirty="0"/>
+              <a:t> </a:t>
+            </a:r>
+            <a:r>
+              <a:rPr dirty="0" err="1"/>
+              <a:t>Fjern</a:t>
+            </a:r>
+            <a:r>
+              <a:rPr dirty="0"/>
+              <a:t> </a:t>
+            </a:r>
+            <a:r>
+              <a:rPr dirty="0" err="1"/>
+              <a:t>unødvendige</a:t>
+            </a:r>
+            <a:r>
+              <a:rPr dirty="0"/>
+              <a:t> </a:t>
+            </a:r>
+            <a:r>
+              <a:rPr dirty="0" err="1"/>
+              <a:t>mellemrum</a:t>
+            </a:r>
+            <a:r>
+              <a:rPr dirty="0"/>
+              <a:t>, </a:t>
+            </a:r>
+            <a:r>
+              <a:rPr dirty="0" err="1"/>
+              <a:t>kommentarer</a:t>
+            </a:r>
+            <a:r>
+              <a:rPr dirty="0"/>
+              <a:t> </a:t>
+            </a:r>
+            <a:r>
+              <a:rPr dirty="0" err="1"/>
+              <a:t>og</a:t>
+            </a:r>
+            <a:r>
+              <a:rPr dirty="0"/>
+              <a:t> </a:t>
+            </a:r>
+            <a:r>
+              <a:rPr dirty="0" err="1"/>
+              <a:t>linjeskift</a:t>
+            </a:r>
+            <a:r>
+              <a:rPr dirty="0"/>
+              <a:t>.</a:t>
+            </a:r>
+          </a:p>
+          <a:p>
+            <a:r>
+              <a:rPr lang="da-DK" dirty="0"/>
+              <a:t> </a:t>
+            </a:r>
+            <a:endParaRPr dirty="0"/>
+          </a:p>
+          <a:p>
+            <a:r>
+              <a:rPr dirty="0"/>
+              <a:t> </a:t>
+            </a:r>
+            <a:r>
+              <a:rPr dirty="0" err="1"/>
+              <a:t>Minificeret</a:t>
+            </a:r>
+            <a:r>
+              <a:rPr dirty="0"/>
+              <a:t> CSS </a:t>
+            </a:r>
+            <a:r>
+              <a:rPr dirty="0" err="1"/>
+              <a:t>indlæses</a:t>
+            </a:r>
+            <a:r>
+              <a:rPr dirty="0"/>
+              <a:t> </a:t>
+            </a:r>
+            <a:r>
+              <a:rPr dirty="0" err="1"/>
+              <a:t>hurtigere</a:t>
+            </a:r>
+            <a:r>
+              <a:rPr dirty="0"/>
+              <a:t> </a:t>
+            </a:r>
+            <a:r>
+              <a:rPr dirty="0" err="1"/>
+              <a:t>og</a:t>
+            </a:r>
+            <a:r>
+              <a:rPr dirty="0"/>
+              <a:t> </a:t>
+            </a:r>
+            <a:r>
+              <a:rPr dirty="0" err="1"/>
+              <a:t>reducerer</a:t>
+            </a:r>
+            <a:r>
+              <a:rPr dirty="0"/>
+              <a:t> </a:t>
+            </a:r>
+            <a:r>
+              <a:rPr dirty="0" err="1"/>
+              <a:t>sidens</a:t>
+            </a:r>
+            <a:r>
+              <a:rPr dirty="0"/>
+              <a:t> </a:t>
+            </a:r>
+            <a:r>
+              <a:rPr dirty="0" err="1"/>
+              <a:t>vægt</a:t>
+            </a:r>
+            <a:r>
+              <a:rPr dirty="0"/>
+              <a:t>.</a:t>
+            </a:r>
+          </a:p>
+        </p:txBody>
+      </p:sp>
     </p:spTree>
-    <p:extLst>
-      <p:ext uri="{BB962C8B-B14F-4D97-AF65-F5344CB8AC3E}">
-        <p14:creationId xmlns:p14="http://schemas.microsoft.com/office/powerpoint/2010/main" val="2756370485"/>
-      </p:ext>
-    </p:extLst>
   </p:cSld>
   <p:clrMapOvr>
     <a:masterClrMapping/>
@@ -7517,7 +7612,13 @@
       </p:grpSpPr>
       <p:sp>
         <p:nvSpPr>
-          <p:cNvPr id="2" name="Title 1"/>
+          <p:cNvPr id="2" name="Title 1">
+            <a:extLst>
+              <a:ext uri="{FF2B5EF4-FFF2-40B4-BE49-F238E27FC236}">
+                <a16:creationId xmlns:a16="http://schemas.microsoft.com/office/drawing/2014/main" id="{B569FAE0-6EC7-B95C-8923-6CF271142F38}"/>
+              </a:ext>
+            </a:extLst>
+          </p:cNvPr>
           <p:cNvSpPr>
             <a:spLocks noGrp="1"/>
           </p:cNvSpPr>
@@ -7525,173 +7626,59 @@
             <p:ph type="title"/>
           </p:nvPr>
         </p:nvSpPr>
-        <p:spPr/>
-        <p:txBody>
-          <a:bodyPr/>
+        <p:spPr>
+          <a:xfrm>
+            <a:off x="609600" y="2286000"/>
+            <a:ext cx="10972800" cy="1143000"/>
+          </a:xfrm>
+        </p:spPr>
+        <p:txBody>
+          <a:bodyPr>
+            <a:noAutofit/>
+          </a:bodyPr>
           <a:lstStyle/>
           <a:p>
             <a:r>
-              <a:rPr lang="da-DK" dirty="0">
-                <a:latin typeface="Raleway" pitchFamily="2" charset="77"/>
-              </a:rPr>
-              <a:t>W</a:t>
-            </a:r>
-            <a:r>
-              <a:rPr dirty="0" err="1">
-                <a:latin typeface="Raleway" pitchFamily="2" charset="77"/>
-              </a:rPr>
-              <a:t>eb-bæredygtighed</a:t>
-            </a:r>
-            <a:r>
-              <a:rPr dirty="0">
-                <a:latin typeface="Raleway" pitchFamily="2" charset="77"/>
-              </a:rPr>
-              <a:t> (WSG)</a:t>
-            </a:r>
-          </a:p>
-        </p:txBody>
-      </p:sp>
-      <p:sp>
-        <p:nvSpPr>
-          <p:cNvPr id="3" name="Content Placeholder 2"/>
-          <p:cNvSpPr>
-            <a:spLocks noGrp="1"/>
-          </p:cNvSpPr>
-          <p:nvPr>
-            <p:ph idx="1"/>
-          </p:nvPr>
-        </p:nvSpPr>
-        <p:spPr/>
-        <p:txBody>
-          <a:bodyPr/>
-          <a:lstStyle/>
-          <a:p>
-            <a:r>
-              <a:rPr lang="en-GB" dirty="0"/>
-              <a:t> </a:t>
-            </a:r>
-            <a:r>
-              <a:rPr lang="en-GB" b="1" dirty="0"/>
-              <a:t>WSG</a:t>
-            </a:r>
-            <a:r>
-              <a:rPr lang="en-GB" dirty="0"/>
-              <a:t>: En W3C </a:t>
-            </a:r>
-            <a:r>
-              <a:rPr lang="en-GB" dirty="0" err="1"/>
-              <a:t>gruppe</a:t>
-            </a:r>
-            <a:r>
-              <a:rPr lang="en-GB" dirty="0"/>
-              <a:t> med </a:t>
-            </a:r>
-            <a:r>
-              <a:rPr lang="en-GB" dirty="0" err="1"/>
-              <a:t>fokus</a:t>
-            </a:r>
-            <a:r>
-              <a:rPr lang="en-GB" dirty="0"/>
-              <a:t> </a:t>
-            </a:r>
-            <a:r>
-              <a:rPr lang="en-GB" dirty="0" err="1"/>
-              <a:t>på</a:t>
-            </a:r>
-            <a:r>
-              <a:rPr lang="en-GB" dirty="0"/>
-              <a:t> </a:t>
-            </a:r>
-            <a:r>
-              <a:rPr lang="en-GB" b="1" dirty="0" err="1"/>
-              <a:t>fællesskabsengagement</a:t>
-            </a:r>
-            <a:r>
-              <a:rPr lang="en-GB" dirty="0"/>
-              <a:t> </a:t>
-            </a:r>
-            <a:r>
-              <a:rPr lang="en-GB" dirty="0" err="1"/>
-              <a:t>og</a:t>
-            </a:r>
-            <a:r>
-              <a:rPr lang="en-GB" dirty="0"/>
-              <a:t> </a:t>
-            </a:r>
-            <a:r>
-              <a:rPr lang="en-GB" b="1" dirty="0" err="1"/>
-              <a:t>deling</a:t>
-            </a:r>
-            <a:r>
-              <a:rPr lang="en-GB" b="1" dirty="0"/>
-              <a:t> </a:t>
-            </a:r>
-            <a:r>
-              <a:rPr lang="en-GB" b="1" dirty="0" err="1"/>
-              <a:t>af</a:t>
-            </a:r>
-            <a:r>
-              <a:rPr lang="en-GB" b="1" dirty="0"/>
-              <a:t> information</a:t>
-            </a:r>
-            <a:r>
-              <a:rPr lang="en-GB" dirty="0"/>
-              <a:t>.</a:t>
-            </a:r>
-          </a:p>
-          <a:p>
-            <a:pPr marL="0" indent="0">
-              <a:buNone/>
-            </a:pPr>
-            <a:r>
-              <a:rPr lang="en-GB" dirty="0"/>
-              <a:t> </a:t>
-            </a:r>
-            <a:r>
+              <a:rPr lang="en-GB" b="1" dirty="0" err="1">
+                <a:latin typeface="Raleway" pitchFamily="2" charset="77"/>
+              </a:rPr>
+              <a:t>bedste</a:t>
+            </a:r>
+            <a:r>
+              <a:rPr lang="en-GB" b="1" dirty="0">
+                <a:latin typeface="Raleway" pitchFamily="2" charset="77"/>
+              </a:rPr>
+              <a:t> </a:t>
+            </a:r>
+            <a:r>
+              <a:rPr lang="en-GB" b="1" dirty="0" err="1">
+                <a:latin typeface="Raleway" pitchFamily="2" charset="77"/>
+              </a:rPr>
+              <a:t>praksis</a:t>
+            </a:r>
+            <a:br>
               <a:rPr lang="en-GB" dirty="0">
-                <a:hlinkClick r:id="rId2"/>
-              </a:rPr>
-              <a:t>https://w3c.github.io/sustyweb/glance.html</a:t>
-            </a:r>
-            <a:endParaRPr lang="en-GB" dirty="0"/>
-          </a:p>
-          <a:p>
-            <a:pPr marL="0" indent="0">
-              <a:buNone/>
-            </a:pPr>
-            <a:r>
-              <a:rPr lang="en-GB" dirty="0"/>
-              <a:t> </a:t>
-            </a:r>
+                <a:latin typeface="Raleway" pitchFamily="2" charset="77"/>
+              </a:rPr>
+            </a:br>
             <a:r>
               <a:rPr lang="en-GB" dirty="0">
-                <a:hlinkClick r:id="rId3"/>
-              </a:rPr>
-              <a:t>https://www.w3.org/blog/2023/introducing-web-sustainability-guidelines/</a:t>
-            </a:r>
-            <a:endParaRPr lang="en-GB" dirty="0"/>
-          </a:p>
-          <a:p>
-            <a:pPr marL="0" indent="0">
-              <a:buNone/>
-            </a:pPr>
-            <a:endParaRPr lang="en-GB" dirty="0"/>
-          </a:p>
-          <a:p>
-            <a:pPr marL="0" indent="0">
-              <a:buNone/>
-            </a:pPr>
-            <a:endParaRPr lang="en-GB" dirty="0"/>
-          </a:p>
-          <a:p>
-            <a:endParaRPr lang="en-GB" dirty="0"/>
-          </a:p>
-          <a:p>
-            <a:endParaRPr dirty="0"/>
+                <a:latin typeface="Raleway" pitchFamily="2" charset="77"/>
+              </a:rPr>
+              <a:t>source</a:t>
+            </a:r>
+            <a:endParaRPr lang="en-DK" dirty="0">
+              <a:latin typeface="Raleway" pitchFamily="2" charset="77"/>
+            </a:endParaRPr>
           </a:p>
         </p:txBody>
       </p:sp>
     </p:spTree>
+    <p:extLst>
+      <p:ext uri="{BB962C8B-B14F-4D97-AF65-F5344CB8AC3E}">
+        <p14:creationId xmlns:p14="http://schemas.microsoft.com/office/powerpoint/2010/main" val="2756370485"/>
+      </p:ext>
+    </p:extLst>
   </p:cSld>
   <p:clrMapOvr>
     <a:masterClrMapping/>
@@ -7718,13 +7705,7 @@
       </p:grpSpPr>
       <p:sp>
         <p:nvSpPr>
-          <p:cNvPr id="2" name="Title 1">
-            <a:extLst>
-              <a:ext uri="{FF2B5EF4-FFF2-40B4-BE49-F238E27FC236}">
-                <a16:creationId xmlns:a16="http://schemas.microsoft.com/office/drawing/2014/main" id="{4E7DA266-7CC6-D0EA-8EAA-FAD9946F8451}"/>
-              </a:ext>
-            </a:extLst>
-          </p:cNvPr>
+          <p:cNvPr id="2" name="Title 1"/>
           <p:cNvSpPr>
             <a:spLocks noGrp="1"/>
           </p:cNvSpPr>
@@ -7738,126 +7719,167 @@
           <a:lstStyle/>
           <a:p>
             <a:r>
-              <a:rPr lang="en-DK" dirty="0">
-                <a:latin typeface="Raleway" pitchFamily="2" charset="77"/>
-              </a:rPr>
+              <a:rPr lang="da-DK" dirty="0">
+                <a:latin typeface="Raleway" pitchFamily="2" charset="77"/>
+              </a:rPr>
+              <a:t>W</a:t>
+            </a:r>
+            <a:r>
+              <a:rPr dirty="0" err="1">
+                <a:latin typeface="Raleway" pitchFamily="2" charset="77"/>
+              </a:rPr>
+              <a:t>eb-bæredygtighed</a:t>
+            </a:r>
+            <a:r>
+              <a:rPr dirty="0">
+                <a:latin typeface="Raleway" pitchFamily="2" charset="77"/>
+              </a:rPr>
+              <a:t> (WSG)</a:t>
+            </a:r>
+          </a:p>
+        </p:txBody>
+      </p:sp>
+      <p:sp>
+        <p:nvSpPr>
+          <p:cNvPr id="3" name="Content Placeholder 2"/>
+          <p:cNvSpPr>
+            <a:spLocks noGrp="1"/>
+          </p:cNvSpPr>
+          <p:nvPr>
+            <p:ph idx="1"/>
+          </p:nvPr>
+        </p:nvSpPr>
+        <p:spPr/>
+        <p:txBody>
+          <a:bodyPr/>
+          <a:lstStyle/>
+          <a:p>
+            <a:r>
+              <a:rPr lang="en-GB" dirty="0"/>
+              <a:t> </a:t>
+            </a:r>
+            <a:r>
+              <a:rPr lang="en-GB" b="1" dirty="0"/>
               <a:t>WSG</a:t>
             </a:r>
-          </a:p>
-        </p:txBody>
-      </p:sp>
-      <p:sp>
-        <p:nvSpPr>
-          <p:cNvPr id="3" name="Content Placeholder 2">
-            <a:extLst>
-              <a:ext uri="{FF2B5EF4-FFF2-40B4-BE49-F238E27FC236}">
-                <a16:creationId xmlns:a16="http://schemas.microsoft.com/office/drawing/2014/main" id="{05BF8D4A-903F-6BA9-FBBC-2F17F3EEE1B8}"/>
-              </a:ext>
-            </a:extLst>
-          </p:cNvPr>
-          <p:cNvSpPr>
-            <a:spLocks noGrp="1"/>
-          </p:cNvSpPr>
-          <p:nvPr>
-            <p:ph idx="1"/>
-          </p:nvPr>
-        </p:nvSpPr>
-        <p:spPr/>
-        <p:txBody>
-          <a:bodyPr>
-            <a:normAutofit fontScale="92500" lnSpcReduction="20000"/>
-          </a:bodyPr>
-          <a:lstStyle/>
-          <a:p>
-            <a:pPr marL="0" indent="0" algn="l">
+            <a:r>
+              <a:rPr lang="en-GB" dirty="0"/>
+              <a:t>: En W3C </a:t>
+            </a:r>
+            <a:r>
+              <a:rPr lang="en-GB" dirty="0" err="1"/>
+              <a:t>gruppe</a:t>
+            </a:r>
+            <a:r>
+              <a:rPr lang="en-GB" dirty="0"/>
+              <a:t> med </a:t>
+            </a:r>
+            <a:r>
+              <a:rPr lang="en-GB" dirty="0" err="1"/>
+              <a:t>fokus</a:t>
+            </a:r>
+            <a:r>
+              <a:rPr lang="en-GB" dirty="0"/>
+              <a:t> </a:t>
+            </a:r>
+            <a:r>
+              <a:rPr lang="en-GB" dirty="0" err="1"/>
+              <a:t>på</a:t>
+            </a:r>
+            <a:r>
+              <a:rPr lang="en-GB" dirty="0"/>
+              <a:t> </a:t>
+            </a:r>
+            <a:r>
+              <a:rPr lang="en-GB" b="1" dirty="0" err="1"/>
+              <a:t>fællesskabsengagement</a:t>
+            </a:r>
+            <a:r>
+              <a:rPr lang="en-GB" dirty="0"/>
+              <a:t> </a:t>
+            </a:r>
+            <a:r>
+              <a:rPr lang="en-GB" dirty="0" err="1"/>
+              <a:t>og</a:t>
+            </a:r>
+            <a:r>
+              <a:rPr lang="en-GB" dirty="0"/>
+              <a:t> </a:t>
+            </a:r>
+            <a:r>
+              <a:rPr lang="en-GB" b="1" dirty="0" err="1"/>
+              <a:t>deling</a:t>
+            </a:r>
+            <a:r>
+              <a:rPr lang="en-GB" b="1" dirty="0"/>
+              <a:t> </a:t>
+            </a:r>
+            <a:r>
+              <a:rPr lang="en-GB" b="1" dirty="0" err="1"/>
+              <a:t>af</a:t>
+            </a:r>
+            <a:r>
+              <a:rPr lang="en-GB" b="1" dirty="0"/>
+              <a:t> information</a:t>
+            </a:r>
+            <a:r>
+              <a:rPr lang="en-GB" dirty="0"/>
+              <a:t>.</a:t>
+            </a:r>
+          </a:p>
+          <a:p>
+            <a:pPr marL="0" indent="0">
               <a:buNone/>
             </a:pPr>
             <a:r>
-              <a:rPr lang="en-GB" b="0" i="0" dirty="0">
-                <a:solidFill>
-                  <a:srgbClr val="363737"/>
-                </a:solidFill>
-                <a:effectLst/>
-                <a:latin typeface="Spectral"/>
-              </a:rPr>
-              <a:t>4 big pieces:</a:t>
-            </a:r>
-          </a:p>
-          <a:p>
-            <a:pPr algn="l">
-              <a:buFont typeface="Arial" panose="020B0604020202020204" pitchFamily="34" charset="0"/>
-              <a:buChar char="•"/>
+              <a:rPr lang="en-GB" dirty="0"/>
+              <a:t> </a:t>
+            </a:r>
+            <a:r>
+              <a:rPr lang="en-GB" dirty="0">
+                <a:hlinkClick r:id="rId2"/>
+              </a:rPr>
+              <a:t>https://w3c.github.io/sustyweb/glance.html</a:t>
+            </a:r>
+            <a:endParaRPr lang="en-GB" dirty="0"/>
+          </a:p>
+          <a:p>
+            <a:pPr marL="0" indent="0">
+              <a:buNone/>
             </a:pPr>
             <a:r>
-              <a:rPr lang="en-GB" b="0" i="0" dirty="0">
-                <a:solidFill>
-                  <a:srgbClr val="363737"/>
-                </a:solidFill>
-                <a:effectLst/>
-                <a:latin typeface="Spectral"/>
-              </a:rPr>
-              <a:t>User Experience Design: “research and ideation, journey design, content and assets, and quality assurance.”</a:t>
-            </a:r>
-          </a:p>
-          <a:p>
-            <a:pPr algn="l">
-              <a:buFont typeface="Arial" panose="020B0604020202020204" pitchFamily="34" charset="0"/>
-              <a:buChar char="•"/>
+              <a:rPr lang="en-GB" dirty="0"/>
+              <a:t> </a:t>
+            </a:r>
+            <a:r>
+              <a:rPr lang="en-GB" dirty="0">
+                <a:hlinkClick r:id="rId3"/>
+              </a:rPr>
+              <a:t>https://www.w3.org/blog/2023/introducing-web-sustainability-guidelines/</a:t>
+            </a:r>
+            <a:endParaRPr lang="en-GB" dirty="0"/>
+          </a:p>
+          <a:p>
+            <a:pPr marL="0" indent="0">
+              <a:buNone/>
             </a:pPr>
-            <a:r>
-              <a:rPr lang="en-GB" b="0" i="0" dirty="0">
-                <a:solidFill>
-                  <a:srgbClr val="363737"/>
-                </a:solidFill>
-                <a:effectLst/>
-                <a:latin typeface="Spectral"/>
-              </a:rPr>
-              <a:t>Web Development: “development approach, code minimization, code coherence, and code security.”</a:t>
-            </a:r>
-          </a:p>
-          <a:p>
-            <a:pPr algn="l">
-              <a:buFont typeface="Arial" panose="020B0604020202020204" pitchFamily="34" charset="0"/>
-              <a:buChar char="•"/>
+            <a:endParaRPr lang="en-GB" dirty="0"/>
+          </a:p>
+          <a:p>
+            <a:pPr marL="0" indent="0">
+              <a:buNone/>
             </a:pPr>
-            <a:r>
-              <a:rPr lang="en-GB" b="0" i="0" dirty="0">
-                <a:solidFill>
-                  <a:srgbClr val="363737"/>
-                </a:solidFill>
-                <a:effectLst/>
-                <a:latin typeface="Spectral"/>
-              </a:rPr>
-              <a:t>Hosting / infrastructure: “environment commissioning, minimizing environment and data, and minimizing human disruption.”</a:t>
-            </a:r>
-          </a:p>
-          <a:p>
-            <a:pPr algn="l">
-              <a:buFont typeface="Arial" panose="020B0604020202020204" pitchFamily="34" charset="0"/>
-              <a:buChar char="•"/>
-            </a:pPr>
-            <a:r>
-              <a:rPr lang="en-GB" b="0" i="0" dirty="0">
-                <a:solidFill>
-                  <a:srgbClr val="363737"/>
-                </a:solidFill>
-                <a:effectLst/>
-                <a:latin typeface="Spectral"/>
-              </a:rPr>
-              <a:t>Business strategy / Product management: “reporting, disclosure, strategy, and policies from both an organizational and website / product level.”</a:t>
-            </a:r>
-          </a:p>
-          <a:p>
-            <a:endParaRPr lang="en-DK" dirty="0"/>
+            <a:endParaRPr lang="en-GB" dirty="0"/>
+          </a:p>
+          <a:p>
+            <a:endParaRPr lang="en-GB" dirty="0"/>
+          </a:p>
+          <a:p>
+            <a:endParaRPr dirty="0"/>
           </a:p>
         </p:txBody>
       </p:sp>
     </p:spTree>
-    <p:extLst>
-      <p:ext uri="{BB962C8B-B14F-4D97-AF65-F5344CB8AC3E}">
-        <p14:creationId xmlns:p14="http://schemas.microsoft.com/office/powerpoint/2010/main" val="1050528676"/>
-      </p:ext>
-    </p:extLst>
   </p:cSld>
   <p:clrMapOvr>
     <a:masterClrMapping/>
@@ -7887,7 +7909,7 @@
           <p:cNvPr id="2" name="Title 1">
             <a:extLst>
               <a:ext uri="{FF2B5EF4-FFF2-40B4-BE49-F238E27FC236}">
-                <a16:creationId xmlns:a16="http://schemas.microsoft.com/office/drawing/2014/main" id="{FCE14B95-C52A-5FA5-6A22-784C9427B708}"/>
+                <a16:creationId xmlns:a16="http://schemas.microsoft.com/office/drawing/2014/main" id="{4E7DA266-7CC6-D0EA-8EAA-FAD9946F8451}"/>
               </a:ext>
             </a:extLst>
           </p:cNvPr>
@@ -7907,7 +7929,7 @@
               <a:rPr lang="en-DK" dirty="0">
                 <a:latin typeface="Raleway" pitchFamily="2" charset="77"/>
               </a:rPr>
-              <a:t>WSG og WCAG</a:t>
+              <a:t>WSG</a:t>
             </a:r>
           </a:p>
         </p:txBody>
@@ -7917,7 +7939,7 @@
           <p:cNvPr id="3" name="Content Placeholder 2">
             <a:extLst>
               <a:ext uri="{FF2B5EF4-FFF2-40B4-BE49-F238E27FC236}">
-                <a16:creationId xmlns:a16="http://schemas.microsoft.com/office/drawing/2014/main" id="{7524658F-C131-5D66-031F-99B0963613F2}"/>
+                <a16:creationId xmlns:a16="http://schemas.microsoft.com/office/drawing/2014/main" id="{05BF8D4A-903F-6BA9-FBBC-2F17F3EEE1B8}"/>
               </a:ext>
             </a:extLst>
           </p:cNvPr>
@@ -7930,208 +7952,90 @@
         </p:nvSpPr>
         <p:spPr/>
         <p:txBody>
-          <a:bodyPr/>
+          <a:bodyPr>
+            <a:normAutofit fontScale="92500" lnSpcReduction="20000"/>
+          </a:bodyPr>
           <a:lstStyle/>
           <a:p>
-            <a:pPr marL="0" indent="0">
+            <a:pPr marL="0" indent="0" algn="l">
               <a:buNone/>
             </a:pPr>
             <a:r>
-              <a:rPr lang="en-GB" dirty="0"/>
-              <a:t> </a:t>
-            </a:r>
-            <a:r>
-              <a:rPr lang="en-GB" b="1" dirty="0"/>
-              <a:t>WCAG</a:t>
-            </a:r>
-            <a:r>
-              <a:rPr lang="en-GB" dirty="0"/>
-              <a:t>: Et formelt </a:t>
-            </a:r>
-            <a:r>
-              <a:rPr lang="en-GB" dirty="0" err="1"/>
-              <a:t>sæt</a:t>
-            </a:r>
-            <a:r>
-              <a:rPr lang="en-GB" dirty="0"/>
-              <a:t> </a:t>
-            </a:r>
-            <a:r>
-              <a:rPr lang="en-GB" dirty="0" err="1"/>
-              <a:t>af</a:t>
-            </a:r>
-            <a:r>
-              <a:rPr lang="en-GB" dirty="0"/>
-              <a:t> </a:t>
-            </a:r>
-            <a:r>
-              <a:rPr lang="en-GB" b="1" dirty="0" err="1"/>
-              <a:t>tekniske</a:t>
-            </a:r>
-            <a:r>
-              <a:rPr lang="en-GB" b="1" dirty="0"/>
-              <a:t> </a:t>
-            </a:r>
-            <a:r>
-              <a:rPr lang="en-GB" b="1" dirty="0" err="1"/>
-              <a:t>standarder</a:t>
-            </a:r>
-            <a:r>
-              <a:rPr lang="en-GB" dirty="0"/>
-              <a:t>, </a:t>
-            </a:r>
-            <a:r>
-              <a:rPr lang="en-GB" dirty="0" err="1"/>
-              <a:t>som</a:t>
-            </a:r>
-            <a:r>
-              <a:rPr lang="en-GB" dirty="0"/>
-              <a:t> </a:t>
-            </a:r>
-            <a:r>
-              <a:rPr lang="en-GB" dirty="0" err="1"/>
-              <a:t>webudviklere</a:t>
-            </a:r>
-            <a:r>
-              <a:rPr lang="en-GB" dirty="0"/>
-              <a:t> </a:t>
-            </a:r>
-            <a:r>
-              <a:rPr lang="en-GB" dirty="0" err="1"/>
-              <a:t>og</a:t>
-            </a:r>
-            <a:r>
-              <a:rPr lang="en-GB" dirty="0"/>
-              <a:t> </a:t>
-            </a:r>
-            <a:r>
-              <a:rPr lang="en-GB" dirty="0" err="1"/>
-              <a:t>designere</a:t>
-            </a:r>
-            <a:r>
-              <a:rPr lang="en-GB" dirty="0"/>
-              <a:t> </a:t>
-            </a:r>
-            <a:r>
-              <a:rPr lang="en-GB" b="1" dirty="0" err="1"/>
-              <a:t>skal</a:t>
-            </a:r>
-            <a:r>
-              <a:rPr lang="en-GB" dirty="0"/>
-              <a:t> </a:t>
-            </a:r>
-            <a:r>
-              <a:rPr lang="en-GB" dirty="0" err="1"/>
-              <a:t>følge</a:t>
-            </a:r>
-            <a:r>
-              <a:rPr lang="en-GB" dirty="0"/>
-              <a:t> for at </a:t>
-            </a:r>
-            <a:r>
-              <a:rPr lang="en-GB" dirty="0" err="1"/>
-              <a:t>skabe</a:t>
-            </a:r>
-            <a:r>
-              <a:rPr lang="en-GB" dirty="0"/>
-              <a:t> </a:t>
-            </a:r>
-            <a:r>
-              <a:rPr lang="en-GB" b="1" dirty="0" err="1"/>
-              <a:t>tilgængelige</a:t>
-            </a:r>
-            <a:r>
-              <a:rPr lang="en-GB" b="1" dirty="0"/>
-              <a:t> </a:t>
-            </a:r>
-            <a:r>
-              <a:rPr lang="en-GB" b="1" dirty="0" err="1"/>
-              <a:t>hjemmesider</a:t>
-            </a:r>
-            <a:r>
-              <a:rPr lang="en-GB" dirty="0"/>
-              <a:t>.</a:t>
-            </a:r>
-          </a:p>
-          <a:p>
-            <a:pPr marL="0" indent="0">
-              <a:buNone/>
+              <a:rPr lang="en-GB" b="0" i="0" dirty="0">
+                <a:solidFill>
+                  <a:srgbClr val="363737"/>
+                </a:solidFill>
+                <a:effectLst/>
+                <a:latin typeface="Spectral"/>
+              </a:rPr>
+              <a:t>4 big pieces:</a:t>
+            </a:r>
+          </a:p>
+          <a:p>
+            <a:pPr algn="l">
+              <a:buFont typeface="Arial" panose="020B0604020202020204" pitchFamily="34" charset="0"/>
+              <a:buChar char="•"/>
             </a:pPr>
-            <a:endParaRPr lang="en-DK" dirty="0"/>
-          </a:p>
-          <a:p>
-            <a:pPr marL="0" indent="0">
-              <a:buNone/>
+            <a:r>
+              <a:rPr lang="en-GB" b="0" i="0" dirty="0">
+                <a:solidFill>
+                  <a:srgbClr val="363737"/>
+                </a:solidFill>
+                <a:effectLst/>
+                <a:latin typeface="Spectral"/>
+              </a:rPr>
+              <a:t>User Experience Design: “research and ideation, journey design, content and assets, and quality assurance.”</a:t>
+            </a:r>
+          </a:p>
+          <a:p>
+            <a:pPr algn="l">
+              <a:buFont typeface="Arial" panose="020B0604020202020204" pitchFamily="34" charset="0"/>
+              <a:buChar char="•"/>
             </a:pPr>
             <a:r>
-              <a:rPr lang="en-GB" b="1" dirty="0"/>
-              <a:t>WSG</a:t>
-            </a:r>
-            <a:r>
-              <a:rPr lang="en-GB" dirty="0"/>
-              <a:t>: </a:t>
-            </a:r>
-            <a:r>
-              <a:rPr lang="en-GB" dirty="0" err="1"/>
-              <a:t>Fremmer</a:t>
-            </a:r>
-            <a:r>
-              <a:rPr lang="en-GB" dirty="0"/>
-              <a:t> </a:t>
-            </a:r>
-            <a:r>
-              <a:rPr lang="en-GB" b="1" dirty="0" err="1"/>
-              <a:t>bedste</a:t>
-            </a:r>
-            <a:r>
-              <a:rPr lang="en-GB" b="1" dirty="0"/>
-              <a:t> </a:t>
-            </a:r>
-            <a:r>
-              <a:rPr lang="en-GB" b="1" dirty="0" err="1"/>
-              <a:t>praksis</a:t>
-            </a:r>
-            <a:r>
-              <a:rPr lang="en-GB" dirty="0"/>
-              <a:t>, men </a:t>
-            </a:r>
-            <a:r>
-              <a:rPr lang="en-GB" dirty="0" err="1"/>
-              <a:t>har</a:t>
-            </a:r>
-            <a:r>
-              <a:rPr lang="en-GB" dirty="0"/>
-              <a:t> </a:t>
-            </a:r>
-            <a:r>
-              <a:rPr lang="en-GB" dirty="0" err="1"/>
-              <a:t>ikke</a:t>
-            </a:r>
-            <a:r>
-              <a:rPr lang="en-GB" dirty="0"/>
-              <a:t> </a:t>
-            </a:r>
-            <a:r>
-              <a:rPr lang="en-GB" b="1" dirty="0" err="1"/>
-              <a:t>håndhævelige</a:t>
-            </a:r>
-            <a:r>
-              <a:rPr lang="en-GB" b="1" dirty="0"/>
-              <a:t> </a:t>
-            </a:r>
-            <a:r>
-              <a:rPr lang="en-GB" b="1" dirty="0" err="1"/>
-              <a:t>retningslinjer</a:t>
-            </a:r>
-            <a:r>
-              <a:rPr lang="en-GB" dirty="0"/>
-              <a:t>.</a:t>
-            </a:r>
-          </a:p>
-          <a:p>
-            <a:pPr marL="0" indent="0">
-              <a:buNone/>
+              <a:rPr lang="en-GB" b="0" i="0" dirty="0">
+                <a:solidFill>
+                  <a:srgbClr val="363737"/>
+                </a:solidFill>
+                <a:effectLst/>
+                <a:latin typeface="Spectral"/>
+              </a:rPr>
+              <a:t>Web Development: “development approach, code minimization, code coherence, and code security.”</a:t>
+            </a:r>
+          </a:p>
+          <a:p>
+            <a:pPr algn="l">
+              <a:buFont typeface="Arial" panose="020B0604020202020204" pitchFamily="34" charset="0"/>
+              <a:buChar char="•"/>
             </a:pPr>
+            <a:r>
+              <a:rPr lang="en-GB" b="0" i="0" dirty="0">
+                <a:solidFill>
+                  <a:srgbClr val="363737"/>
+                </a:solidFill>
+                <a:effectLst/>
+                <a:latin typeface="Spectral"/>
+              </a:rPr>
+              <a:t>Hosting / infrastructure: “environment commissioning, minimizing environment and data, and minimizing human disruption.”</a:t>
+            </a:r>
+          </a:p>
+          <a:p>
+            <a:pPr algn="l">
+              <a:buFont typeface="Arial" panose="020B0604020202020204" pitchFamily="34" charset="0"/>
+              <a:buChar char="•"/>
+            </a:pPr>
+            <a:r>
+              <a:rPr lang="en-GB" b="0" i="0" dirty="0">
+                <a:solidFill>
+                  <a:srgbClr val="363737"/>
+                </a:solidFill>
+                <a:effectLst/>
+                <a:latin typeface="Spectral"/>
+              </a:rPr>
+              <a:t>Business strategy / Product management: “reporting, disclosure, strategy, and policies from both an organizational and website / product level.”</a:t>
+            </a:r>
+          </a:p>
+          <a:p>
             <a:endParaRPr lang="en-DK" dirty="0"/>
           </a:p>
         </p:txBody>
@@ -8139,7 +8043,7 @@
     </p:spTree>
     <p:extLst>
       <p:ext uri="{BB962C8B-B14F-4D97-AF65-F5344CB8AC3E}">
-        <p14:creationId xmlns:p14="http://schemas.microsoft.com/office/powerpoint/2010/main" val="1047881982"/>
+        <p14:creationId xmlns:p14="http://schemas.microsoft.com/office/powerpoint/2010/main" val="1050528676"/>
       </p:ext>
     </p:extLst>
   </p:cSld>
@@ -8171,7 +8075,7 @@
           <p:cNvPr id="2" name="Title 1">
             <a:extLst>
               <a:ext uri="{FF2B5EF4-FFF2-40B4-BE49-F238E27FC236}">
-                <a16:creationId xmlns:a16="http://schemas.microsoft.com/office/drawing/2014/main" id="{993A53BC-ACBE-AA8C-4735-011F5D40F7CF}"/>
+                <a16:creationId xmlns:a16="http://schemas.microsoft.com/office/drawing/2014/main" id="{FCE14B95-C52A-5FA5-6A22-784C9427B708}"/>
               </a:ext>
             </a:extLst>
           </p:cNvPr>
@@ -8182,90 +8086,17 @@
             <p:ph type="title"/>
           </p:nvPr>
         </p:nvSpPr>
-        <p:spPr>
-          <a:xfrm>
-            <a:off x="609600" y="731836"/>
-            <a:ext cx="10972800" cy="1143000"/>
-          </a:xfrm>
-        </p:spPr>
-        <p:txBody>
-          <a:bodyPr>
-            <a:normAutofit fontScale="90000"/>
-          </a:bodyPr>
+        <p:spPr/>
+        <p:txBody>
+          <a:bodyPr/>
           <a:lstStyle/>
           <a:p>
             <a:r>
-              <a:rPr lang="en-GB" i="0" dirty="0" err="1">
-                <a:effectLst/>
-                <a:latin typeface="Raleway" pitchFamily="2" charset="77"/>
-              </a:rPr>
-              <a:t>Øvelse</a:t>
-            </a:r>
-            <a:r>
-              <a:rPr lang="en-GB" i="0" dirty="0">
-                <a:effectLst/>
-                <a:latin typeface="Raleway" pitchFamily="2" charset="77"/>
-              </a:rPr>
-              <a:t>: </a:t>
-            </a:r>
-            <a:r>
-              <a:rPr lang="en-GB" i="0" dirty="0" err="1">
-                <a:effectLst/>
-                <a:latin typeface="Raleway" pitchFamily="2" charset="77"/>
-              </a:rPr>
-              <a:t>Udforskning</a:t>
-            </a:r>
-            <a:r>
-              <a:rPr lang="en-GB" i="0" dirty="0">
-                <a:effectLst/>
-                <a:latin typeface="Raleway" pitchFamily="2" charset="77"/>
-              </a:rPr>
-              <a:t> </a:t>
-            </a:r>
-            <a:r>
-              <a:rPr lang="en-GB" i="0" dirty="0" err="1">
-                <a:effectLst/>
-                <a:latin typeface="Raleway" pitchFamily="2" charset="77"/>
-              </a:rPr>
-              <a:t>af</a:t>
-            </a:r>
-            <a:r>
-              <a:rPr lang="en-GB" i="0" dirty="0">
-                <a:effectLst/>
-                <a:latin typeface="Raleway" pitchFamily="2" charset="77"/>
-              </a:rPr>
-              <a:t> </a:t>
-            </a:r>
-            <a:r>
-              <a:rPr lang="en-GB" i="0" dirty="0" err="1">
-                <a:effectLst/>
-                <a:latin typeface="Raleway" pitchFamily="2" charset="77"/>
-              </a:rPr>
-              <a:t>bæredygtigt</a:t>
-            </a:r>
-            <a:r>
-              <a:rPr lang="en-GB" i="0" dirty="0">
-                <a:effectLst/>
-                <a:latin typeface="Raleway" pitchFamily="2" charset="77"/>
-              </a:rPr>
-              <a:t> </a:t>
-            </a:r>
-            <a:r>
-              <a:rPr lang="en-GB" i="0" dirty="0" err="1">
-                <a:effectLst/>
-                <a:latin typeface="Raleway" pitchFamily="2" charset="77"/>
-              </a:rPr>
-              <a:t>webdesign</a:t>
-            </a:r>
-            <a:br>
-              <a:rPr lang="en-GB" i="0" dirty="0">
-                <a:effectLst/>
-                <a:latin typeface="Raleway" pitchFamily="2" charset="77"/>
-              </a:rPr>
-            </a:br>
-            <a:endParaRPr lang="en-DK" dirty="0">
-              <a:latin typeface="Raleway" pitchFamily="2" charset="77"/>
-            </a:endParaRPr>
+              <a:rPr lang="en-DK" dirty="0">
+                <a:latin typeface="Raleway" pitchFamily="2" charset="77"/>
+              </a:rPr>
+              <a:t>WSG og WCAG</a:t>
+            </a:r>
           </a:p>
         </p:txBody>
       </p:sp>
@@ -8274,7 +8105,7 @@
           <p:cNvPr id="3" name="Content Placeholder 2">
             <a:extLst>
               <a:ext uri="{FF2B5EF4-FFF2-40B4-BE49-F238E27FC236}">
-                <a16:creationId xmlns:a16="http://schemas.microsoft.com/office/drawing/2014/main" id="{9010F581-A40E-93AA-8449-786CA2F0C9D0}"/>
+                <a16:creationId xmlns:a16="http://schemas.microsoft.com/office/drawing/2014/main" id="{7524658F-C131-5D66-031F-99B0963613F2}"/>
               </a:ext>
             </a:extLst>
           </p:cNvPr>
@@ -8290,510 +8121,205 @@
           <a:bodyPr/>
           <a:lstStyle/>
           <a:p>
-            <a:pPr algn="l">
-              <a:spcBef>
-                <a:spcPts val="600"/>
-              </a:spcBef>
-              <a:buFont typeface="+mj-lt"/>
-              <a:buAutoNum type="arabicPeriod"/>
+            <a:pPr marL="0" indent="0">
+              <a:buNone/>
             </a:pPr>
-            <a:endParaRPr lang="en-GB" sz="2800" b="1" i="0" dirty="0">
-              <a:effectLst/>
-              <a:latin typeface="Calibri" panose="020F0502020204030204" pitchFamily="34" charset="0"/>
-              <a:cs typeface="Calibri" panose="020F0502020204030204" pitchFamily="34" charset="0"/>
-            </a:endParaRPr>
-          </a:p>
-          <a:p>
-            <a:pPr algn="l">
-              <a:spcBef>
-                <a:spcPts val="600"/>
-              </a:spcBef>
-              <a:buFont typeface="+mj-lt"/>
-              <a:buAutoNum type="arabicPeriod"/>
+            <a:r>
+              <a:rPr lang="en-GB" dirty="0"/>
+              <a:t> </a:t>
+            </a:r>
+            <a:r>
+              <a:rPr lang="en-GB" b="1" dirty="0"/>
+              <a:t>WCAG</a:t>
+            </a:r>
+            <a:r>
+              <a:rPr lang="en-GB" dirty="0"/>
+              <a:t>: Et formelt </a:t>
+            </a:r>
+            <a:r>
+              <a:rPr lang="en-GB" dirty="0" err="1"/>
+              <a:t>sæt</a:t>
+            </a:r>
+            <a:r>
+              <a:rPr lang="en-GB" dirty="0"/>
+              <a:t> </a:t>
+            </a:r>
+            <a:r>
+              <a:rPr lang="en-GB" dirty="0" err="1"/>
+              <a:t>af</a:t>
+            </a:r>
+            <a:r>
+              <a:rPr lang="en-GB" dirty="0"/>
+              <a:t> </a:t>
+            </a:r>
+            <a:r>
+              <a:rPr lang="en-GB" b="1" dirty="0" err="1"/>
+              <a:t>tekniske</a:t>
+            </a:r>
+            <a:r>
+              <a:rPr lang="en-GB" b="1" dirty="0"/>
+              <a:t> </a:t>
+            </a:r>
+            <a:r>
+              <a:rPr lang="en-GB" b="1" dirty="0" err="1"/>
+              <a:t>standarder</a:t>
+            </a:r>
+            <a:r>
+              <a:rPr lang="en-GB" dirty="0"/>
+              <a:t>, </a:t>
+            </a:r>
+            <a:r>
+              <a:rPr lang="en-GB" dirty="0" err="1"/>
+              <a:t>som</a:t>
+            </a:r>
+            <a:r>
+              <a:rPr lang="en-GB" dirty="0"/>
+              <a:t> </a:t>
+            </a:r>
+            <a:r>
+              <a:rPr lang="en-GB" dirty="0" err="1"/>
+              <a:t>webudviklere</a:t>
+            </a:r>
+            <a:r>
+              <a:rPr lang="en-GB" dirty="0"/>
+              <a:t> </a:t>
+            </a:r>
+            <a:r>
+              <a:rPr lang="en-GB" dirty="0" err="1"/>
+              <a:t>og</a:t>
+            </a:r>
+            <a:r>
+              <a:rPr lang="en-GB" dirty="0"/>
+              <a:t> </a:t>
+            </a:r>
+            <a:r>
+              <a:rPr lang="en-GB" dirty="0" err="1"/>
+              <a:t>designere</a:t>
+            </a:r>
+            <a:r>
+              <a:rPr lang="en-GB" dirty="0"/>
+              <a:t> </a:t>
+            </a:r>
+            <a:r>
+              <a:rPr lang="en-GB" b="1" dirty="0" err="1"/>
+              <a:t>skal</a:t>
+            </a:r>
+            <a:r>
+              <a:rPr lang="en-GB" dirty="0"/>
+              <a:t> </a:t>
+            </a:r>
+            <a:r>
+              <a:rPr lang="en-GB" dirty="0" err="1"/>
+              <a:t>følge</a:t>
+            </a:r>
+            <a:r>
+              <a:rPr lang="en-GB" dirty="0"/>
+              <a:t> for at </a:t>
+            </a:r>
+            <a:r>
+              <a:rPr lang="en-GB" dirty="0" err="1"/>
+              <a:t>skabe</a:t>
+            </a:r>
+            <a:r>
+              <a:rPr lang="en-GB" dirty="0"/>
+              <a:t> </a:t>
+            </a:r>
+            <a:r>
+              <a:rPr lang="en-GB" b="1" dirty="0" err="1"/>
+              <a:t>tilgængelige</a:t>
+            </a:r>
+            <a:r>
+              <a:rPr lang="en-GB" b="1" dirty="0"/>
+              <a:t> </a:t>
+            </a:r>
+            <a:r>
+              <a:rPr lang="en-GB" b="1" dirty="0" err="1"/>
+              <a:t>hjemmesider</a:t>
+            </a:r>
+            <a:r>
+              <a:rPr lang="en-GB" dirty="0"/>
+              <a:t>.</a:t>
+            </a:r>
+          </a:p>
+          <a:p>
+            <a:pPr marL="0" indent="0">
+              <a:buNone/>
             </a:pPr>
-            <a:r>
-              <a:rPr lang="en-GB" sz="2800" b="1" dirty="0" err="1">
-                <a:latin typeface="Calibri" panose="020F0502020204030204" pitchFamily="34" charset="0"/>
-                <a:cs typeface="Calibri" panose="020F0502020204030204" pitchFamily="34" charset="0"/>
-              </a:rPr>
-              <a:t>Arbejde</a:t>
-            </a:r>
-            <a:r>
-              <a:rPr lang="en-GB" sz="2800" b="1" dirty="0">
-                <a:latin typeface="Calibri" panose="020F0502020204030204" pitchFamily="34" charset="0"/>
-                <a:cs typeface="Calibri" panose="020F0502020204030204" pitchFamily="34" charset="0"/>
-              </a:rPr>
-              <a:t> I </a:t>
-            </a:r>
-            <a:r>
-              <a:rPr lang="en-GB" sz="2800" b="1" dirty="0" err="1">
-                <a:latin typeface="Calibri" panose="020F0502020204030204" pitchFamily="34" charset="0"/>
-                <a:cs typeface="Calibri" panose="020F0502020204030204" pitchFamily="34" charset="0"/>
-              </a:rPr>
-              <a:t>Grupper</a:t>
-            </a:r>
-            <a:r>
-              <a:rPr lang="en-GB" sz="2800" b="1" dirty="0">
-                <a:latin typeface="Calibri" panose="020F0502020204030204" pitchFamily="34" charset="0"/>
-                <a:cs typeface="Calibri" panose="020F0502020204030204" pitchFamily="34" charset="0"/>
-              </a:rPr>
-              <a:t>, </a:t>
-            </a:r>
-            <a:r>
-              <a:rPr lang="en-GB" sz="2800" b="1" dirty="0" err="1">
-                <a:latin typeface="Calibri" panose="020F0502020204030204" pitchFamily="34" charset="0"/>
-                <a:cs typeface="Calibri" panose="020F0502020204030204" pitchFamily="34" charset="0"/>
-              </a:rPr>
-              <a:t>B</a:t>
-            </a:r>
-            <a:r>
-              <a:rPr lang="en-GB" sz="2800" b="1" i="0" dirty="0" err="1">
-                <a:effectLst/>
-                <a:latin typeface="Calibri" panose="020F0502020204030204" pitchFamily="34" charset="0"/>
-                <a:cs typeface="Calibri" panose="020F0502020204030204" pitchFamily="34" charset="0"/>
-              </a:rPr>
-              <a:t>esøg</a:t>
-            </a:r>
-            <a:r>
-              <a:rPr lang="en-GB" sz="2800" b="0" i="0" dirty="0">
-                <a:effectLst/>
-                <a:latin typeface="Calibri" panose="020F0502020204030204" pitchFamily="34" charset="0"/>
-                <a:cs typeface="Calibri" panose="020F0502020204030204" pitchFamily="34" charset="0"/>
-              </a:rPr>
-              <a:t> </a:t>
-            </a:r>
-            <a:r>
-              <a:rPr lang="en-GB" sz="2800" b="0" i="0" u="none" strike="noStrike" dirty="0">
-                <a:effectLst/>
-                <a:latin typeface="Calibri" panose="020F0502020204030204" pitchFamily="34" charset="0"/>
-                <a:cs typeface="Calibri" panose="020F0502020204030204" pitchFamily="34" charset="0"/>
-                <a:hlinkClick r:id="rId2">
-                  <a:extLst>
-                    <a:ext uri="{A12FA001-AC4F-418D-AE19-62706E023703}">
-                      <ahyp:hlinkClr xmlns:ahyp="http://schemas.microsoft.com/office/drawing/2018/hyperlinkcolor" val="tx"/>
-                    </a:ext>
-                  </a:extLst>
-                </a:hlinkClick>
-              </a:rPr>
-              <a:t>Web Sustainability Guidelines (WSG) 1.0</a:t>
-            </a:r>
-            <a:r>
-              <a:rPr lang="en-GB" sz="2800" b="0" i="0" dirty="0">
-                <a:effectLst/>
-                <a:latin typeface="Calibri" panose="020F0502020204030204" pitchFamily="34" charset="0"/>
-                <a:cs typeface="Calibri" panose="020F0502020204030204" pitchFamily="34" charset="0"/>
-              </a:rPr>
+            <a:endParaRPr lang="en-DK" dirty="0"/>
+          </a:p>
+          <a:p>
+            <a:pPr marL="0" indent="0">
+              <a:buNone/>
+            </a:pPr>
+            <a:r>
+              <a:rPr lang="en-GB" b="1" dirty="0"/>
+              <a:t>WSG</a:t>
+            </a:r>
+            <a:r>
+              <a:rPr lang="en-GB" dirty="0"/>
+              <a:t>: </a:t>
+            </a:r>
+            <a:r>
+              <a:rPr lang="en-GB" dirty="0" err="1"/>
+              <a:t>Fremmer</a:t>
+            </a:r>
+            <a:r>
+              <a:rPr lang="en-GB" dirty="0"/>
+              <a:t> </a:t>
+            </a:r>
+            <a:r>
+              <a:rPr lang="en-GB" b="1" dirty="0" err="1"/>
+              <a:t>bedste</a:t>
+            </a:r>
+            <a:r>
+              <a:rPr lang="en-GB" b="1" dirty="0"/>
+              <a:t> </a:t>
+            </a:r>
+            <a:r>
+              <a:rPr lang="en-GB" b="1" dirty="0" err="1"/>
+              <a:t>praksis</a:t>
+            </a:r>
+            <a:r>
+              <a:rPr lang="en-GB" dirty="0"/>
+              <a:t>, men </a:t>
+            </a:r>
+            <a:r>
+              <a:rPr lang="en-GB" dirty="0" err="1"/>
+              <a:t>har</a:t>
+            </a:r>
+            <a:r>
+              <a:rPr lang="en-GB" dirty="0"/>
+              <a:t> </a:t>
+            </a:r>
+            <a:r>
+              <a:rPr lang="en-GB" dirty="0" err="1"/>
+              <a:t>ikke</a:t>
+            </a:r>
+            <a:r>
+              <a:rPr lang="en-GB" dirty="0"/>
+              <a:t> </a:t>
+            </a:r>
+            <a:r>
+              <a:rPr lang="en-GB" b="1" dirty="0" err="1"/>
+              <a:t>håndhævelige</a:t>
+            </a:r>
+            <a:r>
+              <a:rPr lang="en-GB" b="1" dirty="0"/>
+              <a:t> </a:t>
+            </a:r>
+            <a:r>
+              <a:rPr lang="en-GB" b="1" dirty="0" err="1"/>
+              <a:t>retningslinjer</a:t>
+            </a:r>
+            <a:r>
+              <a:rPr lang="en-GB" dirty="0"/>
               <a:t>.</a:t>
             </a:r>
           </a:p>
           <a:p>
-            <a:pPr algn="l">
-              <a:spcBef>
-                <a:spcPts val="600"/>
-              </a:spcBef>
-              <a:buFont typeface="+mj-lt"/>
-              <a:buAutoNum type="arabicPeriod"/>
+            <a:pPr marL="0" indent="0">
+              <a:buNone/>
             </a:pPr>
-            <a:r>
-              <a:rPr lang="en-GB" sz="2800" b="1" i="0" dirty="0">
-                <a:effectLst/>
-                <a:latin typeface="Calibri" panose="020F0502020204030204" pitchFamily="34" charset="0"/>
-                <a:cs typeface="Calibri" panose="020F0502020204030204" pitchFamily="34" charset="0"/>
-              </a:rPr>
-              <a:t>Find 2 UX-</a:t>
-            </a:r>
-            <a:r>
-              <a:rPr lang="en-GB" sz="2800" b="1" i="0" dirty="0" err="1">
-                <a:effectLst/>
-                <a:latin typeface="Calibri" panose="020F0502020204030204" pitchFamily="34" charset="0"/>
-                <a:cs typeface="Calibri" panose="020F0502020204030204" pitchFamily="34" charset="0"/>
-              </a:rPr>
-              <a:t>eksempler</a:t>
-            </a:r>
-            <a:r>
-              <a:rPr lang="en-GB" sz="2800" b="1" i="0" dirty="0">
-                <a:effectLst/>
-                <a:latin typeface="Calibri" panose="020F0502020204030204" pitchFamily="34" charset="0"/>
-                <a:cs typeface="Calibri" panose="020F0502020204030204" pitchFamily="34" charset="0"/>
-              </a:rPr>
-              <a:t>:</a:t>
-            </a:r>
-            <a:r>
-              <a:rPr lang="en-GB" sz="2800" b="0" i="0" dirty="0">
-                <a:effectLst/>
-                <a:latin typeface="Calibri" panose="020F0502020204030204" pitchFamily="34" charset="0"/>
-                <a:cs typeface="Calibri" panose="020F0502020204030204" pitchFamily="34" charset="0"/>
-              </a:rPr>
-              <a:t> </a:t>
-            </a:r>
-            <a:r>
-              <a:rPr lang="en-GB" sz="2800" b="0" i="0" dirty="0" err="1">
-                <a:effectLst/>
-                <a:latin typeface="Calibri" panose="020F0502020204030204" pitchFamily="34" charset="0"/>
-                <a:cs typeface="Calibri" panose="020F0502020204030204" pitchFamily="34" charset="0"/>
-              </a:rPr>
-              <a:t>Tilgængelighed</a:t>
-            </a:r>
-            <a:r>
-              <a:rPr lang="en-GB" sz="2800" b="0" i="0" dirty="0">
-                <a:effectLst/>
-                <a:latin typeface="Calibri" panose="020F0502020204030204" pitchFamily="34" charset="0"/>
-                <a:cs typeface="Calibri" panose="020F0502020204030204" pitchFamily="34" charset="0"/>
-              </a:rPr>
-              <a:t>, </a:t>
-            </a:r>
-            <a:r>
-              <a:rPr lang="en-GB" sz="2800" b="0" i="0" dirty="0" err="1">
-                <a:effectLst/>
-                <a:latin typeface="Calibri" panose="020F0502020204030204" pitchFamily="34" charset="0"/>
-                <a:cs typeface="Calibri" panose="020F0502020204030204" pitchFamily="34" charset="0"/>
-              </a:rPr>
-              <a:t>ydeevne</a:t>
-            </a:r>
-            <a:r>
-              <a:rPr lang="en-GB" sz="2800" b="0" i="0" dirty="0">
-                <a:effectLst/>
-                <a:latin typeface="Calibri" panose="020F0502020204030204" pitchFamily="34" charset="0"/>
-                <a:cs typeface="Calibri" panose="020F0502020204030204" pitchFamily="34" charset="0"/>
-              </a:rPr>
-              <a:t>, </a:t>
-            </a:r>
-            <a:r>
-              <a:rPr lang="en-GB" sz="2800" b="0" i="0" dirty="0" err="1">
-                <a:effectLst/>
-                <a:latin typeface="Calibri" panose="020F0502020204030204" pitchFamily="34" charset="0"/>
-                <a:cs typeface="Calibri" panose="020F0502020204030204" pitchFamily="34" charset="0"/>
-              </a:rPr>
-              <a:t>brugervenlighed</a:t>
-            </a:r>
-            <a:r>
-              <a:rPr lang="en-GB" sz="2800" b="0" i="0" dirty="0">
-                <a:effectLst/>
-                <a:latin typeface="Calibri" panose="020F0502020204030204" pitchFamily="34" charset="0"/>
-                <a:cs typeface="Calibri" panose="020F0502020204030204" pitchFamily="34" charset="0"/>
-              </a:rPr>
-              <a:t>.</a:t>
-            </a:r>
-          </a:p>
-          <a:p>
-            <a:pPr algn="l">
-              <a:spcBef>
-                <a:spcPts val="600"/>
-              </a:spcBef>
-              <a:buFont typeface="+mj-lt"/>
-              <a:buAutoNum type="arabicPeriod"/>
-            </a:pPr>
-            <a:r>
-              <a:rPr lang="en-GB" sz="2800" b="1" i="0" dirty="0">
-                <a:effectLst/>
-                <a:latin typeface="Calibri" panose="020F0502020204030204" pitchFamily="34" charset="0"/>
-                <a:cs typeface="Calibri" panose="020F0502020204030204" pitchFamily="34" charset="0"/>
-              </a:rPr>
-              <a:t>Find 2 </a:t>
-            </a:r>
-            <a:r>
-              <a:rPr lang="en-GB" sz="2800" b="1" i="0" dirty="0" err="1">
-                <a:effectLst/>
-                <a:latin typeface="Calibri" panose="020F0502020204030204" pitchFamily="34" charset="0"/>
-                <a:cs typeface="Calibri" panose="020F0502020204030204" pitchFamily="34" charset="0"/>
-              </a:rPr>
-              <a:t>udviklereksempler</a:t>
-            </a:r>
-            <a:r>
-              <a:rPr lang="en-GB" sz="2800" b="1" i="0" dirty="0">
-                <a:effectLst/>
-                <a:latin typeface="Calibri" panose="020F0502020204030204" pitchFamily="34" charset="0"/>
-                <a:cs typeface="Calibri" panose="020F0502020204030204" pitchFamily="34" charset="0"/>
-              </a:rPr>
-              <a:t>:</a:t>
-            </a:r>
-            <a:r>
-              <a:rPr lang="en-GB" sz="2800" b="0" i="0" dirty="0">
-                <a:effectLst/>
-                <a:latin typeface="Calibri" panose="020F0502020204030204" pitchFamily="34" charset="0"/>
-                <a:cs typeface="Calibri" panose="020F0502020204030204" pitchFamily="34" charset="0"/>
-              </a:rPr>
-              <a:t> </a:t>
-            </a:r>
-            <a:r>
-              <a:rPr lang="en-GB" sz="2800" b="0" i="0" dirty="0" err="1">
-                <a:effectLst/>
-                <a:latin typeface="Calibri" panose="020F0502020204030204" pitchFamily="34" charset="0"/>
-                <a:cs typeface="Calibri" panose="020F0502020204030204" pitchFamily="34" charset="0"/>
-              </a:rPr>
-              <a:t>Effektiv</a:t>
-            </a:r>
-            <a:r>
-              <a:rPr lang="en-GB" sz="2800" b="0" i="0" dirty="0">
-                <a:effectLst/>
-                <a:latin typeface="Calibri" panose="020F0502020204030204" pitchFamily="34" charset="0"/>
-                <a:cs typeface="Calibri" panose="020F0502020204030204" pitchFamily="34" charset="0"/>
-              </a:rPr>
-              <a:t> </a:t>
-            </a:r>
-            <a:r>
-              <a:rPr lang="en-GB" sz="2800" b="0" i="0" dirty="0" err="1">
-                <a:effectLst/>
-                <a:latin typeface="Calibri" panose="020F0502020204030204" pitchFamily="34" charset="0"/>
-                <a:cs typeface="Calibri" panose="020F0502020204030204" pitchFamily="34" charset="0"/>
-              </a:rPr>
-              <a:t>kodning</a:t>
-            </a:r>
-            <a:r>
-              <a:rPr lang="en-GB" sz="2800" b="0" i="0" dirty="0">
-                <a:effectLst/>
-                <a:latin typeface="Calibri" panose="020F0502020204030204" pitchFamily="34" charset="0"/>
-                <a:cs typeface="Calibri" panose="020F0502020204030204" pitchFamily="34" charset="0"/>
-              </a:rPr>
-              <a:t>, </a:t>
-            </a:r>
-            <a:r>
-              <a:rPr lang="en-GB" sz="2800" b="0" i="0" dirty="0" err="1">
-                <a:effectLst/>
-                <a:latin typeface="Calibri" panose="020F0502020204030204" pitchFamily="34" charset="0"/>
-                <a:cs typeface="Calibri" panose="020F0502020204030204" pitchFamily="34" charset="0"/>
-              </a:rPr>
-              <a:t>ressourcehåndtering</a:t>
-            </a:r>
-            <a:r>
-              <a:rPr lang="en-GB" sz="2800" b="0" i="0" dirty="0">
-                <a:effectLst/>
-                <a:latin typeface="Calibri" panose="020F0502020204030204" pitchFamily="34" charset="0"/>
-                <a:cs typeface="Calibri" panose="020F0502020204030204" pitchFamily="34" charset="0"/>
-              </a:rPr>
-              <a:t>, </a:t>
-            </a:r>
-            <a:r>
-              <a:rPr lang="en-GB" sz="2800" b="0" i="0" dirty="0" err="1">
-                <a:effectLst/>
-                <a:latin typeface="Calibri" panose="020F0502020204030204" pitchFamily="34" charset="0"/>
-                <a:cs typeface="Calibri" panose="020F0502020204030204" pitchFamily="34" charset="0"/>
-              </a:rPr>
-              <a:t>energiforbrug</a:t>
-            </a:r>
-            <a:r>
-              <a:rPr lang="en-GB" sz="2800" b="0" i="0" dirty="0">
-                <a:effectLst/>
-                <a:latin typeface="Calibri" panose="020F0502020204030204" pitchFamily="34" charset="0"/>
-                <a:cs typeface="Calibri" panose="020F0502020204030204" pitchFamily="34" charset="0"/>
-              </a:rPr>
-              <a:t>.</a:t>
-            </a:r>
-          </a:p>
-          <a:p>
-            <a:pPr algn="l">
-              <a:spcBef>
-                <a:spcPts val="600"/>
-              </a:spcBef>
-              <a:buFont typeface="+mj-lt"/>
-              <a:buAutoNum type="arabicPeriod"/>
-            </a:pPr>
-            <a:r>
-              <a:rPr lang="en-GB" sz="2800" dirty="0">
-                <a:latin typeface="Calibri" panose="020F0502020204030204" pitchFamily="34" charset="0"/>
-                <a:cs typeface="Calibri" panose="020F0502020204030204" pitchFamily="34" charset="0"/>
-              </a:rPr>
-              <a:t>Find 2 Business </a:t>
-            </a:r>
-            <a:r>
-              <a:rPr lang="en-GB" sz="2800" dirty="0" err="1">
-                <a:latin typeface="Calibri" panose="020F0502020204030204" pitchFamily="34" charset="0"/>
-                <a:cs typeface="Calibri" panose="020F0502020204030204" pitchFamily="34" charset="0"/>
-              </a:rPr>
-              <a:t>og</a:t>
-            </a:r>
-            <a:r>
-              <a:rPr lang="en-GB" sz="2800" dirty="0">
-                <a:latin typeface="Calibri" panose="020F0502020204030204" pitchFamily="34" charset="0"/>
-                <a:cs typeface="Calibri" panose="020F0502020204030204" pitchFamily="34" charset="0"/>
-              </a:rPr>
-              <a:t> Hosting</a:t>
-            </a:r>
-            <a:endParaRPr lang="en-GB" sz="2800" b="0" i="0" dirty="0">
-              <a:effectLst/>
-              <a:latin typeface="Calibri" panose="020F0502020204030204" pitchFamily="34" charset="0"/>
-              <a:cs typeface="Calibri" panose="020F0502020204030204" pitchFamily="34" charset="0"/>
-            </a:endParaRPr>
-          </a:p>
-          <a:p>
-            <a:pPr algn="l">
-              <a:spcBef>
-                <a:spcPts val="600"/>
-              </a:spcBef>
-              <a:buFont typeface="+mj-lt"/>
-              <a:buAutoNum type="arabicPeriod"/>
-            </a:pPr>
-            <a:r>
-              <a:rPr lang="en-GB" sz="2800" b="1" i="0" dirty="0" err="1">
-                <a:effectLst/>
-                <a:latin typeface="Calibri" panose="020F0502020204030204" pitchFamily="34" charset="0"/>
-                <a:cs typeface="Calibri" panose="020F0502020204030204" pitchFamily="34" charset="0"/>
-              </a:rPr>
-              <a:t>Dokumentér</a:t>
-            </a:r>
-            <a:r>
-              <a:rPr lang="en-GB" sz="2800" b="1" i="0" dirty="0">
-                <a:effectLst/>
-                <a:latin typeface="Calibri" panose="020F0502020204030204" pitchFamily="34" charset="0"/>
-                <a:cs typeface="Calibri" panose="020F0502020204030204" pitchFamily="34" charset="0"/>
-              </a:rPr>
-              <a:t> fund:</a:t>
-            </a:r>
-            <a:r>
-              <a:rPr lang="en-GB" sz="2800" b="0" i="0" dirty="0">
-                <a:effectLst/>
-                <a:latin typeface="Calibri" panose="020F0502020204030204" pitchFamily="34" charset="0"/>
-                <a:cs typeface="Calibri" panose="020F0502020204030204" pitchFamily="34" charset="0"/>
-              </a:rPr>
-              <a:t> </a:t>
-            </a:r>
-            <a:r>
-              <a:rPr lang="en-GB" sz="2800" b="0" i="0" dirty="0" err="1">
-                <a:effectLst/>
-                <a:latin typeface="Calibri" panose="020F0502020204030204" pitchFamily="34" charset="0"/>
-                <a:cs typeface="Calibri" panose="020F0502020204030204" pitchFamily="34" charset="0"/>
-              </a:rPr>
-              <a:t>Opsummer</a:t>
-            </a:r>
-            <a:r>
-              <a:rPr lang="en-GB" sz="2800" b="0" i="0" dirty="0">
-                <a:effectLst/>
-                <a:latin typeface="Calibri" panose="020F0502020204030204" pitchFamily="34" charset="0"/>
-                <a:cs typeface="Calibri" panose="020F0502020204030204" pitchFamily="34" charset="0"/>
-              </a:rPr>
-              <a:t> med </a:t>
-            </a:r>
-            <a:r>
-              <a:rPr lang="en-GB" sz="2800" b="0" i="0" dirty="0" err="1">
-                <a:effectLst/>
-                <a:latin typeface="Calibri" panose="020F0502020204030204" pitchFamily="34" charset="0"/>
-                <a:cs typeface="Calibri" panose="020F0502020204030204" pitchFamily="34" charset="0"/>
-              </a:rPr>
-              <a:t>skærmbilleder</a:t>
-            </a:r>
-            <a:r>
-              <a:rPr lang="en-GB" sz="2800" b="0" i="0" dirty="0">
-                <a:effectLst/>
-                <a:latin typeface="Calibri" panose="020F0502020204030204" pitchFamily="34" charset="0"/>
-                <a:cs typeface="Calibri" panose="020F0502020204030204" pitchFamily="34" charset="0"/>
-              </a:rPr>
-              <a:t>/links.</a:t>
-            </a:r>
-          </a:p>
-          <a:p>
-            <a:pPr algn="l">
-              <a:spcBef>
-                <a:spcPts val="600"/>
-              </a:spcBef>
-              <a:buFont typeface="+mj-lt"/>
-              <a:buAutoNum type="arabicPeriod"/>
-            </a:pPr>
-            <a:r>
-              <a:rPr lang="en-GB" sz="2800" b="1" i="0" dirty="0" err="1">
-                <a:effectLst/>
-                <a:latin typeface="Calibri" panose="020F0502020204030204" pitchFamily="34" charset="0"/>
-                <a:cs typeface="Calibri" panose="020F0502020204030204" pitchFamily="34" charset="0"/>
-              </a:rPr>
-              <a:t>Diskussion</a:t>
-            </a:r>
-            <a:r>
-              <a:rPr lang="en-GB" sz="2800" b="1" i="0" dirty="0">
-                <a:effectLst/>
-                <a:latin typeface="Calibri" panose="020F0502020204030204" pitchFamily="34" charset="0"/>
-                <a:cs typeface="Calibri" panose="020F0502020204030204" pitchFamily="34" charset="0"/>
-              </a:rPr>
-              <a:t>:</a:t>
-            </a:r>
-            <a:r>
-              <a:rPr lang="en-GB" sz="2800" b="0" i="0" dirty="0">
-                <a:effectLst/>
-                <a:latin typeface="Calibri" panose="020F0502020204030204" pitchFamily="34" charset="0"/>
-                <a:cs typeface="Calibri" panose="020F0502020204030204" pitchFamily="34" charset="0"/>
-              </a:rPr>
-              <a:t> </a:t>
-            </a:r>
-            <a:r>
-              <a:rPr lang="en-GB" sz="2800" b="0" i="0" dirty="0" err="1">
-                <a:effectLst/>
-                <a:latin typeface="Calibri" panose="020F0502020204030204" pitchFamily="34" charset="0"/>
-                <a:cs typeface="Calibri" panose="020F0502020204030204" pitchFamily="34" charset="0"/>
-              </a:rPr>
-              <a:t>Forbered</a:t>
-            </a:r>
-            <a:r>
-              <a:rPr lang="en-GB" sz="2800" b="0" i="0" dirty="0">
-                <a:effectLst/>
-                <a:latin typeface="Calibri" panose="020F0502020204030204" pitchFamily="34" charset="0"/>
-                <a:cs typeface="Calibri" panose="020F0502020204030204" pitchFamily="34" charset="0"/>
-              </a:rPr>
-              <a:t> </a:t>
-            </a:r>
-            <a:r>
-              <a:rPr lang="en-GB" sz="2800" b="0" i="0" dirty="0" err="1">
-                <a:effectLst/>
-                <a:latin typeface="Calibri" panose="020F0502020204030204" pitchFamily="34" charset="0"/>
-                <a:cs typeface="Calibri" panose="020F0502020204030204" pitchFamily="34" charset="0"/>
-              </a:rPr>
-              <a:t>til</a:t>
-            </a:r>
-            <a:r>
-              <a:rPr lang="en-GB" sz="2800" b="0" i="0" dirty="0">
-                <a:effectLst/>
-                <a:latin typeface="Calibri" panose="020F0502020204030204" pitchFamily="34" charset="0"/>
-                <a:cs typeface="Calibri" panose="020F0502020204030204" pitchFamily="34" charset="0"/>
-              </a:rPr>
-              <a:t> </a:t>
-            </a:r>
-            <a:r>
-              <a:rPr lang="en-GB" sz="2800" b="0" i="0" dirty="0" err="1">
-                <a:effectLst/>
-                <a:latin typeface="Calibri" panose="020F0502020204030204" pitchFamily="34" charset="0"/>
-                <a:cs typeface="Calibri" panose="020F0502020204030204" pitchFamily="34" charset="0"/>
-              </a:rPr>
-              <a:t>diskussion</a:t>
-            </a:r>
-            <a:r>
-              <a:rPr lang="en-GB" sz="2800" b="0" i="0" dirty="0">
-                <a:effectLst/>
-                <a:latin typeface="Calibri" panose="020F0502020204030204" pitchFamily="34" charset="0"/>
-                <a:cs typeface="Calibri" panose="020F0502020204030204" pitchFamily="34" charset="0"/>
-              </a:rPr>
-              <a:t> </a:t>
-            </a:r>
-            <a:r>
-              <a:rPr lang="en-GB" sz="2800" b="0" i="0" dirty="0" err="1">
-                <a:effectLst/>
-                <a:latin typeface="Calibri" panose="020F0502020204030204" pitchFamily="34" charset="0"/>
-                <a:cs typeface="Calibri" panose="020F0502020204030204" pitchFamily="34" charset="0"/>
-              </a:rPr>
-              <a:t>i</a:t>
-            </a:r>
-            <a:r>
-              <a:rPr lang="en-GB" sz="2800" b="0" i="0" dirty="0">
-                <a:effectLst/>
-                <a:latin typeface="Calibri" panose="020F0502020204030204" pitchFamily="34" charset="0"/>
-                <a:cs typeface="Calibri" panose="020F0502020204030204" pitchFamily="34" charset="0"/>
-              </a:rPr>
-              <a:t> </a:t>
-            </a:r>
-            <a:r>
-              <a:rPr lang="en-GB" sz="2800" b="0" i="0" dirty="0" err="1">
-                <a:effectLst/>
-                <a:latin typeface="Calibri" panose="020F0502020204030204" pitchFamily="34" charset="0"/>
-                <a:cs typeface="Calibri" panose="020F0502020204030204" pitchFamily="34" charset="0"/>
-              </a:rPr>
-              <a:t>klassen</a:t>
-            </a:r>
-            <a:r>
-              <a:rPr lang="en-GB" sz="2800" b="0" i="0" dirty="0">
-                <a:effectLst/>
-                <a:latin typeface="Calibri" panose="020F0502020204030204" pitchFamily="34" charset="0"/>
-                <a:cs typeface="Calibri" panose="020F0502020204030204" pitchFamily="34" charset="0"/>
-              </a:rPr>
-              <a:t>.</a:t>
-            </a:r>
-          </a:p>
-          <a:p>
             <a:endParaRPr lang="en-DK" dirty="0"/>
           </a:p>
         </p:txBody>
@@ -8801,7 +8327,7 @@
     </p:spTree>
     <p:extLst>
       <p:ext uri="{BB962C8B-B14F-4D97-AF65-F5344CB8AC3E}">
-        <p14:creationId xmlns:p14="http://schemas.microsoft.com/office/powerpoint/2010/main" val="3818749649"/>
+        <p14:creationId xmlns:p14="http://schemas.microsoft.com/office/powerpoint/2010/main" val="1047881982"/>
       </p:ext>
     </p:extLst>
   </p:cSld>
@@ -8830,12 +8356,121 @@
       </p:grpSpPr>
       <p:sp>
         <p:nvSpPr>
-          <p:cNvPr id="2" name="Title 1"/>
+          <p:cNvPr id="2" name="Title 1">
+            <a:extLst>
+              <a:ext uri="{FF2B5EF4-FFF2-40B4-BE49-F238E27FC236}">
+                <a16:creationId xmlns:a16="http://schemas.microsoft.com/office/drawing/2014/main" id="{993A53BC-ACBE-AA8C-4735-011F5D40F7CF}"/>
+              </a:ext>
+            </a:extLst>
+          </p:cNvPr>
           <p:cNvSpPr>
             <a:spLocks noGrp="1"/>
           </p:cNvSpPr>
           <p:nvPr>
             <p:ph type="title"/>
+          </p:nvPr>
+        </p:nvSpPr>
+        <p:spPr>
+          <a:xfrm>
+            <a:off x="609600" y="731836"/>
+            <a:ext cx="10972800" cy="1143000"/>
+          </a:xfrm>
+        </p:spPr>
+        <p:txBody>
+          <a:bodyPr>
+            <a:normAutofit fontScale="90000"/>
+          </a:bodyPr>
+          <a:lstStyle/>
+          <a:p>
+            <a:r>
+              <a:rPr lang="en-GB" i="0" dirty="0" err="1">
+                <a:effectLst/>
+                <a:latin typeface="Raleway" pitchFamily="2" charset="77"/>
+              </a:rPr>
+              <a:t>Øvelse</a:t>
+            </a:r>
+            <a:r>
+              <a:rPr lang="en-GB" i="0" dirty="0">
+                <a:effectLst/>
+                <a:latin typeface="Raleway" pitchFamily="2" charset="77"/>
+              </a:rPr>
+              <a:t>: </a:t>
+            </a:r>
+            <a:r>
+              <a:rPr lang="en-GB" i="0" dirty="0" err="1">
+                <a:effectLst/>
+                <a:latin typeface="Raleway" pitchFamily="2" charset="77"/>
+              </a:rPr>
+              <a:t>Udforskning</a:t>
+            </a:r>
+            <a:r>
+              <a:rPr lang="en-GB" i="0" dirty="0">
+                <a:effectLst/>
+                <a:latin typeface="Raleway" pitchFamily="2" charset="77"/>
+              </a:rPr>
+              <a:t> </a:t>
+            </a:r>
+            <a:r>
+              <a:rPr lang="en-GB" i="0" dirty="0" err="1">
+                <a:effectLst/>
+                <a:latin typeface="Raleway" pitchFamily="2" charset="77"/>
+              </a:rPr>
+              <a:t>af</a:t>
+            </a:r>
+            <a:r>
+              <a:rPr lang="en-GB" i="0" dirty="0">
+                <a:effectLst/>
+                <a:latin typeface="Raleway" pitchFamily="2" charset="77"/>
+              </a:rPr>
+              <a:t> </a:t>
+            </a:r>
+            <a:r>
+              <a:rPr lang="en-GB" i="0" dirty="0" err="1">
+                <a:effectLst/>
+                <a:latin typeface="Raleway" pitchFamily="2" charset="77"/>
+              </a:rPr>
+              <a:t>bæredygtigt</a:t>
+            </a:r>
+            <a:r>
+              <a:rPr lang="en-GB" i="0" dirty="0">
+                <a:effectLst/>
+                <a:latin typeface="Raleway" pitchFamily="2" charset="77"/>
+              </a:rPr>
+              <a:t> </a:t>
+            </a:r>
+            <a:r>
+              <a:rPr lang="en-GB" i="0" dirty="0" err="1">
+                <a:effectLst/>
+                <a:latin typeface="Raleway" pitchFamily="2" charset="77"/>
+              </a:rPr>
+              <a:t>webdesign</a:t>
+            </a:r>
+            <a:br>
+              <a:rPr lang="en-GB" i="0" dirty="0">
+                <a:effectLst/>
+                <a:latin typeface="Raleway" pitchFamily="2" charset="77"/>
+              </a:rPr>
+            </a:br>
+            <a:endParaRPr lang="en-DK" dirty="0">
+              <a:latin typeface="Raleway" pitchFamily="2" charset="77"/>
+            </a:endParaRPr>
+          </a:p>
+        </p:txBody>
+      </p:sp>
+      <p:sp>
+        <p:nvSpPr>
+          <p:cNvPr id="3" name="Content Placeholder 2">
+            <a:extLst>
+              <a:ext uri="{FF2B5EF4-FFF2-40B4-BE49-F238E27FC236}">
+                <a16:creationId xmlns:a16="http://schemas.microsoft.com/office/drawing/2014/main" id="{9010F581-A40E-93AA-8449-786CA2F0C9D0}"/>
+              </a:ext>
+            </a:extLst>
+          </p:cNvPr>
+          <p:cNvSpPr>
+            <a:spLocks noGrp="1"/>
+          </p:cNvSpPr>
+          <p:nvPr>
+            <p:ph idx="1"/>
           </p:nvPr>
         </p:nvSpPr>
         <p:spPr/>
@@ -8843,239 +8478,520 @@
           <a:bodyPr/>
           <a:lstStyle/>
           <a:p>
-            <a:r>
-              <a:rPr dirty="0" err="1">
-                <a:latin typeface="Raleway" pitchFamily="2" charset="77"/>
-              </a:rPr>
-              <a:t>Fordele</a:t>
-            </a:r>
-            <a:r>
-              <a:rPr dirty="0">
-                <a:latin typeface="Raleway" pitchFamily="2" charset="77"/>
-              </a:rPr>
-              <a:t> </a:t>
-            </a:r>
-            <a:r>
-              <a:rPr dirty="0" err="1">
-                <a:latin typeface="Raleway" pitchFamily="2" charset="77"/>
-              </a:rPr>
-              <a:t>ved</a:t>
-            </a:r>
-            <a:r>
-              <a:rPr dirty="0">
-                <a:latin typeface="Raleway" pitchFamily="2" charset="77"/>
-              </a:rPr>
-              <a:t> </a:t>
-            </a:r>
-            <a:r>
-              <a:rPr dirty="0" err="1">
-                <a:latin typeface="Raleway" pitchFamily="2" charset="77"/>
-              </a:rPr>
-              <a:t>bæredygtigt</a:t>
-            </a:r>
-            <a:r>
-              <a:rPr dirty="0">
-                <a:latin typeface="Raleway" pitchFamily="2" charset="77"/>
-              </a:rPr>
-              <a:t> </a:t>
-            </a:r>
-            <a:r>
-              <a:rPr dirty="0" err="1">
-                <a:latin typeface="Raleway" pitchFamily="2" charset="77"/>
-              </a:rPr>
-              <a:t>webdesign</a:t>
-            </a:r>
-            <a:endParaRPr dirty="0">
-              <a:latin typeface="Raleway" pitchFamily="2" charset="77"/>
+            <a:pPr algn="l">
+              <a:spcBef>
+                <a:spcPts val="600"/>
+              </a:spcBef>
+              <a:buFont typeface="+mj-lt"/>
+              <a:buAutoNum type="arabicPeriod"/>
+            </a:pPr>
+            <a:endParaRPr lang="en-GB" sz="2800" b="1" i="0" dirty="0">
+              <a:effectLst/>
+              <a:latin typeface="Calibri" panose="020F0502020204030204" pitchFamily="34" charset="0"/>
+              <a:cs typeface="Calibri" panose="020F0502020204030204" pitchFamily="34" charset="0"/>
             </a:endParaRPr>
           </a:p>
-        </p:txBody>
-      </p:sp>
-      <p:sp>
-        <p:nvSpPr>
-          <p:cNvPr id="3" name="Content Placeholder 2"/>
-          <p:cNvSpPr>
-            <a:spLocks noGrp="1"/>
-          </p:cNvSpPr>
-          <p:nvPr>
-            <p:ph idx="1"/>
-          </p:nvPr>
-        </p:nvSpPr>
-        <p:spPr/>
-        <p:txBody>
-          <a:bodyPr/>
-          <a:lstStyle/>
-          <a:p>
-            <a:r>
-              <a:rPr dirty="0" err="1"/>
-              <a:t>Bæredygtige</a:t>
-            </a:r>
-            <a:r>
-              <a:rPr dirty="0"/>
-              <a:t> </a:t>
-            </a:r>
-            <a:r>
-              <a:rPr dirty="0" err="1"/>
-              <a:t>praksisser</a:t>
-            </a:r>
-            <a:r>
-              <a:rPr dirty="0"/>
-              <a:t> </a:t>
-            </a:r>
-            <a:r>
-              <a:rPr dirty="0" err="1"/>
-              <a:t>resulterer</a:t>
-            </a:r>
-            <a:r>
-              <a:rPr dirty="0"/>
-              <a:t> </a:t>
-            </a:r>
-            <a:r>
-              <a:rPr dirty="0" err="1"/>
+          <a:p>
+            <a:pPr algn="l">
+              <a:spcBef>
+                <a:spcPts val="600"/>
+              </a:spcBef>
+              <a:buFont typeface="+mj-lt"/>
+              <a:buAutoNum type="arabicPeriod"/>
+            </a:pPr>
+            <a:r>
+              <a:rPr lang="en-GB" sz="2800" b="1" dirty="0" err="1">
+                <a:latin typeface="Calibri" panose="020F0502020204030204" pitchFamily="34" charset="0"/>
+                <a:cs typeface="Calibri" panose="020F0502020204030204" pitchFamily="34" charset="0"/>
+              </a:rPr>
+              <a:t>Arbejde</a:t>
+            </a:r>
+            <a:r>
+              <a:rPr lang="en-GB" sz="2800" b="1" dirty="0">
+                <a:latin typeface="Calibri" panose="020F0502020204030204" pitchFamily="34" charset="0"/>
+                <a:cs typeface="Calibri" panose="020F0502020204030204" pitchFamily="34" charset="0"/>
+              </a:rPr>
+              <a:t> I </a:t>
+            </a:r>
+            <a:r>
+              <a:rPr lang="en-GB" sz="2800" b="1" dirty="0" err="1">
+                <a:latin typeface="Calibri" panose="020F0502020204030204" pitchFamily="34" charset="0"/>
+                <a:cs typeface="Calibri" panose="020F0502020204030204" pitchFamily="34" charset="0"/>
+              </a:rPr>
+              <a:t>Grupper</a:t>
+            </a:r>
+            <a:r>
+              <a:rPr lang="en-GB" sz="2800" b="1" dirty="0">
+                <a:latin typeface="Calibri" panose="020F0502020204030204" pitchFamily="34" charset="0"/>
+                <a:cs typeface="Calibri" panose="020F0502020204030204" pitchFamily="34" charset="0"/>
+              </a:rPr>
+              <a:t>, </a:t>
+            </a:r>
+            <a:r>
+              <a:rPr lang="en-GB" sz="2800" b="1" dirty="0" err="1">
+                <a:latin typeface="Calibri" panose="020F0502020204030204" pitchFamily="34" charset="0"/>
+                <a:cs typeface="Calibri" panose="020F0502020204030204" pitchFamily="34" charset="0"/>
+              </a:rPr>
+              <a:t>B</a:t>
+            </a:r>
+            <a:r>
+              <a:rPr lang="en-GB" sz="2800" b="1" i="0" dirty="0" err="1">
+                <a:effectLst/>
+                <a:latin typeface="Calibri" panose="020F0502020204030204" pitchFamily="34" charset="0"/>
+                <a:cs typeface="Calibri" panose="020F0502020204030204" pitchFamily="34" charset="0"/>
+              </a:rPr>
+              <a:t>esøg</a:t>
+            </a:r>
+            <a:r>
+              <a:rPr lang="en-GB" sz="2800" b="0" i="0" dirty="0">
+                <a:effectLst/>
+                <a:latin typeface="Calibri" panose="020F0502020204030204" pitchFamily="34" charset="0"/>
+                <a:cs typeface="Calibri" panose="020F0502020204030204" pitchFamily="34" charset="0"/>
+              </a:rPr>
+              <a:t> </a:t>
+            </a:r>
+            <a:r>
+              <a:rPr lang="en-GB" sz="2800" b="0" i="0" u="none" strike="noStrike" dirty="0">
+                <a:effectLst/>
+                <a:latin typeface="Calibri" panose="020F0502020204030204" pitchFamily="34" charset="0"/>
+                <a:cs typeface="Calibri" panose="020F0502020204030204" pitchFamily="34" charset="0"/>
+                <a:hlinkClick r:id="rId2">
+                  <a:extLst>
+                    <a:ext uri="{A12FA001-AC4F-418D-AE19-62706E023703}">
+                      <ahyp:hlinkClr xmlns:ahyp="http://schemas.microsoft.com/office/drawing/2018/hyperlinkcolor" val="tx"/>
+                    </a:ext>
+                  </a:extLst>
+                </a:hlinkClick>
+              </a:rPr>
+              <a:t>Web Sustainability Guidelines (WSG) 1.0</a:t>
+            </a:r>
+            <a:r>
+              <a:rPr lang="en-GB" sz="2800" b="0" i="0" dirty="0">
+                <a:effectLst/>
+                <a:latin typeface="Calibri" panose="020F0502020204030204" pitchFamily="34" charset="0"/>
+                <a:cs typeface="Calibri" panose="020F0502020204030204" pitchFamily="34" charset="0"/>
+              </a:rPr>
+              <a:t>.</a:t>
+            </a:r>
+          </a:p>
+          <a:p>
+            <a:pPr algn="l">
+              <a:spcBef>
+                <a:spcPts val="600"/>
+              </a:spcBef>
+              <a:buFont typeface="+mj-lt"/>
+              <a:buAutoNum type="arabicPeriod"/>
+            </a:pPr>
+            <a:r>
+              <a:rPr lang="en-GB" sz="2800" b="1" i="0" dirty="0">
+                <a:effectLst/>
+                <a:latin typeface="Calibri" panose="020F0502020204030204" pitchFamily="34" charset="0"/>
+                <a:cs typeface="Calibri" panose="020F0502020204030204" pitchFamily="34" charset="0"/>
+              </a:rPr>
+              <a:t>Find 2 UX-</a:t>
+            </a:r>
+            <a:r>
+              <a:rPr lang="en-GB" sz="2800" b="1" i="0" dirty="0" err="1">
+                <a:effectLst/>
+                <a:latin typeface="Calibri" panose="020F0502020204030204" pitchFamily="34" charset="0"/>
+                <a:cs typeface="Calibri" panose="020F0502020204030204" pitchFamily="34" charset="0"/>
+              </a:rPr>
+              <a:t>eksempler</a:t>
+            </a:r>
+            <a:r>
+              <a:rPr lang="en-GB" sz="2800" b="1" i="0" dirty="0">
+                <a:effectLst/>
+                <a:latin typeface="Calibri" panose="020F0502020204030204" pitchFamily="34" charset="0"/>
+                <a:cs typeface="Calibri" panose="020F0502020204030204" pitchFamily="34" charset="0"/>
+              </a:rPr>
+              <a:t>:</a:t>
+            </a:r>
+            <a:r>
+              <a:rPr lang="en-GB" sz="2800" b="0" i="0" dirty="0">
+                <a:effectLst/>
+                <a:latin typeface="Calibri" panose="020F0502020204030204" pitchFamily="34" charset="0"/>
+                <a:cs typeface="Calibri" panose="020F0502020204030204" pitchFamily="34" charset="0"/>
+              </a:rPr>
+              <a:t> </a:t>
+            </a:r>
+            <a:r>
+              <a:rPr lang="en-GB" sz="2800" b="0" i="0" dirty="0" err="1">
+                <a:effectLst/>
+                <a:latin typeface="Calibri" panose="020F0502020204030204" pitchFamily="34" charset="0"/>
+                <a:cs typeface="Calibri" panose="020F0502020204030204" pitchFamily="34" charset="0"/>
+              </a:rPr>
+              <a:t>Tilgængelighed</a:t>
+            </a:r>
+            <a:r>
+              <a:rPr lang="en-GB" sz="2800" b="0" i="0" dirty="0">
+                <a:effectLst/>
+                <a:latin typeface="Calibri" panose="020F0502020204030204" pitchFamily="34" charset="0"/>
+                <a:cs typeface="Calibri" panose="020F0502020204030204" pitchFamily="34" charset="0"/>
+              </a:rPr>
+              <a:t>, </a:t>
+            </a:r>
+            <a:r>
+              <a:rPr lang="en-GB" sz="2800" b="0" i="0" dirty="0" err="1">
+                <a:effectLst/>
+                <a:latin typeface="Calibri" panose="020F0502020204030204" pitchFamily="34" charset="0"/>
+                <a:cs typeface="Calibri" panose="020F0502020204030204" pitchFamily="34" charset="0"/>
+              </a:rPr>
+              <a:t>ydeevne</a:t>
+            </a:r>
+            <a:r>
+              <a:rPr lang="en-GB" sz="2800" b="0" i="0" dirty="0">
+                <a:effectLst/>
+                <a:latin typeface="Calibri" panose="020F0502020204030204" pitchFamily="34" charset="0"/>
+                <a:cs typeface="Calibri" panose="020F0502020204030204" pitchFamily="34" charset="0"/>
+              </a:rPr>
+              <a:t>, </a:t>
+            </a:r>
+            <a:r>
+              <a:rPr lang="en-GB" sz="2800" b="0" i="0" dirty="0" err="1">
+                <a:effectLst/>
+                <a:latin typeface="Calibri" panose="020F0502020204030204" pitchFamily="34" charset="0"/>
+                <a:cs typeface="Calibri" panose="020F0502020204030204" pitchFamily="34" charset="0"/>
+              </a:rPr>
+              <a:t>brugervenlighed</a:t>
+            </a:r>
+            <a:r>
+              <a:rPr lang="en-GB" sz="2800" b="0" i="0" dirty="0">
+                <a:effectLst/>
+                <a:latin typeface="Calibri" panose="020F0502020204030204" pitchFamily="34" charset="0"/>
+                <a:cs typeface="Calibri" panose="020F0502020204030204" pitchFamily="34" charset="0"/>
+              </a:rPr>
+              <a:t>.</a:t>
+            </a:r>
+          </a:p>
+          <a:p>
+            <a:pPr algn="l">
+              <a:spcBef>
+                <a:spcPts val="600"/>
+              </a:spcBef>
+              <a:buFont typeface="+mj-lt"/>
+              <a:buAutoNum type="arabicPeriod"/>
+            </a:pPr>
+            <a:r>
+              <a:rPr lang="en-GB" sz="2800" b="1" i="0" dirty="0">
+                <a:effectLst/>
+                <a:latin typeface="Calibri" panose="020F0502020204030204" pitchFamily="34" charset="0"/>
+                <a:cs typeface="Calibri" panose="020F0502020204030204" pitchFamily="34" charset="0"/>
+              </a:rPr>
+              <a:t>Find 2 </a:t>
+            </a:r>
+            <a:r>
+              <a:rPr lang="en-GB" sz="2800" b="1" i="0" dirty="0" err="1">
+                <a:effectLst/>
+                <a:latin typeface="Calibri" panose="020F0502020204030204" pitchFamily="34" charset="0"/>
+                <a:cs typeface="Calibri" panose="020F0502020204030204" pitchFamily="34" charset="0"/>
+              </a:rPr>
+              <a:t>udviklereksempler</a:t>
+            </a:r>
+            <a:r>
+              <a:rPr lang="en-GB" sz="2800" b="1" i="0" dirty="0">
+                <a:effectLst/>
+                <a:latin typeface="Calibri" panose="020F0502020204030204" pitchFamily="34" charset="0"/>
+                <a:cs typeface="Calibri" panose="020F0502020204030204" pitchFamily="34" charset="0"/>
+              </a:rPr>
+              <a:t>:</a:t>
+            </a:r>
+            <a:r>
+              <a:rPr lang="en-GB" sz="2800" b="0" i="0" dirty="0">
+                <a:effectLst/>
+                <a:latin typeface="Calibri" panose="020F0502020204030204" pitchFamily="34" charset="0"/>
+                <a:cs typeface="Calibri" panose="020F0502020204030204" pitchFamily="34" charset="0"/>
+              </a:rPr>
+              <a:t> </a:t>
+            </a:r>
+            <a:r>
+              <a:rPr lang="en-GB" sz="2800" b="0" i="0" dirty="0" err="1">
+                <a:effectLst/>
+                <a:latin typeface="Calibri" panose="020F0502020204030204" pitchFamily="34" charset="0"/>
+                <a:cs typeface="Calibri" panose="020F0502020204030204" pitchFamily="34" charset="0"/>
+              </a:rPr>
+              <a:t>Effektiv</a:t>
+            </a:r>
+            <a:r>
+              <a:rPr lang="en-GB" sz="2800" b="0" i="0" dirty="0">
+                <a:effectLst/>
+                <a:latin typeface="Calibri" panose="020F0502020204030204" pitchFamily="34" charset="0"/>
+                <a:cs typeface="Calibri" panose="020F0502020204030204" pitchFamily="34" charset="0"/>
+              </a:rPr>
+              <a:t> </a:t>
+            </a:r>
+            <a:r>
+              <a:rPr lang="en-GB" sz="2800" b="0" i="0" dirty="0" err="1">
+                <a:effectLst/>
+                <a:latin typeface="Calibri" panose="020F0502020204030204" pitchFamily="34" charset="0"/>
+                <a:cs typeface="Calibri" panose="020F0502020204030204" pitchFamily="34" charset="0"/>
+              </a:rPr>
+              <a:t>kodning</a:t>
+            </a:r>
+            <a:r>
+              <a:rPr lang="en-GB" sz="2800" b="0" i="0" dirty="0">
+                <a:effectLst/>
+                <a:latin typeface="Calibri" panose="020F0502020204030204" pitchFamily="34" charset="0"/>
+                <a:cs typeface="Calibri" panose="020F0502020204030204" pitchFamily="34" charset="0"/>
+              </a:rPr>
+              <a:t>, </a:t>
+            </a:r>
+            <a:r>
+              <a:rPr lang="en-GB" sz="2800" b="0" i="0" dirty="0" err="1">
+                <a:effectLst/>
+                <a:latin typeface="Calibri" panose="020F0502020204030204" pitchFamily="34" charset="0"/>
+                <a:cs typeface="Calibri" panose="020F0502020204030204" pitchFamily="34" charset="0"/>
+              </a:rPr>
+              <a:t>ressourcehåndtering</a:t>
+            </a:r>
+            <a:r>
+              <a:rPr lang="en-GB" sz="2800" b="0" i="0" dirty="0">
+                <a:effectLst/>
+                <a:latin typeface="Calibri" panose="020F0502020204030204" pitchFamily="34" charset="0"/>
+                <a:cs typeface="Calibri" panose="020F0502020204030204" pitchFamily="34" charset="0"/>
+              </a:rPr>
+              <a:t>, </a:t>
+            </a:r>
+            <a:r>
+              <a:rPr lang="en-GB" sz="2800" b="0" i="0" dirty="0" err="1">
+                <a:effectLst/>
+                <a:latin typeface="Calibri" panose="020F0502020204030204" pitchFamily="34" charset="0"/>
+                <a:cs typeface="Calibri" panose="020F0502020204030204" pitchFamily="34" charset="0"/>
+              </a:rPr>
+              <a:t>energiforbrug</a:t>
+            </a:r>
+            <a:r>
+              <a:rPr lang="en-GB" sz="2800" b="0" i="0" dirty="0">
+                <a:effectLst/>
+                <a:latin typeface="Calibri" panose="020F0502020204030204" pitchFamily="34" charset="0"/>
+                <a:cs typeface="Calibri" panose="020F0502020204030204" pitchFamily="34" charset="0"/>
+              </a:rPr>
+              <a:t>.</a:t>
+            </a:r>
+          </a:p>
+          <a:p>
+            <a:pPr algn="l">
+              <a:spcBef>
+                <a:spcPts val="600"/>
+              </a:spcBef>
+              <a:buFont typeface="+mj-lt"/>
+              <a:buAutoNum type="arabicPeriod"/>
+            </a:pPr>
+            <a:r>
+              <a:rPr lang="en-GB" sz="2800" dirty="0">
+                <a:latin typeface="Calibri" panose="020F0502020204030204" pitchFamily="34" charset="0"/>
+                <a:cs typeface="Calibri" panose="020F0502020204030204" pitchFamily="34" charset="0"/>
+              </a:rPr>
+              <a:t>Find 2 Business </a:t>
+            </a:r>
+            <a:r>
+              <a:rPr lang="en-GB" sz="2800" dirty="0" err="1">
+                <a:latin typeface="Calibri" panose="020F0502020204030204" pitchFamily="34" charset="0"/>
+                <a:cs typeface="Calibri" panose="020F0502020204030204" pitchFamily="34" charset="0"/>
+              </a:rPr>
+              <a:t>og</a:t>
+            </a:r>
+            <a:r>
+              <a:rPr lang="en-GB" sz="2800" dirty="0">
+                <a:latin typeface="Calibri" panose="020F0502020204030204" pitchFamily="34" charset="0"/>
+                <a:cs typeface="Calibri" panose="020F0502020204030204" pitchFamily="34" charset="0"/>
+              </a:rPr>
+              <a:t> Hosting</a:t>
+            </a:r>
+            <a:endParaRPr lang="en-GB" sz="2800" b="0" i="0" dirty="0">
+              <a:effectLst/>
+              <a:latin typeface="Calibri" panose="020F0502020204030204" pitchFamily="34" charset="0"/>
+              <a:cs typeface="Calibri" panose="020F0502020204030204" pitchFamily="34" charset="0"/>
+            </a:endParaRPr>
+          </a:p>
+          <a:p>
+            <a:pPr algn="l">
+              <a:spcBef>
+                <a:spcPts val="600"/>
+              </a:spcBef>
+              <a:buFont typeface="+mj-lt"/>
+              <a:buAutoNum type="arabicPeriod"/>
+            </a:pPr>
+            <a:r>
+              <a:rPr lang="en-GB" sz="2800" b="1" i="0" dirty="0" err="1">
+                <a:effectLst/>
+                <a:latin typeface="Calibri" panose="020F0502020204030204" pitchFamily="34" charset="0"/>
+                <a:cs typeface="Calibri" panose="020F0502020204030204" pitchFamily="34" charset="0"/>
+              </a:rPr>
+              <a:t>Dokumentér</a:t>
+            </a:r>
+            <a:r>
+              <a:rPr lang="en-GB" sz="2800" b="1" i="0" dirty="0">
+                <a:effectLst/>
+                <a:latin typeface="Calibri" panose="020F0502020204030204" pitchFamily="34" charset="0"/>
+                <a:cs typeface="Calibri" panose="020F0502020204030204" pitchFamily="34" charset="0"/>
+              </a:rPr>
+              <a:t> fund:</a:t>
+            </a:r>
+            <a:r>
+              <a:rPr lang="en-GB" sz="2800" b="0" i="0" dirty="0">
+                <a:effectLst/>
+                <a:latin typeface="Calibri" panose="020F0502020204030204" pitchFamily="34" charset="0"/>
+                <a:cs typeface="Calibri" panose="020F0502020204030204" pitchFamily="34" charset="0"/>
+              </a:rPr>
+              <a:t> </a:t>
+            </a:r>
+            <a:r>
+              <a:rPr lang="en-GB" sz="2800" b="0" i="0" dirty="0" err="1">
+                <a:effectLst/>
+                <a:latin typeface="Calibri" panose="020F0502020204030204" pitchFamily="34" charset="0"/>
+                <a:cs typeface="Calibri" panose="020F0502020204030204" pitchFamily="34" charset="0"/>
+              </a:rPr>
+              <a:t>Opsummer</a:t>
+            </a:r>
+            <a:r>
+              <a:rPr lang="en-GB" sz="2800" b="0" i="0" dirty="0">
+                <a:effectLst/>
+                <a:latin typeface="Calibri" panose="020F0502020204030204" pitchFamily="34" charset="0"/>
+                <a:cs typeface="Calibri" panose="020F0502020204030204" pitchFamily="34" charset="0"/>
+              </a:rPr>
+              <a:t> med </a:t>
+            </a:r>
+            <a:r>
+              <a:rPr lang="en-GB" sz="2800" b="0" i="0" dirty="0" err="1">
+                <a:effectLst/>
+                <a:latin typeface="Calibri" panose="020F0502020204030204" pitchFamily="34" charset="0"/>
+                <a:cs typeface="Calibri" panose="020F0502020204030204" pitchFamily="34" charset="0"/>
+              </a:rPr>
+              <a:t>skærmbilleder</a:t>
+            </a:r>
+            <a:r>
+              <a:rPr lang="en-GB" sz="2800" b="0" i="0" dirty="0">
+                <a:effectLst/>
+                <a:latin typeface="Calibri" panose="020F0502020204030204" pitchFamily="34" charset="0"/>
+                <a:cs typeface="Calibri" panose="020F0502020204030204" pitchFamily="34" charset="0"/>
+              </a:rPr>
+              <a:t>/links.</a:t>
+            </a:r>
+          </a:p>
+          <a:p>
+            <a:pPr algn="l">
+              <a:spcBef>
+                <a:spcPts val="600"/>
+              </a:spcBef>
+              <a:buFont typeface="+mj-lt"/>
+              <a:buAutoNum type="arabicPeriod"/>
+            </a:pPr>
+            <a:r>
+              <a:rPr lang="en-GB" sz="2800" b="1" i="0" dirty="0" err="1">
+                <a:effectLst/>
+                <a:latin typeface="Calibri" panose="020F0502020204030204" pitchFamily="34" charset="0"/>
+                <a:cs typeface="Calibri" panose="020F0502020204030204" pitchFamily="34" charset="0"/>
+              </a:rPr>
+              <a:t>Diskussion</a:t>
+            </a:r>
+            <a:r>
+              <a:rPr lang="en-GB" sz="2800" b="1" i="0" dirty="0">
+                <a:effectLst/>
+                <a:latin typeface="Calibri" panose="020F0502020204030204" pitchFamily="34" charset="0"/>
+                <a:cs typeface="Calibri" panose="020F0502020204030204" pitchFamily="34" charset="0"/>
+              </a:rPr>
+              <a:t>:</a:t>
+            </a:r>
+            <a:r>
+              <a:rPr lang="en-GB" sz="2800" b="0" i="0" dirty="0">
+                <a:effectLst/>
+                <a:latin typeface="Calibri" panose="020F0502020204030204" pitchFamily="34" charset="0"/>
+                <a:cs typeface="Calibri" panose="020F0502020204030204" pitchFamily="34" charset="0"/>
+              </a:rPr>
+              <a:t> </a:t>
+            </a:r>
+            <a:r>
+              <a:rPr lang="en-GB" sz="2800" b="0" i="0" dirty="0" err="1">
+                <a:effectLst/>
+                <a:latin typeface="Calibri" panose="020F0502020204030204" pitchFamily="34" charset="0"/>
+                <a:cs typeface="Calibri" panose="020F0502020204030204" pitchFamily="34" charset="0"/>
+              </a:rPr>
+              <a:t>Forbered</a:t>
+            </a:r>
+            <a:r>
+              <a:rPr lang="en-GB" sz="2800" b="0" i="0" dirty="0">
+                <a:effectLst/>
+                <a:latin typeface="Calibri" panose="020F0502020204030204" pitchFamily="34" charset="0"/>
+                <a:cs typeface="Calibri" panose="020F0502020204030204" pitchFamily="34" charset="0"/>
+              </a:rPr>
+              <a:t> </a:t>
+            </a:r>
+            <a:r>
+              <a:rPr lang="en-GB" sz="2800" b="0" i="0" dirty="0" err="1">
+                <a:effectLst/>
+                <a:latin typeface="Calibri" panose="020F0502020204030204" pitchFamily="34" charset="0"/>
+                <a:cs typeface="Calibri" panose="020F0502020204030204" pitchFamily="34" charset="0"/>
+              </a:rPr>
+              <a:t>til</a:t>
+            </a:r>
+            <a:r>
+              <a:rPr lang="en-GB" sz="2800" b="0" i="0" dirty="0">
+                <a:effectLst/>
+                <a:latin typeface="Calibri" panose="020F0502020204030204" pitchFamily="34" charset="0"/>
+                <a:cs typeface="Calibri" panose="020F0502020204030204" pitchFamily="34" charset="0"/>
+              </a:rPr>
+              <a:t> </a:t>
+            </a:r>
+            <a:r>
+              <a:rPr lang="en-GB" sz="2800" b="0" i="0" dirty="0" err="1">
+                <a:effectLst/>
+                <a:latin typeface="Calibri" panose="020F0502020204030204" pitchFamily="34" charset="0"/>
+                <a:cs typeface="Calibri" panose="020F0502020204030204" pitchFamily="34" charset="0"/>
+              </a:rPr>
+              <a:t>diskussion</a:t>
+            </a:r>
+            <a:r>
+              <a:rPr lang="en-GB" sz="2800" b="0" i="0" dirty="0">
+                <a:effectLst/>
+                <a:latin typeface="Calibri" panose="020F0502020204030204" pitchFamily="34" charset="0"/>
+                <a:cs typeface="Calibri" panose="020F0502020204030204" pitchFamily="34" charset="0"/>
+              </a:rPr>
+              <a:t> </a:t>
+            </a:r>
+            <a:r>
+              <a:rPr lang="en-GB" sz="2800" b="0" i="0" dirty="0" err="1">
+                <a:effectLst/>
+                <a:latin typeface="Calibri" panose="020F0502020204030204" pitchFamily="34" charset="0"/>
+                <a:cs typeface="Calibri" panose="020F0502020204030204" pitchFamily="34" charset="0"/>
+              </a:rPr>
               <a:t>i</a:t>
             </a:r>
             <a:r>
-              <a:rPr dirty="0"/>
-              <a:t> </a:t>
-            </a:r>
-            <a:r>
-              <a:rPr dirty="0" err="1"/>
-              <a:t>flere</a:t>
-            </a:r>
-            <a:r>
-              <a:rPr dirty="0"/>
-              <a:t> </a:t>
-            </a:r>
-            <a:r>
-              <a:rPr dirty="0" err="1"/>
-              <a:t>fordele</a:t>
-            </a:r>
-            <a:r>
-              <a:rPr dirty="0"/>
+              <a:rPr lang="en-GB" sz="2800" b="0" i="0" dirty="0">
+                <a:effectLst/>
+                <a:latin typeface="Calibri" panose="020F0502020204030204" pitchFamily="34" charset="0"/>
+                <a:cs typeface="Calibri" panose="020F0502020204030204" pitchFamily="34" charset="0"/>
+              </a:rPr>
+              <a:t> </a:t>
+            </a:r>
+            <a:r>
+              <a:rPr lang="en-GB" sz="2800" b="0" i="0" dirty="0" err="1">
+                <a:effectLst/>
+                <a:latin typeface="Calibri" panose="020F0502020204030204" pitchFamily="34" charset="0"/>
+                <a:cs typeface="Calibri" panose="020F0502020204030204" pitchFamily="34" charset="0"/>
+              </a:rPr>
+              <a:t>klassen</a:t>
+            </a:r>
+            <a:r>
+              <a:rPr lang="en-GB" sz="2800" b="0" i="0" dirty="0">
+                <a:effectLst/>
+                <a:latin typeface="Calibri" panose="020F0502020204030204" pitchFamily="34" charset="0"/>
+                <a:cs typeface="Calibri" panose="020F0502020204030204" pitchFamily="34" charset="0"/>
+              </a:rPr>
               <a:t>.</a:t>
             </a:r>
           </a:p>
           <a:p>
-            <a:r>
-              <a:rPr dirty="0" err="1"/>
-              <a:t>Reducerer</a:t>
-            </a:r>
-            <a:r>
-              <a:rPr dirty="0"/>
-              <a:t> CO2-udledninger.</a:t>
-            </a:r>
-          </a:p>
-          <a:p>
-            <a:r>
-              <a:rPr dirty="0"/>
-              <a:t> Spar </a:t>
-            </a:r>
-            <a:r>
-              <a:rPr dirty="0" err="1"/>
-              <a:t>energi</a:t>
-            </a:r>
-            <a:r>
-              <a:rPr dirty="0"/>
-              <a:t> </a:t>
-            </a:r>
-            <a:r>
-              <a:rPr dirty="0" err="1"/>
-              <a:t>og</a:t>
-            </a:r>
-            <a:r>
-              <a:rPr dirty="0"/>
-              <a:t> </a:t>
-            </a:r>
-            <a:r>
-              <a:rPr dirty="0" err="1"/>
-              <a:t>ressourcer</a:t>
-            </a:r>
-            <a:r>
-              <a:rPr dirty="0"/>
-              <a:t>.</a:t>
-            </a:r>
-          </a:p>
-          <a:p>
-            <a:r>
-              <a:rPr dirty="0"/>
-              <a:t> </a:t>
-            </a:r>
-            <a:r>
-              <a:rPr dirty="0" err="1"/>
-              <a:t>Forbedrer</a:t>
-            </a:r>
-            <a:r>
-              <a:rPr dirty="0"/>
-              <a:t> </a:t>
-            </a:r>
-            <a:r>
-              <a:rPr dirty="0" err="1"/>
-              <a:t>hjemmesidens</a:t>
-            </a:r>
-            <a:r>
-              <a:rPr dirty="0"/>
-              <a:t> </a:t>
-            </a:r>
-            <a:r>
-              <a:rPr dirty="0" err="1"/>
-              <a:t>ydeevne</a:t>
-            </a:r>
-            <a:r>
-              <a:rPr dirty="0"/>
-              <a:t>.</a:t>
-            </a:r>
-          </a:p>
-          <a:p>
-            <a:r>
-              <a:rPr dirty="0" err="1"/>
-              <a:t>Forbedrer</a:t>
-            </a:r>
-            <a:r>
-              <a:rPr dirty="0"/>
-              <a:t> </a:t>
-            </a:r>
-            <a:r>
-              <a:rPr dirty="0" err="1"/>
-              <a:t>brugeroplevelsen</a:t>
-            </a:r>
-            <a:r>
-              <a:rPr dirty="0"/>
-              <a:t>.</a:t>
-            </a:r>
-          </a:p>
-          <a:p>
-            <a:r>
-              <a:rPr dirty="0"/>
-              <a:t> </a:t>
-            </a:r>
-            <a:r>
-              <a:rPr dirty="0" err="1"/>
-              <a:t>Øger</a:t>
-            </a:r>
-            <a:r>
-              <a:rPr dirty="0"/>
-              <a:t> </a:t>
-            </a:r>
-            <a:r>
-              <a:rPr dirty="0" err="1"/>
-              <a:t>forbrugernes</a:t>
-            </a:r>
-            <a:r>
-              <a:rPr dirty="0"/>
-              <a:t> </a:t>
-            </a:r>
-            <a:r>
-              <a:rPr dirty="0" err="1"/>
-              <a:t>tillid</a:t>
-            </a:r>
-            <a:r>
-              <a:rPr dirty="0"/>
-              <a:t>.</a:t>
-            </a:r>
+            <a:endParaRPr lang="en-DK" dirty="0"/>
           </a:p>
         </p:txBody>
       </p:sp>
     </p:spTree>
+    <p:extLst>
+      <p:ext uri="{BB962C8B-B14F-4D97-AF65-F5344CB8AC3E}">
+        <p14:creationId xmlns:p14="http://schemas.microsoft.com/office/powerpoint/2010/main" val="3818749649"/>
+      </p:ext>
+    </p:extLst>
   </p:cSld>
   <p:clrMapOvr>
     <a:masterClrMapping/>
@@ -9112,6 +9028,278 @@
         </p:nvSpPr>
         <p:spPr/>
         <p:txBody>
+          <a:bodyPr/>
+          <a:lstStyle/>
+          <a:p>
+            <a:r>
+              <a:rPr dirty="0" err="1">
+                <a:latin typeface="Raleway" pitchFamily="2" charset="77"/>
+              </a:rPr>
+              <a:t>Fordele</a:t>
+            </a:r>
+            <a:r>
+              <a:rPr dirty="0">
+                <a:latin typeface="Raleway" pitchFamily="2" charset="77"/>
+              </a:rPr>
+              <a:t> </a:t>
+            </a:r>
+            <a:r>
+              <a:rPr dirty="0" err="1">
+                <a:latin typeface="Raleway" pitchFamily="2" charset="77"/>
+              </a:rPr>
+              <a:t>ved</a:t>
+            </a:r>
+            <a:r>
+              <a:rPr dirty="0">
+                <a:latin typeface="Raleway" pitchFamily="2" charset="77"/>
+              </a:rPr>
+              <a:t> </a:t>
+            </a:r>
+            <a:r>
+              <a:rPr dirty="0" err="1">
+                <a:latin typeface="Raleway" pitchFamily="2" charset="77"/>
+              </a:rPr>
+              <a:t>bæredygtigt</a:t>
+            </a:r>
+            <a:r>
+              <a:rPr dirty="0">
+                <a:latin typeface="Raleway" pitchFamily="2" charset="77"/>
+              </a:rPr>
+              <a:t> </a:t>
+            </a:r>
+            <a:r>
+              <a:rPr dirty="0" err="1">
+                <a:latin typeface="Raleway" pitchFamily="2" charset="77"/>
+              </a:rPr>
+              <a:t>webdesign</a:t>
+            </a:r>
+            <a:endParaRPr dirty="0">
+              <a:latin typeface="Raleway" pitchFamily="2" charset="77"/>
+            </a:endParaRPr>
+          </a:p>
+        </p:txBody>
+      </p:sp>
+      <p:sp>
+        <p:nvSpPr>
+          <p:cNvPr id="3" name="Content Placeholder 2"/>
+          <p:cNvSpPr>
+            <a:spLocks noGrp="1"/>
+          </p:cNvSpPr>
+          <p:nvPr>
+            <p:ph idx="1"/>
+          </p:nvPr>
+        </p:nvSpPr>
+        <p:spPr/>
+        <p:txBody>
+          <a:bodyPr/>
+          <a:lstStyle/>
+          <a:p>
+            <a:r>
+              <a:rPr dirty="0" err="1"/>
+              <a:t>Bæredygtige</a:t>
+            </a:r>
+            <a:r>
+              <a:rPr dirty="0"/>
+              <a:t> </a:t>
+            </a:r>
+            <a:r>
+              <a:rPr dirty="0" err="1"/>
+              <a:t>praksisser</a:t>
+            </a:r>
+            <a:r>
+              <a:rPr dirty="0"/>
+              <a:t> </a:t>
+            </a:r>
+            <a:r>
+              <a:rPr dirty="0" err="1"/>
+              <a:t>resulterer</a:t>
+            </a:r>
+            <a:r>
+              <a:rPr dirty="0"/>
+              <a:t> </a:t>
+            </a:r>
+            <a:r>
+              <a:rPr dirty="0" err="1"/>
+              <a:t>i</a:t>
+            </a:r>
+            <a:r>
+              <a:rPr dirty="0"/>
+              <a:t> </a:t>
+            </a:r>
+            <a:r>
+              <a:rPr dirty="0" err="1"/>
+              <a:t>flere</a:t>
+            </a:r>
+            <a:r>
+              <a:rPr dirty="0"/>
+              <a:t> </a:t>
+            </a:r>
+            <a:r>
+              <a:rPr dirty="0" err="1"/>
+              <a:t>fordele</a:t>
+            </a:r>
+            <a:r>
+              <a:rPr dirty="0"/>
+              <a:t>.</a:t>
+            </a:r>
+          </a:p>
+          <a:p>
+            <a:r>
+              <a:rPr dirty="0" err="1"/>
+              <a:t>Reducerer</a:t>
+            </a:r>
+            <a:r>
+              <a:rPr dirty="0"/>
+              <a:t> CO2-udledninger.</a:t>
+            </a:r>
+          </a:p>
+          <a:p>
+            <a:r>
+              <a:rPr dirty="0"/>
+              <a:t> Spar </a:t>
+            </a:r>
+            <a:r>
+              <a:rPr dirty="0" err="1"/>
+              <a:t>energi</a:t>
+            </a:r>
+            <a:r>
+              <a:rPr dirty="0"/>
+              <a:t> </a:t>
+            </a:r>
+            <a:r>
+              <a:rPr dirty="0" err="1"/>
+              <a:t>og</a:t>
+            </a:r>
+            <a:r>
+              <a:rPr dirty="0"/>
+              <a:t> </a:t>
+            </a:r>
+            <a:r>
+              <a:rPr dirty="0" err="1"/>
+              <a:t>ressourcer</a:t>
+            </a:r>
+            <a:r>
+              <a:rPr dirty="0"/>
+              <a:t>.</a:t>
+            </a:r>
+          </a:p>
+          <a:p>
+            <a:r>
+              <a:rPr dirty="0"/>
+              <a:t> </a:t>
+            </a:r>
+            <a:r>
+              <a:rPr dirty="0" err="1"/>
+              <a:t>Forbedrer</a:t>
+            </a:r>
+            <a:r>
+              <a:rPr dirty="0"/>
+              <a:t> </a:t>
+            </a:r>
+            <a:r>
+              <a:rPr dirty="0" err="1"/>
+              <a:t>hjemmesidens</a:t>
+            </a:r>
+            <a:r>
+              <a:rPr dirty="0"/>
+              <a:t> </a:t>
+            </a:r>
+            <a:r>
+              <a:rPr dirty="0" err="1"/>
+              <a:t>ydeevne</a:t>
+            </a:r>
+            <a:r>
+              <a:rPr dirty="0"/>
+              <a:t>.</a:t>
+            </a:r>
+          </a:p>
+          <a:p>
+            <a:r>
+              <a:rPr dirty="0" err="1"/>
+              <a:t>Forbedrer</a:t>
+            </a:r>
+            <a:r>
+              <a:rPr dirty="0"/>
+              <a:t> </a:t>
+            </a:r>
+            <a:r>
+              <a:rPr dirty="0" err="1"/>
+              <a:t>brugeroplevelsen</a:t>
+            </a:r>
+            <a:r>
+              <a:rPr dirty="0"/>
+              <a:t>.</a:t>
+            </a:r>
+          </a:p>
+          <a:p>
+            <a:r>
+              <a:rPr dirty="0"/>
+              <a:t> </a:t>
+            </a:r>
+            <a:r>
+              <a:rPr dirty="0" err="1"/>
+              <a:t>Øger</a:t>
+            </a:r>
+            <a:r>
+              <a:rPr dirty="0"/>
+              <a:t> </a:t>
+            </a:r>
+            <a:r>
+              <a:rPr dirty="0" err="1"/>
+              <a:t>forbrugernes</a:t>
+            </a:r>
+            <a:r>
+              <a:rPr dirty="0"/>
+              <a:t> </a:t>
+            </a:r>
+            <a:r>
+              <a:rPr dirty="0" err="1"/>
+              <a:t>tillid</a:t>
+            </a:r>
+            <a:r>
+              <a:rPr dirty="0"/>
+              <a:t>.</a:t>
+            </a:r>
+          </a:p>
+        </p:txBody>
+      </p:sp>
+    </p:spTree>
+  </p:cSld>
+  <p:clrMapOvr>
+    <a:masterClrMapping/>
+  </p:clrMapOvr>
+</p:sld>
+</file>
+
+<file path=ppt/slides/slide27.xml><?xml version="1.0" encoding="utf-8"?>
+<p:sld xmlns:a="http://schemas.openxmlformats.org/drawingml/2006/main" xmlns:r="http://schemas.openxmlformats.org/officeDocument/2006/relationships" xmlns:p="http://schemas.openxmlformats.org/presentationml/2006/main">
+  <p:cSld>
+    <p:spTree>
+      <p:nvGrpSpPr>
+        <p:cNvPr id="1" name=""/>
+        <p:cNvGrpSpPr/>
+        <p:nvPr/>
+      </p:nvGrpSpPr>
+      <p:grpSpPr>
+        <a:xfrm>
+          <a:off x="0" y="0"/>
+          <a:ext cx="0" cy="0"/>
+          <a:chOff x="0" y="0"/>
+          <a:chExt cx="0" cy="0"/>
+        </a:xfrm>
+      </p:grpSpPr>
+      <p:sp>
+        <p:nvSpPr>
+          <p:cNvPr id="2" name="Title 1"/>
+          <p:cNvSpPr>
+            <a:spLocks noGrp="1"/>
+          </p:cNvSpPr>
+          <p:nvPr>
+            <p:ph type="title"/>
+          </p:nvPr>
+        </p:nvSpPr>
+        <p:spPr/>
+        <p:txBody>
           <a:bodyPr>
             <a:normAutofit fontScale="90000"/>
           </a:bodyPr>
@@ -9358,7 +9546,7 @@
 </p:sld>
 </file>
 
-<file path=ppt/slides/slide27.xml><?xml version="1.0" encoding="utf-8"?>
+<file path=ppt/slides/slide28.xml><?xml version="1.0" encoding="utf-8"?>
 <p:sld xmlns:a="http://schemas.openxmlformats.org/drawingml/2006/main" xmlns:r="http://schemas.openxmlformats.org/officeDocument/2006/relationships" xmlns:p="http://schemas.openxmlformats.org/presentationml/2006/main">
   <p:cSld>
     <p:bg>
@@ -9860,7 +10048,7 @@
 </p:sld>
 </file>
 
-<file path=ppt/slides/slide28.xml><?xml version="1.0" encoding="utf-8"?>
+<file path=ppt/slides/slide29.xml><?xml version="1.0" encoding="utf-8"?>
 <p:sld xmlns:a="http://schemas.openxmlformats.org/drawingml/2006/main" xmlns:r="http://schemas.openxmlformats.org/officeDocument/2006/relationships" xmlns:p="http://schemas.openxmlformats.org/presentationml/2006/main">
   <p:cSld>
     <p:spTree>
@@ -10097,6 +10285,401 @@
 </file>
 
 <file path=ppt/slides/slide3.xml><?xml version="1.0" encoding="utf-8"?>
+<p:sld xmlns:a="http://schemas.openxmlformats.org/drawingml/2006/main" xmlns:r="http://schemas.openxmlformats.org/officeDocument/2006/relationships" xmlns:p="http://schemas.openxmlformats.org/presentationml/2006/main">
+  <p:cSld>
+    <p:bg>
+      <p:bgPr>
+        <a:solidFill>
+          <a:schemeClr val="bg1"/>
+        </a:solidFill>
+        <a:effectLst/>
+      </p:bgPr>
+    </p:bg>
+    <p:spTree>
+      <p:nvGrpSpPr>
+        <p:cNvPr id="1" name=""/>
+        <p:cNvGrpSpPr/>
+        <p:nvPr/>
+      </p:nvGrpSpPr>
+      <p:grpSpPr>
+        <a:xfrm>
+          <a:off x="0" y="0"/>
+          <a:ext cx="0" cy="0"/>
+          <a:chOff x="0" y="0"/>
+          <a:chExt cx="0" cy="0"/>
+        </a:xfrm>
+      </p:grpSpPr>
+      <p:sp useBgFill="1">
+        <p:nvSpPr>
+          <p:cNvPr id="17" name="Slide Background">
+            <a:extLst>
+              <a:ext uri="{FF2B5EF4-FFF2-40B4-BE49-F238E27FC236}">
+                <a16:creationId xmlns:a16="http://schemas.microsoft.com/office/drawing/2014/main" id="{C0763A76-9F1C-4FC5-82B7-DD475DA461B2}"/>
+              </a:ext>
+              <a:ext uri="{C183D7F6-B498-43B3-948B-1728B52AA6E4}">
+                <adec:decorative xmlns:adec="http://schemas.microsoft.com/office/drawing/2017/decorative" val="1"/>
+              </a:ext>
+            </a:extLst>
+          </p:cNvPr>
+          <p:cNvSpPr>
+            <a:spLocks noGrp="1" noRot="1" noChangeAspect="1" noMove="1" noResize="1" noEditPoints="1" noAdjustHandles="1" noChangeArrowheads="1" noChangeShapeType="1" noTextEdit="1"/>
+          </p:cNvSpPr>
+          <p:nvPr>
+            <p:extLst>
+              <p:ext uri="{386F3935-93C4-4BCD-93E2-E3B085C9AB24}">
+                <p16:designElem xmlns:p16="http://schemas.microsoft.com/office/powerpoint/2015/main" val="1"/>
+              </p:ext>
+            </p:extLst>
+          </p:nvPr>
+        </p:nvSpPr>
+        <p:spPr bwMode="white">
+          <a:xfrm>
+            <a:off x="-1" y="0"/>
+            <a:ext cx="12191999" cy="6858000"/>
+          </a:xfrm>
+          <a:prstGeom prst="rect">
+            <a:avLst/>
+          </a:prstGeom>
+          <a:ln>
+            <a:noFill/>
+          </a:ln>
+        </p:spPr>
+        <p:style>
+          <a:lnRef idx="2">
+            <a:schemeClr val="accent1">
+              <a:shade val="50000"/>
+            </a:schemeClr>
+          </a:lnRef>
+          <a:fillRef idx="1">
+            <a:schemeClr val="accent1"/>
+          </a:fillRef>
+          <a:effectRef idx="0">
+            <a:schemeClr val="accent1"/>
+          </a:effectRef>
+          <a:fontRef idx="minor">
+            <a:schemeClr val="lt1"/>
+          </a:fontRef>
+        </p:style>
+        <p:txBody>
+          <a:bodyPr rtlCol="0" anchor="ctr"/>
+          <a:lstStyle>
+            <a:defPPr>
+              <a:defRPr lang="en-US"/>
+            </a:defPPr>
+            <a:lvl1pPr marL="0" algn="l" defTabSz="914400" rtl="0" eaLnBrk="1" latinLnBrk="0" hangingPunct="1">
+              <a:defRPr sz="1800" kern="1200">
+                <a:solidFill>
+                  <a:schemeClr val="lt1"/>
+                </a:solidFill>
+                <a:latin typeface="+mn-lt"/>
+                <a:ea typeface="+mn-ea"/>
+                <a:cs typeface="+mn-cs"/>
+              </a:defRPr>
+            </a:lvl1pPr>
+            <a:lvl2pPr marL="457200" algn="l" defTabSz="914400" rtl="0" eaLnBrk="1" latinLnBrk="0" hangingPunct="1">
+              <a:defRPr sz="1800" kern="1200">
+                <a:solidFill>
+                  <a:schemeClr val="lt1"/>
+                </a:solidFill>
+                <a:latin typeface="+mn-lt"/>
+                <a:ea typeface="+mn-ea"/>
+                <a:cs typeface="+mn-cs"/>
+              </a:defRPr>
+            </a:lvl2pPr>
+            <a:lvl3pPr marL="914400" algn="l" defTabSz="914400" rtl="0" eaLnBrk="1" latinLnBrk="0" hangingPunct="1">
+              <a:defRPr sz="1800" kern="1200">
+                <a:solidFill>
+                  <a:schemeClr val="lt1"/>
+                </a:solidFill>
+                <a:latin typeface="+mn-lt"/>
+                <a:ea typeface="+mn-ea"/>
+                <a:cs typeface="+mn-cs"/>
+              </a:defRPr>
+            </a:lvl3pPr>
+            <a:lvl4pPr marL="1371600" algn="l" defTabSz="914400" rtl="0" eaLnBrk="1" latinLnBrk="0" hangingPunct="1">
+              <a:defRPr sz="1800" kern="1200">
+                <a:solidFill>
+                  <a:schemeClr val="lt1"/>
+                </a:solidFill>
+                <a:latin typeface="+mn-lt"/>
+                <a:ea typeface="+mn-ea"/>
+                <a:cs typeface="+mn-cs"/>
+              </a:defRPr>
+            </a:lvl4pPr>
+            <a:lvl5pPr marL="1828800" algn="l" defTabSz="914400" rtl="0" eaLnBrk="1" latinLnBrk="0" hangingPunct="1">
+              <a:defRPr sz="1800" kern="1200">
+                <a:solidFill>
+                  <a:schemeClr val="lt1"/>
+                </a:solidFill>
+                <a:latin typeface="+mn-lt"/>
+                <a:ea typeface="+mn-ea"/>
+                <a:cs typeface="+mn-cs"/>
+              </a:defRPr>
+            </a:lvl5pPr>
+            <a:lvl6pPr marL="2286000" algn="l" defTabSz="914400" rtl="0" eaLnBrk="1" latinLnBrk="0" hangingPunct="1">
+              <a:defRPr sz="1800" kern="1200">
+                <a:solidFill>
+                  <a:schemeClr val="lt1"/>
+                </a:solidFill>
+                <a:latin typeface="+mn-lt"/>
+                <a:ea typeface="+mn-ea"/>
+                <a:cs typeface="+mn-cs"/>
+              </a:defRPr>
+            </a:lvl6pPr>
+            <a:lvl7pPr marL="2743200" algn="l" defTabSz="914400" rtl="0" eaLnBrk="1" latinLnBrk="0" hangingPunct="1">
+              <a:defRPr sz="1800" kern="1200">
+                <a:solidFill>
+                  <a:schemeClr val="lt1"/>
+                </a:solidFill>
+                <a:latin typeface="+mn-lt"/>
+                <a:ea typeface="+mn-ea"/>
+                <a:cs typeface="+mn-cs"/>
+              </a:defRPr>
+            </a:lvl7pPr>
+            <a:lvl8pPr marL="3200400" algn="l" defTabSz="914400" rtl="0" eaLnBrk="1" latinLnBrk="0" hangingPunct="1">
+              <a:defRPr sz="1800" kern="1200">
+                <a:solidFill>
+                  <a:schemeClr val="lt1"/>
+                </a:solidFill>
+                <a:latin typeface="+mn-lt"/>
+                <a:ea typeface="+mn-ea"/>
+                <a:cs typeface="+mn-cs"/>
+              </a:defRPr>
+            </a:lvl8pPr>
+            <a:lvl9pPr marL="3657600" algn="l" defTabSz="914400" rtl="0" eaLnBrk="1" latinLnBrk="0" hangingPunct="1">
+              <a:defRPr sz="1800" kern="1200">
+                <a:solidFill>
+                  <a:schemeClr val="lt1"/>
+                </a:solidFill>
+                <a:latin typeface="+mn-lt"/>
+                <a:ea typeface="+mn-ea"/>
+                <a:cs typeface="+mn-cs"/>
+              </a:defRPr>
+            </a:lvl9pPr>
+          </a:lstStyle>
+          <a:p>
+            <a:pPr algn="ctr"/>
+            <a:endParaRPr lang="en-US"/>
+          </a:p>
+        </p:txBody>
+      </p:sp>
+      <p:sp useBgFill="1">
+        <p:nvSpPr>
+          <p:cNvPr id="19" name="Rectangle 18">
+            <a:extLst>
+              <a:ext uri="{FF2B5EF4-FFF2-40B4-BE49-F238E27FC236}">
+                <a16:creationId xmlns:a16="http://schemas.microsoft.com/office/drawing/2014/main" id="{E81BF4F6-F2CF-4984-9D14-D6966D92F99F}"/>
+              </a:ext>
+              <a:ext uri="{C183D7F6-B498-43B3-948B-1728B52AA6E4}">
+                <adec:decorative xmlns:adec="http://schemas.microsoft.com/office/drawing/2017/decorative" val="1"/>
+              </a:ext>
+            </a:extLst>
+          </p:cNvPr>
+          <p:cNvSpPr>
+            <a:spLocks noGrp="1" noRot="1" noChangeAspect="1" noMove="1" noResize="1" noEditPoints="1" noAdjustHandles="1" noChangeArrowheads="1" noChangeShapeType="1" noTextEdit="1"/>
+          </p:cNvSpPr>
+          <p:nvPr>
+            <p:extLst>
+              <p:ext uri="{386F3935-93C4-4BCD-93E2-E3B085C9AB24}">
+                <p16:designElem xmlns:p16="http://schemas.microsoft.com/office/powerpoint/2015/main" val="1"/>
+              </p:ext>
+            </p:extLst>
+          </p:nvPr>
+        </p:nvSpPr>
+        <p:spPr>
+          <a:xfrm>
+            <a:off x="1" y="0"/>
+            <a:ext cx="8522446" cy="2285999"/>
+          </a:xfrm>
+          <a:prstGeom prst="rect">
+            <a:avLst/>
+          </a:prstGeom>
+          <a:ln>
+            <a:noFill/>
+          </a:ln>
+          <a:effectLst>
+            <a:outerShdw blurRad="596900" dist="304800" dir="7140000" sx="90000" sy="90000" algn="t" rotWithShape="0">
+              <a:srgbClr val="000000">
+                <a:alpha val="15000"/>
+              </a:srgbClr>
+            </a:outerShdw>
+          </a:effectLst>
+        </p:spPr>
+        <p:style>
+          <a:lnRef idx="2">
+            <a:schemeClr val="accent1">
+              <a:shade val="50000"/>
+            </a:schemeClr>
+          </a:lnRef>
+          <a:fillRef idx="1">
+            <a:schemeClr val="accent1"/>
+          </a:fillRef>
+          <a:effectRef idx="0">
+            <a:schemeClr val="accent1"/>
+          </a:effectRef>
+          <a:fontRef idx="minor">
+            <a:schemeClr val="lt1"/>
+          </a:fontRef>
+        </p:style>
+        <p:txBody>
+          <a:bodyPr rtlCol="0" anchor="ctr"/>
+          <a:lstStyle/>
+          <a:p>
+            <a:pPr algn="ctr"/>
+            <a:endParaRPr lang="en-US"/>
+          </a:p>
+        </p:txBody>
+      </p:sp>
+      <p:sp>
+        <p:nvSpPr>
+          <p:cNvPr id="2" name="Title 1"/>
+          <p:cNvSpPr>
+            <a:spLocks noGrp="1"/>
+          </p:cNvSpPr>
+          <p:nvPr>
+            <p:ph type="title"/>
+          </p:nvPr>
+        </p:nvSpPr>
+        <p:spPr>
+          <a:xfrm>
+            <a:off x="761803" y="350196"/>
+            <a:ext cx="4646904" cy="1624520"/>
+          </a:xfrm>
+        </p:spPr>
+        <p:txBody>
+          <a:bodyPr anchor="ctr">
+            <a:normAutofit/>
+          </a:bodyPr>
+          <a:lstStyle/>
+          <a:p>
+            <a:r>
+              <a:rPr lang="en-GB" sz="4000" dirty="0" err="1">
+                <a:latin typeface="Raleway" pitchFamily="2" charset="77"/>
+              </a:rPr>
+              <a:t>Internettets</a:t>
+            </a:r>
+            <a:r>
+              <a:rPr lang="en-GB" sz="4000" dirty="0">
+                <a:latin typeface="Raleway" pitchFamily="2" charset="77"/>
+              </a:rPr>
+              <a:t> </a:t>
+            </a:r>
+            <a:r>
+              <a:rPr lang="en-GB" sz="4000" dirty="0" err="1">
+                <a:latin typeface="Raleway" pitchFamily="2" charset="77"/>
+              </a:rPr>
+              <a:t>miljøpåvirkning</a:t>
+            </a:r>
+            <a:endParaRPr lang="en-GB" sz="4000" dirty="0">
+              <a:latin typeface="Raleway" pitchFamily="2" charset="77"/>
+            </a:endParaRPr>
+          </a:p>
+        </p:txBody>
+      </p:sp>
+      <p:sp>
+        <p:nvSpPr>
+          <p:cNvPr id="3" name="Content Placeholder 2"/>
+          <p:cNvSpPr>
+            <a:spLocks noGrp="1"/>
+          </p:cNvSpPr>
+          <p:nvPr>
+            <p:ph idx="1"/>
+          </p:nvPr>
+        </p:nvSpPr>
+        <p:spPr>
+          <a:xfrm>
+            <a:off x="761802" y="2743200"/>
+            <a:ext cx="4424795" cy="3613149"/>
+          </a:xfrm>
+        </p:spPr>
+        <p:txBody>
+          <a:bodyPr anchor="ctr">
+            <a:normAutofit fontScale="92500"/>
+          </a:bodyPr>
+          <a:lstStyle/>
+          <a:p>
+            <a:endParaRPr lang="en-GB" sz="2000" dirty="0"/>
+          </a:p>
+          <a:p>
+            <a:pPr marL="0" indent="0">
+              <a:buNone/>
+            </a:pPr>
+            <a:r>
+              <a:rPr lang="en-GB" sz="2000" dirty="0"/>
+              <a:t>The internet significantly contributes to global carbon emissions.</a:t>
+            </a:r>
+          </a:p>
+          <a:p>
+            <a:r>
+              <a:rPr lang="en-GB" sz="2000" dirty="0"/>
+              <a:t>- The internet produces approximately 3.7% of global carbon emissions.</a:t>
+            </a:r>
+          </a:p>
+          <a:p>
+            <a:pPr algn="l" fontAlgn="base">
+              <a:lnSpc>
+                <a:spcPts val="4500"/>
+              </a:lnSpc>
+            </a:pPr>
+            <a:r>
+              <a:rPr lang="en-GB" sz="2100" dirty="0"/>
+              <a:t>If the internet was a  +country, it would rank + sixth for electricity usage</a:t>
+            </a:r>
+          </a:p>
+          <a:p>
+            <a:pPr marL="0" indent="0">
+              <a:buNone/>
+            </a:pPr>
+            <a:r>
+              <a:rPr lang="en-GB" sz="2000" dirty="0"/>
+              <a:t> </a:t>
+            </a:r>
+          </a:p>
+          <a:p>
+            <a:endParaRPr lang="en-GB" sz="2000" dirty="0"/>
+          </a:p>
+        </p:txBody>
+      </p:sp>
+      <p:pic>
+        <p:nvPicPr>
+          <p:cNvPr id="13" name="Picture 12" descr="Aerial view of a city skyline">
+            <a:extLst>
+              <a:ext uri="{FF2B5EF4-FFF2-40B4-BE49-F238E27FC236}">
+                <a16:creationId xmlns:a16="http://schemas.microsoft.com/office/drawing/2014/main" id="{9C858704-070A-03BE-3A8D-9D91D26FD201}"/>
+              </a:ext>
+            </a:extLst>
+          </p:cNvPr>
+          <p:cNvPicPr>
+            <a:picLocks noChangeAspect="1"/>
+          </p:cNvPicPr>
+          <p:nvPr/>
+        </p:nvPicPr>
+        <p:blipFill>
+          <a:blip r:embed="rId3"/>
+          <a:srcRect l="19692" r="20907" b="-2"/>
+          <a:stretch/>
+        </p:blipFill>
+        <p:spPr>
+          <a:xfrm>
+            <a:off x="6096000" y="1"/>
+            <a:ext cx="6102825" cy="6858000"/>
+          </a:xfrm>
+          <a:prstGeom prst="rect">
+            <a:avLst/>
+          </a:prstGeom>
+        </p:spPr>
+      </p:pic>
+    </p:spTree>
+  </p:cSld>
+  <p:clrMapOvr>
+    <a:masterClrMapping/>
+  </p:clrMapOvr>
+</p:sld>
+</file>
+
+<file path=ppt/slides/slide4.xml><?xml version="1.0" encoding="utf-8"?>
 <p:sld xmlns:a="http://schemas.openxmlformats.org/drawingml/2006/main" xmlns:r="http://schemas.openxmlformats.org/officeDocument/2006/relationships" xmlns:p="http://schemas.openxmlformats.org/presentationml/2006/main">
   <p:cSld>
     <p:bg>
@@ -10481,7 +11064,7 @@
 </p:sld>
 </file>
 
-<file path=ppt/slides/slide4.xml><?xml version="1.0" encoding="utf-8"?>
+<file path=ppt/slides/slide5.xml><?xml version="1.0" encoding="utf-8"?>
 <p:sld xmlns:a="http://schemas.openxmlformats.org/drawingml/2006/main" xmlns:r="http://schemas.openxmlformats.org/officeDocument/2006/relationships" xmlns:p="http://schemas.openxmlformats.org/presentationml/2006/main">
   <p:cSld>
     <p:spTree>
@@ -10582,7 +11165,7 @@
 </p:sld>
 </file>
 
-<file path=ppt/slides/slide5.xml><?xml version="1.0" encoding="utf-8"?>
+<file path=ppt/slides/slide6.xml><?xml version="1.0" encoding="utf-8"?>
 <p:sld xmlns:a="http://schemas.openxmlformats.org/drawingml/2006/main" xmlns:r="http://schemas.openxmlformats.org/officeDocument/2006/relationships" xmlns:p="http://schemas.openxmlformats.org/presentationml/2006/main">
   <p:cSld>
     <p:bg>
@@ -10668,128 +11251,6 @@
 </p:sld>
 </file>
 
-<file path=ppt/slides/slide6.xml><?xml version="1.0" encoding="utf-8"?>
-<p:sld xmlns:a="http://schemas.openxmlformats.org/drawingml/2006/main" xmlns:r="http://schemas.openxmlformats.org/officeDocument/2006/relationships" xmlns:p="http://schemas.openxmlformats.org/presentationml/2006/main">
-  <p:cSld>
-    <p:spTree>
-      <p:nvGrpSpPr>
-        <p:cNvPr id="1" name=""/>
-        <p:cNvGrpSpPr/>
-        <p:nvPr/>
-      </p:nvGrpSpPr>
-      <p:grpSpPr>
-        <a:xfrm>
-          <a:off x="0" y="0"/>
-          <a:ext cx="0" cy="0"/>
-          <a:chOff x="0" y="0"/>
-          <a:chExt cx="0" cy="0"/>
-        </a:xfrm>
-      </p:grpSpPr>
-      <p:sp>
-        <p:nvSpPr>
-          <p:cNvPr id="2" name="Title 1"/>
-          <p:cNvSpPr>
-            <a:spLocks noGrp="1"/>
-          </p:cNvSpPr>
-          <p:nvPr>
-            <p:ph type="title"/>
-          </p:nvPr>
-        </p:nvSpPr>
-        <p:spPr/>
-        <p:txBody>
-          <a:bodyPr/>
-          <a:lstStyle/>
-          <a:p>
-            <a:r>
-              <a:rPr dirty="0">
-                <a:latin typeface="Raleway" pitchFamily="2" charset="77"/>
-              </a:rPr>
-              <a:t>Definition </a:t>
-            </a:r>
-            <a:r>
-              <a:rPr dirty="0" err="1">
-                <a:latin typeface="Raleway" pitchFamily="2" charset="77"/>
-              </a:rPr>
-              <a:t>af</a:t>
-            </a:r>
-            <a:r>
-              <a:rPr dirty="0">
-                <a:latin typeface="Raleway" pitchFamily="2" charset="77"/>
-              </a:rPr>
-              <a:t> </a:t>
-            </a:r>
-            <a:r>
-              <a:rPr dirty="0" err="1">
-                <a:latin typeface="Raleway" pitchFamily="2" charset="77"/>
-              </a:rPr>
-              <a:t>bæredygtigt</a:t>
-            </a:r>
-            <a:r>
-              <a:rPr dirty="0">
-                <a:latin typeface="Raleway" pitchFamily="2" charset="77"/>
-              </a:rPr>
-              <a:t> </a:t>
-            </a:r>
-            <a:r>
-              <a:rPr dirty="0" err="1">
-                <a:latin typeface="Raleway" pitchFamily="2" charset="77"/>
-              </a:rPr>
-              <a:t>webdesign</a:t>
-            </a:r>
-            <a:endParaRPr dirty="0">
-              <a:latin typeface="Raleway" pitchFamily="2" charset="77"/>
-            </a:endParaRPr>
-          </a:p>
-        </p:txBody>
-      </p:sp>
-      <p:sp>
-        <p:nvSpPr>
-          <p:cNvPr id="3" name="Content Placeholder 2"/>
-          <p:cNvSpPr>
-            <a:spLocks noGrp="1"/>
-          </p:cNvSpPr>
-          <p:nvPr>
-            <p:ph idx="1"/>
-          </p:nvPr>
-        </p:nvSpPr>
-        <p:spPr/>
-        <p:txBody>
-          <a:bodyPr/>
-          <a:lstStyle/>
-          <a:p>
-            <a:endParaRPr dirty="0"/>
-          </a:p>
-          <a:p>
-            <a:r>
-              <a:rPr dirty="0"/>
-              <a:t> Sustainable web design prioritizes both people and the planet.</a:t>
-            </a:r>
-          </a:p>
-          <a:p>
-            <a:r>
-              <a:rPr dirty="0"/>
-              <a:t>It's an approach to delivering digital products, services, and data responsibly.</a:t>
-            </a:r>
-          </a:p>
-          <a:p>
-            <a:r>
-              <a:rPr dirty="0"/>
-              <a:t> It adheres to the principles of the Sustainable Web Manifesto.</a:t>
-            </a:r>
-          </a:p>
-          <a:p>
-            <a:endParaRPr dirty="0"/>
-          </a:p>
-        </p:txBody>
-      </p:sp>
-    </p:spTree>
-  </p:cSld>
-  <p:clrMapOvr>
-    <a:masterClrMapping/>
-  </p:clrMapOvr>
-</p:sld>
-</file>
-
 <file path=ppt/slides/slide7.xml><?xml version="1.0" encoding="utf-8"?>
 <p:sld xmlns:a="http://schemas.openxmlformats.org/drawingml/2006/main" xmlns:r="http://schemas.openxmlformats.org/officeDocument/2006/relationships" xmlns:p="http://schemas.openxmlformats.org/presentationml/2006/main">
   <p:cSld>
@@ -10817,127 +11278,90 @@
             <p:ph type="title"/>
           </p:nvPr>
         </p:nvSpPr>
-        <p:spPr>
-          <a:xfrm>
-            <a:off x="475488" y="859854"/>
-            <a:ext cx="10972800" cy="1143000"/>
-          </a:xfrm>
-        </p:spPr>
-        <p:txBody>
-          <a:bodyPr>
-            <a:normAutofit fontScale="90000"/>
-          </a:bodyPr>
-          <a:lstStyle/>
-          <a:p>
-            <a:r>
-              <a:rPr dirty="0"/>
-              <a:t>Det </a:t>
-            </a:r>
-            <a:r>
-              <a:rPr dirty="0" err="1"/>
-              <a:t>bæredygtige</a:t>
-            </a:r>
-            <a:r>
-              <a:rPr dirty="0"/>
-              <a:t> </a:t>
-            </a:r>
-            <a:r>
-              <a:rPr dirty="0" err="1"/>
-              <a:t>webmanifest</a:t>
-            </a:r>
-            <a:r>
-              <a:rPr lang="da-DK" dirty="0"/>
-              <a:t>-</a:t>
-            </a:r>
-            <a:r>
-              <a:rPr lang="en-GB" dirty="0"/>
-              <a:t>Sustainable Web Manifesto.</a:t>
-            </a:r>
-            <a:br>
-              <a:rPr lang="en-GB" dirty="0"/>
-            </a:br>
-            <a:endParaRPr dirty="0"/>
-          </a:p>
-        </p:txBody>
-      </p:sp>
-      <p:sp>
-        <p:nvSpPr>
-          <p:cNvPr id="3" name="Content Placeholder 2"/>
-          <p:cNvSpPr>
-            <a:spLocks noGrp="1"/>
-          </p:cNvSpPr>
-          <p:nvPr>
-            <p:ph idx="1"/>
-          </p:nvPr>
-        </p:nvSpPr>
         <p:spPr/>
         <p:txBody>
           <a:bodyPr/>
           <a:lstStyle/>
           <a:p>
+            <a:r>
+              <a:rPr dirty="0">
+                <a:latin typeface="Raleway" pitchFamily="2" charset="77"/>
+              </a:rPr>
+              <a:t>Definition </a:t>
+            </a:r>
+            <a:r>
+              <a:rPr dirty="0" err="1">
+                <a:latin typeface="Raleway" pitchFamily="2" charset="77"/>
+              </a:rPr>
+              <a:t>af</a:t>
+            </a:r>
+            <a:r>
+              <a:rPr dirty="0">
+                <a:latin typeface="Raleway" pitchFamily="2" charset="77"/>
+              </a:rPr>
+              <a:t> </a:t>
+            </a:r>
+            <a:r>
+              <a:rPr dirty="0" err="1">
+                <a:latin typeface="Raleway" pitchFamily="2" charset="77"/>
+              </a:rPr>
+              <a:t>bæredygtigt</a:t>
+            </a:r>
+            <a:r>
+              <a:rPr dirty="0">
+                <a:latin typeface="Raleway" pitchFamily="2" charset="77"/>
+              </a:rPr>
+              <a:t> </a:t>
+            </a:r>
+            <a:r>
+              <a:rPr dirty="0" err="1">
+                <a:latin typeface="Raleway" pitchFamily="2" charset="77"/>
+              </a:rPr>
+              <a:t>webdesign</a:t>
+            </a:r>
+            <a:endParaRPr dirty="0">
+              <a:latin typeface="Raleway" pitchFamily="2" charset="77"/>
+            </a:endParaRPr>
+          </a:p>
+        </p:txBody>
+      </p:sp>
+      <p:sp>
+        <p:nvSpPr>
+          <p:cNvPr id="3" name="Content Placeholder 2"/>
+          <p:cNvSpPr>
+            <a:spLocks noGrp="1"/>
+          </p:cNvSpPr>
+          <p:nvPr>
+            <p:ph idx="1"/>
+          </p:nvPr>
+        </p:nvSpPr>
+        <p:spPr/>
+        <p:txBody>
+          <a:bodyPr/>
+          <a:lstStyle/>
+          <a:p>
             <a:endParaRPr dirty="0"/>
           </a:p>
           <a:p>
             <a:r>
               <a:rPr dirty="0"/>
-              <a:t>A commitment to creating a greener web.</a:t>
-            </a:r>
-          </a:p>
-          <a:p>
-            <a:r>
-              <a:rPr dirty="0"/>
-              <a:t>The manifesto provides a framework for sustainable web practices.</a:t>
-            </a:r>
-          </a:p>
-          <a:p>
-            <a:pPr marL="0" indent="0">
-              <a:buNone/>
-            </a:pPr>
+              <a:t> Sustainable web design prioritizes both people and the planet.</a:t>
+            </a:r>
+          </a:p>
+          <a:p>
+            <a:r>
+              <a:rPr dirty="0"/>
+              <a:t>It's an approach to delivering digital products, services, and data responsibly.</a:t>
+            </a:r>
+          </a:p>
+          <a:p>
+            <a:r>
+              <a:rPr dirty="0"/>
+              <a:t> It adheres to the principles of the Sustainable Web Manifesto.</a:t>
+            </a:r>
+          </a:p>
+          <a:p>
             <a:endParaRPr dirty="0"/>
-          </a:p>
-          <a:p>
-            <a:r>
-              <a:rPr dirty="0"/>
-              <a:t> Six key principles: clean, efficient, open, honest, regenerative, and resilient.</a:t>
-            </a:r>
-          </a:p>
-          <a:p>
-            <a:endParaRPr dirty="0"/>
-          </a:p>
-        </p:txBody>
-      </p:sp>
-      <p:sp>
-        <p:nvSpPr>
-          <p:cNvPr id="5" name="TextBox 4">
-            <a:extLst>
-              <a:ext uri="{FF2B5EF4-FFF2-40B4-BE49-F238E27FC236}">
-                <a16:creationId xmlns:a16="http://schemas.microsoft.com/office/drawing/2014/main" id="{A5279E2E-FA4F-DEAC-D833-3146CE324E0E}"/>
-              </a:ext>
-            </a:extLst>
-          </p:cNvPr>
-          <p:cNvSpPr txBox="1"/>
-          <p:nvPr/>
-        </p:nvSpPr>
-        <p:spPr>
-          <a:xfrm>
-            <a:off x="6560458" y="6126164"/>
-            <a:ext cx="6096000" cy="369332"/>
-          </a:xfrm>
-          <a:prstGeom prst="rect">
-            <a:avLst/>
-          </a:prstGeom>
-          <a:noFill/>
-        </p:spPr>
-        <p:txBody>
-          <a:bodyPr wrap="square">
-            <a:spAutoFit/>
-          </a:bodyPr>
-          <a:lstStyle/>
-          <a:p>
-            <a:r>
-              <a:rPr lang="en-DK" dirty="0"/>
-              <a:t>https://www.sustainablewebmanifesto.com/</a:t>
-            </a:r>
           </a:p>
         </p:txBody>
       </p:sp>
@@ -10976,326 +11400,77 @@
             <p:ph type="title"/>
           </p:nvPr>
         </p:nvSpPr>
+        <p:spPr>
+          <a:xfrm>
+            <a:off x="475488" y="859854"/>
+            <a:ext cx="10972800" cy="1143000"/>
+          </a:xfrm>
+        </p:spPr>
+        <p:txBody>
+          <a:bodyPr>
+            <a:normAutofit fontScale="90000"/>
+          </a:bodyPr>
+          <a:lstStyle/>
+          <a:p>
+            <a:r>
+              <a:rPr dirty="0"/>
+              <a:t>Det </a:t>
+            </a:r>
+            <a:r>
+              <a:rPr dirty="0" err="1"/>
+              <a:t>bæredygtige</a:t>
+            </a:r>
+            <a:r>
+              <a:rPr dirty="0"/>
+              <a:t> </a:t>
+            </a:r>
+            <a:r>
+              <a:rPr dirty="0" err="1"/>
+              <a:t>webmanifest</a:t>
+            </a:r>
+            <a:r>
+              <a:rPr lang="da-DK" dirty="0"/>
+              <a:t>-</a:t>
+            </a:r>
+            <a:r>
+              <a:rPr lang="en-GB" dirty="0"/>
+              <a:t>Sustainable Web Manifesto.</a:t>
+            </a:r>
+            <a:br>
+              <a:rPr lang="en-GB" dirty="0"/>
+            </a:br>
+            <a:endParaRPr dirty="0"/>
+          </a:p>
+        </p:txBody>
+      </p:sp>
+      <p:sp>
+        <p:nvSpPr>
+          <p:cNvPr id="3" name="Content Placeholder 2"/>
+          <p:cNvSpPr>
+            <a:spLocks noGrp="1"/>
+          </p:cNvSpPr>
+          <p:nvPr>
+            <p:ph idx="1"/>
+          </p:nvPr>
+        </p:nvSpPr>
         <p:spPr/>
         <p:txBody>
           <a:bodyPr/>
           <a:lstStyle/>
           <a:p>
-            <a:r>
-              <a:rPr lang="en-GB" dirty="0" err="1">
-                <a:latin typeface="Raleway" pitchFamily="2" charset="77"/>
-              </a:rPr>
-              <a:t>Bæredygtig</a:t>
-            </a:r>
-            <a:r>
-              <a:rPr lang="en-GB" dirty="0">
-                <a:latin typeface="Raleway" pitchFamily="2" charset="77"/>
-              </a:rPr>
-              <a:t> </a:t>
-            </a:r>
-            <a:r>
-              <a:rPr lang="en-GB" dirty="0" err="1">
-                <a:latin typeface="Raleway" pitchFamily="2" charset="77"/>
-              </a:rPr>
-              <a:t>Webdesignpraksis</a:t>
-            </a:r>
-            <a:r>
-              <a:rPr lang="en-GB" dirty="0">
-                <a:latin typeface="Raleway" pitchFamily="2" charset="77"/>
-              </a:rPr>
-              <a:t> I</a:t>
-            </a:r>
-          </a:p>
-        </p:txBody>
-      </p:sp>
-      <p:sp>
-        <p:nvSpPr>
-          <p:cNvPr id="3" name="Content Placeholder 2"/>
-          <p:cNvSpPr>
-            <a:spLocks noGrp="1"/>
-          </p:cNvSpPr>
-          <p:nvPr>
-            <p:ph idx="1"/>
-          </p:nvPr>
-        </p:nvSpPr>
-        <p:spPr/>
-        <p:txBody>
-          <a:bodyPr/>
-          <a:lstStyle/>
-          <a:p>
-            <a:pPr marL="0" indent="0">
-              <a:buNone/>
-            </a:pPr>
-            <a:r>
-              <a:rPr lang="da-DK" dirty="0"/>
-              <a:t> </a:t>
-            </a:r>
-            <a:r>
-              <a:rPr lang="en-GB" b="1" dirty="0" err="1"/>
-              <a:t>Optimering</a:t>
-            </a:r>
-            <a:r>
-              <a:rPr lang="en-GB" b="1" dirty="0"/>
-              <a:t> </a:t>
-            </a:r>
-            <a:r>
-              <a:rPr lang="en-GB" b="1" dirty="0" err="1"/>
-              <a:t>af</a:t>
-            </a:r>
-            <a:r>
-              <a:rPr lang="en-GB" b="1" dirty="0"/>
-              <a:t> </a:t>
-            </a:r>
-            <a:r>
-              <a:rPr lang="en-GB" b="1" dirty="0" err="1"/>
-              <a:t>Billedformater</a:t>
-            </a:r>
-            <a:r>
-              <a:rPr lang="en-GB" b="1" dirty="0"/>
-              <a:t> for </a:t>
-            </a:r>
-            <a:r>
-              <a:rPr lang="en-GB" b="1" dirty="0" err="1"/>
-              <a:t>Hurtigere</a:t>
-            </a:r>
-            <a:r>
-              <a:rPr lang="en-GB" b="1" dirty="0"/>
-              <a:t> </a:t>
-            </a:r>
-            <a:r>
-              <a:rPr lang="en-GB" b="1" dirty="0" err="1"/>
-              <a:t>Indlæsning</a:t>
-            </a:r>
-            <a:endParaRPr lang="en-GB" dirty="0"/>
-          </a:p>
-          <a:p>
-            <a:r>
-              <a:rPr lang="en-GB" dirty="0"/>
-              <a:t>• </a:t>
-            </a:r>
-            <a:r>
-              <a:rPr lang="en-GB" dirty="0" err="1"/>
-              <a:t>Reducerede</a:t>
-            </a:r>
-            <a:r>
-              <a:rPr lang="en-GB" dirty="0"/>
-              <a:t> </a:t>
-            </a:r>
-            <a:r>
-              <a:rPr lang="en-GB" dirty="0" err="1"/>
-              <a:t>indlæsningstider</a:t>
-            </a:r>
-            <a:r>
-              <a:rPr lang="en-GB" dirty="0"/>
-              <a:t> </a:t>
-            </a:r>
-            <a:r>
-              <a:rPr lang="en-GB" dirty="0" err="1"/>
-              <a:t>ved</a:t>
-            </a:r>
-            <a:r>
-              <a:rPr lang="en-GB" dirty="0"/>
-              <a:t> at </a:t>
-            </a:r>
-            <a:r>
-              <a:rPr lang="en-GB" dirty="0" err="1"/>
-              <a:t>konvertere</a:t>
-            </a:r>
-            <a:r>
-              <a:rPr lang="en-GB" dirty="0"/>
-              <a:t> store </a:t>
-            </a:r>
-            <a:r>
-              <a:rPr lang="en-GB" dirty="0" err="1"/>
-              <a:t>billedfiler</a:t>
-            </a:r>
-            <a:r>
-              <a:rPr lang="en-GB" dirty="0"/>
-              <a:t> </a:t>
-            </a:r>
-            <a:r>
-              <a:rPr lang="en-GB" dirty="0" err="1"/>
-              <a:t>til</a:t>
-            </a:r>
-            <a:r>
-              <a:rPr lang="en-GB" dirty="0"/>
-              <a:t> mere </a:t>
-            </a:r>
-            <a:r>
-              <a:rPr lang="en-GB" dirty="0" err="1"/>
-              <a:t>effektive</a:t>
-            </a:r>
-            <a:r>
-              <a:rPr lang="en-GB" dirty="0"/>
-              <a:t> </a:t>
-            </a:r>
-            <a:r>
-              <a:rPr lang="en-GB" dirty="0" err="1"/>
-              <a:t>formater</a:t>
-            </a:r>
-            <a:r>
-              <a:rPr lang="en-GB" dirty="0"/>
-              <a:t> (</a:t>
-            </a:r>
-            <a:r>
-              <a:rPr lang="en-GB" dirty="0" err="1"/>
-              <a:t>f.eks</a:t>
-            </a:r>
-            <a:r>
-              <a:rPr lang="en-GB" dirty="0"/>
-              <a:t>. </a:t>
-            </a:r>
-            <a:r>
-              <a:rPr lang="en-GB" dirty="0" err="1"/>
-              <a:t>WebP</a:t>
-            </a:r>
-            <a:r>
-              <a:rPr lang="en-GB" dirty="0"/>
-              <a:t>).</a:t>
-            </a:r>
-          </a:p>
-          <a:p>
-            <a:r>
-              <a:rPr lang="en-GB" dirty="0"/>
-              <a:t>• </a:t>
-            </a:r>
-            <a:r>
-              <a:rPr lang="en-GB" dirty="0" err="1"/>
-              <a:t>Implementerede</a:t>
-            </a:r>
-            <a:r>
-              <a:rPr lang="en-GB" dirty="0"/>
-              <a:t> responsive </a:t>
-            </a:r>
-            <a:r>
-              <a:rPr lang="en-GB" dirty="0" err="1"/>
-              <a:t>billeder</a:t>
-            </a:r>
-            <a:r>
-              <a:rPr lang="en-GB" dirty="0"/>
-              <a:t> for at </a:t>
-            </a:r>
-            <a:r>
-              <a:rPr lang="en-GB" dirty="0" err="1"/>
-              <a:t>vise</a:t>
-            </a:r>
-            <a:r>
-              <a:rPr lang="en-GB" dirty="0"/>
-              <a:t> </a:t>
-            </a:r>
-            <a:r>
-              <a:rPr lang="en-GB" dirty="0" err="1"/>
-              <a:t>passende</a:t>
-            </a:r>
-            <a:r>
-              <a:rPr lang="en-GB" dirty="0"/>
-              <a:t> </a:t>
-            </a:r>
-            <a:r>
-              <a:rPr lang="en-GB" dirty="0" err="1"/>
-              <a:t>størrelser</a:t>
-            </a:r>
-            <a:r>
-              <a:rPr lang="en-GB" dirty="0"/>
-              <a:t> </a:t>
-            </a:r>
-            <a:r>
-              <a:rPr lang="en-GB" dirty="0" err="1"/>
-              <a:t>afhængigt</a:t>
-            </a:r>
-            <a:r>
-              <a:rPr lang="en-GB" dirty="0"/>
-              <a:t> </a:t>
-            </a:r>
-            <a:r>
-              <a:rPr lang="en-GB" dirty="0" err="1"/>
-              <a:t>af</a:t>
-            </a:r>
-            <a:r>
-              <a:rPr lang="en-GB" dirty="0"/>
-              <a:t> </a:t>
-            </a:r>
-            <a:r>
-              <a:rPr lang="en-GB" dirty="0" err="1"/>
-              <a:t>skærmopløsning</a:t>
-            </a:r>
-            <a:r>
-              <a:rPr lang="en-GB" dirty="0"/>
-              <a:t>.</a:t>
-            </a:r>
-          </a:p>
-          <a:p>
-            <a:r>
-              <a:rPr lang="en-GB" dirty="0"/>
-              <a:t>• </a:t>
-            </a:r>
-            <a:r>
-              <a:rPr lang="en-GB" dirty="0" err="1"/>
-              <a:t>Resultat</a:t>
-            </a:r>
-            <a:r>
-              <a:rPr lang="en-GB" dirty="0"/>
-              <a:t>: </a:t>
-            </a:r>
-            <a:r>
-              <a:rPr lang="en-GB" dirty="0" err="1"/>
-              <a:t>Mindre</a:t>
-            </a:r>
-            <a:r>
-              <a:rPr lang="en-GB" dirty="0"/>
-              <a:t> </a:t>
-            </a:r>
-            <a:r>
-              <a:rPr lang="en-GB" dirty="0" err="1"/>
-              <a:t>energi</a:t>
-            </a:r>
-            <a:r>
-              <a:rPr lang="en-GB" dirty="0"/>
-              <a:t> </a:t>
-            </a:r>
-            <a:r>
-              <a:rPr lang="en-GB" dirty="0" err="1"/>
-              <a:t>forbundet</a:t>
-            </a:r>
-            <a:r>
-              <a:rPr lang="en-GB" dirty="0"/>
-              <a:t> med </a:t>
-            </a:r>
-            <a:r>
-              <a:rPr lang="en-GB" dirty="0" err="1"/>
-              <a:t>servere</a:t>
-            </a:r>
-            <a:r>
-              <a:rPr lang="en-GB" dirty="0"/>
-              <a:t> </a:t>
-            </a:r>
-            <a:r>
-              <a:rPr lang="en-GB" dirty="0" err="1"/>
-              <a:t>og</a:t>
-            </a:r>
-            <a:r>
-              <a:rPr lang="en-GB" dirty="0"/>
-              <a:t> </a:t>
-            </a:r>
-            <a:r>
-              <a:rPr lang="en-GB" dirty="0" err="1"/>
-              <a:t>hurtigere</a:t>
-            </a:r>
-            <a:r>
-              <a:rPr lang="en-GB" dirty="0"/>
-              <a:t> </a:t>
-            </a:r>
-            <a:r>
-              <a:rPr lang="en-GB" dirty="0" err="1"/>
-              <a:t>brugeroplevelse</a:t>
-            </a:r>
-            <a:r>
-              <a:rPr lang="en-GB" dirty="0"/>
-              <a:t>.</a:t>
-            </a:r>
-          </a:p>
-          <a:p>
             <a:endParaRPr dirty="0"/>
+          </a:p>
+          <a:p>
+            <a:r>
+              <a:rPr dirty="0"/>
+              <a:t>A commitment to creating a greener web.</a:t>
+            </a:r>
+          </a:p>
+          <a:p>
+            <a:r>
+              <a:rPr dirty="0"/>
+              <a:t>The manifesto provides a framework for sustainable web practices.</a:t>
+            </a:r>
           </a:p>
           <a:p>
             <a:pPr marL="0" indent="0">
@@ -11304,7 +11479,48 @@
             <a:endParaRPr dirty="0"/>
           </a:p>
           <a:p>
+            <a:r>
+              <a:rPr dirty="0"/>
+              <a:t> Six key principles: clean, efficient, open, honest, regenerative, and resilient.</a:t>
+            </a:r>
+          </a:p>
+          <a:p>
             <a:endParaRPr dirty="0"/>
+          </a:p>
+        </p:txBody>
+      </p:sp>
+      <p:sp>
+        <p:nvSpPr>
+          <p:cNvPr id="5" name="TextBox 4">
+            <a:extLst>
+              <a:ext uri="{FF2B5EF4-FFF2-40B4-BE49-F238E27FC236}">
+                <a16:creationId xmlns:a16="http://schemas.microsoft.com/office/drawing/2014/main" id="{A5279E2E-FA4F-DEAC-D833-3146CE324E0E}"/>
+              </a:ext>
+            </a:extLst>
+          </p:cNvPr>
+          <p:cNvSpPr txBox="1"/>
+          <p:nvPr/>
+        </p:nvSpPr>
+        <p:spPr>
+          <a:xfrm>
+            <a:off x="6560458" y="6126164"/>
+            <a:ext cx="6096000" cy="369332"/>
+          </a:xfrm>
+          <a:prstGeom prst="rect">
+            <a:avLst/>
+          </a:prstGeom>
+          <a:noFill/>
+        </p:spPr>
+        <p:txBody>
+          <a:bodyPr wrap="square">
+            <a:spAutoFit/>
+          </a:bodyPr>
+          <a:lstStyle/>
+          <a:p>
+            <a:r>
+              <a:rPr lang="en-DK" dirty="0"/>
+              <a:t>https://www.sustainablewebmanifesto.com/</a:t>
+            </a:r>
           </a:p>
         </p:txBody>
       </p:sp>
@@ -11335,13 +11551,7 @@
       </p:grpSpPr>
       <p:sp>
         <p:nvSpPr>
-          <p:cNvPr id="2" name="Title 1">
-            <a:extLst>
-              <a:ext uri="{FF2B5EF4-FFF2-40B4-BE49-F238E27FC236}">
-                <a16:creationId xmlns:a16="http://schemas.microsoft.com/office/drawing/2014/main" id="{F489F907-19BC-4E04-82B6-956B611BCEC9}"/>
-              </a:ext>
-            </a:extLst>
-          </p:cNvPr>
+          <p:cNvPr id="2" name="Title 1"/>
           <p:cNvSpPr>
             <a:spLocks noGrp="1"/>
           </p:cNvSpPr>
@@ -11376,23 +11586,14 @@
               <a:rPr lang="en-GB" dirty="0">
                 <a:latin typeface="Raleway" pitchFamily="2" charset="77"/>
               </a:rPr>
-              <a:t> II</a:t>
-            </a:r>
-            <a:endParaRPr lang="en-DK" dirty="0">
-              <a:latin typeface="Raleway" pitchFamily="2" charset="77"/>
-            </a:endParaRPr>
-          </a:p>
-        </p:txBody>
-      </p:sp>
-      <p:sp>
-        <p:nvSpPr>
-          <p:cNvPr id="3" name="Content Placeholder 2">
-            <a:extLst>
-              <a:ext uri="{FF2B5EF4-FFF2-40B4-BE49-F238E27FC236}">
-                <a16:creationId xmlns:a16="http://schemas.microsoft.com/office/drawing/2014/main" id="{02786E1B-4651-44AC-0627-F1AA19D9206C}"/>
-              </a:ext>
-            </a:extLst>
-          </p:cNvPr>
+              <a:t> I</a:t>
+            </a:r>
+          </a:p>
+        </p:txBody>
+      </p:sp>
+      <p:sp>
+        <p:nvSpPr>
+          <p:cNvPr id="3" name="Content Placeholder 2"/>
           <p:cNvSpPr>
             <a:spLocks noGrp="1"/>
           </p:cNvSpPr>
@@ -11409,8 +11610,12 @@
               <a:buNone/>
             </a:pPr>
             <a:r>
+              <a:rPr lang="da-DK" dirty="0"/>
+              <a:t> </a:t>
+            </a:r>
+            <a:r>
               <a:rPr lang="en-GB" b="1" dirty="0" err="1"/>
-              <a:t>Designkomponenter</a:t>
+              <a:t>Optimering</a:t>
             </a:r>
             <a:r>
               <a:rPr lang="en-GB" b="1" dirty="0"/>
@@ -11418,7 +11623,7 @@
             </a:r>
             <a:r>
               <a:rPr lang="en-GB" b="1" dirty="0" err="1"/>
-              <a:t>til</a:t>
+              <a:t>af</a:t>
             </a:r>
             <a:r>
               <a:rPr lang="en-GB" b="1" dirty="0"/>
@@ -11426,7 +11631,23 @@
             </a:r>
             <a:r>
               <a:rPr lang="en-GB" b="1" dirty="0" err="1"/>
-              <a:t>Genbrug</a:t>
+              <a:t>Billedformater</a:t>
+            </a:r>
+            <a:r>
+              <a:rPr lang="en-GB" b="1" dirty="0"/>
+              <a:t> for </a:t>
+            </a:r>
+            <a:r>
+              <a:rPr lang="en-GB" b="1" dirty="0" err="1"/>
+              <a:t>Hurtigere</a:t>
+            </a:r>
+            <a:r>
+              <a:rPr lang="en-GB" b="1" dirty="0"/>
+              <a:t> </a:t>
+            </a:r>
+            <a:r>
+              <a:rPr lang="en-GB" b="1" dirty="0" err="1"/>
+              <a:t>Indlæsning</a:t>
             </a:r>
             <a:endParaRPr lang="en-GB" dirty="0"/>
           </a:p>
@@ -11437,7 +11658,7 @@
             </a:r>
             <a:r>
               <a:rPr lang="en-GB" dirty="0" err="1"/>
-              <a:t>Oprettet</a:t>
+              <a:t>Reducerede</a:t>
             </a:r>
             <a:r>
               <a:rPr lang="en-GB" dirty="0"/>
@@ -11445,7 +11666,7 @@
             </a:r>
             <a:r>
               <a:rPr lang="en-GB" dirty="0" err="1"/>
-              <a:t>standardkomponenter</a:t>
+              <a:t>indlæsningstider</a:t>
             </a:r>
             <a:r>
               <a:rPr lang="en-GB" dirty="0"/>
@@ -11453,15 +11674,179 @@
             </a:r>
             <a:r>
               <a:rPr lang="en-GB" dirty="0" err="1"/>
-              <a:t>som</a:t>
+              <a:t>ved</a:t>
             </a:r>
             <a:r>
               <a:rPr lang="en-GB" dirty="0"/>
-              <a:t> </a:t>
+              <a:t> at </a:t>
             </a:r>
             <a:r>
               <a:rPr lang="en-GB" dirty="0" err="1"/>
-              <a:t>knapper</a:t>
+              <a:t>konvertere</a:t>
+            </a:r>
+            <a:r>
+              <a:rPr lang="en-GB" dirty="0"/>
+              <a:t> store </a:t>
+            </a:r>
+            <a:r>
+              <a:rPr lang="en-GB" dirty="0" err="1"/>
+              <a:t>billedfiler</a:t>
+            </a:r>
+            <a:r>
+              <a:rPr lang="en-GB" dirty="0"/>
+              <a:t> </a:t>
+            </a:r>
+            <a:r>
+              <a:rPr lang="en-GB" dirty="0" err="1"/>
+              <a:t>til</a:t>
+            </a:r>
+            <a:r>
+              <a:rPr lang="en-GB" dirty="0"/>
+              <a:t> mere </a:t>
+            </a:r>
+            <a:r>
+              <a:rPr lang="en-GB" dirty="0" err="1"/>
+              <a:t>effektive</a:t>
+            </a:r>
+            <a:r>
+              <a:rPr lang="en-GB" dirty="0"/>
+              <a:t> </a:t>
+            </a:r>
+            <a:r>
+              <a:rPr lang="en-GB" dirty="0" err="1"/>
+              <a:t>formater</a:t>
+            </a:r>
+            <a:r>
+              <a:rPr lang="en-GB" dirty="0"/>
+              <a:t> (</a:t>
+            </a:r>
+            <a:r>
+              <a:rPr lang="en-GB" dirty="0" err="1"/>
+              <a:t>f.eks</a:t>
+            </a:r>
+            <a:r>
+              <a:rPr lang="en-GB" dirty="0"/>
+              <a:t>. </a:t>
+            </a:r>
+            <a:r>
+              <a:rPr lang="en-GB" dirty="0" err="1"/>
+              <a:t>WebP</a:t>
+            </a:r>
+            <a:r>
+              <a:rPr lang="en-GB" dirty="0"/>
+              <a:t>).</a:t>
+            </a:r>
+          </a:p>
+          <a:p>
+            <a:r>
+              <a:rPr lang="en-GB" dirty="0"/>
+              <a:t>• </a:t>
+            </a:r>
+            <a:r>
+              <a:rPr lang="en-GB" dirty="0" err="1"/>
+              <a:t>Implementerede</a:t>
+            </a:r>
+            <a:r>
+              <a:rPr lang="en-GB" dirty="0"/>
+              <a:t> responsive </a:t>
+            </a:r>
+            <a:r>
+              <a:rPr lang="en-GB" dirty="0" err="1"/>
+              <a:t>billeder</a:t>
+            </a:r>
+            <a:r>
+              <a:rPr lang="en-GB" dirty="0"/>
+              <a:t> for at </a:t>
+            </a:r>
+            <a:r>
+              <a:rPr lang="en-GB" dirty="0" err="1"/>
+              <a:t>vise</a:t>
+            </a:r>
+            <a:r>
+              <a:rPr lang="en-GB" dirty="0"/>
+              <a:t> </a:t>
+            </a:r>
+            <a:r>
+              <a:rPr lang="en-GB" dirty="0" err="1"/>
+              <a:t>passende</a:t>
+            </a:r>
+            <a:r>
+              <a:rPr lang="en-GB" dirty="0"/>
+              <a:t> </a:t>
+            </a:r>
+            <a:r>
+              <a:rPr lang="en-GB" dirty="0" err="1"/>
+              <a:t>størrelser</a:t>
+            </a:r>
+            <a:r>
+              <a:rPr lang="en-GB" dirty="0"/>
+              <a:t> </a:t>
+            </a:r>
+            <a:r>
+              <a:rPr lang="en-GB" dirty="0" err="1"/>
+              <a:t>afhængigt</a:t>
+            </a:r>
+            <a:r>
+              <a:rPr lang="en-GB" dirty="0"/>
+              <a:t> </a:t>
+            </a:r>
+            <a:r>
+              <a:rPr lang="en-GB" dirty="0" err="1"/>
+              <a:t>af</a:t>
+            </a:r>
+            <a:r>
+              <a:rPr lang="en-GB" dirty="0"/>
+              <a:t> </a:t>
+            </a:r>
+            <a:r>
+              <a:rPr lang="en-GB" dirty="0" err="1"/>
+              <a:t>skærmopløsning</a:t>
+            </a:r>
+            <a:r>
+              <a:rPr lang="en-GB" dirty="0"/>
+              <a:t>.</a:t>
+            </a:r>
+          </a:p>
+          <a:p>
+            <a:r>
+              <a:rPr lang="en-GB" dirty="0"/>
+              <a:t>• </a:t>
+            </a:r>
+            <a:r>
+              <a:rPr lang="en-GB" dirty="0" err="1"/>
+              <a:t>Resultat</a:t>
+            </a:r>
+            <a:r>
+              <a:rPr lang="en-GB" dirty="0"/>
+              <a:t>: </a:t>
+            </a:r>
+            <a:r>
+              <a:rPr lang="en-GB" dirty="0" err="1"/>
+              <a:t>Mindre</a:t>
+            </a:r>
+            <a:r>
+              <a:rPr lang="en-GB" dirty="0"/>
+              <a:t> </a:t>
+            </a:r>
+            <a:r>
+              <a:rPr lang="en-GB" dirty="0" err="1"/>
+              <a:t>energi</a:t>
+            </a:r>
+            <a:r>
+              <a:rPr lang="en-GB" dirty="0"/>
+              <a:t> </a:t>
+            </a:r>
+            <a:r>
+              <a:rPr lang="en-GB" dirty="0" err="1"/>
+              <a:t>forbundet</a:t>
+            </a:r>
+            <a:r>
+              <a:rPr lang="en-GB" dirty="0"/>
+              <a:t> med </a:t>
+            </a:r>
+            <a:r>
+              <a:rPr lang="en-GB" dirty="0" err="1"/>
+              <a:t>servere</a:t>
             </a:r>
             <a:r>
               <a:rPr lang="en-GB" dirty="0"/>
@@ -11477,7 +11862,15 @@
             </a:r>
             <a:r>
               <a:rPr lang="en-GB" dirty="0" err="1"/>
-              <a:t>navigationsmenuer</a:t>
+              <a:t>hurtigere</a:t>
+            </a:r>
+            <a:r>
+              <a:rPr lang="en-GB" dirty="0"/>
+              <a:t> </a:t>
+            </a:r>
+            <a:r>
+              <a:rPr lang="en-GB" dirty="0" err="1"/>
+              <a:t>brugeroplevelse</a:t>
             </a:r>
             <a:r>
               <a:rPr lang="en-GB" dirty="0"/>
@@ -11485,156 +11878,20 @@
             </a:r>
           </a:p>
           <a:p>
-            <a:r>
-              <a:rPr lang="en-GB" dirty="0"/>
-              <a:t>• </a:t>
-            </a:r>
-            <a:r>
-              <a:rPr lang="en-GB" dirty="0" err="1"/>
-              <a:t>Genbrugsdesign</a:t>
-            </a:r>
-            <a:r>
-              <a:rPr lang="en-GB" dirty="0"/>
-              <a:t> </a:t>
-            </a:r>
-            <a:r>
-              <a:rPr lang="en-GB" dirty="0" err="1"/>
-              <a:t>på</a:t>
-            </a:r>
-            <a:r>
-              <a:rPr lang="en-GB" dirty="0"/>
-              <a:t> </a:t>
-            </a:r>
-            <a:r>
-              <a:rPr lang="en-GB" dirty="0" err="1"/>
-              <a:t>tværs</a:t>
-            </a:r>
-            <a:r>
-              <a:rPr lang="en-GB" dirty="0"/>
-              <a:t> </a:t>
-            </a:r>
-            <a:r>
-              <a:rPr lang="en-GB" dirty="0" err="1"/>
-              <a:t>af</a:t>
-            </a:r>
-            <a:r>
-              <a:rPr lang="en-GB" dirty="0"/>
-              <a:t> alle sider for at </a:t>
-            </a:r>
-            <a:r>
-              <a:rPr lang="en-GB" dirty="0" err="1"/>
-              <a:t>minimere</a:t>
-            </a:r>
-            <a:r>
-              <a:rPr lang="en-GB" dirty="0"/>
-              <a:t> </a:t>
-            </a:r>
-            <a:r>
-              <a:rPr lang="en-GB" dirty="0" err="1"/>
-              <a:t>kode</a:t>
-            </a:r>
-            <a:r>
-              <a:rPr lang="en-GB" dirty="0"/>
-              <a:t> </a:t>
-            </a:r>
-            <a:r>
-              <a:rPr lang="en-GB" dirty="0" err="1"/>
-              <a:t>og</a:t>
-            </a:r>
-            <a:r>
-              <a:rPr lang="en-GB" dirty="0"/>
-              <a:t> </a:t>
-            </a:r>
-            <a:r>
-              <a:rPr lang="en-GB" dirty="0" err="1"/>
-              <a:t>optimere</a:t>
-            </a:r>
-            <a:r>
-              <a:rPr lang="en-GB" dirty="0"/>
-              <a:t> </a:t>
-            </a:r>
-            <a:r>
-              <a:rPr lang="en-GB" dirty="0" err="1"/>
-              <a:t>ressourceforbrug</a:t>
-            </a:r>
-            <a:r>
-              <a:rPr lang="en-GB" dirty="0"/>
-              <a:t>.</a:t>
-            </a:r>
-          </a:p>
-          <a:p>
-            <a:r>
-              <a:rPr lang="en-GB" dirty="0"/>
-              <a:t>• </a:t>
-            </a:r>
-            <a:r>
-              <a:rPr lang="en-GB" dirty="0" err="1"/>
-              <a:t>Resultat</a:t>
-            </a:r>
-            <a:r>
-              <a:rPr lang="en-GB" dirty="0"/>
-              <a:t>: </a:t>
-            </a:r>
-            <a:r>
-              <a:rPr lang="en-GB" dirty="0" err="1"/>
-              <a:t>Effektivisering</a:t>
-            </a:r>
-            <a:r>
-              <a:rPr lang="en-GB" dirty="0"/>
-              <a:t> </a:t>
-            </a:r>
-            <a:r>
-              <a:rPr lang="en-GB" dirty="0" err="1"/>
-              <a:t>af</a:t>
-            </a:r>
-            <a:r>
-              <a:rPr lang="en-GB" dirty="0"/>
-              <a:t> </a:t>
-            </a:r>
-            <a:r>
-              <a:rPr lang="en-GB" dirty="0" err="1"/>
-              <a:t>udviklingsprocessen</a:t>
-            </a:r>
-            <a:r>
-              <a:rPr lang="en-GB" dirty="0"/>
-              <a:t> </a:t>
-            </a:r>
-            <a:r>
-              <a:rPr lang="en-GB" dirty="0" err="1"/>
-              <a:t>og</a:t>
-            </a:r>
-            <a:r>
-              <a:rPr lang="en-GB" dirty="0"/>
-              <a:t> </a:t>
-            </a:r>
-            <a:r>
-              <a:rPr lang="en-GB" dirty="0" err="1"/>
-              <a:t>lavere</a:t>
-            </a:r>
-            <a:r>
-              <a:rPr lang="en-GB" dirty="0"/>
-              <a:t> </a:t>
-            </a:r>
-            <a:r>
-              <a:rPr lang="en-GB" dirty="0" err="1"/>
-              <a:t>vedligeholdelsesomkostninger</a:t>
-            </a:r>
-            <a:r>
-              <a:rPr lang="en-GB" dirty="0"/>
-              <a:t>.</a:t>
-            </a:r>
-          </a:p>
-          <a:p>
-            <a:endParaRPr lang="en-DK" dirty="0"/>
+            <a:endParaRPr dirty="0"/>
+          </a:p>
+          <a:p>
+            <a:pPr marL="0" indent="0">
+              <a:buNone/>
+            </a:pPr>
+            <a:endParaRPr dirty="0"/>
+          </a:p>
+          <a:p>
+            <a:endParaRPr dirty="0"/>
           </a:p>
         </p:txBody>
       </p:sp>
     </p:spTree>
-    <p:extLst>
-      <p:ext uri="{BB962C8B-B14F-4D97-AF65-F5344CB8AC3E}">
-        <p14:creationId xmlns:p14="http://schemas.microsoft.com/office/powerpoint/2010/main" val="1267330334"/>
-      </p:ext>
-    </p:extLst>
   </p:cSld>
   <p:clrMapOvr>
     <a:masterClrMapping/>

--- a/semester2 PPT/Sustainable_Web_Presentation_Danish.pptx
+++ b/semester2 PPT/Sustainable_Web_Presentation_Danish.pptx
@@ -5,7 +5,7 @@
     <p:sldMasterId id="2147483648" r:id="rId1"/>
   </p:sldMasterIdLst>
   <p:notesMasterIdLst>
-    <p:notesMasterId r:id="rId31"/>
+    <p:notesMasterId r:id="rId33"/>
   </p:notesMasterIdLst>
   <p:sldIdLst>
     <p:sldId id="256" r:id="rId2"/>
@@ -18,25 +18,27 @@
     <p:sldId id="261" r:id="rId9"/>
     <p:sldId id="262" r:id="rId10"/>
     <p:sldId id="283" r:id="rId11"/>
-    <p:sldId id="263" r:id="rId12"/>
-    <p:sldId id="265" r:id="rId13"/>
-    <p:sldId id="266" r:id="rId14"/>
-    <p:sldId id="267" r:id="rId15"/>
-    <p:sldId id="268" r:id="rId16"/>
-    <p:sldId id="269" r:id="rId17"/>
-    <p:sldId id="270" r:id="rId18"/>
-    <p:sldId id="271" r:id="rId19"/>
-    <p:sldId id="272" r:id="rId20"/>
-    <p:sldId id="281" r:id="rId21"/>
-    <p:sldId id="282" r:id="rId22"/>
-    <p:sldId id="274" r:id="rId23"/>
-    <p:sldId id="284" r:id="rId24"/>
-    <p:sldId id="286" r:id="rId25"/>
-    <p:sldId id="278" r:id="rId26"/>
-    <p:sldId id="275" r:id="rId27"/>
-    <p:sldId id="273" r:id="rId28"/>
-    <p:sldId id="285" r:id="rId29"/>
-    <p:sldId id="264" r:id="rId30"/>
+    <p:sldId id="289" r:id="rId12"/>
+    <p:sldId id="263" r:id="rId13"/>
+    <p:sldId id="265" r:id="rId14"/>
+    <p:sldId id="266" r:id="rId15"/>
+    <p:sldId id="267" r:id="rId16"/>
+    <p:sldId id="268" r:id="rId17"/>
+    <p:sldId id="269" r:id="rId18"/>
+    <p:sldId id="270" r:id="rId19"/>
+    <p:sldId id="271" r:id="rId20"/>
+    <p:sldId id="272" r:id="rId21"/>
+    <p:sldId id="281" r:id="rId22"/>
+    <p:sldId id="282" r:id="rId23"/>
+    <p:sldId id="274" r:id="rId24"/>
+    <p:sldId id="284" r:id="rId25"/>
+    <p:sldId id="286" r:id="rId26"/>
+    <p:sldId id="278" r:id="rId27"/>
+    <p:sldId id="275" r:id="rId28"/>
+    <p:sldId id="273" r:id="rId29"/>
+    <p:sldId id="285" r:id="rId30"/>
+    <p:sldId id="288" r:id="rId31"/>
+    <p:sldId id="264" r:id="rId32"/>
   </p:sldIdLst>
   <p:sldSz cx="12192000" cy="6858000"/>
   <p:notesSz cx="6858000" cy="9144000"/>
@@ -4617,6 +4619,285 @@
 <file path=ppt/slides/slide11.xml><?xml version="1.0" encoding="utf-8"?>
 <p:sld xmlns:a="http://schemas.openxmlformats.org/drawingml/2006/main" xmlns:r="http://schemas.openxmlformats.org/officeDocument/2006/relationships" xmlns:p="http://schemas.openxmlformats.org/presentationml/2006/main">
   <p:cSld>
+    <p:spTree>
+      <p:nvGrpSpPr>
+        <p:cNvPr id="1" name=""/>
+        <p:cNvGrpSpPr/>
+        <p:nvPr/>
+      </p:nvGrpSpPr>
+      <p:grpSpPr>
+        <a:xfrm>
+          <a:off x="0" y="0"/>
+          <a:ext cx="0" cy="0"/>
+          <a:chOff x="0" y="0"/>
+          <a:chExt cx="0" cy="0"/>
+        </a:xfrm>
+      </p:grpSpPr>
+      <p:sp>
+        <p:nvSpPr>
+          <p:cNvPr id="2" name="Title 1">
+            <a:extLst>
+              <a:ext uri="{FF2B5EF4-FFF2-40B4-BE49-F238E27FC236}">
+                <a16:creationId xmlns:a16="http://schemas.microsoft.com/office/drawing/2014/main" id="{3EC5775A-9D4B-7414-D1F7-31DF1FA14FA8}"/>
+              </a:ext>
+            </a:extLst>
+          </p:cNvPr>
+          <p:cNvSpPr>
+            <a:spLocks noGrp="1"/>
+          </p:cNvSpPr>
+          <p:nvPr>
+            <p:ph type="title"/>
+          </p:nvPr>
+        </p:nvSpPr>
+        <p:spPr/>
+        <p:txBody>
+          <a:bodyPr/>
+          <a:lstStyle/>
+          <a:p>
+            <a:r>
+              <a:rPr lang="en-GB" dirty="0" err="1">
+                <a:latin typeface="Raleway" pitchFamily="2" charset="77"/>
+              </a:rPr>
+              <a:t>Bæredygtig</a:t>
+            </a:r>
+            <a:r>
+              <a:rPr lang="en-GB" dirty="0">
+                <a:latin typeface="Raleway" pitchFamily="2" charset="77"/>
+              </a:rPr>
+              <a:t> </a:t>
+            </a:r>
+            <a:r>
+              <a:rPr lang="en-GB" dirty="0" err="1">
+                <a:latin typeface="Raleway" pitchFamily="2" charset="77"/>
+              </a:rPr>
+              <a:t>Webdesignpraksis</a:t>
+            </a:r>
+            <a:r>
+              <a:rPr lang="en-GB" dirty="0">
+                <a:latin typeface="Raleway" pitchFamily="2" charset="77"/>
+              </a:rPr>
+              <a:t> III</a:t>
+            </a:r>
+            <a:endParaRPr lang="en-DK" dirty="0"/>
+          </a:p>
+        </p:txBody>
+      </p:sp>
+      <p:sp>
+        <p:nvSpPr>
+          <p:cNvPr id="3" name="Content Placeholder 2">
+            <a:extLst>
+              <a:ext uri="{FF2B5EF4-FFF2-40B4-BE49-F238E27FC236}">
+                <a16:creationId xmlns:a16="http://schemas.microsoft.com/office/drawing/2014/main" id="{18175DBA-0AB0-0F86-F408-1691A4A750F4}"/>
+              </a:ext>
+            </a:extLst>
+          </p:cNvPr>
+          <p:cNvSpPr>
+            <a:spLocks noGrp="1"/>
+          </p:cNvSpPr>
+          <p:nvPr>
+            <p:ph idx="1"/>
+          </p:nvPr>
+        </p:nvSpPr>
+        <p:spPr/>
+        <p:txBody>
+          <a:bodyPr>
+            <a:normAutofit fontScale="77500" lnSpcReduction="20000"/>
+          </a:bodyPr>
+          <a:lstStyle/>
+          <a:p>
+            <a:pPr marL="0" indent="0" algn="l">
+              <a:buNone/>
+            </a:pPr>
+            <a:r>
+              <a:rPr lang="en-GB" b="1" i="0" dirty="0">
+                <a:solidFill>
+                  <a:srgbClr val="1F2328"/>
+                </a:solidFill>
+                <a:effectLst/>
+                <a:latin typeface="-apple-system"/>
+              </a:rPr>
+              <a:t>Caching Techniques</a:t>
+            </a:r>
+          </a:p>
+          <a:p>
+            <a:pPr algn="l"/>
+            <a:r>
+              <a:rPr lang="en-GB" b="1" i="0" dirty="0">
+                <a:solidFill>
+                  <a:srgbClr val="1F2328"/>
+                </a:solidFill>
+                <a:effectLst/>
+                <a:latin typeface="-apple-system"/>
+              </a:rPr>
+              <a:t>Content Delivery Network (CDN):</a:t>
+            </a:r>
+            <a:endParaRPr lang="en-GB" b="0" i="0" dirty="0">
+              <a:solidFill>
+                <a:srgbClr val="1F2328"/>
+              </a:solidFill>
+              <a:effectLst/>
+              <a:latin typeface="-apple-system"/>
+            </a:endParaRPr>
+          </a:p>
+          <a:p>
+            <a:pPr marL="0" indent="0" algn="l">
+              <a:buNone/>
+            </a:pPr>
+            <a:br>
+              <a:rPr lang="en-GB" b="0" i="0" dirty="0">
+                <a:solidFill>
+                  <a:srgbClr val="1F2328"/>
+                </a:solidFill>
+                <a:effectLst/>
+                <a:latin typeface="-apple-system"/>
+              </a:rPr>
+            </a:br>
+            <a:endParaRPr lang="en-GB" b="0" i="0" dirty="0">
+              <a:solidFill>
+                <a:srgbClr val="1F2328"/>
+              </a:solidFill>
+              <a:effectLst/>
+              <a:latin typeface="-apple-system"/>
+            </a:endParaRPr>
+          </a:p>
+          <a:p>
+            <a:pPr marL="0" indent="0" algn="l">
+              <a:buNone/>
+            </a:pPr>
+            <a:r>
+              <a:rPr lang="en-GB" b="1" i="0" dirty="0">
+                <a:solidFill>
+                  <a:srgbClr val="1F2328"/>
+                </a:solidFill>
+                <a:effectLst/>
+                <a:latin typeface="-apple-system"/>
+              </a:rPr>
+              <a:t>Lazy Loading:</a:t>
+            </a:r>
+            <a:endParaRPr lang="en-GB" b="0" i="0" dirty="0">
+              <a:solidFill>
+                <a:srgbClr val="1F2328"/>
+              </a:solidFill>
+              <a:effectLst/>
+              <a:latin typeface="-apple-system"/>
+            </a:endParaRPr>
+          </a:p>
+          <a:p>
+            <a:pPr marL="0" indent="0" algn="l">
+              <a:buNone/>
+            </a:pPr>
+            <a:r>
+              <a:rPr lang="en-GB" b="1" i="0" dirty="0">
+                <a:solidFill>
+                  <a:srgbClr val="1F2328"/>
+                </a:solidFill>
+                <a:effectLst/>
+                <a:latin typeface="-apple-system"/>
+              </a:rPr>
+              <a:t>Responsive Images:</a:t>
+            </a:r>
+            <a:endParaRPr lang="en-GB" b="0" i="0" dirty="0">
+              <a:solidFill>
+                <a:srgbClr val="1F2328"/>
+              </a:solidFill>
+              <a:effectLst/>
+              <a:latin typeface="-apple-system"/>
+            </a:endParaRPr>
+          </a:p>
+          <a:p>
+            <a:pPr marL="0" indent="0" algn="l">
+              <a:buNone/>
+            </a:pPr>
+            <a:r>
+              <a:rPr lang="en-GB" b="0" i="0" dirty="0">
+                <a:solidFill>
+                  <a:srgbClr val="1F2328"/>
+                </a:solidFill>
+                <a:effectLst/>
+                <a:latin typeface="-apple-system"/>
+              </a:rPr>
+              <a:t>… …</a:t>
+            </a:r>
+            <a:br>
+              <a:rPr lang="en-GB" b="0" i="0" dirty="0">
+                <a:solidFill>
+                  <a:srgbClr val="1F2328"/>
+                </a:solidFill>
+                <a:effectLst/>
+                <a:latin typeface="-apple-system"/>
+              </a:rPr>
+            </a:br>
+            <a:endParaRPr lang="en-GB" b="0" i="0" dirty="0">
+              <a:solidFill>
+                <a:srgbClr val="1F2328"/>
+              </a:solidFill>
+              <a:effectLst/>
+              <a:latin typeface="-apple-system"/>
+            </a:endParaRPr>
+          </a:p>
+          <a:p>
+            <a:pPr marL="0" indent="0" algn="l">
+              <a:buNone/>
+            </a:pPr>
+            <a:br>
+              <a:rPr lang="en-GB" b="0" i="0" dirty="0">
+                <a:solidFill>
+                  <a:srgbClr val="1F2328"/>
+                </a:solidFill>
+                <a:effectLst/>
+                <a:latin typeface="-apple-system"/>
+              </a:rPr>
+            </a:br>
+            <a:endParaRPr lang="en-GB" b="0" i="0" dirty="0">
+              <a:solidFill>
+                <a:srgbClr val="1F2328"/>
+              </a:solidFill>
+              <a:effectLst/>
+              <a:latin typeface="-apple-system"/>
+            </a:endParaRPr>
+          </a:p>
+          <a:p>
+            <a:pPr marL="0" indent="0" algn="l">
+              <a:buNone/>
+            </a:pPr>
+            <a:br>
+              <a:rPr lang="en-GB" b="0" i="0" dirty="0">
+                <a:solidFill>
+                  <a:srgbClr val="1F2328"/>
+                </a:solidFill>
+                <a:effectLst/>
+                <a:latin typeface="-apple-system"/>
+              </a:rPr>
+            </a:br>
+            <a:endParaRPr lang="en-GB" b="0" i="0" dirty="0">
+              <a:solidFill>
+                <a:srgbClr val="1F2328"/>
+              </a:solidFill>
+              <a:effectLst/>
+              <a:latin typeface="-apple-system"/>
+            </a:endParaRPr>
+          </a:p>
+          <a:p>
+            <a:endParaRPr lang="en-DK" dirty="0"/>
+          </a:p>
+        </p:txBody>
+      </p:sp>
+    </p:spTree>
+    <p:extLst>
+      <p:ext uri="{BB962C8B-B14F-4D97-AF65-F5344CB8AC3E}">
+        <p14:creationId xmlns:p14="http://schemas.microsoft.com/office/powerpoint/2010/main" val="2257321955"/>
+      </p:ext>
+    </p:extLst>
+  </p:cSld>
+  <p:clrMapOvr>
+    <a:masterClrMapping/>
+  </p:clrMapOvr>
+</p:sld>
+</file>
+
+<file path=ppt/slides/slide12.xml><?xml version="1.0" encoding="utf-8"?>
+<p:sld xmlns:a="http://schemas.openxmlformats.org/drawingml/2006/main" xmlns:r="http://schemas.openxmlformats.org/officeDocument/2006/relationships" xmlns:p="http://schemas.openxmlformats.org/presentationml/2006/main">
+  <p:cSld>
     <p:bg>
       <p:bgPr>
         <a:solidFill>
@@ -4991,104 +5272,6 @@
 </p:sld>
 </file>
 
-<file path=ppt/slides/slide12.xml><?xml version="1.0" encoding="utf-8"?>
-<p:sld xmlns:a="http://schemas.openxmlformats.org/drawingml/2006/main" xmlns:r="http://schemas.openxmlformats.org/officeDocument/2006/relationships" xmlns:p="http://schemas.openxmlformats.org/presentationml/2006/main">
-  <p:cSld>
-    <p:spTree>
-      <p:nvGrpSpPr>
-        <p:cNvPr id="1" name=""/>
-        <p:cNvGrpSpPr/>
-        <p:nvPr/>
-      </p:nvGrpSpPr>
-      <p:grpSpPr>
-        <a:xfrm>
-          <a:off x="0" y="0"/>
-          <a:ext cx="0" cy="0"/>
-          <a:chOff x="0" y="0"/>
-          <a:chExt cx="0" cy="0"/>
-        </a:xfrm>
-      </p:grpSpPr>
-      <p:sp>
-        <p:nvSpPr>
-          <p:cNvPr id="5" name="TextBox 4">
-            <a:extLst>
-              <a:ext uri="{FF2B5EF4-FFF2-40B4-BE49-F238E27FC236}">
-                <a16:creationId xmlns:a16="http://schemas.microsoft.com/office/drawing/2014/main" id="{A24E4326-D9B2-4687-D471-C6FB3EB119E9}"/>
-              </a:ext>
-            </a:extLst>
-          </p:cNvPr>
-          <p:cNvSpPr txBox="1"/>
-          <p:nvPr/>
-        </p:nvSpPr>
-        <p:spPr>
-          <a:xfrm>
-            <a:off x="3050628" y="3244334"/>
-            <a:ext cx="6101254" cy="923330"/>
-          </a:xfrm>
-          <a:prstGeom prst="rect">
-            <a:avLst/>
-          </a:prstGeom>
-          <a:noFill/>
-        </p:spPr>
-        <p:txBody>
-          <a:bodyPr wrap="square">
-            <a:spAutoFit/>
-          </a:bodyPr>
-          <a:lstStyle/>
-          <a:p>
-            <a:r>
-              <a:rPr lang="en-GB" sz="5400" b="0" i="0" dirty="0" err="1">
-                <a:solidFill>
-                  <a:srgbClr val="292929"/>
-                </a:solidFill>
-                <a:effectLst/>
-                <a:latin typeface="Raleway" pitchFamily="2" charset="77"/>
-                <a:cs typeface="Calibri" panose="020F0502020204030204" pitchFamily="34" charset="0"/>
-              </a:rPr>
-              <a:t>Bedste</a:t>
-            </a:r>
-            <a:r>
-              <a:rPr lang="en-GB" sz="5400" b="0" i="0" dirty="0">
-                <a:solidFill>
-                  <a:srgbClr val="292929"/>
-                </a:solidFill>
-                <a:effectLst/>
-                <a:latin typeface="Raleway" pitchFamily="2" charset="77"/>
-                <a:cs typeface="Calibri" panose="020F0502020204030204" pitchFamily="34" charset="0"/>
-              </a:rPr>
-              <a:t> </a:t>
-            </a:r>
-            <a:r>
-              <a:rPr lang="en-GB" sz="5400" b="0" i="0" dirty="0" err="1">
-                <a:solidFill>
-                  <a:srgbClr val="292929"/>
-                </a:solidFill>
-                <a:effectLst/>
-                <a:latin typeface="Raleway" pitchFamily="2" charset="77"/>
-                <a:cs typeface="Calibri" panose="020F0502020204030204" pitchFamily="34" charset="0"/>
-              </a:rPr>
-              <a:t>praksis</a:t>
-            </a:r>
-            <a:endParaRPr lang="en-DK" sz="5400" dirty="0">
-              <a:latin typeface="Raleway" pitchFamily="2" charset="77"/>
-              <a:cs typeface="Calibri" panose="020F0502020204030204" pitchFamily="34" charset="0"/>
-            </a:endParaRPr>
-          </a:p>
-        </p:txBody>
-      </p:sp>
-    </p:spTree>
-    <p:extLst>
-      <p:ext uri="{BB962C8B-B14F-4D97-AF65-F5344CB8AC3E}">
-        <p14:creationId xmlns:p14="http://schemas.microsoft.com/office/powerpoint/2010/main" val="3728464535"/>
-      </p:ext>
-    </p:extLst>
-  </p:cSld>
-  <p:clrMapOvr>
-    <a:masterClrMapping/>
-  </p:clrMapOvr>
-</p:sld>
-</file>
-
 <file path=ppt/slides/slide13.xml><?xml version="1.0" encoding="utf-8"?>
 <p:sld xmlns:a="http://schemas.openxmlformats.org/drawingml/2006/main" xmlns:r="http://schemas.openxmlformats.org/officeDocument/2006/relationships" xmlns:p="http://schemas.openxmlformats.org/presentationml/2006/main">
   <p:cSld>
@@ -5108,322 +5291,78 @@
       </p:grpSpPr>
       <p:sp>
         <p:nvSpPr>
-          <p:cNvPr id="2" name="Title 1"/>
-          <p:cNvSpPr>
-            <a:spLocks noGrp="1"/>
-          </p:cNvSpPr>
-          <p:nvPr>
-            <p:ph type="title"/>
-          </p:nvPr>
-        </p:nvSpPr>
-        <p:spPr/>
-        <p:txBody>
-          <a:bodyPr>
-            <a:normAutofit fontScale="90000"/>
+          <p:cNvPr id="5" name="TextBox 4">
+            <a:extLst>
+              <a:ext uri="{FF2B5EF4-FFF2-40B4-BE49-F238E27FC236}">
+                <a16:creationId xmlns:a16="http://schemas.microsoft.com/office/drawing/2014/main" id="{A24E4326-D9B2-4687-D471-C6FB3EB119E9}"/>
+              </a:ext>
+            </a:extLst>
+          </p:cNvPr>
+          <p:cNvSpPr txBox="1"/>
+          <p:nvPr/>
+        </p:nvSpPr>
+        <p:spPr>
+          <a:xfrm>
+            <a:off x="3050628" y="3244334"/>
+            <a:ext cx="6101254" cy="923330"/>
+          </a:xfrm>
+          <a:prstGeom prst="rect">
+            <a:avLst/>
+          </a:prstGeom>
+          <a:noFill/>
+        </p:spPr>
+        <p:txBody>
+          <a:bodyPr wrap="square">
+            <a:spAutoFit/>
           </a:bodyPr>
           <a:lstStyle/>
           <a:p>
             <a:r>
-              <a:rPr dirty="0" err="1">
-                <a:latin typeface="Raleway" pitchFamily="2" charset="77"/>
-              </a:rPr>
-              <a:t>Implementering</a:t>
-            </a:r>
-            <a:r>
-              <a:rPr dirty="0">
-                <a:latin typeface="Raleway" pitchFamily="2" charset="77"/>
-              </a:rPr>
-              <a:t> </a:t>
-            </a:r>
-            <a:r>
-              <a:rPr dirty="0" err="1">
-                <a:latin typeface="Raleway" pitchFamily="2" charset="77"/>
-              </a:rPr>
-              <a:t>af</a:t>
-            </a:r>
-            <a:r>
-              <a:rPr dirty="0">
-                <a:latin typeface="Raleway" pitchFamily="2" charset="77"/>
-              </a:rPr>
-              <a:t> </a:t>
-            </a:r>
-            <a:r>
-              <a:rPr dirty="0" err="1">
-                <a:latin typeface="Raleway" pitchFamily="2" charset="77"/>
-              </a:rPr>
-              <a:t>bæredygtige</a:t>
-            </a:r>
-            <a:r>
-              <a:rPr dirty="0">
-                <a:latin typeface="Raleway" pitchFamily="2" charset="77"/>
-              </a:rPr>
-              <a:t> web</a:t>
-            </a:r>
-            <a:r>
-              <a:rPr lang="da-DK" dirty="0">
-                <a:latin typeface="Raleway" pitchFamily="2" charset="77"/>
-              </a:rPr>
-              <a:t> </a:t>
-            </a:r>
-            <a:r>
-              <a:rPr dirty="0" err="1">
-                <a:latin typeface="Raleway" pitchFamily="2" charset="77"/>
+              <a:rPr lang="en-GB" sz="5400" b="0" i="0" dirty="0" err="1">
+                <a:solidFill>
+                  <a:srgbClr val="292929"/>
+                </a:solidFill>
+                <a:effectLst/>
+                <a:latin typeface="Raleway" pitchFamily="2" charset="77"/>
+                <a:cs typeface="Calibri" panose="020F0502020204030204" pitchFamily="34" charset="0"/>
+              </a:rPr>
+              <a:t>Bedste</a:t>
+            </a:r>
+            <a:r>
+              <a:rPr lang="en-GB" sz="5400" b="0" i="0" dirty="0">
+                <a:solidFill>
+                  <a:srgbClr val="292929"/>
+                </a:solidFill>
+                <a:effectLst/>
+                <a:latin typeface="Raleway" pitchFamily="2" charset="77"/>
+                <a:cs typeface="Calibri" panose="020F0502020204030204" pitchFamily="34" charset="0"/>
+              </a:rPr>
+              <a:t> </a:t>
+            </a:r>
+            <a:r>
+              <a:rPr lang="en-GB" sz="5400" b="0" i="0" dirty="0" err="1">
+                <a:solidFill>
+                  <a:srgbClr val="292929"/>
+                </a:solidFill>
+                <a:effectLst/>
+                <a:latin typeface="Raleway" pitchFamily="2" charset="77"/>
+                <a:cs typeface="Calibri" panose="020F0502020204030204" pitchFamily="34" charset="0"/>
               </a:rPr>
               <a:t>praksis</a:t>
             </a:r>
-            <a:r>
-              <a:rPr lang="da-DK" dirty="0">
-                <a:latin typeface="Raleway" pitchFamily="2" charset="77"/>
-              </a:rPr>
-              <a:t> </a:t>
-            </a:r>
-            <a:endParaRPr dirty="0">
+            <a:endParaRPr lang="en-DK" sz="5400" dirty="0">
               <a:latin typeface="Raleway" pitchFamily="2" charset="77"/>
+              <a:cs typeface="Calibri" panose="020F0502020204030204" pitchFamily="34" charset="0"/>
             </a:endParaRPr>
           </a:p>
         </p:txBody>
       </p:sp>
-      <p:sp>
-        <p:nvSpPr>
-          <p:cNvPr id="3" name="Content Placeholder 2"/>
-          <p:cNvSpPr>
-            <a:spLocks noGrp="1"/>
-          </p:cNvSpPr>
-          <p:nvPr>
-            <p:ph idx="1"/>
-          </p:nvPr>
-        </p:nvSpPr>
-        <p:spPr/>
-        <p:txBody>
-          <a:bodyPr/>
-          <a:lstStyle/>
-          <a:p>
-            <a:r>
-              <a:rPr dirty="0" err="1"/>
-              <a:t>Fokus</a:t>
-            </a:r>
-            <a:r>
-              <a:rPr dirty="0"/>
-              <a:t> </a:t>
-            </a:r>
-            <a:r>
-              <a:rPr dirty="0" err="1"/>
-              <a:t>på</a:t>
-            </a:r>
-            <a:r>
-              <a:rPr dirty="0"/>
-              <a:t> at </a:t>
-            </a:r>
-            <a:r>
-              <a:rPr dirty="0" err="1"/>
-              <a:t>reducere</a:t>
-            </a:r>
-            <a:r>
-              <a:rPr dirty="0"/>
-              <a:t> </a:t>
-            </a:r>
-            <a:r>
-              <a:rPr dirty="0" err="1"/>
-              <a:t>sidens</a:t>
-            </a:r>
-            <a:r>
-              <a:rPr dirty="0"/>
-              <a:t> </a:t>
-            </a:r>
-            <a:r>
-              <a:rPr dirty="0" err="1"/>
-              <a:t>vægt</a:t>
-            </a:r>
-            <a:r>
-              <a:rPr dirty="0"/>
-              <a:t> </a:t>
-            </a:r>
-            <a:r>
-              <a:rPr dirty="0" err="1"/>
-              <a:t>og</a:t>
-            </a:r>
-            <a:r>
-              <a:rPr dirty="0"/>
-              <a:t> </a:t>
-            </a:r>
-            <a:r>
-              <a:rPr dirty="0" err="1">
-                <a:solidFill>
-                  <a:srgbClr val="FF0000"/>
-                </a:solidFill>
-              </a:rPr>
-              <a:t>ressource</a:t>
-            </a:r>
-            <a:r>
-              <a:rPr lang="da-DK" dirty="0">
-                <a:solidFill>
-                  <a:srgbClr val="FF0000"/>
-                </a:solidFill>
-              </a:rPr>
-              <a:t> </a:t>
-            </a:r>
-            <a:r>
-              <a:rPr dirty="0" err="1"/>
-              <a:t>forbrug</a:t>
-            </a:r>
-            <a:r>
-              <a:rPr dirty="0"/>
-              <a:t>.</a:t>
-            </a:r>
-          </a:p>
-          <a:p>
-            <a:r>
-              <a:rPr dirty="0" err="1"/>
-              <a:t>Optimer</a:t>
-            </a:r>
-            <a:r>
-              <a:rPr dirty="0"/>
-              <a:t> </a:t>
-            </a:r>
-            <a:r>
-              <a:rPr dirty="0" err="1"/>
-              <a:t>billeder</a:t>
-            </a:r>
-            <a:r>
-              <a:rPr dirty="0"/>
-              <a:t>, </a:t>
-            </a:r>
-            <a:r>
-              <a:rPr dirty="0" err="1"/>
-              <a:t>skrifttyper</a:t>
-            </a:r>
-            <a:r>
-              <a:rPr dirty="0"/>
-              <a:t> </a:t>
-            </a:r>
-            <a:r>
-              <a:rPr dirty="0" err="1"/>
-              <a:t>og</a:t>
-            </a:r>
-            <a:r>
-              <a:rPr dirty="0"/>
-              <a:t> </a:t>
-            </a:r>
-            <a:r>
-              <a:rPr dirty="0" err="1"/>
-              <a:t>videoer</a:t>
-            </a:r>
-            <a:r>
-              <a:rPr dirty="0"/>
-              <a:t>.</a:t>
-            </a:r>
-          </a:p>
-          <a:p>
-            <a:r>
-              <a:rPr dirty="0"/>
-              <a:t>Brug </a:t>
-            </a:r>
-            <a:r>
-              <a:rPr dirty="0" err="1"/>
-              <a:t>mørkere</a:t>
-            </a:r>
-            <a:r>
-              <a:rPr dirty="0"/>
-              <a:t> </a:t>
-            </a:r>
-            <a:r>
-              <a:rPr dirty="0" err="1"/>
-              <a:t>farver</a:t>
-            </a:r>
-            <a:r>
-              <a:rPr dirty="0"/>
-              <a:t> </a:t>
-            </a:r>
-            <a:r>
-              <a:rPr dirty="0" err="1"/>
-              <a:t>og</a:t>
-            </a:r>
-            <a:r>
-              <a:rPr dirty="0"/>
-              <a:t> </a:t>
-            </a:r>
-            <a:r>
-              <a:rPr dirty="0" err="1"/>
-              <a:t>systemskrifttyper</a:t>
-            </a:r>
-            <a:r>
-              <a:rPr dirty="0"/>
-              <a:t>.</a:t>
-            </a:r>
-          </a:p>
-          <a:p>
-            <a:r>
-              <a:rPr dirty="0" err="1"/>
-              <a:t>Skriv</a:t>
-            </a:r>
-            <a:r>
-              <a:rPr dirty="0"/>
-              <a:t> </a:t>
-            </a:r>
-            <a:r>
-              <a:rPr dirty="0" err="1"/>
-              <a:t>genanvendelig</a:t>
-            </a:r>
-            <a:r>
-              <a:rPr dirty="0"/>
-              <a:t> </a:t>
-            </a:r>
-            <a:r>
-              <a:rPr dirty="0" err="1"/>
-              <a:t>kode</a:t>
-            </a:r>
-            <a:r>
-              <a:rPr dirty="0"/>
-              <a:t>.</a:t>
-            </a:r>
-          </a:p>
-          <a:p>
-            <a:r>
-              <a:rPr dirty="0" err="1"/>
-              <a:t>Komprimer</a:t>
-            </a:r>
-            <a:r>
-              <a:rPr dirty="0"/>
-              <a:t> </a:t>
-            </a:r>
-            <a:r>
-              <a:rPr dirty="0" err="1"/>
-              <a:t>mediefiler</a:t>
-            </a:r>
-            <a:r>
-              <a:rPr dirty="0"/>
-              <a:t>.</a:t>
-            </a:r>
-          </a:p>
-          <a:p>
-            <a:r>
-              <a:rPr dirty="0" err="1"/>
-              <a:t>Prioriter</a:t>
-            </a:r>
-            <a:r>
-              <a:rPr dirty="0"/>
-              <a:t> </a:t>
-            </a:r>
-            <a:r>
-              <a:rPr dirty="0" err="1"/>
-              <a:t>effektiv</a:t>
-            </a:r>
-            <a:r>
-              <a:rPr dirty="0"/>
-              <a:t> </a:t>
-            </a:r>
-            <a:r>
-              <a:rPr dirty="0" err="1"/>
-              <a:t>kodning</a:t>
-            </a:r>
-            <a:r>
-              <a:rPr dirty="0"/>
-              <a:t>.</a:t>
-            </a:r>
-          </a:p>
-        </p:txBody>
-      </p:sp>
     </p:spTree>
+    <p:extLst>
+      <p:ext uri="{BB962C8B-B14F-4D97-AF65-F5344CB8AC3E}">
+        <p14:creationId xmlns:p14="http://schemas.microsoft.com/office/powerpoint/2010/main" val="3728464535"/>
+      </p:ext>
+    </p:extLst>
   </p:cSld>
   <p:clrMapOvr>
     <a:masterClrMapping/>
@@ -5460,14 +5399,16 @@
         </p:nvSpPr>
         <p:spPr/>
         <p:txBody>
-          <a:bodyPr/>
+          <a:bodyPr>
+            <a:normAutofit fontScale="90000"/>
+          </a:bodyPr>
           <a:lstStyle/>
           <a:p>
             <a:r>
               <a:rPr dirty="0" err="1">
                 <a:latin typeface="Raleway" pitchFamily="2" charset="77"/>
               </a:rPr>
-              <a:t>Optimering</a:t>
+              <a:t>Implementering</a:t>
             </a:r>
             <a:r>
               <a:rPr dirty="0">
@@ -5491,19 +5432,31 @@
               <a:rPr dirty="0" err="1">
                 <a:latin typeface="Raleway" pitchFamily="2" charset="77"/>
               </a:rPr>
-              <a:t>billeder</a:t>
+              <a:t>bæredygtige</a:t>
             </a:r>
             <a:r>
               <a:rPr dirty="0">
                 <a:latin typeface="Raleway" pitchFamily="2" charset="77"/>
               </a:rPr>
-              <a:t> for </a:t>
+              <a:t> web</a:t>
+            </a:r>
+            <a:r>
+              <a:rPr lang="da-DK" dirty="0">
+                <a:latin typeface="Raleway" pitchFamily="2" charset="77"/>
+              </a:rPr>
+              <a:t> </a:t>
             </a:r>
             <a:r>
               <a:rPr dirty="0" err="1">
                 <a:latin typeface="Raleway" pitchFamily="2" charset="77"/>
               </a:rPr>
-              <a:t>bæredygtighed</a:t>
+              <a:t>praksis</a:t>
+            </a:r>
+            <a:r>
+              <a:rPr lang="da-DK" dirty="0">
+                <a:latin typeface="Raleway" pitchFamily="2" charset="77"/>
+              </a:rPr>
+              <a:t> </a:t>
             </a:r>
             <a:endParaRPr dirty="0">
               <a:latin typeface="Raleway" pitchFamily="2" charset="77"/>
@@ -5527,52 +5480,12 @@
           <a:lstStyle/>
           <a:p>
             <a:r>
-              <a:rPr lang="da-DK" dirty="0"/>
-              <a:t> </a:t>
-            </a:r>
-            <a:r>
-              <a:rPr dirty="0"/>
-              <a:t> </a:t>
-            </a:r>
-            <a:r>
-              <a:rPr dirty="0" err="1"/>
-              <a:t>Billeder</a:t>
-            </a:r>
-            <a:r>
-              <a:rPr dirty="0"/>
-              <a:t> er </a:t>
-            </a:r>
-            <a:r>
-              <a:rPr dirty="0" err="1"/>
-              <a:t>en</a:t>
-            </a:r>
-            <a:r>
-              <a:rPr dirty="0"/>
-              <a:t> </a:t>
-            </a:r>
-            <a:r>
-              <a:rPr dirty="0" err="1"/>
-              <a:t>stor</a:t>
-            </a:r>
-            <a:r>
-              <a:rPr dirty="0"/>
-              <a:t> </a:t>
-            </a:r>
-            <a:r>
-              <a:rPr dirty="0" err="1"/>
-              <a:t>kilde</a:t>
-            </a:r>
-            <a:r>
-              <a:rPr dirty="0"/>
-              <a:t> </a:t>
-            </a:r>
-            <a:r>
-              <a:rPr dirty="0" err="1"/>
-              <a:t>til</a:t>
-            </a:r>
-            <a:r>
-              <a:rPr dirty="0"/>
-              <a:t> CO2-udledninger </a:t>
+              <a:rPr dirty="0" err="1"/>
+              <a:t>Fokus</a:t>
+            </a:r>
+            <a:r>
+              <a:rPr dirty="0"/>
+              <a:t> </a:t>
             </a:r>
             <a:r>
               <a:rPr dirty="0" err="1"/>
@@ -5580,56 +5493,172 @@
             </a:r>
             <a:r>
               <a:rPr dirty="0"/>
-              <a:t> websites.</a:t>
-            </a:r>
-          </a:p>
-          <a:p>
-            <a:r>
-              <a:rPr lang="da-DK" dirty="0"/>
-              <a:t>  </a:t>
-            </a:r>
+              <a:t> at </a:t>
+            </a:r>
+            <a:r>
+              <a:rPr dirty="0" err="1"/>
+              <a:t>reducere</a:t>
+            </a:r>
+            <a:r>
+              <a:rPr dirty="0"/>
+              <a:t> </a:t>
+            </a:r>
+            <a:r>
+              <a:rPr dirty="0" err="1"/>
+              <a:t>sidens</a:t>
+            </a:r>
+            <a:r>
+              <a:rPr dirty="0"/>
+              <a:t> </a:t>
+            </a:r>
+            <a:r>
+              <a:rPr dirty="0" err="1"/>
+              <a:t>vægt</a:t>
+            </a:r>
+            <a:r>
+              <a:rPr dirty="0"/>
+              <a:t> </a:t>
+            </a:r>
+            <a:r>
+              <a:rPr dirty="0" err="1"/>
+              <a:t>og</a:t>
+            </a:r>
+            <a:r>
+              <a:rPr dirty="0"/>
+              <a:t> </a:t>
+            </a:r>
+            <a:r>
+              <a:rPr dirty="0" err="1">
+                <a:solidFill>
+                  <a:srgbClr val="FF0000"/>
+                </a:solidFill>
+              </a:rPr>
+              <a:t>ressource</a:t>
+            </a:r>
+            <a:r>
+              <a:rPr lang="da-DK" dirty="0">
+                <a:solidFill>
+                  <a:srgbClr val="FF0000"/>
+                </a:solidFill>
+              </a:rPr>
+              <a:t> </a:t>
+            </a:r>
+            <a:r>
+              <a:rPr dirty="0" err="1"/>
+              <a:t>forbrug</a:t>
+            </a:r>
+            <a:r>
+              <a:rPr dirty="0"/>
+              <a:t>.</a:t>
+            </a:r>
+          </a:p>
+          <a:p>
+            <a:r>
+              <a:rPr dirty="0" err="1"/>
+              <a:t>Optimer</a:t>
+            </a:r>
+            <a:r>
+              <a:rPr dirty="0"/>
+              <a:t> </a:t>
+            </a:r>
+            <a:r>
+              <a:rPr dirty="0" err="1"/>
+              <a:t>billeder</a:t>
+            </a:r>
+            <a:r>
+              <a:rPr dirty="0"/>
+              <a:t>, </a:t>
+            </a:r>
+            <a:r>
+              <a:rPr dirty="0" err="1"/>
+              <a:t>skrifttyper</a:t>
+            </a:r>
+            <a:r>
+              <a:rPr dirty="0"/>
+              <a:t> </a:t>
+            </a:r>
+            <a:r>
+              <a:rPr dirty="0" err="1"/>
+              <a:t>og</a:t>
+            </a:r>
+            <a:r>
+              <a:rPr dirty="0"/>
+              <a:t> </a:t>
+            </a:r>
+            <a:r>
+              <a:rPr dirty="0" err="1"/>
+              <a:t>videoer</a:t>
+            </a:r>
+            <a:r>
+              <a:rPr dirty="0"/>
+              <a:t>.</a:t>
+            </a:r>
+          </a:p>
+          <a:p>
             <a:r>
               <a:rPr dirty="0"/>
               <a:t>Brug </a:t>
             </a:r>
             <a:r>
               <a:rPr dirty="0" err="1"/>
-              <a:t>effektive</a:t>
-            </a:r>
-            <a:r>
-              <a:rPr dirty="0"/>
-              <a:t> </a:t>
-            </a:r>
-            <a:r>
-              <a:rPr dirty="0" err="1"/>
-              <a:t>formater</a:t>
-            </a:r>
-            <a:r>
-              <a:rPr dirty="0"/>
-              <a:t> </a:t>
-            </a:r>
-            <a:r>
-              <a:rPr dirty="0" err="1"/>
-              <a:t>som</a:t>
-            </a:r>
-            <a:r>
-              <a:rPr dirty="0"/>
-              <a:t> AVIF </a:t>
-            </a:r>
-            <a:r>
-              <a:rPr dirty="0" err="1"/>
-              <a:t>eller</a:t>
-            </a:r>
-            <a:r>
-              <a:rPr dirty="0"/>
-              <a:t> WEBP.</a:t>
-            </a:r>
-          </a:p>
-          <a:p>
-            <a:r>
-              <a:rPr lang="da-DK" dirty="0"/>
-              <a:t>  </a:t>
-            </a:r>
+              <a:t>mørkere</a:t>
+            </a:r>
+            <a:r>
+              <a:rPr dirty="0"/>
+              <a:t> </a:t>
+            </a:r>
+            <a:r>
+              <a:rPr dirty="0" err="1"/>
+              <a:t>farver</a:t>
+            </a:r>
+            <a:r>
+              <a:rPr dirty="0"/>
+              <a:t> </a:t>
+            </a:r>
+            <a:r>
+              <a:rPr dirty="0" err="1"/>
+              <a:t>og</a:t>
+            </a:r>
+            <a:r>
+              <a:rPr dirty="0"/>
+              <a:t> </a:t>
+            </a:r>
+            <a:r>
+              <a:rPr dirty="0" err="1"/>
+              <a:t>systemskrifttyper</a:t>
+            </a:r>
+            <a:r>
+              <a:rPr dirty="0"/>
+              <a:t>.</a:t>
+            </a:r>
+          </a:p>
+          <a:p>
+            <a:r>
+              <a:rPr dirty="0" err="1"/>
+              <a:t>Skriv</a:t>
+            </a:r>
+            <a:r>
+              <a:rPr dirty="0"/>
+              <a:t> </a:t>
+            </a:r>
+            <a:r>
+              <a:rPr dirty="0" err="1"/>
+              <a:t>genanvendelig</a:t>
+            </a:r>
+            <a:r>
+              <a:rPr dirty="0"/>
+              <a:t> </a:t>
+            </a:r>
+            <a:r>
+              <a:rPr dirty="0" err="1"/>
+              <a:t>kode</a:t>
+            </a:r>
+            <a:r>
+              <a:rPr dirty="0"/>
+              <a:t>.</a:t>
+            </a:r>
+          </a:p>
+          <a:p>
             <a:r>
               <a:rPr dirty="0" err="1"/>
               <a:t>Komprimer</a:t>
@@ -5640,39 +5669,7 @@
             </a:r>
             <a:r>
               <a:rPr dirty="0" err="1"/>
-              <a:t>billeder</a:t>
-            </a:r>
-            <a:r>
-              <a:rPr dirty="0"/>
-              <a:t> </a:t>
-            </a:r>
-            <a:r>
-              <a:rPr dirty="0" err="1"/>
-              <a:t>uden</a:t>
-            </a:r>
-            <a:r>
-              <a:rPr dirty="0"/>
-              <a:t> at </a:t>
-            </a:r>
-            <a:r>
-              <a:rPr dirty="0" err="1"/>
-              <a:t>miste</a:t>
-            </a:r>
-            <a:r>
-              <a:rPr dirty="0"/>
-              <a:t> for </a:t>
-            </a:r>
-            <a:r>
-              <a:rPr dirty="0" err="1"/>
-              <a:t>meget</a:t>
-            </a:r>
-            <a:r>
-              <a:rPr dirty="0"/>
-              <a:t> </a:t>
-            </a:r>
-            <a:r>
-              <a:rPr dirty="0" err="1"/>
-              <a:t>kvalitet</a:t>
+              <a:t>mediefiler</a:t>
             </a:r>
             <a:r>
               <a:rPr dirty="0"/>
@@ -5681,118 +5678,28 @@
           </a:p>
           <a:p>
             <a:r>
-              <a:rPr lang="da-DK" dirty="0"/>
-              <a:t>  </a:t>
-            </a:r>
-            <a:r>
-              <a:rPr dirty="0" err="1"/>
-              <a:t>Overvej</a:t>
-            </a:r>
-            <a:r>
-              <a:rPr dirty="0"/>
-              <a:t> at </a:t>
-            </a:r>
-            <a:r>
-              <a:rPr dirty="0" err="1"/>
-              <a:t>bruge</a:t>
-            </a:r>
-            <a:r>
-              <a:rPr dirty="0"/>
-              <a:t> </a:t>
-            </a:r>
-            <a:r>
-              <a:rPr dirty="0" err="1"/>
-              <a:t>vektorbilleder</a:t>
-            </a:r>
-            <a:r>
-              <a:rPr dirty="0"/>
-              <a:t> </a:t>
-            </a:r>
-            <a:r>
-              <a:rPr dirty="0" err="1"/>
-              <a:t>til</a:t>
-            </a:r>
-            <a:r>
-              <a:rPr dirty="0"/>
-              <a:t> </a:t>
-            </a:r>
-            <a:r>
-              <a:rPr dirty="0" err="1"/>
-              <a:t>grafik</a:t>
+              <a:rPr dirty="0" err="1"/>
+              <a:t>Prioriter</a:t>
+            </a:r>
+            <a:r>
+              <a:rPr dirty="0"/>
+              <a:t> </a:t>
+            </a:r>
+            <a:r>
+              <a:rPr dirty="0" err="1"/>
+              <a:t>effektiv</a:t>
+            </a:r>
+            <a:r>
+              <a:rPr dirty="0"/>
+              <a:t> </a:t>
+            </a:r>
+            <a:r>
+              <a:rPr dirty="0" err="1"/>
+              <a:t>kodning</a:t>
             </a:r>
             <a:r>
               <a:rPr dirty="0"/>
               <a:t>.</a:t>
-            </a:r>
-          </a:p>
-          <a:p>
-            <a:r>
-              <a:rPr lang="da-DK" dirty="0"/>
-              <a:t>   </a:t>
-            </a:r>
-            <a:r>
-              <a:rPr dirty="0" err="1"/>
-              <a:t>Undgå</a:t>
-            </a:r>
-            <a:r>
-              <a:rPr dirty="0"/>
-              <a:t> at </a:t>
-            </a:r>
-            <a:r>
-              <a:rPr dirty="0" err="1"/>
-              <a:t>bruge</a:t>
-            </a:r>
-            <a:r>
-              <a:rPr dirty="0"/>
-              <a:t> </a:t>
-            </a:r>
-            <a:r>
-              <a:rPr dirty="0" err="1"/>
-              <a:t>større</a:t>
-            </a:r>
-            <a:r>
-              <a:rPr dirty="0"/>
-              <a:t>, </a:t>
-            </a:r>
-            <a:r>
-              <a:rPr dirty="0" err="1"/>
-              <a:t>mindre</a:t>
-            </a:r>
-            <a:r>
-              <a:rPr dirty="0"/>
-              <a:t> </a:t>
-            </a:r>
-            <a:r>
-              <a:rPr dirty="0" err="1"/>
-              <a:t>effektive</a:t>
-            </a:r>
-            <a:r>
-              <a:rPr dirty="0"/>
-              <a:t> </a:t>
-            </a:r>
-            <a:r>
-              <a:rPr dirty="0" err="1"/>
-              <a:t>formater</a:t>
-            </a:r>
-            <a:r>
-              <a:rPr dirty="0"/>
-              <a:t> </a:t>
-            </a:r>
-            <a:r>
-              <a:rPr dirty="0" err="1"/>
-              <a:t>som</a:t>
-            </a:r>
-            <a:r>
-              <a:rPr dirty="0"/>
-              <a:t> JPEG </a:t>
-            </a:r>
-            <a:r>
-              <a:rPr dirty="0" err="1"/>
-              <a:t>og</a:t>
-            </a:r>
-            <a:r>
-              <a:rPr dirty="0"/>
-              <a:t> PNG.</a:t>
             </a:r>
           </a:p>
         </p:txBody>
@@ -5859,7 +5766,19 @@
               <a:rPr dirty="0">
                 <a:latin typeface="Raleway" pitchFamily="2" charset="77"/>
               </a:rPr>
-              <a:t> video for </a:t>
+              <a:t> </a:t>
+            </a:r>
+            <a:r>
+              <a:rPr dirty="0" err="1">
+                <a:latin typeface="Raleway" pitchFamily="2" charset="77"/>
+              </a:rPr>
+              <a:t>billeder</a:t>
+            </a:r>
+            <a:r>
+              <a:rPr dirty="0">
+                <a:latin typeface="Raleway" pitchFamily="2" charset="77"/>
+              </a:rPr>
+              <a:t> for </a:t>
             </a:r>
             <a:r>
               <a:rPr dirty="0" err="1">
@@ -5889,32 +5808,152 @@
           <a:lstStyle/>
           <a:p>
             <a:r>
-              <a:rPr dirty="0" err="1"/>
-              <a:t>Videofilstørrelse</a:t>
-            </a:r>
-            <a:r>
-              <a:rPr dirty="0"/>
-              <a:t> </a:t>
-            </a:r>
-            <a:r>
-              <a:rPr dirty="0" err="1"/>
-              <a:t>bestemmes</a:t>
-            </a:r>
-            <a:r>
-              <a:rPr dirty="0"/>
-              <a:t> mere </a:t>
-            </a:r>
-            <a:r>
-              <a:rPr dirty="0" err="1"/>
-              <a:t>af</a:t>
-            </a:r>
-            <a:r>
-              <a:rPr dirty="0"/>
-              <a:t> codec end </a:t>
-            </a:r>
-            <a:r>
-              <a:rPr dirty="0" err="1"/>
-              <a:t>filtypenavn</a:t>
+              <a:rPr lang="da-DK" dirty="0"/>
+              <a:t> </a:t>
+            </a:r>
+            <a:r>
+              <a:rPr dirty="0"/>
+              <a:t> </a:t>
+            </a:r>
+            <a:r>
+              <a:rPr dirty="0" err="1"/>
+              <a:t>Billeder</a:t>
+            </a:r>
+            <a:r>
+              <a:rPr dirty="0"/>
+              <a:t> er </a:t>
+            </a:r>
+            <a:r>
+              <a:rPr dirty="0" err="1"/>
+              <a:t>en</a:t>
+            </a:r>
+            <a:r>
+              <a:rPr dirty="0"/>
+              <a:t> </a:t>
+            </a:r>
+            <a:r>
+              <a:rPr dirty="0" err="1"/>
+              <a:t>stor</a:t>
+            </a:r>
+            <a:r>
+              <a:rPr dirty="0"/>
+              <a:t> </a:t>
+            </a:r>
+            <a:r>
+              <a:rPr dirty="0" err="1"/>
+              <a:t>kilde</a:t>
+            </a:r>
+            <a:r>
+              <a:rPr dirty="0"/>
+              <a:t> </a:t>
+            </a:r>
+            <a:r>
+              <a:rPr dirty="0" err="1"/>
+              <a:t>til</a:t>
+            </a:r>
+            <a:r>
+              <a:rPr dirty="0"/>
+              <a:t> CO2-udledninger </a:t>
+            </a:r>
+            <a:r>
+              <a:rPr dirty="0" err="1"/>
+              <a:t>på</a:t>
+            </a:r>
+            <a:r>
+              <a:rPr dirty="0"/>
+              <a:t> websites.</a:t>
+            </a:r>
+          </a:p>
+          <a:p>
+            <a:r>
+              <a:rPr lang="da-DK" dirty="0"/>
+              <a:t>  </a:t>
+            </a:r>
+            <a:r>
+              <a:rPr dirty="0"/>
+              <a:t>Brug </a:t>
+            </a:r>
+            <a:r>
+              <a:rPr dirty="0" err="1"/>
+              <a:t>effektive</a:t>
+            </a:r>
+            <a:r>
+              <a:rPr dirty="0"/>
+              <a:t> </a:t>
+            </a:r>
+            <a:r>
+              <a:rPr dirty="0" err="1"/>
+              <a:t>formater</a:t>
+            </a:r>
+            <a:r>
+              <a:rPr dirty="0"/>
+              <a:t> </a:t>
+            </a:r>
+            <a:r>
+              <a:rPr dirty="0" err="1"/>
+              <a:t>som</a:t>
+            </a:r>
+            <a:r>
+              <a:rPr dirty="0"/>
+              <a:t> AVIF </a:t>
+            </a:r>
+            <a:r>
+              <a:rPr dirty="0" err="1"/>
+              <a:t>eller</a:t>
+            </a:r>
+            <a:r>
+              <a:rPr dirty="0"/>
+              <a:t> WEBP.</a:t>
+            </a:r>
+          </a:p>
+          <a:p>
+            <a:r>
+              <a:rPr lang="da-DK" dirty="0"/>
+              <a:t>  </a:t>
+            </a:r>
+            <a:r>
+              <a:rPr dirty="0" err="1"/>
+              <a:t>Komprimer</a:t>
+            </a:r>
+            <a:r>
+              <a:rPr dirty="0"/>
+              <a:t> </a:t>
+            </a:r>
+            <a:r>
+              <a:rPr dirty="0" err="1"/>
+              <a:t>billeder</a:t>
+            </a:r>
+            <a:r>
+              <a:rPr dirty="0"/>
+              <a:t> </a:t>
+            </a:r>
+            <a:r>
+              <a:rPr dirty="0" err="1"/>
+              <a:t>uden</a:t>
+            </a:r>
+            <a:r>
+              <a:rPr dirty="0"/>
+              <a:t> at </a:t>
+            </a:r>
+            <a:r>
+              <a:rPr dirty="0" err="1"/>
+              <a:t>miste</a:t>
+            </a:r>
+            <a:r>
+              <a:rPr dirty="0"/>
+              <a:t> for </a:t>
+            </a:r>
+            <a:r>
+              <a:rPr dirty="0" err="1"/>
+              <a:t>meget</a:t>
+            </a:r>
+            <a:r>
+              <a:rPr dirty="0"/>
+              <a:t> </a:t>
+            </a:r>
+            <a:r>
+              <a:rPr dirty="0" err="1"/>
+              <a:t>kvalitet</a:t>
             </a:r>
             <a:r>
               <a:rPr dirty="0"/>
@@ -5923,8 +5962,86 @@
           </a:p>
           <a:p>
             <a:r>
-              <a:rPr dirty="0"/>
-              <a:t>Brug </a:t>
+              <a:rPr lang="da-DK" dirty="0"/>
+              <a:t>  </a:t>
+            </a:r>
+            <a:r>
+              <a:rPr dirty="0" err="1"/>
+              <a:t>Overvej</a:t>
+            </a:r>
+            <a:r>
+              <a:rPr dirty="0"/>
+              <a:t> at </a:t>
+            </a:r>
+            <a:r>
+              <a:rPr dirty="0" err="1"/>
+              <a:t>bruge</a:t>
+            </a:r>
+            <a:r>
+              <a:rPr dirty="0"/>
+              <a:t> </a:t>
+            </a:r>
+            <a:r>
+              <a:rPr dirty="0" err="1"/>
+              <a:t>vektorbilleder</a:t>
+            </a:r>
+            <a:r>
+              <a:rPr dirty="0"/>
+              <a:t> </a:t>
+            </a:r>
+            <a:r>
+              <a:rPr dirty="0" err="1"/>
+              <a:t>til</a:t>
+            </a:r>
+            <a:r>
+              <a:rPr dirty="0"/>
+              <a:t> </a:t>
+            </a:r>
+            <a:r>
+              <a:rPr dirty="0" err="1"/>
+              <a:t>grafik</a:t>
+            </a:r>
+            <a:r>
+              <a:rPr dirty="0"/>
+              <a:t>.</a:t>
+            </a:r>
+          </a:p>
+          <a:p>
+            <a:r>
+              <a:rPr lang="da-DK" dirty="0"/>
+              <a:t>   </a:t>
+            </a:r>
+            <a:r>
+              <a:rPr dirty="0" err="1"/>
+              <a:t>Undgå</a:t>
+            </a:r>
+            <a:r>
+              <a:rPr dirty="0"/>
+              <a:t> at </a:t>
+            </a:r>
+            <a:r>
+              <a:rPr dirty="0" err="1"/>
+              <a:t>bruge</a:t>
+            </a:r>
+            <a:r>
+              <a:rPr dirty="0"/>
+              <a:t> </a:t>
+            </a:r>
+            <a:r>
+              <a:rPr dirty="0" err="1"/>
+              <a:t>større</a:t>
+            </a:r>
+            <a:r>
+              <a:rPr dirty="0"/>
+              <a:t>, </a:t>
+            </a:r>
+            <a:r>
+              <a:rPr dirty="0" err="1"/>
+              <a:t>mindre</a:t>
+            </a:r>
+            <a:r>
+              <a:rPr dirty="0"/>
+              <a:t> </a:t>
             </a:r>
             <a:r>
               <a:rPr dirty="0" err="1"/>
@@ -5936,7 +6053,7 @@
             </a:r>
             <a:r>
               <a:rPr dirty="0" err="1"/>
-              <a:t>videocodecs</a:t>
+              <a:t>formater</a:t>
             </a:r>
             <a:r>
               <a:rPr dirty="0"/>
@@ -5948,92 +6065,16 @@
             </a:r>
             <a:r>
               <a:rPr dirty="0"/>
-              <a:t> AV1 for </a:t>
-            </a:r>
-            <a:r>
-              <a:rPr dirty="0" err="1"/>
-              <a:t>bedre</a:t>
-            </a:r>
-            <a:r>
-              <a:rPr dirty="0"/>
-              <a:t> </a:t>
-            </a:r>
-            <a:r>
-              <a:rPr dirty="0" err="1"/>
-              <a:t>komprimering</a:t>
-            </a:r>
-            <a:r>
-              <a:rPr dirty="0"/>
-              <a:t>.</a:t>
-            </a:r>
-          </a:p>
-          <a:p>
-            <a:pPr marL="0" indent="0">
-              <a:buNone/>
-            </a:pPr>
-            <a:endParaRPr dirty="0"/>
-          </a:p>
-          <a:p>
-            <a:r>
-              <a:rPr dirty="0"/>
-              <a:t>Brug MP4</a:t>
-            </a:r>
-            <a:r>
-              <a:rPr lang="da-DK" dirty="0"/>
-              <a:t> </a:t>
-            </a:r>
-            <a:r>
-              <a:rPr dirty="0"/>
-              <a:t> </a:t>
-            </a:r>
-            <a:r>
-              <a:rPr dirty="0" err="1"/>
-              <a:t>som</a:t>
-            </a:r>
-            <a:r>
-              <a:rPr dirty="0"/>
-              <a:t> et </a:t>
-            </a:r>
-            <a:r>
-              <a:rPr dirty="0" err="1"/>
-              <a:t>grundlæggende</a:t>
-            </a:r>
-            <a:r>
-              <a:rPr dirty="0"/>
-              <a:t> format for </a:t>
-            </a:r>
-            <a:r>
-              <a:rPr dirty="0" err="1"/>
-              <a:t>kompatibilitet</a:t>
-            </a:r>
-            <a:r>
-              <a:rPr dirty="0"/>
-              <a:t>.</a:t>
-            </a:r>
-            <a:endParaRPr lang="da-DK" dirty="0"/>
-          </a:p>
-          <a:p>
-            <a:pPr marL="0" indent="0">
-              <a:buNone/>
-            </a:pPr>
-            <a:r>
-              <a:rPr lang="en-DK" dirty="0"/>
-              <a:t>(</a:t>
-            </a:r>
-            <a:r>
-              <a:rPr lang="en-GB" b="1" dirty="0"/>
-              <a:t>Video Codecs Inside MP4:</a:t>
-            </a:r>
-            <a:r>
-              <a:rPr lang="en-GB" dirty="0"/>
-              <a:t> MP4 files can contain different video codecs, such as H.264, HEVC (H.265))</a:t>
-            </a:r>
-          </a:p>
-          <a:p>
-            <a:pPr marL="0" indent="0">
-              <a:buNone/>
-            </a:pPr>
-            <a:endParaRPr dirty="0"/>
+              <a:t> JPEG </a:t>
+            </a:r>
+            <a:r>
+              <a:rPr dirty="0" err="1"/>
+              <a:t>og</a:t>
+            </a:r>
+            <a:r>
+              <a:rPr dirty="0"/>
+              <a:t> PNG.</a:t>
+            </a:r>
           </a:p>
         </p:txBody>
       </p:sp>
@@ -6074,9 +6115,7 @@
         </p:nvSpPr>
         <p:spPr/>
         <p:txBody>
-          <a:bodyPr>
-            <a:normAutofit fontScale="90000"/>
-          </a:bodyPr>
+          <a:bodyPr/>
           <a:lstStyle/>
           <a:p>
             <a:r>
@@ -6101,19 +6140,7 @@
               <a:rPr dirty="0">
                 <a:latin typeface="Raleway" pitchFamily="2" charset="77"/>
               </a:rPr>
-              <a:t> </a:t>
-            </a:r>
-            <a:r>
-              <a:rPr dirty="0" err="1">
-                <a:latin typeface="Raleway" pitchFamily="2" charset="77"/>
-              </a:rPr>
-              <a:t>skrifttyper</a:t>
-            </a:r>
-            <a:r>
-              <a:rPr dirty="0">
-                <a:latin typeface="Raleway" pitchFamily="2" charset="77"/>
-              </a:rPr>
-              <a:t> for </a:t>
+              <a:t> video for </a:t>
             </a:r>
             <a:r>
               <a:rPr dirty="0" err="1">
@@ -6143,68 +6170,32 @@
           <a:lstStyle/>
           <a:p>
             <a:r>
-              <a:rPr dirty="0"/>
-              <a:t> </a:t>
-            </a:r>
-            <a:r>
-              <a:rPr dirty="0" err="1"/>
-              <a:t>Eksterne</a:t>
-            </a:r>
-            <a:r>
-              <a:rPr dirty="0"/>
-              <a:t> </a:t>
-            </a:r>
-            <a:r>
-              <a:rPr dirty="0" err="1"/>
-              <a:t>skrifttyper</a:t>
-            </a:r>
-            <a:r>
-              <a:rPr dirty="0"/>
-              <a:t> </a:t>
-            </a:r>
-            <a:r>
-              <a:rPr dirty="0" err="1"/>
-              <a:t>kan</a:t>
-            </a:r>
-            <a:r>
-              <a:rPr dirty="0"/>
-              <a:t> </a:t>
-            </a:r>
-            <a:r>
-              <a:rPr dirty="0" err="1"/>
-              <a:t>øge</a:t>
-            </a:r>
-            <a:r>
-              <a:rPr dirty="0"/>
-              <a:t> </a:t>
-            </a:r>
-            <a:r>
-              <a:rPr dirty="0" err="1"/>
-              <a:t>sidens</a:t>
-            </a:r>
-            <a:r>
-              <a:rPr dirty="0"/>
-              <a:t> </a:t>
-            </a:r>
-            <a:r>
-              <a:rPr dirty="0" err="1"/>
-              <a:t>vægt</a:t>
-            </a:r>
-            <a:r>
-              <a:rPr dirty="0"/>
-              <a:t> </a:t>
-            </a:r>
-            <a:r>
-              <a:rPr dirty="0" err="1"/>
-              <a:t>og</a:t>
-            </a:r>
-            <a:r>
-              <a:rPr dirty="0"/>
-              <a:t> </a:t>
-            </a:r>
-            <a:r>
-              <a:rPr dirty="0" err="1"/>
-              <a:t>energiforbrug</a:t>
+              <a:rPr dirty="0" err="1"/>
+              <a:t>Videofilstørrelse</a:t>
+            </a:r>
+            <a:r>
+              <a:rPr dirty="0"/>
+              <a:t> </a:t>
+            </a:r>
+            <a:r>
+              <a:rPr dirty="0" err="1"/>
+              <a:t>bestemmes</a:t>
+            </a:r>
+            <a:r>
+              <a:rPr dirty="0"/>
+              <a:t> mere </a:t>
+            </a:r>
+            <a:r>
+              <a:rPr dirty="0" err="1"/>
+              <a:t>af</a:t>
+            </a:r>
+            <a:r>
+              <a:rPr dirty="0"/>
+              <a:t> codec end </a:t>
+            </a:r>
+            <a:r>
+              <a:rPr dirty="0" err="1"/>
+              <a:t>filtypenavn</a:t>
             </a:r>
             <a:r>
               <a:rPr dirty="0"/>
@@ -6214,27 +6205,43 @@
           <a:p>
             <a:r>
               <a:rPr dirty="0"/>
-              <a:t> Brug </a:t>
-            </a:r>
-            <a:r>
-              <a:rPr dirty="0" err="1"/>
-              <a:t>systemskrifttyper</a:t>
-            </a:r>
-            <a:r>
-              <a:rPr dirty="0"/>
-              <a:t>, </a:t>
-            </a:r>
-            <a:r>
-              <a:rPr dirty="0" err="1"/>
-              <a:t>hvor</a:t>
-            </a:r>
-            <a:r>
-              <a:rPr dirty="0"/>
-              <a:t> det er </a:t>
-            </a:r>
-            <a:r>
-              <a:rPr dirty="0" err="1"/>
-              <a:t>muligt</a:t>
+              <a:t>Brug </a:t>
+            </a:r>
+            <a:r>
+              <a:rPr dirty="0" err="1"/>
+              <a:t>effektive</a:t>
+            </a:r>
+            <a:r>
+              <a:rPr dirty="0"/>
+              <a:t> </a:t>
+            </a:r>
+            <a:r>
+              <a:rPr dirty="0" err="1"/>
+              <a:t>videocodecs</a:t>
+            </a:r>
+            <a:r>
+              <a:rPr dirty="0"/>
+              <a:t> </a:t>
+            </a:r>
+            <a:r>
+              <a:rPr dirty="0" err="1"/>
+              <a:t>som</a:t>
+            </a:r>
+            <a:r>
+              <a:rPr dirty="0"/>
+              <a:t> AV1 for </a:t>
+            </a:r>
+            <a:r>
+              <a:rPr dirty="0" err="1"/>
+              <a:t>bedre</a:t>
+            </a:r>
+            <a:r>
+              <a:rPr dirty="0"/>
+              <a:t> </a:t>
+            </a:r>
+            <a:r>
+              <a:rPr dirty="0" err="1"/>
+              <a:t>komprimering</a:t>
             </a:r>
             <a:r>
               <a:rPr dirty="0"/>
@@ -6242,42 +6249,72 @@
             </a:r>
           </a:p>
           <a:p>
+            <a:pPr marL="0" indent="0">
+              <a:buNone/>
+            </a:pPr>
+            <a:endParaRPr dirty="0"/>
+          </a:p>
+          <a:p>
+            <a:r>
+              <a:rPr dirty="0"/>
+              <a:t>Brug MP4</a:t>
+            </a:r>
             <a:r>
               <a:rPr lang="da-DK" dirty="0"/>
               <a:t> </a:t>
             </a:r>
             <a:r>
-              <a:rPr dirty="0" err="1"/>
-              <a:t>Delmængde</a:t>
-            </a:r>
-            <a:r>
-              <a:rPr dirty="0"/>
-              <a:t> </a:t>
-            </a:r>
-            <a:r>
-              <a:rPr dirty="0" err="1"/>
-              <a:t>skrifttyper</a:t>
-            </a:r>
-            <a:r>
-              <a:rPr dirty="0"/>
-              <a:t> for at </a:t>
-            </a:r>
-            <a:r>
-              <a:rPr dirty="0" err="1"/>
-              <a:t>reducere</a:t>
-            </a:r>
-            <a:r>
-              <a:rPr dirty="0"/>
-              <a:t> </a:t>
-            </a:r>
-            <a:r>
-              <a:rPr dirty="0" err="1"/>
-              <a:t>filstørrelsen</a:t>
+              <a:rPr dirty="0"/>
+              <a:t> </a:t>
+            </a:r>
+            <a:r>
+              <a:rPr dirty="0" err="1"/>
+              <a:t>som</a:t>
+            </a:r>
+            <a:r>
+              <a:rPr dirty="0"/>
+              <a:t> et </a:t>
+            </a:r>
+            <a:r>
+              <a:rPr dirty="0" err="1"/>
+              <a:t>grundlæggende</a:t>
+            </a:r>
+            <a:r>
+              <a:rPr dirty="0"/>
+              <a:t> format for </a:t>
+            </a:r>
+            <a:r>
+              <a:rPr dirty="0" err="1"/>
+              <a:t>kompatibilitet</a:t>
             </a:r>
             <a:r>
               <a:rPr dirty="0"/>
               <a:t>.</a:t>
             </a:r>
+            <a:endParaRPr lang="da-DK" dirty="0"/>
+          </a:p>
+          <a:p>
+            <a:pPr marL="0" indent="0">
+              <a:buNone/>
+            </a:pPr>
+            <a:r>
+              <a:rPr lang="en-DK" dirty="0"/>
+              <a:t>(</a:t>
+            </a:r>
+            <a:r>
+              <a:rPr lang="en-GB" b="1" dirty="0"/>
+              <a:t>Video Codecs Inside MP4:</a:t>
+            </a:r>
+            <a:r>
+              <a:rPr lang="en-GB" dirty="0"/>
+              <a:t> MP4 files can contain different video codecs, such as H.264, HEVC (H.265))</a:t>
+            </a:r>
+          </a:p>
+          <a:p>
+            <a:pPr marL="0" indent="0">
+              <a:buNone/>
+            </a:pPr>
+            <a:endParaRPr dirty="0"/>
           </a:p>
         </p:txBody>
       </p:sp>
@@ -6318,14 +6355,16 @@
         </p:nvSpPr>
         <p:spPr/>
         <p:txBody>
-          <a:bodyPr/>
+          <a:bodyPr>
+            <a:normAutofit fontScale="90000"/>
+          </a:bodyPr>
           <a:lstStyle/>
           <a:p>
             <a:r>
               <a:rPr dirty="0" err="1">
                 <a:latin typeface="Raleway" pitchFamily="2" charset="77"/>
               </a:rPr>
-              <a:t>Fordelene</a:t>
+              <a:t>Optimering</a:t>
             </a:r>
             <a:r>
               <a:rPr dirty="0">
@@ -6337,7 +6376,7 @@
               <a:rPr dirty="0" err="1">
                 <a:latin typeface="Raleway" pitchFamily="2" charset="77"/>
               </a:rPr>
-              <a:t>ved</a:t>
+              <a:t>af</a:t>
             </a:r>
             <a:r>
               <a:rPr dirty="0">
@@ -6349,19 +6388,19 @@
               <a:rPr dirty="0" err="1">
                 <a:latin typeface="Raleway" pitchFamily="2" charset="77"/>
               </a:rPr>
-              <a:t>mørk</a:t>
+              <a:t>skrifttyper</a:t>
             </a:r>
             <a:r>
               <a:rPr dirty="0">
                 <a:latin typeface="Raleway" pitchFamily="2" charset="77"/>
               </a:rPr>
-              <a:t> </a:t>
+              <a:t> for </a:t>
             </a:r>
             <a:r>
               <a:rPr dirty="0" err="1">
                 <a:latin typeface="Raleway" pitchFamily="2" charset="77"/>
               </a:rPr>
-              <a:t>tilstand</a:t>
+              <a:t>bæredygtighed</a:t>
             </a:r>
             <a:endParaRPr dirty="0">
               <a:latin typeface="Raleway" pitchFamily="2" charset="77"/>
@@ -6385,161 +6424,136 @@
           <a:lstStyle/>
           <a:p>
             <a:r>
-              <a:rPr dirty="0" err="1"/>
-              <a:t>Mørk</a:t>
-            </a:r>
-            <a:r>
-              <a:rPr dirty="0"/>
-              <a:t> </a:t>
-            </a:r>
-            <a:r>
-              <a:rPr dirty="0" err="1"/>
-              <a:t>tilstand</a:t>
-            </a:r>
-            <a:r>
-              <a:rPr dirty="0"/>
-              <a:t> </a:t>
-            </a:r>
-            <a:r>
-              <a:rPr dirty="0" err="1"/>
-              <a:t>reducerer</a:t>
-            </a:r>
-            <a:r>
-              <a:rPr dirty="0"/>
-              <a:t> </a:t>
-            </a:r>
-            <a:r>
-              <a:rPr dirty="0" err="1"/>
-              <a:t>energiforbruget</a:t>
-            </a:r>
-            <a:r>
-              <a:rPr dirty="0"/>
-              <a:t> </a:t>
-            </a:r>
-            <a:endParaRPr lang="da-DK" dirty="0"/>
-          </a:p>
-          <a:p>
-            <a:r>
-              <a:rPr dirty="0"/>
-              <a:t>Sort er den </a:t>
-            </a:r>
-            <a:r>
-              <a:rPr dirty="0" err="1"/>
-              <a:t>mest</a:t>
-            </a:r>
-            <a:r>
-              <a:rPr dirty="0"/>
-              <a:t> </a:t>
-            </a:r>
-            <a:r>
-              <a:rPr dirty="0" err="1"/>
-              <a:t>energieffektive</a:t>
-            </a:r>
-            <a:r>
-              <a:rPr dirty="0"/>
-              <a:t> </a:t>
-            </a:r>
-            <a:r>
-              <a:rPr dirty="0" err="1"/>
-              <a:t>farve</a:t>
-            </a:r>
-            <a:r>
-              <a:rPr dirty="0"/>
-              <a:t> </a:t>
-            </a:r>
-            <a:r>
-              <a:rPr dirty="0" err="1"/>
-              <a:t>på</a:t>
-            </a:r>
-            <a:r>
-              <a:rPr dirty="0"/>
-              <a:t> </a:t>
-            </a:r>
+              <a:rPr dirty="0"/>
+              <a:t> </a:t>
+            </a:r>
+            <a:r>
+              <a:rPr dirty="0" err="1"/>
+              <a:t>Eksterne</a:t>
+            </a:r>
+            <a:r>
+              <a:rPr dirty="0"/>
+              <a:t> </a:t>
+            </a:r>
+            <a:r>
+              <a:rPr dirty="0" err="1"/>
+              <a:t>skrifttyper</a:t>
+            </a:r>
+            <a:r>
+              <a:rPr dirty="0"/>
+              <a:t> </a:t>
+            </a:r>
+            <a:r>
+              <a:rPr dirty="0" err="1"/>
+              <a:t>kan</a:t>
+            </a:r>
+            <a:r>
+              <a:rPr dirty="0"/>
+              <a:t> </a:t>
+            </a:r>
+            <a:r>
+              <a:rPr dirty="0" err="1"/>
+              <a:t>øge</a:t>
+            </a:r>
+            <a:r>
+              <a:rPr dirty="0"/>
+              <a:t> </a:t>
+            </a:r>
+            <a:r>
+              <a:rPr dirty="0" err="1"/>
+              <a:t>sidens</a:t>
+            </a:r>
+            <a:r>
+              <a:rPr dirty="0"/>
+              <a:t> </a:t>
+            </a:r>
+            <a:r>
+              <a:rPr dirty="0" err="1"/>
+              <a:t>vægt</a:t>
+            </a:r>
+            <a:r>
+              <a:rPr dirty="0"/>
+              <a:t> </a:t>
+            </a:r>
+            <a:r>
+              <a:rPr dirty="0" err="1"/>
+              <a:t>og</a:t>
+            </a:r>
+            <a:r>
+              <a:rPr dirty="0"/>
+              <a:t> </a:t>
+            </a:r>
+            <a:r>
+              <a:rPr dirty="0" err="1"/>
+              <a:t>energiforbrug</a:t>
+            </a:r>
+            <a:r>
+              <a:rPr dirty="0"/>
+              <a:t>.</a:t>
+            </a:r>
+          </a:p>
+          <a:p>
+            <a:r>
+              <a:rPr dirty="0"/>
+              <a:t> Brug </a:t>
+            </a:r>
+            <a:r>
+              <a:rPr dirty="0" err="1"/>
+              <a:t>systemskrifttyper</a:t>
+            </a:r>
+            <a:r>
+              <a:rPr dirty="0"/>
+              <a:t>, </a:t>
+            </a:r>
+            <a:r>
+              <a:rPr dirty="0" err="1"/>
+              <a:t>hvor</a:t>
+            </a:r>
+            <a:r>
+              <a:rPr dirty="0"/>
+              <a:t> det er </a:t>
+            </a:r>
+            <a:r>
+              <a:rPr dirty="0" err="1"/>
+              <a:t>muligt</a:t>
+            </a:r>
+            <a:r>
+              <a:rPr dirty="0"/>
+              <a:t>.</a:t>
+            </a:r>
+          </a:p>
+          <a:p>
             <a:r>
               <a:rPr lang="da-DK" dirty="0"/>
-              <a:t>digital </a:t>
-            </a:r>
-            <a:r>
-              <a:rPr dirty="0" err="1"/>
-              <a:t>skærme</a:t>
-            </a:r>
-            <a:r>
-              <a:rPr dirty="0"/>
-              <a:t>.</a:t>
-            </a:r>
-          </a:p>
-          <a:p>
-            <a:r>
-              <a:rPr dirty="0" err="1"/>
-              <a:t>Mørk</a:t>
-            </a:r>
-            <a:r>
-              <a:rPr dirty="0"/>
-              <a:t> </a:t>
-            </a:r>
-            <a:r>
-              <a:rPr dirty="0" err="1"/>
-              <a:t>tilstand</a:t>
-            </a:r>
-            <a:r>
-              <a:rPr dirty="0"/>
-              <a:t> </a:t>
-            </a:r>
-            <a:r>
-              <a:rPr dirty="0" err="1"/>
-              <a:t>kan</a:t>
-            </a:r>
-            <a:r>
-              <a:rPr dirty="0"/>
-              <a:t> </a:t>
-            </a:r>
-            <a:r>
-              <a:rPr dirty="0" err="1"/>
-              <a:t>nemt</a:t>
-            </a:r>
-            <a:r>
-              <a:rPr dirty="0"/>
-              <a:t> </a:t>
-            </a:r>
-            <a:r>
-              <a:rPr dirty="0" err="1"/>
-              <a:t>implementeres</a:t>
-            </a:r>
-            <a:r>
-              <a:rPr dirty="0"/>
-              <a:t> med </a:t>
-            </a:r>
-            <a:r>
-              <a:rPr dirty="0" err="1"/>
-              <a:t>få</a:t>
-            </a:r>
-            <a:r>
-              <a:rPr dirty="0"/>
-              <a:t> </a:t>
-            </a:r>
-            <a:r>
-              <a:rPr dirty="0" err="1"/>
-              <a:t>linjer</a:t>
-            </a:r>
-            <a:r>
-              <a:rPr dirty="0"/>
-              <a:t> </a:t>
-            </a:r>
-            <a:r>
-              <a:rPr dirty="0" err="1"/>
-              <a:t>kode</a:t>
-            </a:r>
-            <a:r>
-              <a:rPr lang="da-DK" dirty="0"/>
-              <a:t>(</a:t>
-            </a:r>
-            <a:r>
-              <a:rPr lang="da-DK" dirty="0" err="1"/>
-              <a:t>javascript</a:t>
-            </a:r>
-            <a:r>
-              <a:rPr lang="da-DK" dirty="0"/>
-              <a:t> eller CSS)</a:t>
+              <a:t> </a:t>
+            </a:r>
+            <a:r>
+              <a:rPr dirty="0" err="1"/>
+              <a:t>Delmængde</a:t>
+            </a:r>
+            <a:r>
+              <a:rPr dirty="0"/>
+              <a:t> </a:t>
+            </a:r>
+            <a:r>
+              <a:rPr dirty="0" err="1"/>
+              <a:t>skrifttyper</a:t>
+            </a:r>
+            <a:r>
+              <a:rPr dirty="0"/>
+              <a:t> for at </a:t>
+            </a:r>
+            <a:r>
+              <a:rPr dirty="0" err="1"/>
+              <a:t>reducere</a:t>
+            </a:r>
+            <a:r>
+              <a:rPr dirty="0"/>
+              <a:t> </a:t>
+            </a:r>
+            <a:r>
+              <a:rPr dirty="0" err="1"/>
+              <a:t>filstørrelsen</a:t>
             </a:r>
             <a:r>
               <a:rPr dirty="0"/>
@@ -6592,7 +6606,7 @@
               <a:rPr dirty="0" err="1">
                 <a:latin typeface="Raleway" pitchFamily="2" charset="77"/>
               </a:rPr>
-              <a:t>Effektive</a:t>
+              <a:t>Fordelene</a:t>
             </a:r>
             <a:r>
               <a:rPr dirty="0">
@@ -6604,7 +6618,31 @@
               <a:rPr dirty="0" err="1">
                 <a:latin typeface="Raleway" pitchFamily="2" charset="77"/>
               </a:rPr>
-              <a:t>kodningspraksisser</a:t>
+              <a:t>ved</a:t>
+            </a:r>
+            <a:r>
+              <a:rPr dirty="0">
+                <a:latin typeface="Raleway" pitchFamily="2" charset="77"/>
+              </a:rPr>
+              <a:t> </a:t>
+            </a:r>
+            <a:r>
+              <a:rPr dirty="0" err="1">
+                <a:latin typeface="Raleway" pitchFamily="2" charset="77"/>
+              </a:rPr>
+              <a:t>mørk</a:t>
+            </a:r>
+            <a:r>
+              <a:rPr dirty="0">
+                <a:latin typeface="Raleway" pitchFamily="2" charset="77"/>
+              </a:rPr>
+              <a:t> </a:t>
+            </a:r>
+            <a:r>
+              <a:rPr dirty="0" err="1">
+                <a:latin typeface="Raleway" pitchFamily="2" charset="77"/>
+              </a:rPr>
+              <a:t>tilstand</a:t>
             </a:r>
             <a:endParaRPr dirty="0">
               <a:latin typeface="Raleway" pitchFamily="2" charset="77"/>
@@ -6628,176 +6666,165 @@
           <a:lstStyle/>
           <a:p>
             <a:r>
-              <a:rPr dirty="0"/>
-              <a:t> </a:t>
-            </a:r>
-            <a:r>
-              <a:rPr dirty="0" err="1"/>
-              <a:t>Skriv</a:t>
-            </a:r>
-            <a:r>
-              <a:rPr dirty="0"/>
-              <a:t> </a:t>
-            </a:r>
-            <a:r>
-              <a:rPr dirty="0" err="1"/>
-              <a:t>genanvendelig</a:t>
-            </a:r>
-            <a:r>
-              <a:rPr dirty="0"/>
-              <a:t> </a:t>
-            </a:r>
-            <a:r>
-              <a:rPr dirty="0" err="1"/>
-              <a:t>og</a:t>
-            </a:r>
-            <a:r>
-              <a:rPr dirty="0"/>
-              <a:t> </a:t>
-            </a:r>
-            <a:r>
-              <a:rPr dirty="0" err="1">
-                <a:solidFill>
-                  <a:srgbClr val="FF0000"/>
-                </a:solidFill>
-              </a:rPr>
-              <a:t>modulær</a:t>
-            </a:r>
-            <a:r>
-              <a:rPr dirty="0">
-                <a:solidFill>
-                  <a:srgbClr val="FF0000"/>
-                </a:solidFill>
-              </a:rPr>
-              <a:t> </a:t>
-            </a:r>
-            <a:r>
-              <a:rPr dirty="0" err="1">
-                <a:solidFill>
-                  <a:srgbClr val="FF0000"/>
-                </a:solidFill>
-              </a:rPr>
+              <a:rPr dirty="0" err="1"/>
+              <a:t>Mørk</a:t>
+            </a:r>
+            <a:r>
+              <a:rPr dirty="0"/>
+              <a:t> </a:t>
+            </a:r>
+            <a:r>
+              <a:rPr dirty="0" err="1"/>
+              <a:t>tilstand</a:t>
+            </a:r>
+            <a:r>
+              <a:rPr dirty="0"/>
+              <a:t> </a:t>
+            </a:r>
+            <a:r>
+              <a:rPr dirty="0" err="1"/>
+              <a:t>reducerer</a:t>
+            </a:r>
+            <a:r>
+              <a:rPr dirty="0"/>
+              <a:t> </a:t>
+            </a:r>
+            <a:r>
+              <a:rPr dirty="0" err="1"/>
+              <a:t>energiforbruget</a:t>
+            </a:r>
+            <a:r>
+              <a:rPr dirty="0"/>
+              <a:t> </a:t>
+            </a:r>
+            <a:endParaRPr lang="da-DK" dirty="0"/>
+          </a:p>
+          <a:p>
+            <a:r>
+              <a:rPr dirty="0"/>
+              <a:t>Sort er den </a:t>
+            </a:r>
+            <a:r>
+              <a:rPr dirty="0" err="1"/>
+              <a:t>mest</a:t>
+            </a:r>
+            <a:r>
+              <a:rPr dirty="0"/>
+              <a:t> </a:t>
+            </a:r>
+            <a:r>
+              <a:rPr dirty="0" err="1"/>
+              <a:t>energieffektive</a:t>
+            </a:r>
+            <a:r>
+              <a:rPr dirty="0"/>
+              <a:t> </a:t>
+            </a:r>
+            <a:r>
+              <a:rPr dirty="0" err="1"/>
+              <a:t>farve</a:t>
+            </a:r>
+            <a:r>
+              <a:rPr dirty="0"/>
+              <a:t> </a:t>
+            </a:r>
+            <a:r>
+              <a:rPr dirty="0" err="1"/>
+              <a:t>på</a:t>
+            </a:r>
+            <a:r>
+              <a:rPr dirty="0"/>
+              <a:t> </a:t>
+            </a:r>
+            <a:r>
+              <a:rPr lang="da-DK" dirty="0"/>
+              <a:t>digital </a:t>
+            </a:r>
+            <a:r>
+              <a:rPr dirty="0" err="1"/>
+              <a:t>skærme</a:t>
+            </a:r>
+            <a:r>
+              <a:rPr dirty="0"/>
+              <a:t>.</a:t>
+            </a:r>
+          </a:p>
+          <a:p>
+            <a:r>
+              <a:rPr dirty="0" err="1"/>
+              <a:t>Mørk</a:t>
+            </a:r>
+            <a:r>
+              <a:rPr dirty="0"/>
+              <a:t> </a:t>
+            </a:r>
+            <a:r>
+              <a:rPr dirty="0" err="1"/>
+              <a:t>tilstand</a:t>
+            </a:r>
+            <a:r>
+              <a:rPr dirty="0"/>
+              <a:t> </a:t>
+            </a:r>
+            <a:r>
+              <a:rPr dirty="0" err="1"/>
+              <a:t>kan</a:t>
+            </a:r>
+            <a:r>
+              <a:rPr dirty="0"/>
+              <a:t> </a:t>
+            </a:r>
+            <a:r>
+              <a:rPr dirty="0" err="1"/>
+              <a:t>nemt</a:t>
+            </a:r>
+            <a:r>
+              <a:rPr dirty="0"/>
+              <a:t> </a:t>
+            </a:r>
+            <a:r>
+              <a:rPr dirty="0" err="1"/>
+              <a:t>implementeres</a:t>
+            </a:r>
+            <a:r>
+              <a:rPr dirty="0"/>
+              <a:t> med </a:t>
+            </a:r>
+            <a:r>
+              <a:rPr dirty="0" err="1"/>
+              <a:t>få</a:t>
+            </a:r>
+            <a:r>
+              <a:rPr dirty="0"/>
+              <a:t> </a:t>
+            </a:r>
+            <a:r>
+              <a:rPr dirty="0" err="1"/>
+              <a:t>linjer</a:t>
+            </a:r>
+            <a:r>
+              <a:rPr dirty="0"/>
+              <a:t> </a:t>
+            </a:r>
+            <a:r>
+              <a:rPr dirty="0" err="1"/>
               <a:t>kode</a:t>
             </a:r>
             <a:r>
+              <a:rPr lang="da-DK" dirty="0"/>
+              <a:t>(</a:t>
+            </a:r>
+            <a:r>
+              <a:rPr lang="da-DK" dirty="0" err="1"/>
+              <a:t>javascript</a:t>
+            </a:r>
+            <a:r>
+              <a:rPr lang="da-DK" dirty="0"/>
+              <a:t> eller CSS)</a:t>
+            </a:r>
+            <a:r>
               <a:rPr dirty="0"/>
               <a:t>.</a:t>
-            </a:r>
-          </a:p>
-          <a:p>
-            <a:r>
-              <a:rPr dirty="0" err="1"/>
-              <a:t>Genanvendelig</a:t>
-            </a:r>
-            <a:r>
-              <a:rPr dirty="0"/>
-              <a:t> </a:t>
-            </a:r>
-            <a:r>
-              <a:rPr dirty="0" err="1"/>
-              <a:t>kode</a:t>
-            </a:r>
-            <a:r>
-              <a:rPr dirty="0"/>
-              <a:t> </a:t>
-            </a:r>
-            <a:r>
-              <a:rPr dirty="0" err="1"/>
-              <a:t>reducerer</a:t>
-            </a:r>
-            <a:r>
-              <a:rPr dirty="0"/>
-              <a:t> </a:t>
-            </a:r>
-            <a:r>
-              <a:rPr dirty="0" err="1"/>
-              <a:t>redundans</a:t>
-            </a:r>
-            <a:r>
-              <a:rPr dirty="0"/>
-              <a:t> </a:t>
-            </a:r>
-            <a:r>
-              <a:rPr dirty="0" err="1"/>
-              <a:t>og</a:t>
-            </a:r>
-            <a:r>
-              <a:rPr dirty="0"/>
-              <a:t> </a:t>
-            </a:r>
-            <a:r>
-              <a:rPr dirty="0" err="1"/>
-              <a:t>forbedrer</a:t>
-            </a:r>
-            <a:r>
-              <a:rPr dirty="0"/>
-              <a:t> </a:t>
-            </a:r>
-            <a:r>
-              <a:rPr dirty="0" err="1"/>
-              <a:t>effektiviteten</a:t>
-            </a:r>
-            <a:r>
-              <a:rPr dirty="0"/>
-              <a:t>.</a:t>
-            </a:r>
-          </a:p>
-          <a:p>
-            <a:r>
-              <a:rPr dirty="0" err="1"/>
-              <a:t>Modulær</a:t>
-            </a:r>
-            <a:r>
-              <a:rPr dirty="0"/>
-              <a:t> </a:t>
-            </a:r>
-            <a:r>
-              <a:rPr dirty="0" err="1"/>
-              <a:t>kode</a:t>
-            </a:r>
-            <a:r>
-              <a:rPr dirty="0"/>
-              <a:t> </a:t>
-            </a:r>
-            <a:r>
-              <a:rPr dirty="0" err="1"/>
-              <a:t>gør</a:t>
-            </a:r>
-            <a:r>
-              <a:rPr dirty="0"/>
-              <a:t> det </a:t>
-            </a:r>
-            <a:r>
-              <a:rPr dirty="0" err="1"/>
-              <a:t>lettere</a:t>
-            </a:r>
-            <a:r>
-              <a:rPr dirty="0"/>
-              <a:t> at </a:t>
-            </a:r>
-            <a:r>
-              <a:rPr dirty="0" err="1"/>
-              <a:t>vedligeholde</a:t>
-            </a:r>
-            <a:r>
-              <a:rPr dirty="0"/>
-              <a:t> </a:t>
-            </a:r>
-            <a:r>
-              <a:rPr dirty="0" err="1"/>
-              <a:t>og</a:t>
-            </a:r>
-            <a:r>
-              <a:rPr dirty="0"/>
-              <a:t> </a:t>
-            </a:r>
-            <a:r>
-              <a:rPr dirty="0" err="1"/>
-              <a:t>opdatere</a:t>
-            </a:r>
-            <a:r>
-              <a:rPr dirty="0"/>
-              <a:t> websites.</a:t>
             </a:r>
           </a:p>
         </p:txBody>
@@ -6839,16 +6866,14 @@
         </p:nvSpPr>
         <p:spPr/>
         <p:txBody>
-          <a:bodyPr>
-            <a:normAutofit fontScale="90000"/>
-          </a:bodyPr>
+          <a:bodyPr/>
           <a:lstStyle/>
           <a:p>
             <a:r>
               <a:rPr dirty="0" err="1">
                 <a:latin typeface="Raleway" pitchFamily="2" charset="77"/>
               </a:rPr>
-              <a:t>Sammenhængen</a:t>
+              <a:t>Effektive</a:t>
             </a:r>
             <a:r>
               <a:rPr dirty="0">
@@ -6860,61 +6885,7 @@
               <a:rPr dirty="0" err="1">
                 <a:latin typeface="Raleway" pitchFamily="2" charset="77"/>
               </a:rPr>
-              <a:t>mellem</a:t>
-            </a:r>
-            <a:r>
-              <a:rPr dirty="0">
-                <a:latin typeface="Raleway" pitchFamily="2" charset="77"/>
-              </a:rPr>
-              <a:t> </a:t>
-            </a:r>
-            <a:r>
-              <a:rPr dirty="0" err="1">
-                <a:latin typeface="Raleway" pitchFamily="2" charset="77"/>
-              </a:rPr>
-              <a:t>ydeevne</a:t>
-            </a:r>
-            <a:r>
-              <a:rPr dirty="0">
-                <a:latin typeface="Raleway" pitchFamily="2" charset="77"/>
-              </a:rPr>
-              <a:t> </a:t>
-            </a:r>
-            <a:r>
-              <a:rPr lang="da-DK" dirty="0">
-                <a:latin typeface="Raleway" pitchFamily="2" charset="77"/>
-              </a:rPr>
-              <a:t>(</a:t>
-            </a:r>
-            <a:r>
-              <a:rPr lang="da-DK" dirty="0" err="1">
-                <a:latin typeface="Raleway" pitchFamily="2" charset="77"/>
-              </a:rPr>
-              <a:t>performace</a:t>
-            </a:r>
-            <a:r>
-              <a:rPr lang="da-DK" dirty="0">
-                <a:latin typeface="Raleway" pitchFamily="2" charset="77"/>
-              </a:rPr>
-              <a:t>) </a:t>
-            </a:r>
-            <a:r>
-              <a:rPr dirty="0" err="1">
-                <a:latin typeface="Raleway" pitchFamily="2" charset="77"/>
-              </a:rPr>
-              <a:t>og</a:t>
-            </a:r>
-            <a:r>
-              <a:rPr dirty="0">
-                <a:latin typeface="Raleway" pitchFamily="2" charset="77"/>
-              </a:rPr>
-              <a:t> </a:t>
-            </a:r>
-            <a:r>
-              <a:rPr dirty="0" err="1">
-                <a:latin typeface="Raleway" pitchFamily="2" charset="77"/>
-              </a:rPr>
-              <a:t>bæredygtighed</a:t>
+              <a:t>kodningspraksisser</a:t>
             </a:r>
             <a:endParaRPr dirty="0">
               <a:latin typeface="Raleway" pitchFamily="2" charset="77"/>
@@ -6939,27 +6910,55 @@
           <a:p>
             <a:r>
               <a:rPr dirty="0"/>
-              <a:t> Website-</a:t>
-            </a:r>
-            <a:r>
-              <a:rPr dirty="0" err="1"/>
-              <a:t>ydeevne</a:t>
-            </a:r>
-            <a:r>
-              <a:rPr dirty="0"/>
-              <a:t> er </a:t>
-            </a:r>
-            <a:r>
-              <a:rPr dirty="0" err="1"/>
-              <a:t>afgørende</a:t>
-            </a:r>
-            <a:r>
-              <a:rPr dirty="0"/>
-              <a:t> for </a:t>
-            </a:r>
-            <a:r>
-              <a:rPr dirty="0" err="1"/>
-              <a:t>bæredygtighed</a:t>
+              <a:t> </a:t>
+            </a:r>
+            <a:r>
+              <a:rPr dirty="0" err="1"/>
+              <a:t>Skriv</a:t>
+            </a:r>
+            <a:r>
+              <a:rPr dirty="0"/>
+              <a:t> </a:t>
+            </a:r>
+            <a:r>
+              <a:rPr dirty="0" err="1"/>
+              <a:t>genanvendelig</a:t>
+            </a:r>
+            <a:r>
+              <a:rPr dirty="0"/>
+              <a:t> </a:t>
+            </a:r>
+            <a:r>
+              <a:rPr dirty="0" err="1"/>
+              <a:t>og</a:t>
+            </a:r>
+            <a:r>
+              <a:rPr dirty="0"/>
+              <a:t> </a:t>
+            </a:r>
+            <a:r>
+              <a:rPr dirty="0" err="1">
+                <a:solidFill>
+                  <a:srgbClr val="FF0000"/>
+                </a:solidFill>
+              </a:rPr>
+              <a:t>modulær</a:t>
+            </a:r>
+            <a:r>
+              <a:rPr dirty="0">
+                <a:solidFill>
+                  <a:srgbClr val="FF0000"/>
+                </a:solidFill>
+              </a:rPr>
+              <a:t> </a:t>
+            </a:r>
+            <a:r>
+              <a:rPr dirty="0" err="1">
+                <a:solidFill>
+                  <a:srgbClr val="FF0000"/>
+                </a:solidFill>
+              </a:rPr>
+              <a:t>kode</a:t>
             </a:r>
             <a:r>
               <a:rPr dirty="0"/>
@@ -6968,80 +6967,118 @@
           </a:p>
           <a:p>
             <a:r>
-              <a:rPr dirty="0"/>
-              <a:t> </a:t>
-            </a:r>
-            <a:r>
-              <a:rPr dirty="0" err="1"/>
-              <a:t>Optimer</a:t>
-            </a:r>
-            <a:r>
-              <a:rPr dirty="0"/>
-              <a:t> </a:t>
-            </a:r>
-            <a:r>
-              <a:rPr lang="da-DK" dirty="0"/>
-              <a:t> </a:t>
-            </a:r>
-            <a:r>
-              <a:rPr lang="da-DK" dirty="0" err="1"/>
-              <a:t>loading</a:t>
-            </a:r>
-            <a:r>
-              <a:rPr lang="da-DK" dirty="0"/>
-              <a:t> speed</a:t>
-            </a:r>
-            <a:r>
-              <a:rPr dirty="0"/>
-              <a:t> for websites.</a:t>
-            </a:r>
-          </a:p>
-          <a:p>
-            <a:pPr marL="0" indent="0">
-              <a:buNone/>
-            </a:pPr>
-            <a:endParaRPr dirty="0"/>
-          </a:p>
-          <a:p>
-            <a:r>
-              <a:rPr dirty="0" err="1"/>
-              <a:t>Hurtigt</a:t>
-            </a:r>
-            <a:r>
-              <a:rPr dirty="0"/>
-              <a:t> </a:t>
-            </a:r>
-            <a:r>
-              <a:rPr dirty="0" err="1"/>
-              <a:t>indlæste</a:t>
-            </a:r>
-            <a:r>
-              <a:rPr dirty="0"/>
-              <a:t> sider </a:t>
-            </a:r>
-            <a:r>
-              <a:rPr dirty="0" err="1"/>
-              <a:t>bruger</a:t>
-            </a:r>
-            <a:r>
-              <a:rPr dirty="0"/>
-              <a:t> </a:t>
-            </a:r>
-            <a:r>
-              <a:rPr dirty="0" err="1"/>
-              <a:t>mindre</a:t>
-            </a:r>
-            <a:r>
-              <a:rPr dirty="0"/>
-              <a:t> </a:t>
-            </a:r>
-            <a:r>
-              <a:rPr dirty="0" err="1"/>
-              <a:t>energi</a:t>
+              <a:rPr dirty="0" err="1"/>
+              <a:t>Genanvendelig</a:t>
+            </a:r>
+            <a:r>
+              <a:rPr dirty="0"/>
+              <a:t> </a:t>
+            </a:r>
+            <a:r>
+              <a:rPr dirty="0" err="1"/>
+              <a:t>kode</a:t>
+            </a:r>
+            <a:r>
+              <a:rPr dirty="0"/>
+              <a:t> </a:t>
+            </a:r>
+            <a:r>
+              <a:rPr dirty="0" err="1"/>
+              <a:t>reducerer</a:t>
+            </a:r>
+            <a:r>
+              <a:rPr dirty="0"/>
+              <a:t> </a:t>
+            </a:r>
+            <a:r>
+              <a:rPr dirty="0" err="1"/>
+              <a:t>redundans</a:t>
+            </a:r>
+            <a:r>
+              <a:rPr dirty="0"/>
+              <a:t> </a:t>
+            </a:r>
+            <a:r>
+              <a:rPr dirty="0" err="1"/>
+              <a:t>og</a:t>
+            </a:r>
+            <a:r>
+              <a:rPr dirty="0"/>
+              <a:t> </a:t>
+            </a:r>
+            <a:r>
+              <a:rPr dirty="0" err="1"/>
+              <a:t>forbedrer</a:t>
+            </a:r>
+            <a:r>
+              <a:rPr dirty="0"/>
+              <a:t> </a:t>
+            </a:r>
+            <a:r>
+              <a:rPr dirty="0" err="1"/>
+              <a:t>effektiviteten</a:t>
             </a:r>
             <a:r>
               <a:rPr dirty="0"/>
               <a:t>.</a:t>
+            </a:r>
+          </a:p>
+          <a:p>
+            <a:r>
+              <a:rPr dirty="0" err="1"/>
+              <a:t>Modulær</a:t>
+            </a:r>
+            <a:r>
+              <a:rPr dirty="0"/>
+              <a:t> </a:t>
+            </a:r>
+            <a:r>
+              <a:rPr dirty="0" err="1"/>
+              <a:t>kode</a:t>
+            </a:r>
+            <a:r>
+              <a:rPr dirty="0"/>
+              <a:t> </a:t>
+            </a:r>
+            <a:r>
+              <a:rPr dirty="0" err="1"/>
+              <a:t>gør</a:t>
+            </a:r>
+            <a:r>
+              <a:rPr dirty="0"/>
+              <a:t> det </a:t>
+            </a:r>
+            <a:r>
+              <a:rPr dirty="0" err="1"/>
+              <a:t>lettere</a:t>
+            </a:r>
+            <a:r>
+              <a:rPr dirty="0"/>
+              <a:t> at </a:t>
+            </a:r>
+            <a:r>
+              <a:rPr dirty="0" err="1"/>
+              <a:t>vedligeholde</a:t>
+            </a:r>
+            <a:r>
+              <a:rPr dirty="0"/>
+              <a:t> </a:t>
+            </a:r>
+            <a:r>
+              <a:rPr dirty="0" err="1"/>
+              <a:t>og</a:t>
+            </a:r>
+            <a:r>
+              <a:rPr dirty="0"/>
+              <a:t> </a:t>
+            </a:r>
+            <a:r>
+              <a:rPr dirty="0" err="1"/>
+              <a:t>opdatere</a:t>
+            </a:r>
+            <a:r>
+              <a:rPr dirty="0"/>
+              <a:t> websites.</a:t>
             </a:r>
           </a:p>
         </p:txBody>
@@ -7102,7 +7139,7 @@
               <a:rPr lang="en-DK" dirty="0">
                 <a:latin typeface="Raleway" pitchFamily="2" charset="77"/>
               </a:rPr>
-              <a:t>plæg hering kommune</a:t>
+              <a:t>plæg fra hering kommune</a:t>
             </a:r>
           </a:p>
         </p:txBody>
@@ -7293,6 +7330,9 @@
             </a:r>
           </a:p>
           <a:p>
+            <a:pPr marL="0" indent="0">
+              <a:buNone/>
+            </a:pPr>
             <a:endParaRPr lang="en-DK" dirty="0"/>
           </a:p>
         </p:txBody>
@@ -7339,14 +7379,16 @@
         </p:nvSpPr>
         <p:spPr/>
         <p:txBody>
-          <a:bodyPr/>
+          <a:bodyPr>
+            <a:normAutofit fontScale="90000"/>
+          </a:bodyPr>
           <a:lstStyle/>
           <a:p>
             <a:r>
               <a:rPr dirty="0" err="1">
                 <a:latin typeface="Raleway" pitchFamily="2" charset="77"/>
               </a:rPr>
-              <a:t>Minificering</a:t>
+              <a:t>Sammenhængen</a:t>
             </a:r>
             <a:r>
               <a:rPr dirty="0">
@@ -7358,7 +7400,7 @@
               <a:rPr dirty="0" err="1">
                 <a:latin typeface="Raleway" pitchFamily="2" charset="77"/>
               </a:rPr>
-              <a:t>af</a:t>
+              <a:t>mellem</a:t>
             </a:r>
             <a:r>
               <a:rPr dirty="0">
@@ -7370,13 +7412,49 @@
               <a:rPr dirty="0" err="1">
                 <a:latin typeface="Raleway" pitchFamily="2" charset="77"/>
               </a:rPr>
-              <a:t>kode</a:t>
+              <a:t>ydeevne</a:t>
+            </a:r>
+            <a:r>
+              <a:rPr dirty="0">
+                <a:latin typeface="Raleway" pitchFamily="2" charset="77"/>
+              </a:rPr>
+              <a:t> </a:t>
             </a:r>
             <a:r>
               <a:rPr lang="da-DK" dirty="0">
                 <a:latin typeface="Raleway" pitchFamily="2" charset="77"/>
               </a:rPr>
-              <a:t> til produktion</a:t>
+              <a:t>(</a:t>
+            </a:r>
+            <a:r>
+              <a:rPr lang="da-DK" dirty="0" err="1">
+                <a:latin typeface="Raleway" pitchFamily="2" charset="77"/>
+              </a:rPr>
+              <a:t>performace</a:t>
+            </a:r>
+            <a:r>
+              <a:rPr lang="da-DK" dirty="0">
+                <a:latin typeface="Raleway" pitchFamily="2" charset="77"/>
+              </a:rPr>
+              <a:t>) </a:t>
+            </a:r>
+            <a:r>
+              <a:rPr dirty="0" err="1">
+                <a:latin typeface="Raleway" pitchFamily="2" charset="77"/>
+              </a:rPr>
+              <a:t>og</a:t>
+            </a:r>
+            <a:r>
+              <a:rPr dirty="0">
+                <a:latin typeface="Raleway" pitchFamily="2" charset="77"/>
+              </a:rPr>
+              <a:t> </a:t>
+            </a:r>
+            <a:r>
+              <a:rPr dirty="0" err="1">
+                <a:latin typeface="Raleway" pitchFamily="2" charset="77"/>
+              </a:rPr>
+              <a:t>bæredygtighed</a:t>
             </a:r>
             <a:endParaRPr dirty="0">
               <a:latin typeface="Raleway" pitchFamily="2" charset="77"/>
@@ -7401,59 +7479,27 @@
           <a:p>
             <a:r>
               <a:rPr dirty="0"/>
-              <a:t> </a:t>
-            </a:r>
-            <a:r>
-              <a:rPr dirty="0" err="1"/>
-              <a:t>Minificering</a:t>
-            </a:r>
-            <a:r>
-              <a:rPr dirty="0"/>
-              <a:t> </a:t>
-            </a:r>
-            <a:r>
-              <a:rPr dirty="0" err="1"/>
-              <a:t>af</a:t>
-            </a:r>
-            <a:r>
-              <a:rPr dirty="0"/>
-              <a:t> CSS </a:t>
-            </a:r>
-            <a:r>
-              <a:rPr dirty="0" err="1"/>
-              <a:t>reducerer</a:t>
-            </a:r>
-            <a:r>
-              <a:rPr dirty="0"/>
-              <a:t> </a:t>
-            </a:r>
-            <a:r>
-              <a:rPr dirty="0" err="1"/>
-              <a:t>filstørrelsen</a:t>
-            </a:r>
-            <a:r>
-              <a:rPr dirty="0"/>
-              <a:t> </a:t>
-            </a:r>
-            <a:r>
-              <a:rPr dirty="0" err="1"/>
-              <a:t>og</a:t>
-            </a:r>
-            <a:r>
-              <a:rPr dirty="0"/>
-              <a:t> </a:t>
-            </a:r>
-            <a:r>
-              <a:rPr dirty="0" err="1"/>
-              <a:t>forbedrer</a:t>
-            </a:r>
-            <a:r>
-              <a:rPr dirty="0"/>
-              <a:t> </a:t>
-            </a:r>
-            <a:r>
-              <a:rPr dirty="0" err="1"/>
-              <a:t>ydeevnen</a:t>
+              <a:t> Website-</a:t>
+            </a:r>
+            <a:r>
+              <a:rPr dirty="0" err="1"/>
+              <a:t>ydeevne</a:t>
+            </a:r>
+            <a:r>
+              <a:rPr dirty="0"/>
+              <a:t> er </a:t>
+            </a:r>
+            <a:r>
+              <a:rPr dirty="0" err="1"/>
+              <a:t>afgørende</a:t>
+            </a:r>
+            <a:r>
+              <a:rPr dirty="0"/>
+              <a:t> for </a:t>
+            </a:r>
+            <a:r>
+              <a:rPr dirty="0" err="1"/>
+              <a:t>bæredygtighed</a:t>
             </a:r>
             <a:r>
               <a:rPr dirty="0"/>
@@ -7467,116 +7513,71 @@
             </a:r>
             <a:r>
               <a:rPr dirty="0" err="1"/>
-              <a:t>Fjern</a:t>
-            </a:r>
-            <a:r>
-              <a:rPr dirty="0"/>
-              <a:t> </a:t>
-            </a:r>
-            <a:r>
-              <a:rPr dirty="0" err="1"/>
-              <a:t>unødvendige</a:t>
-            </a:r>
-            <a:r>
-              <a:rPr dirty="0"/>
-              <a:t> </a:t>
-            </a:r>
-            <a:r>
-              <a:rPr dirty="0" err="1"/>
-              <a:t>mellemrum</a:t>
-            </a:r>
-            <a:r>
-              <a:rPr dirty="0"/>
-              <a:t>, </a:t>
-            </a:r>
-            <a:r>
-              <a:rPr dirty="0" err="1"/>
-              <a:t>kommentarer</a:t>
-            </a:r>
-            <a:r>
-              <a:rPr dirty="0"/>
-              <a:t> </a:t>
-            </a:r>
-            <a:r>
-              <a:rPr dirty="0" err="1"/>
-              <a:t>og</a:t>
-            </a:r>
-            <a:r>
-              <a:rPr dirty="0"/>
-              <a:t> </a:t>
-            </a:r>
-            <a:r>
-              <a:rPr dirty="0" err="1"/>
-              <a:t>linjeskift</a:t>
-            </a:r>
-            <a:r>
-              <a:rPr dirty="0"/>
-              <a:t>.</a:t>
-            </a:r>
-          </a:p>
-          <a:p>
+              <a:t>Optimer</a:t>
+            </a:r>
+            <a:r>
+              <a:rPr dirty="0"/>
+              <a:t> </a:t>
+            </a:r>
             <a:r>
               <a:rPr lang="da-DK" dirty="0"/>
               <a:t> </a:t>
             </a:r>
+            <a:r>
+              <a:rPr lang="da-DK" dirty="0" err="1"/>
+              <a:t>loading</a:t>
+            </a:r>
+            <a:r>
+              <a:rPr lang="da-DK" dirty="0"/>
+              <a:t> speed</a:t>
+            </a:r>
+            <a:r>
+              <a:rPr dirty="0"/>
+              <a:t> for websites.</a:t>
+            </a:r>
+          </a:p>
+          <a:p>
+            <a:pPr marL="0" indent="0">
+              <a:buNone/>
+            </a:pPr>
             <a:endParaRPr dirty="0"/>
           </a:p>
           <a:p>
             <a:r>
-              <a:rPr dirty="0"/>
-              <a:t> </a:t>
-            </a:r>
-            <a:r>
-              <a:rPr dirty="0" err="1"/>
-              <a:t>Minificeret</a:t>
-            </a:r>
-            <a:r>
-              <a:rPr dirty="0"/>
-              <a:t> CSS </a:t>
-            </a:r>
-            <a:r>
-              <a:rPr dirty="0" err="1"/>
-              <a:t>indlæses</a:t>
-            </a:r>
-            <a:r>
-              <a:rPr dirty="0"/>
-              <a:t> </a:t>
-            </a:r>
-            <a:r>
-              <a:rPr dirty="0" err="1"/>
-              <a:t>hurtigere</a:t>
-            </a:r>
-            <a:r>
-              <a:rPr dirty="0"/>
-              <a:t> </a:t>
-            </a:r>
-            <a:r>
-              <a:rPr dirty="0" err="1"/>
-              <a:t>og</a:t>
-            </a:r>
-            <a:r>
-              <a:rPr dirty="0"/>
-              <a:t> </a:t>
-            </a:r>
-            <a:r>
-              <a:rPr dirty="0" err="1"/>
-              <a:t>reducerer</a:t>
-            </a:r>
-            <a:r>
-              <a:rPr dirty="0"/>
-              <a:t> </a:t>
-            </a:r>
-            <a:r>
-              <a:rPr dirty="0" err="1"/>
-              <a:t>sidens</a:t>
-            </a:r>
-            <a:r>
-              <a:rPr dirty="0"/>
-              <a:t> </a:t>
-            </a:r>
-            <a:r>
-              <a:rPr dirty="0" err="1"/>
-              <a:t>vægt</a:t>
+              <a:rPr dirty="0" err="1"/>
+              <a:t>Hurtigt</a:t>
+            </a:r>
+            <a:r>
+              <a:rPr dirty="0"/>
+              <a:t> </a:t>
+            </a:r>
+            <a:r>
+              <a:rPr dirty="0" err="1"/>
+              <a:t>indlæste</a:t>
+            </a:r>
+            <a:r>
+              <a:rPr dirty="0"/>
+              <a:t> sider </a:t>
+            </a:r>
+            <a:r>
+              <a:rPr dirty="0" err="1"/>
+              <a:t>bruger</a:t>
+            </a:r>
+            <a:r>
+              <a:rPr dirty="0"/>
+              <a:t> </a:t>
+            </a:r>
+            <a:r>
+              <a:rPr dirty="0" err="1"/>
+              <a:t>mindre</a:t>
+            </a:r>
+            <a:r>
+              <a:rPr dirty="0"/>
+              <a:t> </a:t>
+            </a:r>
+            <a:r>
+              <a:rPr dirty="0" err="1"/>
+              <a:t>energi</a:t>
             </a:r>
             <a:r>
               <a:rPr dirty="0"/>
@@ -7612,13 +7613,7 @@
       </p:grpSpPr>
       <p:sp>
         <p:nvSpPr>
-          <p:cNvPr id="2" name="Title 1">
-            <a:extLst>
-              <a:ext uri="{FF2B5EF4-FFF2-40B4-BE49-F238E27FC236}">
-                <a16:creationId xmlns:a16="http://schemas.microsoft.com/office/drawing/2014/main" id="{B569FAE0-6EC7-B95C-8923-6CF271142F38}"/>
-              </a:ext>
-            </a:extLst>
-          </p:cNvPr>
+          <p:cNvPr id="2" name="Title 1"/>
           <p:cNvSpPr>
             <a:spLocks noGrp="1"/>
           </p:cNvSpPr>
@@ -7626,59 +7621,255 @@
             <p:ph type="title"/>
           </p:nvPr>
         </p:nvSpPr>
-        <p:spPr>
-          <a:xfrm>
-            <a:off x="609600" y="2286000"/>
-            <a:ext cx="10972800" cy="1143000"/>
-          </a:xfrm>
-        </p:spPr>
-        <p:txBody>
-          <a:bodyPr>
-            <a:noAutofit/>
-          </a:bodyPr>
+        <p:spPr/>
+        <p:txBody>
+          <a:bodyPr/>
           <a:lstStyle/>
           <a:p>
             <a:r>
-              <a:rPr lang="en-GB" b="1" dirty="0" err="1">
-                <a:latin typeface="Raleway" pitchFamily="2" charset="77"/>
-              </a:rPr>
-              <a:t>bedste</a:t>
-            </a:r>
-            <a:r>
-              <a:rPr lang="en-GB" b="1" dirty="0">
-                <a:latin typeface="Raleway" pitchFamily="2" charset="77"/>
-              </a:rPr>
-              <a:t> </a:t>
-            </a:r>
-            <a:r>
-              <a:rPr lang="en-GB" b="1" dirty="0" err="1">
-                <a:latin typeface="Raleway" pitchFamily="2" charset="77"/>
-              </a:rPr>
-              <a:t>praksis</a:t>
-            </a:r>
-            <a:br>
-              <a:rPr lang="en-GB" dirty="0">
-                <a:latin typeface="Raleway" pitchFamily="2" charset="77"/>
-              </a:rPr>
-            </a:br>
-            <a:r>
-              <a:rPr lang="en-GB" dirty="0">
-                <a:latin typeface="Raleway" pitchFamily="2" charset="77"/>
-              </a:rPr>
-              <a:t>source</a:t>
-            </a:r>
-            <a:endParaRPr lang="en-DK" dirty="0">
+              <a:rPr dirty="0" err="1">
+                <a:latin typeface="Raleway" pitchFamily="2" charset="77"/>
+              </a:rPr>
+              <a:t>Minificering</a:t>
+            </a:r>
+            <a:r>
+              <a:rPr dirty="0">
+                <a:latin typeface="Raleway" pitchFamily="2" charset="77"/>
+              </a:rPr>
+              <a:t> </a:t>
+            </a:r>
+            <a:r>
+              <a:rPr dirty="0" err="1">
+                <a:latin typeface="Raleway" pitchFamily="2" charset="77"/>
+              </a:rPr>
+              <a:t>af</a:t>
+            </a:r>
+            <a:r>
+              <a:rPr dirty="0">
+                <a:latin typeface="Raleway" pitchFamily="2" charset="77"/>
+              </a:rPr>
+              <a:t> </a:t>
+            </a:r>
+            <a:r>
+              <a:rPr dirty="0" err="1">
+                <a:latin typeface="Raleway" pitchFamily="2" charset="77"/>
+              </a:rPr>
+              <a:t>kode</a:t>
+            </a:r>
+            <a:r>
+              <a:rPr lang="da-DK" dirty="0">
+                <a:latin typeface="Raleway" pitchFamily="2" charset="77"/>
+              </a:rPr>
+              <a:t> til produktion</a:t>
+            </a:r>
+            <a:endParaRPr dirty="0">
               <a:latin typeface="Raleway" pitchFamily="2" charset="77"/>
             </a:endParaRPr>
           </a:p>
         </p:txBody>
       </p:sp>
+      <p:sp>
+        <p:nvSpPr>
+          <p:cNvPr id="3" name="Content Placeholder 2"/>
+          <p:cNvSpPr>
+            <a:spLocks noGrp="1"/>
+          </p:cNvSpPr>
+          <p:nvPr>
+            <p:ph idx="1"/>
+          </p:nvPr>
+        </p:nvSpPr>
+        <p:spPr/>
+        <p:txBody>
+          <a:bodyPr/>
+          <a:lstStyle/>
+          <a:p>
+            <a:r>
+              <a:rPr dirty="0"/>
+              <a:t> </a:t>
+            </a:r>
+            <a:r>
+              <a:rPr dirty="0" err="1"/>
+              <a:t>Minificering</a:t>
+            </a:r>
+            <a:r>
+              <a:rPr dirty="0"/>
+              <a:t> </a:t>
+            </a:r>
+            <a:r>
+              <a:rPr dirty="0" err="1"/>
+              <a:t>af</a:t>
+            </a:r>
+            <a:r>
+              <a:rPr dirty="0"/>
+              <a:t> CSS </a:t>
+            </a:r>
+            <a:r>
+              <a:rPr dirty="0" err="1"/>
+              <a:t>reducerer</a:t>
+            </a:r>
+            <a:r>
+              <a:rPr dirty="0"/>
+              <a:t> </a:t>
+            </a:r>
+            <a:r>
+              <a:rPr dirty="0" err="1"/>
+              <a:t>filstørrelsen</a:t>
+            </a:r>
+            <a:r>
+              <a:rPr dirty="0"/>
+              <a:t> </a:t>
+            </a:r>
+            <a:r>
+              <a:rPr dirty="0" err="1"/>
+              <a:t>og</a:t>
+            </a:r>
+            <a:r>
+              <a:rPr dirty="0"/>
+              <a:t> </a:t>
+            </a:r>
+            <a:r>
+              <a:rPr dirty="0" err="1"/>
+              <a:t>forbedrer</a:t>
+            </a:r>
+            <a:r>
+              <a:rPr dirty="0"/>
+              <a:t> </a:t>
+            </a:r>
+            <a:r>
+              <a:rPr dirty="0" err="1"/>
+              <a:t>ydeevnen</a:t>
+            </a:r>
+            <a:r>
+              <a:rPr dirty="0"/>
+              <a:t>.</a:t>
+            </a:r>
+          </a:p>
+          <a:p>
+            <a:r>
+              <a:rPr dirty="0"/>
+              <a:t> </a:t>
+            </a:r>
+            <a:r>
+              <a:rPr dirty="0" err="1"/>
+              <a:t>Fjern</a:t>
+            </a:r>
+            <a:r>
+              <a:rPr dirty="0"/>
+              <a:t> </a:t>
+            </a:r>
+            <a:r>
+              <a:rPr dirty="0" err="1"/>
+              <a:t>unødvendige</a:t>
+            </a:r>
+            <a:r>
+              <a:rPr dirty="0"/>
+              <a:t> </a:t>
+            </a:r>
+            <a:r>
+              <a:rPr dirty="0" err="1"/>
+              <a:t>mellemrum</a:t>
+            </a:r>
+            <a:r>
+              <a:rPr dirty="0"/>
+              <a:t>, </a:t>
+            </a:r>
+            <a:r>
+              <a:rPr dirty="0" err="1"/>
+              <a:t>kommentarer</a:t>
+            </a:r>
+            <a:r>
+              <a:rPr dirty="0"/>
+              <a:t> </a:t>
+            </a:r>
+            <a:r>
+              <a:rPr dirty="0" err="1"/>
+              <a:t>og</a:t>
+            </a:r>
+            <a:r>
+              <a:rPr dirty="0"/>
+              <a:t> </a:t>
+            </a:r>
+            <a:r>
+              <a:rPr dirty="0" err="1"/>
+              <a:t>linjeskift</a:t>
+            </a:r>
+            <a:r>
+              <a:rPr dirty="0"/>
+              <a:t>.</a:t>
+            </a:r>
+          </a:p>
+          <a:p>
+            <a:r>
+              <a:rPr lang="da-DK" dirty="0"/>
+              <a:t> </a:t>
+            </a:r>
+            <a:endParaRPr dirty="0"/>
+          </a:p>
+          <a:p>
+            <a:r>
+              <a:rPr dirty="0"/>
+              <a:t> </a:t>
+            </a:r>
+            <a:r>
+              <a:rPr dirty="0" err="1"/>
+              <a:t>Minificeret</a:t>
+            </a:r>
+            <a:r>
+              <a:rPr dirty="0"/>
+              <a:t> CSS </a:t>
+            </a:r>
+            <a:r>
+              <a:rPr dirty="0" err="1"/>
+              <a:t>indlæses</a:t>
+            </a:r>
+            <a:r>
+              <a:rPr dirty="0"/>
+              <a:t> </a:t>
+            </a:r>
+            <a:r>
+              <a:rPr dirty="0" err="1"/>
+              <a:t>hurtigere</a:t>
+            </a:r>
+            <a:r>
+              <a:rPr dirty="0"/>
+              <a:t> </a:t>
+            </a:r>
+            <a:r>
+              <a:rPr dirty="0" err="1"/>
+              <a:t>og</a:t>
+            </a:r>
+            <a:r>
+              <a:rPr dirty="0"/>
+              <a:t> </a:t>
+            </a:r>
+            <a:r>
+              <a:rPr dirty="0" err="1"/>
+              <a:t>reducerer</a:t>
+            </a:r>
+            <a:r>
+              <a:rPr dirty="0"/>
+              <a:t> </a:t>
+            </a:r>
+            <a:r>
+              <a:rPr dirty="0" err="1"/>
+              <a:t>sidens</a:t>
+            </a:r>
+            <a:r>
+              <a:rPr dirty="0"/>
+              <a:t> </a:t>
+            </a:r>
+            <a:r>
+              <a:rPr dirty="0" err="1"/>
+              <a:t>vægt</a:t>
+            </a:r>
+            <a:r>
+              <a:rPr dirty="0"/>
+              <a:t>.</a:t>
+            </a:r>
+          </a:p>
+        </p:txBody>
+      </p:sp>
     </p:spTree>
-    <p:extLst>
-      <p:ext uri="{BB962C8B-B14F-4D97-AF65-F5344CB8AC3E}">
-        <p14:creationId xmlns:p14="http://schemas.microsoft.com/office/powerpoint/2010/main" val="2756370485"/>
-      </p:ext>
-    </p:extLst>
   </p:cSld>
   <p:clrMapOvr>
     <a:masterClrMapping/>
@@ -7705,7 +7896,13 @@
       </p:grpSpPr>
       <p:sp>
         <p:nvSpPr>
-          <p:cNvPr id="2" name="Title 1"/>
+          <p:cNvPr id="2" name="Title 1">
+            <a:extLst>
+              <a:ext uri="{FF2B5EF4-FFF2-40B4-BE49-F238E27FC236}">
+                <a16:creationId xmlns:a16="http://schemas.microsoft.com/office/drawing/2014/main" id="{B569FAE0-6EC7-B95C-8923-6CF271142F38}"/>
+              </a:ext>
+            </a:extLst>
+          </p:cNvPr>
           <p:cNvSpPr>
             <a:spLocks noGrp="1"/>
           </p:cNvSpPr>
@@ -7713,173 +7910,59 @@
             <p:ph type="title"/>
           </p:nvPr>
         </p:nvSpPr>
-        <p:spPr/>
-        <p:txBody>
-          <a:bodyPr/>
+        <p:spPr>
+          <a:xfrm>
+            <a:off x="609600" y="2286000"/>
+            <a:ext cx="10972800" cy="1143000"/>
+          </a:xfrm>
+        </p:spPr>
+        <p:txBody>
+          <a:bodyPr>
+            <a:noAutofit/>
+          </a:bodyPr>
           <a:lstStyle/>
           <a:p>
             <a:r>
-              <a:rPr lang="da-DK" dirty="0">
-                <a:latin typeface="Raleway" pitchFamily="2" charset="77"/>
-              </a:rPr>
-              <a:t>W</a:t>
-            </a:r>
-            <a:r>
-              <a:rPr dirty="0" err="1">
-                <a:latin typeface="Raleway" pitchFamily="2" charset="77"/>
-              </a:rPr>
-              <a:t>eb-bæredygtighed</a:t>
-            </a:r>
-            <a:r>
-              <a:rPr dirty="0">
-                <a:latin typeface="Raleway" pitchFamily="2" charset="77"/>
-              </a:rPr>
-              <a:t> (WSG)</a:t>
-            </a:r>
-          </a:p>
-        </p:txBody>
-      </p:sp>
-      <p:sp>
-        <p:nvSpPr>
-          <p:cNvPr id="3" name="Content Placeholder 2"/>
-          <p:cNvSpPr>
-            <a:spLocks noGrp="1"/>
-          </p:cNvSpPr>
-          <p:nvPr>
-            <p:ph idx="1"/>
-          </p:nvPr>
-        </p:nvSpPr>
-        <p:spPr/>
-        <p:txBody>
-          <a:bodyPr/>
-          <a:lstStyle/>
-          <a:p>
-            <a:r>
-              <a:rPr lang="en-GB" dirty="0"/>
-              <a:t> </a:t>
-            </a:r>
-            <a:r>
-              <a:rPr lang="en-GB" b="1" dirty="0"/>
-              <a:t>WSG</a:t>
-            </a:r>
-            <a:r>
-              <a:rPr lang="en-GB" dirty="0"/>
-              <a:t>: En W3C </a:t>
-            </a:r>
-            <a:r>
-              <a:rPr lang="en-GB" dirty="0" err="1"/>
-              <a:t>gruppe</a:t>
-            </a:r>
-            <a:r>
-              <a:rPr lang="en-GB" dirty="0"/>
-              <a:t> med </a:t>
-            </a:r>
-            <a:r>
-              <a:rPr lang="en-GB" dirty="0" err="1"/>
-              <a:t>fokus</a:t>
-            </a:r>
-            <a:r>
-              <a:rPr lang="en-GB" dirty="0"/>
-              <a:t> </a:t>
-            </a:r>
-            <a:r>
-              <a:rPr lang="en-GB" dirty="0" err="1"/>
-              <a:t>på</a:t>
-            </a:r>
-            <a:r>
-              <a:rPr lang="en-GB" dirty="0"/>
-              <a:t> </a:t>
-            </a:r>
-            <a:r>
-              <a:rPr lang="en-GB" b="1" dirty="0" err="1"/>
-              <a:t>fællesskabsengagement</a:t>
-            </a:r>
-            <a:r>
-              <a:rPr lang="en-GB" dirty="0"/>
-              <a:t> </a:t>
-            </a:r>
-            <a:r>
-              <a:rPr lang="en-GB" dirty="0" err="1"/>
-              <a:t>og</a:t>
-            </a:r>
-            <a:r>
-              <a:rPr lang="en-GB" dirty="0"/>
-              <a:t> </a:t>
-            </a:r>
-            <a:r>
-              <a:rPr lang="en-GB" b="1" dirty="0" err="1"/>
-              <a:t>deling</a:t>
-            </a:r>
-            <a:r>
-              <a:rPr lang="en-GB" b="1" dirty="0"/>
-              <a:t> </a:t>
-            </a:r>
-            <a:r>
-              <a:rPr lang="en-GB" b="1" dirty="0" err="1"/>
-              <a:t>af</a:t>
-            </a:r>
-            <a:r>
-              <a:rPr lang="en-GB" b="1" dirty="0"/>
-              <a:t> information</a:t>
-            </a:r>
-            <a:r>
-              <a:rPr lang="en-GB" dirty="0"/>
-              <a:t>.</a:t>
-            </a:r>
-          </a:p>
-          <a:p>
-            <a:pPr marL="0" indent="0">
-              <a:buNone/>
-            </a:pPr>
-            <a:r>
-              <a:rPr lang="en-GB" dirty="0"/>
-              <a:t> </a:t>
-            </a:r>
-            <a:r>
+              <a:rPr lang="en-GB" b="1" dirty="0" err="1">
+                <a:latin typeface="Raleway" pitchFamily="2" charset="77"/>
+              </a:rPr>
+              <a:t>bedste</a:t>
+            </a:r>
+            <a:r>
+              <a:rPr lang="en-GB" b="1" dirty="0">
+                <a:latin typeface="Raleway" pitchFamily="2" charset="77"/>
+              </a:rPr>
+              <a:t> </a:t>
+            </a:r>
+            <a:r>
+              <a:rPr lang="en-GB" b="1" dirty="0" err="1">
+                <a:latin typeface="Raleway" pitchFamily="2" charset="77"/>
+              </a:rPr>
+              <a:t>praksis</a:t>
+            </a:r>
+            <a:br>
               <a:rPr lang="en-GB" dirty="0">
-                <a:hlinkClick r:id="rId2"/>
-              </a:rPr>
-              <a:t>https://w3c.github.io/sustyweb/glance.html</a:t>
-            </a:r>
-            <a:endParaRPr lang="en-GB" dirty="0"/>
-          </a:p>
-          <a:p>
-            <a:pPr marL="0" indent="0">
-              <a:buNone/>
-            </a:pPr>
-            <a:r>
-              <a:rPr lang="en-GB" dirty="0"/>
-              <a:t> </a:t>
-            </a:r>
+                <a:latin typeface="Raleway" pitchFamily="2" charset="77"/>
+              </a:rPr>
+            </a:br>
             <a:r>
               <a:rPr lang="en-GB" dirty="0">
-                <a:hlinkClick r:id="rId3"/>
-              </a:rPr>
-              <a:t>https://www.w3.org/blog/2023/introducing-web-sustainability-guidelines/</a:t>
-            </a:r>
-            <a:endParaRPr lang="en-GB" dirty="0"/>
-          </a:p>
-          <a:p>
-            <a:pPr marL="0" indent="0">
-              <a:buNone/>
-            </a:pPr>
-            <a:endParaRPr lang="en-GB" dirty="0"/>
-          </a:p>
-          <a:p>
-            <a:pPr marL="0" indent="0">
-              <a:buNone/>
-            </a:pPr>
-            <a:endParaRPr lang="en-GB" dirty="0"/>
-          </a:p>
-          <a:p>
-            <a:endParaRPr lang="en-GB" dirty="0"/>
-          </a:p>
-          <a:p>
-            <a:endParaRPr dirty="0"/>
+                <a:latin typeface="Raleway" pitchFamily="2" charset="77"/>
+              </a:rPr>
+              <a:t>source</a:t>
+            </a:r>
+            <a:endParaRPr lang="en-DK" dirty="0">
+              <a:latin typeface="Raleway" pitchFamily="2" charset="77"/>
+            </a:endParaRPr>
           </a:p>
         </p:txBody>
       </p:sp>
     </p:spTree>
+    <p:extLst>
+      <p:ext uri="{BB962C8B-B14F-4D97-AF65-F5344CB8AC3E}">
+        <p14:creationId xmlns:p14="http://schemas.microsoft.com/office/powerpoint/2010/main" val="2756370485"/>
+      </p:ext>
+    </p:extLst>
   </p:cSld>
   <p:clrMapOvr>
     <a:masterClrMapping/>
@@ -7906,13 +7989,7 @@
       </p:grpSpPr>
       <p:sp>
         <p:nvSpPr>
-          <p:cNvPr id="2" name="Title 1">
-            <a:extLst>
-              <a:ext uri="{FF2B5EF4-FFF2-40B4-BE49-F238E27FC236}">
-                <a16:creationId xmlns:a16="http://schemas.microsoft.com/office/drawing/2014/main" id="{4E7DA266-7CC6-D0EA-8EAA-FAD9946F8451}"/>
-              </a:ext>
-            </a:extLst>
-          </p:cNvPr>
+          <p:cNvPr id="2" name="Title 1"/>
           <p:cNvSpPr>
             <a:spLocks noGrp="1"/>
           </p:cNvSpPr>
@@ -7926,126 +8003,167 @@
           <a:lstStyle/>
           <a:p>
             <a:r>
-              <a:rPr lang="en-DK" dirty="0">
-                <a:latin typeface="Raleway" pitchFamily="2" charset="77"/>
-              </a:rPr>
+              <a:rPr lang="da-DK" dirty="0">
+                <a:latin typeface="Raleway" pitchFamily="2" charset="77"/>
+              </a:rPr>
+              <a:t>W</a:t>
+            </a:r>
+            <a:r>
+              <a:rPr dirty="0" err="1">
+                <a:latin typeface="Raleway" pitchFamily="2" charset="77"/>
+              </a:rPr>
+              <a:t>eb-bæredygtighed</a:t>
+            </a:r>
+            <a:r>
+              <a:rPr dirty="0">
+                <a:latin typeface="Raleway" pitchFamily="2" charset="77"/>
+              </a:rPr>
+              <a:t> (WSG)</a:t>
+            </a:r>
+          </a:p>
+        </p:txBody>
+      </p:sp>
+      <p:sp>
+        <p:nvSpPr>
+          <p:cNvPr id="3" name="Content Placeholder 2"/>
+          <p:cNvSpPr>
+            <a:spLocks noGrp="1"/>
+          </p:cNvSpPr>
+          <p:nvPr>
+            <p:ph idx="1"/>
+          </p:nvPr>
+        </p:nvSpPr>
+        <p:spPr/>
+        <p:txBody>
+          <a:bodyPr/>
+          <a:lstStyle/>
+          <a:p>
+            <a:r>
+              <a:rPr lang="en-GB" dirty="0"/>
+              <a:t> </a:t>
+            </a:r>
+            <a:r>
+              <a:rPr lang="en-GB" b="1" dirty="0"/>
               <a:t>WSG</a:t>
             </a:r>
-          </a:p>
-        </p:txBody>
-      </p:sp>
-      <p:sp>
-        <p:nvSpPr>
-          <p:cNvPr id="3" name="Content Placeholder 2">
-            <a:extLst>
-              <a:ext uri="{FF2B5EF4-FFF2-40B4-BE49-F238E27FC236}">
-                <a16:creationId xmlns:a16="http://schemas.microsoft.com/office/drawing/2014/main" id="{05BF8D4A-903F-6BA9-FBBC-2F17F3EEE1B8}"/>
-              </a:ext>
-            </a:extLst>
-          </p:cNvPr>
-          <p:cNvSpPr>
-            <a:spLocks noGrp="1"/>
-          </p:cNvSpPr>
-          <p:nvPr>
-            <p:ph idx="1"/>
-          </p:nvPr>
-        </p:nvSpPr>
-        <p:spPr/>
-        <p:txBody>
-          <a:bodyPr>
-            <a:normAutofit fontScale="92500" lnSpcReduction="20000"/>
-          </a:bodyPr>
-          <a:lstStyle/>
-          <a:p>
-            <a:pPr marL="0" indent="0" algn="l">
+            <a:r>
+              <a:rPr lang="en-GB" dirty="0"/>
+              <a:t>: En W3C </a:t>
+            </a:r>
+            <a:r>
+              <a:rPr lang="en-GB" dirty="0" err="1"/>
+              <a:t>gruppe</a:t>
+            </a:r>
+            <a:r>
+              <a:rPr lang="en-GB" dirty="0"/>
+              <a:t> med </a:t>
+            </a:r>
+            <a:r>
+              <a:rPr lang="en-GB" dirty="0" err="1"/>
+              <a:t>fokus</a:t>
+            </a:r>
+            <a:r>
+              <a:rPr lang="en-GB" dirty="0"/>
+              <a:t> </a:t>
+            </a:r>
+            <a:r>
+              <a:rPr lang="en-GB" dirty="0" err="1"/>
+              <a:t>på</a:t>
+            </a:r>
+            <a:r>
+              <a:rPr lang="en-GB" dirty="0"/>
+              <a:t> </a:t>
+            </a:r>
+            <a:r>
+              <a:rPr lang="en-GB" b="1" dirty="0" err="1"/>
+              <a:t>fællesskabsengagement</a:t>
+            </a:r>
+            <a:r>
+              <a:rPr lang="en-GB" dirty="0"/>
+              <a:t> </a:t>
+            </a:r>
+            <a:r>
+              <a:rPr lang="en-GB" dirty="0" err="1"/>
+              <a:t>og</a:t>
+            </a:r>
+            <a:r>
+              <a:rPr lang="en-GB" dirty="0"/>
+              <a:t> </a:t>
+            </a:r>
+            <a:r>
+              <a:rPr lang="en-GB" b="1" dirty="0" err="1"/>
+              <a:t>deling</a:t>
+            </a:r>
+            <a:r>
+              <a:rPr lang="en-GB" b="1" dirty="0"/>
+              <a:t> </a:t>
+            </a:r>
+            <a:r>
+              <a:rPr lang="en-GB" b="1" dirty="0" err="1"/>
+              <a:t>af</a:t>
+            </a:r>
+            <a:r>
+              <a:rPr lang="en-GB" b="1" dirty="0"/>
+              <a:t> information</a:t>
+            </a:r>
+            <a:r>
+              <a:rPr lang="en-GB" dirty="0"/>
+              <a:t>.</a:t>
+            </a:r>
+          </a:p>
+          <a:p>
+            <a:pPr marL="0" indent="0">
               <a:buNone/>
             </a:pPr>
             <a:r>
-              <a:rPr lang="en-GB" b="0" i="0" dirty="0">
-                <a:solidFill>
-                  <a:srgbClr val="363737"/>
-                </a:solidFill>
-                <a:effectLst/>
-                <a:latin typeface="Spectral"/>
-              </a:rPr>
-              <a:t>4 big pieces:</a:t>
-            </a:r>
-          </a:p>
-          <a:p>
-            <a:pPr algn="l">
-              <a:buFont typeface="Arial" panose="020B0604020202020204" pitchFamily="34" charset="0"/>
-              <a:buChar char="•"/>
+              <a:rPr lang="en-GB" dirty="0"/>
+              <a:t> </a:t>
+            </a:r>
+            <a:r>
+              <a:rPr lang="en-GB" dirty="0">
+                <a:hlinkClick r:id="rId2"/>
+              </a:rPr>
+              <a:t>https://w3c.github.io/sustyweb/glance.html</a:t>
+            </a:r>
+            <a:endParaRPr lang="en-GB" dirty="0"/>
+          </a:p>
+          <a:p>
+            <a:pPr marL="0" indent="0">
+              <a:buNone/>
             </a:pPr>
             <a:r>
-              <a:rPr lang="en-GB" b="0" i="0" dirty="0">
-                <a:solidFill>
-                  <a:srgbClr val="363737"/>
-                </a:solidFill>
-                <a:effectLst/>
-                <a:latin typeface="Spectral"/>
-              </a:rPr>
-              <a:t>User Experience Design: “research and ideation, journey design, content and assets, and quality assurance.”</a:t>
-            </a:r>
-          </a:p>
-          <a:p>
-            <a:pPr algn="l">
-              <a:buFont typeface="Arial" panose="020B0604020202020204" pitchFamily="34" charset="0"/>
-              <a:buChar char="•"/>
+              <a:rPr lang="en-GB" dirty="0"/>
+              <a:t> </a:t>
+            </a:r>
+            <a:r>
+              <a:rPr lang="en-GB" dirty="0">
+                <a:hlinkClick r:id="rId3"/>
+              </a:rPr>
+              <a:t>https://www.w3.org/blog/2023/introducing-web-sustainability-guidelines/</a:t>
+            </a:r>
+            <a:endParaRPr lang="en-GB" dirty="0"/>
+          </a:p>
+          <a:p>
+            <a:pPr marL="0" indent="0">
+              <a:buNone/>
             </a:pPr>
-            <a:r>
-              <a:rPr lang="en-GB" b="0" i="0" dirty="0">
-                <a:solidFill>
-                  <a:srgbClr val="363737"/>
-                </a:solidFill>
-                <a:effectLst/>
-                <a:latin typeface="Spectral"/>
-              </a:rPr>
-              <a:t>Web Development: “development approach, code minimization, code coherence, and code security.”</a:t>
-            </a:r>
-          </a:p>
-          <a:p>
-            <a:pPr algn="l">
-              <a:buFont typeface="Arial" panose="020B0604020202020204" pitchFamily="34" charset="0"/>
-              <a:buChar char="•"/>
+            <a:endParaRPr lang="en-GB" dirty="0"/>
+          </a:p>
+          <a:p>
+            <a:pPr marL="0" indent="0">
+              <a:buNone/>
             </a:pPr>
-            <a:r>
-              <a:rPr lang="en-GB" b="0" i="0" dirty="0">
-                <a:solidFill>
-                  <a:srgbClr val="363737"/>
-                </a:solidFill>
-                <a:effectLst/>
-                <a:latin typeface="Spectral"/>
-              </a:rPr>
-              <a:t>Hosting / infrastructure: “environment commissioning, minimizing environment and data, and minimizing human disruption.”</a:t>
-            </a:r>
-          </a:p>
-          <a:p>
-            <a:pPr algn="l">
-              <a:buFont typeface="Arial" panose="020B0604020202020204" pitchFamily="34" charset="0"/>
-              <a:buChar char="•"/>
-            </a:pPr>
-            <a:r>
-              <a:rPr lang="en-GB" b="0" i="0" dirty="0">
-                <a:solidFill>
-                  <a:srgbClr val="363737"/>
-                </a:solidFill>
-                <a:effectLst/>
-                <a:latin typeface="Spectral"/>
-              </a:rPr>
-              <a:t>Business strategy / Product management: “reporting, disclosure, strategy, and policies from both an organizational and website / product level.”</a:t>
-            </a:r>
-          </a:p>
-          <a:p>
-            <a:endParaRPr lang="en-DK" dirty="0"/>
+            <a:endParaRPr lang="en-GB" dirty="0"/>
+          </a:p>
+          <a:p>
+            <a:endParaRPr lang="en-GB" dirty="0"/>
+          </a:p>
+          <a:p>
+            <a:endParaRPr dirty="0"/>
           </a:p>
         </p:txBody>
       </p:sp>
     </p:spTree>
-    <p:extLst>
-      <p:ext uri="{BB962C8B-B14F-4D97-AF65-F5344CB8AC3E}">
-        <p14:creationId xmlns:p14="http://schemas.microsoft.com/office/powerpoint/2010/main" val="1050528676"/>
-      </p:ext>
-    </p:extLst>
   </p:cSld>
   <p:clrMapOvr>
     <a:masterClrMapping/>
@@ -8075,7 +8193,7 @@
           <p:cNvPr id="2" name="Title 1">
             <a:extLst>
               <a:ext uri="{FF2B5EF4-FFF2-40B4-BE49-F238E27FC236}">
-                <a16:creationId xmlns:a16="http://schemas.microsoft.com/office/drawing/2014/main" id="{FCE14B95-C52A-5FA5-6A22-784C9427B708}"/>
+                <a16:creationId xmlns:a16="http://schemas.microsoft.com/office/drawing/2014/main" id="{4E7DA266-7CC6-D0EA-8EAA-FAD9946F8451}"/>
               </a:ext>
             </a:extLst>
           </p:cNvPr>
@@ -8095,7 +8213,7 @@
               <a:rPr lang="en-DK" dirty="0">
                 <a:latin typeface="Raleway" pitchFamily="2" charset="77"/>
               </a:rPr>
-              <a:t>WSG og WCAG</a:t>
+              <a:t>WSG</a:t>
             </a:r>
           </a:p>
         </p:txBody>
@@ -8105,7 +8223,7 @@
           <p:cNvPr id="3" name="Content Placeholder 2">
             <a:extLst>
               <a:ext uri="{FF2B5EF4-FFF2-40B4-BE49-F238E27FC236}">
-                <a16:creationId xmlns:a16="http://schemas.microsoft.com/office/drawing/2014/main" id="{7524658F-C131-5D66-031F-99B0963613F2}"/>
+                <a16:creationId xmlns:a16="http://schemas.microsoft.com/office/drawing/2014/main" id="{05BF8D4A-903F-6BA9-FBBC-2F17F3EEE1B8}"/>
               </a:ext>
             </a:extLst>
           </p:cNvPr>
@@ -8118,208 +8236,90 @@
         </p:nvSpPr>
         <p:spPr/>
         <p:txBody>
-          <a:bodyPr/>
+          <a:bodyPr>
+            <a:normAutofit fontScale="92500" lnSpcReduction="20000"/>
+          </a:bodyPr>
           <a:lstStyle/>
           <a:p>
-            <a:pPr marL="0" indent="0">
+            <a:pPr marL="0" indent="0" algn="l">
               <a:buNone/>
             </a:pPr>
             <a:r>
-              <a:rPr lang="en-GB" dirty="0"/>
-              <a:t> </a:t>
-            </a:r>
-            <a:r>
-              <a:rPr lang="en-GB" b="1" dirty="0"/>
-              <a:t>WCAG</a:t>
-            </a:r>
-            <a:r>
-              <a:rPr lang="en-GB" dirty="0"/>
-              <a:t>: Et formelt </a:t>
-            </a:r>
-            <a:r>
-              <a:rPr lang="en-GB" dirty="0" err="1"/>
-              <a:t>sæt</a:t>
-            </a:r>
-            <a:r>
-              <a:rPr lang="en-GB" dirty="0"/>
-              <a:t> </a:t>
-            </a:r>
-            <a:r>
-              <a:rPr lang="en-GB" dirty="0" err="1"/>
-              <a:t>af</a:t>
-            </a:r>
-            <a:r>
-              <a:rPr lang="en-GB" dirty="0"/>
-              <a:t> </a:t>
-            </a:r>
-            <a:r>
-              <a:rPr lang="en-GB" b="1" dirty="0" err="1"/>
-              <a:t>tekniske</a:t>
-            </a:r>
-            <a:r>
-              <a:rPr lang="en-GB" b="1" dirty="0"/>
-              <a:t> </a:t>
-            </a:r>
-            <a:r>
-              <a:rPr lang="en-GB" b="1" dirty="0" err="1"/>
-              <a:t>standarder</a:t>
-            </a:r>
-            <a:r>
-              <a:rPr lang="en-GB" dirty="0"/>
-              <a:t>, </a:t>
-            </a:r>
-            <a:r>
-              <a:rPr lang="en-GB" dirty="0" err="1"/>
-              <a:t>som</a:t>
-            </a:r>
-            <a:r>
-              <a:rPr lang="en-GB" dirty="0"/>
-              <a:t> </a:t>
-            </a:r>
-            <a:r>
-              <a:rPr lang="en-GB" dirty="0" err="1"/>
-              <a:t>webudviklere</a:t>
-            </a:r>
-            <a:r>
-              <a:rPr lang="en-GB" dirty="0"/>
-              <a:t> </a:t>
-            </a:r>
-            <a:r>
-              <a:rPr lang="en-GB" dirty="0" err="1"/>
-              <a:t>og</a:t>
-            </a:r>
-            <a:r>
-              <a:rPr lang="en-GB" dirty="0"/>
-              <a:t> </a:t>
-            </a:r>
-            <a:r>
-              <a:rPr lang="en-GB" dirty="0" err="1"/>
-              <a:t>designere</a:t>
-            </a:r>
-            <a:r>
-              <a:rPr lang="en-GB" dirty="0"/>
-              <a:t> </a:t>
-            </a:r>
-            <a:r>
-              <a:rPr lang="en-GB" b="1" dirty="0" err="1"/>
-              <a:t>skal</a:t>
-            </a:r>
-            <a:r>
-              <a:rPr lang="en-GB" dirty="0"/>
-              <a:t> </a:t>
-            </a:r>
-            <a:r>
-              <a:rPr lang="en-GB" dirty="0" err="1"/>
-              <a:t>følge</a:t>
-            </a:r>
-            <a:r>
-              <a:rPr lang="en-GB" dirty="0"/>
-              <a:t> for at </a:t>
-            </a:r>
-            <a:r>
-              <a:rPr lang="en-GB" dirty="0" err="1"/>
-              <a:t>skabe</a:t>
-            </a:r>
-            <a:r>
-              <a:rPr lang="en-GB" dirty="0"/>
-              <a:t> </a:t>
-            </a:r>
-            <a:r>
-              <a:rPr lang="en-GB" b="1" dirty="0" err="1"/>
-              <a:t>tilgængelige</a:t>
-            </a:r>
-            <a:r>
-              <a:rPr lang="en-GB" b="1" dirty="0"/>
-              <a:t> </a:t>
-            </a:r>
-            <a:r>
-              <a:rPr lang="en-GB" b="1" dirty="0" err="1"/>
-              <a:t>hjemmesider</a:t>
-            </a:r>
-            <a:r>
-              <a:rPr lang="en-GB" dirty="0"/>
-              <a:t>.</a:t>
-            </a:r>
-          </a:p>
-          <a:p>
-            <a:pPr marL="0" indent="0">
-              <a:buNone/>
+              <a:rPr lang="en-GB" b="0" i="0" dirty="0">
+                <a:solidFill>
+                  <a:srgbClr val="363737"/>
+                </a:solidFill>
+                <a:effectLst/>
+                <a:latin typeface="Spectral"/>
+              </a:rPr>
+              <a:t>4 big pieces:</a:t>
+            </a:r>
+          </a:p>
+          <a:p>
+            <a:pPr algn="l">
+              <a:buFont typeface="Arial" panose="020B0604020202020204" pitchFamily="34" charset="0"/>
+              <a:buChar char="•"/>
             </a:pPr>
-            <a:endParaRPr lang="en-DK" dirty="0"/>
-          </a:p>
-          <a:p>
-            <a:pPr marL="0" indent="0">
-              <a:buNone/>
+            <a:r>
+              <a:rPr lang="en-GB" b="0" i="0" dirty="0">
+                <a:solidFill>
+                  <a:srgbClr val="363737"/>
+                </a:solidFill>
+                <a:effectLst/>
+                <a:latin typeface="Spectral"/>
+              </a:rPr>
+              <a:t>User Experience Design: “research and ideation, journey design, content and assets, and quality assurance.”</a:t>
+            </a:r>
+          </a:p>
+          <a:p>
+            <a:pPr algn="l">
+              <a:buFont typeface="Arial" panose="020B0604020202020204" pitchFamily="34" charset="0"/>
+              <a:buChar char="•"/>
             </a:pPr>
             <a:r>
-              <a:rPr lang="en-GB" b="1" dirty="0"/>
-              <a:t>WSG</a:t>
-            </a:r>
-            <a:r>
-              <a:rPr lang="en-GB" dirty="0"/>
-              <a:t>: </a:t>
-            </a:r>
-            <a:r>
-              <a:rPr lang="en-GB" dirty="0" err="1"/>
-              <a:t>Fremmer</a:t>
-            </a:r>
-            <a:r>
-              <a:rPr lang="en-GB" dirty="0"/>
-              <a:t> </a:t>
-            </a:r>
-            <a:r>
-              <a:rPr lang="en-GB" b="1" dirty="0" err="1"/>
-              <a:t>bedste</a:t>
-            </a:r>
-            <a:r>
-              <a:rPr lang="en-GB" b="1" dirty="0"/>
-              <a:t> </a:t>
-            </a:r>
-            <a:r>
-              <a:rPr lang="en-GB" b="1" dirty="0" err="1"/>
-              <a:t>praksis</a:t>
-            </a:r>
-            <a:r>
-              <a:rPr lang="en-GB" dirty="0"/>
-              <a:t>, men </a:t>
-            </a:r>
-            <a:r>
-              <a:rPr lang="en-GB" dirty="0" err="1"/>
-              <a:t>har</a:t>
-            </a:r>
-            <a:r>
-              <a:rPr lang="en-GB" dirty="0"/>
-              <a:t> </a:t>
-            </a:r>
-            <a:r>
-              <a:rPr lang="en-GB" dirty="0" err="1"/>
-              <a:t>ikke</a:t>
-            </a:r>
-            <a:r>
-              <a:rPr lang="en-GB" dirty="0"/>
-              <a:t> </a:t>
-            </a:r>
-            <a:r>
-              <a:rPr lang="en-GB" b="1" dirty="0" err="1"/>
-              <a:t>håndhævelige</a:t>
-            </a:r>
-            <a:r>
-              <a:rPr lang="en-GB" b="1" dirty="0"/>
-              <a:t> </a:t>
-            </a:r>
-            <a:r>
-              <a:rPr lang="en-GB" b="1" dirty="0" err="1"/>
-              <a:t>retningslinjer</a:t>
-            </a:r>
-            <a:r>
-              <a:rPr lang="en-GB" dirty="0"/>
-              <a:t>.</a:t>
-            </a:r>
-          </a:p>
-          <a:p>
-            <a:pPr marL="0" indent="0">
-              <a:buNone/>
+              <a:rPr lang="en-GB" b="0" i="0" dirty="0">
+                <a:solidFill>
+                  <a:srgbClr val="363737"/>
+                </a:solidFill>
+                <a:effectLst/>
+                <a:latin typeface="Spectral"/>
+              </a:rPr>
+              <a:t>Web Development: “development approach, code minimization, code coherence, and code security.”</a:t>
+            </a:r>
+          </a:p>
+          <a:p>
+            <a:pPr algn="l">
+              <a:buFont typeface="Arial" panose="020B0604020202020204" pitchFamily="34" charset="0"/>
+              <a:buChar char="•"/>
             </a:pPr>
+            <a:r>
+              <a:rPr lang="en-GB" b="0" i="0" dirty="0">
+                <a:solidFill>
+                  <a:srgbClr val="363737"/>
+                </a:solidFill>
+                <a:effectLst/>
+                <a:latin typeface="Spectral"/>
+              </a:rPr>
+              <a:t>Hosting / infrastructure: “environment commissioning, minimizing environment and data, and minimizing human disruption.”</a:t>
+            </a:r>
+          </a:p>
+          <a:p>
+            <a:pPr algn="l">
+              <a:buFont typeface="Arial" panose="020B0604020202020204" pitchFamily="34" charset="0"/>
+              <a:buChar char="•"/>
+            </a:pPr>
+            <a:r>
+              <a:rPr lang="en-GB" b="0" i="0" dirty="0">
+                <a:solidFill>
+                  <a:srgbClr val="363737"/>
+                </a:solidFill>
+                <a:effectLst/>
+                <a:latin typeface="Spectral"/>
+              </a:rPr>
+              <a:t>Business strategy / Product management: “reporting, disclosure, strategy, and policies from both an organizational and website / product level.”</a:t>
+            </a:r>
+          </a:p>
+          <a:p>
             <a:endParaRPr lang="en-DK" dirty="0"/>
           </a:p>
         </p:txBody>
@@ -8327,7 +8327,7 @@
     </p:spTree>
     <p:extLst>
       <p:ext uri="{BB962C8B-B14F-4D97-AF65-F5344CB8AC3E}">
-        <p14:creationId xmlns:p14="http://schemas.microsoft.com/office/powerpoint/2010/main" val="1047881982"/>
+        <p14:creationId xmlns:p14="http://schemas.microsoft.com/office/powerpoint/2010/main" val="1050528676"/>
       </p:ext>
     </p:extLst>
   </p:cSld>
@@ -8359,7 +8359,7 @@
           <p:cNvPr id="2" name="Title 1">
             <a:extLst>
               <a:ext uri="{FF2B5EF4-FFF2-40B4-BE49-F238E27FC236}">
-                <a16:creationId xmlns:a16="http://schemas.microsoft.com/office/drawing/2014/main" id="{993A53BC-ACBE-AA8C-4735-011F5D40F7CF}"/>
+                <a16:creationId xmlns:a16="http://schemas.microsoft.com/office/drawing/2014/main" id="{FCE14B95-C52A-5FA5-6A22-784C9427B708}"/>
               </a:ext>
             </a:extLst>
           </p:cNvPr>
@@ -8370,90 +8370,17 @@
             <p:ph type="title"/>
           </p:nvPr>
         </p:nvSpPr>
-        <p:spPr>
-          <a:xfrm>
-            <a:off x="609600" y="731836"/>
-            <a:ext cx="10972800" cy="1143000"/>
-          </a:xfrm>
-        </p:spPr>
-        <p:txBody>
-          <a:bodyPr>
-            <a:normAutofit fontScale="90000"/>
-          </a:bodyPr>
+        <p:spPr/>
+        <p:txBody>
+          <a:bodyPr/>
           <a:lstStyle/>
           <a:p>
             <a:r>
-              <a:rPr lang="en-GB" i="0" dirty="0" err="1">
-                <a:effectLst/>
-                <a:latin typeface="Raleway" pitchFamily="2" charset="77"/>
-              </a:rPr>
-              <a:t>Øvelse</a:t>
-            </a:r>
-            <a:r>
-              <a:rPr lang="en-GB" i="0" dirty="0">
-                <a:effectLst/>
-                <a:latin typeface="Raleway" pitchFamily="2" charset="77"/>
-              </a:rPr>
-              <a:t>: </a:t>
-            </a:r>
-            <a:r>
-              <a:rPr lang="en-GB" i="0" dirty="0" err="1">
-                <a:effectLst/>
-                <a:latin typeface="Raleway" pitchFamily="2" charset="77"/>
-              </a:rPr>
-              <a:t>Udforskning</a:t>
-            </a:r>
-            <a:r>
-              <a:rPr lang="en-GB" i="0" dirty="0">
-                <a:effectLst/>
-                <a:latin typeface="Raleway" pitchFamily="2" charset="77"/>
-              </a:rPr>
-              <a:t> </a:t>
-            </a:r>
-            <a:r>
-              <a:rPr lang="en-GB" i="0" dirty="0" err="1">
-                <a:effectLst/>
-                <a:latin typeface="Raleway" pitchFamily="2" charset="77"/>
-              </a:rPr>
-              <a:t>af</a:t>
-            </a:r>
-            <a:r>
-              <a:rPr lang="en-GB" i="0" dirty="0">
-                <a:effectLst/>
-                <a:latin typeface="Raleway" pitchFamily="2" charset="77"/>
-              </a:rPr>
-              <a:t> </a:t>
-            </a:r>
-            <a:r>
-              <a:rPr lang="en-GB" i="0" dirty="0" err="1">
-                <a:effectLst/>
-                <a:latin typeface="Raleway" pitchFamily="2" charset="77"/>
-              </a:rPr>
-              <a:t>bæredygtigt</a:t>
-            </a:r>
-            <a:r>
-              <a:rPr lang="en-GB" i="0" dirty="0">
-                <a:effectLst/>
-                <a:latin typeface="Raleway" pitchFamily="2" charset="77"/>
-              </a:rPr>
-              <a:t> </a:t>
-            </a:r>
-            <a:r>
-              <a:rPr lang="en-GB" i="0" dirty="0" err="1">
-                <a:effectLst/>
-                <a:latin typeface="Raleway" pitchFamily="2" charset="77"/>
-              </a:rPr>
-              <a:t>webdesign</a:t>
-            </a:r>
-            <a:br>
-              <a:rPr lang="en-GB" i="0" dirty="0">
-                <a:effectLst/>
-                <a:latin typeface="Raleway" pitchFamily="2" charset="77"/>
-              </a:rPr>
-            </a:br>
-            <a:endParaRPr lang="en-DK" dirty="0">
-              <a:latin typeface="Raleway" pitchFamily="2" charset="77"/>
-            </a:endParaRPr>
+              <a:rPr lang="en-DK" dirty="0">
+                <a:latin typeface="Raleway" pitchFamily="2" charset="77"/>
+              </a:rPr>
+              <a:t>WSG og WCAG</a:t>
+            </a:r>
           </a:p>
         </p:txBody>
       </p:sp>
@@ -8462,7 +8389,7 @@
           <p:cNvPr id="3" name="Content Placeholder 2">
             <a:extLst>
               <a:ext uri="{FF2B5EF4-FFF2-40B4-BE49-F238E27FC236}">
-                <a16:creationId xmlns:a16="http://schemas.microsoft.com/office/drawing/2014/main" id="{9010F581-A40E-93AA-8449-786CA2F0C9D0}"/>
+                <a16:creationId xmlns:a16="http://schemas.microsoft.com/office/drawing/2014/main" id="{7524658F-C131-5D66-031F-99B0963613F2}"/>
               </a:ext>
             </a:extLst>
           </p:cNvPr>
@@ -8478,510 +8405,205 @@
           <a:bodyPr/>
           <a:lstStyle/>
           <a:p>
-            <a:pPr algn="l">
-              <a:spcBef>
-                <a:spcPts val="600"/>
-              </a:spcBef>
-              <a:buFont typeface="+mj-lt"/>
-              <a:buAutoNum type="arabicPeriod"/>
+            <a:pPr marL="0" indent="0">
+              <a:buNone/>
             </a:pPr>
-            <a:endParaRPr lang="en-GB" sz="2800" b="1" i="0" dirty="0">
-              <a:effectLst/>
-              <a:latin typeface="Calibri" panose="020F0502020204030204" pitchFamily="34" charset="0"/>
-              <a:cs typeface="Calibri" panose="020F0502020204030204" pitchFamily="34" charset="0"/>
-            </a:endParaRPr>
-          </a:p>
-          <a:p>
-            <a:pPr algn="l">
-              <a:spcBef>
-                <a:spcPts val="600"/>
-              </a:spcBef>
-              <a:buFont typeface="+mj-lt"/>
-              <a:buAutoNum type="arabicPeriod"/>
+            <a:r>
+              <a:rPr lang="en-GB" dirty="0"/>
+              <a:t> </a:t>
+            </a:r>
+            <a:r>
+              <a:rPr lang="en-GB" b="1" dirty="0"/>
+              <a:t>WCAG</a:t>
+            </a:r>
+            <a:r>
+              <a:rPr lang="en-GB" dirty="0"/>
+              <a:t>: Et formelt </a:t>
+            </a:r>
+            <a:r>
+              <a:rPr lang="en-GB" dirty="0" err="1"/>
+              <a:t>sæt</a:t>
+            </a:r>
+            <a:r>
+              <a:rPr lang="en-GB" dirty="0"/>
+              <a:t> </a:t>
+            </a:r>
+            <a:r>
+              <a:rPr lang="en-GB" dirty="0" err="1"/>
+              <a:t>af</a:t>
+            </a:r>
+            <a:r>
+              <a:rPr lang="en-GB" dirty="0"/>
+              <a:t> </a:t>
+            </a:r>
+            <a:r>
+              <a:rPr lang="en-GB" b="1" dirty="0" err="1"/>
+              <a:t>tekniske</a:t>
+            </a:r>
+            <a:r>
+              <a:rPr lang="en-GB" b="1" dirty="0"/>
+              <a:t> </a:t>
+            </a:r>
+            <a:r>
+              <a:rPr lang="en-GB" b="1" dirty="0" err="1"/>
+              <a:t>standarder</a:t>
+            </a:r>
+            <a:r>
+              <a:rPr lang="en-GB" dirty="0"/>
+              <a:t>, </a:t>
+            </a:r>
+            <a:r>
+              <a:rPr lang="en-GB" dirty="0" err="1"/>
+              <a:t>som</a:t>
+            </a:r>
+            <a:r>
+              <a:rPr lang="en-GB" dirty="0"/>
+              <a:t> </a:t>
+            </a:r>
+            <a:r>
+              <a:rPr lang="en-GB" dirty="0" err="1"/>
+              <a:t>webudviklere</a:t>
+            </a:r>
+            <a:r>
+              <a:rPr lang="en-GB" dirty="0"/>
+              <a:t> </a:t>
+            </a:r>
+            <a:r>
+              <a:rPr lang="en-GB" dirty="0" err="1"/>
+              <a:t>og</a:t>
+            </a:r>
+            <a:r>
+              <a:rPr lang="en-GB" dirty="0"/>
+              <a:t> </a:t>
+            </a:r>
+            <a:r>
+              <a:rPr lang="en-GB" dirty="0" err="1"/>
+              <a:t>designere</a:t>
+            </a:r>
+            <a:r>
+              <a:rPr lang="en-GB" dirty="0"/>
+              <a:t> </a:t>
+            </a:r>
+            <a:r>
+              <a:rPr lang="en-GB" b="1" dirty="0" err="1"/>
+              <a:t>skal</a:t>
+            </a:r>
+            <a:r>
+              <a:rPr lang="en-GB" dirty="0"/>
+              <a:t> </a:t>
+            </a:r>
+            <a:r>
+              <a:rPr lang="en-GB" dirty="0" err="1"/>
+              <a:t>følge</a:t>
+            </a:r>
+            <a:r>
+              <a:rPr lang="en-GB" dirty="0"/>
+              <a:t> for at </a:t>
+            </a:r>
+            <a:r>
+              <a:rPr lang="en-GB" dirty="0" err="1"/>
+              <a:t>skabe</a:t>
+            </a:r>
+            <a:r>
+              <a:rPr lang="en-GB" dirty="0"/>
+              <a:t> </a:t>
+            </a:r>
+            <a:r>
+              <a:rPr lang="en-GB" b="1" dirty="0" err="1"/>
+              <a:t>tilgængelige</a:t>
+            </a:r>
+            <a:r>
+              <a:rPr lang="en-GB" b="1" dirty="0"/>
+              <a:t> </a:t>
+            </a:r>
+            <a:r>
+              <a:rPr lang="en-GB" b="1" dirty="0" err="1"/>
+              <a:t>hjemmesider</a:t>
+            </a:r>
+            <a:r>
+              <a:rPr lang="en-GB" dirty="0"/>
+              <a:t>.</a:t>
+            </a:r>
+          </a:p>
+          <a:p>
+            <a:pPr marL="0" indent="0">
+              <a:buNone/>
             </a:pPr>
-            <a:r>
-              <a:rPr lang="en-GB" sz="2800" b="1" dirty="0" err="1">
-                <a:latin typeface="Calibri" panose="020F0502020204030204" pitchFamily="34" charset="0"/>
-                <a:cs typeface="Calibri" panose="020F0502020204030204" pitchFamily="34" charset="0"/>
-              </a:rPr>
-              <a:t>Arbejde</a:t>
-            </a:r>
-            <a:r>
-              <a:rPr lang="en-GB" sz="2800" b="1" dirty="0">
-                <a:latin typeface="Calibri" panose="020F0502020204030204" pitchFamily="34" charset="0"/>
-                <a:cs typeface="Calibri" panose="020F0502020204030204" pitchFamily="34" charset="0"/>
-              </a:rPr>
-              <a:t> I </a:t>
-            </a:r>
-            <a:r>
-              <a:rPr lang="en-GB" sz="2800" b="1" dirty="0" err="1">
-                <a:latin typeface="Calibri" panose="020F0502020204030204" pitchFamily="34" charset="0"/>
-                <a:cs typeface="Calibri" panose="020F0502020204030204" pitchFamily="34" charset="0"/>
-              </a:rPr>
-              <a:t>Grupper</a:t>
-            </a:r>
-            <a:r>
-              <a:rPr lang="en-GB" sz="2800" b="1" dirty="0">
-                <a:latin typeface="Calibri" panose="020F0502020204030204" pitchFamily="34" charset="0"/>
-                <a:cs typeface="Calibri" panose="020F0502020204030204" pitchFamily="34" charset="0"/>
-              </a:rPr>
-              <a:t>, </a:t>
-            </a:r>
-            <a:r>
-              <a:rPr lang="en-GB" sz="2800" b="1" dirty="0" err="1">
-                <a:latin typeface="Calibri" panose="020F0502020204030204" pitchFamily="34" charset="0"/>
-                <a:cs typeface="Calibri" panose="020F0502020204030204" pitchFamily="34" charset="0"/>
-              </a:rPr>
-              <a:t>B</a:t>
-            </a:r>
-            <a:r>
-              <a:rPr lang="en-GB" sz="2800" b="1" i="0" dirty="0" err="1">
-                <a:effectLst/>
-                <a:latin typeface="Calibri" panose="020F0502020204030204" pitchFamily="34" charset="0"/>
-                <a:cs typeface="Calibri" panose="020F0502020204030204" pitchFamily="34" charset="0"/>
-              </a:rPr>
-              <a:t>esøg</a:t>
-            </a:r>
-            <a:r>
-              <a:rPr lang="en-GB" sz="2800" b="0" i="0" dirty="0">
-                <a:effectLst/>
-                <a:latin typeface="Calibri" panose="020F0502020204030204" pitchFamily="34" charset="0"/>
-                <a:cs typeface="Calibri" panose="020F0502020204030204" pitchFamily="34" charset="0"/>
-              </a:rPr>
-              <a:t> </a:t>
-            </a:r>
-            <a:r>
-              <a:rPr lang="en-GB" sz="2800" b="0" i="0" u="none" strike="noStrike" dirty="0">
-                <a:effectLst/>
-                <a:latin typeface="Calibri" panose="020F0502020204030204" pitchFamily="34" charset="0"/>
-                <a:cs typeface="Calibri" panose="020F0502020204030204" pitchFamily="34" charset="0"/>
-                <a:hlinkClick r:id="rId2">
-                  <a:extLst>
-                    <a:ext uri="{A12FA001-AC4F-418D-AE19-62706E023703}">
-                      <ahyp:hlinkClr xmlns:ahyp="http://schemas.microsoft.com/office/drawing/2018/hyperlinkcolor" val="tx"/>
-                    </a:ext>
-                  </a:extLst>
-                </a:hlinkClick>
-              </a:rPr>
-              <a:t>Web Sustainability Guidelines (WSG) 1.0</a:t>
-            </a:r>
-            <a:r>
-              <a:rPr lang="en-GB" sz="2800" b="0" i="0" dirty="0">
-                <a:effectLst/>
-                <a:latin typeface="Calibri" panose="020F0502020204030204" pitchFamily="34" charset="0"/>
-                <a:cs typeface="Calibri" panose="020F0502020204030204" pitchFamily="34" charset="0"/>
-              </a:rPr>
+            <a:endParaRPr lang="en-DK" dirty="0"/>
+          </a:p>
+          <a:p>
+            <a:pPr marL="0" indent="0">
+              <a:buNone/>
+            </a:pPr>
+            <a:r>
+              <a:rPr lang="en-GB" b="1" dirty="0"/>
+              <a:t>WSG</a:t>
+            </a:r>
+            <a:r>
+              <a:rPr lang="en-GB" dirty="0"/>
+              <a:t>: </a:t>
+            </a:r>
+            <a:r>
+              <a:rPr lang="en-GB" dirty="0" err="1"/>
+              <a:t>Fremmer</a:t>
+            </a:r>
+            <a:r>
+              <a:rPr lang="en-GB" dirty="0"/>
+              <a:t> </a:t>
+            </a:r>
+            <a:r>
+              <a:rPr lang="en-GB" b="1" dirty="0" err="1"/>
+              <a:t>bedste</a:t>
+            </a:r>
+            <a:r>
+              <a:rPr lang="en-GB" b="1" dirty="0"/>
+              <a:t> </a:t>
+            </a:r>
+            <a:r>
+              <a:rPr lang="en-GB" b="1" dirty="0" err="1"/>
+              <a:t>praksis</a:t>
+            </a:r>
+            <a:r>
+              <a:rPr lang="en-GB" dirty="0"/>
+              <a:t>, men </a:t>
+            </a:r>
+            <a:r>
+              <a:rPr lang="en-GB" dirty="0" err="1"/>
+              <a:t>har</a:t>
+            </a:r>
+            <a:r>
+              <a:rPr lang="en-GB" dirty="0"/>
+              <a:t> </a:t>
+            </a:r>
+            <a:r>
+              <a:rPr lang="en-GB" dirty="0" err="1"/>
+              <a:t>ikke</a:t>
+            </a:r>
+            <a:r>
+              <a:rPr lang="en-GB" dirty="0"/>
+              <a:t> </a:t>
+            </a:r>
+            <a:r>
+              <a:rPr lang="en-GB" b="1" dirty="0" err="1"/>
+              <a:t>håndhævelige</a:t>
+            </a:r>
+            <a:r>
+              <a:rPr lang="en-GB" b="1" dirty="0"/>
+              <a:t> </a:t>
+            </a:r>
+            <a:r>
+              <a:rPr lang="en-GB" b="1" dirty="0" err="1"/>
+              <a:t>retningslinjer</a:t>
+            </a:r>
+            <a:r>
+              <a:rPr lang="en-GB" dirty="0"/>
               <a:t>.</a:t>
             </a:r>
           </a:p>
           <a:p>
-            <a:pPr algn="l">
-              <a:spcBef>
-                <a:spcPts val="600"/>
-              </a:spcBef>
-              <a:buFont typeface="+mj-lt"/>
-              <a:buAutoNum type="arabicPeriod"/>
+            <a:pPr marL="0" indent="0">
+              <a:buNone/>
             </a:pPr>
-            <a:r>
-              <a:rPr lang="en-GB" sz="2800" b="1" i="0" dirty="0">
-                <a:effectLst/>
-                <a:latin typeface="Calibri" panose="020F0502020204030204" pitchFamily="34" charset="0"/>
-                <a:cs typeface="Calibri" panose="020F0502020204030204" pitchFamily="34" charset="0"/>
-              </a:rPr>
-              <a:t>Find 2 UX-</a:t>
-            </a:r>
-            <a:r>
-              <a:rPr lang="en-GB" sz="2800" b="1" i="0" dirty="0" err="1">
-                <a:effectLst/>
-                <a:latin typeface="Calibri" panose="020F0502020204030204" pitchFamily="34" charset="0"/>
-                <a:cs typeface="Calibri" panose="020F0502020204030204" pitchFamily="34" charset="0"/>
-              </a:rPr>
-              <a:t>eksempler</a:t>
-            </a:r>
-            <a:r>
-              <a:rPr lang="en-GB" sz="2800" b="1" i="0" dirty="0">
-                <a:effectLst/>
-                <a:latin typeface="Calibri" panose="020F0502020204030204" pitchFamily="34" charset="0"/>
-                <a:cs typeface="Calibri" panose="020F0502020204030204" pitchFamily="34" charset="0"/>
-              </a:rPr>
-              <a:t>:</a:t>
-            </a:r>
-            <a:r>
-              <a:rPr lang="en-GB" sz="2800" b="0" i="0" dirty="0">
-                <a:effectLst/>
-                <a:latin typeface="Calibri" panose="020F0502020204030204" pitchFamily="34" charset="0"/>
-                <a:cs typeface="Calibri" panose="020F0502020204030204" pitchFamily="34" charset="0"/>
-              </a:rPr>
-              <a:t> </a:t>
-            </a:r>
-            <a:r>
-              <a:rPr lang="en-GB" sz="2800" b="0" i="0" dirty="0" err="1">
-                <a:effectLst/>
-                <a:latin typeface="Calibri" panose="020F0502020204030204" pitchFamily="34" charset="0"/>
-                <a:cs typeface="Calibri" panose="020F0502020204030204" pitchFamily="34" charset="0"/>
-              </a:rPr>
-              <a:t>Tilgængelighed</a:t>
-            </a:r>
-            <a:r>
-              <a:rPr lang="en-GB" sz="2800" b="0" i="0" dirty="0">
-                <a:effectLst/>
-                <a:latin typeface="Calibri" panose="020F0502020204030204" pitchFamily="34" charset="0"/>
-                <a:cs typeface="Calibri" panose="020F0502020204030204" pitchFamily="34" charset="0"/>
-              </a:rPr>
-              <a:t>, </a:t>
-            </a:r>
-            <a:r>
-              <a:rPr lang="en-GB" sz="2800" b="0" i="0" dirty="0" err="1">
-                <a:effectLst/>
-                <a:latin typeface="Calibri" panose="020F0502020204030204" pitchFamily="34" charset="0"/>
-                <a:cs typeface="Calibri" panose="020F0502020204030204" pitchFamily="34" charset="0"/>
-              </a:rPr>
-              <a:t>ydeevne</a:t>
-            </a:r>
-            <a:r>
-              <a:rPr lang="en-GB" sz="2800" b="0" i="0" dirty="0">
-                <a:effectLst/>
-                <a:latin typeface="Calibri" panose="020F0502020204030204" pitchFamily="34" charset="0"/>
-                <a:cs typeface="Calibri" panose="020F0502020204030204" pitchFamily="34" charset="0"/>
-              </a:rPr>
-              <a:t>, </a:t>
-            </a:r>
-            <a:r>
-              <a:rPr lang="en-GB" sz="2800" b="0" i="0" dirty="0" err="1">
-                <a:effectLst/>
-                <a:latin typeface="Calibri" panose="020F0502020204030204" pitchFamily="34" charset="0"/>
-                <a:cs typeface="Calibri" panose="020F0502020204030204" pitchFamily="34" charset="0"/>
-              </a:rPr>
-              <a:t>brugervenlighed</a:t>
-            </a:r>
-            <a:r>
-              <a:rPr lang="en-GB" sz="2800" b="0" i="0" dirty="0">
-                <a:effectLst/>
-                <a:latin typeface="Calibri" panose="020F0502020204030204" pitchFamily="34" charset="0"/>
-                <a:cs typeface="Calibri" panose="020F0502020204030204" pitchFamily="34" charset="0"/>
-              </a:rPr>
-              <a:t>.</a:t>
-            </a:r>
-          </a:p>
-          <a:p>
-            <a:pPr algn="l">
-              <a:spcBef>
-                <a:spcPts val="600"/>
-              </a:spcBef>
-              <a:buFont typeface="+mj-lt"/>
-              <a:buAutoNum type="arabicPeriod"/>
-            </a:pPr>
-            <a:r>
-              <a:rPr lang="en-GB" sz="2800" b="1" i="0" dirty="0">
-                <a:effectLst/>
-                <a:latin typeface="Calibri" panose="020F0502020204030204" pitchFamily="34" charset="0"/>
-                <a:cs typeface="Calibri" panose="020F0502020204030204" pitchFamily="34" charset="0"/>
-              </a:rPr>
-              <a:t>Find 2 </a:t>
-            </a:r>
-            <a:r>
-              <a:rPr lang="en-GB" sz="2800" b="1" i="0" dirty="0" err="1">
-                <a:effectLst/>
-                <a:latin typeface="Calibri" panose="020F0502020204030204" pitchFamily="34" charset="0"/>
-                <a:cs typeface="Calibri" panose="020F0502020204030204" pitchFamily="34" charset="0"/>
-              </a:rPr>
-              <a:t>udviklereksempler</a:t>
-            </a:r>
-            <a:r>
-              <a:rPr lang="en-GB" sz="2800" b="1" i="0" dirty="0">
-                <a:effectLst/>
-                <a:latin typeface="Calibri" panose="020F0502020204030204" pitchFamily="34" charset="0"/>
-                <a:cs typeface="Calibri" panose="020F0502020204030204" pitchFamily="34" charset="0"/>
-              </a:rPr>
-              <a:t>:</a:t>
-            </a:r>
-            <a:r>
-              <a:rPr lang="en-GB" sz="2800" b="0" i="0" dirty="0">
-                <a:effectLst/>
-                <a:latin typeface="Calibri" panose="020F0502020204030204" pitchFamily="34" charset="0"/>
-                <a:cs typeface="Calibri" panose="020F0502020204030204" pitchFamily="34" charset="0"/>
-              </a:rPr>
-              <a:t> </a:t>
-            </a:r>
-            <a:r>
-              <a:rPr lang="en-GB" sz="2800" b="0" i="0" dirty="0" err="1">
-                <a:effectLst/>
-                <a:latin typeface="Calibri" panose="020F0502020204030204" pitchFamily="34" charset="0"/>
-                <a:cs typeface="Calibri" panose="020F0502020204030204" pitchFamily="34" charset="0"/>
-              </a:rPr>
-              <a:t>Effektiv</a:t>
-            </a:r>
-            <a:r>
-              <a:rPr lang="en-GB" sz="2800" b="0" i="0" dirty="0">
-                <a:effectLst/>
-                <a:latin typeface="Calibri" panose="020F0502020204030204" pitchFamily="34" charset="0"/>
-                <a:cs typeface="Calibri" panose="020F0502020204030204" pitchFamily="34" charset="0"/>
-              </a:rPr>
-              <a:t> </a:t>
-            </a:r>
-            <a:r>
-              <a:rPr lang="en-GB" sz="2800" b="0" i="0" dirty="0" err="1">
-                <a:effectLst/>
-                <a:latin typeface="Calibri" panose="020F0502020204030204" pitchFamily="34" charset="0"/>
-                <a:cs typeface="Calibri" panose="020F0502020204030204" pitchFamily="34" charset="0"/>
-              </a:rPr>
-              <a:t>kodning</a:t>
-            </a:r>
-            <a:r>
-              <a:rPr lang="en-GB" sz="2800" b="0" i="0" dirty="0">
-                <a:effectLst/>
-                <a:latin typeface="Calibri" panose="020F0502020204030204" pitchFamily="34" charset="0"/>
-                <a:cs typeface="Calibri" panose="020F0502020204030204" pitchFamily="34" charset="0"/>
-              </a:rPr>
-              <a:t>, </a:t>
-            </a:r>
-            <a:r>
-              <a:rPr lang="en-GB" sz="2800" b="0" i="0" dirty="0" err="1">
-                <a:effectLst/>
-                <a:latin typeface="Calibri" panose="020F0502020204030204" pitchFamily="34" charset="0"/>
-                <a:cs typeface="Calibri" panose="020F0502020204030204" pitchFamily="34" charset="0"/>
-              </a:rPr>
-              <a:t>ressourcehåndtering</a:t>
-            </a:r>
-            <a:r>
-              <a:rPr lang="en-GB" sz="2800" b="0" i="0" dirty="0">
-                <a:effectLst/>
-                <a:latin typeface="Calibri" panose="020F0502020204030204" pitchFamily="34" charset="0"/>
-                <a:cs typeface="Calibri" panose="020F0502020204030204" pitchFamily="34" charset="0"/>
-              </a:rPr>
-              <a:t>, </a:t>
-            </a:r>
-            <a:r>
-              <a:rPr lang="en-GB" sz="2800" b="0" i="0" dirty="0" err="1">
-                <a:effectLst/>
-                <a:latin typeface="Calibri" panose="020F0502020204030204" pitchFamily="34" charset="0"/>
-                <a:cs typeface="Calibri" panose="020F0502020204030204" pitchFamily="34" charset="0"/>
-              </a:rPr>
-              <a:t>energiforbrug</a:t>
-            </a:r>
-            <a:r>
-              <a:rPr lang="en-GB" sz="2800" b="0" i="0" dirty="0">
-                <a:effectLst/>
-                <a:latin typeface="Calibri" panose="020F0502020204030204" pitchFamily="34" charset="0"/>
-                <a:cs typeface="Calibri" panose="020F0502020204030204" pitchFamily="34" charset="0"/>
-              </a:rPr>
-              <a:t>.</a:t>
-            </a:r>
-          </a:p>
-          <a:p>
-            <a:pPr algn="l">
-              <a:spcBef>
-                <a:spcPts val="600"/>
-              </a:spcBef>
-              <a:buFont typeface="+mj-lt"/>
-              <a:buAutoNum type="arabicPeriod"/>
-            </a:pPr>
-            <a:r>
-              <a:rPr lang="en-GB" sz="2800" dirty="0">
-                <a:latin typeface="Calibri" panose="020F0502020204030204" pitchFamily="34" charset="0"/>
-                <a:cs typeface="Calibri" panose="020F0502020204030204" pitchFamily="34" charset="0"/>
-              </a:rPr>
-              <a:t>Find 2 Business </a:t>
-            </a:r>
-            <a:r>
-              <a:rPr lang="en-GB" sz="2800" dirty="0" err="1">
-                <a:latin typeface="Calibri" panose="020F0502020204030204" pitchFamily="34" charset="0"/>
-                <a:cs typeface="Calibri" panose="020F0502020204030204" pitchFamily="34" charset="0"/>
-              </a:rPr>
-              <a:t>og</a:t>
-            </a:r>
-            <a:r>
-              <a:rPr lang="en-GB" sz="2800" dirty="0">
-                <a:latin typeface="Calibri" panose="020F0502020204030204" pitchFamily="34" charset="0"/>
-                <a:cs typeface="Calibri" panose="020F0502020204030204" pitchFamily="34" charset="0"/>
-              </a:rPr>
-              <a:t> Hosting</a:t>
-            </a:r>
-            <a:endParaRPr lang="en-GB" sz="2800" b="0" i="0" dirty="0">
-              <a:effectLst/>
-              <a:latin typeface="Calibri" panose="020F0502020204030204" pitchFamily="34" charset="0"/>
-              <a:cs typeface="Calibri" panose="020F0502020204030204" pitchFamily="34" charset="0"/>
-            </a:endParaRPr>
-          </a:p>
-          <a:p>
-            <a:pPr algn="l">
-              <a:spcBef>
-                <a:spcPts val="600"/>
-              </a:spcBef>
-              <a:buFont typeface="+mj-lt"/>
-              <a:buAutoNum type="arabicPeriod"/>
-            </a:pPr>
-            <a:r>
-              <a:rPr lang="en-GB" sz="2800" b="1" i="0" dirty="0" err="1">
-                <a:effectLst/>
-                <a:latin typeface="Calibri" panose="020F0502020204030204" pitchFamily="34" charset="0"/>
-                <a:cs typeface="Calibri" panose="020F0502020204030204" pitchFamily="34" charset="0"/>
-              </a:rPr>
-              <a:t>Dokumentér</a:t>
-            </a:r>
-            <a:r>
-              <a:rPr lang="en-GB" sz="2800" b="1" i="0" dirty="0">
-                <a:effectLst/>
-                <a:latin typeface="Calibri" panose="020F0502020204030204" pitchFamily="34" charset="0"/>
-                <a:cs typeface="Calibri" panose="020F0502020204030204" pitchFamily="34" charset="0"/>
-              </a:rPr>
-              <a:t> fund:</a:t>
-            </a:r>
-            <a:r>
-              <a:rPr lang="en-GB" sz="2800" b="0" i="0" dirty="0">
-                <a:effectLst/>
-                <a:latin typeface="Calibri" panose="020F0502020204030204" pitchFamily="34" charset="0"/>
-                <a:cs typeface="Calibri" panose="020F0502020204030204" pitchFamily="34" charset="0"/>
-              </a:rPr>
-              <a:t> </a:t>
-            </a:r>
-            <a:r>
-              <a:rPr lang="en-GB" sz="2800" b="0" i="0" dirty="0" err="1">
-                <a:effectLst/>
-                <a:latin typeface="Calibri" panose="020F0502020204030204" pitchFamily="34" charset="0"/>
-                <a:cs typeface="Calibri" panose="020F0502020204030204" pitchFamily="34" charset="0"/>
-              </a:rPr>
-              <a:t>Opsummer</a:t>
-            </a:r>
-            <a:r>
-              <a:rPr lang="en-GB" sz="2800" b="0" i="0" dirty="0">
-                <a:effectLst/>
-                <a:latin typeface="Calibri" panose="020F0502020204030204" pitchFamily="34" charset="0"/>
-                <a:cs typeface="Calibri" panose="020F0502020204030204" pitchFamily="34" charset="0"/>
-              </a:rPr>
-              <a:t> med </a:t>
-            </a:r>
-            <a:r>
-              <a:rPr lang="en-GB" sz="2800" b="0" i="0" dirty="0" err="1">
-                <a:effectLst/>
-                <a:latin typeface="Calibri" panose="020F0502020204030204" pitchFamily="34" charset="0"/>
-                <a:cs typeface="Calibri" panose="020F0502020204030204" pitchFamily="34" charset="0"/>
-              </a:rPr>
-              <a:t>skærmbilleder</a:t>
-            </a:r>
-            <a:r>
-              <a:rPr lang="en-GB" sz="2800" b="0" i="0" dirty="0">
-                <a:effectLst/>
-                <a:latin typeface="Calibri" panose="020F0502020204030204" pitchFamily="34" charset="0"/>
-                <a:cs typeface="Calibri" panose="020F0502020204030204" pitchFamily="34" charset="0"/>
-              </a:rPr>
-              <a:t>/links.</a:t>
-            </a:r>
-          </a:p>
-          <a:p>
-            <a:pPr algn="l">
-              <a:spcBef>
-                <a:spcPts val="600"/>
-              </a:spcBef>
-              <a:buFont typeface="+mj-lt"/>
-              <a:buAutoNum type="arabicPeriod"/>
-            </a:pPr>
-            <a:r>
-              <a:rPr lang="en-GB" sz="2800" b="1" i="0" dirty="0" err="1">
-                <a:effectLst/>
-                <a:latin typeface="Calibri" panose="020F0502020204030204" pitchFamily="34" charset="0"/>
-                <a:cs typeface="Calibri" panose="020F0502020204030204" pitchFamily="34" charset="0"/>
-              </a:rPr>
-              <a:t>Diskussion</a:t>
-            </a:r>
-            <a:r>
-              <a:rPr lang="en-GB" sz="2800" b="1" i="0" dirty="0">
-                <a:effectLst/>
-                <a:latin typeface="Calibri" panose="020F0502020204030204" pitchFamily="34" charset="0"/>
-                <a:cs typeface="Calibri" panose="020F0502020204030204" pitchFamily="34" charset="0"/>
-              </a:rPr>
-              <a:t>:</a:t>
-            </a:r>
-            <a:r>
-              <a:rPr lang="en-GB" sz="2800" b="0" i="0" dirty="0">
-                <a:effectLst/>
-                <a:latin typeface="Calibri" panose="020F0502020204030204" pitchFamily="34" charset="0"/>
-                <a:cs typeface="Calibri" panose="020F0502020204030204" pitchFamily="34" charset="0"/>
-              </a:rPr>
-              <a:t> </a:t>
-            </a:r>
-            <a:r>
-              <a:rPr lang="en-GB" sz="2800" b="0" i="0" dirty="0" err="1">
-                <a:effectLst/>
-                <a:latin typeface="Calibri" panose="020F0502020204030204" pitchFamily="34" charset="0"/>
-                <a:cs typeface="Calibri" panose="020F0502020204030204" pitchFamily="34" charset="0"/>
-              </a:rPr>
-              <a:t>Forbered</a:t>
-            </a:r>
-            <a:r>
-              <a:rPr lang="en-GB" sz="2800" b="0" i="0" dirty="0">
-                <a:effectLst/>
-                <a:latin typeface="Calibri" panose="020F0502020204030204" pitchFamily="34" charset="0"/>
-                <a:cs typeface="Calibri" panose="020F0502020204030204" pitchFamily="34" charset="0"/>
-              </a:rPr>
-              <a:t> </a:t>
-            </a:r>
-            <a:r>
-              <a:rPr lang="en-GB" sz="2800" b="0" i="0" dirty="0" err="1">
-                <a:effectLst/>
-                <a:latin typeface="Calibri" panose="020F0502020204030204" pitchFamily="34" charset="0"/>
-                <a:cs typeface="Calibri" panose="020F0502020204030204" pitchFamily="34" charset="0"/>
-              </a:rPr>
-              <a:t>til</a:t>
-            </a:r>
-            <a:r>
-              <a:rPr lang="en-GB" sz="2800" b="0" i="0" dirty="0">
-                <a:effectLst/>
-                <a:latin typeface="Calibri" panose="020F0502020204030204" pitchFamily="34" charset="0"/>
-                <a:cs typeface="Calibri" panose="020F0502020204030204" pitchFamily="34" charset="0"/>
-              </a:rPr>
-              <a:t> </a:t>
-            </a:r>
-            <a:r>
-              <a:rPr lang="en-GB" sz="2800" b="0" i="0" dirty="0" err="1">
-                <a:effectLst/>
-                <a:latin typeface="Calibri" panose="020F0502020204030204" pitchFamily="34" charset="0"/>
-                <a:cs typeface="Calibri" panose="020F0502020204030204" pitchFamily="34" charset="0"/>
-              </a:rPr>
-              <a:t>diskussion</a:t>
-            </a:r>
-            <a:r>
-              <a:rPr lang="en-GB" sz="2800" b="0" i="0" dirty="0">
-                <a:effectLst/>
-                <a:latin typeface="Calibri" panose="020F0502020204030204" pitchFamily="34" charset="0"/>
-                <a:cs typeface="Calibri" panose="020F0502020204030204" pitchFamily="34" charset="0"/>
-              </a:rPr>
-              <a:t> </a:t>
-            </a:r>
-            <a:r>
-              <a:rPr lang="en-GB" sz="2800" b="0" i="0" dirty="0" err="1">
-                <a:effectLst/>
-                <a:latin typeface="Calibri" panose="020F0502020204030204" pitchFamily="34" charset="0"/>
-                <a:cs typeface="Calibri" panose="020F0502020204030204" pitchFamily="34" charset="0"/>
-              </a:rPr>
-              <a:t>i</a:t>
-            </a:r>
-            <a:r>
-              <a:rPr lang="en-GB" sz="2800" b="0" i="0" dirty="0">
-                <a:effectLst/>
-                <a:latin typeface="Calibri" panose="020F0502020204030204" pitchFamily="34" charset="0"/>
-                <a:cs typeface="Calibri" panose="020F0502020204030204" pitchFamily="34" charset="0"/>
-              </a:rPr>
-              <a:t> </a:t>
-            </a:r>
-            <a:r>
-              <a:rPr lang="en-GB" sz="2800" b="0" i="0" dirty="0" err="1">
-                <a:effectLst/>
-                <a:latin typeface="Calibri" panose="020F0502020204030204" pitchFamily="34" charset="0"/>
-                <a:cs typeface="Calibri" panose="020F0502020204030204" pitchFamily="34" charset="0"/>
-              </a:rPr>
-              <a:t>klassen</a:t>
-            </a:r>
-            <a:r>
-              <a:rPr lang="en-GB" sz="2800" b="0" i="0" dirty="0">
-                <a:effectLst/>
-                <a:latin typeface="Calibri" panose="020F0502020204030204" pitchFamily="34" charset="0"/>
-                <a:cs typeface="Calibri" panose="020F0502020204030204" pitchFamily="34" charset="0"/>
-              </a:rPr>
-              <a:t>.</a:t>
-            </a:r>
-          </a:p>
-          <a:p>
             <a:endParaRPr lang="en-DK" dirty="0"/>
           </a:p>
         </p:txBody>
@@ -8989,7 +8611,7 @@
     </p:spTree>
     <p:extLst>
       <p:ext uri="{BB962C8B-B14F-4D97-AF65-F5344CB8AC3E}">
-        <p14:creationId xmlns:p14="http://schemas.microsoft.com/office/powerpoint/2010/main" val="3818749649"/>
+        <p14:creationId xmlns:p14="http://schemas.microsoft.com/office/powerpoint/2010/main" val="1047881982"/>
       </p:ext>
     </p:extLst>
   </p:cSld>
@@ -9018,12 +8640,121 @@
       </p:grpSpPr>
       <p:sp>
         <p:nvSpPr>
-          <p:cNvPr id="2" name="Title 1"/>
+          <p:cNvPr id="2" name="Title 1">
+            <a:extLst>
+              <a:ext uri="{FF2B5EF4-FFF2-40B4-BE49-F238E27FC236}">
+                <a16:creationId xmlns:a16="http://schemas.microsoft.com/office/drawing/2014/main" id="{993A53BC-ACBE-AA8C-4735-011F5D40F7CF}"/>
+              </a:ext>
+            </a:extLst>
+          </p:cNvPr>
           <p:cNvSpPr>
             <a:spLocks noGrp="1"/>
           </p:cNvSpPr>
           <p:nvPr>
             <p:ph type="title"/>
+          </p:nvPr>
+        </p:nvSpPr>
+        <p:spPr>
+          <a:xfrm>
+            <a:off x="609600" y="731836"/>
+            <a:ext cx="10972800" cy="1143000"/>
+          </a:xfrm>
+        </p:spPr>
+        <p:txBody>
+          <a:bodyPr>
+            <a:normAutofit fontScale="90000"/>
+          </a:bodyPr>
+          <a:lstStyle/>
+          <a:p>
+            <a:r>
+              <a:rPr lang="en-GB" i="0" dirty="0" err="1">
+                <a:effectLst/>
+                <a:latin typeface="Raleway" pitchFamily="2" charset="77"/>
+              </a:rPr>
+              <a:t>Øvelse</a:t>
+            </a:r>
+            <a:r>
+              <a:rPr lang="en-GB" i="0" dirty="0">
+                <a:effectLst/>
+                <a:latin typeface="Raleway" pitchFamily="2" charset="77"/>
+              </a:rPr>
+              <a:t>: </a:t>
+            </a:r>
+            <a:r>
+              <a:rPr lang="en-GB" i="0" dirty="0" err="1">
+                <a:effectLst/>
+                <a:latin typeface="Raleway" pitchFamily="2" charset="77"/>
+              </a:rPr>
+              <a:t>Udforskning</a:t>
+            </a:r>
+            <a:r>
+              <a:rPr lang="en-GB" i="0" dirty="0">
+                <a:effectLst/>
+                <a:latin typeface="Raleway" pitchFamily="2" charset="77"/>
+              </a:rPr>
+              <a:t> </a:t>
+            </a:r>
+            <a:r>
+              <a:rPr lang="en-GB" i="0" dirty="0" err="1">
+                <a:effectLst/>
+                <a:latin typeface="Raleway" pitchFamily="2" charset="77"/>
+              </a:rPr>
+              <a:t>af</a:t>
+            </a:r>
+            <a:r>
+              <a:rPr lang="en-GB" i="0" dirty="0">
+                <a:effectLst/>
+                <a:latin typeface="Raleway" pitchFamily="2" charset="77"/>
+              </a:rPr>
+              <a:t> </a:t>
+            </a:r>
+            <a:r>
+              <a:rPr lang="en-GB" i="0" dirty="0" err="1">
+                <a:effectLst/>
+                <a:latin typeface="Raleway" pitchFamily="2" charset="77"/>
+              </a:rPr>
+              <a:t>bæredygtigt</a:t>
+            </a:r>
+            <a:r>
+              <a:rPr lang="en-GB" i="0" dirty="0">
+                <a:effectLst/>
+                <a:latin typeface="Raleway" pitchFamily="2" charset="77"/>
+              </a:rPr>
+              <a:t> </a:t>
+            </a:r>
+            <a:r>
+              <a:rPr lang="en-GB" i="0" dirty="0" err="1">
+                <a:effectLst/>
+                <a:latin typeface="Raleway" pitchFamily="2" charset="77"/>
+              </a:rPr>
+              <a:t>webdesign</a:t>
+            </a:r>
+            <a:br>
+              <a:rPr lang="en-GB" i="0" dirty="0">
+                <a:effectLst/>
+                <a:latin typeface="Raleway" pitchFamily="2" charset="77"/>
+              </a:rPr>
+            </a:br>
+            <a:endParaRPr lang="en-DK" dirty="0">
+              <a:latin typeface="Raleway" pitchFamily="2" charset="77"/>
+            </a:endParaRPr>
+          </a:p>
+        </p:txBody>
+      </p:sp>
+      <p:sp>
+        <p:nvSpPr>
+          <p:cNvPr id="3" name="Content Placeholder 2">
+            <a:extLst>
+              <a:ext uri="{FF2B5EF4-FFF2-40B4-BE49-F238E27FC236}">
+                <a16:creationId xmlns:a16="http://schemas.microsoft.com/office/drawing/2014/main" id="{9010F581-A40E-93AA-8449-786CA2F0C9D0}"/>
+              </a:ext>
+            </a:extLst>
+          </p:cNvPr>
+          <p:cNvSpPr>
+            <a:spLocks noGrp="1"/>
+          </p:cNvSpPr>
+          <p:nvPr>
+            <p:ph idx="1"/>
           </p:nvPr>
         </p:nvSpPr>
         <p:spPr/>
@@ -9031,239 +8762,520 @@
           <a:bodyPr/>
           <a:lstStyle/>
           <a:p>
-            <a:r>
-              <a:rPr dirty="0" err="1">
-                <a:latin typeface="Raleway" pitchFamily="2" charset="77"/>
-              </a:rPr>
-              <a:t>Fordele</a:t>
-            </a:r>
-            <a:r>
-              <a:rPr dirty="0">
-                <a:latin typeface="Raleway" pitchFamily="2" charset="77"/>
-              </a:rPr>
-              <a:t> </a:t>
-            </a:r>
-            <a:r>
-              <a:rPr dirty="0" err="1">
-                <a:latin typeface="Raleway" pitchFamily="2" charset="77"/>
-              </a:rPr>
-              <a:t>ved</a:t>
-            </a:r>
-            <a:r>
-              <a:rPr dirty="0">
-                <a:latin typeface="Raleway" pitchFamily="2" charset="77"/>
-              </a:rPr>
-              <a:t> </a:t>
-            </a:r>
-            <a:r>
-              <a:rPr dirty="0" err="1">
-                <a:latin typeface="Raleway" pitchFamily="2" charset="77"/>
-              </a:rPr>
-              <a:t>bæredygtigt</a:t>
-            </a:r>
-            <a:r>
-              <a:rPr dirty="0">
-                <a:latin typeface="Raleway" pitchFamily="2" charset="77"/>
-              </a:rPr>
-              <a:t> </a:t>
-            </a:r>
-            <a:r>
-              <a:rPr dirty="0" err="1">
-                <a:latin typeface="Raleway" pitchFamily="2" charset="77"/>
-              </a:rPr>
-              <a:t>webdesign</a:t>
-            </a:r>
-            <a:endParaRPr dirty="0">
-              <a:latin typeface="Raleway" pitchFamily="2" charset="77"/>
+            <a:pPr algn="l">
+              <a:spcBef>
+                <a:spcPts val="600"/>
+              </a:spcBef>
+              <a:buFont typeface="+mj-lt"/>
+              <a:buAutoNum type="arabicPeriod"/>
+            </a:pPr>
+            <a:endParaRPr lang="en-GB" sz="2800" b="1" i="0" dirty="0">
+              <a:effectLst/>
+              <a:latin typeface="Calibri" panose="020F0502020204030204" pitchFamily="34" charset="0"/>
+              <a:cs typeface="Calibri" panose="020F0502020204030204" pitchFamily="34" charset="0"/>
             </a:endParaRPr>
           </a:p>
-        </p:txBody>
-      </p:sp>
-      <p:sp>
-        <p:nvSpPr>
-          <p:cNvPr id="3" name="Content Placeholder 2"/>
-          <p:cNvSpPr>
-            <a:spLocks noGrp="1"/>
-          </p:cNvSpPr>
-          <p:nvPr>
-            <p:ph idx="1"/>
-          </p:nvPr>
-        </p:nvSpPr>
-        <p:spPr/>
-        <p:txBody>
-          <a:bodyPr/>
-          <a:lstStyle/>
-          <a:p>
-            <a:r>
-              <a:rPr dirty="0" err="1"/>
-              <a:t>Bæredygtige</a:t>
-            </a:r>
-            <a:r>
-              <a:rPr dirty="0"/>
-              <a:t> </a:t>
-            </a:r>
-            <a:r>
-              <a:rPr dirty="0" err="1"/>
-              <a:t>praksisser</a:t>
-            </a:r>
-            <a:r>
-              <a:rPr dirty="0"/>
-              <a:t> </a:t>
-            </a:r>
-            <a:r>
-              <a:rPr dirty="0" err="1"/>
-              <a:t>resulterer</a:t>
-            </a:r>
-            <a:r>
-              <a:rPr dirty="0"/>
-              <a:t> </a:t>
-            </a:r>
-            <a:r>
-              <a:rPr dirty="0" err="1"/>
+          <a:p>
+            <a:pPr algn="l">
+              <a:spcBef>
+                <a:spcPts val="600"/>
+              </a:spcBef>
+              <a:buFont typeface="+mj-lt"/>
+              <a:buAutoNum type="arabicPeriod"/>
+            </a:pPr>
+            <a:r>
+              <a:rPr lang="en-GB" sz="2800" b="1" dirty="0" err="1">
+                <a:latin typeface="Calibri" panose="020F0502020204030204" pitchFamily="34" charset="0"/>
+                <a:cs typeface="Calibri" panose="020F0502020204030204" pitchFamily="34" charset="0"/>
+              </a:rPr>
+              <a:t>Arbejde</a:t>
+            </a:r>
+            <a:r>
+              <a:rPr lang="en-GB" sz="2800" b="1" dirty="0">
+                <a:latin typeface="Calibri" panose="020F0502020204030204" pitchFamily="34" charset="0"/>
+                <a:cs typeface="Calibri" panose="020F0502020204030204" pitchFamily="34" charset="0"/>
+              </a:rPr>
+              <a:t> I </a:t>
+            </a:r>
+            <a:r>
+              <a:rPr lang="en-GB" sz="2800" b="1" dirty="0" err="1">
+                <a:latin typeface="Calibri" panose="020F0502020204030204" pitchFamily="34" charset="0"/>
+                <a:cs typeface="Calibri" panose="020F0502020204030204" pitchFamily="34" charset="0"/>
+              </a:rPr>
+              <a:t>Grupper</a:t>
+            </a:r>
+            <a:r>
+              <a:rPr lang="en-GB" sz="2800" b="1" dirty="0">
+                <a:latin typeface="Calibri" panose="020F0502020204030204" pitchFamily="34" charset="0"/>
+                <a:cs typeface="Calibri" panose="020F0502020204030204" pitchFamily="34" charset="0"/>
+              </a:rPr>
+              <a:t>, </a:t>
+            </a:r>
+            <a:r>
+              <a:rPr lang="en-GB" sz="2800" b="1" dirty="0" err="1">
+                <a:latin typeface="Calibri" panose="020F0502020204030204" pitchFamily="34" charset="0"/>
+                <a:cs typeface="Calibri" panose="020F0502020204030204" pitchFamily="34" charset="0"/>
+              </a:rPr>
+              <a:t>B</a:t>
+            </a:r>
+            <a:r>
+              <a:rPr lang="en-GB" sz="2800" b="1" i="0" dirty="0" err="1">
+                <a:effectLst/>
+                <a:latin typeface="Calibri" panose="020F0502020204030204" pitchFamily="34" charset="0"/>
+                <a:cs typeface="Calibri" panose="020F0502020204030204" pitchFamily="34" charset="0"/>
+              </a:rPr>
+              <a:t>esøg</a:t>
+            </a:r>
+            <a:r>
+              <a:rPr lang="en-GB" sz="2800" b="0" i="0" dirty="0">
+                <a:effectLst/>
+                <a:latin typeface="Calibri" panose="020F0502020204030204" pitchFamily="34" charset="0"/>
+                <a:cs typeface="Calibri" panose="020F0502020204030204" pitchFamily="34" charset="0"/>
+              </a:rPr>
+              <a:t> </a:t>
+            </a:r>
+            <a:r>
+              <a:rPr lang="en-GB" sz="2800" b="0" i="0" u="none" strike="noStrike" dirty="0">
+                <a:effectLst/>
+                <a:latin typeface="Calibri" panose="020F0502020204030204" pitchFamily="34" charset="0"/>
+                <a:cs typeface="Calibri" panose="020F0502020204030204" pitchFamily="34" charset="0"/>
+                <a:hlinkClick r:id="rId2">
+                  <a:extLst>
+                    <a:ext uri="{A12FA001-AC4F-418D-AE19-62706E023703}">
+                      <ahyp:hlinkClr xmlns:ahyp="http://schemas.microsoft.com/office/drawing/2018/hyperlinkcolor" val="tx"/>
+                    </a:ext>
+                  </a:extLst>
+                </a:hlinkClick>
+              </a:rPr>
+              <a:t>Web Sustainability Guidelines (WSG) 1.0</a:t>
+            </a:r>
+            <a:r>
+              <a:rPr lang="en-GB" sz="2800" b="0" i="0" dirty="0">
+                <a:effectLst/>
+                <a:latin typeface="Calibri" panose="020F0502020204030204" pitchFamily="34" charset="0"/>
+                <a:cs typeface="Calibri" panose="020F0502020204030204" pitchFamily="34" charset="0"/>
+              </a:rPr>
+              <a:t>.</a:t>
+            </a:r>
+          </a:p>
+          <a:p>
+            <a:pPr algn="l">
+              <a:spcBef>
+                <a:spcPts val="600"/>
+              </a:spcBef>
+              <a:buFont typeface="+mj-lt"/>
+              <a:buAutoNum type="arabicPeriod"/>
+            </a:pPr>
+            <a:r>
+              <a:rPr lang="en-GB" sz="2800" b="1" i="0" dirty="0">
+                <a:effectLst/>
+                <a:latin typeface="Calibri" panose="020F0502020204030204" pitchFamily="34" charset="0"/>
+                <a:cs typeface="Calibri" panose="020F0502020204030204" pitchFamily="34" charset="0"/>
+              </a:rPr>
+              <a:t>Find 2 UX-</a:t>
+            </a:r>
+            <a:r>
+              <a:rPr lang="en-GB" sz="2800" b="1" i="0" dirty="0" err="1">
+                <a:effectLst/>
+                <a:latin typeface="Calibri" panose="020F0502020204030204" pitchFamily="34" charset="0"/>
+                <a:cs typeface="Calibri" panose="020F0502020204030204" pitchFamily="34" charset="0"/>
+              </a:rPr>
+              <a:t>eksempler</a:t>
+            </a:r>
+            <a:r>
+              <a:rPr lang="en-GB" sz="2800" b="1" i="0" dirty="0">
+                <a:effectLst/>
+                <a:latin typeface="Calibri" panose="020F0502020204030204" pitchFamily="34" charset="0"/>
+                <a:cs typeface="Calibri" panose="020F0502020204030204" pitchFamily="34" charset="0"/>
+              </a:rPr>
+              <a:t>:</a:t>
+            </a:r>
+            <a:r>
+              <a:rPr lang="en-GB" sz="2800" b="0" i="0" dirty="0">
+                <a:effectLst/>
+                <a:latin typeface="Calibri" panose="020F0502020204030204" pitchFamily="34" charset="0"/>
+                <a:cs typeface="Calibri" panose="020F0502020204030204" pitchFamily="34" charset="0"/>
+              </a:rPr>
+              <a:t> </a:t>
+            </a:r>
+            <a:r>
+              <a:rPr lang="en-GB" sz="2800" b="0" i="0" dirty="0" err="1">
+                <a:effectLst/>
+                <a:latin typeface="Calibri" panose="020F0502020204030204" pitchFamily="34" charset="0"/>
+                <a:cs typeface="Calibri" panose="020F0502020204030204" pitchFamily="34" charset="0"/>
+              </a:rPr>
+              <a:t>Tilgængelighed</a:t>
+            </a:r>
+            <a:r>
+              <a:rPr lang="en-GB" sz="2800" b="0" i="0" dirty="0">
+                <a:effectLst/>
+                <a:latin typeface="Calibri" panose="020F0502020204030204" pitchFamily="34" charset="0"/>
+                <a:cs typeface="Calibri" panose="020F0502020204030204" pitchFamily="34" charset="0"/>
+              </a:rPr>
+              <a:t>, </a:t>
+            </a:r>
+            <a:r>
+              <a:rPr lang="en-GB" sz="2800" b="0" i="0" dirty="0" err="1">
+                <a:effectLst/>
+                <a:latin typeface="Calibri" panose="020F0502020204030204" pitchFamily="34" charset="0"/>
+                <a:cs typeface="Calibri" panose="020F0502020204030204" pitchFamily="34" charset="0"/>
+              </a:rPr>
+              <a:t>ydeevne</a:t>
+            </a:r>
+            <a:r>
+              <a:rPr lang="en-GB" sz="2800" b="0" i="0" dirty="0">
+                <a:effectLst/>
+                <a:latin typeface="Calibri" panose="020F0502020204030204" pitchFamily="34" charset="0"/>
+                <a:cs typeface="Calibri" panose="020F0502020204030204" pitchFamily="34" charset="0"/>
+              </a:rPr>
+              <a:t>, </a:t>
+            </a:r>
+            <a:r>
+              <a:rPr lang="en-GB" sz="2800" b="0" i="0" dirty="0" err="1">
+                <a:effectLst/>
+                <a:latin typeface="Calibri" panose="020F0502020204030204" pitchFamily="34" charset="0"/>
+                <a:cs typeface="Calibri" panose="020F0502020204030204" pitchFamily="34" charset="0"/>
+              </a:rPr>
+              <a:t>brugervenlighed</a:t>
+            </a:r>
+            <a:r>
+              <a:rPr lang="en-GB" sz="2800" b="0" i="0" dirty="0">
+                <a:effectLst/>
+                <a:latin typeface="Calibri" panose="020F0502020204030204" pitchFamily="34" charset="0"/>
+                <a:cs typeface="Calibri" panose="020F0502020204030204" pitchFamily="34" charset="0"/>
+              </a:rPr>
+              <a:t>.</a:t>
+            </a:r>
+          </a:p>
+          <a:p>
+            <a:pPr algn="l">
+              <a:spcBef>
+                <a:spcPts val="600"/>
+              </a:spcBef>
+              <a:buFont typeface="+mj-lt"/>
+              <a:buAutoNum type="arabicPeriod"/>
+            </a:pPr>
+            <a:r>
+              <a:rPr lang="en-GB" sz="2800" b="1" i="0" dirty="0">
+                <a:effectLst/>
+                <a:latin typeface="Calibri" panose="020F0502020204030204" pitchFamily="34" charset="0"/>
+                <a:cs typeface="Calibri" panose="020F0502020204030204" pitchFamily="34" charset="0"/>
+              </a:rPr>
+              <a:t>Find 2 </a:t>
+            </a:r>
+            <a:r>
+              <a:rPr lang="en-GB" sz="2800" b="1" i="0" dirty="0" err="1">
+                <a:effectLst/>
+                <a:latin typeface="Calibri" panose="020F0502020204030204" pitchFamily="34" charset="0"/>
+                <a:cs typeface="Calibri" panose="020F0502020204030204" pitchFamily="34" charset="0"/>
+              </a:rPr>
+              <a:t>udviklereksempler</a:t>
+            </a:r>
+            <a:r>
+              <a:rPr lang="en-GB" sz="2800" b="1" i="0" dirty="0">
+                <a:effectLst/>
+                <a:latin typeface="Calibri" panose="020F0502020204030204" pitchFamily="34" charset="0"/>
+                <a:cs typeface="Calibri" panose="020F0502020204030204" pitchFamily="34" charset="0"/>
+              </a:rPr>
+              <a:t>:</a:t>
+            </a:r>
+            <a:r>
+              <a:rPr lang="en-GB" sz="2800" b="0" i="0" dirty="0">
+                <a:effectLst/>
+                <a:latin typeface="Calibri" panose="020F0502020204030204" pitchFamily="34" charset="0"/>
+                <a:cs typeface="Calibri" panose="020F0502020204030204" pitchFamily="34" charset="0"/>
+              </a:rPr>
+              <a:t> </a:t>
+            </a:r>
+            <a:r>
+              <a:rPr lang="en-GB" sz="2800" b="0" i="0" dirty="0" err="1">
+                <a:effectLst/>
+                <a:latin typeface="Calibri" panose="020F0502020204030204" pitchFamily="34" charset="0"/>
+                <a:cs typeface="Calibri" panose="020F0502020204030204" pitchFamily="34" charset="0"/>
+              </a:rPr>
+              <a:t>Effektiv</a:t>
+            </a:r>
+            <a:r>
+              <a:rPr lang="en-GB" sz="2800" b="0" i="0" dirty="0">
+                <a:effectLst/>
+                <a:latin typeface="Calibri" panose="020F0502020204030204" pitchFamily="34" charset="0"/>
+                <a:cs typeface="Calibri" panose="020F0502020204030204" pitchFamily="34" charset="0"/>
+              </a:rPr>
+              <a:t> </a:t>
+            </a:r>
+            <a:r>
+              <a:rPr lang="en-GB" sz="2800" b="0" i="0" dirty="0" err="1">
+                <a:effectLst/>
+                <a:latin typeface="Calibri" panose="020F0502020204030204" pitchFamily="34" charset="0"/>
+                <a:cs typeface="Calibri" panose="020F0502020204030204" pitchFamily="34" charset="0"/>
+              </a:rPr>
+              <a:t>kodning</a:t>
+            </a:r>
+            <a:r>
+              <a:rPr lang="en-GB" sz="2800" b="0" i="0" dirty="0">
+                <a:effectLst/>
+                <a:latin typeface="Calibri" panose="020F0502020204030204" pitchFamily="34" charset="0"/>
+                <a:cs typeface="Calibri" panose="020F0502020204030204" pitchFamily="34" charset="0"/>
+              </a:rPr>
+              <a:t>, </a:t>
+            </a:r>
+            <a:r>
+              <a:rPr lang="en-GB" sz="2800" b="0" i="0" dirty="0" err="1">
+                <a:effectLst/>
+                <a:latin typeface="Calibri" panose="020F0502020204030204" pitchFamily="34" charset="0"/>
+                <a:cs typeface="Calibri" panose="020F0502020204030204" pitchFamily="34" charset="0"/>
+              </a:rPr>
+              <a:t>ressourcehåndtering</a:t>
+            </a:r>
+            <a:r>
+              <a:rPr lang="en-GB" sz="2800" b="0" i="0" dirty="0">
+                <a:effectLst/>
+                <a:latin typeface="Calibri" panose="020F0502020204030204" pitchFamily="34" charset="0"/>
+                <a:cs typeface="Calibri" panose="020F0502020204030204" pitchFamily="34" charset="0"/>
+              </a:rPr>
+              <a:t>, </a:t>
+            </a:r>
+            <a:r>
+              <a:rPr lang="en-GB" sz="2800" b="0" i="0" dirty="0" err="1">
+                <a:effectLst/>
+                <a:latin typeface="Calibri" panose="020F0502020204030204" pitchFamily="34" charset="0"/>
+                <a:cs typeface="Calibri" panose="020F0502020204030204" pitchFamily="34" charset="0"/>
+              </a:rPr>
+              <a:t>energiforbrug</a:t>
+            </a:r>
+            <a:r>
+              <a:rPr lang="en-GB" sz="2800" b="0" i="0" dirty="0">
+                <a:effectLst/>
+                <a:latin typeface="Calibri" panose="020F0502020204030204" pitchFamily="34" charset="0"/>
+                <a:cs typeface="Calibri" panose="020F0502020204030204" pitchFamily="34" charset="0"/>
+              </a:rPr>
+              <a:t>.</a:t>
+            </a:r>
+          </a:p>
+          <a:p>
+            <a:pPr algn="l">
+              <a:spcBef>
+                <a:spcPts val="600"/>
+              </a:spcBef>
+              <a:buFont typeface="+mj-lt"/>
+              <a:buAutoNum type="arabicPeriod"/>
+            </a:pPr>
+            <a:r>
+              <a:rPr lang="en-GB" sz="2800" dirty="0">
+                <a:latin typeface="Calibri" panose="020F0502020204030204" pitchFamily="34" charset="0"/>
+                <a:cs typeface="Calibri" panose="020F0502020204030204" pitchFamily="34" charset="0"/>
+              </a:rPr>
+              <a:t>Find 2 Business </a:t>
+            </a:r>
+            <a:r>
+              <a:rPr lang="en-GB" sz="2800" dirty="0" err="1">
+                <a:latin typeface="Calibri" panose="020F0502020204030204" pitchFamily="34" charset="0"/>
+                <a:cs typeface="Calibri" panose="020F0502020204030204" pitchFamily="34" charset="0"/>
+              </a:rPr>
+              <a:t>og</a:t>
+            </a:r>
+            <a:r>
+              <a:rPr lang="en-GB" sz="2800" dirty="0">
+                <a:latin typeface="Calibri" panose="020F0502020204030204" pitchFamily="34" charset="0"/>
+                <a:cs typeface="Calibri" panose="020F0502020204030204" pitchFamily="34" charset="0"/>
+              </a:rPr>
+              <a:t> Hosting</a:t>
+            </a:r>
+            <a:endParaRPr lang="en-GB" sz="2800" b="0" i="0" dirty="0">
+              <a:effectLst/>
+              <a:latin typeface="Calibri" panose="020F0502020204030204" pitchFamily="34" charset="0"/>
+              <a:cs typeface="Calibri" panose="020F0502020204030204" pitchFamily="34" charset="0"/>
+            </a:endParaRPr>
+          </a:p>
+          <a:p>
+            <a:pPr algn="l">
+              <a:spcBef>
+                <a:spcPts val="600"/>
+              </a:spcBef>
+              <a:buFont typeface="+mj-lt"/>
+              <a:buAutoNum type="arabicPeriod"/>
+            </a:pPr>
+            <a:r>
+              <a:rPr lang="en-GB" sz="2800" b="1" i="0" dirty="0" err="1">
+                <a:effectLst/>
+                <a:latin typeface="Calibri" panose="020F0502020204030204" pitchFamily="34" charset="0"/>
+                <a:cs typeface="Calibri" panose="020F0502020204030204" pitchFamily="34" charset="0"/>
+              </a:rPr>
+              <a:t>Dokumentér</a:t>
+            </a:r>
+            <a:r>
+              <a:rPr lang="en-GB" sz="2800" b="1" i="0" dirty="0">
+                <a:effectLst/>
+                <a:latin typeface="Calibri" panose="020F0502020204030204" pitchFamily="34" charset="0"/>
+                <a:cs typeface="Calibri" panose="020F0502020204030204" pitchFamily="34" charset="0"/>
+              </a:rPr>
+              <a:t> fund:</a:t>
+            </a:r>
+            <a:r>
+              <a:rPr lang="en-GB" sz="2800" b="0" i="0" dirty="0">
+                <a:effectLst/>
+                <a:latin typeface="Calibri" panose="020F0502020204030204" pitchFamily="34" charset="0"/>
+                <a:cs typeface="Calibri" panose="020F0502020204030204" pitchFamily="34" charset="0"/>
+              </a:rPr>
+              <a:t> </a:t>
+            </a:r>
+            <a:r>
+              <a:rPr lang="en-GB" sz="2800" b="0" i="0" dirty="0" err="1">
+                <a:effectLst/>
+                <a:latin typeface="Calibri" panose="020F0502020204030204" pitchFamily="34" charset="0"/>
+                <a:cs typeface="Calibri" panose="020F0502020204030204" pitchFamily="34" charset="0"/>
+              </a:rPr>
+              <a:t>Opsummer</a:t>
+            </a:r>
+            <a:r>
+              <a:rPr lang="en-GB" sz="2800" b="0" i="0" dirty="0">
+                <a:effectLst/>
+                <a:latin typeface="Calibri" panose="020F0502020204030204" pitchFamily="34" charset="0"/>
+                <a:cs typeface="Calibri" panose="020F0502020204030204" pitchFamily="34" charset="0"/>
+              </a:rPr>
+              <a:t> med </a:t>
+            </a:r>
+            <a:r>
+              <a:rPr lang="en-GB" sz="2800" b="0" i="0" dirty="0" err="1">
+                <a:effectLst/>
+                <a:latin typeface="Calibri" panose="020F0502020204030204" pitchFamily="34" charset="0"/>
+                <a:cs typeface="Calibri" panose="020F0502020204030204" pitchFamily="34" charset="0"/>
+              </a:rPr>
+              <a:t>skærmbilleder</a:t>
+            </a:r>
+            <a:r>
+              <a:rPr lang="en-GB" sz="2800" b="0" i="0" dirty="0">
+                <a:effectLst/>
+                <a:latin typeface="Calibri" panose="020F0502020204030204" pitchFamily="34" charset="0"/>
+                <a:cs typeface="Calibri" panose="020F0502020204030204" pitchFamily="34" charset="0"/>
+              </a:rPr>
+              <a:t>/links.</a:t>
+            </a:r>
+          </a:p>
+          <a:p>
+            <a:pPr algn="l">
+              <a:spcBef>
+                <a:spcPts val="600"/>
+              </a:spcBef>
+              <a:buFont typeface="+mj-lt"/>
+              <a:buAutoNum type="arabicPeriod"/>
+            </a:pPr>
+            <a:r>
+              <a:rPr lang="en-GB" sz="2800" b="1" i="0" dirty="0" err="1">
+                <a:effectLst/>
+                <a:latin typeface="Calibri" panose="020F0502020204030204" pitchFamily="34" charset="0"/>
+                <a:cs typeface="Calibri" panose="020F0502020204030204" pitchFamily="34" charset="0"/>
+              </a:rPr>
+              <a:t>Diskussion</a:t>
+            </a:r>
+            <a:r>
+              <a:rPr lang="en-GB" sz="2800" b="1" i="0" dirty="0">
+                <a:effectLst/>
+                <a:latin typeface="Calibri" panose="020F0502020204030204" pitchFamily="34" charset="0"/>
+                <a:cs typeface="Calibri" panose="020F0502020204030204" pitchFamily="34" charset="0"/>
+              </a:rPr>
+              <a:t>:</a:t>
+            </a:r>
+            <a:r>
+              <a:rPr lang="en-GB" sz="2800" b="0" i="0" dirty="0">
+                <a:effectLst/>
+                <a:latin typeface="Calibri" panose="020F0502020204030204" pitchFamily="34" charset="0"/>
+                <a:cs typeface="Calibri" panose="020F0502020204030204" pitchFamily="34" charset="0"/>
+              </a:rPr>
+              <a:t> </a:t>
+            </a:r>
+            <a:r>
+              <a:rPr lang="en-GB" sz="2800" b="0" i="0" dirty="0" err="1">
+                <a:effectLst/>
+                <a:latin typeface="Calibri" panose="020F0502020204030204" pitchFamily="34" charset="0"/>
+                <a:cs typeface="Calibri" panose="020F0502020204030204" pitchFamily="34" charset="0"/>
+              </a:rPr>
+              <a:t>Forbered</a:t>
+            </a:r>
+            <a:r>
+              <a:rPr lang="en-GB" sz="2800" b="0" i="0" dirty="0">
+                <a:effectLst/>
+                <a:latin typeface="Calibri" panose="020F0502020204030204" pitchFamily="34" charset="0"/>
+                <a:cs typeface="Calibri" panose="020F0502020204030204" pitchFamily="34" charset="0"/>
+              </a:rPr>
+              <a:t> </a:t>
+            </a:r>
+            <a:r>
+              <a:rPr lang="en-GB" sz="2800" b="0" i="0" dirty="0" err="1">
+                <a:effectLst/>
+                <a:latin typeface="Calibri" panose="020F0502020204030204" pitchFamily="34" charset="0"/>
+                <a:cs typeface="Calibri" panose="020F0502020204030204" pitchFamily="34" charset="0"/>
+              </a:rPr>
+              <a:t>til</a:t>
+            </a:r>
+            <a:r>
+              <a:rPr lang="en-GB" sz="2800" b="0" i="0" dirty="0">
+                <a:effectLst/>
+                <a:latin typeface="Calibri" panose="020F0502020204030204" pitchFamily="34" charset="0"/>
+                <a:cs typeface="Calibri" panose="020F0502020204030204" pitchFamily="34" charset="0"/>
+              </a:rPr>
+              <a:t> </a:t>
+            </a:r>
+            <a:r>
+              <a:rPr lang="en-GB" sz="2800" b="0" i="0" dirty="0" err="1">
+                <a:effectLst/>
+                <a:latin typeface="Calibri" panose="020F0502020204030204" pitchFamily="34" charset="0"/>
+                <a:cs typeface="Calibri" panose="020F0502020204030204" pitchFamily="34" charset="0"/>
+              </a:rPr>
+              <a:t>diskussion</a:t>
+            </a:r>
+            <a:r>
+              <a:rPr lang="en-GB" sz="2800" b="0" i="0" dirty="0">
+                <a:effectLst/>
+                <a:latin typeface="Calibri" panose="020F0502020204030204" pitchFamily="34" charset="0"/>
+                <a:cs typeface="Calibri" panose="020F0502020204030204" pitchFamily="34" charset="0"/>
+              </a:rPr>
+              <a:t> </a:t>
+            </a:r>
+            <a:r>
+              <a:rPr lang="en-GB" sz="2800" b="0" i="0" dirty="0" err="1">
+                <a:effectLst/>
+                <a:latin typeface="Calibri" panose="020F0502020204030204" pitchFamily="34" charset="0"/>
+                <a:cs typeface="Calibri" panose="020F0502020204030204" pitchFamily="34" charset="0"/>
+              </a:rPr>
               <a:t>i</a:t>
             </a:r>
             <a:r>
-              <a:rPr dirty="0"/>
-              <a:t> </a:t>
-            </a:r>
-            <a:r>
-              <a:rPr dirty="0" err="1"/>
-              <a:t>flere</a:t>
-            </a:r>
-            <a:r>
-              <a:rPr dirty="0"/>
-              <a:t> </a:t>
-            </a:r>
-            <a:r>
-              <a:rPr dirty="0" err="1"/>
-              <a:t>fordele</a:t>
-            </a:r>
-            <a:r>
-              <a:rPr dirty="0"/>
+              <a:rPr lang="en-GB" sz="2800" b="0" i="0" dirty="0">
+                <a:effectLst/>
+                <a:latin typeface="Calibri" panose="020F0502020204030204" pitchFamily="34" charset="0"/>
+                <a:cs typeface="Calibri" panose="020F0502020204030204" pitchFamily="34" charset="0"/>
+              </a:rPr>
+              <a:t> </a:t>
+            </a:r>
+            <a:r>
+              <a:rPr lang="en-GB" sz="2800" b="0" i="0" dirty="0" err="1">
+                <a:effectLst/>
+                <a:latin typeface="Calibri" panose="020F0502020204030204" pitchFamily="34" charset="0"/>
+                <a:cs typeface="Calibri" panose="020F0502020204030204" pitchFamily="34" charset="0"/>
+              </a:rPr>
+              <a:t>klassen</a:t>
+            </a:r>
+            <a:r>
+              <a:rPr lang="en-GB" sz="2800" b="0" i="0" dirty="0">
+                <a:effectLst/>
+                <a:latin typeface="Calibri" panose="020F0502020204030204" pitchFamily="34" charset="0"/>
+                <a:cs typeface="Calibri" panose="020F0502020204030204" pitchFamily="34" charset="0"/>
+              </a:rPr>
               <a:t>.</a:t>
             </a:r>
           </a:p>
           <a:p>
-            <a:r>
-              <a:rPr dirty="0" err="1"/>
-              <a:t>Reducerer</a:t>
-            </a:r>
-            <a:r>
-              <a:rPr dirty="0"/>
-              <a:t> CO2-udledninger.</a:t>
-            </a:r>
-          </a:p>
-          <a:p>
-            <a:r>
-              <a:rPr dirty="0"/>
-              <a:t> Spar </a:t>
-            </a:r>
-            <a:r>
-              <a:rPr dirty="0" err="1"/>
-              <a:t>energi</a:t>
-            </a:r>
-            <a:r>
-              <a:rPr dirty="0"/>
-              <a:t> </a:t>
-            </a:r>
-            <a:r>
-              <a:rPr dirty="0" err="1"/>
-              <a:t>og</a:t>
-            </a:r>
-            <a:r>
-              <a:rPr dirty="0"/>
-              <a:t> </a:t>
-            </a:r>
-            <a:r>
-              <a:rPr dirty="0" err="1"/>
-              <a:t>ressourcer</a:t>
-            </a:r>
-            <a:r>
-              <a:rPr dirty="0"/>
-              <a:t>.</a:t>
-            </a:r>
-          </a:p>
-          <a:p>
-            <a:r>
-              <a:rPr dirty="0"/>
-              <a:t> </a:t>
-            </a:r>
-            <a:r>
-              <a:rPr dirty="0" err="1"/>
-              <a:t>Forbedrer</a:t>
-            </a:r>
-            <a:r>
-              <a:rPr dirty="0"/>
-              <a:t> </a:t>
-            </a:r>
-            <a:r>
-              <a:rPr dirty="0" err="1"/>
-              <a:t>hjemmesidens</a:t>
-            </a:r>
-            <a:r>
-              <a:rPr dirty="0"/>
-              <a:t> </a:t>
-            </a:r>
-            <a:r>
-              <a:rPr dirty="0" err="1"/>
-              <a:t>ydeevne</a:t>
-            </a:r>
-            <a:r>
-              <a:rPr dirty="0"/>
-              <a:t>.</a:t>
-            </a:r>
-          </a:p>
-          <a:p>
-            <a:r>
-              <a:rPr dirty="0" err="1"/>
-              <a:t>Forbedrer</a:t>
-            </a:r>
-            <a:r>
-              <a:rPr dirty="0"/>
-              <a:t> </a:t>
-            </a:r>
-            <a:r>
-              <a:rPr dirty="0" err="1"/>
-              <a:t>brugeroplevelsen</a:t>
-            </a:r>
-            <a:r>
-              <a:rPr dirty="0"/>
-              <a:t>.</a:t>
-            </a:r>
-          </a:p>
-          <a:p>
-            <a:r>
-              <a:rPr dirty="0"/>
-              <a:t> </a:t>
-            </a:r>
-            <a:r>
-              <a:rPr dirty="0" err="1"/>
-              <a:t>Øger</a:t>
-            </a:r>
-            <a:r>
-              <a:rPr dirty="0"/>
-              <a:t> </a:t>
-            </a:r>
-            <a:r>
-              <a:rPr dirty="0" err="1"/>
-              <a:t>forbrugernes</a:t>
-            </a:r>
-            <a:r>
-              <a:rPr dirty="0"/>
-              <a:t> </a:t>
-            </a:r>
-            <a:r>
-              <a:rPr dirty="0" err="1"/>
-              <a:t>tillid</a:t>
-            </a:r>
-            <a:r>
-              <a:rPr dirty="0"/>
-              <a:t>.</a:t>
-            </a:r>
+            <a:endParaRPr lang="en-DK" dirty="0"/>
           </a:p>
         </p:txBody>
       </p:sp>
     </p:spTree>
+    <p:extLst>
+      <p:ext uri="{BB962C8B-B14F-4D97-AF65-F5344CB8AC3E}">
+        <p14:creationId xmlns:p14="http://schemas.microsoft.com/office/powerpoint/2010/main" val="3818749649"/>
+      </p:ext>
+    </p:extLst>
   </p:cSld>
   <p:clrMapOvr>
     <a:masterClrMapping/>
@@ -9300,6 +9312,278 @@
         </p:nvSpPr>
         <p:spPr/>
         <p:txBody>
+          <a:bodyPr/>
+          <a:lstStyle/>
+          <a:p>
+            <a:r>
+              <a:rPr dirty="0" err="1">
+                <a:latin typeface="Raleway" pitchFamily="2" charset="77"/>
+              </a:rPr>
+              <a:t>Fordele</a:t>
+            </a:r>
+            <a:r>
+              <a:rPr dirty="0">
+                <a:latin typeface="Raleway" pitchFamily="2" charset="77"/>
+              </a:rPr>
+              <a:t> </a:t>
+            </a:r>
+            <a:r>
+              <a:rPr dirty="0" err="1">
+                <a:latin typeface="Raleway" pitchFamily="2" charset="77"/>
+              </a:rPr>
+              <a:t>ved</a:t>
+            </a:r>
+            <a:r>
+              <a:rPr dirty="0">
+                <a:latin typeface="Raleway" pitchFamily="2" charset="77"/>
+              </a:rPr>
+              <a:t> </a:t>
+            </a:r>
+            <a:r>
+              <a:rPr dirty="0" err="1">
+                <a:latin typeface="Raleway" pitchFamily="2" charset="77"/>
+              </a:rPr>
+              <a:t>bæredygtigt</a:t>
+            </a:r>
+            <a:r>
+              <a:rPr dirty="0">
+                <a:latin typeface="Raleway" pitchFamily="2" charset="77"/>
+              </a:rPr>
+              <a:t> </a:t>
+            </a:r>
+            <a:r>
+              <a:rPr dirty="0" err="1">
+                <a:latin typeface="Raleway" pitchFamily="2" charset="77"/>
+              </a:rPr>
+              <a:t>webdesign</a:t>
+            </a:r>
+            <a:endParaRPr dirty="0">
+              <a:latin typeface="Raleway" pitchFamily="2" charset="77"/>
+            </a:endParaRPr>
+          </a:p>
+        </p:txBody>
+      </p:sp>
+      <p:sp>
+        <p:nvSpPr>
+          <p:cNvPr id="3" name="Content Placeholder 2"/>
+          <p:cNvSpPr>
+            <a:spLocks noGrp="1"/>
+          </p:cNvSpPr>
+          <p:nvPr>
+            <p:ph idx="1"/>
+          </p:nvPr>
+        </p:nvSpPr>
+        <p:spPr/>
+        <p:txBody>
+          <a:bodyPr/>
+          <a:lstStyle/>
+          <a:p>
+            <a:r>
+              <a:rPr dirty="0" err="1"/>
+              <a:t>Bæredygtige</a:t>
+            </a:r>
+            <a:r>
+              <a:rPr dirty="0"/>
+              <a:t> </a:t>
+            </a:r>
+            <a:r>
+              <a:rPr dirty="0" err="1"/>
+              <a:t>praksisser</a:t>
+            </a:r>
+            <a:r>
+              <a:rPr dirty="0"/>
+              <a:t> </a:t>
+            </a:r>
+            <a:r>
+              <a:rPr dirty="0" err="1"/>
+              <a:t>resulterer</a:t>
+            </a:r>
+            <a:r>
+              <a:rPr dirty="0"/>
+              <a:t> </a:t>
+            </a:r>
+            <a:r>
+              <a:rPr dirty="0" err="1"/>
+              <a:t>i</a:t>
+            </a:r>
+            <a:r>
+              <a:rPr dirty="0"/>
+              <a:t> </a:t>
+            </a:r>
+            <a:r>
+              <a:rPr dirty="0" err="1"/>
+              <a:t>flere</a:t>
+            </a:r>
+            <a:r>
+              <a:rPr dirty="0"/>
+              <a:t> </a:t>
+            </a:r>
+            <a:r>
+              <a:rPr dirty="0" err="1"/>
+              <a:t>fordele</a:t>
+            </a:r>
+            <a:r>
+              <a:rPr dirty="0"/>
+              <a:t>.</a:t>
+            </a:r>
+          </a:p>
+          <a:p>
+            <a:r>
+              <a:rPr dirty="0" err="1"/>
+              <a:t>Reducerer</a:t>
+            </a:r>
+            <a:r>
+              <a:rPr dirty="0"/>
+              <a:t> CO2-udledninger.</a:t>
+            </a:r>
+          </a:p>
+          <a:p>
+            <a:r>
+              <a:rPr dirty="0"/>
+              <a:t> Spar </a:t>
+            </a:r>
+            <a:r>
+              <a:rPr dirty="0" err="1"/>
+              <a:t>energi</a:t>
+            </a:r>
+            <a:r>
+              <a:rPr dirty="0"/>
+              <a:t> </a:t>
+            </a:r>
+            <a:r>
+              <a:rPr dirty="0" err="1"/>
+              <a:t>og</a:t>
+            </a:r>
+            <a:r>
+              <a:rPr dirty="0"/>
+              <a:t> </a:t>
+            </a:r>
+            <a:r>
+              <a:rPr dirty="0" err="1"/>
+              <a:t>ressourcer</a:t>
+            </a:r>
+            <a:r>
+              <a:rPr dirty="0"/>
+              <a:t>.</a:t>
+            </a:r>
+          </a:p>
+          <a:p>
+            <a:r>
+              <a:rPr dirty="0"/>
+              <a:t> </a:t>
+            </a:r>
+            <a:r>
+              <a:rPr dirty="0" err="1"/>
+              <a:t>Forbedrer</a:t>
+            </a:r>
+            <a:r>
+              <a:rPr dirty="0"/>
+              <a:t> </a:t>
+            </a:r>
+            <a:r>
+              <a:rPr dirty="0" err="1"/>
+              <a:t>hjemmesidens</a:t>
+            </a:r>
+            <a:r>
+              <a:rPr dirty="0"/>
+              <a:t> </a:t>
+            </a:r>
+            <a:r>
+              <a:rPr dirty="0" err="1"/>
+              <a:t>ydeevne</a:t>
+            </a:r>
+            <a:r>
+              <a:rPr dirty="0"/>
+              <a:t>.</a:t>
+            </a:r>
+          </a:p>
+          <a:p>
+            <a:r>
+              <a:rPr dirty="0" err="1"/>
+              <a:t>Forbedrer</a:t>
+            </a:r>
+            <a:r>
+              <a:rPr dirty="0"/>
+              <a:t> </a:t>
+            </a:r>
+            <a:r>
+              <a:rPr dirty="0" err="1"/>
+              <a:t>brugeroplevelsen</a:t>
+            </a:r>
+            <a:r>
+              <a:rPr dirty="0"/>
+              <a:t>.</a:t>
+            </a:r>
+          </a:p>
+          <a:p>
+            <a:r>
+              <a:rPr dirty="0"/>
+              <a:t> </a:t>
+            </a:r>
+            <a:r>
+              <a:rPr dirty="0" err="1"/>
+              <a:t>Øger</a:t>
+            </a:r>
+            <a:r>
+              <a:rPr dirty="0"/>
+              <a:t> </a:t>
+            </a:r>
+            <a:r>
+              <a:rPr dirty="0" err="1"/>
+              <a:t>forbrugernes</a:t>
+            </a:r>
+            <a:r>
+              <a:rPr dirty="0"/>
+              <a:t> </a:t>
+            </a:r>
+            <a:r>
+              <a:rPr dirty="0" err="1"/>
+              <a:t>tillid</a:t>
+            </a:r>
+            <a:r>
+              <a:rPr dirty="0"/>
+              <a:t>.</a:t>
+            </a:r>
+          </a:p>
+        </p:txBody>
+      </p:sp>
+    </p:spTree>
+  </p:cSld>
+  <p:clrMapOvr>
+    <a:masterClrMapping/>
+  </p:clrMapOvr>
+</p:sld>
+</file>
+
+<file path=ppt/slides/slide28.xml><?xml version="1.0" encoding="utf-8"?>
+<p:sld xmlns:a="http://schemas.openxmlformats.org/drawingml/2006/main" xmlns:r="http://schemas.openxmlformats.org/officeDocument/2006/relationships" xmlns:p="http://schemas.openxmlformats.org/presentationml/2006/main">
+  <p:cSld>
+    <p:spTree>
+      <p:nvGrpSpPr>
+        <p:cNvPr id="1" name=""/>
+        <p:cNvGrpSpPr/>
+        <p:nvPr/>
+      </p:nvGrpSpPr>
+      <p:grpSpPr>
+        <a:xfrm>
+          <a:off x="0" y="0"/>
+          <a:ext cx="0" cy="0"/>
+          <a:chOff x="0" y="0"/>
+          <a:chExt cx="0" cy="0"/>
+        </a:xfrm>
+      </p:grpSpPr>
+      <p:sp>
+        <p:nvSpPr>
+          <p:cNvPr id="2" name="Title 1"/>
+          <p:cNvSpPr>
+            <a:spLocks noGrp="1"/>
+          </p:cNvSpPr>
+          <p:nvPr>
+            <p:ph type="title"/>
+          </p:nvPr>
+        </p:nvSpPr>
+        <p:spPr/>
+        <p:txBody>
           <a:bodyPr>
             <a:normAutofit fontScale="90000"/>
           </a:bodyPr>
@@ -9546,7 +9830,7 @@
 </p:sld>
 </file>
 
-<file path=ppt/slides/slide28.xml><?xml version="1.0" encoding="utf-8"?>
+<file path=ppt/slides/slide29.xml><?xml version="1.0" encoding="utf-8"?>
 <p:sld xmlns:a="http://schemas.openxmlformats.org/drawingml/2006/main" xmlns:r="http://schemas.openxmlformats.org/officeDocument/2006/relationships" xmlns:p="http://schemas.openxmlformats.org/presentationml/2006/main">
   <p:cSld>
     <p:bg>
@@ -10048,242 +10332,6 @@
 </p:sld>
 </file>
 
-<file path=ppt/slides/slide29.xml><?xml version="1.0" encoding="utf-8"?>
-<p:sld xmlns:a="http://schemas.openxmlformats.org/drawingml/2006/main" xmlns:r="http://schemas.openxmlformats.org/officeDocument/2006/relationships" xmlns:p="http://schemas.openxmlformats.org/presentationml/2006/main">
-  <p:cSld>
-    <p:spTree>
-      <p:nvGrpSpPr>
-        <p:cNvPr id="1" name=""/>
-        <p:cNvGrpSpPr/>
-        <p:nvPr/>
-      </p:nvGrpSpPr>
-      <p:grpSpPr>
-        <a:xfrm>
-          <a:off x="0" y="0"/>
-          <a:ext cx="0" cy="0"/>
-          <a:chOff x="0" y="0"/>
-          <a:chExt cx="0" cy="0"/>
-        </a:xfrm>
-      </p:grpSpPr>
-      <p:sp>
-        <p:nvSpPr>
-          <p:cNvPr id="2" name="Title 1">
-            <a:extLst>
-              <a:ext uri="{FF2B5EF4-FFF2-40B4-BE49-F238E27FC236}">
-                <a16:creationId xmlns:a16="http://schemas.microsoft.com/office/drawing/2014/main" id="{ED1DE317-22BC-57B5-A85B-56B715D088C8}"/>
-              </a:ext>
-            </a:extLst>
-          </p:cNvPr>
-          <p:cNvSpPr>
-            <a:spLocks noGrp="1"/>
-          </p:cNvSpPr>
-          <p:nvPr>
-            <p:ph type="title"/>
-          </p:nvPr>
-        </p:nvSpPr>
-        <p:spPr/>
-        <p:txBody>
-          <a:bodyPr/>
-          <a:lstStyle/>
-          <a:p>
-            <a:r>
-              <a:rPr lang="en-DK" dirty="0">
-                <a:latin typeface="Raleway" pitchFamily="2" charset="77"/>
-              </a:rPr>
-              <a:t>kilder</a:t>
-            </a:r>
-          </a:p>
-        </p:txBody>
-      </p:sp>
-      <p:sp>
-        <p:nvSpPr>
-          <p:cNvPr id="3" name="Content Placeholder 2">
-            <a:extLst>
-              <a:ext uri="{FF2B5EF4-FFF2-40B4-BE49-F238E27FC236}">
-                <a16:creationId xmlns:a16="http://schemas.microsoft.com/office/drawing/2014/main" id="{23DFDECE-5720-0D07-750E-212EFC91F81C}"/>
-              </a:ext>
-            </a:extLst>
-          </p:cNvPr>
-          <p:cNvSpPr>
-            <a:spLocks noGrp="1"/>
-          </p:cNvSpPr>
-          <p:nvPr>
-            <p:ph idx="1"/>
-          </p:nvPr>
-        </p:nvSpPr>
-        <p:spPr/>
-        <p:txBody>
-          <a:bodyPr>
-            <a:normAutofit fontScale="85000" lnSpcReduction="10000"/>
-          </a:bodyPr>
-          <a:lstStyle/>
-          <a:p>
-            <a:pPr marL="0" indent="0" algn="l">
-              <a:buNone/>
-            </a:pPr>
-            <a:r>
-              <a:rPr lang="en-GB" dirty="0"/>
-              <a:t>Greenwood, T. (2021). Sustainable Web Design A book apart</a:t>
-            </a:r>
-          </a:p>
-          <a:p>
-            <a:pPr marL="0" indent="0">
-              <a:buNone/>
-            </a:pPr>
-            <a:endParaRPr lang="en-GB" dirty="0">
-              <a:effectLst/>
-            </a:endParaRPr>
-          </a:p>
-          <a:p>
-            <a:pPr marL="0" indent="0">
-              <a:buNone/>
-            </a:pPr>
-            <a:r>
-              <a:rPr lang="en-GB" dirty="0" err="1">
-                <a:effectLst/>
-              </a:rPr>
-              <a:t>Hulleberg</a:t>
-            </a:r>
-            <a:r>
-              <a:rPr lang="en-GB" dirty="0">
-                <a:effectLst/>
-              </a:rPr>
-              <a:t>, O., Granum, H. L., Hansen, S. G., Moen, M., </a:t>
-            </a:r>
-            <a:r>
-              <a:rPr lang="en-GB" dirty="0" err="1">
-                <a:effectLst/>
-              </a:rPr>
-              <a:t>Monllaó</a:t>
-            </a:r>
-            <a:r>
-              <a:rPr lang="en-GB" dirty="0">
-                <a:effectLst/>
-              </a:rPr>
-              <a:t>, C. V., &amp; </a:t>
-            </a:r>
-            <a:r>
-              <a:rPr lang="en-GB" dirty="0" err="1">
-                <a:effectLst/>
-              </a:rPr>
-              <a:t>Inal</a:t>
-            </a:r>
-            <a:r>
-              <a:rPr lang="en-GB" dirty="0">
-                <a:effectLst/>
-              </a:rPr>
-              <a:t>, Y. (2023). The Awareness and Practices of Web Developers Toward Sustainable Web Design. In </a:t>
-            </a:r>
-            <a:r>
-              <a:rPr lang="en-GB" i="1" dirty="0">
-                <a:effectLst/>
-              </a:rPr>
-              <a:t>HCII 2023</a:t>
-            </a:r>
-            <a:r>
-              <a:rPr lang="en-GB" dirty="0">
-                <a:effectLst/>
-              </a:rPr>
-              <a:t>, </a:t>
-            </a:r>
-            <a:r>
-              <a:rPr lang="en-GB" i="1" dirty="0">
-                <a:effectLst/>
-              </a:rPr>
-              <a:t>LNCS 14030</a:t>
-            </a:r>
-            <a:r>
-              <a:rPr lang="en-GB" dirty="0">
-                <a:effectLst/>
-              </a:rPr>
-              <a:t>, pp. 134–145. Springer.1...</a:t>
-            </a:r>
-          </a:p>
-          <a:p>
-            <a:pPr marL="0" indent="0">
-              <a:buNone/>
-            </a:pPr>
-            <a:r>
-              <a:rPr lang="en-GB" dirty="0">
-                <a:effectLst/>
-              </a:rPr>
-              <a:t>WAI Policy. (n.d.). Web accessibility laws &amp; policies. Retrieved from</a:t>
-            </a:r>
-          </a:p>
-          <a:p>
-            <a:pPr marL="0" indent="0">
-              <a:buNone/>
-            </a:pPr>
-            <a:r>
-              <a:rPr lang="en-GB" dirty="0"/>
-              <a:t>Green Software Foundation. . Green Software Foundation. Retrieved February 3, 2025, from http://</a:t>
-            </a:r>
-            <a:r>
-              <a:rPr lang="en-GB" dirty="0" err="1"/>
-              <a:t>greensoftware.foundation</a:t>
-            </a:r>
-            <a:r>
-              <a:rPr lang="en-GB" dirty="0"/>
-              <a:t>/</a:t>
-            </a:r>
-          </a:p>
-          <a:p>
-            <a:pPr marL="0" indent="0">
-              <a:buNone/>
-            </a:pPr>
-            <a:r>
-              <a:rPr lang="en-GB" dirty="0"/>
-              <a:t>The Green Web Foundation. The Green Web Foundation. Retrieved February 3, 2025, from https://</a:t>
-            </a:r>
-            <a:r>
-              <a:rPr lang="en-GB" dirty="0" err="1"/>
-              <a:t>www.thegreenwebfoundation.org</a:t>
-            </a:r>
-            <a:r>
-              <a:rPr lang="en-GB" dirty="0"/>
-              <a:t>/</a:t>
-            </a:r>
-          </a:p>
-          <a:p>
-            <a:pPr marL="0" indent="0">
-              <a:buNone/>
-            </a:pPr>
-            <a:endParaRPr lang="en-GB" dirty="0">
-              <a:effectLst/>
-            </a:endParaRPr>
-          </a:p>
-          <a:p>
-            <a:pPr marL="0" indent="0">
-              <a:buNone/>
-            </a:pPr>
-            <a:endParaRPr lang="en-GB" dirty="0"/>
-          </a:p>
-          <a:p>
-            <a:pPr marL="0" indent="0">
-              <a:buNone/>
-            </a:pPr>
-            <a:endParaRPr lang="en-GB" dirty="0">
-              <a:effectLst/>
-            </a:endParaRPr>
-          </a:p>
-          <a:p>
-            <a:endParaRPr lang="en-DK" dirty="0"/>
-          </a:p>
-        </p:txBody>
-      </p:sp>
-    </p:spTree>
-    <p:extLst>
-      <p:ext uri="{BB962C8B-B14F-4D97-AF65-F5344CB8AC3E}">
-        <p14:creationId xmlns:p14="http://schemas.microsoft.com/office/powerpoint/2010/main" val="2235366436"/>
-      </p:ext>
-    </p:extLst>
-  </p:cSld>
-  <p:clrMapOvr>
-    <a:masterClrMapping/>
-  </p:clrMapOvr>
-</p:sld>
-</file>
-
 <file path=ppt/slides/slide3.xml><?xml version="1.0" encoding="utf-8"?>
 <p:sld xmlns:a="http://schemas.openxmlformats.org/drawingml/2006/main" xmlns:r="http://schemas.openxmlformats.org/officeDocument/2006/relationships" xmlns:p="http://schemas.openxmlformats.org/presentationml/2006/main">
   <p:cSld>
@@ -10672,6 +10720,472 @@
         </p:spPr>
       </p:pic>
     </p:spTree>
+  </p:cSld>
+  <p:clrMapOvr>
+    <a:masterClrMapping/>
+  </p:clrMapOvr>
+</p:sld>
+</file>
+
+<file path=ppt/slides/slide30.xml><?xml version="1.0" encoding="utf-8"?>
+<p:sld xmlns:a="http://schemas.openxmlformats.org/drawingml/2006/main" xmlns:r="http://schemas.openxmlformats.org/officeDocument/2006/relationships" xmlns:p="http://schemas.openxmlformats.org/presentationml/2006/main">
+  <p:cSld>
+    <p:spTree>
+      <p:nvGrpSpPr>
+        <p:cNvPr id="1" name=""/>
+        <p:cNvGrpSpPr/>
+        <p:nvPr/>
+      </p:nvGrpSpPr>
+      <p:grpSpPr>
+        <a:xfrm>
+          <a:off x="0" y="0"/>
+          <a:ext cx="0" cy="0"/>
+          <a:chOff x="0" y="0"/>
+          <a:chExt cx="0" cy="0"/>
+        </a:xfrm>
+      </p:grpSpPr>
+      <p:sp>
+        <p:nvSpPr>
+          <p:cNvPr id="2" name="Title 1">
+            <a:extLst>
+              <a:ext uri="{FF2B5EF4-FFF2-40B4-BE49-F238E27FC236}">
+                <a16:creationId xmlns:a16="http://schemas.microsoft.com/office/drawing/2014/main" id="{5B2EF198-0717-5A16-2752-A779DC606B4A}"/>
+              </a:ext>
+            </a:extLst>
+          </p:cNvPr>
+          <p:cNvSpPr>
+            <a:spLocks noGrp="1"/>
+          </p:cNvSpPr>
+          <p:nvPr>
+            <p:ph type="title"/>
+          </p:nvPr>
+        </p:nvSpPr>
+        <p:spPr/>
+        <p:txBody>
+          <a:bodyPr/>
+          <a:lstStyle/>
+          <a:p>
+            <a:r>
+              <a:rPr lang="en-DK" dirty="0">
+                <a:latin typeface="Raleway" pitchFamily="2" charset="77"/>
+              </a:rPr>
+              <a:t>Q:</a:t>
+            </a:r>
+          </a:p>
+        </p:txBody>
+      </p:sp>
+      <p:sp>
+        <p:nvSpPr>
+          <p:cNvPr id="3" name="Content Placeholder 2">
+            <a:extLst>
+              <a:ext uri="{FF2B5EF4-FFF2-40B4-BE49-F238E27FC236}">
+                <a16:creationId xmlns:a16="http://schemas.microsoft.com/office/drawing/2014/main" id="{27AE12B6-A0F6-C0C6-B6F3-0C6BF173E202}"/>
+              </a:ext>
+            </a:extLst>
+          </p:cNvPr>
+          <p:cNvSpPr>
+            <a:spLocks noGrp="1"/>
+          </p:cNvSpPr>
+          <p:nvPr>
+            <p:ph idx="1"/>
+          </p:nvPr>
+        </p:nvSpPr>
+        <p:spPr/>
+        <p:txBody>
+          <a:bodyPr/>
+          <a:lstStyle/>
+          <a:p>
+            <a:pPr marL="0" indent="0">
+              <a:buNone/>
+            </a:pPr>
+            <a:r>
+              <a:rPr lang="en-GB" dirty="0"/>
+              <a:t>mange </a:t>
+            </a:r>
+            <a:r>
+              <a:rPr lang="en-GB" dirty="0" err="1"/>
+              <a:t>webudviklere</a:t>
+            </a:r>
+            <a:r>
+              <a:rPr lang="en-GB" dirty="0"/>
+              <a:t> er </a:t>
+            </a:r>
+            <a:r>
+              <a:rPr lang="en-GB" dirty="0" err="1"/>
+              <a:t>opmærksomme</a:t>
+            </a:r>
+            <a:r>
+              <a:rPr lang="en-GB" dirty="0"/>
+              <a:t> </a:t>
+            </a:r>
+            <a:r>
+              <a:rPr lang="en-GB" dirty="0" err="1"/>
+              <a:t>på</a:t>
+            </a:r>
+            <a:r>
+              <a:rPr lang="en-GB" dirty="0"/>
+              <a:t> </a:t>
+            </a:r>
+            <a:r>
+              <a:rPr lang="en-GB" dirty="0" err="1"/>
+              <a:t>internettets</a:t>
+            </a:r>
+            <a:r>
+              <a:rPr lang="en-GB" dirty="0"/>
+              <a:t> </a:t>
+            </a:r>
+            <a:r>
+              <a:rPr lang="en-GB" dirty="0" err="1"/>
+              <a:t>miljøpåvirkning</a:t>
+            </a:r>
+            <a:r>
+              <a:rPr lang="en-GB" dirty="0"/>
+              <a:t>, men </a:t>
+            </a:r>
+            <a:r>
+              <a:rPr lang="en-GB" dirty="0" err="1"/>
+              <a:t>ikke</a:t>
+            </a:r>
+            <a:r>
+              <a:rPr lang="en-GB" dirty="0"/>
+              <a:t> </a:t>
+            </a:r>
+            <a:r>
+              <a:rPr lang="en-GB" dirty="0" err="1"/>
+              <a:t>konsekvent</a:t>
+            </a:r>
+            <a:r>
+              <a:rPr lang="en-GB" dirty="0"/>
+              <a:t> </a:t>
+            </a:r>
+            <a:r>
+              <a:rPr lang="en-GB" dirty="0" err="1"/>
+              <a:t>bruger</a:t>
+            </a:r>
+            <a:r>
+              <a:rPr lang="en-GB" dirty="0"/>
+              <a:t> </a:t>
+            </a:r>
+            <a:r>
+              <a:rPr lang="en-GB" dirty="0" err="1"/>
+              <a:t>bæredygtige</a:t>
+            </a:r>
+            <a:r>
+              <a:rPr lang="en-GB" dirty="0"/>
+              <a:t> </a:t>
+            </a:r>
+            <a:r>
+              <a:rPr lang="en-GB" dirty="0" err="1"/>
+              <a:t>metoder</a:t>
+            </a:r>
+            <a:r>
+              <a:rPr lang="en-GB" dirty="0"/>
+              <a:t>. </a:t>
+            </a:r>
+            <a:r>
+              <a:rPr lang="en-GB" dirty="0" err="1"/>
+              <a:t>Hvorfor</a:t>
+            </a:r>
+            <a:r>
+              <a:rPr lang="en-GB" dirty="0"/>
+              <a:t> </a:t>
+            </a:r>
+            <a:r>
+              <a:rPr lang="en-GB" dirty="0" err="1"/>
+              <a:t>tror</a:t>
+            </a:r>
+            <a:r>
+              <a:rPr lang="en-GB" dirty="0"/>
+              <a:t> I, at der er </a:t>
+            </a:r>
+            <a:r>
+              <a:rPr lang="en-GB" dirty="0" err="1"/>
+              <a:t>denne</a:t>
+            </a:r>
+            <a:r>
+              <a:rPr lang="en-GB" dirty="0"/>
+              <a:t> </a:t>
+            </a:r>
+            <a:r>
+              <a:rPr lang="en-GB" dirty="0" err="1"/>
+              <a:t>forskel</a:t>
+            </a:r>
+            <a:r>
+              <a:rPr lang="en-GB" dirty="0"/>
+              <a:t> </a:t>
+            </a:r>
+            <a:r>
+              <a:rPr lang="en-GB" dirty="0" err="1"/>
+              <a:t>mellem</a:t>
+            </a:r>
+            <a:r>
+              <a:rPr lang="en-GB" dirty="0"/>
+              <a:t> </a:t>
+            </a:r>
+            <a:r>
+              <a:rPr lang="en-GB" dirty="0" err="1"/>
+              <a:t>viden</a:t>
+            </a:r>
+            <a:r>
+              <a:rPr lang="en-GB" dirty="0"/>
+              <a:t> </a:t>
+            </a:r>
+            <a:r>
+              <a:rPr lang="en-GB" dirty="0" err="1"/>
+              <a:t>og</a:t>
+            </a:r>
+            <a:r>
+              <a:rPr lang="en-GB" dirty="0"/>
+              <a:t> handling?</a:t>
+            </a:r>
+          </a:p>
+          <a:p>
+            <a:endParaRPr lang="en-DK" dirty="0"/>
+          </a:p>
+        </p:txBody>
+      </p:sp>
+    </p:spTree>
+    <p:extLst>
+      <p:ext uri="{BB962C8B-B14F-4D97-AF65-F5344CB8AC3E}">
+        <p14:creationId xmlns:p14="http://schemas.microsoft.com/office/powerpoint/2010/main" val="4240592993"/>
+      </p:ext>
+    </p:extLst>
+  </p:cSld>
+  <p:clrMapOvr>
+    <a:masterClrMapping/>
+  </p:clrMapOvr>
+</p:sld>
+</file>
+
+<file path=ppt/slides/slide31.xml><?xml version="1.0" encoding="utf-8"?>
+<p:sld xmlns:a="http://schemas.openxmlformats.org/drawingml/2006/main" xmlns:r="http://schemas.openxmlformats.org/officeDocument/2006/relationships" xmlns:p="http://schemas.openxmlformats.org/presentationml/2006/main">
+  <p:cSld>
+    <p:spTree>
+      <p:nvGrpSpPr>
+        <p:cNvPr id="1" name=""/>
+        <p:cNvGrpSpPr/>
+        <p:nvPr/>
+      </p:nvGrpSpPr>
+      <p:grpSpPr>
+        <a:xfrm>
+          <a:off x="0" y="0"/>
+          <a:ext cx="0" cy="0"/>
+          <a:chOff x="0" y="0"/>
+          <a:chExt cx="0" cy="0"/>
+        </a:xfrm>
+      </p:grpSpPr>
+      <p:sp>
+        <p:nvSpPr>
+          <p:cNvPr id="2" name="Title 1">
+            <a:extLst>
+              <a:ext uri="{FF2B5EF4-FFF2-40B4-BE49-F238E27FC236}">
+                <a16:creationId xmlns:a16="http://schemas.microsoft.com/office/drawing/2014/main" id="{ED1DE317-22BC-57B5-A85B-56B715D088C8}"/>
+              </a:ext>
+            </a:extLst>
+          </p:cNvPr>
+          <p:cNvSpPr>
+            <a:spLocks noGrp="1"/>
+          </p:cNvSpPr>
+          <p:nvPr>
+            <p:ph type="title"/>
+          </p:nvPr>
+        </p:nvSpPr>
+        <p:spPr/>
+        <p:txBody>
+          <a:bodyPr/>
+          <a:lstStyle/>
+          <a:p>
+            <a:r>
+              <a:rPr lang="en-DK" dirty="0">
+                <a:latin typeface="Raleway" pitchFamily="2" charset="77"/>
+              </a:rPr>
+              <a:t>kilder</a:t>
+            </a:r>
+          </a:p>
+        </p:txBody>
+      </p:sp>
+      <p:sp>
+        <p:nvSpPr>
+          <p:cNvPr id="3" name="Content Placeholder 2">
+            <a:extLst>
+              <a:ext uri="{FF2B5EF4-FFF2-40B4-BE49-F238E27FC236}">
+                <a16:creationId xmlns:a16="http://schemas.microsoft.com/office/drawing/2014/main" id="{23DFDECE-5720-0D07-750E-212EFC91F81C}"/>
+              </a:ext>
+            </a:extLst>
+          </p:cNvPr>
+          <p:cNvSpPr>
+            <a:spLocks noGrp="1"/>
+          </p:cNvSpPr>
+          <p:nvPr>
+            <p:ph idx="1"/>
+          </p:nvPr>
+        </p:nvSpPr>
+        <p:spPr/>
+        <p:txBody>
+          <a:bodyPr>
+            <a:normAutofit fontScale="85000" lnSpcReduction="10000"/>
+          </a:bodyPr>
+          <a:lstStyle/>
+          <a:p>
+            <a:pPr marL="0" indent="0" algn="l">
+              <a:buNone/>
+            </a:pPr>
+            <a:r>
+              <a:rPr lang="en-GB" dirty="0"/>
+              <a:t>Greenwood, T. (2021). Sustainable Web Design A book apart</a:t>
+            </a:r>
+          </a:p>
+          <a:p>
+            <a:pPr marL="0" indent="0">
+              <a:buNone/>
+            </a:pPr>
+            <a:endParaRPr lang="en-GB" dirty="0">
+              <a:effectLst/>
+            </a:endParaRPr>
+          </a:p>
+          <a:p>
+            <a:pPr marL="0" indent="0">
+              <a:buNone/>
+            </a:pPr>
+            <a:r>
+              <a:rPr lang="en-GB" dirty="0" err="1">
+                <a:effectLst/>
+              </a:rPr>
+              <a:t>Hulleberg</a:t>
+            </a:r>
+            <a:r>
+              <a:rPr lang="en-GB" dirty="0">
+                <a:effectLst/>
+              </a:rPr>
+              <a:t>, O., Granum, H. L., Hansen, S. G., Moen, M., </a:t>
+            </a:r>
+            <a:r>
+              <a:rPr lang="en-GB" dirty="0" err="1">
+                <a:effectLst/>
+              </a:rPr>
+              <a:t>Monllaó</a:t>
+            </a:r>
+            <a:r>
+              <a:rPr lang="en-GB" dirty="0">
+                <a:effectLst/>
+              </a:rPr>
+              <a:t>, C. V., &amp; </a:t>
+            </a:r>
+            <a:r>
+              <a:rPr lang="en-GB" dirty="0" err="1">
+                <a:effectLst/>
+              </a:rPr>
+              <a:t>Inal</a:t>
+            </a:r>
+            <a:r>
+              <a:rPr lang="en-GB" dirty="0">
+                <a:effectLst/>
+              </a:rPr>
+              <a:t>, Y. (2023). The Awareness and Practices of Web Developers Toward Sustainable Web Design. In </a:t>
+            </a:r>
+            <a:r>
+              <a:rPr lang="en-GB" i="1" dirty="0">
+                <a:effectLst/>
+              </a:rPr>
+              <a:t>HCII 2023</a:t>
+            </a:r>
+            <a:r>
+              <a:rPr lang="en-GB" dirty="0">
+                <a:effectLst/>
+              </a:rPr>
+              <a:t>, </a:t>
+            </a:r>
+            <a:r>
+              <a:rPr lang="en-GB" i="1" dirty="0">
+                <a:effectLst/>
+              </a:rPr>
+              <a:t>LNCS 14030</a:t>
+            </a:r>
+            <a:r>
+              <a:rPr lang="en-GB" dirty="0">
+                <a:effectLst/>
+              </a:rPr>
+              <a:t>, pp. 134–145. Springer.1...</a:t>
+            </a:r>
+          </a:p>
+          <a:p>
+            <a:pPr marL="0" indent="0">
+              <a:buNone/>
+            </a:pPr>
+            <a:r>
+              <a:rPr lang="en-GB" dirty="0">
+                <a:effectLst/>
+              </a:rPr>
+              <a:t>WAI Policy. (n.d.). Web accessibility laws &amp; policies. Retrieved from</a:t>
+            </a:r>
+          </a:p>
+          <a:p>
+            <a:pPr marL="0" indent="0">
+              <a:buNone/>
+            </a:pPr>
+            <a:r>
+              <a:rPr lang="en-GB" dirty="0"/>
+              <a:t>Green Software Foundation. . Green Software Foundation. Retrieved February 3, 2025, from http://</a:t>
+            </a:r>
+            <a:r>
+              <a:rPr lang="en-GB" dirty="0" err="1"/>
+              <a:t>greensoftware.foundation</a:t>
+            </a:r>
+            <a:r>
+              <a:rPr lang="en-GB" dirty="0"/>
+              <a:t>/</a:t>
+            </a:r>
+          </a:p>
+          <a:p>
+            <a:pPr marL="0" indent="0">
+              <a:buNone/>
+            </a:pPr>
+            <a:r>
+              <a:rPr lang="en-GB" dirty="0"/>
+              <a:t>The Green Web Foundation. The Green Web Foundation. Retrieved February 3, 2025, from https://</a:t>
+            </a:r>
+            <a:r>
+              <a:rPr lang="en-GB" dirty="0" err="1"/>
+              <a:t>www.thegreenwebfoundation.org</a:t>
+            </a:r>
+            <a:r>
+              <a:rPr lang="en-GB" dirty="0"/>
+              <a:t>/</a:t>
+            </a:r>
+          </a:p>
+          <a:p>
+            <a:pPr marL="0" indent="0">
+              <a:buNone/>
+            </a:pPr>
+            <a:endParaRPr lang="en-GB" dirty="0">
+              <a:effectLst/>
+            </a:endParaRPr>
+          </a:p>
+          <a:p>
+            <a:pPr marL="0" indent="0">
+              <a:buNone/>
+            </a:pPr>
+            <a:endParaRPr lang="en-GB" dirty="0"/>
+          </a:p>
+          <a:p>
+            <a:pPr marL="0" indent="0">
+              <a:buNone/>
+            </a:pPr>
+            <a:endParaRPr lang="en-GB" dirty="0">
+              <a:effectLst/>
+            </a:endParaRPr>
+          </a:p>
+          <a:p>
+            <a:endParaRPr lang="en-DK" dirty="0"/>
+          </a:p>
+        </p:txBody>
+      </p:sp>
+    </p:spTree>
+    <p:extLst>
+      <p:ext uri="{BB962C8B-B14F-4D97-AF65-F5344CB8AC3E}">
+        <p14:creationId xmlns:p14="http://schemas.microsoft.com/office/powerpoint/2010/main" val="2235366436"/>
+      </p:ext>
+    </p:extLst>
   </p:cSld>
   <p:clrMapOvr>
     <a:masterClrMapping/>

--- a/semester2 PPT/Sustainable_Web_Presentation_Danish.pptx
+++ b/semester2 PPT/Sustainable_Web_Presentation_Danish.pptx
@@ -5,7 +5,7 @@
     <p:sldMasterId id="2147483648" r:id="rId1"/>
   </p:sldMasterIdLst>
   <p:notesMasterIdLst>
-    <p:notesMasterId r:id="rId33"/>
+    <p:notesMasterId r:id="rId35"/>
   </p:notesMasterIdLst>
   <p:sldIdLst>
     <p:sldId id="256" r:id="rId2"/>
@@ -37,8 +37,10 @@
     <p:sldId id="275" r:id="rId28"/>
     <p:sldId id="273" r:id="rId29"/>
     <p:sldId id="285" r:id="rId30"/>
-    <p:sldId id="288" r:id="rId31"/>
-    <p:sldId id="264" r:id="rId32"/>
+    <p:sldId id="290" r:id="rId31"/>
+    <p:sldId id="291" r:id="rId32"/>
+    <p:sldId id="288" r:id="rId33"/>
+    <p:sldId id="264" r:id="rId34"/>
   </p:sldIdLst>
   <p:sldSz cx="12192000" cy="6858000"/>
   <p:notesSz cx="6858000" cy="9144000"/>
@@ -1360,7 +1362,7 @@
           <a:p>
             <a:fld id="{5BCAD085-E8A6-8845-BD4E-CB4CCA059FC4}" type="datetimeFigureOut">
               <a:rPr lang="en-US" smtClean="0"/>
-              <a:t>2/3/25</a:t>
+              <a:t>2/6/25</a:t>
             </a:fld>
             <a:endParaRPr lang="en-US"/>
           </a:p>
@@ -1528,7 +1530,7 @@
           <a:p>
             <a:fld id="{5BCAD085-E8A6-8845-BD4E-CB4CCA059FC4}" type="datetimeFigureOut">
               <a:rPr lang="en-US" smtClean="0"/>
-              <a:t>2/3/25</a:t>
+              <a:t>2/6/25</a:t>
             </a:fld>
             <a:endParaRPr lang="en-US"/>
           </a:p>
@@ -1706,7 +1708,7 @@
           <a:p>
             <a:fld id="{5BCAD085-E8A6-8845-BD4E-CB4CCA059FC4}" type="datetimeFigureOut">
               <a:rPr lang="en-US" smtClean="0"/>
-              <a:t>2/3/25</a:t>
+              <a:t>2/6/25</a:t>
             </a:fld>
             <a:endParaRPr lang="en-US"/>
           </a:p>
@@ -1874,7 +1876,7 @@
           <a:p>
             <a:fld id="{5BCAD085-E8A6-8845-BD4E-CB4CCA059FC4}" type="datetimeFigureOut">
               <a:rPr lang="en-US" smtClean="0"/>
-              <a:t>2/3/25</a:t>
+              <a:t>2/6/25</a:t>
             </a:fld>
             <a:endParaRPr lang="en-US"/>
           </a:p>
@@ -2119,7 +2121,7 @@
           <a:p>
             <a:fld id="{5BCAD085-E8A6-8845-BD4E-CB4CCA059FC4}" type="datetimeFigureOut">
               <a:rPr lang="en-US" smtClean="0"/>
-              <a:t>2/3/25</a:t>
+              <a:t>2/6/25</a:t>
             </a:fld>
             <a:endParaRPr lang="en-US"/>
           </a:p>
@@ -2404,7 +2406,7 @@
           <a:p>
             <a:fld id="{5BCAD085-E8A6-8845-BD4E-CB4CCA059FC4}" type="datetimeFigureOut">
               <a:rPr lang="en-US" smtClean="0"/>
-              <a:t>2/3/25</a:t>
+              <a:t>2/6/25</a:t>
             </a:fld>
             <a:endParaRPr lang="en-US"/>
           </a:p>
@@ -2823,7 +2825,7 @@
           <a:p>
             <a:fld id="{5BCAD085-E8A6-8845-BD4E-CB4CCA059FC4}" type="datetimeFigureOut">
               <a:rPr lang="en-US" smtClean="0"/>
-              <a:t>2/3/25</a:t>
+              <a:t>2/6/25</a:t>
             </a:fld>
             <a:endParaRPr lang="en-US"/>
           </a:p>
@@ -2940,7 +2942,7 @@
           <a:p>
             <a:fld id="{5BCAD085-E8A6-8845-BD4E-CB4CCA059FC4}" type="datetimeFigureOut">
               <a:rPr lang="en-US" smtClean="0"/>
-              <a:t>2/3/25</a:t>
+              <a:t>2/6/25</a:t>
             </a:fld>
             <a:endParaRPr lang="en-US"/>
           </a:p>
@@ -3035,7 +3037,7 @@
           <a:p>
             <a:fld id="{5BCAD085-E8A6-8845-BD4E-CB4CCA059FC4}" type="datetimeFigureOut">
               <a:rPr lang="en-US" smtClean="0"/>
-              <a:t>2/3/25</a:t>
+              <a:t>2/6/25</a:t>
             </a:fld>
             <a:endParaRPr lang="en-US"/>
           </a:p>
@@ -3310,7 +3312,7 @@
           <a:p>
             <a:fld id="{5BCAD085-E8A6-8845-BD4E-CB4CCA059FC4}" type="datetimeFigureOut">
               <a:rPr lang="en-US" smtClean="0"/>
-              <a:t>2/3/25</a:t>
+              <a:t>2/6/25</a:t>
             </a:fld>
             <a:endParaRPr lang="en-US"/>
           </a:p>
@@ -3562,7 +3564,7 @@
           <a:p>
             <a:fld id="{5BCAD085-E8A6-8845-BD4E-CB4CCA059FC4}" type="datetimeFigureOut">
               <a:rPr lang="en-US" smtClean="0"/>
-              <a:t>2/3/25</a:t>
+              <a:t>2/6/25</a:t>
             </a:fld>
             <a:endParaRPr lang="en-US"/>
           </a:p>
@@ -3773,7 +3775,7 @@
           <a:p>
             <a:fld id="{5BCAD085-E8A6-8845-BD4E-CB4CCA059FC4}" type="datetimeFigureOut">
               <a:rPr lang="en-US" smtClean="0"/>
-              <a:t>2/3/25</a:t>
+              <a:t>2/6/25</a:t>
             </a:fld>
             <a:endParaRPr lang="en-US"/>
           </a:p>
@@ -10749,6 +10751,365 @@
           <p:cNvPr id="2" name="Title 1">
             <a:extLst>
               <a:ext uri="{FF2B5EF4-FFF2-40B4-BE49-F238E27FC236}">
+                <a16:creationId xmlns:a16="http://schemas.microsoft.com/office/drawing/2014/main" id="{7B638340-B557-19E0-35EA-8DFFCC3FCCAA}"/>
+              </a:ext>
+            </a:extLst>
+          </p:cNvPr>
+          <p:cNvSpPr>
+            <a:spLocks noGrp="1"/>
+          </p:cNvSpPr>
+          <p:nvPr>
+            <p:ph type="title"/>
+          </p:nvPr>
+        </p:nvSpPr>
+        <p:spPr/>
+        <p:txBody>
+          <a:bodyPr/>
+          <a:lstStyle/>
+          <a:p>
+            <a:r>
+              <a:rPr lang="en-GB" dirty="0">
+                <a:effectLst/>
+                <a:latin typeface="Raleway" pitchFamily="2" charset="77"/>
+              </a:rPr>
+              <a:t>Reflection Questions</a:t>
+            </a:r>
+            <a:endParaRPr lang="en-DK" dirty="0">
+              <a:latin typeface="Raleway" pitchFamily="2" charset="77"/>
+            </a:endParaRPr>
+          </a:p>
+        </p:txBody>
+      </p:sp>
+      <p:sp>
+        <p:nvSpPr>
+          <p:cNvPr id="3" name="Content Placeholder 2">
+            <a:extLst>
+              <a:ext uri="{FF2B5EF4-FFF2-40B4-BE49-F238E27FC236}">
+                <a16:creationId xmlns:a16="http://schemas.microsoft.com/office/drawing/2014/main" id="{84793134-4B37-94F3-2A34-D71F288646AF}"/>
+              </a:ext>
+            </a:extLst>
+          </p:cNvPr>
+          <p:cNvSpPr>
+            <a:spLocks noGrp="1"/>
+          </p:cNvSpPr>
+          <p:nvPr>
+            <p:ph idx="1"/>
+          </p:nvPr>
+        </p:nvSpPr>
+        <p:spPr/>
+        <p:txBody>
+          <a:bodyPr/>
+          <a:lstStyle/>
+          <a:p>
+            <a:pPr>
+              <a:spcAft>
+                <a:spcPts val="800"/>
+              </a:spcAft>
+              <a:buFont typeface="+mj-lt"/>
+              <a:buAutoNum type="arabicPeriod"/>
+            </a:pPr>
+            <a:r>
+              <a:rPr lang="en-GB" b="1" dirty="0">
+                <a:effectLst/>
+              </a:rPr>
+              <a:t>What is Sustainable Web Design?</a:t>
+            </a:r>
+            <a:endParaRPr lang="en-GB" dirty="0">
+              <a:effectLst/>
+            </a:endParaRPr>
+          </a:p>
+          <a:p>
+            <a:pPr marL="742950" lvl="1" indent="-285750">
+              <a:spcAft>
+                <a:spcPts val="800"/>
+              </a:spcAft>
+              <a:buFont typeface="+mj-lt"/>
+              <a:buAutoNum type="arabicPeriod"/>
+            </a:pPr>
+            <a:r>
+              <a:rPr lang="en-GB" dirty="0">
+                <a:effectLst/>
+              </a:rPr>
+              <a:t>How would you define sustainable web design in your own words?</a:t>
+            </a:r>
+          </a:p>
+          <a:p>
+            <a:pPr marL="742950" lvl="1" indent="-285750">
+              <a:spcAft>
+                <a:spcPts val="800"/>
+              </a:spcAft>
+              <a:buFont typeface="+mj-lt"/>
+              <a:buAutoNum type="arabicPeriod"/>
+            </a:pPr>
+            <a:r>
+              <a:rPr lang="en-GB" dirty="0">
+                <a:effectLst/>
+              </a:rPr>
+              <a:t>Why is it important to consider sustainability in web development?</a:t>
+            </a:r>
+          </a:p>
+          <a:p>
+            <a:pPr>
+              <a:spcAft>
+                <a:spcPts val="800"/>
+              </a:spcAft>
+              <a:buFont typeface="+mj-lt"/>
+              <a:buAutoNum type="arabicPeriod"/>
+            </a:pPr>
+            <a:r>
+              <a:rPr lang="en-GB" b="1" dirty="0">
+                <a:effectLst/>
+              </a:rPr>
+              <a:t>Practical Applications</a:t>
+            </a:r>
+            <a:endParaRPr lang="en-GB" dirty="0">
+              <a:effectLst/>
+            </a:endParaRPr>
+          </a:p>
+          <a:p>
+            <a:pPr marL="742950" lvl="1" indent="-285750">
+              <a:spcAft>
+                <a:spcPts val="800"/>
+              </a:spcAft>
+              <a:buFont typeface="+mj-lt"/>
+              <a:buAutoNum type="arabicPeriod"/>
+            </a:pPr>
+            <a:r>
+              <a:rPr lang="en-GB" dirty="0">
+                <a:effectLst/>
+              </a:rPr>
+              <a:t>Can you think of any examples where sustainable web practices could be applied in your current or future projects?</a:t>
+            </a:r>
+          </a:p>
+          <a:p>
+            <a:pPr marL="742950" lvl="1" indent="-285750">
+              <a:spcAft>
+                <a:spcPts val="800"/>
+              </a:spcAft>
+              <a:buFont typeface="+mj-lt"/>
+              <a:buAutoNum type="arabicPeriod"/>
+            </a:pPr>
+            <a:r>
+              <a:rPr lang="en-GB" dirty="0">
+                <a:effectLst/>
+              </a:rPr>
+              <a:t>What challenges might you face when implementing these practices?</a:t>
+            </a:r>
+          </a:p>
+          <a:p>
+            <a:endParaRPr lang="en-DK" dirty="0"/>
+          </a:p>
+          <a:p>
+            <a:endParaRPr lang="en-DK" dirty="0"/>
+          </a:p>
+        </p:txBody>
+      </p:sp>
+    </p:spTree>
+    <p:extLst>
+      <p:ext uri="{BB962C8B-B14F-4D97-AF65-F5344CB8AC3E}">
+        <p14:creationId xmlns:p14="http://schemas.microsoft.com/office/powerpoint/2010/main" val="1580796679"/>
+      </p:ext>
+    </p:extLst>
+  </p:cSld>
+  <p:clrMapOvr>
+    <a:masterClrMapping/>
+  </p:clrMapOvr>
+</p:sld>
+</file>
+
+<file path=ppt/slides/slide31.xml><?xml version="1.0" encoding="utf-8"?>
+<p:sld xmlns:a="http://schemas.openxmlformats.org/drawingml/2006/main" xmlns:r="http://schemas.openxmlformats.org/officeDocument/2006/relationships" xmlns:p="http://schemas.openxmlformats.org/presentationml/2006/main">
+  <p:cSld>
+    <p:spTree>
+      <p:nvGrpSpPr>
+        <p:cNvPr id="1" name=""/>
+        <p:cNvGrpSpPr/>
+        <p:nvPr/>
+      </p:nvGrpSpPr>
+      <p:grpSpPr>
+        <a:xfrm>
+          <a:off x="0" y="0"/>
+          <a:ext cx="0" cy="0"/>
+          <a:chOff x="0" y="0"/>
+          <a:chExt cx="0" cy="0"/>
+        </a:xfrm>
+      </p:grpSpPr>
+      <p:sp>
+        <p:nvSpPr>
+          <p:cNvPr id="2" name="Title 1">
+            <a:extLst>
+              <a:ext uri="{FF2B5EF4-FFF2-40B4-BE49-F238E27FC236}">
+                <a16:creationId xmlns:a16="http://schemas.microsoft.com/office/drawing/2014/main" id="{B0F784D7-F6C0-46C9-6C81-5E4ACC5C4CCA}"/>
+              </a:ext>
+            </a:extLst>
+          </p:cNvPr>
+          <p:cNvSpPr>
+            <a:spLocks noGrp="1"/>
+          </p:cNvSpPr>
+          <p:nvPr>
+            <p:ph type="title"/>
+          </p:nvPr>
+        </p:nvSpPr>
+        <p:spPr/>
+        <p:txBody>
+          <a:bodyPr/>
+          <a:lstStyle/>
+          <a:p>
+            <a:r>
+              <a:rPr lang="en-GB" dirty="0">
+                <a:effectLst/>
+                <a:latin typeface="Raleway" pitchFamily="2" charset="77"/>
+              </a:rPr>
+              <a:t>Discussion Points</a:t>
+            </a:r>
+            <a:endParaRPr lang="en-DK" dirty="0">
+              <a:latin typeface="Raleway" pitchFamily="2" charset="77"/>
+            </a:endParaRPr>
+          </a:p>
+        </p:txBody>
+      </p:sp>
+      <p:sp>
+        <p:nvSpPr>
+          <p:cNvPr id="3" name="Content Placeholder 2">
+            <a:extLst>
+              <a:ext uri="{FF2B5EF4-FFF2-40B4-BE49-F238E27FC236}">
+                <a16:creationId xmlns:a16="http://schemas.microsoft.com/office/drawing/2014/main" id="{1E6F2E7B-6A3F-8ADC-959F-A6938627457C}"/>
+              </a:ext>
+            </a:extLst>
+          </p:cNvPr>
+          <p:cNvSpPr>
+            <a:spLocks noGrp="1"/>
+          </p:cNvSpPr>
+          <p:nvPr>
+            <p:ph idx="1"/>
+          </p:nvPr>
+        </p:nvSpPr>
+        <p:spPr/>
+        <p:txBody>
+          <a:bodyPr>
+            <a:normAutofit/>
+          </a:bodyPr>
+          <a:lstStyle/>
+          <a:p>
+            <a:pPr>
+              <a:spcAft>
+                <a:spcPts val="800"/>
+              </a:spcAft>
+              <a:buFont typeface="+mj-lt"/>
+              <a:buAutoNum type="arabicPeriod"/>
+            </a:pPr>
+            <a:r>
+              <a:rPr lang="en-GB" b="1" dirty="0">
+                <a:effectLst/>
+              </a:rPr>
+              <a:t>Impact on the Environment</a:t>
+            </a:r>
+            <a:endParaRPr lang="en-GB" dirty="0">
+              <a:effectLst/>
+            </a:endParaRPr>
+          </a:p>
+          <a:p>
+            <a:pPr marL="742950" lvl="1" indent="-285750">
+              <a:spcAft>
+                <a:spcPts val="800"/>
+              </a:spcAft>
+              <a:buFont typeface="+mj-lt"/>
+              <a:buAutoNum type="arabicPeriod"/>
+            </a:pPr>
+            <a:r>
+              <a:rPr lang="en-GB" dirty="0">
+                <a:effectLst/>
+              </a:rPr>
+              <a:t>How does optimizing images, videos, and code contribute to reducing the environmental impact of websites?</a:t>
+            </a:r>
+          </a:p>
+          <a:p>
+            <a:pPr marL="742950" lvl="1" indent="-285750">
+              <a:spcAft>
+                <a:spcPts val="800"/>
+              </a:spcAft>
+              <a:buFont typeface="+mj-lt"/>
+              <a:buAutoNum type="arabicPeriod"/>
+            </a:pPr>
+            <a:r>
+              <a:rPr lang="en-GB" dirty="0">
+                <a:effectLst/>
+              </a:rPr>
+              <a:t>What other web design practices can help minimize energy consumption?</a:t>
+            </a:r>
+          </a:p>
+          <a:p>
+            <a:pPr>
+              <a:spcAft>
+                <a:spcPts val="800"/>
+              </a:spcAft>
+              <a:buFont typeface="+mj-lt"/>
+              <a:buAutoNum type="arabicPeriod"/>
+            </a:pPr>
+            <a:r>
+              <a:rPr lang="en-GB" b="1" dirty="0">
+                <a:effectLst/>
+              </a:rPr>
+              <a:t>Personal Commitment</a:t>
+            </a:r>
+            <a:endParaRPr lang="en-GB" dirty="0">
+              <a:effectLst/>
+            </a:endParaRPr>
+          </a:p>
+          <a:p>
+            <a:pPr marL="457200" lvl="1" indent="0">
+              <a:spcAft>
+                <a:spcPts val="800"/>
+              </a:spcAft>
+              <a:buNone/>
+            </a:pPr>
+            <a:r>
+              <a:rPr lang="en-GB" dirty="0">
+                <a:effectLst/>
+              </a:rPr>
+              <a:t>What steps can you take to incorporate sustainable practices into your daily work as a web developer?</a:t>
+            </a:r>
+          </a:p>
+          <a:p>
+            <a:endParaRPr lang="en-DK" dirty="0"/>
+          </a:p>
+        </p:txBody>
+      </p:sp>
+    </p:spTree>
+    <p:extLst>
+      <p:ext uri="{BB962C8B-B14F-4D97-AF65-F5344CB8AC3E}">
+        <p14:creationId xmlns:p14="http://schemas.microsoft.com/office/powerpoint/2010/main" val="1707766810"/>
+      </p:ext>
+    </p:extLst>
+  </p:cSld>
+  <p:clrMapOvr>
+    <a:masterClrMapping/>
+  </p:clrMapOvr>
+</p:sld>
+</file>
+
+<file path=ppt/slides/slide32.xml><?xml version="1.0" encoding="utf-8"?>
+<p:sld xmlns:a="http://schemas.openxmlformats.org/drawingml/2006/main" xmlns:r="http://schemas.openxmlformats.org/officeDocument/2006/relationships" xmlns:p="http://schemas.openxmlformats.org/presentationml/2006/main">
+  <p:cSld>
+    <p:spTree>
+      <p:nvGrpSpPr>
+        <p:cNvPr id="1" name=""/>
+        <p:cNvGrpSpPr/>
+        <p:nvPr/>
+      </p:nvGrpSpPr>
+      <p:grpSpPr>
+        <a:xfrm>
+          <a:off x="0" y="0"/>
+          <a:ext cx="0" cy="0"/>
+          <a:chOff x="0" y="0"/>
+          <a:chExt cx="0" cy="0"/>
+        </a:xfrm>
+      </p:grpSpPr>
+      <p:sp>
+        <p:nvSpPr>
+          <p:cNvPr id="2" name="Title 1">
+            <a:extLst>
+              <a:ext uri="{FF2B5EF4-FFF2-40B4-BE49-F238E27FC236}">
                 <a16:creationId xmlns:a16="http://schemas.microsoft.com/office/drawing/2014/main" id="{5B2EF198-0717-5A16-2752-A779DC606B4A}"/>
               </a:ext>
             </a:extLst>
@@ -10766,11 +11127,15 @@
           <a:lstStyle/>
           <a:p>
             <a:r>
-              <a:rPr lang="en-DK" dirty="0">
-                <a:latin typeface="Raleway" pitchFamily="2" charset="77"/>
-              </a:rPr>
-              <a:t>Q:</a:t>
-            </a:r>
+              <a:rPr lang="en-GB" dirty="0">
+                <a:effectLst/>
+                <a:latin typeface="Raleway" pitchFamily="2" charset="77"/>
+              </a:rPr>
+              <a:t>Discussion Points 2</a:t>
+            </a:r>
+            <a:endParaRPr lang="en-DK" dirty="0">
+              <a:latin typeface="Raleway" pitchFamily="2" charset="77"/>
+            </a:endParaRPr>
           </a:p>
         </p:txBody>
       </p:sp>
@@ -10800,7 +11165,7 @@
             </a:pPr>
             <a:r>
               <a:rPr lang="en-GB" dirty="0"/>
-              <a:t>mange </a:t>
+              <a:t>Mange </a:t>
             </a:r>
             <a:r>
               <a:rPr lang="en-GB" dirty="0" err="1"/>
@@ -10940,6 +11305,9 @@
             </a:r>
           </a:p>
           <a:p>
+            <a:pPr marL="0" indent="0">
+              <a:buNone/>
+            </a:pPr>
             <a:endParaRPr lang="en-DK" dirty="0"/>
           </a:p>
         </p:txBody>
@@ -10957,7 +11325,7 @@
 </p:sld>
 </file>
 
-<file path=ppt/slides/slide31.xml><?xml version="1.0" encoding="utf-8"?>
+<file path=ppt/slides/slide33.xml><?xml version="1.0" encoding="utf-8"?>
 <p:sld xmlns:a="http://schemas.openxmlformats.org/drawingml/2006/main" xmlns:r="http://schemas.openxmlformats.org/officeDocument/2006/relationships" xmlns:p="http://schemas.openxmlformats.org/presentationml/2006/main">
   <p:cSld>
     <p:spTree>
